--- a/20144719안유상(발표자료).pptx
+++ b/20144719안유상(발표자료).pptx
@@ -5,13 +5,23 @@
     <p:sldMasterId id="2147483648" r:id="rId1"/>
   </p:sldMasterIdLst>
   <p:notesMasterIdLst>
-    <p:notesMasterId r:id="rId6"/>
+    <p:notesMasterId r:id="rId16"/>
   </p:notesMasterIdLst>
   <p:sldIdLst>
     <p:sldId id="256" r:id="rId2"/>
-    <p:sldId id="294" r:id="rId3"/>
-    <p:sldId id="295" r:id="rId4"/>
-    <p:sldId id="267" r:id="rId5"/>
+    <p:sldId id="257" r:id="rId3"/>
+    <p:sldId id="296" r:id="rId4"/>
+    <p:sldId id="307" r:id="rId5"/>
+    <p:sldId id="308" r:id="rId6"/>
+    <p:sldId id="309" r:id="rId7"/>
+    <p:sldId id="310" r:id="rId8"/>
+    <p:sldId id="311" r:id="rId9"/>
+    <p:sldId id="312" r:id="rId10"/>
+    <p:sldId id="313" r:id="rId11"/>
+    <p:sldId id="314" r:id="rId12"/>
+    <p:sldId id="315" r:id="rId13"/>
+    <p:sldId id="316" r:id="rId14"/>
+    <p:sldId id="267" r:id="rId15"/>
   </p:sldIdLst>
   <p:sldSz cx="9144000" cy="6858000" type="screen4x3"/>
   <p:notesSz cx="6858000" cy="9144000"/>
@@ -212,7 +222,7 @@
             <a:fld id="{08BAF830-9B8C-4046-8B49-0D221E39FCC9}" type="datetimeFigureOut">
               <a:rPr lang="ko-KR" altLang="en-US" smtClean="0"/>
               <a:pPr/>
-              <a:t>2019-01-09</a:t>
+              <a:t>2019-01-17</a:t>
             </a:fld>
             <a:endParaRPr lang="ko-KR" altLang="en-US"/>
           </a:p>
@@ -482,6 +492,91 @@
 </p:notesMaster>
 </file>
 
+<file path=ppt/notesSlides/notesSlide1.xml><?xml version="1.0" encoding="utf-8"?>
+<p:notes xmlns:a="http://schemas.openxmlformats.org/drawingml/2006/main" xmlns:r="http://schemas.openxmlformats.org/officeDocument/2006/relationships" xmlns:p="http://schemas.openxmlformats.org/presentationml/2006/main">
+  <p:cSld>
+    <p:spTree>
+      <p:nvGrpSpPr>
+        <p:cNvPr id="1" name=""/>
+        <p:cNvGrpSpPr/>
+        <p:nvPr/>
+      </p:nvGrpSpPr>
+      <p:grpSpPr>
+        <a:xfrm>
+          <a:off x="0" y="0"/>
+          <a:ext cx="0" cy="0"/>
+          <a:chOff x="0" y="0"/>
+          <a:chExt cx="0" cy="0"/>
+        </a:xfrm>
+      </p:grpSpPr>
+      <p:sp>
+        <p:nvSpPr>
+          <p:cNvPr id="2" name="슬라이드 이미지 개체 틀 1"/>
+          <p:cNvSpPr>
+            <a:spLocks noGrp="1" noRot="1" noChangeAspect="1"/>
+          </p:cNvSpPr>
+          <p:nvPr>
+            <p:ph type="sldImg"/>
+          </p:nvPr>
+        </p:nvSpPr>
+        <p:spPr/>
+      </p:sp>
+      <p:sp>
+        <p:nvSpPr>
+          <p:cNvPr id="3" name="슬라이드 노트 개체 틀 2"/>
+          <p:cNvSpPr>
+            <a:spLocks noGrp="1"/>
+          </p:cNvSpPr>
+          <p:nvPr>
+            <p:ph type="body" idx="1"/>
+          </p:nvPr>
+        </p:nvSpPr>
+        <p:spPr/>
+        <p:txBody>
+          <a:bodyPr/>
+          <a:lstStyle/>
+          <a:p>
+            <a:endParaRPr lang="ko-KR" altLang="en-US" dirty="0"/>
+          </a:p>
+        </p:txBody>
+      </p:sp>
+      <p:sp>
+        <p:nvSpPr>
+          <p:cNvPr id="4" name="슬라이드 번호 개체 틀 3"/>
+          <p:cNvSpPr>
+            <a:spLocks noGrp="1"/>
+          </p:cNvSpPr>
+          <p:nvPr>
+            <p:ph type="sldNum" sz="quarter" idx="5"/>
+          </p:nvPr>
+        </p:nvSpPr>
+        <p:spPr/>
+        <p:txBody>
+          <a:bodyPr/>
+          <a:lstStyle/>
+          <a:p>
+            <a:fld id="{FCF84E6D-5DB2-4E49-B089-4BF50A437D23}" type="slidenum">
+              <a:rPr lang="ko-KR" altLang="en-US" smtClean="0"/>
+              <a:pPr/>
+              <a:t>10</a:t>
+            </a:fld>
+            <a:endParaRPr lang="ko-KR" altLang="en-US"/>
+          </a:p>
+        </p:txBody>
+      </p:sp>
+    </p:spTree>
+    <p:extLst>
+      <p:ext uri="{BB962C8B-B14F-4D97-AF65-F5344CB8AC3E}">
+        <p14:creationId xmlns:p14="http://schemas.microsoft.com/office/powerpoint/2010/main" val="1809001938"/>
+      </p:ext>
+    </p:extLst>
+  </p:cSld>
+  <p:clrMapOvr>
+    <a:masterClrMapping/>
+  </p:clrMapOvr>
+</p:notes>
+</file>
+
 <file path=ppt/slideLayouts/slideLayout1.xml><?xml version="1.0" encoding="utf-8"?>
 <p:sldLayout xmlns:a="http://schemas.openxmlformats.org/drawingml/2006/main" xmlns:r="http://schemas.openxmlformats.org/officeDocument/2006/relationships" xmlns:p="http://schemas.openxmlformats.org/presentationml/2006/main" type="title" preserve="1">
   <p:cSld name="제목 슬라이드">
@@ -662,7 +757,7 @@
             <a:fld id="{EA20715A-4C24-45E8-880E-27F33528647A}" type="datetimeFigureOut">
               <a:rPr lang="ko-KR" altLang="en-US" smtClean="0"/>
               <a:pPr/>
-              <a:t>2019-01-09</a:t>
+              <a:t>2019-01-17</a:t>
             </a:fld>
             <a:endParaRPr lang="ko-KR" altLang="en-US"/>
           </a:p>
@@ -832,7 +927,7 @@
             <a:fld id="{EA20715A-4C24-45E8-880E-27F33528647A}" type="datetimeFigureOut">
               <a:rPr lang="ko-KR" altLang="en-US" smtClean="0"/>
               <a:pPr/>
-              <a:t>2019-01-09</a:t>
+              <a:t>2019-01-17</a:t>
             </a:fld>
             <a:endParaRPr lang="ko-KR" altLang="en-US"/>
           </a:p>
@@ -1012,7 +1107,7 @@
             <a:fld id="{EA20715A-4C24-45E8-880E-27F33528647A}" type="datetimeFigureOut">
               <a:rPr lang="ko-KR" altLang="en-US" smtClean="0"/>
               <a:pPr/>
-              <a:t>2019-01-09</a:t>
+              <a:t>2019-01-17</a:t>
             </a:fld>
             <a:endParaRPr lang="ko-KR" altLang="en-US"/>
           </a:p>
@@ -1182,7 +1277,7 @@
             <a:fld id="{EA20715A-4C24-45E8-880E-27F33528647A}" type="datetimeFigureOut">
               <a:rPr lang="ko-KR" altLang="en-US" smtClean="0"/>
               <a:pPr/>
-              <a:t>2019-01-09</a:t>
+              <a:t>2019-01-17</a:t>
             </a:fld>
             <a:endParaRPr lang="ko-KR" altLang="en-US"/>
           </a:p>
@@ -1429,7 +1524,7 @@
             <a:fld id="{EA20715A-4C24-45E8-880E-27F33528647A}" type="datetimeFigureOut">
               <a:rPr lang="ko-KR" altLang="en-US" smtClean="0"/>
               <a:pPr/>
-              <a:t>2019-01-09</a:t>
+              <a:t>2019-01-17</a:t>
             </a:fld>
             <a:endParaRPr lang="ko-KR" altLang="en-US"/>
           </a:p>
@@ -1716,7 +1811,7 @@
             <a:fld id="{EA20715A-4C24-45E8-880E-27F33528647A}" type="datetimeFigureOut">
               <a:rPr lang="ko-KR" altLang="en-US" smtClean="0"/>
               <a:pPr/>
-              <a:t>2019-01-09</a:t>
+              <a:t>2019-01-17</a:t>
             </a:fld>
             <a:endParaRPr lang="ko-KR" altLang="en-US"/>
           </a:p>
@@ -2137,7 +2232,7 @@
             <a:fld id="{EA20715A-4C24-45E8-880E-27F33528647A}" type="datetimeFigureOut">
               <a:rPr lang="ko-KR" altLang="en-US" smtClean="0"/>
               <a:pPr/>
-              <a:t>2019-01-09</a:t>
+              <a:t>2019-01-17</a:t>
             </a:fld>
             <a:endParaRPr lang="ko-KR" altLang="en-US"/>
           </a:p>
@@ -2256,7 +2351,7 @@
             <a:fld id="{EA20715A-4C24-45E8-880E-27F33528647A}" type="datetimeFigureOut">
               <a:rPr lang="ko-KR" altLang="en-US" smtClean="0"/>
               <a:pPr/>
-              <a:t>2019-01-09</a:t>
+              <a:t>2019-01-17</a:t>
             </a:fld>
             <a:endParaRPr lang="ko-KR" altLang="en-US"/>
           </a:p>
@@ -2353,7 +2448,7 @@
             <a:fld id="{EA20715A-4C24-45E8-880E-27F33528647A}" type="datetimeFigureOut">
               <a:rPr lang="ko-KR" altLang="en-US" smtClean="0"/>
               <a:pPr/>
-              <a:t>2019-01-09</a:t>
+              <a:t>2019-01-17</a:t>
             </a:fld>
             <a:endParaRPr lang="ko-KR" altLang="en-US"/>
           </a:p>
@@ -2630,7 +2725,7 @@
             <a:fld id="{EA20715A-4C24-45E8-880E-27F33528647A}" type="datetimeFigureOut">
               <a:rPr lang="ko-KR" altLang="en-US" smtClean="0"/>
               <a:pPr/>
-              <a:t>2019-01-09</a:t>
+              <a:t>2019-01-17</a:t>
             </a:fld>
             <a:endParaRPr lang="ko-KR" altLang="en-US"/>
           </a:p>
@@ -2884,7 +2979,7 @@
             <a:fld id="{EA20715A-4C24-45E8-880E-27F33528647A}" type="datetimeFigureOut">
               <a:rPr lang="ko-KR" altLang="en-US" smtClean="0"/>
               <a:pPr/>
-              <a:t>2019-01-09</a:t>
+              <a:t>2019-01-17</a:t>
             </a:fld>
             <a:endParaRPr lang="ko-KR" altLang="en-US"/>
           </a:p>
@@ -3103,7 +3198,7 @@
             <a:fld id="{EA20715A-4C24-45E8-880E-27F33528647A}" type="datetimeFigureOut">
               <a:rPr lang="ko-KR" altLang="en-US" smtClean="0"/>
               <a:pPr/>
-              <a:t>2019-01-09</a:t>
+              <a:t>2019-01-17</a:t>
             </a:fld>
             <a:endParaRPr lang="ko-KR" altLang="en-US"/>
           </a:p>
@@ -3790,7 +3885,7 @@
 </p:sld>
 </file>
 
-<file path=ppt/slides/slide2.xml><?xml version="1.0" encoding="utf-8"?>
+<file path=ppt/slides/slide10.xml><?xml version="1.0" encoding="utf-8"?>
 <p:sld xmlns:a="http://schemas.openxmlformats.org/drawingml/2006/main" xmlns:r="http://schemas.openxmlformats.org/officeDocument/2006/relationships" xmlns:p="http://schemas.openxmlformats.org/presentationml/2006/main">
   <p:cSld>
     <p:spTree>
@@ -4078,14 +4173,20 @@
       </p:sp>
       <p:sp>
         <p:nvSpPr>
-          <p:cNvPr id="24" name="TextBox 23"/>
+          <p:cNvPr id="17" name="TextBox 16">
+            <a:extLst>
+              <a:ext uri="{FF2B5EF4-FFF2-40B4-BE49-F238E27FC236}">
+                <a16:creationId xmlns:a16="http://schemas.microsoft.com/office/drawing/2014/main" id="{35FE3B8E-DCF9-487F-AD3D-CEA6323B555C}"/>
+              </a:ext>
+            </a:extLst>
+          </p:cNvPr>
           <p:cNvSpPr txBox="1"/>
           <p:nvPr/>
         </p:nvSpPr>
         <p:spPr>
           <a:xfrm>
-            <a:off x="473074" y="493440"/>
-            <a:ext cx="8419405" cy="6186309"/>
+            <a:off x="712480" y="841278"/>
+            <a:ext cx="1980029" cy="630942"/>
           </a:xfrm>
           <a:prstGeom prst="rect">
             <a:avLst/>
@@ -4093,72 +4194,264 @@
           <a:noFill/>
         </p:spPr>
         <p:txBody>
+          <a:bodyPr wrap="none" rtlCol="0">
+            <a:spAutoFit/>
+          </a:bodyPr>
+          <a:lstStyle/>
+          <a:p>
+            <a:r>
+              <a:rPr lang="ko-KR" altLang="en-US" sz="3500" b="1" dirty="0">
+                <a:ln>
+                  <a:solidFill>
+                    <a:schemeClr val="bg1">
+                      <a:alpha val="0"/>
+                    </a:schemeClr>
+                  </a:solidFill>
+                </a:ln>
+                <a:solidFill>
+                  <a:srgbClr val="BF0302"/>
+                </a:solidFill>
+                <a:latin typeface="-윤고딕330" pitchFamily="18" charset="-127"/>
+                <a:ea typeface="-윤고딕330" pitchFamily="18" charset="-127"/>
+              </a:rPr>
+              <a:t>제안방법</a:t>
+            </a:r>
+          </a:p>
+        </p:txBody>
+      </p:sp>
+      <p:pic>
+        <p:nvPicPr>
+          <p:cNvPr id="20" name="그림 19">
+            <a:extLst>
+              <a:ext uri="{FF2B5EF4-FFF2-40B4-BE49-F238E27FC236}">
+                <a16:creationId xmlns:a16="http://schemas.microsoft.com/office/drawing/2014/main" id="{37B19423-BC71-40E0-86E5-D56BE1F5AC8C}"/>
+              </a:ext>
+            </a:extLst>
+          </p:cNvPr>
+          <p:cNvPicPr>
+            <a:picLocks noChangeAspect="1"/>
+          </p:cNvPicPr>
+          <p:nvPr/>
+        </p:nvPicPr>
+        <p:blipFill>
+          <a:blip r:embed="rId3" cstate="print">
+            <a:extLst>
+              <a:ext uri="{28A0092B-C50C-407E-A947-70E740481C1C}">
+                <a14:useLocalDpi xmlns:a14="http://schemas.microsoft.com/office/drawing/2010/main" val="0"/>
+              </a:ext>
+            </a:extLst>
+          </a:blip>
+          <a:stretch>
+            <a:fillRect/>
+          </a:stretch>
+        </p:blipFill>
+        <p:spPr>
+          <a:xfrm>
+            <a:off x="480195" y="676651"/>
+            <a:ext cx="329253" cy="329253"/>
+          </a:xfrm>
+          <a:prstGeom prst="rect">
+            <a:avLst/>
+          </a:prstGeom>
+        </p:spPr>
+      </p:pic>
+      <p:sp>
+        <p:nvSpPr>
+          <p:cNvPr id="35" name="TextBox 34">
+            <a:extLst>
+              <a:ext uri="{FF2B5EF4-FFF2-40B4-BE49-F238E27FC236}">
+                <a16:creationId xmlns:a16="http://schemas.microsoft.com/office/drawing/2014/main" id="{06F2A79E-2E95-4B2C-A915-2979AF90DBC7}"/>
+              </a:ext>
+            </a:extLst>
+          </p:cNvPr>
+          <p:cNvSpPr txBox="1"/>
+          <p:nvPr/>
+        </p:nvSpPr>
+        <p:spPr>
+          <a:xfrm>
+            <a:off x="809448" y="1482244"/>
+            <a:ext cx="7939016" cy="1631216"/>
+          </a:xfrm>
+          <a:prstGeom prst="rect">
+            <a:avLst/>
+          </a:prstGeom>
+          <a:noFill/>
+        </p:spPr>
+        <p:txBody>
           <a:bodyPr wrap="square" rtlCol="0">
             <a:spAutoFit/>
           </a:bodyPr>
           <a:lstStyle/>
           <a:p>
             <a:r>
-              <a:rPr lang="ko-KR" altLang="en-US" sz="2000" b="1" dirty="0">
-                <a:ln>
-                  <a:solidFill>
-                    <a:schemeClr val="bg1">
-                      <a:alpha val="0"/>
-                    </a:schemeClr>
-                  </a:solidFill>
-                </a:ln>
-                <a:solidFill>
-                  <a:srgbClr val="FF0000"/>
-                </a:solidFill>
-                <a:latin typeface="-윤고딕330" pitchFamily="18" charset="-127"/>
-                <a:ea typeface="-윤고딕330"/>
-              </a:rPr>
-              <a:t>주제</a:t>
-            </a:r>
-            <a:endParaRPr lang="en-US" altLang="ko-KR" sz="2000" b="1" dirty="0">
-              <a:ln>
-                <a:solidFill>
-                  <a:schemeClr val="bg1">
-                    <a:alpha val="0"/>
-                  </a:schemeClr>
-                </a:solidFill>
-              </a:ln>
-              <a:solidFill>
-                <a:srgbClr val="FF0000"/>
-              </a:solidFill>
-              <a:latin typeface="-윤고딕330" pitchFamily="18" charset="-127"/>
-              <a:ea typeface="-윤고딕330"/>
-            </a:endParaRPr>
-          </a:p>
-          <a:p>
-            <a:r>
-              <a:rPr lang="ko-KR" altLang="en-US" dirty="0">
-                <a:ln>
-                  <a:solidFill>
-                    <a:schemeClr val="bg1">
-                      <a:alpha val="0"/>
-                    </a:schemeClr>
-                  </a:solidFill>
-                </a:ln>
-                <a:latin typeface="맑은 고딕 (본문)"/>
-                <a:ea typeface="-윤고딕330"/>
-              </a:rPr>
-              <a:t>뉴욕 택시 탑승 및 하차 위치를 기준으로 요금을 예측</a:t>
-            </a:r>
-            <a:endParaRPr lang="en-US" altLang="ko-KR" dirty="0">
-              <a:ln>
-                <a:solidFill>
-                  <a:schemeClr val="bg1">
-                    <a:alpha val="0"/>
-                  </a:schemeClr>
-                </a:solidFill>
-              </a:ln>
-              <a:latin typeface="맑은 고딕 (본문)"/>
-              <a:ea typeface="-윤고딕330"/>
-            </a:endParaRPr>
-          </a:p>
-          <a:p>
-            <a:endParaRPr lang="en-US" altLang="ko-KR" sz="1000" dirty="0">
+              <a:rPr lang="en-US" altLang="ko-KR" sz="2500" b="1" dirty="0">
+                <a:ln>
+                  <a:solidFill>
+                    <a:schemeClr val="bg1">
+                      <a:alpha val="0"/>
+                    </a:schemeClr>
+                  </a:solidFill>
+                </a:ln>
+                <a:latin typeface="-윤고딕330" pitchFamily="18" charset="-127"/>
+                <a:ea typeface="-윤고딕330" pitchFamily="18" charset="-127"/>
+              </a:rPr>
+              <a:t>1. </a:t>
+            </a:r>
+            <a:r>
+              <a:rPr lang="ko-KR" altLang="en-US" sz="2500" b="1" dirty="0">
+                <a:ln>
+                  <a:solidFill>
+                    <a:schemeClr val="bg1">
+                      <a:alpha val="0"/>
+                    </a:schemeClr>
+                  </a:solidFill>
+                </a:ln>
+                <a:latin typeface="-윤고딕330" pitchFamily="18" charset="-127"/>
+                <a:ea typeface="-윤고딕330" pitchFamily="18" charset="-127"/>
+              </a:rPr>
+              <a:t>교육 데이터 읽기</a:t>
+            </a:r>
+            <a:r>
+              <a:rPr lang="en-US" altLang="ko-KR" sz="2500" b="1" dirty="0">
+                <a:ln>
+                  <a:solidFill>
+                    <a:schemeClr val="bg1">
+                      <a:alpha val="0"/>
+                    </a:schemeClr>
+                  </a:solidFill>
+                </a:ln>
+                <a:latin typeface="-윤고딕330" pitchFamily="18" charset="-127"/>
+                <a:ea typeface="-윤고딕330" pitchFamily="18" charset="-127"/>
+              </a:rPr>
+              <a:t>(</a:t>
+            </a:r>
+            <a:r>
+              <a:rPr lang="ko-KR" altLang="en-US" sz="2500" b="1" dirty="0">
+                <a:ln>
+                  <a:solidFill>
+                    <a:schemeClr val="bg1">
+                      <a:alpha val="0"/>
+                    </a:schemeClr>
+                  </a:solidFill>
+                </a:ln>
+                <a:latin typeface="-윤고딕330" pitchFamily="18" charset="-127"/>
+                <a:ea typeface="-윤고딕330" pitchFamily="18" charset="-127"/>
+              </a:rPr>
+              <a:t>데이터</a:t>
+            </a:r>
+            <a:r>
+              <a:rPr lang="en-US" altLang="ko-KR" sz="2500" b="1" dirty="0">
+                <a:ln>
+                  <a:solidFill>
+                    <a:schemeClr val="bg1">
+                      <a:alpha val="0"/>
+                    </a:schemeClr>
+                  </a:solidFill>
+                </a:ln>
+                <a:latin typeface="-윤고딕330" pitchFamily="18" charset="-127"/>
+                <a:ea typeface="-윤고딕330" pitchFamily="18" charset="-127"/>
+              </a:rPr>
+              <a:t> </a:t>
+            </a:r>
+            <a:r>
+              <a:rPr lang="ko-KR" altLang="en-US" sz="2500" b="1" dirty="0">
+                <a:ln>
+                  <a:solidFill>
+                    <a:schemeClr val="bg1">
+                      <a:alpha val="0"/>
+                    </a:schemeClr>
+                  </a:solidFill>
+                </a:ln>
+                <a:latin typeface="-윤고딕330" pitchFamily="18" charset="-127"/>
+                <a:ea typeface="-윤고딕330" pitchFamily="18" charset="-127"/>
+              </a:rPr>
+              <a:t>시각화를</a:t>
+            </a:r>
+            <a:r>
+              <a:rPr lang="en-US" altLang="ko-KR" sz="2500" b="1" dirty="0">
+                <a:ln>
+                  <a:solidFill>
+                    <a:schemeClr val="bg1">
+                      <a:alpha val="0"/>
+                    </a:schemeClr>
+                  </a:solidFill>
+                </a:ln>
+                <a:latin typeface="-윤고딕330" pitchFamily="18" charset="-127"/>
+                <a:ea typeface="-윤고딕330" pitchFamily="18" charset="-127"/>
+              </a:rPr>
+              <a:t> </a:t>
+            </a:r>
+            <a:r>
+              <a:rPr lang="ko-KR" altLang="en-US" sz="2500" b="1" dirty="0">
+                <a:ln>
+                  <a:solidFill>
+                    <a:schemeClr val="bg1">
+                      <a:alpha val="0"/>
+                    </a:schemeClr>
+                  </a:solidFill>
+                </a:ln>
+                <a:latin typeface="-윤고딕330" pitchFamily="18" charset="-127"/>
+                <a:ea typeface="-윤고딕330" pitchFamily="18" charset="-127"/>
+              </a:rPr>
+              <a:t>통해</a:t>
+            </a:r>
+            <a:r>
+              <a:rPr lang="en-US" altLang="ko-KR" sz="2500" b="1" dirty="0">
+                <a:ln>
+                  <a:solidFill>
+                    <a:schemeClr val="bg1">
+                      <a:alpha val="0"/>
+                    </a:schemeClr>
+                  </a:solidFill>
+                </a:ln>
+                <a:latin typeface="-윤고딕330" pitchFamily="18" charset="-127"/>
+                <a:ea typeface="-윤고딕330" pitchFamily="18" charset="-127"/>
+              </a:rPr>
+              <a:t> </a:t>
+            </a:r>
+            <a:r>
+              <a:rPr lang="en-US" altLang="ko-KR" sz="2500" b="1" dirty="0" err="1">
+                <a:ln>
+                  <a:solidFill>
+                    <a:schemeClr val="bg1">
+                      <a:alpha val="0"/>
+                    </a:schemeClr>
+                  </a:solidFill>
+                </a:ln>
+                <a:latin typeface="-윤고딕330" pitchFamily="18" charset="-127"/>
+                <a:ea typeface="-윤고딕330" pitchFamily="18" charset="-127"/>
+              </a:rPr>
+              <a:t>NaN</a:t>
+            </a:r>
+            <a:r>
+              <a:rPr lang="en-US" altLang="ko-KR" sz="2500" b="1" dirty="0">
+                <a:ln>
+                  <a:solidFill>
+                    <a:schemeClr val="bg1">
+                      <a:alpha val="0"/>
+                    </a:schemeClr>
+                  </a:solidFill>
+                </a:ln>
+                <a:latin typeface="-윤고딕330" pitchFamily="18" charset="-127"/>
+                <a:ea typeface="-윤고딕330" pitchFamily="18" charset="-127"/>
+              </a:rPr>
+              <a:t> </a:t>
+            </a:r>
+            <a:r>
+              <a:rPr lang="ko-KR" altLang="en-US" sz="2500" b="1" dirty="0">
+                <a:ln>
+                  <a:solidFill>
+                    <a:schemeClr val="bg1">
+                      <a:alpha val="0"/>
+                    </a:schemeClr>
+                  </a:solidFill>
+                </a:ln>
+                <a:latin typeface="-윤고딕330" pitchFamily="18" charset="-127"/>
+                <a:ea typeface="-윤고딕330" pitchFamily="18" charset="-127"/>
+              </a:rPr>
+              <a:t>및</a:t>
+            </a:r>
+            <a:endParaRPr lang="en-US" altLang="ko-KR" sz="2500" b="1" dirty="0">
               <a:ln>
                 <a:solidFill>
                   <a:schemeClr val="bg1">
@@ -4167,28 +4460,59 @@
                 </a:solidFill>
               </a:ln>
               <a:latin typeface="-윤고딕330" pitchFamily="18" charset="-127"/>
-              <a:ea typeface="-윤고딕330"/>
+              <a:ea typeface="-윤고딕330" pitchFamily="18" charset="-127"/>
             </a:endParaRPr>
           </a:p>
           <a:p>
             <a:r>
-              <a:rPr lang="ko-KR" altLang="en-US" sz="2000" b="1" dirty="0">
-                <a:ln>
-                  <a:solidFill>
-                    <a:schemeClr val="bg1">
-                      <a:alpha val="0"/>
-                    </a:schemeClr>
-                  </a:solidFill>
-                </a:ln>
-                <a:solidFill>
-                  <a:srgbClr val="FF0000"/>
-                </a:solidFill>
-                <a:latin typeface="-윤고딕330" pitchFamily="18" charset="-127"/>
-                <a:ea typeface="-윤고딕330"/>
-              </a:rPr>
-              <a:t>필요성 및 기대효과</a:t>
-            </a:r>
-            <a:endParaRPr lang="en-US" altLang="ko-KR" sz="2000" b="1" dirty="0">
+              <a:rPr lang="ko-KR" altLang="en-US" sz="2500" b="1" dirty="0" err="1">
+                <a:ln>
+                  <a:solidFill>
+                    <a:schemeClr val="bg1">
+                      <a:alpha val="0"/>
+                    </a:schemeClr>
+                  </a:solidFill>
+                </a:ln>
+                <a:latin typeface="-윤고딕330" pitchFamily="18" charset="-127"/>
+                <a:ea typeface="-윤고딕330" pitchFamily="18" charset="-127"/>
+              </a:rPr>
+              <a:t>필요없는</a:t>
+            </a:r>
+            <a:r>
+              <a:rPr lang="ko-KR" altLang="en-US" sz="2500" b="1" dirty="0">
+                <a:ln>
+                  <a:solidFill>
+                    <a:schemeClr val="bg1">
+                      <a:alpha val="0"/>
+                    </a:schemeClr>
+                  </a:solidFill>
+                </a:ln>
+                <a:latin typeface="-윤고딕330" pitchFamily="18" charset="-127"/>
+                <a:ea typeface="-윤고딕330" pitchFamily="18" charset="-127"/>
+              </a:rPr>
+              <a:t> 데이터 삭제</a:t>
+            </a:r>
+            <a:r>
+              <a:rPr lang="en-US" altLang="ko-KR" sz="2500" b="1" dirty="0">
+                <a:ln>
+                  <a:solidFill>
+                    <a:schemeClr val="bg1">
+                      <a:alpha val="0"/>
+                    </a:schemeClr>
+                  </a:solidFill>
+                </a:ln>
+                <a:latin typeface="-윤고딕330" pitchFamily="18" charset="-127"/>
+                <a:ea typeface="-윤고딕330" pitchFamily="18" charset="-127"/>
+              </a:rPr>
+              <a:t>)</a:t>
+            </a:r>
+          </a:p>
+          <a:p>
+            <a:pPr marL="457200" indent="-457200">
+              <a:buFont typeface="+mj-ea"/>
+              <a:buAutoNum type="circleNumDbPlain"/>
+            </a:pPr>
+            <a:endParaRPr lang="en-US" altLang="ko-KR" sz="2500" b="1" dirty="0">
               <a:ln>
                 <a:solidFill>
                   <a:schemeClr val="bg1">
@@ -4196,66 +4520,12 @@
                   </a:schemeClr>
                 </a:solidFill>
               </a:ln>
-              <a:solidFill>
-                <a:srgbClr val="FF0000"/>
-              </a:solidFill>
               <a:latin typeface="-윤고딕330" pitchFamily="18" charset="-127"/>
-              <a:ea typeface="-윤고딕330"/>
+              <a:ea typeface="-윤고딕330" pitchFamily="18" charset="-127"/>
             </a:endParaRPr>
           </a:p>
           <a:p>
-            <a:pPr fontAlgn="base"/>
-            <a:r>
-              <a:rPr lang="ko-KR" altLang="en-US" dirty="0">
-                <a:latin typeface="맑은 고딕 (본문)"/>
-                <a:ea typeface="-윤고딕330"/>
-              </a:rPr>
-              <a:t>택시 공개 데이터를 이용해 택시요금을 예측하여 어디로 이동할 때 미리 택시 요금을 알 수 있어서 대중교통 이용에 좀 더 </a:t>
-            </a:r>
-            <a:r>
-              <a:rPr lang="ko-KR" altLang="en-US" dirty="0" err="1">
-                <a:latin typeface="맑은 고딕 (본문)"/>
-                <a:ea typeface="-윤고딕330"/>
-              </a:rPr>
-              <a:t>펀의성을</a:t>
-            </a:r>
-            <a:r>
-              <a:rPr lang="ko-KR" altLang="en-US" dirty="0">
-                <a:latin typeface="맑은 고딕 (본문)"/>
-                <a:ea typeface="-윤고딕330"/>
-              </a:rPr>
-              <a:t> 제공</a:t>
-            </a:r>
-            <a:endParaRPr lang="en-US" altLang="ko-KR" dirty="0">
-              <a:latin typeface="맑은 고딕 (본문)"/>
-              <a:ea typeface="-윤고딕330"/>
-            </a:endParaRPr>
-          </a:p>
-          <a:p>
-            <a:pPr fontAlgn="base"/>
-            <a:endParaRPr lang="ko-KR" altLang="en-US" sz="1000" dirty="0">
-              <a:ea typeface="-윤고딕330"/>
-            </a:endParaRPr>
-          </a:p>
-          <a:p>
-            <a:r>
-              <a:rPr lang="ko-KR" altLang="en-US" sz="2000" b="1" dirty="0">
-                <a:ln>
-                  <a:solidFill>
-                    <a:schemeClr val="bg1">
-                      <a:alpha val="0"/>
-                    </a:schemeClr>
-                  </a:solidFill>
-                </a:ln>
-                <a:solidFill>
-                  <a:srgbClr val="FF0000"/>
-                </a:solidFill>
-                <a:latin typeface="-윤고딕330" pitchFamily="18" charset="-127"/>
-                <a:ea typeface="-윤고딕330"/>
-              </a:rPr>
-              <a:t>개발 환경 및 언어</a:t>
-            </a:r>
-            <a:endParaRPr lang="en-US" altLang="ko-KR" sz="2000" b="1" dirty="0">
+            <a:endParaRPr lang="en-US" altLang="ko-KR" sz="2500" b="1" dirty="0">
               <a:ln>
                 <a:solidFill>
                   <a:schemeClr val="bg1">
@@ -4263,39 +4533,90 @@
                   </a:schemeClr>
                 </a:solidFill>
               </a:ln>
-              <a:solidFill>
-                <a:srgbClr val="FF0000"/>
-              </a:solidFill>
               <a:latin typeface="-윤고딕330" pitchFamily="18" charset="-127"/>
-              <a:ea typeface="-윤고딕330"/>
+              <a:ea typeface="-윤고딕330" pitchFamily="18" charset="-127"/>
             </a:endParaRPr>
           </a:p>
-          <a:p>
-            <a:r>
-              <a:rPr lang="en-US" altLang="ko-KR" dirty="0">
-                <a:ea typeface="-윤고딕330"/>
-              </a:rPr>
-              <a:t>Window 10 - Anaconda 4.5.12(Python 3.7) - </a:t>
-            </a:r>
-            <a:r>
-              <a:rPr lang="en-US" altLang="ko-KR" dirty="0" err="1">
-                <a:ea typeface="-윤고딕330"/>
-              </a:rPr>
-              <a:t>Jupyter</a:t>
-            </a:r>
-            <a:r>
-              <a:rPr lang="en-US" altLang="ko-KR" dirty="0">
-                <a:ea typeface="-윤고딕330"/>
-              </a:rPr>
-              <a:t> Notebook</a:t>
-            </a:r>
-          </a:p>
-          <a:p>
-            <a:endParaRPr lang="en-US" altLang="ko-KR" sz="1000" dirty="0">
-              <a:ea typeface="-윤고딕330"/>
-            </a:endParaRPr>
-          </a:p>
-          <a:p>
+        </p:txBody>
+      </p:sp>
+      <p:pic>
+        <p:nvPicPr>
+          <p:cNvPr id="5" name="그림 4">
+            <a:extLst>
+              <a:ext uri="{FF2B5EF4-FFF2-40B4-BE49-F238E27FC236}">
+                <a16:creationId xmlns:a16="http://schemas.microsoft.com/office/drawing/2014/main" id="{9E250650-978A-4EB1-855E-A4968CDECDCF}"/>
+              </a:ext>
+            </a:extLst>
+          </p:cNvPr>
+          <p:cNvPicPr>
+            <a:picLocks noChangeAspect="1"/>
+          </p:cNvPicPr>
+          <p:nvPr/>
+        </p:nvPicPr>
+        <p:blipFill>
+          <a:blip r:embed="rId4">
+            <a:extLst>
+              <a:ext uri="{28A0092B-C50C-407E-A947-70E740481C1C}">
+                <a14:useLocalDpi xmlns:a14="http://schemas.microsoft.com/office/drawing/2010/main" val="0"/>
+              </a:ext>
+            </a:extLst>
+          </a:blip>
+          <a:stretch>
+            <a:fillRect/>
+          </a:stretch>
+        </p:blipFill>
+        <p:spPr>
+          <a:xfrm>
+            <a:off x="545590" y="2273530"/>
+            <a:ext cx="3985514" cy="3102226"/>
+          </a:xfrm>
+          <a:prstGeom prst="rect">
+            <a:avLst/>
+          </a:prstGeom>
+        </p:spPr>
+      </p:pic>
+      <p:sp>
+        <p:nvSpPr>
+          <p:cNvPr id="18" name="TextBox 17">
+            <a:extLst>
+              <a:ext uri="{FF2B5EF4-FFF2-40B4-BE49-F238E27FC236}">
+                <a16:creationId xmlns:a16="http://schemas.microsoft.com/office/drawing/2014/main" id="{510E51E4-190E-41D6-972A-2DFDB482793E}"/>
+              </a:ext>
+            </a:extLst>
+          </p:cNvPr>
+          <p:cNvSpPr txBox="1"/>
+          <p:nvPr/>
+        </p:nvSpPr>
+        <p:spPr>
+          <a:xfrm>
+            <a:off x="4468606" y="2714441"/>
+            <a:ext cx="4346646" cy="2400657"/>
+          </a:xfrm>
+          <a:prstGeom prst="rect">
+            <a:avLst/>
+          </a:prstGeom>
+          <a:noFill/>
+        </p:spPr>
+        <p:txBody>
+          <a:bodyPr wrap="square" rtlCol="0">
+            <a:spAutoFit/>
+          </a:bodyPr>
+          <a:lstStyle/>
+          <a:p>
+            <a:r>
+              <a:rPr lang="en-US" altLang="ko-KR" sz="2000" b="1" dirty="0">
+                <a:ln>
+                  <a:solidFill>
+                    <a:schemeClr val="bg1">
+                      <a:alpha val="0"/>
+                    </a:schemeClr>
+                  </a:solidFill>
+                </a:ln>
+                <a:latin typeface="-윤고딕330" pitchFamily="18" charset="-127"/>
+                <a:ea typeface="-윤고딕330" pitchFamily="18" charset="-127"/>
+              </a:rPr>
+              <a:t>-</a:t>
+            </a:r>
             <a:r>
               <a:rPr lang="ko-KR" altLang="en-US" sz="2000" b="1" dirty="0">
                 <a:ln>
@@ -4305,13 +4626,10 @@
                     </a:schemeClr>
                   </a:solidFill>
                 </a:ln>
-                <a:solidFill>
-                  <a:srgbClr val="FF0000"/>
-                </a:solidFill>
-                <a:latin typeface="-윤고딕330" pitchFamily="18" charset="-127"/>
-                <a:ea typeface="-윤고딕330"/>
-              </a:rPr>
-              <a:t>오픈소스</a:t>
+                <a:latin typeface="-윤고딕330" pitchFamily="18" charset="-127"/>
+                <a:ea typeface="-윤고딕330" pitchFamily="18" charset="-127"/>
+              </a:rPr>
+              <a:t>처음 </a:t>
             </a:r>
             <a:r>
               <a:rPr lang="en-US" altLang="ko-KR" sz="2000" b="1" dirty="0">
@@ -4322,29 +4640,11 @@
                     </a:schemeClr>
                   </a:solidFill>
                 </a:ln>
-                <a:solidFill>
-                  <a:srgbClr val="FF0000"/>
-                </a:solidFill>
-                <a:latin typeface="-윤고딕330" pitchFamily="18" charset="-127"/>
-                <a:ea typeface="-윤고딕330"/>
-              </a:rPr>
-              <a:t>SW</a:t>
-            </a:r>
-          </a:p>
-          <a:p>
-            <a:r>
-              <a:rPr lang="en-US" altLang="ko-KR" dirty="0">
-                <a:ea typeface="-윤고딕330"/>
-              </a:rPr>
-              <a:t>TensorFlow 1.12.0</a:t>
-            </a:r>
-          </a:p>
-          <a:p>
-            <a:endParaRPr lang="en-US" altLang="ko-KR" sz="1000" dirty="0">
-              <a:ea typeface="-윤고딕330"/>
-            </a:endParaRPr>
-          </a:p>
-          <a:p>
+                <a:latin typeface="-윤고딕330" pitchFamily="18" charset="-127"/>
+                <a:ea typeface="-윤고딕330" pitchFamily="18" charset="-127"/>
+              </a:rPr>
+              <a:t>200</a:t>
+            </a:r>
             <a:r>
               <a:rPr lang="ko-KR" altLang="en-US" sz="2000" b="1" dirty="0">
                 <a:ln>
@@ -4354,117 +4654,25 @@
                     </a:schemeClr>
                   </a:solidFill>
                 </a:ln>
-                <a:solidFill>
-                  <a:srgbClr val="FF0000"/>
-                </a:solidFill>
-                <a:latin typeface="-윤고딕330" pitchFamily="18" charset="-127"/>
-                <a:ea typeface="-윤고딕330"/>
-              </a:rPr>
-              <a:t>기존 연구</a:t>
-            </a:r>
-            <a:endParaRPr lang="en-US" altLang="ko-KR" sz="2000" b="1" dirty="0">
-              <a:ln>
-                <a:solidFill>
-                  <a:schemeClr val="bg1">
-                    <a:alpha val="0"/>
-                  </a:schemeClr>
-                </a:solidFill>
-              </a:ln>
-              <a:solidFill>
-                <a:srgbClr val="FF0000"/>
-              </a:solidFill>
-              <a:latin typeface="-윤고딕330" pitchFamily="18" charset="-127"/>
-              <a:ea typeface="-윤고딕330"/>
-            </a:endParaRPr>
-          </a:p>
-          <a:p>
-            <a:pPr fontAlgn="base"/>
-            <a:r>
-              <a:rPr lang="en-US" altLang="ko-KR" dirty="0">
-                <a:ea typeface="-윤고딕330"/>
-              </a:rPr>
-              <a:t>-</a:t>
-            </a:r>
-            <a:r>
-              <a:rPr lang="ko-KR" altLang="en-US" dirty="0">
-                <a:ea typeface="-윤고딕330"/>
-              </a:rPr>
-              <a:t>구글 지도</a:t>
-            </a:r>
-            <a:r>
-              <a:rPr lang="en-US" altLang="ko-KR" dirty="0">
-                <a:ea typeface="-윤고딕330"/>
-              </a:rPr>
-              <a:t>(</a:t>
-            </a:r>
-            <a:r>
-              <a:rPr lang="ko-KR" altLang="en-US" dirty="0">
-                <a:ea typeface="-윤고딕330"/>
-              </a:rPr>
-              <a:t>이미지</a:t>
-            </a:r>
-            <a:r>
-              <a:rPr lang="en-US" altLang="ko-KR" dirty="0">
-                <a:ea typeface="-윤고딕330"/>
-              </a:rPr>
-              <a:t>)</a:t>
-            </a:r>
-            <a:r>
-              <a:rPr lang="ko-KR" altLang="en-US" dirty="0">
-                <a:ea typeface="-윤고딕330"/>
-              </a:rPr>
-              <a:t>를 통해 두 지점 간의 가장 짧은 경로를 추가</a:t>
-            </a:r>
-          </a:p>
-          <a:p>
-            <a:pPr fontAlgn="base"/>
-            <a:r>
-              <a:rPr lang="en-US" altLang="ko-KR" dirty="0">
-                <a:ea typeface="-윤고딕330"/>
-              </a:rPr>
-              <a:t>-</a:t>
-            </a:r>
-            <a:r>
-              <a:rPr lang="ko-KR" altLang="en-US" dirty="0">
-                <a:ea typeface="-윤고딕330"/>
-              </a:rPr>
-              <a:t>구글 지도</a:t>
-            </a:r>
-            <a:r>
-              <a:rPr lang="en-US" altLang="ko-KR" dirty="0">
-                <a:ea typeface="-윤고딕330"/>
-              </a:rPr>
-              <a:t>(</a:t>
-            </a:r>
-            <a:r>
-              <a:rPr lang="ko-KR" altLang="en-US" dirty="0">
-                <a:ea typeface="-윤고딕330"/>
-              </a:rPr>
-              <a:t>이미지</a:t>
-            </a:r>
-            <a:r>
-              <a:rPr lang="en-US" altLang="ko-KR" dirty="0">
-                <a:ea typeface="-윤고딕330"/>
-              </a:rPr>
-              <a:t>)</a:t>
-            </a:r>
-            <a:r>
-              <a:rPr lang="ko-KR" altLang="en-US" dirty="0">
-                <a:ea typeface="-윤고딕330"/>
-              </a:rPr>
-              <a:t>를 통해 각 도시의 택시들의 분포도를 추가</a:t>
-            </a:r>
-            <a:endParaRPr lang="en-US" altLang="ko-KR" dirty="0">
-              <a:ea typeface="-윤고딕330"/>
-            </a:endParaRPr>
-          </a:p>
-          <a:p>
-            <a:pPr fontAlgn="base"/>
-            <a:endParaRPr lang="ko-KR" altLang="en-US" sz="1000" dirty="0">
-              <a:ea typeface="-윤고딕330"/>
-            </a:endParaRPr>
-          </a:p>
-          <a:p>
+                <a:latin typeface="-윤고딕330" pitchFamily="18" charset="-127"/>
+                <a:ea typeface="-윤고딕330" pitchFamily="18" charset="-127"/>
+              </a:rPr>
+              <a:t>개의 행만 </a:t>
+            </a:r>
+            <a:r>
+              <a:rPr lang="ko-KR" altLang="en-US" sz="2000" b="1" dirty="0" err="1">
+                <a:ln>
+                  <a:solidFill>
+                    <a:schemeClr val="bg1">
+                      <a:alpha val="0"/>
+                    </a:schemeClr>
+                  </a:solidFill>
+                </a:ln>
+                <a:latin typeface="-윤고딕330" pitchFamily="18" charset="-127"/>
+                <a:ea typeface="-윤고딕330" pitchFamily="18" charset="-127"/>
+              </a:rPr>
+              <a:t>산점도로</a:t>
+            </a:r>
             <a:r>
               <a:rPr lang="ko-KR" altLang="en-US" sz="2000" b="1" dirty="0">
                 <a:ln>
@@ -4474,159 +4682,11 @@
                     </a:schemeClr>
                   </a:solidFill>
                 </a:ln>
-                <a:solidFill>
-                  <a:srgbClr val="FF0000"/>
-                </a:solidFill>
-                <a:latin typeface="-윤고딕330" pitchFamily="18" charset="-127"/>
-                <a:ea typeface="-윤고딕330"/>
-              </a:rPr>
-              <a:t>파일 구성</a:t>
-            </a:r>
-            <a:endParaRPr lang="en-US" altLang="ko-KR" sz="2000" b="1" dirty="0">
-              <a:ln>
-                <a:solidFill>
-                  <a:schemeClr val="bg1">
-                    <a:alpha val="0"/>
-                  </a:schemeClr>
-                </a:solidFill>
-              </a:ln>
-              <a:solidFill>
-                <a:srgbClr val="FF0000"/>
-              </a:solidFill>
-              <a:latin typeface="-윤고딕330" pitchFamily="18" charset="-127"/>
-              <a:ea typeface="-윤고딕330"/>
-            </a:endParaRPr>
-          </a:p>
-          <a:p>
-            <a:pPr fontAlgn="base"/>
-            <a:r>
-              <a:rPr lang="en-US" altLang="ko-KR" dirty="0">
-                <a:ea typeface="-윤고딕330"/>
-              </a:rPr>
-              <a:t>-train.csv : </a:t>
-            </a:r>
-            <a:r>
-              <a:rPr lang="en-US" altLang="ko-KR" dirty="0" err="1">
-                <a:ea typeface="-윤고딕330"/>
-              </a:rPr>
-              <a:t>fare_amount</a:t>
-            </a:r>
-            <a:r>
-              <a:rPr lang="ko-KR" altLang="en-US" dirty="0">
-                <a:ea typeface="-윤고딕330"/>
-              </a:rPr>
-              <a:t>의 </a:t>
-            </a:r>
-            <a:r>
-              <a:rPr lang="en-US" altLang="ko-KR" dirty="0">
-                <a:ea typeface="-윤고딕330"/>
-              </a:rPr>
-              <a:t>training set</a:t>
-            </a:r>
-            <a:r>
-              <a:rPr lang="ko-KR" altLang="en-US" dirty="0">
-                <a:ea typeface="-윤고딕330"/>
-              </a:rPr>
-              <a:t>에 대한 특징 및 목표 값 입력</a:t>
-            </a:r>
-          </a:p>
-          <a:p>
-            <a:pPr fontAlgn="base"/>
-            <a:r>
-              <a:rPr lang="en-US" altLang="ko-KR" dirty="0">
-                <a:ea typeface="-윤고딕330"/>
-              </a:rPr>
-              <a:t>-test.csv : test set</a:t>
-            </a:r>
-            <a:r>
-              <a:rPr lang="ko-KR" altLang="en-US" dirty="0">
-                <a:ea typeface="-윤고딕330"/>
-              </a:rPr>
-              <a:t>에 대한 기능 입력</a:t>
-            </a:r>
-            <a:r>
-              <a:rPr lang="en-US" altLang="ko-KR" dirty="0">
-                <a:ea typeface="-윤고딕330"/>
-              </a:rPr>
-              <a:t>, </a:t>
-            </a:r>
-            <a:r>
-              <a:rPr lang="ko-KR" altLang="en-US" dirty="0">
-                <a:ea typeface="-윤고딕330"/>
-              </a:rPr>
-              <a:t>목표는 </a:t>
-            </a:r>
-            <a:r>
-              <a:rPr lang="en-US" altLang="ko-KR" dirty="0" err="1">
-                <a:ea typeface="-윤고딕330"/>
-              </a:rPr>
-              <a:t>fare_amount</a:t>
-            </a:r>
-            <a:r>
-              <a:rPr lang="ko-KR" altLang="en-US" dirty="0">
-                <a:ea typeface="-윤고딕330"/>
-              </a:rPr>
-              <a:t>의 각 행을 예측</a:t>
-            </a:r>
-          </a:p>
-          <a:p>
-            <a:pPr fontAlgn="base"/>
-            <a:r>
-              <a:rPr lang="en-US" altLang="ko-KR" dirty="0">
-                <a:ea typeface="-윤고딕330"/>
-              </a:rPr>
-              <a:t>-sample_submission.csv : </a:t>
-            </a:r>
-            <a:r>
-              <a:rPr lang="ko-KR" altLang="en-US" dirty="0">
-                <a:ea typeface="-윤고딕330"/>
-              </a:rPr>
-              <a:t>올바른 형식의 샘플 제출 파일</a:t>
-            </a:r>
-            <a:r>
-              <a:rPr lang="en-US" altLang="ko-KR" dirty="0">
-                <a:ea typeface="-윤고딕330"/>
-              </a:rPr>
-              <a:t>, </a:t>
-            </a:r>
-            <a:r>
-              <a:rPr lang="ko-KR" altLang="en-US" dirty="0">
-                <a:ea typeface="-윤고딕330"/>
-              </a:rPr>
-              <a:t>이 파일은 </a:t>
-            </a:r>
-            <a:r>
-              <a:rPr lang="en-US" altLang="ko-KR" dirty="0">
-                <a:ea typeface="-윤고딕330"/>
-              </a:rPr>
-              <a:t>training set</a:t>
-            </a:r>
-            <a:r>
-              <a:rPr lang="ko-KR" altLang="en-US" dirty="0">
-                <a:ea typeface="-윤고딕330"/>
-              </a:rPr>
-              <a:t>의 평균인 모든 행에 대해</a:t>
-            </a:r>
-            <a:r>
-              <a:rPr lang="en-US" altLang="ko-KR" dirty="0" err="1">
-                <a:ea typeface="-윤고딕330"/>
-              </a:rPr>
-              <a:t>fare_amount</a:t>
-            </a:r>
-            <a:r>
-              <a:rPr lang="en-US" altLang="ko-KR" dirty="0">
-                <a:ea typeface="-윤고딕330"/>
-              </a:rPr>
-              <a:t> $11.35</a:t>
-            </a:r>
-            <a:r>
-              <a:rPr lang="ko-KR" altLang="en-US" dirty="0">
-                <a:ea typeface="-윤고딕330"/>
-              </a:rPr>
-              <a:t>로 예측</a:t>
-            </a:r>
-          </a:p>
-          <a:p>
+                <a:latin typeface="-윤고딕330" pitchFamily="18" charset="-127"/>
+                <a:ea typeface="-윤고딕330" pitchFamily="18" charset="-127"/>
+              </a:rPr>
+              <a:t> 표시</a:t>
+            </a:r>
             <a:endParaRPr lang="en-US" altLang="ko-KR" sz="2000" b="1" dirty="0">
               <a:ln>
                 <a:solidFill>
@@ -4639,12 +4699,3072 @@
               <a:ea typeface="-윤고딕330" pitchFamily="18" charset="-127"/>
             </a:endParaRPr>
           </a:p>
+          <a:p>
+            <a:endParaRPr lang="en-US" altLang="ko-KR" sz="2000" b="1" dirty="0">
+              <a:ln>
+                <a:solidFill>
+                  <a:schemeClr val="bg1">
+                    <a:alpha val="0"/>
+                  </a:schemeClr>
+                </a:solidFill>
+              </a:ln>
+              <a:latin typeface="-윤고딕330" pitchFamily="18" charset="-127"/>
+              <a:ea typeface="-윤고딕330" pitchFamily="18" charset="-127"/>
+            </a:endParaRPr>
+          </a:p>
+          <a:p>
+            <a:r>
+              <a:rPr lang="en-US" altLang="ko-KR" sz="2000" b="1" dirty="0">
+                <a:ln>
+                  <a:solidFill>
+                    <a:schemeClr val="bg1">
+                      <a:alpha val="0"/>
+                    </a:schemeClr>
+                  </a:solidFill>
+                </a:ln>
+                <a:latin typeface="-윤고딕330" pitchFamily="18" charset="-127"/>
+                <a:ea typeface="-윤고딕330" pitchFamily="18" charset="-127"/>
+              </a:rPr>
+              <a:t>-</a:t>
+            </a:r>
+            <a:r>
+              <a:rPr lang="ko-KR" altLang="en-US" sz="2000" b="1" dirty="0">
+                <a:ln>
+                  <a:solidFill>
+                    <a:schemeClr val="bg1">
+                      <a:alpha val="0"/>
+                    </a:schemeClr>
+                  </a:solidFill>
+                </a:ln>
+                <a:latin typeface="-윤고딕330" pitchFamily="18" charset="-127"/>
+                <a:ea typeface="-윤고딕330" pitchFamily="18" charset="-127"/>
+              </a:rPr>
+              <a:t>말이 되지 않는 극단적인 값을 가짐</a:t>
+            </a:r>
+            <a:endParaRPr lang="en-US" altLang="ko-KR" sz="2000" b="1" dirty="0">
+              <a:ln>
+                <a:solidFill>
+                  <a:schemeClr val="bg1">
+                    <a:alpha val="0"/>
+                  </a:schemeClr>
+                </a:solidFill>
+              </a:ln>
+              <a:latin typeface="-윤고딕330" pitchFamily="18" charset="-127"/>
+              <a:ea typeface="-윤고딕330" pitchFamily="18" charset="-127"/>
+            </a:endParaRPr>
+          </a:p>
+          <a:p>
+            <a:endParaRPr lang="en-US" altLang="ko-KR" sz="2000" b="1" dirty="0">
+              <a:ln>
+                <a:solidFill>
+                  <a:schemeClr val="bg1">
+                    <a:alpha val="0"/>
+                  </a:schemeClr>
+                </a:solidFill>
+              </a:ln>
+              <a:latin typeface="-윤고딕330" pitchFamily="18" charset="-127"/>
+              <a:ea typeface="-윤고딕330" pitchFamily="18" charset="-127"/>
+            </a:endParaRPr>
+          </a:p>
+          <a:p>
+            <a:r>
+              <a:rPr lang="en-US" altLang="ko-KR" sz="2000" b="1" dirty="0">
+                <a:ln>
+                  <a:solidFill>
+                    <a:schemeClr val="bg1">
+                      <a:alpha val="0"/>
+                    </a:schemeClr>
+                  </a:solidFill>
+                </a:ln>
+                <a:latin typeface="-윤고딕330" pitchFamily="18" charset="-127"/>
+                <a:ea typeface="-윤고딕330" pitchFamily="18" charset="-127"/>
+              </a:rPr>
+              <a:t>-</a:t>
+            </a:r>
+            <a:r>
+              <a:rPr lang="ko-KR" altLang="en-US" sz="2000" b="1" dirty="0">
+                <a:ln>
+                  <a:solidFill>
+                    <a:schemeClr val="bg1">
+                      <a:alpha val="0"/>
+                    </a:schemeClr>
+                  </a:solidFill>
+                </a:ln>
+                <a:latin typeface="-윤고딕330" pitchFamily="18" charset="-127"/>
+                <a:ea typeface="-윤고딕330" pitchFamily="18" charset="-127"/>
+              </a:rPr>
+              <a:t>값에 제한을 둬서 극단적인 값 제거</a:t>
+            </a:r>
+            <a:endParaRPr lang="en-US" altLang="ko-KR" sz="2000" b="1" dirty="0">
+              <a:ln>
+                <a:solidFill>
+                  <a:schemeClr val="bg1">
+                    <a:alpha val="0"/>
+                  </a:schemeClr>
+                </a:solidFill>
+              </a:ln>
+              <a:latin typeface="-윤고딕330" pitchFamily="18" charset="-127"/>
+              <a:ea typeface="-윤고딕330" pitchFamily="18" charset="-127"/>
+            </a:endParaRPr>
+          </a:p>
+          <a:p>
+            <a:pPr marL="457200" indent="-457200">
+              <a:buFont typeface="+mj-ea"/>
+              <a:buAutoNum type="circleNumDbPlain"/>
+            </a:pPr>
+            <a:endParaRPr lang="en-US" altLang="ko-KR" sz="2500" b="1" dirty="0">
+              <a:ln>
+                <a:solidFill>
+                  <a:schemeClr val="bg1">
+                    <a:alpha val="0"/>
+                  </a:schemeClr>
+                </a:solidFill>
+              </a:ln>
+              <a:latin typeface="-윤고딕330" pitchFamily="18" charset="-127"/>
+              <a:ea typeface="-윤고딕330" pitchFamily="18" charset="-127"/>
+            </a:endParaRPr>
+          </a:p>
+          <a:p>
+            <a:endParaRPr lang="en-US" altLang="ko-KR" sz="2500" b="1" dirty="0">
+              <a:ln>
+                <a:solidFill>
+                  <a:schemeClr val="bg1">
+                    <a:alpha val="0"/>
+                  </a:schemeClr>
+                </a:solidFill>
+              </a:ln>
+              <a:latin typeface="-윤고딕330" pitchFamily="18" charset="-127"/>
+              <a:ea typeface="-윤고딕330" pitchFamily="18" charset="-127"/>
+            </a:endParaRPr>
+          </a:p>
+        </p:txBody>
+      </p:sp>
+      <p:sp>
+        <p:nvSpPr>
+          <p:cNvPr id="19" name="TextBox 18">
+            <a:extLst>
+              <a:ext uri="{FF2B5EF4-FFF2-40B4-BE49-F238E27FC236}">
+                <a16:creationId xmlns:a16="http://schemas.microsoft.com/office/drawing/2014/main" id="{2CF89B46-8BA7-4E69-AF4A-82A79004B55A}"/>
+              </a:ext>
+            </a:extLst>
+          </p:cNvPr>
+          <p:cNvSpPr txBox="1"/>
+          <p:nvPr/>
+        </p:nvSpPr>
+        <p:spPr>
+          <a:xfrm>
+            <a:off x="809448" y="5337279"/>
+            <a:ext cx="7939016" cy="1246495"/>
+          </a:xfrm>
+          <a:prstGeom prst="rect">
+            <a:avLst/>
+          </a:prstGeom>
+          <a:noFill/>
+        </p:spPr>
+        <p:txBody>
+          <a:bodyPr wrap="square" rtlCol="0">
+            <a:spAutoFit/>
+          </a:bodyPr>
+          <a:lstStyle/>
+          <a:p>
+            <a:r>
+              <a:rPr lang="en-US" altLang="ko-KR" sz="2500" b="1" dirty="0">
+                <a:ln>
+                  <a:solidFill>
+                    <a:schemeClr val="bg1">
+                      <a:alpha val="0"/>
+                    </a:schemeClr>
+                  </a:solidFill>
+                </a:ln>
+                <a:latin typeface="-윤고딕330" pitchFamily="18" charset="-127"/>
+                <a:ea typeface="-윤고딕330" pitchFamily="18" charset="-127"/>
+              </a:rPr>
+              <a:t>2. </a:t>
+            </a:r>
+            <a:r>
+              <a:rPr lang="ko-KR" altLang="en-US" sz="2500" b="1" dirty="0">
+                <a:ln>
+                  <a:solidFill>
+                    <a:schemeClr val="bg1">
+                      <a:alpha val="0"/>
+                    </a:schemeClr>
+                  </a:solidFill>
+                </a:ln>
+                <a:latin typeface="-윤고딕330" pitchFamily="18" charset="-127"/>
+                <a:ea typeface="-윤고딕330" pitchFamily="18" charset="-127"/>
+              </a:rPr>
+              <a:t>교육 데이터 훈련</a:t>
+            </a:r>
+            <a:endParaRPr lang="en-US" altLang="ko-KR" sz="2500" b="1" dirty="0">
+              <a:ln>
+                <a:solidFill>
+                  <a:schemeClr val="bg1">
+                    <a:alpha val="0"/>
+                  </a:schemeClr>
+                </a:solidFill>
+              </a:ln>
+              <a:latin typeface="-윤고딕330" pitchFamily="18" charset="-127"/>
+              <a:ea typeface="-윤고딕330" pitchFamily="18" charset="-127"/>
+            </a:endParaRPr>
+          </a:p>
+          <a:p>
+            <a:pPr marL="457200" indent="-457200">
+              <a:buFont typeface="+mj-ea"/>
+              <a:buAutoNum type="circleNumDbPlain"/>
+            </a:pPr>
+            <a:endParaRPr lang="en-US" altLang="ko-KR" sz="2500" b="1" dirty="0">
+              <a:ln>
+                <a:solidFill>
+                  <a:schemeClr val="bg1">
+                    <a:alpha val="0"/>
+                  </a:schemeClr>
+                </a:solidFill>
+              </a:ln>
+              <a:latin typeface="-윤고딕330" pitchFamily="18" charset="-127"/>
+              <a:ea typeface="-윤고딕330" pitchFamily="18" charset="-127"/>
+            </a:endParaRPr>
+          </a:p>
+          <a:p>
+            <a:endParaRPr lang="en-US" altLang="ko-KR" sz="2500" b="1" dirty="0">
+              <a:ln>
+                <a:solidFill>
+                  <a:schemeClr val="bg1">
+                    <a:alpha val="0"/>
+                  </a:schemeClr>
+                </a:solidFill>
+              </a:ln>
+              <a:latin typeface="-윤고딕330" pitchFamily="18" charset="-127"/>
+              <a:ea typeface="-윤고딕330" pitchFamily="18" charset="-127"/>
+            </a:endParaRPr>
+          </a:p>
         </p:txBody>
       </p:sp>
     </p:spTree>
     <p:extLst>
       <p:ext uri="{BB962C8B-B14F-4D97-AF65-F5344CB8AC3E}">
-        <p14:creationId xmlns:p14="http://schemas.microsoft.com/office/powerpoint/2010/main" val="779459953"/>
+        <p14:creationId xmlns:p14="http://schemas.microsoft.com/office/powerpoint/2010/main" val="2525292541"/>
+      </p:ext>
+    </p:extLst>
+  </p:cSld>
+  <p:clrMapOvr>
+    <a:masterClrMapping/>
+  </p:clrMapOvr>
+  <mc:AlternateContent xmlns:mc="http://schemas.openxmlformats.org/markup-compatibility/2006" xmlns:p14="http://schemas.microsoft.com/office/powerpoint/2010/main">
+    <mc:Choice Requires="p14">
+      <p:transition spd="med" p14:dur="700">
+        <p:fade/>
+      </p:transition>
+    </mc:Choice>
+    <mc:Fallback xmlns="">
+      <p:transition spd="med">
+        <p:fade/>
+      </p:transition>
+    </mc:Fallback>
+  </mc:AlternateContent>
+</p:sld>
+</file>
+
+<file path=ppt/slides/slide11.xml><?xml version="1.0" encoding="utf-8"?>
+<p:sld xmlns:a="http://schemas.openxmlformats.org/drawingml/2006/main" xmlns:r="http://schemas.openxmlformats.org/officeDocument/2006/relationships" xmlns:p="http://schemas.openxmlformats.org/presentationml/2006/main">
+  <p:cSld>
+    <p:spTree>
+      <p:nvGrpSpPr>
+        <p:cNvPr id="1" name=""/>
+        <p:cNvGrpSpPr/>
+        <p:nvPr/>
+      </p:nvGrpSpPr>
+      <p:grpSpPr>
+        <a:xfrm>
+          <a:off x="0" y="0"/>
+          <a:ext cx="0" cy="0"/>
+          <a:chOff x="0" y="0"/>
+          <a:chExt cx="0" cy="0"/>
+        </a:xfrm>
+      </p:grpSpPr>
+      <p:sp>
+        <p:nvSpPr>
+          <p:cNvPr id="6" name="모서리가 둥근 직사각형 5"/>
+          <p:cNvSpPr/>
+          <p:nvPr/>
+        </p:nvSpPr>
+        <p:spPr>
+          <a:xfrm>
+            <a:off x="251520" y="188640"/>
+            <a:ext cx="8640960" cy="6480720"/>
+          </a:xfrm>
+          <a:prstGeom prst="roundRect">
+            <a:avLst>
+              <a:gd name="adj" fmla="val 5928"/>
+            </a:avLst>
+          </a:prstGeom>
+          <a:solidFill>
+            <a:schemeClr val="bg1"/>
+          </a:solidFill>
+          <a:ln>
+            <a:solidFill>
+              <a:schemeClr val="bg1"/>
+            </a:solidFill>
+          </a:ln>
+        </p:spPr>
+        <p:style>
+          <a:lnRef idx="2">
+            <a:schemeClr val="accent1">
+              <a:shade val="50000"/>
+            </a:schemeClr>
+          </a:lnRef>
+          <a:fillRef idx="1">
+            <a:schemeClr val="accent1"/>
+          </a:fillRef>
+          <a:effectRef idx="0">
+            <a:schemeClr val="accent1"/>
+          </a:effectRef>
+          <a:fontRef idx="minor">
+            <a:schemeClr val="lt1"/>
+          </a:fontRef>
+        </p:style>
+        <p:txBody>
+          <a:bodyPr rtlCol="0" anchor="ctr"/>
+          <a:lstStyle/>
+          <a:p>
+            <a:pPr algn="ctr"/>
+            <a:endParaRPr lang="ko-KR" altLang="en-US" sz="1400" b="1"/>
+          </a:p>
+        </p:txBody>
+      </p:sp>
+      <p:sp>
+        <p:nvSpPr>
+          <p:cNvPr id="2" name="Rectangle 2"/>
+          <p:cNvSpPr>
+            <a:spLocks noChangeArrowheads="1"/>
+          </p:cNvSpPr>
+          <p:nvPr/>
+        </p:nvSpPr>
+        <p:spPr bwMode="auto">
+          <a:xfrm>
+            <a:off x="1" y="43933"/>
+            <a:ext cx="184731" cy="369332"/>
+          </a:xfrm>
+          <a:prstGeom prst="rect">
+            <a:avLst/>
+          </a:prstGeom>
+          <a:noFill/>
+          <a:ln>
+            <a:noFill/>
+          </a:ln>
+          <a:effectLst/>
+          <a:extLst>
+            <a:ext uri="{909E8E84-426E-40DD-AFC4-6F175D3DCCD1}">
+              <a14:hiddenFill xmlns:a14="http://schemas.microsoft.com/office/drawing/2010/main">
+                <a:solidFill>
+                  <a:schemeClr val="accent1"/>
+                </a:solidFill>
+              </a14:hiddenFill>
+            </a:ext>
+            <a:ext uri="{91240B29-F687-4F45-9708-019B960494DF}">
+              <a14:hiddenLine xmlns:a14="http://schemas.microsoft.com/office/drawing/2010/main" w="9525">
+                <a:solidFill>
+                  <a:schemeClr val="tx1"/>
+                </a:solidFill>
+                <a:miter lim="800000"/>
+                <a:headEnd/>
+                <a:tailEnd/>
+              </a14:hiddenLine>
+            </a:ext>
+            <a:ext uri="{AF507438-7753-43E0-B8FC-AC1667EBCBE1}">
+              <a14:hiddenEffects xmlns:a14="http://schemas.microsoft.com/office/drawing/2010/main">
+                <a:effectLst>
+                  <a:outerShdw dist="35921" dir="2700000" algn="ctr" rotWithShape="0">
+                    <a:schemeClr val="bg2"/>
+                  </a:outerShdw>
+                </a:effectLst>
+              </a14:hiddenEffects>
+            </a:ext>
+          </a:extLst>
+        </p:spPr>
+        <p:txBody>
+          <a:bodyPr vert="horz" wrap="none" lIns="91440" tIns="45720" rIns="91440" bIns="45720" numCol="1" anchor="ctr" anchorCtr="0" compatLnSpc="1">
+            <a:prstTxWarp prst="textNoShape">
+              <a:avLst/>
+            </a:prstTxWarp>
+            <a:spAutoFit/>
+          </a:bodyPr>
+          <a:lstStyle/>
+          <a:p>
+            <a:endParaRPr lang="ko-KR" altLang="en-US" b="1"/>
+          </a:p>
+        </p:txBody>
+      </p:sp>
+      <p:sp>
+        <p:nvSpPr>
+          <p:cNvPr id="4" name="AutoShape 4" descr="data:image/jpeg;base64,/9j/4AAQSkZJRgABAQAAAQABAAD/2wCEAAkGBxISEhQUERQWFRUVFRgYFhgYFx4XGhwcHRQXGBoVGhkYHCggHhorIBUWITEhJikrMi8wFx80ODcsNygtLisBCgoKDg0OGxAQGy0mICQsLCw4NC8sLCw3Ly8sLCwsNCwsLywvMiw0LCwsLCwsLC0vLCwsLCwsLCwsLCwsLCwsLP/AABEIAK8BIQMBEQACEQEDEQH/xAAcAAEAAgMBAQEAAAAAAAAAAAAABgcDBAUBAgj/xABREAABAwICBQYJBgkLAwUAAAABAAIDBBESIQUGMUFRBxMiYXGBFzJUkZKTobHSFBZScoLRIzNCYmNzdLLBFTQ1Q0RTg6Kjs8PT8PEkVcLi4//EABsBAQACAwEBAAAAAAAAAAAAAAADBAECBQYH/8QAPxEAAgECAQcHCwMEAwADAAAAAAECAwQRBRIhMUFRkQYTYXGB0eEUFRYiMlJTobHB8EJikjM0cvEkNcIjRKL/2gAMAwEAAhEDEQA/ALxQBAEAQBAEAQBAEAQBAEAQHKj0lasfTu3wtlZxtjcx47iGH7R4LTP9bNLDoPmFWW/NfBNffgdVblcIAgCAIAgCAIAgCAIAgCAIAgCAIAgCAIAgCAIAgCAIAgCAIAgCAIAgCAIDwlAQahquf03I5mbIKd0ZO64c249Jzh9gqtF51d9CO3Up81kuKlrnPHsw/OJOlZOIEAQBAEAQBAEAQBAEAQBAEAQBAEAQBAEAQBAEAQBAEAQBAEAQBAEAQBAEBENedbW0rDFEQZ3DtEYI8d3XwHfs2169ZQWC1nXyXkyVzLPn7C+fQvu9nWffJ5oF1NAXyAiWaznA7WtF8LT+dmXHrceCzb082OL1sxle9VxWzYezHQvu+7oRLFOckIAgCAIAgCAIAgCAIAgCAIAgCAIAgCAIAgCAIAgCAIAgCAIAgCAIAgPCUBANb9ewzFFSEF4ydLta3iGbnO69g69gqVrjDRA9Dk3IzqYVa+iO7a+vcvn9TDqTqc4uFVWA3vjYx2bidvOyXzvvAPac8hihQ058zfKmVY5vk9vq1Nr6Lo3vb1a5VpzWmmpejI4ukNrRMGOQk7BYbL7r2urE6sYa9ZyLXJ9e50wWEd70JdvceUElXP0pGimjOxmT5j1uceizssTntCRc5aXoMVo29L1YPPe/Uuza+vR1M7jQpCmeoAgCAIAgCAIAgCAIAgCAIAgCAIAgCAIAgCAIAgCAIAgCAIAgCA8KArTlB1tLnOpoHWa3KZ42k74weA3nectxvSuK36Ynp8j5LWCuKq6l939uJ0dRdTREG1FS28pAMbCMoxuJH957t3Fb0KGb60tf0K2VcrOs3SpP1dr97w+utmHXTW+QSfJaK5kuGve3N2I5c3H+dnm7d23IxWrvHMhrN8mZLpuHlFz7OtLo3vo3Lb9evqhqiylHOS2kqHZuecw0naGk534uOZ6hkpKNFQ0vWUsoZTncvMhogtS7+7UvmSpTnLCAIAgCAIAgCAIAgCAIAgCAIAgCAIAgCAIAgCAIAgCAIAgCAIAgCA+Jr4TbbY27dyGVrKU1IouerYWyZ2cZHg7y0F2f2rHuXMoxzqixPcZVq81ZydPbgl1PwLj0pOY4ZXt2sje4doaSPculJ4Js8VSip1Ixe1pFQahSNFfAZDckvsT9MsdYnrNz3lc63a5xYntMsQl5HJQ1LDgn/oukLpHhz1AEAQBAEBjEzb2xC/C4QzgzIhgIAgCAIAgCAIAgCAIAgCAIAgCAIAgCAIAgCAIAgCAIDwoCstYKE6Or46toPMPkJdb8kuBEjT1HEXjrBHBUqkeaqKew9PZ1lfWUrV+2lo6cNXcWR0ZGbnNc3tBBHusVc1nmdMX0oozTWjH0k7ojcFhBjdvLb3Y8Hjl3EFcqcHCWB9AtLmF1QU9+hrp2r82Fsal6f+WU+J2UrDhkA2XtcPHURn1G43Lo0amfHHaeOylZeS1s1ey9K6vAkKlOeEAQBACgKV1dYP5WYbC/yubPvlXNp/1u1/c9veN+a2v2Q/8AJdS6R4g8ugF0AugPUB5dAe3QHl0AugF0B6gCAIAgCAIAgCAIAgCAIAgCAIAgCA1q+jZNG6ORocxwsQf+8j1rDSksGb06k6c1ODwaODq5FJRv+SSkvizNNIeG0wO4OAzHEXtssoqacPUerZ3F68nC5XPx0S/Uun3l0PbufWYOUnRjJKR0pHThs5ruouAc3sIN+0Ba3EE4Y7ibItxKncqC1S0P7PsOfyT0L2xzTOBDZS1rOsMxXcOq7yPsrW1i1FveWeUFeMqsaa1xTx7cNHy+ZPlaPPhAEAQHhQFMavf0rH+1ze+Zc2n/AFu1/c9tef8AWP8Awh/5LF1uir3iNtC5rL4uccbAjxcNiQbDxtgvsVyqqjwzDzOT52kXJ3Kb3fmj6kZm1J0i4YnVhLuHOy28+7zKB0KmvO+bOtHK9jHQqOj/ABj+fM1NVtY6qCqbTVL3PaZOacHnE5jibNcHnMgkjaTkbjr1pVZxnmSJcoWFvWtncUFg8MdGjFbdHQbnKXPUQzRvimlYyRhFmvIaHNPAHaQ4eiVtcuUWmmQ5ChQqwlCcE2njpWx/nzJlqtpH5RSwynxiwB31m9F3tBVqnLOimcS9ocxXnT3P5bPkQjlL01NHUsZDLIzDDicGOLblznWvbabM9qq3M2pJJneyFaUqlGU6kU9OGlY6l4kqroaxtDG2mdeoDYw5zyCTkA9135Xzvc32KxJTzPV1nGoztndOVZepi9C+Wojb9TtJy5y1nS4CWS3+UNHmCg5iq9cvqdZZUsKeiFHR1R++L+Zxm6YrtGT4Jnuka2xcxzzI1zD+UxzswcjbZmMwos+pSlhIuu1tMoUc+lFJ9Cwwe5paC0Kaj6YlbJIWuFwwuu3O5vb7XZkOC6HSeQlLRmtHQWTQIAgCAIAgCAIAgCAIAgCAIDW0jXxwRmSZ4Yxu0nzAdZ6gtoQlOWbFYs1nNQWdLUQw6/meZsFFG3E8kCSd2Buwm+EZnIcQepXvIebhn1X2Ioq/VSeZTXa9BJKTRtQbGeqc472xMbGz2hz/APMqkpw/THi8fD5F2MZbWdZjbC3vNz5yojc8kjDtovmDnxBuD50BzdOaL+UtEUhtDcOeAbF9jcMvubcAk7Ta2S0nDPWD1Fi2uHQlnx9rZ0dPXuNh1XBC0NL442tFgC5rQABsAvssFJGEnoiivOpi3KTMVJp2nmdhhkEpG3m7vA+s5oLR3lbypTivWWHXoNI1Iy1PEV+ho5r84ZD1NlfGB2CNwHebrEKkoasOCf1MyinrILrA+p0TNG+GWSWnkJHNyuL7EWuzEcxcZgjgb339Kgqd1FxkkpLatBzbidS1kpJ4xexliaPq2zRslZm2RjXt7HAEd+a5kouLcXsOnGSkk0ZytTJTGrv9Ks/a5vfMubT/AK3a/ue2vP8ArH/hD/yWtpzTkFIzHM61zZoAu5x4NH8dgV+c4wWLPJW1pVuZ5lNY/brIj4Q5JD/6aikkFznc/wDGxwB71X8qb9mJ2PMcIf1q0Y8Pu19CH1FW+XSDZJIzE99TAXRm929KIWNwDmADsG1V85yq4tYaUdlUo0snuEJZyUZad+t9P1LF5SaDnKJz98LhIOwXa/8Ayuce5XLiOMOo81kavzV3FbJerx1fPA5PJPX3ZNAT4rhI3scMLh52g/aUdpLQ4lzlDQwqRqrasO1eH0I/Wj5bpYtGbTOG/YiHS7jzb/SUT9et2/Q6FL/iZMx25uPbLV8mi1tIV8dPGZJnBjG7SfYANpPABXpSUVizyVGjOtNQprFshs3KPicRS0sktjvuO+zGuIHbZVndY+zHE7kcguKTr1Yx/Oloh2uelJamUPmgMDhFhDTfMYnHF0mt4kbNyr15ub0rA7eSranbxcac89N9H2bLl0Z+Ji/Vs/dC6UdR4ep7b62bKyaBAEAQBAEAQBAEAQBAEAQBAYaykZKwsla17Dta4XB7isxk4vFPSYlFSWDIrWcnFC++Fskf1X3HmfdXI5QrR24lOWT6EtOGHUajdQ2NOCKuqWkC5aH7BuNm2tsW3lzemUI8DHkeGhTlxM/zHm/9xqvSd8ax5ZH4cTbySXxJcTxuoT79Kvqz2SEe8lZd6tlOPAwrN/ElxPpnJzT/ANZNUSfWkH8GrXy+eyMV2GVZQ2tvtN6j1E0fHsga4/nkv9jjb2LSV7Xl+r7G8bSjH9P3O/S0rI2hsbWsaNjWgNHmCrNuTxZYSSWCMywZKy5TK41M8FFTjHI1xLgPpkWa2+6zS4ngCF1bCHNxlWnqOVlCTqyjRhrLA0NQiCCKEG/NxtZfjZoBPec1zak8+blvZ04RzYqK2G6tDYpfV7+lY/2ub3zLm0/63a/ue2vP+sf+EP8AybXKfK41pDibNhZhHUS4kjrJ/dHBbXPt6dxFkKOFo3HW2/klgWhSTwMha6NzGwhgLSCAwNtlnssryaS0ajyc41JVGpJ52PbiVHpOsZNpTnIjiY+qgwnjYwtJF912lc9yUq2K3o9lSpTpZNzJrBqEvniy5amEPY5js2uaWkdRFj710WsUeJjJxaktaKU0JXvoKl5dcuY2aIjiQDhPe5jO4rm05c1N9p7m7oq+to5u1xfVjr+r4Ej5KdGl0ktQ7PAObaTvc6znntsG+kVNax0uTObygrqMYUI9fYtC+5m5W5XXpm/kHnHH6wwAexzvOs3behGnJ2McaktuhdmnuRJNRHQihh5vCOgOc2Xx/l4uu91NQw5tYHKyoqnlc8/fo6tmHRgQHlL0hFNU3ieHhkWBxbmMQc8kA7DtGxVLmSlLQejyDQqUqLz1hi8VjuLY0Z+Ji/Vs/dC6EdR4+p7b62bKyaBAEAQBAEAQBAEAQBAEAQBAEBraQie+N7Y34HuY4Nfa+EkEB1uo5rMWk03pMSTaaRWNDHpbRpkww8817sTnWMuI2tiu0472A2jcuvN2txhpwa7PA5MPK7fHRnI2TylVLPxlIAesvZ7C0rXzdTeqf07zbzhUWum/zsPTypSbqQetP/TTzZH3/l4jzlLZTf52HyeUCvk/E0g6rMkk91k8goR9qf0Q8urv2af1MkFXp6ZzSGCMAg2cxjGnPYQ4l9uzNayhZQWGOP5wMxneyepIsCikl5sGdrGvt0gxxe3ZuJaD3WXNlm4+rqOmscNJytJTVk/QpWiBpydPKOl/hxbb9b8PZvUsFThpnp6F933Ec8+WiOjpMmreq8FGCWXfI7x5X5vdc3Oe4Xztv33KVridXXq3GtG3hS1a3tO4oCc166sZDG6SQ4WMBc4ngP49Sw2ksWb06cqklCKxbKj1EhdPpCOS3iukmf1YmuFr/WkHmK51BOVTHrZ7HK0lRsebx15seGHcWJrPqrDW4S4uZI0Wa9vC98LgciPdc22lXatFVNZ5uxyjVtG83SnsZHKbkwZcc5OXNvezWBpOd9pJ9ygVotrOnPlFNr1IJPe3j3HTqNQIDNFJE50Qi5uzGgEEsfiuScyTvPUpPJ45ya2FOOWa3NTpzWdnY6XsxWH+iXlWDkEP01qDFUTvm517DIQS0NBFw0NvnxsFXnbKUscTtWmWqlvSVLNTw6+s7+gNEMpIWwsJIbclx2uJNy427fYpYQUI4I5t1cyuKrqy2/I+dYdBxVkfNy3Fjdrm5OabWuL9uwpUpqawZtaXdS1qZ9P/AGukhw5Lxc3qDhO20YuR2l1vYq3ki3nafKKWGimsev8APqdKu5OqZ8bGRudHhxYnABzn4gPGJ4WyAyzW8raDWC0FWjl24hUc54Sx2akuol1NFgY1u3C0C/YLKyjjSeLbMqGAgCAIAgCAIAgCAIAgCAIAgCAICL6e10gpahkDgbkt5x9jhY05gm2bjsyHHuVqlaTqwc1/sq1runSmoS2nSg1ko3+LUwn/ABGg+YlROhVWuL4EqrU5apLibf8AKEH97H6bfvWmZLcyTORqVGstGzxqmEdXONJ8wN1vG3qy1RfAjlWpx1yXE80XrLSVLiyGZrnD8nNpPW0OAxDrCzUt6tNYyiYp16dR4RkmdZQkx7ZAEAQEV111alrBEI5cAa7pNdmy2fTsNrx/HcoK1J1MMGdTJl/C0cnKGOOp7erqZ0tW9XoqOMtjuXOsXvPjOI2dgGdh1neSVvTpqCwRWvL2pdTzp9i2L83nYUhUCAIAgCAIAgCAIAgCAIAgCAIAgCAIAgCAIAgCA+JZA0EuIAAuSTYAcSSmsEfGt8cjzHRxyVThtLAGxt63SPsLdl77lZ8llFY1Go9evgQK4jJ4Q09XedOjlqSQZY4mDg2RzyP9MBQyUNjfDxJVnbTU0/qvTVgBmacYFg9pwuA4X2EZ7CCpKNxUo+yyKtb06y9dEOq+Sw3/AAVQLcHsz9Jp/gr8cqe9HgznzyTH9MjQPJdU/wB7D/m+FSedIbmR+ap+8bVPyWSfl1DAPzYy72lwWksqLZH5m0ck75fIkGjOTmjiIc/HM4G4xus2/wBVtvbdVqmUKs1gtHUXKVhRpvHWyXsYAABsAsFRLp7dAasWkGOmfCD042se4fmvLw034/g3ZdnELZxaipbGYTWOBtrUyEAQBAEAQBAEAQBAEAQBAEAQBAEAQBAEAQBAEAQBAEBHdddX5K2ERxy4C12Ig+K/LIOtnkcxt7OFm1rqjPOaxK11QdaGangQvRugNMUJPycNcHG7mtc1zT12fhN+yyv1K9pX9vFfnQc+lb3Vv7GDR2Ga2aTj/H6Oc7iWYvcA/wB6g8lt5ezU4/iLXlNePtU+DMo5RLfjKKpbl9H4g3JY8gx1TjxM+W4a4S4DwnUw8aGoHa1nxp5uqbJIx5wgtcZcAOU+kOyKc9jWfGnm2rta/Owz5wp7nwPpvKREfFpal3Yxp9zljzfJa5x4mfLV7kuB9s11qH/itHVJ+tdg85YsO0gvaqL6mVdTeqm/oZo9KaWk8Wjih65ZsXsZmtXTto65t9S7zZVK8v0Jdb7jZj0ZXSZ1NYI27208YZ3c5Jd3mAWjqUV7EMet/ZYG6hUftS4GGDS9FS/gaUGeZxuWRHnZHu2YpJCbcLuc7ILLpVanrz0Lp0cF3BVKcXmx0v8ANZJqXHhHOWxWGLDsvvAJzI61V6idGVAEAQBAEAQBAEAQBAEAQBAEAQBAEAQBAEAQBAEAQBAEAQGCqhe7xHlhHUHA9oI9xCymlrRho5zo64eLJTvHXG+M+cSOHsUmNLc+K7jX1+gwOn0kP7PSu6xUPb7DCfet82h70uC7zXGpuXHwMXyzSQ/sdP3VJ/6Szm0Pff8AHxMOVT3Vx8Dx1bpQ7KWnb21Dj7owmZb+8+HiM6ruXHwMbjpl2wUTO+Rx9y2/4q958Eaf8h+6uLPh+h9KSePXsjHCKAe9xuEVW3Wqnj1sw6dZ654dS7zwaixvzqqioqep8hDe5rdnnWfLJL2IqPUh5LF+22+3uJBo3RUFO3DBGyMb8ItfrJ2nvVadSc3jJ4liEIwWEVgbq0NggCAIAgCAIAgCAIAgCAIAgCAIAgCAIAgCAIAgCAIAgCAIAgCAIAgCAIAgCAIAgCAIAgCAIAgCAIAgCAIAgCAIAgCAIAgCAICOaw660lGS2R5dIP6uMYnDtzs3vKjlUjHQdGzyVc3SzoLBb3oXj2EXfyuxX6NM8jrkAPmwlR8/0HWXJmphpqLgz58LrPJXesHwpz/QZ9GJ/EXDxHhdZ5K71g+FOf6B6MT+IuHiZqblbgJ/CU8jRxa5r/YbIq63Gk+TVZL1Zp8V3k00Jp6nq24qeQPttGxze1pzCmjNS1HDubOtbSzascPzYzovdYE8BdbFdLFlaDleZ5K71g+FVlcY7D0/oxP4i4eI8LrPJXesHwrPP9A9GJ/EXDxHhdZ5K71g+FOf6B6MT+IuHiPC6zyV3rB8Kc/0D0Yn8RcPE7ur3KJSVThG7FDI42aH2wk8A4ZX7bLeNaMtBQvMh3NvHPXrLo2dhMFKcYIAgIFrNylxU0zoYoueLDZ7seFoO9oyNyNh2ZqCdZJ4JHfscg1Likqk5ZqerRj27CTasawRV0POxXFjhe07Wu4G27YQVJCaksUcy9sqlpV5ufY96OutymEBqaS0jFTsMkz2sYN7j7ANpPUFhySWLJaNGpWnmU1iyEV3KxTNJEUUkgG82YD2XufOAoXXWxHdpcm7iSxnJL5+BqeF1nkrvWD4Vjn+gm9GJ/EXDxHhdZ5K71g+FOf6B6MT+IuHifcPKwHua1lI9znENaBILkk2AHRTn+g1nyblCLlKqsF0eJKda9Z/kMEcskWIveGFofaxLHOPSw5+LbYpJzzVjgcmwsPLKrpxlhgsccOlL7mHUzW9ukOdwxGPm8O12K+LF1D6PtSnUz9hJlLJjss3GWOOOzDUSdSHLCAIAgOTp7WOmo23nkDSfFaM3nsaN3WclpKcY6y3a2Ne6eFKOPTsXaQ2flchB6FPI4cXOa0+YXUXP9B24cmarXrTS7G+4xeF1nkrvWD4U5/oNvRifxFw8R4XWeSu9YPhTn+gejE/iLh4nS1e5RDWTshipXXdm5xkFmtG1x6P/kkDeto1s54YFW8yJ5LSdWdRcNb3aydKY4JC+UvWp1HE2OE2mlvY/QbsL+3cO87lDWqZqwWs7eRcnK6qOdT2Y/N7u8rLVTVWfSD3YThY0/hJXXOZzsPpO37e05i9eEHLUepyhlKlYwSaxb1JbvsixqfkqogOk+Zx44mjzANU6oR3nmp8o7pvQors8TL4LaDjN6Y+FZ5iJr6Q3n7eHiPBbQcZvTHwpzER6Q3n7eHiaOkuSenLTzEsjHbsdnt77AHvusOgtjJqPKSvF/8AyxTXRofcVy5tVoyq3xyxndm1zT+8w/8AdiFX9aL6T0ydvlC33xfFP7NfmgvPQGmW1lK2ZuWJpDm/RcBZzfP7LK7GWdHE8Dd2srWu6Utj4reUDoClbNUQRvvhkkY11sjYuANlQprHBdR9Du6sqVCdSOtJst/wW0HGb0x8Kt8xE8d6Q3n7eHiPBbQcZvTHwpzER6Q3n7eHieHktoOM3pj4U5iI9Ibz9vDxK6151TNBK0BxfFICWOO3K12utlfMZ77qCcMxnpclZSV7B4rCS196LS5NNMuqqJpkN3xOMbidpsAWk9eFwz4gqxRlnR07DyeWrSNvdNR1S0r86yVqU5JF+UHWT5FTHAfw0t2xDhxk7r+chR1Z5q0azqZJsPK6+EvZWl93aU5q9q9PXOlEWZjYXuJ3nPCy/wBJxB28CqkYOWhHtb2+pWajn7Xh2b+pG5qNrEaGpBfcRP6EwtsF8nW4tJ82Ib1mnPNeJBlWxV5Q9X2lpXd29xfrHggEG4OYI2EcVePnrTWhmKtqmxRvkkNmMaXOPUBcrDaSxZvTpyqTUI628CgNYNMz6SqQbOOJ2GGIZ4QTk0D6Ryuf4AWpSk5vE+h2dpRsKHUsW9/huX3JxoTkoZhBq5XYjtZHYAdRcQb91lLGh7zODc8pJ52FCKw3vu/2dfwW0HGb0x8K35iJU9Ibz9vDxHgtoOM3pj4U5iI9Ibz9vDxN7QmoVHSzNmjDy9t8ON2IAkWuBYZ7fOsxpRTxK91li5uKbpzawe5HI5aP5nF+0D/akWtfUusucmv7mX+L+qObyI/2r/C/5FihtLPKfXT7fsWkrB5UIAgOHrjp9tDTOlIBcejG073G9u4WJPYtKk81Yl7J9m7uuqa1a31FI6PoarSVSQCXyP6T3uOTR9Inc0bAB1AKmk5SPdVq1vk+hp0RWhJbfzayyKDkopWtHPSyvdvw2Y3uFifarCoLazzNXlJcSf8A8cUlx/OBt+C2g4zemPhWeYiQ+kN5+3h4jwW0HGb0x8KcxEz6Q3n7eHidvVvVWmocfMB132xFxxGw2AZCwzJ/8BbwpqOooXuUa93hzr1bjuLcolD8qNSX6RmB2RiNjezm2u973edUqrxmz3+QaajZRa2tv54fRFt6jULYaGma0WxRNe7rc8B5Ptt3BWqawijx+U60qt3Uk97XYtB3VuUAgCAICuOWigaYIZrdNsmC/wCa5pNvO0ecqvXWhM9LyarSVaVPY1j2r/ZrcjVSTFVx7mlrx2ua4H9wJQ2knKSmlUpz34rg/EgGqX89pf18f74Vel+nsPQ5R/tan+L+hf2kNOU0Dg2eaONxFwHuw3HEX2q9KcY62fPaNpWrLGnBvqWJrfO2g8qh9YFrzsN6JfNt38KXBnh1uoPKofTCc9T95Dzbd/ClwZVnKbrTFWSRsgzjixdO1sTnWvYHOwA277lQVZqT0HrMh5OqWsJTq6HLDRuSJxySaOdFRY3C3PSF4H5tmtB78JPYQpaCwjjvOFygrxqXeEf0rDt1/cmNVUNjY57yGtY0ucTsAAuSpW8FiziwhKclGKxb0H591l0xJpCrLwCcTgyFm8C9mt7STc9ZVKUnJ4n0WxtYWNvmvZpb/NiLq1O1fbRUzYsi89KV3F5GfcNg7FapwzI4Hhso3ru67qbNS6vzSyuOVfVrmZvlMQ/BzHp22Nk237HZntDuIUFaGa8VtPTcn7/nafMTfrR1dK8Pod7kl1m5yP5JKenGLxE72b2drd3V9Vb0J/pZz+UGT+bn5RBaJa+vf2/XrOpysVJZo94H9Y9jD2Xxf/BbV/YKmQKalepvYm/t9yH8jVA19TLK7MxRgN6i8kF3bZpH2io6Cxkztcpa0o0YU1+p6ez/AH8i4laPGBAEAQFf8tH8zi/aB/tSKCvqXWeh5Nf3Mv8AF/VHN5Ef7V/hf8ixQ2lnlPrp9v2LSVg8qEAQFUctdSecpo9wa9/eSB/A+dVq70pHreTNNZtSe3QiNao64uoGPbHCx7nuBc5xINgLBuW4ZnvKjhNw1I6mUclK9mpSm0ktX3O/4W5/J4/Sct+fluOf6M0viPgh4W5/J4/ScnPy3D0ZpfEfBDwtz+Tx+k5OfluHozS+I+CJhqLrLUV4e+SFkcTeiHAklztpAvuA29o61LSm560cXKthRs2oRm3J/JeJLVKcgpPld0aY63nbdGdjSD+cwBjh5gw/aVOssJY7z3PJ2up2vN7Yv5PT3k65MdPsqKRkRI52BoYW7y0ZMeOq1gesdYU1GWMcNx5/LdlKhcOf6ZPHt2omSmOMEAQBAVJyv6fZI5lLGQeadjkI2B1rBnaAXX7R1qrWli8Eev5O2coKVeW3Quredfkj0aWUk0zhbnnHD9VgIv5y7zLegtDZT5Q11O5jTX6V834YFaapfz2l/Xx/vhVqX6ew9PlH+1qf4v6F96waBhrIjFM242tcPGafpNPH3q9OCksGfPrS7q2tTnKb8esovWnVeahkwyDEw+JIB0Xfc7iPftVOcXF4M9/YZRpXkMY6Gta3eHSa+gNCvq5OajkiY/8AJEji3FxDbNNz1LCTbwRJeXkbWGfOLa6Fjh16SwtXeSvC4PrJGvAN+bjvhP1nEA26gO9TRoe8ebvOUblFxt44dL19i8SzGMAAAAAAsAMgBwCsnmG8XiyreVzWa5+RxHZZ0xHnbH7nH7PWq1af6Uer5PZP/wDszXRH7v7LtObqBoh8MMmkeZ57mgeZjxYSbZSSA4TmBcAb+lvstaccFn4aixli6jVqxss7Nx1vX1LZr29h1fC+PJP9b/8ANb+UdBV9GH8X/wDPiael+UyKphfDLRkse2x/DC43hw/B7QbEdi1lWUlg0TW/J+pQqKpCrpX7fHaQHR9a+CRksRs9jg5p6xuPUdhHAqFYrSj0VajCtTdOa0PQXFrFO3SeiHywjpAB+HaQ5hu9nbbFbjccVZm8+nijxNnB5PyioVNWrHoepkB5NNPtpKr8KcMUzcDidjTe7XHqvcdWK+5Q0pZsus9Fluylc2+MFjKOnr3r83F7NN1dPAnqAIAgK/5aP5nF+0D/AGpFBX1LrPQ8mv7mX+L+qObyI/2r/C/5FihtLPKfXT7fsWkrB5UIAgKz5aNGlzIJ2jJhcx/VisWnsuCO8KvXWpnp+TVdKc6L26V2Ee5N6DR9S58FXHeUnFETI9uIWzYA1wFxa/E3PBR0lFvCR0stVry3Sq0JerqehPDp0rbq/wBlh+DvRnk/+rL8an5mG48358vvifKPcPB1ozyf/Vl+NOZhuHny++J8o9w8HWjPJ/8AVl+NOZhu+pnz5ffE+Ue4kOjaCOnjbFC0MYwWa0dtzmcybkm54qSKSWCObWrTrTdSo8WzZWSM4+tWgI66AxPyO1j7XLXDYbbxuI3g7tq0nBSWDLljeztKqqR7VvRR+lNEVmjZgXB0bgehKwnCfqvH7pzttCpyTg9Og93Qura/p4LBranr4ff5nWp+UzSDWgF0b+t0Yv8A5SB7Fvzs95Tnyes5PFYrqffiZfCjX/ofVn4k56p0cPE19HbTfLiu4eFGv/Q+rPxJz1To4eI9HLTfLiu40tJ8oVfM0tMgjBFjzbcJP2s3DuIWJVZNaWT0Mh2dKWdm49bx+Woy6n6jT1jg+QOjgvcvIsXjbZgO2/0tnbsSFNy6jTKOWKVrFwptOe7d19xdjKZscWCMBrWswtA2AAWAVxJJYI8K5ynPOk8W3ifnnVL+e0v6+P8AfCoUv09h9Hyj/aVP8X9D9HroHzU1dJ6OiqI3RTND2OGYPsIO4jcQsSipLBktGtOjNVKbwaKR1y1NloH42Fz4SRhkHjNN8mvtsPB2w9WxU6lNx6j3WTcq072OZPBT2rf1dxK9ROUTFhgrnAOyDJjkDwbJwP52/fxMlOtskcfKuQ8zGrbrRtju6u7gTDXHWBtFTOlyLz0Ym8XEZdw2ns61NUnmrE42TrKV3XVPZrfV+aCk9XdEyaQqwwkkvcXyv3ht7uf252HWQqkYuTwPdXtzCxts5LVoS6diP0HSUzImNjjAaxjQ1o4ACwCupJLBHzqc5Tk5yeLekidRyZ0D3OdaRuIk2a+zRc3sBbIdSi5iJ14ZevIxUcVo6DH4LqD9L6f/ANU5iJt6Q3m9cDja28m0MdM+Sk5wyR9Itc7FiaAcQAt428dlt60nRSWKLuT8vVZ11CvhmvRqwwezsI1ybazfJKjBIbQzEB19jXbGv7Nx6jfctKU819DOnlvJ/lNHPgvWj81tXd4nU165PpI3umo2F8RN3RtHSYd+Fo2s6hmOxZqUmnitRVyVluE4qlcPCS1N7evp+vWR3Q2uddSDBHLdjcgyQYgOoX6Q7AbLSNSS0JnSuck2ly8+UdL2rRj9jq+FGv8A0Pqz8S256p0cPEqejtpvlxXcPCjX/ofVn4k56p0cPEejlpvlxXcZqPlH0lK9scbYXPe4NaBGcyT9ZOdqdHDxI6uQbKlBzm5JLTrXcSLlZik/k+DnCHPbMznHNFm35uQEgbhc2CkrY5qxObyflDyyeboTi8MetfYrzVvWmoocfMYPwmHFibi2XtbMcSoYzlHUelvsm0bzN5zHRue87fhRr/0Pqz8S256p0cPEoejlpvlxXcPCjX/ofVn4k56p0cPEejlpvlxXcPCjX/ofVn4k56p0cPEejlpvlxXcTfVCoqdJU0prms5mQFjGtbhLuL73Ow5DrB4KWm5TTztRwco06NhXirZvOjpbbxw6NXErnWrU2poXlwDnwg3bK3dwx28Vw47OHVBOm469R6awyrQu45ssFLant6t66NZloOUXSETcPONkA2GRocfSFie03WVVnsZpWyDZ1Hjg11P/AH8ja8KNf+h9WfiWeeqdHDxIvR203y4ruHhRr/0Pqz8Sc9U6OHiPRy03y4ruOzqlrnpKtqWRDmg3xpHCM9Fg2nxtpyA6yFtCpUlLDRwKOUclWVpQdRuWOpLFaXw4lpK0eTPpDJ8yMDgQ4Ag7QRceZDKbTxRyn6r0JNzSwX/VM+5ac1DcuBaV/dLQqkv5M8+atB5JB6pv3LHNQ91cDPnC6+LL+THzVoPJIPVN+5Oah7q4DzhdfFl/JmWm1epIzijpoWu3ERtB7ja6yqcVqSNJ3lxNYSqSa62dNblY8IugOVDqzRMcHNpYGuaQWkRtBBBuCDbatFTgtKSLUr65knGVSTT6WdZblUIDHPA17S17Q5rhZzXC4I4EHaEax1m0ZOLUovBo5fzVoPJIPVN+5R81D3VwLXnC6+LL+TM9RoKlkaxskET2xizA5gIaMsmgjIZDZwC2cIvQ0Rwuq8G5Rm03rwb09Zk0foinguYIY4sVsWBgbe2y9h1pGEY6ka1birWw5yTeG94m6tiEIAgCA4/zVofJIPVN+5R81DcuBc84XXxZfyZ1o2BoAAsALAcANgUhUbxeLNKt0LTTG80EUh4vja4+ci61cIvWialdVqSwpza6m0a3zVoPJIPVN+5a81D3VwJfOF18WX8mPmrQeSQeqb9yc1D3VwHnC6+LL+TM1JoCkieHxU8LHi9nNjaCLixsQOBWVTinikjSpeXFSObOcmtzbN2op2SNLJGh7XCxa4AgjgQcitmk9DIIzlCSlF4NbjmfNWg8kg9U37lpzUPdXAtecLr4sv5MfNWg8kg9U37k5qHurgPOF18WX8mPmrQeSQeqb9yc1D3VwHnC6+LL+THzVoPJIPVN+5Oah7q4DzhdfFl/JnUp4GsaGMaGtaAGtAsABsAA2BbpYairKTk3KTxbPshZNTmT6uUbyXPpoHOO0mJtz2m2a0dOD1pFqN7cwWEakkutmP5q0HkkHqm/csc1D3VwNvOF18WX8mPmrQeSQeqb9yc1D3VwHnC6+LL+TNvR+iYIMXMRRxYrYsDA29r2vYZ7T51tGEY6kQ1birWw5yTeG9tm6tiE/9k="/>
+          <p:cNvSpPr>
+            <a:spLocks noChangeAspect="1" noChangeArrowheads="1"/>
+          </p:cNvSpPr>
+          <p:nvPr/>
+        </p:nvSpPr>
+        <p:spPr bwMode="auto">
+          <a:xfrm>
+            <a:off x="168275" y="-144462"/>
+            <a:ext cx="304800" cy="304801"/>
+          </a:xfrm>
+          <a:prstGeom prst="rect">
+            <a:avLst/>
+          </a:prstGeom>
+          <a:noFill/>
+          <a:extLst>
+            <a:ext uri="{909E8E84-426E-40DD-AFC4-6F175D3DCCD1}">
+              <a14:hiddenFill xmlns:a14="http://schemas.microsoft.com/office/drawing/2010/main">
+                <a:solidFill>
+                  <a:srgbClr val="FFFFFF"/>
+                </a:solidFill>
+              </a14:hiddenFill>
+            </a:ext>
+          </a:extLst>
+        </p:spPr>
+        <p:txBody>
+          <a:bodyPr vert="horz" wrap="square" lIns="91440" tIns="45720" rIns="91440" bIns="45720" numCol="1" anchor="t" anchorCtr="0" compatLnSpc="1">
+            <a:prstTxWarp prst="textNoShape">
+              <a:avLst/>
+            </a:prstTxWarp>
+          </a:bodyPr>
+          <a:lstStyle/>
+          <a:p>
+            <a:endParaRPr lang="ko-KR" altLang="en-US" b="1"/>
+          </a:p>
+        </p:txBody>
+      </p:sp>
+      <p:sp>
+        <p:nvSpPr>
+          <p:cNvPr id="7" name="AutoShape 6" descr="data:image/jpeg;base64,/9j/4AAQSkZJRgABAQAAAQABAAD/2wCEAAkGBxISEhQUERQWFRUVFRgYFhgYFx4XGhwcHRQXGBoVGhkYHCggHhorIBUWITEhJikrMi8wFx80ODcsNygtLisBCgoKDg0OGxAQGy0mICQsLCw4NC8sLCw3Ly8sLCwsNCwsLywvMiw0LCwsLCwsLC0vLCwsLCwsLCwsLCwsLCwsLP/AABEIAK8BIQMBEQACEQEDEQH/xAAcAAEAAgMBAQEAAAAAAAAAAAAABgcDBAUBAgj/xABREAABAwICBQYJBgkLAwUAAAABAAIDBBESIQUGMUFRBxMiYXGBFzJUkZKTobHSFBZScoLRIzNCYmNzdLLBFTQ1Q0RTg6Kjs8PT8PEkVcLi4//EABsBAQACAwEBAAAAAAAAAAAAAAADBAECBQYH/8QAPxEAAgECAQcHCwMEAwADAAAAAAECAwQRBRIhMUFRkQYTYXGB0eEUFRYiMlJTobHB8EJikjM0cvEkNcIjRKL/2gAMAwEAAhEDEQA/ALxQBAEAQBAEAQBAEAQBAEAQHKj0lasfTu3wtlZxtjcx47iGH7R4LTP9bNLDoPmFWW/NfBNffgdVblcIAgCAIAgCAIAgCAIAgCAIAgCAIAgCAIAgCAIAgCAIAgCAIAgCAIAgCAIDwlAQahquf03I5mbIKd0ZO64c249Jzh9gqtF51d9CO3Up81kuKlrnPHsw/OJOlZOIEAQBAEAQBAEAQBAEAQBAEAQBAEAQBAEAQBAEAQBAEAQBAEAQBAEAQBAEBENedbW0rDFEQZ3DtEYI8d3XwHfs2169ZQWC1nXyXkyVzLPn7C+fQvu9nWffJ5oF1NAXyAiWaznA7WtF8LT+dmXHrceCzb082OL1sxle9VxWzYezHQvu+7oRLFOckIAgCAIAgCAIAgCAIAgCAIAgCAIAgCAIAgCAIAgCAIAgCAIAgCAIAgPCUBANb9ewzFFSEF4ydLta3iGbnO69g69gqVrjDRA9Dk3IzqYVa+iO7a+vcvn9TDqTqc4uFVWA3vjYx2bidvOyXzvvAPac8hihQ058zfKmVY5vk9vq1Nr6Lo3vb1a5VpzWmmpejI4ukNrRMGOQk7BYbL7r2urE6sYa9ZyLXJ9e50wWEd70JdvceUElXP0pGimjOxmT5j1uceizssTntCRc5aXoMVo29L1YPPe/Uuza+vR1M7jQpCmeoAgCAIAgCAIAgCAIAgCAIAgCAIAgCAIAgCAIAgCAIAgCAIAgCA8KArTlB1tLnOpoHWa3KZ42k74weA3nectxvSuK36Ynp8j5LWCuKq6l939uJ0dRdTREG1FS28pAMbCMoxuJH957t3Fb0KGb60tf0K2VcrOs3SpP1dr97w+utmHXTW+QSfJaK5kuGve3N2I5c3H+dnm7d23IxWrvHMhrN8mZLpuHlFz7OtLo3vo3Lb9evqhqiylHOS2kqHZuecw0naGk534uOZ6hkpKNFQ0vWUsoZTncvMhogtS7+7UvmSpTnLCAIAgCAIAgCAIAgCAIAgCAIAgCAIAgCAIAgCAIAgCAIAgCAIAgCA+Jr4TbbY27dyGVrKU1IouerYWyZ2cZHg7y0F2f2rHuXMoxzqixPcZVq81ZydPbgl1PwLj0pOY4ZXt2sje4doaSPculJ4Js8VSip1Ixe1pFQahSNFfAZDckvsT9MsdYnrNz3lc63a5xYntMsQl5HJQ1LDgn/oukLpHhz1AEAQBAEBjEzb2xC/C4QzgzIhgIAgCAIAgCAIAgCAIAgCAIAgCAIAgCAIAgCAIAgCAIDwoCstYKE6Or46toPMPkJdb8kuBEjT1HEXjrBHBUqkeaqKew9PZ1lfWUrV+2lo6cNXcWR0ZGbnNc3tBBHusVc1nmdMX0oozTWjH0k7ojcFhBjdvLb3Y8Hjl3EFcqcHCWB9AtLmF1QU9+hrp2r82Fsal6f+WU+J2UrDhkA2XtcPHURn1G43Lo0amfHHaeOylZeS1s1ey9K6vAkKlOeEAQBACgKV1dYP5WYbC/yubPvlXNp/1u1/c9veN+a2v2Q/8AJdS6R4g8ugF0AugPUB5dAe3QHl0AugF0B6gCAIAgCAIAgCAIAgCAIAgCAIAgCA1q+jZNG6ORocxwsQf+8j1rDSksGb06k6c1ODwaODq5FJRv+SSkvizNNIeG0wO4OAzHEXtssoqacPUerZ3F68nC5XPx0S/Uun3l0PbufWYOUnRjJKR0pHThs5ruouAc3sIN+0Ba3EE4Y7ibItxKncqC1S0P7PsOfyT0L2xzTOBDZS1rOsMxXcOq7yPsrW1i1FveWeUFeMqsaa1xTx7cNHy+ZPlaPPhAEAQHhQFMavf0rH+1ze+Zc2n/AFu1/c9tef8AWP8Awh/5LF1uir3iNtC5rL4uccbAjxcNiQbDxtgvsVyqqjwzDzOT52kXJ3Kb3fmj6kZm1J0i4YnVhLuHOy28+7zKB0KmvO+bOtHK9jHQqOj/ABj+fM1NVtY6qCqbTVL3PaZOacHnE5jibNcHnMgkjaTkbjr1pVZxnmSJcoWFvWtncUFg8MdGjFbdHQbnKXPUQzRvimlYyRhFmvIaHNPAHaQ4eiVtcuUWmmQ5ChQqwlCcE2njpWx/nzJlqtpH5RSwynxiwB31m9F3tBVqnLOimcS9ocxXnT3P5bPkQjlL01NHUsZDLIzDDicGOLblznWvbabM9qq3M2pJJneyFaUqlGU6kU9OGlY6l4kqroaxtDG2mdeoDYw5zyCTkA9135Xzvc32KxJTzPV1nGoztndOVZepi9C+Wojb9TtJy5y1nS4CWS3+UNHmCg5iq9cvqdZZUsKeiFHR1R++L+Zxm6YrtGT4Jnuka2xcxzzI1zD+UxzswcjbZmMwos+pSlhIuu1tMoUc+lFJ9Cwwe5paC0Kaj6YlbJIWuFwwuu3O5vb7XZkOC6HSeQlLRmtHQWTQIAgCAIAgCAIAgCAIAgCAIDW0jXxwRmSZ4Yxu0nzAdZ6gtoQlOWbFYs1nNQWdLUQw6/meZsFFG3E8kCSd2Buwm+EZnIcQepXvIebhn1X2Ioq/VSeZTXa9BJKTRtQbGeqc472xMbGz2hz/APMqkpw/THi8fD5F2MZbWdZjbC3vNz5yojc8kjDtovmDnxBuD50BzdOaL+UtEUhtDcOeAbF9jcMvubcAk7Ta2S0nDPWD1Fi2uHQlnx9rZ0dPXuNh1XBC0NL442tFgC5rQABsAvssFJGEnoiivOpi3KTMVJp2nmdhhkEpG3m7vA+s5oLR3lbypTivWWHXoNI1Iy1PEV+ho5r84ZD1NlfGB2CNwHebrEKkoasOCf1MyinrILrA+p0TNG+GWSWnkJHNyuL7EWuzEcxcZgjgb339Kgqd1FxkkpLatBzbidS1kpJ4xexliaPq2zRslZm2RjXt7HAEd+a5kouLcXsOnGSkk0ZytTJTGrv9Ks/a5vfMubT/AK3a/ue2vP8ArH/hD/yWtpzTkFIzHM61zZoAu5x4NH8dgV+c4wWLPJW1pVuZ5lNY/brIj4Q5JD/6aikkFznc/wDGxwB71X8qb9mJ2PMcIf1q0Y8Pu19CH1FW+XSDZJIzE99TAXRm929KIWNwDmADsG1V85yq4tYaUdlUo0snuEJZyUZad+t9P1LF5SaDnKJz98LhIOwXa/8Ayuce5XLiOMOo81kavzV3FbJerx1fPA5PJPX3ZNAT4rhI3scMLh52g/aUdpLQ4lzlDQwqRqrasO1eH0I/Wj5bpYtGbTOG/YiHS7jzb/SUT9et2/Q6FL/iZMx25uPbLV8mi1tIV8dPGZJnBjG7SfYANpPABXpSUVizyVGjOtNQprFshs3KPicRS0sktjvuO+zGuIHbZVndY+zHE7kcguKTr1Yx/Oloh2uelJamUPmgMDhFhDTfMYnHF0mt4kbNyr15ub0rA7eSranbxcac89N9H2bLl0Z+Ji/Vs/dC6UdR4ep7b62bKyaBAEAQBAEAQBAEAQBAEAQBAYaykZKwsla17Dta4XB7isxk4vFPSYlFSWDIrWcnFC++Fskf1X3HmfdXI5QrR24lOWT6EtOGHUajdQ2NOCKuqWkC5aH7BuNm2tsW3lzemUI8DHkeGhTlxM/zHm/9xqvSd8ax5ZH4cTbySXxJcTxuoT79Kvqz2SEe8lZd6tlOPAwrN/ElxPpnJzT/ANZNUSfWkH8GrXy+eyMV2GVZQ2tvtN6j1E0fHsga4/nkv9jjb2LSV7Xl+r7G8bSjH9P3O/S0rI2hsbWsaNjWgNHmCrNuTxZYSSWCMywZKy5TK41M8FFTjHI1xLgPpkWa2+6zS4ngCF1bCHNxlWnqOVlCTqyjRhrLA0NQiCCKEG/NxtZfjZoBPec1zak8+blvZ04RzYqK2G6tDYpfV7+lY/2ub3zLm0/63a/ue2vP+sf+EP8AybXKfK41pDibNhZhHUS4kjrJ/dHBbXPt6dxFkKOFo3HW2/klgWhSTwMha6NzGwhgLSCAwNtlnssryaS0ajyc41JVGpJ52PbiVHpOsZNpTnIjiY+qgwnjYwtJF912lc9yUq2K3o9lSpTpZNzJrBqEvniy5amEPY5js2uaWkdRFj710WsUeJjJxaktaKU0JXvoKl5dcuY2aIjiQDhPe5jO4rm05c1N9p7m7oq+to5u1xfVjr+r4Ej5KdGl0ktQ7PAObaTvc6znntsG+kVNax0uTObygrqMYUI9fYtC+5m5W5XXpm/kHnHH6wwAexzvOs3behGnJ2McaktuhdmnuRJNRHQihh5vCOgOc2Xx/l4uu91NQw5tYHKyoqnlc8/fo6tmHRgQHlL0hFNU3ieHhkWBxbmMQc8kA7DtGxVLmSlLQejyDQqUqLz1hi8VjuLY0Z+Ji/Vs/dC6EdR4+p7b62bKyaBAEAQBAEAQBAEAQBAEAQBAEBraQie+N7Y34HuY4Nfa+EkEB1uo5rMWk03pMSTaaRWNDHpbRpkww8817sTnWMuI2tiu0472A2jcuvN2txhpwa7PA5MPK7fHRnI2TylVLPxlIAesvZ7C0rXzdTeqf07zbzhUWum/zsPTypSbqQetP/TTzZH3/l4jzlLZTf52HyeUCvk/E0g6rMkk91k8goR9qf0Q8urv2af1MkFXp6ZzSGCMAg2cxjGnPYQ4l9uzNayhZQWGOP5wMxneyepIsCikl5sGdrGvt0gxxe3ZuJaD3WXNlm4+rqOmscNJytJTVk/QpWiBpydPKOl/hxbb9b8PZvUsFThpnp6F933Ec8+WiOjpMmreq8FGCWXfI7x5X5vdc3Oe4Xztv33KVridXXq3GtG3hS1a3tO4oCc166sZDG6SQ4WMBc4ngP49Sw2ksWb06cqklCKxbKj1EhdPpCOS3iukmf1YmuFr/WkHmK51BOVTHrZ7HK0lRsebx15seGHcWJrPqrDW4S4uZI0Wa9vC98LgciPdc22lXatFVNZ5uxyjVtG83SnsZHKbkwZcc5OXNvezWBpOd9pJ9ygVotrOnPlFNr1IJPe3j3HTqNQIDNFJE50Qi5uzGgEEsfiuScyTvPUpPJ45ya2FOOWa3NTpzWdnY6XsxWH+iXlWDkEP01qDFUTvm517DIQS0NBFw0NvnxsFXnbKUscTtWmWqlvSVLNTw6+s7+gNEMpIWwsJIbclx2uJNy427fYpYQUI4I5t1cyuKrqy2/I+dYdBxVkfNy3Fjdrm5OabWuL9uwpUpqawZtaXdS1qZ9P/AGukhw5Lxc3qDhO20YuR2l1vYq3ki3nafKKWGimsev8APqdKu5OqZ8bGRudHhxYnABzn4gPGJ4WyAyzW8raDWC0FWjl24hUc54Sx2akuol1NFgY1u3C0C/YLKyjjSeLbMqGAgCAIAgCAIAgCAIAgCAIAgCAICL6e10gpahkDgbkt5x9jhY05gm2bjsyHHuVqlaTqwc1/sq1runSmoS2nSg1ko3+LUwn/ABGg+YlROhVWuL4EqrU5apLibf8AKEH97H6bfvWmZLcyTORqVGstGzxqmEdXONJ8wN1vG3qy1RfAjlWpx1yXE80XrLSVLiyGZrnD8nNpPW0OAxDrCzUt6tNYyiYp16dR4RkmdZQkx7ZAEAQEV111alrBEI5cAa7pNdmy2fTsNrx/HcoK1J1MMGdTJl/C0cnKGOOp7erqZ0tW9XoqOMtjuXOsXvPjOI2dgGdh1neSVvTpqCwRWvL2pdTzp9i2L83nYUhUCAIAgCAIAgCAIAgCAIAgCAIAgCAIAgCAIAgCA+JZA0EuIAAuSTYAcSSmsEfGt8cjzHRxyVThtLAGxt63SPsLdl77lZ8llFY1Go9evgQK4jJ4Q09XedOjlqSQZY4mDg2RzyP9MBQyUNjfDxJVnbTU0/qvTVgBmacYFg9pwuA4X2EZ7CCpKNxUo+yyKtb06y9dEOq+Sw3/AAVQLcHsz9Jp/gr8cqe9HgznzyTH9MjQPJdU/wB7D/m+FSedIbmR+ap+8bVPyWSfl1DAPzYy72lwWksqLZH5m0ck75fIkGjOTmjiIc/HM4G4xus2/wBVtvbdVqmUKs1gtHUXKVhRpvHWyXsYAABsAsFRLp7dAasWkGOmfCD042se4fmvLw034/g3ZdnELZxaipbGYTWOBtrUyEAQBAEAQBAEAQBAEAQBAEAQBAEAQBAEAQBAEAQBAEBHdddX5K2ERxy4C12Ig+K/LIOtnkcxt7OFm1rqjPOaxK11QdaGangQvRugNMUJPycNcHG7mtc1zT12fhN+yyv1K9pX9vFfnQc+lb3Vv7GDR2Ga2aTj/H6Oc7iWYvcA/wB6g8lt5ezU4/iLXlNePtU+DMo5RLfjKKpbl9H4g3JY8gx1TjxM+W4a4S4DwnUw8aGoHa1nxp5uqbJIx5wgtcZcAOU+kOyKc9jWfGnm2rta/Owz5wp7nwPpvKREfFpal3Yxp9zljzfJa5x4mfLV7kuB9s11qH/itHVJ+tdg85YsO0gvaqL6mVdTeqm/oZo9KaWk8Wjih65ZsXsZmtXTto65t9S7zZVK8v0Jdb7jZj0ZXSZ1NYI27208YZ3c5Jd3mAWjqUV7EMet/ZYG6hUftS4GGDS9FS/gaUGeZxuWRHnZHu2YpJCbcLuc7ILLpVanrz0Lp0cF3BVKcXmx0v8ANZJqXHhHOWxWGLDsvvAJzI61V6idGVAEAQBAEAQBAEAQBAEAQBAEAQBAEAQBAEAQBAEAQBAEAQGCqhe7xHlhHUHA9oI9xCymlrRho5zo64eLJTvHXG+M+cSOHsUmNLc+K7jX1+gwOn0kP7PSu6xUPb7DCfet82h70uC7zXGpuXHwMXyzSQ/sdP3VJ/6Szm0Pff8AHxMOVT3Vx8Dx1bpQ7KWnb21Dj7owmZb+8+HiM6ruXHwMbjpl2wUTO+Rx9y2/4q958Eaf8h+6uLPh+h9KSePXsjHCKAe9xuEVW3Wqnj1sw6dZ654dS7zwaixvzqqioqep8hDe5rdnnWfLJL2IqPUh5LF+22+3uJBo3RUFO3DBGyMb8ItfrJ2nvVadSc3jJ4liEIwWEVgbq0NggCAIAgCAIAgCAIAgCAIAgCAIAgCAIAgCAIAgCAIAgCAIAgCAIAgCAIAgCAIAgCAIAgCAIAgCAIAgCAIAgCAIAgCAIAgCAICOaw660lGS2R5dIP6uMYnDtzs3vKjlUjHQdGzyVc3SzoLBb3oXj2EXfyuxX6NM8jrkAPmwlR8/0HWXJmphpqLgz58LrPJXesHwpz/QZ9GJ/EXDxHhdZ5K71g+FOf6B6MT+IuHiZqblbgJ/CU8jRxa5r/YbIq63Gk+TVZL1Zp8V3k00Jp6nq24qeQPttGxze1pzCmjNS1HDubOtbSzascPzYzovdYE8BdbFdLFlaDleZ5K71g+FVlcY7D0/oxP4i4eI8LrPJXesHwrPP9A9GJ/EXDxHhdZ5K71g+FOf6B6MT+IuHiPC6zyV3rB8Kc/0D0Yn8RcPE7ur3KJSVThG7FDI42aH2wk8A4ZX7bLeNaMtBQvMh3NvHPXrLo2dhMFKcYIAgIFrNylxU0zoYoueLDZ7seFoO9oyNyNh2ZqCdZJ4JHfscg1Likqk5ZqerRj27CTasawRV0POxXFjhe07Wu4G27YQVJCaksUcy9sqlpV5ufY96OutymEBqaS0jFTsMkz2sYN7j7ANpPUFhySWLJaNGpWnmU1iyEV3KxTNJEUUkgG82YD2XufOAoXXWxHdpcm7iSxnJL5+BqeF1nkrvWD4Vjn+gm9GJ/EXDxHhdZ5K71g+FOf6B6MT+IuHifcPKwHua1lI9znENaBILkk2AHRTn+g1nyblCLlKqsF0eJKda9Z/kMEcskWIveGFofaxLHOPSw5+LbYpJzzVjgcmwsPLKrpxlhgsccOlL7mHUzW9ukOdwxGPm8O12K+LF1D6PtSnUz9hJlLJjss3GWOOOzDUSdSHLCAIAgOTp7WOmo23nkDSfFaM3nsaN3WclpKcY6y3a2Ne6eFKOPTsXaQ2flchB6FPI4cXOa0+YXUXP9B24cmarXrTS7G+4xeF1nkrvWD4U5/oNvRifxFw8R4XWeSu9YPhTn+gejE/iLh4nS1e5RDWTshipXXdm5xkFmtG1x6P/kkDeto1s54YFW8yJ5LSdWdRcNb3aydKY4JC+UvWp1HE2OE2mlvY/QbsL+3cO87lDWqZqwWs7eRcnK6qOdT2Y/N7u8rLVTVWfSD3YThY0/hJXXOZzsPpO37e05i9eEHLUepyhlKlYwSaxb1JbvsixqfkqogOk+Zx44mjzANU6oR3nmp8o7pvQors8TL4LaDjN6Y+FZ5iJr6Q3n7eHiPBbQcZvTHwpzER6Q3n7eHiaOkuSenLTzEsjHbsdnt77AHvusOgtjJqPKSvF/8AyxTXRofcVy5tVoyq3xyxndm1zT+8w/8AdiFX9aL6T0ydvlC33xfFP7NfmgvPQGmW1lK2ZuWJpDm/RcBZzfP7LK7GWdHE8Dd2srWu6Utj4reUDoClbNUQRvvhkkY11sjYuANlQprHBdR9Du6sqVCdSOtJst/wW0HGb0x8Kt8xE8d6Q3n7eHiPBbQcZvTHwpzER6Q3n7eHieHktoOM3pj4U5iI9Ibz9vDxK6151TNBK0BxfFICWOO3K12utlfMZ77qCcMxnpclZSV7B4rCS196LS5NNMuqqJpkN3xOMbidpsAWk9eFwz4gqxRlnR07DyeWrSNvdNR1S0r86yVqU5JF+UHWT5FTHAfw0t2xDhxk7r+chR1Z5q0azqZJsPK6+EvZWl93aU5q9q9PXOlEWZjYXuJ3nPCy/wBJxB28CqkYOWhHtb2+pWajn7Xh2b+pG5qNrEaGpBfcRP6EwtsF8nW4tJ82Ib1mnPNeJBlWxV5Q9X2lpXd29xfrHggEG4OYI2EcVePnrTWhmKtqmxRvkkNmMaXOPUBcrDaSxZvTpyqTUI628CgNYNMz6SqQbOOJ2GGIZ4QTk0D6Ryuf4AWpSk5vE+h2dpRsKHUsW9/huX3JxoTkoZhBq5XYjtZHYAdRcQb91lLGh7zODc8pJ52FCKw3vu/2dfwW0HGb0x8K35iJU9Ibz9vDxHgtoOM3pj4U5iI9Ibz9vDxN7QmoVHSzNmjDy9t8ON2IAkWuBYZ7fOsxpRTxK91li5uKbpzawe5HI5aP5nF+0D/akWtfUusucmv7mX+L+qObyI/2r/C/5FihtLPKfXT7fsWkrB5UIAgOHrjp9tDTOlIBcejG073G9u4WJPYtKk81Yl7J9m7uuqa1a31FI6PoarSVSQCXyP6T3uOTR9Inc0bAB1AKmk5SPdVq1vk+hp0RWhJbfzayyKDkopWtHPSyvdvw2Y3uFifarCoLazzNXlJcSf8A8cUlx/OBt+C2g4zemPhWeYiQ+kN5+3h4jwW0HGb0x8KcxEz6Q3n7eHidvVvVWmocfMB132xFxxGw2AZCwzJ/8BbwpqOooXuUa93hzr1bjuLcolD8qNSX6RmB2RiNjezm2u973edUqrxmz3+QaajZRa2tv54fRFt6jULYaGma0WxRNe7rc8B5Ptt3BWqawijx+U60qt3Uk97XYtB3VuUAgCAICuOWigaYIZrdNsmC/wCa5pNvO0ecqvXWhM9LyarSVaVPY1j2r/ZrcjVSTFVx7mlrx2ua4H9wJQ2knKSmlUpz34rg/EgGqX89pf18f74Vel+nsPQ5R/tan+L+hf2kNOU0Dg2eaONxFwHuw3HEX2q9KcY62fPaNpWrLGnBvqWJrfO2g8qh9YFrzsN6JfNt38KXBnh1uoPKofTCc9T95Dzbd/ClwZVnKbrTFWSRsgzjixdO1sTnWvYHOwA277lQVZqT0HrMh5OqWsJTq6HLDRuSJxySaOdFRY3C3PSF4H5tmtB78JPYQpaCwjjvOFygrxqXeEf0rDt1/cmNVUNjY57yGtY0ucTsAAuSpW8FiziwhKclGKxb0H591l0xJpCrLwCcTgyFm8C9mt7STc9ZVKUnJ4n0WxtYWNvmvZpb/NiLq1O1fbRUzYsi89KV3F5GfcNg7FapwzI4Hhso3ru67qbNS6vzSyuOVfVrmZvlMQ/BzHp22Nk237HZntDuIUFaGa8VtPTcn7/nafMTfrR1dK8Pod7kl1m5yP5JKenGLxE72b2drd3V9Vb0J/pZz+UGT+bn5RBaJa+vf2/XrOpysVJZo94H9Y9jD2Xxf/BbV/YKmQKalepvYm/t9yH8jVA19TLK7MxRgN6i8kF3bZpH2io6Cxkztcpa0o0YU1+p6ez/AH8i4laPGBAEAQFf8tH8zi/aB/tSKCvqXWeh5Nf3Mv8AF/VHN5Ef7V/hf8ixQ2lnlPrp9v2LSVg8qEAQFUctdSecpo9wa9/eSB/A+dVq70pHreTNNZtSe3QiNao64uoGPbHCx7nuBc5xINgLBuW4ZnvKjhNw1I6mUclK9mpSm0ktX3O/4W5/J4/Sct+fluOf6M0viPgh4W5/J4/ScnPy3D0ZpfEfBDwtz+Tx+k5OfluHozS+I+CJhqLrLUV4e+SFkcTeiHAklztpAvuA29o61LSm560cXKthRs2oRm3J/JeJLVKcgpPld0aY63nbdGdjSD+cwBjh5gw/aVOssJY7z3PJ2up2vN7Yv5PT3k65MdPsqKRkRI52BoYW7y0ZMeOq1gesdYU1GWMcNx5/LdlKhcOf6ZPHt2omSmOMEAQBAVJyv6fZI5lLGQeadjkI2B1rBnaAXX7R1qrWli8Eev5O2coKVeW3Quredfkj0aWUk0zhbnnHD9VgIv5y7zLegtDZT5Q11O5jTX6V834YFaapfz2l/Xx/vhVqX6ew9PlH+1qf4v6F96waBhrIjFM242tcPGafpNPH3q9OCksGfPrS7q2tTnKb8esovWnVeahkwyDEw+JIB0Xfc7iPftVOcXF4M9/YZRpXkMY6Gta3eHSa+gNCvq5OajkiY/8AJEji3FxDbNNz1LCTbwRJeXkbWGfOLa6Fjh16SwtXeSvC4PrJGvAN+bjvhP1nEA26gO9TRoe8ebvOUblFxt44dL19i8SzGMAAAAAAsAMgBwCsnmG8XiyreVzWa5+RxHZZ0xHnbH7nH7PWq1af6Uer5PZP/wDszXRH7v7LtObqBoh8MMmkeZ57mgeZjxYSbZSSA4TmBcAb+lvstaccFn4aixli6jVqxss7Nx1vX1LZr29h1fC+PJP9b/8ANb+UdBV9GH8X/wDPiael+UyKphfDLRkse2x/DC43hw/B7QbEdi1lWUlg0TW/J+pQqKpCrpX7fHaQHR9a+CRksRs9jg5p6xuPUdhHAqFYrSj0VajCtTdOa0PQXFrFO3SeiHywjpAB+HaQ5hu9nbbFbjccVZm8+nijxNnB5PyioVNWrHoepkB5NNPtpKr8KcMUzcDidjTe7XHqvcdWK+5Q0pZsus9Fluylc2+MFjKOnr3r83F7NN1dPAnqAIAgK/5aP5nF+0D/AGpFBX1LrPQ8mv7mX+L+qObyI/2r/C/5FihtLPKfXT7fsWkrB5UIAgKz5aNGlzIJ2jJhcx/VisWnsuCO8KvXWpnp+TVdKc6L26V2Ee5N6DR9S58FXHeUnFETI9uIWzYA1wFxa/E3PBR0lFvCR0stVry3Sq0JerqehPDp0rbq/wBlh+DvRnk/+rL8an5mG48358vvifKPcPB1ozyf/Vl+NOZhuHny++J8o9w8HWjPJ/8AVl+NOZhu+pnz5ffE+Ue4kOjaCOnjbFC0MYwWa0dtzmcybkm54qSKSWCObWrTrTdSo8WzZWSM4+tWgI66AxPyO1j7XLXDYbbxuI3g7tq0nBSWDLljeztKqqR7VvRR+lNEVmjZgXB0bgehKwnCfqvH7pzttCpyTg9Og93Qura/p4LBranr4ff5nWp+UzSDWgF0b+t0Yv8A5SB7Fvzs95Tnyes5PFYrqffiZfCjX/ofVn4k56p0cPE19HbTfLiu4eFGv/Q+rPxJz1To4eI9HLTfLiu40tJ8oVfM0tMgjBFjzbcJP2s3DuIWJVZNaWT0Mh2dKWdm49bx+Woy6n6jT1jg+QOjgvcvIsXjbZgO2/0tnbsSFNy6jTKOWKVrFwptOe7d19xdjKZscWCMBrWswtA2AAWAVxJJYI8K5ynPOk8W3ifnnVL+e0v6+P8AfCoUv09h9Hyj/aVP8X9D9HroHzU1dJ6OiqI3RTND2OGYPsIO4jcQsSipLBktGtOjNVKbwaKR1y1NloH42Fz4SRhkHjNN8mvtsPB2w9WxU6lNx6j3WTcq072OZPBT2rf1dxK9ROUTFhgrnAOyDJjkDwbJwP52/fxMlOtskcfKuQ8zGrbrRtju6u7gTDXHWBtFTOlyLz0Ym8XEZdw2ns61NUnmrE42TrKV3XVPZrfV+aCk9XdEyaQqwwkkvcXyv3ht7uf252HWQqkYuTwPdXtzCxts5LVoS6diP0HSUzImNjjAaxjQ1o4ACwCupJLBHzqc5Tk5yeLekidRyZ0D3OdaRuIk2a+zRc3sBbIdSi5iJ14ZevIxUcVo6DH4LqD9L6f/ANU5iJt6Q3m9cDja28m0MdM+Sk5wyR9Itc7FiaAcQAt428dlt60nRSWKLuT8vVZ11CvhmvRqwwezsI1ybazfJKjBIbQzEB19jXbGv7Nx6jfctKU819DOnlvJ/lNHPgvWj81tXd4nU165PpI3umo2F8RN3RtHSYd+Fo2s6hmOxZqUmnitRVyVluE4qlcPCS1N7evp+vWR3Q2uddSDBHLdjcgyQYgOoX6Q7AbLSNSS0JnSuck2ly8+UdL2rRj9jq+FGv8A0Pqz8S256p0cPEqejtpvlxXcPCjX/ofVn4k56p0cPEejlpvlxXcZqPlH0lK9scbYXPe4NaBGcyT9ZOdqdHDxI6uQbKlBzm5JLTrXcSLlZik/k+DnCHPbMznHNFm35uQEgbhc2CkrY5qxObyflDyyeboTi8MetfYrzVvWmoocfMYPwmHFibi2XtbMcSoYzlHUelvsm0bzN5zHRue87fhRr/0Pqz8S256p0cPEoejlpvlxXcPCjX/ofVn4k56p0cPEejlpvlxXcPCjX/ofVn4k56p0cPEejlpvlxXcTfVCoqdJU0prms5mQFjGtbhLuL73Ow5DrB4KWm5TTztRwco06NhXirZvOjpbbxw6NXErnWrU2poXlwDnwg3bK3dwx28Vw47OHVBOm469R6awyrQu45ssFLant6t66NZloOUXSETcPONkA2GRocfSFie03WVVnsZpWyDZ1Hjg11P/AH8ja8KNf+h9WfiWeeqdHDxIvR203y4ruHhRr/0Pqz8Sc9U6OHiPRy03y4ruOzqlrnpKtqWRDmg3xpHCM9Fg2nxtpyA6yFtCpUlLDRwKOUclWVpQdRuWOpLFaXw4lpK0eTPpDJ8yMDgQ4Ag7QRceZDKbTxRyn6r0JNzSwX/VM+5ac1DcuBaV/dLQqkv5M8+atB5JB6pv3LHNQ91cDPnC6+LL+THzVoPJIPVN+5Oah7q4DzhdfFl/JmWm1epIzijpoWu3ERtB7ja6yqcVqSNJ3lxNYSqSa62dNblY8IugOVDqzRMcHNpYGuaQWkRtBBBuCDbatFTgtKSLUr65knGVSTT6WdZblUIDHPA17S17Q5rhZzXC4I4EHaEax1m0ZOLUovBo5fzVoPJIPVN+5R81D3VwLXnC6+LL+TM9RoKlkaxskET2xizA5gIaMsmgjIZDZwC2cIvQ0Rwuq8G5Rm03rwb09Zk0foinguYIY4sVsWBgbe2y9h1pGEY6ka1birWw5yTeG94m6tiEIAgCA4/zVofJIPVN+5R81DcuBc84XXxZfyZ1o2BoAAsALAcANgUhUbxeLNKt0LTTG80EUh4vja4+ci61cIvWialdVqSwpza6m0a3zVoPJIPVN+5a81D3VwJfOF18WX8mPmrQeSQeqb9yc1D3VwHnC6+LL+TM1JoCkieHxU8LHi9nNjaCLixsQOBWVTinikjSpeXFSObOcmtzbN2op2SNLJGh7XCxa4AgjgQcitmk9DIIzlCSlF4NbjmfNWg8kg9U37lpzUPdXAtecLr4sv5MfNWg8kg9U37k5qHurgPOF18WX8mPmrQeSQeqb9yc1D3VwHnC6+LL+THzVoPJIPVN+5Oah7q4DzhdfFl/JnUp4GsaGMaGtaAGtAsABsAA2BbpYairKTk3KTxbPshZNTmT6uUbyXPpoHOO0mJtz2m2a0dOD1pFqN7cwWEakkutmP5q0HkkHqm/csc1D3VwNvOF18WX8mPmrQeSQeqb9yc1D3VwHnC6+LL+TNvR+iYIMXMRRxYrYsDA29r2vYZ7T51tGEY6kQ1birWw5yTeG9tm6tiE/9k="/>
+          <p:cNvSpPr>
+            <a:spLocks noChangeAspect="1" noChangeArrowheads="1"/>
+          </p:cNvSpPr>
+          <p:nvPr/>
+        </p:nvSpPr>
+        <p:spPr bwMode="auto">
+          <a:xfrm>
+            <a:off x="320675" y="7938"/>
+            <a:ext cx="304800" cy="304801"/>
+          </a:xfrm>
+          <a:prstGeom prst="rect">
+            <a:avLst/>
+          </a:prstGeom>
+          <a:noFill/>
+          <a:extLst>
+            <a:ext uri="{909E8E84-426E-40DD-AFC4-6F175D3DCCD1}">
+              <a14:hiddenFill xmlns:a14="http://schemas.microsoft.com/office/drawing/2010/main">
+                <a:solidFill>
+                  <a:srgbClr val="FFFFFF"/>
+                </a:solidFill>
+              </a14:hiddenFill>
+            </a:ext>
+          </a:extLst>
+        </p:spPr>
+        <p:txBody>
+          <a:bodyPr vert="horz" wrap="square" lIns="91440" tIns="45720" rIns="91440" bIns="45720" numCol="1" anchor="t" anchorCtr="0" compatLnSpc="1">
+            <a:prstTxWarp prst="textNoShape">
+              <a:avLst/>
+            </a:prstTxWarp>
+          </a:bodyPr>
+          <a:lstStyle/>
+          <a:p>
+            <a:endParaRPr lang="ko-KR" altLang="en-US" b="1"/>
+          </a:p>
+        </p:txBody>
+      </p:sp>
+      <p:sp>
+        <p:nvSpPr>
+          <p:cNvPr id="9" name="AutoShape 8" descr="data:image/jpeg;base64,/9j/4AAQSkZJRgABAQAAAQABAAD/2wCEAAkGBxISEhQUERQWFRUVFRgYFhgYFx4XGhwcHRQXGBoVGhkYHCggHhorIBUWITEhJikrMi8wFx80ODcsNygtLisBCgoKDg0OGxAQGy0mICQsLCw4NC8sLCw3Ly8sLCwsNCwsLywvMiw0LCwsLCwsLC0vLCwsLCwsLCwsLCwsLCwsLP/AABEIAK8BIQMBEQACEQEDEQH/xAAcAAEAAgMBAQEAAAAAAAAAAAAABgcDBAUBAgj/xABREAABAwICBQYJBgkLAwUAAAABAAIDBBESIQUGMUFRBxMiYXGBFzJUkZKTobHSFBZScoLRIzNCYmNzdLLBFTQ1Q0RTg6Kjs8PT8PEkVcLi4//EABsBAQACAwEBAAAAAAAAAAAAAAADBAECBQYH/8QAPxEAAgECAQcHCwMEAwADAAAAAAECAwQRBRIhMUFRkQYTYXGB0eEUFRYiMlJTobHB8EJikjM0cvEkNcIjRKL/2gAMAwEAAhEDEQA/ALxQBAEAQBAEAQBAEAQBAEAQHKj0lasfTu3wtlZxtjcx47iGH7R4LTP9bNLDoPmFWW/NfBNffgdVblcIAgCAIAgCAIAgCAIAgCAIAgCAIAgCAIAgCAIAgCAIAgCAIAgCAIAgCAIDwlAQahquf03I5mbIKd0ZO64c249Jzh9gqtF51d9CO3Up81kuKlrnPHsw/OJOlZOIEAQBAEAQBAEAQBAEAQBAEAQBAEAQBAEAQBAEAQBAEAQBAEAQBAEAQBAEBENedbW0rDFEQZ3DtEYI8d3XwHfs2169ZQWC1nXyXkyVzLPn7C+fQvu9nWffJ5oF1NAXyAiWaznA7WtF8LT+dmXHrceCzb082OL1sxle9VxWzYezHQvu+7oRLFOckIAgCAIAgCAIAgCAIAgCAIAgCAIAgCAIAgCAIAgCAIAgCAIAgCAIAgPCUBANb9ewzFFSEF4ydLta3iGbnO69g69gqVrjDRA9Dk3IzqYVa+iO7a+vcvn9TDqTqc4uFVWA3vjYx2bidvOyXzvvAPac8hihQ058zfKmVY5vk9vq1Nr6Lo3vb1a5VpzWmmpejI4ukNrRMGOQk7BYbL7r2urE6sYa9ZyLXJ9e50wWEd70JdvceUElXP0pGimjOxmT5j1uceizssTntCRc5aXoMVo29L1YPPe/Uuza+vR1M7jQpCmeoAgCAIAgCAIAgCAIAgCAIAgCAIAgCAIAgCAIAgCAIAgCAIAgCA8KArTlB1tLnOpoHWa3KZ42k74weA3nectxvSuK36Ynp8j5LWCuKq6l939uJ0dRdTREG1FS28pAMbCMoxuJH957t3Fb0KGb60tf0K2VcrOs3SpP1dr97w+utmHXTW+QSfJaK5kuGve3N2I5c3H+dnm7d23IxWrvHMhrN8mZLpuHlFz7OtLo3vo3Lb9evqhqiylHOS2kqHZuecw0naGk534uOZ6hkpKNFQ0vWUsoZTncvMhogtS7+7UvmSpTnLCAIAgCAIAgCAIAgCAIAgCAIAgCAIAgCAIAgCAIAgCAIAgCAIAgCA+Jr4TbbY27dyGVrKU1IouerYWyZ2cZHg7y0F2f2rHuXMoxzqixPcZVq81ZydPbgl1PwLj0pOY4ZXt2sje4doaSPculJ4Js8VSip1Ixe1pFQahSNFfAZDckvsT9MsdYnrNz3lc63a5xYntMsQl5HJQ1LDgn/oukLpHhz1AEAQBAEBjEzb2xC/C4QzgzIhgIAgCAIAgCAIAgCAIAgCAIAgCAIAgCAIAgCAIAgCAIDwoCstYKE6Or46toPMPkJdb8kuBEjT1HEXjrBHBUqkeaqKew9PZ1lfWUrV+2lo6cNXcWR0ZGbnNc3tBBHusVc1nmdMX0oozTWjH0k7ojcFhBjdvLb3Y8Hjl3EFcqcHCWB9AtLmF1QU9+hrp2r82Fsal6f+WU+J2UrDhkA2XtcPHURn1G43Lo0amfHHaeOylZeS1s1ey9K6vAkKlOeEAQBACgKV1dYP5WYbC/yubPvlXNp/1u1/c9veN+a2v2Q/8AJdS6R4g8ugF0AugPUB5dAe3QHl0AugF0B6gCAIAgCAIAgCAIAgCAIAgCAIAgCA1q+jZNG6ORocxwsQf+8j1rDSksGb06k6c1ODwaODq5FJRv+SSkvizNNIeG0wO4OAzHEXtssoqacPUerZ3F68nC5XPx0S/Uun3l0PbufWYOUnRjJKR0pHThs5ruouAc3sIN+0Ba3EE4Y7ibItxKncqC1S0P7PsOfyT0L2xzTOBDZS1rOsMxXcOq7yPsrW1i1FveWeUFeMqsaa1xTx7cNHy+ZPlaPPhAEAQHhQFMavf0rH+1ze+Zc2n/AFu1/c9tef8AWP8Awh/5LF1uir3iNtC5rL4uccbAjxcNiQbDxtgvsVyqqjwzDzOT52kXJ3Kb3fmj6kZm1J0i4YnVhLuHOy28+7zKB0KmvO+bOtHK9jHQqOj/ABj+fM1NVtY6qCqbTVL3PaZOacHnE5jibNcHnMgkjaTkbjr1pVZxnmSJcoWFvWtncUFg8MdGjFbdHQbnKXPUQzRvimlYyRhFmvIaHNPAHaQ4eiVtcuUWmmQ5ChQqwlCcE2njpWx/nzJlqtpH5RSwynxiwB31m9F3tBVqnLOimcS9ocxXnT3P5bPkQjlL01NHUsZDLIzDDicGOLblznWvbabM9qq3M2pJJneyFaUqlGU6kU9OGlY6l4kqroaxtDG2mdeoDYw5zyCTkA9135Xzvc32KxJTzPV1nGoztndOVZepi9C+Wojb9TtJy5y1nS4CWS3+UNHmCg5iq9cvqdZZUsKeiFHR1R++L+Zxm6YrtGT4Jnuka2xcxzzI1zD+UxzswcjbZmMwos+pSlhIuu1tMoUc+lFJ9Cwwe5paC0Kaj6YlbJIWuFwwuu3O5vb7XZkOC6HSeQlLRmtHQWTQIAgCAIAgCAIAgCAIAgCAIDW0jXxwRmSZ4Yxu0nzAdZ6gtoQlOWbFYs1nNQWdLUQw6/meZsFFG3E8kCSd2Buwm+EZnIcQepXvIebhn1X2Ioq/VSeZTXa9BJKTRtQbGeqc472xMbGz2hz/APMqkpw/THi8fD5F2MZbWdZjbC3vNz5yojc8kjDtovmDnxBuD50BzdOaL+UtEUhtDcOeAbF9jcMvubcAk7Ta2S0nDPWD1Fi2uHQlnx9rZ0dPXuNh1XBC0NL442tFgC5rQABsAvssFJGEnoiivOpi3KTMVJp2nmdhhkEpG3m7vA+s5oLR3lbypTivWWHXoNI1Iy1PEV+ho5r84ZD1NlfGB2CNwHebrEKkoasOCf1MyinrILrA+p0TNG+GWSWnkJHNyuL7EWuzEcxcZgjgb339Kgqd1FxkkpLatBzbidS1kpJ4xexliaPq2zRslZm2RjXt7HAEd+a5kouLcXsOnGSkk0ZytTJTGrv9Ks/a5vfMubT/AK3a/ue2vP8ArH/hD/yWtpzTkFIzHM61zZoAu5x4NH8dgV+c4wWLPJW1pVuZ5lNY/brIj4Q5JD/6aikkFznc/wDGxwB71X8qb9mJ2PMcIf1q0Y8Pu19CH1FW+XSDZJIzE99TAXRm929KIWNwDmADsG1V85yq4tYaUdlUo0snuEJZyUZad+t9P1LF5SaDnKJz98LhIOwXa/8Ayuce5XLiOMOo81kavzV3FbJerx1fPA5PJPX3ZNAT4rhI3scMLh52g/aUdpLQ4lzlDQwqRqrasO1eH0I/Wj5bpYtGbTOG/YiHS7jzb/SUT9et2/Q6FL/iZMx25uPbLV8mi1tIV8dPGZJnBjG7SfYANpPABXpSUVizyVGjOtNQprFshs3KPicRS0sktjvuO+zGuIHbZVndY+zHE7kcguKTr1Yx/Oloh2uelJamUPmgMDhFhDTfMYnHF0mt4kbNyr15ub0rA7eSranbxcac89N9H2bLl0Z+Ji/Vs/dC6UdR4ep7b62bKyaBAEAQBAEAQBAEAQBAEAQBAYaykZKwsla17Dta4XB7isxk4vFPSYlFSWDIrWcnFC++Fskf1X3HmfdXI5QrR24lOWT6EtOGHUajdQ2NOCKuqWkC5aH7BuNm2tsW3lzemUI8DHkeGhTlxM/zHm/9xqvSd8ax5ZH4cTbySXxJcTxuoT79Kvqz2SEe8lZd6tlOPAwrN/ElxPpnJzT/ANZNUSfWkH8GrXy+eyMV2GVZQ2tvtN6j1E0fHsga4/nkv9jjb2LSV7Xl+r7G8bSjH9P3O/S0rI2hsbWsaNjWgNHmCrNuTxZYSSWCMywZKy5TK41M8FFTjHI1xLgPpkWa2+6zS4ngCF1bCHNxlWnqOVlCTqyjRhrLA0NQiCCKEG/NxtZfjZoBPec1zak8+blvZ04RzYqK2G6tDYpfV7+lY/2ub3zLm0/63a/ue2vP+sf+EP8AybXKfK41pDibNhZhHUS4kjrJ/dHBbXPt6dxFkKOFo3HW2/klgWhSTwMha6NzGwhgLSCAwNtlnssryaS0ajyc41JVGpJ52PbiVHpOsZNpTnIjiY+qgwnjYwtJF912lc9yUq2K3o9lSpTpZNzJrBqEvniy5amEPY5js2uaWkdRFj710WsUeJjJxaktaKU0JXvoKl5dcuY2aIjiQDhPe5jO4rm05c1N9p7m7oq+to5u1xfVjr+r4Ej5KdGl0ktQ7PAObaTvc6znntsG+kVNax0uTObygrqMYUI9fYtC+5m5W5XXpm/kHnHH6wwAexzvOs3behGnJ2McaktuhdmnuRJNRHQihh5vCOgOc2Xx/l4uu91NQw5tYHKyoqnlc8/fo6tmHRgQHlL0hFNU3ieHhkWBxbmMQc8kA7DtGxVLmSlLQejyDQqUqLz1hi8VjuLY0Z+Ji/Vs/dC6EdR4+p7b62bKyaBAEAQBAEAQBAEAQBAEAQBAEBraQie+N7Y34HuY4Nfa+EkEB1uo5rMWk03pMSTaaRWNDHpbRpkww8817sTnWMuI2tiu0472A2jcuvN2txhpwa7PA5MPK7fHRnI2TylVLPxlIAesvZ7C0rXzdTeqf07zbzhUWum/zsPTypSbqQetP/TTzZH3/l4jzlLZTf52HyeUCvk/E0g6rMkk91k8goR9qf0Q8urv2af1MkFXp6ZzSGCMAg2cxjGnPYQ4l9uzNayhZQWGOP5wMxneyepIsCikl5sGdrGvt0gxxe3ZuJaD3WXNlm4+rqOmscNJytJTVk/QpWiBpydPKOl/hxbb9b8PZvUsFThpnp6F933Ec8+WiOjpMmreq8FGCWXfI7x5X5vdc3Oe4Xztv33KVridXXq3GtG3hS1a3tO4oCc166sZDG6SQ4WMBc4ngP49Sw2ksWb06cqklCKxbKj1EhdPpCOS3iukmf1YmuFr/WkHmK51BOVTHrZ7HK0lRsebx15seGHcWJrPqrDW4S4uZI0Wa9vC98LgciPdc22lXatFVNZ5uxyjVtG83SnsZHKbkwZcc5OXNvezWBpOd9pJ9ygVotrOnPlFNr1IJPe3j3HTqNQIDNFJE50Qi5uzGgEEsfiuScyTvPUpPJ45ya2FOOWa3NTpzWdnY6XsxWH+iXlWDkEP01qDFUTvm517DIQS0NBFw0NvnxsFXnbKUscTtWmWqlvSVLNTw6+s7+gNEMpIWwsJIbclx2uJNy427fYpYQUI4I5t1cyuKrqy2/I+dYdBxVkfNy3Fjdrm5OabWuL9uwpUpqawZtaXdS1qZ9P/AGukhw5Lxc3qDhO20YuR2l1vYq3ki3nafKKWGimsev8APqdKu5OqZ8bGRudHhxYnABzn4gPGJ4WyAyzW8raDWC0FWjl24hUc54Sx2akuol1NFgY1u3C0C/YLKyjjSeLbMqGAgCAIAgCAIAgCAIAgCAIAgCAICL6e10gpahkDgbkt5x9jhY05gm2bjsyHHuVqlaTqwc1/sq1runSmoS2nSg1ko3+LUwn/ABGg+YlROhVWuL4EqrU5apLibf8AKEH97H6bfvWmZLcyTORqVGstGzxqmEdXONJ8wN1vG3qy1RfAjlWpx1yXE80XrLSVLiyGZrnD8nNpPW0OAxDrCzUt6tNYyiYp16dR4RkmdZQkx7ZAEAQEV111alrBEI5cAa7pNdmy2fTsNrx/HcoK1J1MMGdTJl/C0cnKGOOp7erqZ0tW9XoqOMtjuXOsXvPjOI2dgGdh1neSVvTpqCwRWvL2pdTzp9i2L83nYUhUCAIAgCAIAgCAIAgCAIAgCAIAgCAIAgCAIAgCA+JZA0EuIAAuSTYAcSSmsEfGt8cjzHRxyVThtLAGxt63SPsLdl77lZ8llFY1Go9evgQK4jJ4Q09XedOjlqSQZY4mDg2RzyP9MBQyUNjfDxJVnbTU0/qvTVgBmacYFg9pwuA4X2EZ7CCpKNxUo+yyKtb06y9dEOq+Sw3/AAVQLcHsz9Jp/gr8cqe9HgznzyTH9MjQPJdU/wB7D/m+FSedIbmR+ap+8bVPyWSfl1DAPzYy72lwWksqLZH5m0ck75fIkGjOTmjiIc/HM4G4xus2/wBVtvbdVqmUKs1gtHUXKVhRpvHWyXsYAABsAsFRLp7dAasWkGOmfCD042se4fmvLw034/g3ZdnELZxaipbGYTWOBtrUyEAQBAEAQBAEAQBAEAQBAEAQBAEAQBAEAQBAEAQBAEBHdddX5K2ERxy4C12Ig+K/LIOtnkcxt7OFm1rqjPOaxK11QdaGangQvRugNMUJPycNcHG7mtc1zT12fhN+yyv1K9pX9vFfnQc+lb3Vv7GDR2Ga2aTj/H6Oc7iWYvcA/wB6g8lt5ezU4/iLXlNePtU+DMo5RLfjKKpbl9H4g3JY8gx1TjxM+W4a4S4DwnUw8aGoHa1nxp5uqbJIx5wgtcZcAOU+kOyKc9jWfGnm2rta/Owz5wp7nwPpvKREfFpal3Yxp9zljzfJa5x4mfLV7kuB9s11qH/itHVJ+tdg85YsO0gvaqL6mVdTeqm/oZo9KaWk8Wjih65ZsXsZmtXTto65t9S7zZVK8v0Jdb7jZj0ZXSZ1NYI27208YZ3c5Jd3mAWjqUV7EMet/ZYG6hUftS4GGDS9FS/gaUGeZxuWRHnZHu2YpJCbcLuc7ILLpVanrz0Lp0cF3BVKcXmx0v8ANZJqXHhHOWxWGLDsvvAJzI61V6idGVAEAQBAEAQBAEAQBAEAQBAEAQBAEAQBAEAQBAEAQBAEAQGCqhe7xHlhHUHA9oI9xCymlrRho5zo64eLJTvHXG+M+cSOHsUmNLc+K7jX1+gwOn0kP7PSu6xUPb7DCfet82h70uC7zXGpuXHwMXyzSQ/sdP3VJ/6Szm0Pff8AHxMOVT3Vx8Dx1bpQ7KWnb21Dj7owmZb+8+HiM6ruXHwMbjpl2wUTO+Rx9y2/4q958Eaf8h+6uLPh+h9KSePXsjHCKAe9xuEVW3Wqnj1sw6dZ654dS7zwaixvzqqioqep8hDe5rdnnWfLJL2IqPUh5LF+22+3uJBo3RUFO3DBGyMb8ItfrJ2nvVadSc3jJ4liEIwWEVgbq0NggCAIAgCAIAgCAIAgCAIAgCAIAgCAIAgCAIAgCAIAgCAIAgCAIAgCAIAgCAIAgCAIAgCAIAgCAIAgCAIAgCAIAgCAIAgCAICOaw660lGS2R5dIP6uMYnDtzs3vKjlUjHQdGzyVc3SzoLBb3oXj2EXfyuxX6NM8jrkAPmwlR8/0HWXJmphpqLgz58LrPJXesHwpz/QZ9GJ/EXDxHhdZ5K71g+FOf6B6MT+IuHiZqblbgJ/CU8jRxa5r/YbIq63Gk+TVZL1Zp8V3k00Jp6nq24qeQPttGxze1pzCmjNS1HDubOtbSzascPzYzovdYE8BdbFdLFlaDleZ5K71g+FVlcY7D0/oxP4i4eI8LrPJXesHwrPP9A9GJ/EXDxHhdZ5K71g+FOf6B6MT+IuHiPC6zyV3rB8Kc/0D0Yn8RcPE7ur3KJSVThG7FDI42aH2wk8A4ZX7bLeNaMtBQvMh3NvHPXrLo2dhMFKcYIAgIFrNylxU0zoYoueLDZ7seFoO9oyNyNh2ZqCdZJ4JHfscg1Likqk5ZqerRj27CTasawRV0POxXFjhe07Wu4G27YQVJCaksUcy9sqlpV5ufY96OutymEBqaS0jFTsMkz2sYN7j7ANpPUFhySWLJaNGpWnmU1iyEV3KxTNJEUUkgG82YD2XufOAoXXWxHdpcm7iSxnJL5+BqeF1nkrvWD4Vjn+gm9GJ/EXDxHhdZ5K71g+FOf6B6MT+IuHifcPKwHua1lI9znENaBILkk2AHRTn+g1nyblCLlKqsF0eJKda9Z/kMEcskWIveGFofaxLHOPSw5+LbYpJzzVjgcmwsPLKrpxlhgsccOlL7mHUzW9ukOdwxGPm8O12K+LF1D6PtSnUz9hJlLJjss3GWOOOzDUSdSHLCAIAgOTp7WOmo23nkDSfFaM3nsaN3WclpKcY6y3a2Ne6eFKOPTsXaQ2flchB6FPI4cXOa0+YXUXP9B24cmarXrTS7G+4xeF1nkrvWD4U5/oNvRifxFw8R4XWeSu9YPhTn+gejE/iLh4nS1e5RDWTshipXXdm5xkFmtG1x6P/kkDeto1s54YFW8yJ5LSdWdRcNb3aydKY4JC+UvWp1HE2OE2mlvY/QbsL+3cO87lDWqZqwWs7eRcnK6qOdT2Y/N7u8rLVTVWfSD3YThY0/hJXXOZzsPpO37e05i9eEHLUepyhlKlYwSaxb1JbvsixqfkqogOk+Zx44mjzANU6oR3nmp8o7pvQors8TL4LaDjN6Y+FZ5iJr6Q3n7eHiPBbQcZvTHwpzER6Q3n7eHiaOkuSenLTzEsjHbsdnt77AHvusOgtjJqPKSvF/8AyxTXRofcVy5tVoyq3xyxndm1zT+8w/8AdiFX9aL6T0ydvlC33xfFP7NfmgvPQGmW1lK2ZuWJpDm/RcBZzfP7LK7GWdHE8Dd2srWu6Utj4reUDoClbNUQRvvhkkY11sjYuANlQprHBdR9Du6sqVCdSOtJst/wW0HGb0x8Kt8xE8d6Q3n7eHiPBbQcZvTHwpzER6Q3n7eHieHktoOM3pj4U5iI9Ibz9vDxK6151TNBK0BxfFICWOO3K12utlfMZ77qCcMxnpclZSV7B4rCS196LS5NNMuqqJpkN3xOMbidpsAWk9eFwz4gqxRlnR07DyeWrSNvdNR1S0r86yVqU5JF+UHWT5FTHAfw0t2xDhxk7r+chR1Z5q0azqZJsPK6+EvZWl93aU5q9q9PXOlEWZjYXuJ3nPCy/wBJxB28CqkYOWhHtb2+pWajn7Xh2b+pG5qNrEaGpBfcRP6EwtsF8nW4tJ82Ib1mnPNeJBlWxV5Q9X2lpXd29xfrHggEG4OYI2EcVePnrTWhmKtqmxRvkkNmMaXOPUBcrDaSxZvTpyqTUI628CgNYNMz6SqQbOOJ2GGIZ4QTk0D6Ryuf4AWpSk5vE+h2dpRsKHUsW9/huX3JxoTkoZhBq5XYjtZHYAdRcQb91lLGh7zODc8pJ52FCKw3vu/2dfwW0HGb0x8K35iJU9Ibz9vDxHgtoOM3pj4U5iI9Ibz9vDxN7QmoVHSzNmjDy9t8ON2IAkWuBYZ7fOsxpRTxK91li5uKbpzawe5HI5aP5nF+0D/akWtfUusucmv7mX+L+qObyI/2r/C/5FihtLPKfXT7fsWkrB5UIAgOHrjp9tDTOlIBcejG073G9u4WJPYtKk81Yl7J9m7uuqa1a31FI6PoarSVSQCXyP6T3uOTR9Inc0bAB1AKmk5SPdVq1vk+hp0RWhJbfzayyKDkopWtHPSyvdvw2Y3uFifarCoLazzNXlJcSf8A8cUlx/OBt+C2g4zemPhWeYiQ+kN5+3h4jwW0HGb0x8KcxEz6Q3n7eHidvVvVWmocfMB132xFxxGw2AZCwzJ/8BbwpqOooXuUa93hzr1bjuLcolD8qNSX6RmB2RiNjezm2u973edUqrxmz3+QaajZRa2tv54fRFt6jULYaGma0WxRNe7rc8B5Ptt3BWqawijx+U60qt3Uk97XYtB3VuUAgCAICuOWigaYIZrdNsmC/wCa5pNvO0ecqvXWhM9LyarSVaVPY1j2r/ZrcjVSTFVx7mlrx2ua4H9wJQ2knKSmlUpz34rg/EgGqX89pf18f74Vel+nsPQ5R/tan+L+hf2kNOU0Dg2eaONxFwHuw3HEX2q9KcY62fPaNpWrLGnBvqWJrfO2g8qh9YFrzsN6JfNt38KXBnh1uoPKofTCc9T95Dzbd/ClwZVnKbrTFWSRsgzjixdO1sTnWvYHOwA277lQVZqT0HrMh5OqWsJTq6HLDRuSJxySaOdFRY3C3PSF4H5tmtB78JPYQpaCwjjvOFygrxqXeEf0rDt1/cmNVUNjY57yGtY0ucTsAAuSpW8FiziwhKclGKxb0H591l0xJpCrLwCcTgyFm8C9mt7STc9ZVKUnJ4n0WxtYWNvmvZpb/NiLq1O1fbRUzYsi89KV3F5GfcNg7FapwzI4Hhso3ru67qbNS6vzSyuOVfVrmZvlMQ/BzHp22Nk237HZntDuIUFaGa8VtPTcn7/nafMTfrR1dK8Pod7kl1m5yP5JKenGLxE72b2drd3V9Vb0J/pZz+UGT+bn5RBaJa+vf2/XrOpysVJZo94H9Y9jD2Xxf/BbV/YKmQKalepvYm/t9yH8jVA19TLK7MxRgN6i8kF3bZpH2io6Cxkztcpa0o0YU1+p6ez/AH8i4laPGBAEAQFf8tH8zi/aB/tSKCvqXWeh5Nf3Mv8AF/VHN5Ef7V/hf8ixQ2lnlPrp9v2LSVg8qEAQFUctdSecpo9wa9/eSB/A+dVq70pHreTNNZtSe3QiNao64uoGPbHCx7nuBc5xINgLBuW4ZnvKjhNw1I6mUclK9mpSm0ktX3O/4W5/J4/Sct+fluOf6M0viPgh4W5/J4/ScnPy3D0ZpfEfBDwtz+Tx+k5OfluHozS+I+CJhqLrLUV4e+SFkcTeiHAklztpAvuA29o61LSm560cXKthRs2oRm3J/JeJLVKcgpPld0aY63nbdGdjSD+cwBjh5gw/aVOssJY7z3PJ2up2vN7Yv5PT3k65MdPsqKRkRI52BoYW7y0ZMeOq1gesdYU1GWMcNx5/LdlKhcOf6ZPHt2omSmOMEAQBAVJyv6fZI5lLGQeadjkI2B1rBnaAXX7R1qrWli8Eev5O2coKVeW3Quredfkj0aWUk0zhbnnHD9VgIv5y7zLegtDZT5Q11O5jTX6V834YFaapfz2l/Xx/vhVqX6ew9PlH+1qf4v6F96waBhrIjFM242tcPGafpNPH3q9OCksGfPrS7q2tTnKb8esovWnVeahkwyDEw+JIB0Xfc7iPftVOcXF4M9/YZRpXkMY6Gta3eHSa+gNCvq5OajkiY/8AJEji3FxDbNNz1LCTbwRJeXkbWGfOLa6Fjh16SwtXeSvC4PrJGvAN+bjvhP1nEA26gO9TRoe8ebvOUblFxt44dL19i8SzGMAAAAAAsAMgBwCsnmG8XiyreVzWa5+RxHZZ0xHnbH7nH7PWq1af6Uer5PZP/wDszXRH7v7LtObqBoh8MMmkeZ57mgeZjxYSbZSSA4TmBcAb+lvstaccFn4aixli6jVqxss7Nx1vX1LZr29h1fC+PJP9b/8ANb+UdBV9GH8X/wDPiael+UyKphfDLRkse2x/DC43hw/B7QbEdi1lWUlg0TW/J+pQqKpCrpX7fHaQHR9a+CRksRs9jg5p6xuPUdhHAqFYrSj0VajCtTdOa0PQXFrFO3SeiHywjpAB+HaQ5hu9nbbFbjccVZm8+nijxNnB5PyioVNWrHoepkB5NNPtpKr8KcMUzcDidjTe7XHqvcdWK+5Q0pZsus9Fluylc2+MFjKOnr3r83F7NN1dPAnqAIAgK/5aP5nF+0D/AGpFBX1LrPQ8mv7mX+L+qObyI/2r/C/5FihtLPKfXT7fsWkrB5UIAgKz5aNGlzIJ2jJhcx/VisWnsuCO8KvXWpnp+TVdKc6L26V2Ee5N6DR9S58FXHeUnFETI9uIWzYA1wFxa/E3PBR0lFvCR0stVry3Sq0JerqehPDp0rbq/wBlh+DvRnk/+rL8an5mG48358vvifKPcPB1ozyf/Vl+NOZhuHny++J8o9w8HWjPJ/8AVl+NOZhu+pnz5ffE+Ue4kOjaCOnjbFC0MYwWa0dtzmcybkm54qSKSWCObWrTrTdSo8WzZWSM4+tWgI66AxPyO1j7XLXDYbbxuI3g7tq0nBSWDLljeztKqqR7VvRR+lNEVmjZgXB0bgehKwnCfqvH7pzttCpyTg9Og93Qura/p4LBranr4ff5nWp+UzSDWgF0b+t0Yv8A5SB7Fvzs95Tnyes5PFYrqffiZfCjX/ofVn4k56p0cPE19HbTfLiu4eFGv/Q+rPxJz1To4eI9HLTfLiu40tJ8oVfM0tMgjBFjzbcJP2s3DuIWJVZNaWT0Mh2dKWdm49bx+Woy6n6jT1jg+QOjgvcvIsXjbZgO2/0tnbsSFNy6jTKOWKVrFwptOe7d19xdjKZscWCMBrWswtA2AAWAVxJJYI8K5ynPOk8W3ifnnVL+e0v6+P8AfCoUv09h9Hyj/aVP8X9D9HroHzU1dJ6OiqI3RTND2OGYPsIO4jcQsSipLBktGtOjNVKbwaKR1y1NloH42Fz4SRhkHjNN8mvtsPB2w9WxU6lNx6j3WTcq072OZPBT2rf1dxK9ROUTFhgrnAOyDJjkDwbJwP52/fxMlOtskcfKuQ8zGrbrRtju6u7gTDXHWBtFTOlyLz0Ym8XEZdw2ns61NUnmrE42TrKV3XVPZrfV+aCk9XdEyaQqwwkkvcXyv3ht7uf252HWQqkYuTwPdXtzCxts5LVoS6diP0HSUzImNjjAaxjQ1o4ACwCupJLBHzqc5Tk5yeLekidRyZ0D3OdaRuIk2a+zRc3sBbIdSi5iJ14ZevIxUcVo6DH4LqD9L6f/ANU5iJt6Q3m9cDja28m0MdM+Sk5wyR9Itc7FiaAcQAt428dlt60nRSWKLuT8vVZ11CvhmvRqwwezsI1ybazfJKjBIbQzEB19jXbGv7Nx6jfctKU819DOnlvJ/lNHPgvWj81tXd4nU165PpI3umo2F8RN3RtHSYd+Fo2s6hmOxZqUmnitRVyVluE4qlcPCS1N7evp+vWR3Q2uddSDBHLdjcgyQYgOoX6Q7AbLSNSS0JnSuck2ly8+UdL2rRj9jq+FGv8A0Pqz8S256p0cPEqejtpvlxXcPCjX/ofVn4k56p0cPEejlpvlxXcZqPlH0lK9scbYXPe4NaBGcyT9ZOdqdHDxI6uQbKlBzm5JLTrXcSLlZik/k+DnCHPbMznHNFm35uQEgbhc2CkrY5qxObyflDyyeboTi8MetfYrzVvWmoocfMYPwmHFibi2XtbMcSoYzlHUelvsm0bzN5zHRue87fhRr/0Pqz8S256p0cPEoejlpvlxXcPCjX/ofVn4k56p0cPEejlpvlxXcPCjX/ofVn4k56p0cPEejlpvlxXcTfVCoqdJU0prms5mQFjGtbhLuL73Ow5DrB4KWm5TTztRwco06NhXirZvOjpbbxw6NXErnWrU2poXlwDnwg3bK3dwx28Vw47OHVBOm469R6awyrQu45ssFLant6t66NZloOUXSETcPONkA2GRocfSFie03WVVnsZpWyDZ1Hjg11P/AH8ja8KNf+h9WfiWeeqdHDxIvR203y4ruHhRr/0Pqz8Sc9U6OHiPRy03y4ruOzqlrnpKtqWRDmg3xpHCM9Fg2nxtpyA6yFtCpUlLDRwKOUclWVpQdRuWOpLFaXw4lpK0eTPpDJ8yMDgQ4Ag7QRceZDKbTxRyn6r0JNzSwX/VM+5ac1DcuBaV/dLQqkv5M8+atB5JB6pv3LHNQ91cDPnC6+LL+THzVoPJIPVN+5Oah7q4DzhdfFl/JmWm1epIzijpoWu3ERtB7ja6yqcVqSNJ3lxNYSqSa62dNblY8IugOVDqzRMcHNpYGuaQWkRtBBBuCDbatFTgtKSLUr65knGVSTT6WdZblUIDHPA17S17Q5rhZzXC4I4EHaEax1m0ZOLUovBo5fzVoPJIPVN+5R81D3VwLXnC6+LL+TM9RoKlkaxskET2xizA5gIaMsmgjIZDZwC2cIvQ0Rwuq8G5Rm03rwb09Zk0foinguYIY4sVsWBgbe2y9h1pGEY6ka1birWw5yTeG94m6tiEIAgCA4/zVofJIPVN+5R81DcuBc84XXxZfyZ1o2BoAAsALAcANgUhUbxeLNKt0LTTG80EUh4vja4+ci61cIvWialdVqSwpza6m0a3zVoPJIPVN+5a81D3VwJfOF18WX8mPmrQeSQeqb9yc1D3VwHnC6+LL+TM1JoCkieHxU8LHi9nNjaCLixsQOBWVTinikjSpeXFSObOcmtzbN2op2SNLJGh7XCxa4AgjgQcitmk9DIIzlCSlF4NbjmfNWg8kg9U37lpzUPdXAtecLr4sv5MfNWg8kg9U37k5qHurgPOF18WX8mPmrQeSQeqb9yc1D3VwHnC6+LL+THzVoPJIPVN+5Oah7q4DzhdfFl/JnUp4GsaGMaGtaAGtAsABsAA2BbpYairKTk3KTxbPshZNTmT6uUbyXPpoHOO0mJtz2m2a0dOD1pFqN7cwWEakkutmP5q0HkkHqm/csc1D3VwNvOF18WX8mPmrQeSQeqb9yc1D3VwHnC6+LL+TNvR+iYIMXMRRxYrYsDA29r2vYZ7T51tGEY6kQ1birWw5yTeG9tm6tiE/9k="/>
+          <p:cNvSpPr>
+            <a:spLocks noChangeAspect="1" noChangeArrowheads="1"/>
+          </p:cNvSpPr>
+          <p:nvPr/>
+        </p:nvSpPr>
+        <p:spPr bwMode="auto">
+          <a:xfrm>
+            <a:off x="473075" y="160338"/>
+            <a:ext cx="304800" cy="304801"/>
+          </a:xfrm>
+          <a:prstGeom prst="rect">
+            <a:avLst/>
+          </a:prstGeom>
+          <a:noFill/>
+          <a:extLst>
+            <a:ext uri="{909E8E84-426E-40DD-AFC4-6F175D3DCCD1}">
+              <a14:hiddenFill xmlns:a14="http://schemas.microsoft.com/office/drawing/2010/main">
+                <a:solidFill>
+                  <a:srgbClr val="FFFFFF"/>
+                </a:solidFill>
+              </a14:hiddenFill>
+            </a:ext>
+          </a:extLst>
+        </p:spPr>
+        <p:txBody>
+          <a:bodyPr vert="horz" wrap="square" lIns="91440" tIns="45720" rIns="91440" bIns="45720" numCol="1" anchor="t" anchorCtr="0" compatLnSpc="1">
+            <a:prstTxWarp prst="textNoShape">
+              <a:avLst/>
+            </a:prstTxWarp>
+          </a:bodyPr>
+          <a:lstStyle/>
+          <a:p>
+            <a:endParaRPr lang="ko-KR" altLang="en-US" b="1"/>
+          </a:p>
+        </p:txBody>
+      </p:sp>
+      <p:sp>
+        <p:nvSpPr>
+          <p:cNvPr id="10" name="AutoShape 10" descr="data:image/jpeg;base64,/9j/4AAQSkZJRgABAQAAAQABAAD/2wCEAAkGBxISEhQUERQWFRUVFRgYFhgYFx4XGhwcHRQXGBoVGhkYHCggHhorIBUWITEhJikrMi8wFx80ODcsNygtLisBCgoKDg0OGxAQGy0mICQsLCw4NC8sLCw3Ly8sLCwsNCwsLywvMiw0LCwsLCwsLC0vLCwsLCwsLCwsLCwsLCwsLP/AABEIAK8BIQMBEQACEQEDEQH/xAAcAAEAAgMBAQEAAAAAAAAAAAAABgcDBAUBAgj/xABREAABAwICBQYJBgkLAwUAAAABAAIDBBESIQUGMUFRBxMiYXGBFzJUkZKTobHSFBZScoLRIzNCYmNzdLLBFTQ1Q0RTg6Kjs8PT8PEkVcLi4//EABsBAQACAwEBAAAAAAAAAAAAAAADBAECBQYH/8QAPxEAAgECAQcHCwMEAwADAAAAAAECAwQRBRIhMUFRkQYTYXGB0eEUFRYiMlJTobHB8EJikjM0cvEkNcIjRKL/2gAMAwEAAhEDEQA/ALxQBAEAQBAEAQBAEAQBAEAQHKj0lasfTu3wtlZxtjcx47iGH7R4LTP9bNLDoPmFWW/NfBNffgdVblcIAgCAIAgCAIAgCAIAgCAIAgCAIAgCAIAgCAIAgCAIAgCAIAgCAIAgCAIDwlAQahquf03I5mbIKd0ZO64c249Jzh9gqtF51d9CO3Up81kuKlrnPHsw/OJOlZOIEAQBAEAQBAEAQBAEAQBAEAQBAEAQBAEAQBAEAQBAEAQBAEAQBAEAQBAEBENedbW0rDFEQZ3DtEYI8d3XwHfs2169ZQWC1nXyXkyVzLPn7C+fQvu9nWffJ5oF1NAXyAiWaznA7WtF8LT+dmXHrceCzb082OL1sxle9VxWzYezHQvu+7oRLFOckIAgCAIAgCAIAgCAIAgCAIAgCAIAgCAIAgCAIAgCAIAgCAIAgCAIAgPCUBANb9ewzFFSEF4ydLta3iGbnO69g69gqVrjDRA9Dk3IzqYVa+iO7a+vcvn9TDqTqc4uFVWA3vjYx2bidvOyXzvvAPac8hihQ058zfKmVY5vk9vq1Nr6Lo3vb1a5VpzWmmpejI4ukNrRMGOQk7BYbL7r2urE6sYa9ZyLXJ9e50wWEd70JdvceUElXP0pGimjOxmT5j1uceizssTntCRc5aXoMVo29L1YPPe/Uuza+vR1M7jQpCmeoAgCAIAgCAIAgCAIAgCAIAgCAIAgCAIAgCAIAgCAIAgCAIAgCA8KArTlB1tLnOpoHWa3KZ42k74weA3nectxvSuK36Ynp8j5LWCuKq6l939uJ0dRdTREG1FS28pAMbCMoxuJH957t3Fb0KGb60tf0K2VcrOs3SpP1dr97w+utmHXTW+QSfJaK5kuGve3N2I5c3H+dnm7d23IxWrvHMhrN8mZLpuHlFz7OtLo3vo3Lb9evqhqiylHOS2kqHZuecw0naGk534uOZ6hkpKNFQ0vWUsoZTncvMhogtS7+7UvmSpTnLCAIAgCAIAgCAIAgCAIAgCAIAgCAIAgCAIAgCAIAgCAIAgCAIAgCA+Jr4TbbY27dyGVrKU1IouerYWyZ2cZHg7y0F2f2rHuXMoxzqixPcZVq81ZydPbgl1PwLj0pOY4ZXt2sje4doaSPculJ4Js8VSip1Ixe1pFQahSNFfAZDckvsT9MsdYnrNz3lc63a5xYntMsQl5HJQ1LDgn/oukLpHhz1AEAQBAEBjEzb2xC/C4QzgzIhgIAgCAIAgCAIAgCAIAgCAIAgCAIAgCAIAgCAIAgCAIDwoCstYKE6Or46toPMPkJdb8kuBEjT1HEXjrBHBUqkeaqKew9PZ1lfWUrV+2lo6cNXcWR0ZGbnNc3tBBHusVc1nmdMX0oozTWjH0k7ojcFhBjdvLb3Y8Hjl3EFcqcHCWB9AtLmF1QU9+hrp2r82Fsal6f+WU+J2UrDhkA2XtcPHURn1G43Lo0amfHHaeOylZeS1s1ey9K6vAkKlOeEAQBACgKV1dYP5WYbC/yubPvlXNp/1u1/c9veN+a2v2Q/8AJdS6R4g8ugF0AugPUB5dAe3QHl0AugF0B6gCAIAgCAIAgCAIAgCAIAgCAIAgCA1q+jZNG6ORocxwsQf+8j1rDSksGb06k6c1ODwaODq5FJRv+SSkvizNNIeG0wO4OAzHEXtssoqacPUerZ3F68nC5XPx0S/Uun3l0PbufWYOUnRjJKR0pHThs5ruouAc3sIN+0Ba3EE4Y7ibItxKncqC1S0P7PsOfyT0L2xzTOBDZS1rOsMxXcOq7yPsrW1i1FveWeUFeMqsaa1xTx7cNHy+ZPlaPPhAEAQHhQFMavf0rH+1ze+Zc2n/AFu1/c9tef8AWP8Awh/5LF1uir3iNtC5rL4uccbAjxcNiQbDxtgvsVyqqjwzDzOT52kXJ3Kb3fmj6kZm1J0i4YnVhLuHOy28+7zKB0KmvO+bOtHK9jHQqOj/ABj+fM1NVtY6qCqbTVL3PaZOacHnE5jibNcHnMgkjaTkbjr1pVZxnmSJcoWFvWtncUFg8MdGjFbdHQbnKXPUQzRvimlYyRhFmvIaHNPAHaQ4eiVtcuUWmmQ5ChQqwlCcE2njpWx/nzJlqtpH5RSwynxiwB31m9F3tBVqnLOimcS9ocxXnT3P5bPkQjlL01NHUsZDLIzDDicGOLblznWvbabM9qq3M2pJJneyFaUqlGU6kU9OGlY6l4kqroaxtDG2mdeoDYw5zyCTkA9135Xzvc32KxJTzPV1nGoztndOVZepi9C+Wojb9TtJy5y1nS4CWS3+UNHmCg5iq9cvqdZZUsKeiFHR1R++L+Zxm6YrtGT4Jnuka2xcxzzI1zD+UxzswcjbZmMwos+pSlhIuu1tMoUc+lFJ9Cwwe5paC0Kaj6YlbJIWuFwwuu3O5vb7XZkOC6HSeQlLRmtHQWTQIAgCAIAgCAIAgCAIAgCAIDW0jXxwRmSZ4Yxu0nzAdZ6gtoQlOWbFYs1nNQWdLUQw6/meZsFFG3E8kCSd2Buwm+EZnIcQepXvIebhn1X2Ioq/VSeZTXa9BJKTRtQbGeqc472xMbGz2hz/APMqkpw/THi8fD5F2MZbWdZjbC3vNz5yojc8kjDtovmDnxBuD50BzdOaL+UtEUhtDcOeAbF9jcMvubcAk7Ta2S0nDPWD1Fi2uHQlnx9rZ0dPXuNh1XBC0NL442tFgC5rQABsAvssFJGEnoiivOpi3KTMVJp2nmdhhkEpG3m7vA+s5oLR3lbypTivWWHXoNI1Iy1PEV+ho5r84ZD1NlfGB2CNwHebrEKkoasOCf1MyinrILrA+p0TNG+GWSWnkJHNyuL7EWuzEcxcZgjgb339Kgqd1FxkkpLatBzbidS1kpJ4xexliaPq2zRslZm2RjXt7HAEd+a5kouLcXsOnGSkk0ZytTJTGrv9Ks/a5vfMubT/AK3a/ue2vP8ArH/hD/yWtpzTkFIzHM61zZoAu5x4NH8dgV+c4wWLPJW1pVuZ5lNY/brIj4Q5JD/6aikkFznc/wDGxwB71X8qb9mJ2PMcIf1q0Y8Pu19CH1FW+XSDZJIzE99TAXRm929KIWNwDmADsG1V85yq4tYaUdlUo0snuEJZyUZad+t9P1LF5SaDnKJz98LhIOwXa/8Ayuce5XLiOMOo81kavzV3FbJerx1fPA5PJPX3ZNAT4rhI3scMLh52g/aUdpLQ4lzlDQwqRqrasO1eH0I/Wj5bpYtGbTOG/YiHS7jzb/SUT9et2/Q6FL/iZMx25uPbLV8mi1tIV8dPGZJnBjG7SfYANpPABXpSUVizyVGjOtNQprFshs3KPicRS0sktjvuO+zGuIHbZVndY+zHE7kcguKTr1Yx/Oloh2uelJamUPmgMDhFhDTfMYnHF0mt4kbNyr15ub0rA7eSranbxcac89N9H2bLl0Z+Ji/Vs/dC6UdR4ep7b62bKyaBAEAQBAEAQBAEAQBAEAQBAYaykZKwsla17Dta4XB7isxk4vFPSYlFSWDIrWcnFC++Fskf1X3HmfdXI5QrR24lOWT6EtOGHUajdQ2NOCKuqWkC5aH7BuNm2tsW3lzemUI8DHkeGhTlxM/zHm/9xqvSd8ax5ZH4cTbySXxJcTxuoT79Kvqz2SEe8lZd6tlOPAwrN/ElxPpnJzT/ANZNUSfWkH8GrXy+eyMV2GVZQ2tvtN6j1E0fHsga4/nkv9jjb2LSV7Xl+r7G8bSjH9P3O/S0rI2hsbWsaNjWgNHmCrNuTxZYSSWCMywZKy5TK41M8FFTjHI1xLgPpkWa2+6zS4ngCF1bCHNxlWnqOVlCTqyjRhrLA0NQiCCKEG/NxtZfjZoBPec1zak8+blvZ04RzYqK2G6tDYpfV7+lY/2ub3zLm0/63a/ue2vP+sf+EP8AybXKfK41pDibNhZhHUS4kjrJ/dHBbXPt6dxFkKOFo3HW2/klgWhSTwMha6NzGwhgLSCAwNtlnssryaS0ajyc41JVGpJ52PbiVHpOsZNpTnIjiY+qgwnjYwtJF912lc9yUq2K3o9lSpTpZNzJrBqEvniy5amEPY5js2uaWkdRFj710WsUeJjJxaktaKU0JXvoKl5dcuY2aIjiQDhPe5jO4rm05c1N9p7m7oq+to5u1xfVjr+r4Ej5KdGl0ktQ7PAObaTvc6znntsG+kVNax0uTObygrqMYUI9fYtC+5m5W5XXpm/kHnHH6wwAexzvOs3behGnJ2McaktuhdmnuRJNRHQihh5vCOgOc2Xx/l4uu91NQw5tYHKyoqnlc8/fo6tmHRgQHlL0hFNU3ieHhkWBxbmMQc8kA7DtGxVLmSlLQejyDQqUqLz1hi8VjuLY0Z+Ji/Vs/dC6EdR4+p7b62bKyaBAEAQBAEAQBAEAQBAEAQBAEBraQie+N7Y34HuY4Nfa+EkEB1uo5rMWk03pMSTaaRWNDHpbRpkww8817sTnWMuI2tiu0472A2jcuvN2txhpwa7PA5MPK7fHRnI2TylVLPxlIAesvZ7C0rXzdTeqf07zbzhUWum/zsPTypSbqQetP/TTzZH3/l4jzlLZTf52HyeUCvk/E0g6rMkk91k8goR9qf0Q8urv2af1MkFXp6ZzSGCMAg2cxjGnPYQ4l9uzNayhZQWGOP5wMxneyepIsCikl5sGdrGvt0gxxe3ZuJaD3WXNlm4+rqOmscNJytJTVk/QpWiBpydPKOl/hxbb9b8PZvUsFThpnp6F933Ec8+WiOjpMmreq8FGCWXfI7x5X5vdc3Oe4Xztv33KVridXXq3GtG3hS1a3tO4oCc166sZDG6SQ4WMBc4ngP49Sw2ksWb06cqklCKxbKj1EhdPpCOS3iukmf1YmuFr/WkHmK51BOVTHrZ7HK0lRsebx15seGHcWJrPqrDW4S4uZI0Wa9vC98LgciPdc22lXatFVNZ5uxyjVtG83SnsZHKbkwZcc5OXNvezWBpOd9pJ9ygVotrOnPlFNr1IJPe3j3HTqNQIDNFJE50Qi5uzGgEEsfiuScyTvPUpPJ45ya2FOOWa3NTpzWdnY6XsxWH+iXlWDkEP01qDFUTvm517DIQS0NBFw0NvnxsFXnbKUscTtWmWqlvSVLNTw6+s7+gNEMpIWwsJIbclx2uJNy427fYpYQUI4I5t1cyuKrqy2/I+dYdBxVkfNy3Fjdrm5OabWuL9uwpUpqawZtaXdS1qZ9P/AGukhw5Lxc3qDhO20YuR2l1vYq3ki3nafKKWGimsev8APqdKu5OqZ8bGRudHhxYnABzn4gPGJ4WyAyzW8raDWC0FWjl24hUc54Sx2akuol1NFgY1u3C0C/YLKyjjSeLbMqGAgCAIAgCAIAgCAIAgCAIAgCAICL6e10gpahkDgbkt5x9jhY05gm2bjsyHHuVqlaTqwc1/sq1runSmoS2nSg1ko3+LUwn/ABGg+YlROhVWuL4EqrU5apLibf8AKEH97H6bfvWmZLcyTORqVGstGzxqmEdXONJ8wN1vG3qy1RfAjlWpx1yXE80XrLSVLiyGZrnD8nNpPW0OAxDrCzUt6tNYyiYp16dR4RkmdZQkx7ZAEAQEV111alrBEI5cAa7pNdmy2fTsNrx/HcoK1J1MMGdTJl/C0cnKGOOp7erqZ0tW9XoqOMtjuXOsXvPjOI2dgGdh1neSVvTpqCwRWvL2pdTzp9i2L83nYUhUCAIAgCAIAgCAIAgCAIAgCAIAgCAIAgCAIAgCA+JZA0EuIAAuSTYAcSSmsEfGt8cjzHRxyVThtLAGxt63SPsLdl77lZ8llFY1Go9evgQK4jJ4Q09XedOjlqSQZY4mDg2RzyP9MBQyUNjfDxJVnbTU0/qvTVgBmacYFg9pwuA4X2EZ7CCpKNxUo+yyKtb06y9dEOq+Sw3/AAVQLcHsz9Jp/gr8cqe9HgznzyTH9MjQPJdU/wB7D/m+FSedIbmR+ap+8bVPyWSfl1DAPzYy72lwWksqLZH5m0ck75fIkGjOTmjiIc/HM4G4xus2/wBVtvbdVqmUKs1gtHUXKVhRpvHWyXsYAABsAsFRLp7dAasWkGOmfCD042se4fmvLw034/g3ZdnELZxaipbGYTWOBtrUyEAQBAEAQBAEAQBAEAQBAEAQBAEAQBAEAQBAEAQBAEBHdddX5K2ERxy4C12Ig+K/LIOtnkcxt7OFm1rqjPOaxK11QdaGangQvRugNMUJPycNcHG7mtc1zT12fhN+yyv1K9pX9vFfnQc+lb3Vv7GDR2Ga2aTj/H6Oc7iWYvcA/wB6g8lt5ezU4/iLXlNePtU+DMo5RLfjKKpbl9H4g3JY8gx1TjxM+W4a4S4DwnUw8aGoHa1nxp5uqbJIx5wgtcZcAOU+kOyKc9jWfGnm2rta/Owz5wp7nwPpvKREfFpal3Yxp9zljzfJa5x4mfLV7kuB9s11qH/itHVJ+tdg85YsO0gvaqL6mVdTeqm/oZo9KaWk8Wjih65ZsXsZmtXTto65t9S7zZVK8v0Jdb7jZj0ZXSZ1NYI27208YZ3c5Jd3mAWjqUV7EMet/ZYG6hUftS4GGDS9FS/gaUGeZxuWRHnZHu2YpJCbcLuc7ILLpVanrz0Lp0cF3BVKcXmx0v8ANZJqXHhHOWxWGLDsvvAJzI61V6idGVAEAQBAEAQBAEAQBAEAQBAEAQBAEAQBAEAQBAEAQBAEAQGCqhe7xHlhHUHA9oI9xCymlrRho5zo64eLJTvHXG+M+cSOHsUmNLc+K7jX1+gwOn0kP7PSu6xUPb7DCfet82h70uC7zXGpuXHwMXyzSQ/sdP3VJ/6Szm0Pff8AHxMOVT3Vx8Dx1bpQ7KWnb21Dj7owmZb+8+HiM6ruXHwMbjpl2wUTO+Rx9y2/4q958Eaf8h+6uLPh+h9KSePXsjHCKAe9xuEVW3Wqnj1sw6dZ654dS7zwaixvzqqioqep8hDe5rdnnWfLJL2IqPUh5LF+22+3uJBo3RUFO3DBGyMb8ItfrJ2nvVadSc3jJ4liEIwWEVgbq0NggCAIAgCAIAgCAIAgCAIAgCAIAgCAIAgCAIAgCAIAgCAIAgCAIAgCAIAgCAIAgCAIAgCAIAgCAIAgCAIAgCAIAgCAIAgCAICOaw660lGS2R5dIP6uMYnDtzs3vKjlUjHQdGzyVc3SzoLBb3oXj2EXfyuxX6NM8jrkAPmwlR8/0HWXJmphpqLgz58LrPJXesHwpz/QZ9GJ/EXDxHhdZ5K71g+FOf6B6MT+IuHiZqblbgJ/CU8jRxa5r/YbIq63Gk+TVZL1Zp8V3k00Jp6nq24qeQPttGxze1pzCmjNS1HDubOtbSzascPzYzovdYE8BdbFdLFlaDleZ5K71g+FVlcY7D0/oxP4i4eI8LrPJXesHwrPP9A9GJ/EXDxHhdZ5K71g+FOf6B6MT+IuHiPC6zyV3rB8Kc/0D0Yn8RcPE7ur3KJSVThG7FDI42aH2wk8A4ZX7bLeNaMtBQvMh3NvHPXrLo2dhMFKcYIAgIFrNylxU0zoYoueLDZ7seFoO9oyNyNh2ZqCdZJ4JHfscg1Likqk5ZqerRj27CTasawRV0POxXFjhe07Wu4G27YQVJCaksUcy9sqlpV5ufY96OutymEBqaS0jFTsMkz2sYN7j7ANpPUFhySWLJaNGpWnmU1iyEV3KxTNJEUUkgG82YD2XufOAoXXWxHdpcm7iSxnJL5+BqeF1nkrvWD4Vjn+gm9GJ/EXDxHhdZ5K71g+FOf6B6MT+IuHifcPKwHua1lI9znENaBILkk2AHRTn+g1nyblCLlKqsF0eJKda9Z/kMEcskWIveGFofaxLHOPSw5+LbYpJzzVjgcmwsPLKrpxlhgsccOlL7mHUzW9ukOdwxGPm8O12K+LF1D6PtSnUz9hJlLJjss3GWOOOzDUSdSHLCAIAgOTp7WOmo23nkDSfFaM3nsaN3WclpKcY6y3a2Ne6eFKOPTsXaQ2flchB6FPI4cXOa0+YXUXP9B24cmarXrTS7G+4xeF1nkrvWD4U5/oNvRifxFw8R4XWeSu9YPhTn+gejE/iLh4nS1e5RDWTshipXXdm5xkFmtG1x6P/kkDeto1s54YFW8yJ5LSdWdRcNb3aydKY4JC+UvWp1HE2OE2mlvY/QbsL+3cO87lDWqZqwWs7eRcnK6qOdT2Y/N7u8rLVTVWfSD3YThY0/hJXXOZzsPpO37e05i9eEHLUepyhlKlYwSaxb1JbvsixqfkqogOk+Zx44mjzANU6oR3nmp8o7pvQors8TL4LaDjN6Y+FZ5iJr6Q3n7eHiPBbQcZvTHwpzER6Q3n7eHiaOkuSenLTzEsjHbsdnt77AHvusOgtjJqPKSvF/8AyxTXRofcVy5tVoyq3xyxndm1zT+8w/8AdiFX9aL6T0ydvlC33xfFP7NfmgvPQGmW1lK2ZuWJpDm/RcBZzfP7LK7GWdHE8Dd2srWu6Utj4reUDoClbNUQRvvhkkY11sjYuANlQprHBdR9Du6sqVCdSOtJst/wW0HGb0x8Kt8xE8d6Q3n7eHiPBbQcZvTHwpzER6Q3n7eHieHktoOM3pj4U5iI9Ibz9vDxK6151TNBK0BxfFICWOO3K12utlfMZ77qCcMxnpclZSV7B4rCS196LS5NNMuqqJpkN3xOMbidpsAWk9eFwz4gqxRlnR07DyeWrSNvdNR1S0r86yVqU5JF+UHWT5FTHAfw0t2xDhxk7r+chR1Z5q0azqZJsPK6+EvZWl93aU5q9q9PXOlEWZjYXuJ3nPCy/wBJxB28CqkYOWhHtb2+pWajn7Xh2b+pG5qNrEaGpBfcRP6EwtsF8nW4tJ82Ib1mnPNeJBlWxV5Q9X2lpXd29xfrHggEG4OYI2EcVePnrTWhmKtqmxRvkkNmMaXOPUBcrDaSxZvTpyqTUI628CgNYNMz6SqQbOOJ2GGIZ4QTk0D6Ryuf4AWpSk5vE+h2dpRsKHUsW9/huX3JxoTkoZhBq5XYjtZHYAdRcQb91lLGh7zODc8pJ52FCKw3vu/2dfwW0HGb0x8K35iJU9Ibz9vDxHgtoOM3pj4U5iI9Ibz9vDxN7QmoVHSzNmjDy9t8ON2IAkWuBYZ7fOsxpRTxK91li5uKbpzawe5HI5aP5nF+0D/akWtfUusucmv7mX+L+qObyI/2r/C/5FihtLPKfXT7fsWkrB5UIAgOHrjp9tDTOlIBcejG073G9u4WJPYtKk81Yl7J9m7uuqa1a31FI6PoarSVSQCXyP6T3uOTR9Inc0bAB1AKmk5SPdVq1vk+hp0RWhJbfzayyKDkopWtHPSyvdvw2Y3uFifarCoLazzNXlJcSf8A8cUlx/OBt+C2g4zemPhWeYiQ+kN5+3h4jwW0HGb0x8KcxEz6Q3n7eHidvVvVWmocfMB132xFxxGw2AZCwzJ/8BbwpqOooXuUa93hzr1bjuLcolD8qNSX6RmB2RiNjezm2u973edUqrxmz3+QaajZRa2tv54fRFt6jULYaGma0WxRNe7rc8B5Ptt3BWqawijx+U60qt3Uk97XYtB3VuUAgCAICuOWigaYIZrdNsmC/wCa5pNvO0ecqvXWhM9LyarSVaVPY1j2r/ZrcjVSTFVx7mlrx2ua4H9wJQ2knKSmlUpz34rg/EgGqX89pf18f74Vel+nsPQ5R/tan+L+hf2kNOU0Dg2eaONxFwHuw3HEX2q9KcY62fPaNpWrLGnBvqWJrfO2g8qh9YFrzsN6JfNt38KXBnh1uoPKofTCc9T95Dzbd/ClwZVnKbrTFWSRsgzjixdO1sTnWvYHOwA277lQVZqT0HrMh5OqWsJTq6HLDRuSJxySaOdFRY3C3PSF4H5tmtB78JPYQpaCwjjvOFygrxqXeEf0rDt1/cmNVUNjY57yGtY0ucTsAAuSpW8FiziwhKclGKxb0H591l0xJpCrLwCcTgyFm8C9mt7STc9ZVKUnJ4n0WxtYWNvmvZpb/NiLq1O1fbRUzYsi89KV3F5GfcNg7FapwzI4Hhso3ru67qbNS6vzSyuOVfVrmZvlMQ/BzHp22Nk237HZntDuIUFaGa8VtPTcn7/nafMTfrR1dK8Pod7kl1m5yP5JKenGLxE72b2drd3V9Vb0J/pZz+UGT+bn5RBaJa+vf2/XrOpysVJZo94H9Y9jD2Xxf/BbV/YKmQKalepvYm/t9yH8jVA19TLK7MxRgN6i8kF3bZpH2io6Cxkztcpa0o0YU1+p6ez/AH8i4laPGBAEAQFf8tH8zi/aB/tSKCvqXWeh5Nf3Mv8AF/VHN5Ef7V/hf8ixQ2lnlPrp9v2LSVg8qEAQFUctdSecpo9wa9/eSB/A+dVq70pHreTNNZtSe3QiNao64uoGPbHCx7nuBc5xINgLBuW4ZnvKjhNw1I6mUclK9mpSm0ktX3O/4W5/J4/Sct+fluOf6M0viPgh4W5/J4/ScnPy3D0ZpfEfBDwtz+Tx+k5OfluHozS+I+CJhqLrLUV4e+SFkcTeiHAklztpAvuA29o61LSm560cXKthRs2oRm3J/JeJLVKcgpPld0aY63nbdGdjSD+cwBjh5gw/aVOssJY7z3PJ2up2vN7Yv5PT3k65MdPsqKRkRI52BoYW7y0ZMeOq1gesdYU1GWMcNx5/LdlKhcOf6ZPHt2omSmOMEAQBAVJyv6fZI5lLGQeadjkI2B1rBnaAXX7R1qrWli8Eev5O2coKVeW3Quredfkj0aWUk0zhbnnHD9VgIv5y7zLegtDZT5Q11O5jTX6V834YFaapfz2l/Xx/vhVqX6ew9PlH+1qf4v6F96waBhrIjFM242tcPGafpNPH3q9OCksGfPrS7q2tTnKb8esovWnVeahkwyDEw+JIB0Xfc7iPftVOcXF4M9/YZRpXkMY6Gta3eHSa+gNCvq5OajkiY/8AJEji3FxDbNNz1LCTbwRJeXkbWGfOLa6Fjh16SwtXeSvC4PrJGvAN+bjvhP1nEA26gO9TRoe8ebvOUblFxt44dL19i8SzGMAAAAAAsAMgBwCsnmG8XiyreVzWa5+RxHZZ0xHnbH7nH7PWq1af6Uer5PZP/wDszXRH7v7LtObqBoh8MMmkeZ57mgeZjxYSbZSSA4TmBcAb+lvstaccFn4aixli6jVqxss7Nx1vX1LZr29h1fC+PJP9b/8ANb+UdBV9GH8X/wDPiael+UyKphfDLRkse2x/DC43hw/B7QbEdi1lWUlg0TW/J+pQqKpCrpX7fHaQHR9a+CRksRs9jg5p6xuPUdhHAqFYrSj0VajCtTdOa0PQXFrFO3SeiHywjpAB+HaQ5hu9nbbFbjccVZm8+nijxNnB5PyioVNWrHoepkB5NNPtpKr8KcMUzcDidjTe7XHqvcdWK+5Q0pZsus9Fluylc2+MFjKOnr3r83F7NN1dPAnqAIAgK/5aP5nF+0D/AGpFBX1LrPQ8mv7mX+L+qObyI/2r/C/5FihtLPKfXT7fsWkrB5UIAgKz5aNGlzIJ2jJhcx/VisWnsuCO8KvXWpnp+TVdKc6L26V2Ee5N6DR9S58FXHeUnFETI9uIWzYA1wFxa/E3PBR0lFvCR0stVry3Sq0JerqehPDp0rbq/wBlh+DvRnk/+rL8an5mG48358vvifKPcPB1ozyf/Vl+NOZhuHny++J8o9w8HWjPJ/8AVl+NOZhu+pnz5ffE+Ue4kOjaCOnjbFC0MYwWa0dtzmcybkm54qSKSWCObWrTrTdSo8WzZWSM4+tWgI66AxPyO1j7XLXDYbbxuI3g7tq0nBSWDLljeztKqqR7VvRR+lNEVmjZgXB0bgehKwnCfqvH7pzttCpyTg9Og93Qura/p4LBranr4ff5nWp+UzSDWgF0b+t0Yv8A5SB7Fvzs95Tnyes5PFYrqffiZfCjX/ofVn4k56p0cPE19HbTfLiu4eFGv/Q+rPxJz1To4eI9HLTfLiu40tJ8oVfM0tMgjBFjzbcJP2s3DuIWJVZNaWT0Mh2dKWdm49bx+Woy6n6jT1jg+QOjgvcvIsXjbZgO2/0tnbsSFNy6jTKOWKVrFwptOe7d19xdjKZscWCMBrWswtA2AAWAVxJJYI8K5ynPOk8W3ifnnVL+e0v6+P8AfCoUv09h9Hyj/aVP8X9D9HroHzU1dJ6OiqI3RTND2OGYPsIO4jcQsSipLBktGtOjNVKbwaKR1y1NloH42Fz4SRhkHjNN8mvtsPB2w9WxU6lNx6j3WTcq072OZPBT2rf1dxK9ROUTFhgrnAOyDJjkDwbJwP52/fxMlOtskcfKuQ8zGrbrRtju6u7gTDXHWBtFTOlyLz0Ym8XEZdw2ns61NUnmrE42TrKV3XVPZrfV+aCk9XdEyaQqwwkkvcXyv3ht7uf252HWQqkYuTwPdXtzCxts5LVoS6diP0HSUzImNjjAaxjQ1o4ACwCupJLBHzqc5Tk5yeLekidRyZ0D3OdaRuIk2a+zRc3sBbIdSi5iJ14ZevIxUcVo6DH4LqD9L6f/ANU5iJt6Q3m9cDja28m0MdM+Sk5wyR9Itc7FiaAcQAt428dlt60nRSWKLuT8vVZ11CvhmvRqwwezsI1ybazfJKjBIbQzEB19jXbGv7Nx6jfctKU819DOnlvJ/lNHPgvWj81tXd4nU165PpI3umo2F8RN3RtHSYd+Fo2s6hmOxZqUmnitRVyVluE4qlcPCS1N7evp+vWR3Q2uddSDBHLdjcgyQYgOoX6Q7AbLSNSS0JnSuck2ly8+UdL2rRj9jq+FGv8A0Pqz8S256p0cPEqejtpvlxXcPCjX/ofVn4k56p0cPEejlpvlxXcZqPlH0lK9scbYXPe4NaBGcyT9ZOdqdHDxI6uQbKlBzm5JLTrXcSLlZik/k+DnCHPbMznHNFm35uQEgbhc2CkrY5qxObyflDyyeboTi8MetfYrzVvWmoocfMYPwmHFibi2XtbMcSoYzlHUelvsm0bzN5zHRue87fhRr/0Pqz8S256p0cPEoejlpvlxXcPCjX/ofVn4k56p0cPEejlpvlxXcPCjX/ofVn4k56p0cPEejlpvlxXcTfVCoqdJU0prms5mQFjGtbhLuL73Ow5DrB4KWm5TTztRwco06NhXirZvOjpbbxw6NXErnWrU2poXlwDnwg3bK3dwx28Vw47OHVBOm469R6awyrQu45ssFLant6t66NZloOUXSETcPONkA2GRocfSFie03WVVnsZpWyDZ1Hjg11P/AH8ja8KNf+h9WfiWeeqdHDxIvR203y4ruHhRr/0Pqz8Sc9U6OHiPRy03y4ruOzqlrnpKtqWRDmg3xpHCM9Fg2nxtpyA6yFtCpUlLDRwKOUclWVpQdRuWOpLFaXw4lpK0eTPpDJ8yMDgQ4Ag7QRceZDKbTxRyn6r0JNzSwX/VM+5ac1DcuBaV/dLQqkv5M8+atB5JB6pv3LHNQ91cDPnC6+LL+THzVoPJIPVN+5Oah7q4DzhdfFl/JmWm1epIzijpoWu3ERtB7ja6yqcVqSNJ3lxNYSqSa62dNblY8IugOVDqzRMcHNpYGuaQWkRtBBBuCDbatFTgtKSLUr65knGVSTT6WdZblUIDHPA17S17Q5rhZzXC4I4EHaEax1m0ZOLUovBo5fzVoPJIPVN+5R81D3VwLXnC6+LL+TM9RoKlkaxskET2xizA5gIaMsmgjIZDZwC2cIvQ0Rwuq8G5Rm03rwb09Zk0foinguYIY4sVsWBgbe2y9h1pGEY6ka1birWw5yTeG94m6tiEIAgCA4/zVofJIPVN+5R81DcuBc84XXxZfyZ1o2BoAAsALAcANgUhUbxeLNKt0LTTG80EUh4vja4+ci61cIvWialdVqSwpza6m0a3zVoPJIPVN+5a81D3VwJfOF18WX8mPmrQeSQeqb9yc1D3VwHnC6+LL+TM1JoCkieHxU8LHi9nNjaCLixsQOBWVTinikjSpeXFSObOcmtzbN2op2SNLJGh7XCxa4AgjgQcitmk9DIIzlCSlF4NbjmfNWg8kg9U37lpzUPdXAtecLr4sv5MfNWg8kg9U37k5qHurgPOF18WX8mPmrQeSQeqb9yc1D3VwHnC6+LL+THzVoPJIPVN+5Oah7q4DzhdfFl/JnUp4GsaGMaGtaAGtAsABsAA2BbpYairKTk3KTxbPshZNTmT6uUbyXPpoHOO0mJtz2m2a0dOD1pFqN7cwWEakkutmP5q0HkkHqm/csc1D3VwNvOF18WX8mPmrQeSQeqb9yc1D3VwHnC6+LL+TNvR+iYIMXMRRxYrYsDA29r2vYZ7T51tGEY6kQ1birWw5yTeG9tm6tiE/9k="/>
+          <p:cNvSpPr>
+            <a:spLocks noChangeAspect="1" noChangeArrowheads="1"/>
+          </p:cNvSpPr>
+          <p:nvPr/>
+        </p:nvSpPr>
+        <p:spPr bwMode="auto">
+          <a:xfrm>
+            <a:off x="625475" y="312738"/>
+            <a:ext cx="304800" cy="304801"/>
+          </a:xfrm>
+          <a:prstGeom prst="rect">
+            <a:avLst/>
+          </a:prstGeom>
+          <a:noFill/>
+          <a:extLst>
+            <a:ext uri="{909E8E84-426E-40DD-AFC4-6F175D3DCCD1}">
+              <a14:hiddenFill xmlns:a14="http://schemas.microsoft.com/office/drawing/2010/main">
+                <a:solidFill>
+                  <a:srgbClr val="FFFFFF"/>
+                </a:solidFill>
+              </a14:hiddenFill>
+            </a:ext>
+          </a:extLst>
+        </p:spPr>
+        <p:txBody>
+          <a:bodyPr vert="horz" wrap="square" lIns="91440" tIns="45720" rIns="91440" bIns="45720" numCol="1" anchor="t" anchorCtr="0" compatLnSpc="1">
+            <a:prstTxWarp prst="textNoShape">
+              <a:avLst/>
+            </a:prstTxWarp>
+          </a:bodyPr>
+          <a:lstStyle/>
+          <a:p>
+            <a:endParaRPr lang="ko-KR" altLang="en-US" b="1"/>
+          </a:p>
+        </p:txBody>
+      </p:sp>
+      <p:sp>
+        <p:nvSpPr>
+          <p:cNvPr id="17" name="TextBox 16">
+            <a:extLst>
+              <a:ext uri="{FF2B5EF4-FFF2-40B4-BE49-F238E27FC236}">
+                <a16:creationId xmlns:a16="http://schemas.microsoft.com/office/drawing/2014/main" id="{35FE3B8E-DCF9-487F-AD3D-CEA6323B555C}"/>
+              </a:ext>
+            </a:extLst>
+          </p:cNvPr>
+          <p:cNvSpPr txBox="1"/>
+          <p:nvPr/>
+        </p:nvSpPr>
+        <p:spPr>
+          <a:xfrm>
+            <a:off x="712480" y="1737169"/>
+            <a:ext cx="1980029" cy="630942"/>
+          </a:xfrm>
+          <a:prstGeom prst="rect">
+            <a:avLst/>
+          </a:prstGeom>
+          <a:noFill/>
+        </p:spPr>
+        <p:txBody>
+          <a:bodyPr wrap="none" rtlCol="0">
+            <a:spAutoFit/>
+          </a:bodyPr>
+          <a:lstStyle/>
+          <a:p>
+            <a:r>
+              <a:rPr lang="ko-KR" altLang="en-US" sz="3500" b="1" dirty="0">
+                <a:ln>
+                  <a:solidFill>
+                    <a:schemeClr val="bg1">
+                      <a:alpha val="0"/>
+                    </a:schemeClr>
+                  </a:solidFill>
+                </a:ln>
+                <a:solidFill>
+                  <a:srgbClr val="BF0302"/>
+                </a:solidFill>
+                <a:latin typeface="-윤고딕330" pitchFamily="18" charset="-127"/>
+                <a:ea typeface="-윤고딕330" pitchFamily="18" charset="-127"/>
+              </a:rPr>
+              <a:t>개선방법</a:t>
+            </a:r>
+          </a:p>
+        </p:txBody>
+      </p:sp>
+      <p:pic>
+        <p:nvPicPr>
+          <p:cNvPr id="20" name="그림 19">
+            <a:extLst>
+              <a:ext uri="{FF2B5EF4-FFF2-40B4-BE49-F238E27FC236}">
+                <a16:creationId xmlns:a16="http://schemas.microsoft.com/office/drawing/2014/main" id="{37B19423-BC71-40E0-86E5-D56BE1F5AC8C}"/>
+              </a:ext>
+            </a:extLst>
+          </p:cNvPr>
+          <p:cNvPicPr>
+            <a:picLocks noChangeAspect="1"/>
+          </p:cNvPicPr>
+          <p:nvPr/>
+        </p:nvPicPr>
+        <p:blipFill>
+          <a:blip r:embed="rId2" cstate="print">
+            <a:extLst>
+              <a:ext uri="{28A0092B-C50C-407E-A947-70E740481C1C}">
+                <a14:useLocalDpi xmlns:a14="http://schemas.microsoft.com/office/drawing/2010/main" val="0"/>
+              </a:ext>
+            </a:extLst>
+          </a:blip>
+          <a:stretch>
+            <a:fillRect/>
+          </a:stretch>
+        </p:blipFill>
+        <p:spPr>
+          <a:xfrm>
+            <a:off x="480195" y="1572542"/>
+            <a:ext cx="329253" cy="329253"/>
+          </a:xfrm>
+          <a:prstGeom prst="rect">
+            <a:avLst/>
+          </a:prstGeom>
+        </p:spPr>
+      </p:pic>
+      <p:sp>
+        <p:nvSpPr>
+          <p:cNvPr id="35" name="TextBox 34">
+            <a:extLst>
+              <a:ext uri="{FF2B5EF4-FFF2-40B4-BE49-F238E27FC236}">
+                <a16:creationId xmlns:a16="http://schemas.microsoft.com/office/drawing/2014/main" id="{06F2A79E-2E95-4B2C-A915-2979AF90DBC7}"/>
+              </a:ext>
+            </a:extLst>
+          </p:cNvPr>
+          <p:cNvSpPr txBox="1"/>
+          <p:nvPr/>
+        </p:nvSpPr>
+        <p:spPr>
+          <a:xfrm>
+            <a:off x="809448" y="2378135"/>
+            <a:ext cx="7939016" cy="861774"/>
+          </a:xfrm>
+          <a:prstGeom prst="rect">
+            <a:avLst/>
+          </a:prstGeom>
+          <a:noFill/>
+        </p:spPr>
+        <p:txBody>
+          <a:bodyPr wrap="square" rtlCol="0">
+            <a:spAutoFit/>
+          </a:bodyPr>
+          <a:lstStyle/>
+          <a:p>
+            <a:pPr algn="ctr"/>
+            <a:r>
+              <a:rPr lang="ko-KR" altLang="en-US" sz="2500" b="1" dirty="0">
+                <a:ln>
+                  <a:solidFill>
+                    <a:schemeClr val="bg1">
+                      <a:alpha val="0"/>
+                    </a:schemeClr>
+                  </a:solidFill>
+                </a:ln>
+                <a:latin typeface="-윤고딕330" pitchFamily="18" charset="-127"/>
+                <a:ea typeface="-윤고딕330" pitchFamily="18" charset="-127"/>
+              </a:rPr>
+              <a:t>기존 분석은 데이터</a:t>
+            </a:r>
+            <a:r>
+              <a:rPr lang="en-US" altLang="ko-KR" sz="2500" b="1" dirty="0">
+                <a:ln>
+                  <a:solidFill>
+                    <a:schemeClr val="bg1">
+                      <a:alpha val="0"/>
+                    </a:schemeClr>
+                  </a:solidFill>
+                </a:ln>
+                <a:latin typeface="-윤고딕330" pitchFamily="18" charset="-127"/>
+                <a:ea typeface="-윤고딕330" pitchFamily="18" charset="-127"/>
+              </a:rPr>
+              <a:t>(55,423,855</a:t>
+            </a:r>
+            <a:r>
+              <a:rPr lang="ko-KR" altLang="en-US" sz="2500" b="1" dirty="0">
+                <a:ln>
+                  <a:solidFill>
+                    <a:schemeClr val="bg1">
+                      <a:alpha val="0"/>
+                    </a:schemeClr>
+                  </a:solidFill>
+                </a:ln>
+                <a:latin typeface="-윤고딕330" pitchFamily="18" charset="-127"/>
+                <a:ea typeface="-윤고딕330" pitchFamily="18" charset="-127"/>
+              </a:rPr>
+              <a:t>개</a:t>
+            </a:r>
+            <a:r>
+              <a:rPr lang="en-US" altLang="ko-KR" sz="2500" b="1" dirty="0">
+                <a:ln>
+                  <a:solidFill>
+                    <a:schemeClr val="bg1">
+                      <a:alpha val="0"/>
+                    </a:schemeClr>
+                  </a:solidFill>
+                </a:ln>
+                <a:latin typeface="-윤고딕330" pitchFamily="18" charset="-127"/>
+                <a:ea typeface="-윤고딕330" pitchFamily="18" charset="-127"/>
+              </a:rPr>
+              <a:t>)</a:t>
+            </a:r>
+            <a:r>
+              <a:rPr lang="ko-KR" altLang="en-US" sz="2500" b="1" dirty="0">
+                <a:ln>
+                  <a:solidFill>
+                    <a:schemeClr val="bg1">
+                      <a:alpha val="0"/>
+                    </a:schemeClr>
+                  </a:solidFill>
+                </a:ln>
+                <a:latin typeface="-윤고딕330" pitchFamily="18" charset="-127"/>
+                <a:ea typeface="-윤고딕330" pitchFamily="18" charset="-127"/>
+              </a:rPr>
+              <a:t>의 </a:t>
+            </a:r>
+            <a:r>
+              <a:rPr lang="en-US" altLang="ko-KR" sz="2500" b="1" dirty="0">
+                <a:ln>
+                  <a:solidFill>
+                    <a:schemeClr val="bg1">
+                      <a:alpha val="0"/>
+                    </a:schemeClr>
+                  </a:solidFill>
+                </a:ln>
+                <a:latin typeface="-윤고딕330" pitchFamily="18" charset="-127"/>
+                <a:ea typeface="-윤고딕330" pitchFamily="18" charset="-127"/>
+              </a:rPr>
+              <a:t>10%~20%</a:t>
+            </a:r>
+            <a:r>
+              <a:rPr lang="ko-KR" altLang="en-US" sz="2500" b="1" dirty="0">
+                <a:ln>
+                  <a:solidFill>
+                    <a:schemeClr val="bg1">
+                      <a:alpha val="0"/>
+                    </a:schemeClr>
+                  </a:solidFill>
+                </a:ln>
+                <a:latin typeface="-윤고딕330" pitchFamily="18" charset="-127"/>
+                <a:ea typeface="-윤고딕330" pitchFamily="18" charset="-127"/>
+              </a:rPr>
+              <a:t> 사용</a:t>
+            </a:r>
+            <a:endParaRPr lang="en-US" altLang="ko-KR" sz="2500" b="1" dirty="0">
+              <a:ln>
+                <a:solidFill>
+                  <a:schemeClr val="bg1">
+                    <a:alpha val="0"/>
+                  </a:schemeClr>
+                </a:solidFill>
+              </a:ln>
+              <a:latin typeface="-윤고딕330" pitchFamily="18" charset="-127"/>
+              <a:ea typeface="-윤고딕330" pitchFamily="18" charset="-127"/>
+            </a:endParaRPr>
+          </a:p>
+          <a:p>
+            <a:endParaRPr lang="en-US" altLang="ko-KR" sz="2500" b="1" dirty="0">
+              <a:ln>
+                <a:solidFill>
+                  <a:schemeClr val="bg1">
+                    <a:alpha val="0"/>
+                  </a:schemeClr>
+                </a:solidFill>
+              </a:ln>
+              <a:latin typeface="-윤고딕330" pitchFamily="18" charset="-127"/>
+              <a:ea typeface="-윤고딕330" pitchFamily="18" charset="-127"/>
+            </a:endParaRPr>
+          </a:p>
+        </p:txBody>
+      </p:sp>
+      <p:sp>
+        <p:nvSpPr>
+          <p:cNvPr id="18" name="TextBox 17">
+            <a:extLst>
+              <a:ext uri="{FF2B5EF4-FFF2-40B4-BE49-F238E27FC236}">
+                <a16:creationId xmlns:a16="http://schemas.microsoft.com/office/drawing/2014/main" id="{EC7B64AF-38DA-433B-8C78-0763E028725F}"/>
+              </a:ext>
+            </a:extLst>
+          </p:cNvPr>
+          <p:cNvSpPr txBox="1"/>
+          <p:nvPr/>
+        </p:nvSpPr>
+        <p:spPr>
+          <a:xfrm>
+            <a:off x="809448" y="611912"/>
+            <a:ext cx="7939016" cy="861774"/>
+          </a:xfrm>
+          <a:prstGeom prst="rect">
+            <a:avLst/>
+          </a:prstGeom>
+          <a:noFill/>
+        </p:spPr>
+        <p:txBody>
+          <a:bodyPr wrap="square" rtlCol="0">
+            <a:spAutoFit/>
+          </a:bodyPr>
+          <a:lstStyle/>
+          <a:p>
+            <a:r>
+              <a:rPr lang="en-US" altLang="ko-KR" sz="2500" b="1" dirty="0">
+                <a:ln>
+                  <a:solidFill>
+                    <a:schemeClr val="bg1">
+                      <a:alpha val="0"/>
+                    </a:schemeClr>
+                  </a:solidFill>
+                </a:ln>
+                <a:latin typeface="-윤고딕330" pitchFamily="18" charset="-127"/>
+                <a:ea typeface="-윤고딕330" pitchFamily="18" charset="-127"/>
+              </a:rPr>
+              <a:t>3. </a:t>
+            </a:r>
+            <a:r>
+              <a:rPr lang="ko-KR" altLang="en-US" sz="2500" b="1" dirty="0">
+                <a:ln>
+                  <a:solidFill>
+                    <a:schemeClr val="bg1">
+                      <a:alpha val="0"/>
+                    </a:schemeClr>
+                  </a:solidFill>
+                </a:ln>
+                <a:latin typeface="-윤고딕330" pitchFamily="18" charset="-127"/>
+                <a:ea typeface="-윤고딕330" pitchFamily="18" charset="-127"/>
+              </a:rPr>
+              <a:t>테스트 데이터 예측</a:t>
+            </a:r>
+            <a:r>
+              <a:rPr lang="en-US" altLang="ko-KR" sz="2500" b="1" dirty="0">
+                <a:ln>
+                  <a:solidFill>
+                    <a:schemeClr val="bg1">
+                      <a:alpha val="0"/>
+                    </a:schemeClr>
+                  </a:solidFill>
+                </a:ln>
+                <a:latin typeface="-윤고딕330" pitchFamily="18" charset="-127"/>
+                <a:ea typeface="-윤고딕330" pitchFamily="18" charset="-127"/>
+              </a:rPr>
+              <a:t>(</a:t>
+            </a:r>
+            <a:r>
+              <a:rPr lang="en-US" altLang="ko-KR" sz="2500" b="1" dirty="0" err="1">
+                <a:ln>
+                  <a:solidFill>
+                    <a:schemeClr val="bg1">
+                      <a:alpha val="0"/>
+                    </a:schemeClr>
+                  </a:solidFill>
+                </a:ln>
+                <a:latin typeface="-윤고딕330" pitchFamily="18" charset="-127"/>
+                <a:ea typeface="-윤고딕330" pitchFamily="18" charset="-127"/>
+              </a:rPr>
+              <a:t>fare_amount</a:t>
+            </a:r>
+            <a:r>
+              <a:rPr lang="en-US" altLang="ko-KR" sz="2500" b="1" dirty="0">
+                <a:ln>
+                  <a:solidFill>
+                    <a:schemeClr val="bg1">
+                      <a:alpha val="0"/>
+                    </a:schemeClr>
+                  </a:solidFill>
+                </a:ln>
+                <a:latin typeface="-윤고딕330" pitchFamily="18" charset="-127"/>
+                <a:ea typeface="-윤고딕330" pitchFamily="18" charset="-127"/>
+              </a:rPr>
+              <a:t> </a:t>
+            </a:r>
+            <a:r>
+              <a:rPr lang="ko-KR" altLang="en-US" sz="2500" b="1" dirty="0">
+                <a:ln>
+                  <a:solidFill>
+                    <a:schemeClr val="bg1">
+                      <a:alpha val="0"/>
+                    </a:schemeClr>
+                  </a:solidFill>
+                </a:ln>
+                <a:latin typeface="-윤고딕330" pitchFamily="18" charset="-127"/>
+                <a:ea typeface="-윤고딕330" pitchFamily="18" charset="-127"/>
+              </a:rPr>
+              <a:t>예측</a:t>
+            </a:r>
+            <a:r>
+              <a:rPr lang="en-US" altLang="ko-KR" sz="2500" b="1" dirty="0">
+                <a:ln>
+                  <a:solidFill>
+                    <a:schemeClr val="bg1">
+                      <a:alpha val="0"/>
+                    </a:schemeClr>
+                  </a:solidFill>
+                </a:ln>
+                <a:latin typeface="-윤고딕330" pitchFamily="18" charset="-127"/>
+                <a:ea typeface="-윤고딕330" pitchFamily="18" charset="-127"/>
+              </a:rPr>
+              <a:t>)</a:t>
+            </a:r>
+          </a:p>
+          <a:p>
+            <a:endParaRPr lang="en-US" altLang="ko-KR" sz="2500" b="1" dirty="0">
+              <a:ln>
+                <a:solidFill>
+                  <a:schemeClr val="bg1">
+                    <a:alpha val="0"/>
+                  </a:schemeClr>
+                </a:solidFill>
+              </a:ln>
+              <a:latin typeface="-윤고딕330" pitchFamily="18" charset="-127"/>
+              <a:ea typeface="-윤고딕330" pitchFamily="18" charset="-127"/>
+            </a:endParaRPr>
+          </a:p>
+        </p:txBody>
+      </p:sp>
+      <p:sp>
+        <p:nvSpPr>
+          <p:cNvPr id="3" name="화살표: 아래쪽 2">
+            <a:extLst>
+              <a:ext uri="{FF2B5EF4-FFF2-40B4-BE49-F238E27FC236}">
+                <a16:creationId xmlns:a16="http://schemas.microsoft.com/office/drawing/2014/main" id="{6A021932-9A10-4F1C-92E2-A99ED83A4F4B}"/>
+              </a:ext>
+            </a:extLst>
+          </p:cNvPr>
+          <p:cNvSpPr/>
+          <p:nvPr/>
+        </p:nvSpPr>
+        <p:spPr>
+          <a:xfrm>
+            <a:off x="4031940" y="2927305"/>
+            <a:ext cx="1080120" cy="1003390"/>
+          </a:xfrm>
+          <a:prstGeom prst="downArrow">
+            <a:avLst/>
+          </a:prstGeom>
+          <a:solidFill>
+            <a:schemeClr val="tx1"/>
+          </a:solidFill>
+          <a:ln>
+            <a:solidFill>
+              <a:schemeClr val="tx1"/>
+            </a:solidFill>
+          </a:ln>
+        </p:spPr>
+        <p:style>
+          <a:lnRef idx="2">
+            <a:schemeClr val="accent1">
+              <a:shade val="50000"/>
+            </a:schemeClr>
+          </a:lnRef>
+          <a:fillRef idx="1">
+            <a:schemeClr val="accent1"/>
+          </a:fillRef>
+          <a:effectRef idx="0">
+            <a:schemeClr val="accent1"/>
+          </a:effectRef>
+          <a:fontRef idx="minor">
+            <a:schemeClr val="lt1"/>
+          </a:fontRef>
+        </p:style>
+        <p:txBody>
+          <a:bodyPr rtlCol="0" anchor="ctr"/>
+          <a:lstStyle/>
+          <a:p>
+            <a:pPr algn="ctr"/>
+            <a:endParaRPr lang="ko-KR" altLang="en-US"/>
+          </a:p>
+        </p:txBody>
+      </p:sp>
+      <p:sp>
+        <p:nvSpPr>
+          <p:cNvPr id="19" name="TextBox 18">
+            <a:extLst>
+              <a:ext uri="{FF2B5EF4-FFF2-40B4-BE49-F238E27FC236}">
+                <a16:creationId xmlns:a16="http://schemas.microsoft.com/office/drawing/2014/main" id="{4E94BF75-92B7-4DDB-B4DC-D80ADE958AFD}"/>
+              </a:ext>
+            </a:extLst>
+          </p:cNvPr>
+          <p:cNvSpPr txBox="1"/>
+          <p:nvPr/>
+        </p:nvSpPr>
+        <p:spPr>
+          <a:xfrm>
+            <a:off x="809448" y="4011476"/>
+            <a:ext cx="7939016" cy="477054"/>
+          </a:xfrm>
+          <a:prstGeom prst="rect">
+            <a:avLst/>
+          </a:prstGeom>
+          <a:noFill/>
+        </p:spPr>
+        <p:txBody>
+          <a:bodyPr wrap="square" rtlCol="0">
+            <a:spAutoFit/>
+          </a:bodyPr>
+          <a:lstStyle/>
+          <a:p>
+            <a:pPr algn="ctr"/>
+            <a:r>
+              <a:rPr lang="ko-KR" altLang="en-US" sz="2500" b="1" dirty="0">
+                <a:ln>
+                  <a:solidFill>
+                    <a:schemeClr val="bg1">
+                      <a:alpha val="0"/>
+                    </a:schemeClr>
+                  </a:solidFill>
+                </a:ln>
+                <a:latin typeface="-윤고딕330" pitchFamily="18" charset="-127"/>
+                <a:ea typeface="-윤고딕330" pitchFamily="18" charset="-127"/>
+              </a:rPr>
+              <a:t>모든 데이터 사용시 기능 향상</a:t>
+            </a:r>
+            <a:r>
+              <a:rPr lang="en-US" altLang="ko-KR" sz="2500" b="1" dirty="0">
+                <a:ln>
+                  <a:solidFill>
+                    <a:schemeClr val="bg1">
+                      <a:alpha val="0"/>
+                    </a:schemeClr>
+                  </a:solidFill>
+                </a:ln>
+                <a:latin typeface="-윤고딕330" pitchFamily="18" charset="-127"/>
+                <a:ea typeface="-윤고딕330" pitchFamily="18" charset="-127"/>
+              </a:rPr>
+              <a:t>(5.74 -&gt; 5.71)</a:t>
+            </a:r>
+          </a:p>
+        </p:txBody>
+      </p:sp>
+      <p:pic>
+        <p:nvPicPr>
+          <p:cNvPr id="11" name="그림 10">
+            <a:extLst>
+              <a:ext uri="{FF2B5EF4-FFF2-40B4-BE49-F238E27FC236}">
+                <a16:creationId xmlns:a16="http://schemas.microsoft.com/office/drawing/2014/main" id="{5AD27660-872C-4D02-BC3A-3BDD79B11B46}"/>
+              </a:ext>
+            </a:extLst>
+          </p:cNvPr>
+          <p:cNvPicPr>
+            <a:picLocks noChangeAspect="1"/>
+          </p:cNvPicPr>
+          <p:nvPr/>
+        </p:nvPicPr>
+        <p:blipFill>
+          <a:blip r:embed="rId3">
+            <a:extLst>
+              <a:ext uri="{28A0092B-C50C-407E-A947-70E740481C1C}">
+                <a14:useLocalDpi xmlns:a14="http://schemas.microsoft.com/office/drawing/2010/main" val="0"/>
+              </a:ext>
+            </a:extLst>
+          </a:blip>
+          <a:stretch>
+            <a:fillRect/>
+          </a:stretch>
+        </p:blipFill>
+        <p:spPr>
+          <a:xfrm>
+            <a:off x="712480" y="4488530"/>
+            <a:ext cx="7891968" cy="1892798"/>
+          </a:xfrm>
+          <a:prstGeom prst="rect">
+            <a:avLst/>
+          </a:prstGeom>
+        </p:spPr>
+      </p:pic>
+    </p:spTree>
+    <p:extLst>
+      <p:ext uri="{BB962C8B-B14F-4D97-AF65-F5344CB8AC3E}">
+        <p14:creationId xmlns:p14="http://schemas.microsoft.com/office/powerpoint/2010/main" val="1944680289"/>
+      </p:ext>
+    </p:extLst>
+  </p:cSld>
+  <p:clrMapOvr>
+    <a:masterClrMapping/>
+  </p:clrMapOvr>
+  <mc:AlternateContent xmlns:mc="http://schemas.openxmlformats.org/markup-compatibility/2006" xmlns:p14="http://schemas.microsoft.com/office/powerpoint/2010/main">
+    <mc:Choice Requires="p14">
+      <p:transition spd="med" p14:dur="700">
+        <p:fade/>
+      </p:transition>
+    </mc:Choice>
+    <mc:Fallback xmlns="">
+      <p:transition spd="med">
+        <p:fade/>
+      </p:transition>
+    </mc:Fallback>
+  </mc:AlternateContent>
+</p:sld>
+</file>
+
+<file path=ppt/slides/slide12.xml><?xml version="1.0" encoding="utf-8"?>
+<p:sld xmlns:a="http://schemas.openxmlformats.org/drawingml/2006/main" xmlns:r="http://schemas.openxmlformats.org/officeDocument/2006/relationships" xmlns:p="http://schemas.openxmlformats.org/presentationml/2006/main">
+  <p:cSld>
+    <p:spTree>
+      <p:nvGrpSpPr>
+        <p:cNvPr id="1" name=""/>
+        <p:cNvGrpSpPr/>
+        <p:nvPr/>
+      </p:nvGrpSpPr>
+      <p:grpSpPr>
+        <a:xfrm>
+          <a:off x="0" y="0"/>
+          <a:ext cx="0" cy="0"/>
+          <a:chOff x="0" y="0"/>
+          <a:chExt cx="0" cy="0"/>
+        </a:xfrm>
+      </p:grpSpPr>
+      <p:sp>
+        <p:nvSpPr>
+          <p:cNvPr id="6" name="모서리가 둥근 직사각형 5"/>
+          <p:cNvSpPr/>
+          <p:nvPr/>
+        </p:nvSpPr>
+        <p:spPr>
+          <a:xfrm>
+            <a:off x="251520" y="188640"/>
+            <a:ext cx="8640960" cy="6480720"/>
+          </a:xfrm>
+          <a:prstGeom prst="roundRect">
+            <a:avLst>
+              <a:gd name="adj" fmla="val 5928"/>
+            </a:avLst>
+          </a:prstGeom>
+          <a:solidFill>
+            <a:schemeClr val="bg1"/>
+          </a:solidFill>
+          <a:ln>
+            <a:solidFill>
+              <a:schemeClr val="bg1"/>
+            </a:solidFill>
+          </a:ln>
+        </p:spPr>
+        <p:style>
+          <a:lnRef idx="2">
+            <a:schemeClr val="accent1">
+              <a:shade val="50000"/>
+            </a:schemeClr>
+          </a:lnRef>
+          <a:fillRef idx="1">
+            <a:schemeClr val="accent1"/>
+          </a:fillRef>
+          <a:effectRef idx="0">
+            <a:schemeClr val="accent1"/>
+          </a:effectRef>
+          <a:fontRef idx="minor">
+            <a:schemeClr val="lt1"/>
+          </a:fontRef>
+        </p:style>
+        <p:txBody>
+          <a:bodyPr rtlCol="0" anchor="ctr"/>
+          <a:lstStyle/>
+          <a:p>
+            <a:pPr algn="ctr"/>
+            <a:endParaRPr lang="ko-KR" altLang="en-US" sz="1400" b="1"/>
+          </a:p>
+        </p:txBody>
+      </p:sp>
+      <p:grpSp>
+        <p:nvGrpSpPr>
+          <p:cNvPr id="4" name="그룹 3"/>
+          <p:cNvGrpSpPr/>
+          <p:nvPr/>
+        </p:nvGrpSpPr>
+        <p:grpSpPr>
+          <a:xfrm>
+            <a:off x="3203848" y="2753257"/>
+            <a:ext cx="5304084" cy="1551745"/>
+            <a:chOff x="3314604" y="2406649"/>
+            <a:chExt cx="5304084" cy="1551745"/>
+          </a:xfrm>
+        </p:grpSpPr>
+        <p:sp>
+          <p:nvSpPr>
+            <p:cNvPr id="8" name="TextBox 7"/>
+            <p:cNvSpPr txBox="1"/>
+            <p:nvPr/>
+          </p:nvSpPr>
+          <p:spPr>
+            <a:xfrm>
+              <a:off x="3314604" y="2650344"/>
+              <a:ext cx="4044697" cy="1308050"/>
+            </a:xfrm>
+            <a:prstGeom prst="rect">
+              <a:avLst/>
+            </a:prstGeom>
+            <a:noFill/>
+          </p:spPr>
+          <p:txBody>
+            <a:bodyPr wrap="square" rtlCol="0">
+              <a:spAutoFit/>
+            </a:bodyPr>
+            <a:lstStyle/>
+            <a:p>
+              <a:pPr algn="just"/>
+              <a:r>
+                <a:rPr lang="en-US" altLang="ko-KR" sz="4400" b="1" dirty="0">
+                  <a:ln>
+                    <a:solidFill>
+                      <a:schemeClr val="bg1">
+                        <a:alpha val="0"/>
+                      </a:schemeClr>
+                    </a:solidFill>
+                  </a:ln>
+                  <a:solidFill>
+                    <a:srgbClr val="BF0302"/>
+                  </a:solidFill>
+                  <a:latin typeface="-윤고딕330" pitchFamily="18" charset="-127"/>
+                  <a:ea typeface="-윤고딕330" pitchFamily="18" charset="-127"/>
+                </a:rPr>
+                <a:t>       05    </a:t>
+              </a:r>
+              <a:r>
+                <a:rPr lang="ko-KR" altLang="en-US" sz="3500" b="1" dirty="0">
+                  <a:ln>
+                    <a:solidFill>
+                      <a:schemeClr val="bg1">
+                        <a:alpha val="0"/>
+                      </a:schemeClr>
+                    </a:solidFill>
+                  </a:ln>
+                  <a:latin typeface="-윤고딕330" pitchFamily="18" charset="-127"/>
+                  <a:ea typeface="-윤고딕330" pitchFamily="18" charset="-127"/>
+                </a:rPr>
+                <a:t>고찰</a:t>
+              </a:r>
+              <a:endParaRPr lang="en-US" altLang="ko-KR" sz="3500" b="1" dirty="0">
+                <a:ln>
+                  <a:solidFill>
+                    <a:schemeClr val="bg1">
+                      <a:alpha val="0"/>
+                    </a:schemeClr>
+                  </a:solidFill>
+                </a:ln>
+                <a:latin typeface="-윤고딕330" pitchFamily="18" charset="-127"/>
+                <a:ea typeface="-윤고딕330" pitchFamily="18" charset="-127"/>
+              </a:endParaRPr>
+            </a:p>
+            <a:p>
+              <a:pPr algn="just"/>
+              <a:r>
+                <a:rPr lang="en-US" altLang="ko-KR" sz="3500" b="1" dirty="0">
+                  <a:ln>
+                    <a:solidFill>
+                      <a:schemeClr val="bg1">
+                        <a:alpha val="0"/>
+                      </a:schemeClr>
+                    </a:solidFill>
+                  </a:ln>
+                  <a:latin typeface="-윤고딕330" pitchFamily="18" charset="-127"/>
+                  <a:ea typeface="-윤고딕330" pitchFamily="18" charset="-127"/>
+                </a:rPr>
+                <a:t>                </a:t>
+              </a:r>
+              <a:endParaRPr lang="ko-KR" altLang="en-US" sz="3500" b="1" dirty="0">
+                <a:ln>
+                  <a:solidFill>
+                    <a:schemeClr val="bg1">
+                      <a:alpha val="0"/>
+                    </a:schemeClr>
+                  </a:solidFill>
+                </a:ln>
+                <a:latin typeface="-윤고딕330" pitchFamily="18" charset="-127"/>
+                <a:ea typeface="-윤고딕330" pitchFamily="18" charset="-127"/>
+              </a:endParaRPr>
+            </a:p>
+          </p:txBody>
+        </p:sp>
+        <p:pic>
+          <p:nvPicPr>
+            <p:cNvPr id="2" name="그림 1"/>
+            <p:cNvPicPr>
+              <a:picLocks noChangeAspect="1"/>
+            </p:cNvPicPr>
+            <p:nvPr/>
+          </p:nvPicPr>
+          <p:blipFill>
+            <a:blip r:embed="rId2" cstate="print">
+              <a:extLst>
+                <a:ext uri="{28A0092B-C50C-407E-A947-70E740481C1C}">
+                  <a14:useLocalDpi xmlns:a14="http://schemas.microsoft.com/office/drawing/2010/main" val="0"/>
+                </a:ext>
+              </a:extLst>
+            </a:blip>
+            <a:stretch>
+              <a:fillRect/>
+            </a:stretch>
+          </p:blipFill>
+          <p:spPr>
+            <a:xfrm rot="2196822">
+              <a:off x="7246613" y="2406649"/>
+              <a:ext cx="1372075" cy="1372075"/>
+            </a:xfrm>
+            <a:prstGeom prst="rect">
+              <a:avLst/>
+            </a:prstGeom>
+          </p:spPr>
+        </p:pic>
+      </p:grpSp>
+    </p:spTree>
+    <p:extLst>
+      <p:ext uri="{BB962C8B-B14F-4D97-AF65-F5344CB8AC3E}">
+        <p14:creationId xmlns:p14="http://schemas.microsoft.com/office/powerpoint/2010/main" val="3129696564"/>
+      </p:ext>
+    </p:extLst>
+  </p:cSld>
+  <p:clrMapOvr>
+    <a:masterClrMapping/>
+  </p:clrMapOvr>
+  <mc:AlternateContent xmlns:mc="http://schemas.openxmlformats.org/markup-compatibility/2006" xmlns:p14="http://schemas.microsoft.com/office/powerpoint/2010/main">
+    <mc:Choice Requires="p14">
+      <p:transition spd="med" p14:dur="700">
+        <p:fade/>
+      </p:transition>
+    </mc:Choice>
+    <mc:Fallback xmlns="">
+      <p:transition spd="med">
+        <p:fade/>
+      </p:transition>
+    </mc:Fallback>
+  </mc:AlternateContent>
+</p:sld>
+</file>
+
+<file path=ppt/slides/slide13.xml><?xml version="1.0" encoding="utf-8"?>
+<p:sld xmlns:a="http://schemas.openxmlformats.org/drawingml/2006/main" xmlns:r="http://schemas.openxmlformats.org/officeDocument/2006/relationships" xmlns:p="http://schemas.openxmlformats.org/presentationml/2006/main">
+  <p:cSld>
+    <p:spTree>
+      <p:nvGrpSpPr>
+        <p:cNvPr id="1" name=""/>
+        <p:cNvGrpSpPr/>
+        <p:nvPr/>
+      </p:nvGrpSpPr>
+      <p:grpSpPr>
+        <a:xfrm>
+          <a:off x="0" y="0"/>
+          <a:ext cx="0" cy="0"/>
+          <a:chOff x="0" y="0"/>
+          <a:chExt cx="0" cy="0"/>
+        </a:xfrm>
+      </p:grpSpPr>
+      <p:sp>
+        <p:nvSpPr>
+          <p:cNvPr id="6" name="모서리가 둥근 직사각형 5"/>
+          <p:cNvSpPr/>
+          <p:nvPr/>
+        </p:nvSpPr>
+        <p:spPr>
+          <a:xfrm>
+            <a:off x="251520" y="188640"/>
+            <a:ext cx="8640960" cy="6480720"/>
+          </a:xfrm>
+          <a:prstGeom prst="roundRect">
+            <a:avLst>
+              <a:gd name="adj" fmla="val 5928"/>
+            </a:avLst>
+          </a:prstGeom>
+          <a:solidFill>
+            <a:schemeClr val="bg1"/>
+          </a:solidFill>
+          <a:ln>
+            <a:solidFill>
+              <a:schemeClr val="bg1"/>
+            </a:solidFill>
+          </a:ln>
+        </p:spPr>
+        <p:style>
+          <a:lnRef idx="2">
+            <a:schemeClr val="accent1">
+              <a:shade val="50000"/>
+            </a:schemeClr>
+          </a:lnRef>
+          <a:fillRef idx="1">
+            <a:schemeClr val="accent1"/>
+          </a:fillRef>
+          <a:effectRef idx="0">
+            <a:schemeClr val="accent1"/>
+          </a:effectRef>
+          <a:fontRef idx="minor">
+            <a:schemeClr val="lt1"/>
+          </a:fontRef>
+        </p:style>
+        <p:txBody>
+          <a:bodyPr rtlCol="0" anchor="ctr"/>
+          <a:lstStyle/>
+          <a:p>
+            <a:pPr algn="ctr"/>
+            <a:endParaRPr lang="ko-KR" altLang="en-US" sz="1400" b="1"/>
+          </a:p>
+        </p:txBody>
+      </p:sp>
+      <p:sp>
+        <p:nvSpPr>
+          <p:cNvPr id="2" name="Rectangle 2"/>
+          <p:cNvSpPr>
+            <a:spLocks noChangeArrowheads="1"/>
+          </p:cNvSpPr>
+          <p:nvPr/>
+        </p:nvSpPr>
+        <p:spPr bwMode="auto">
+          <a:xfrm>
+            <a:off x="1" y="43933"/>
+            <a:ext cx="184731" cy="369332"/>
+          </a:xfrm>
+          <a:prstGeom prst="rect">
+            <a:avLst/>
+          </a:prstGeom>
+          <a:noFill/>
+          <a:ln>
+            <a:noFill/>
+          </a:ln>
+          <a:effectLst/>
+          <a:extLst>
+            <a:ext uri="{909E8E84-426E-40DD-AFC4-6F175D3DCCD1}">
+              <a14:hiddenFill xmlns:a14="http://schemas.microsoft.com/office/drawing/2010/main">
+                <a:solidFill>
+                  <a:schemeClr val="accent1"/>
+                </a:solidFill>
+              </a14:hiddenFill>
+            </a:ext>
+            <a:ext uri="{91240B29-F687-4F45-9708-019B960494DF}">
+              <a14:hiddenLine xmlns:a14="http://schemas.microsoft.com/office/drawing/2010/main" w="9525">
+                <a:solidFill>
+                  <a:schemeClr val="tx1"/>
+                </a:solidFill>
+                <a:miter lim="800000"/>
+                <a:headEnd/>
+                <a:tailEnd/>
+              </a14:hiddenLine>
+            </a:ext>
+            <a:ext uri="{AF507438-7753-43E0-B8FC-AC1667EBCBE1}">
+              <a14:hiddenEffects xmlns:a14="http://schemas.microsoft.com/office/drawing/2010/main">
+                <a:effectLst>
+                  <a:outerShdw dist="35921" dir="2700000" algn="ctr" rotWithShape="0">
+                    <a:schemeClr val="bg2"/>
+                  </a:outerShdw>
+                </a:effectLst>
+              </a14:hiddenEffects>
+            </a:ext>
+          </a:extLst>
+        </p:spPr>
+        <p:txBody>
+          <a:bodyPr vert="horz" wrap="none" lIns="91440" tIns="45720" rIns="91440" bIns="45720" numCol="1" anchor="ctr" anchorCtr="0" compatLnSpc="1">
+            <a:prstTxWarp prst="textNoShape">
+              <a:avLst/>
+            </a:prstTxWarp>
+            <a:spAutoFit/>
+          </a:bodyPr>
+          <a:lstStyle/>
+          <a:p>
+            <a:endParaRPr lang="ko-KR" altLang="en-US" b="1"/>
+          </a:p>
+        </p:txBody>
+      </p:sp>
+      <p:sp>
+        <p:nvSpPr>
+          <p:cNvPr id="4" name="AutoShape 4" descr="data:image/jpeg;base64,/9j/4AAQSkZJRgABAQAAAQABAAD/2wCEAAkGBxISEhQUERQWFRUVFRgYFhgYFx4XGhwcHRQXGBoVGhkYHCggHhorIBUWITEhJikrMi8wFx80ODcsNygtLisBCgoKDg0OGxAQGy0mICQsLCw4NC8sLCw3Ly8sLCwsNCwsLywvMiw0LCwsLCwsLC0vLCwsLCwsLCwsLCwsLCwsLP/AABEIAK8BIQMBEQACEQEDEQH/xAAcAAEAAgMBAQEAAAAAAAAAAAAABgcDBAUBAgj/xABREAABAwICBQYJBgkLAwUAAAABAAIDBBESIQUGMUFRBxMiYXGBFzJUkZKTobHSFBZScoLRIzNCYmNzdLLBFTQ1Q0RTg6Kjs8PT8PEkVcLi4//EABsBAQACAwEBAAAAAAAAAAAAAAADBAECBQYH/8QAPxEAAgECAQcHCwMEAwADAAAAAAECAwQRBRIhMUFRkQYTYXGB0eEUFRYiMlJTobHB8EJikjM0cvEkNcIjRKL/2gAMAwEAAhEDEQA/ALxQBAEAQBAEAQBAEAQBAEAQHKj0lasfTu3wtlZxtjcx47iGH7R4LTP9bNLDoPmFWW/NfBNffgdVblcIAgCAIAgCAIAgCAIAgCAIAgCAIAgCAIAgCAIAgCAIAgCAIAgCAIAgCAIDwlAQahquf03I5mbIKd0ZO64c249Jzh9gqtF51d9CO3Up81kuKlrnPHsw/OJOlZOIEAQBAEAQBAEAQBAEAQBAEAQBAEAQBAEAQBAEAQBAEAQBAEAQBAEAQBAEBENedbW0rDFEQZ3DtEYI8d3XwHfs2169ZQWC1nXyXkyVzLPn7C+fQvu9nWffJ5oF1NAXyAiWaznA7WtF8LT+dmXHrceCzb082OL1sxle9VxWzYezHQvu+7oRLFOckIAgCAIAgCAIAgCAIAgCAIAgCAIAgCAIAgCAIAgCAIAgCAIAgCAIAgPCUBANb9ewzFFSEF4ydLta3iGbnO69g69gqVrjDRA9Dk3IzqYVa+iO7a+vcvn9TDqTqc4uFVWA3vjYx2bidvOyXzvvAPac8hihQ058zfKmVY5vk9vq1Nr6Lo3vb1a5VpzWmmpejI4ukNrRMGOQk7BYbL7r2urE6sYa9ZyLXJ9e50wWEd70JdvceUElXP0pGimjOxmT5j1uceizssTntCRc5aXoMVo29L1YPPe/Uuza+vR1M7jQpCmeoAgCAIAgCAIAgCAIAgCAIAgCAIAgCAIAgCAIAgCAIAgCAIAgCA8KArTlB1tLnOpoHWa3KZ42k74weA3nectxvSuK36Ynp8j5LWCuKq6l939uJ0dRdTREG1FS28pAMbCMoxuJH957t3Fb0KGb60tf0K2VcrOs3SpP1dr97w+utmHXTW+QSfJaK5kuGve3N2I5c3H+dnm7d23IxWrvHMhrN8mZLpuHlFz7OtLo3vo3Lb9evqhqiylHOS2kqHZuecw0naGk534uOZ6hkpKNFQ0vWUsoZTncvMhogtS7+7UvmSpTnLCAIAgCAIAgCAIAgCAIAgCAIAgCAIAgCAIAgCAIAgCAIAgCAIAgCA+Jr4TbbY27dyGVrKU1IouerYWyZ2cZHg7y0F2f2rHuXMoxzqixPcZVq81ZydPbgl1PwLj0pOY4ZXt2sje4doaSPculJ4Js8VSip1Ixe1pFQahSNFfAZDckvsT9MsdYnrNz3lc63a5xYntMsQl5HJQ1LDgn/oukLpHhz1AEAQBAEBjEzb2xC/C4QzgzIhgIAgCAIAgCAIAgCAIAgCAIAgCAIAgCAIAgCAIAgCAIDwoCstYKE6Or46toPMPkJdb8kuBEjT1HEXjrBHBUqkeaqKew9PZ1lfWUrV+2lo6cNXcWR0ZGbnNc3tBBHusVc1nmdMX0oozTWjH0k7ojcFhBjdvLb3Y8Hjl3EFcqcHCWB9AtLmF1QU9+hrp2r82Fsal6f+WU+J2UrDhkA2XtcPHURn1G43Lo0amfHHaeOylZeS1s1ey9K6vAkKlOeEAQBACgKV1dYP5WYbC/yubPvlXNp/1u1/c9veN+a2v2Q/8AJdS6R4g8ugF0AugPUB5dAe3QHl0AugF0B6gCAIAgCAIAgCAIAgCAIAgCAIAgCA1q+jZNG6ORocxwsQf+8j1rDSksGb06k6c1ODwaODq5FJRv+SSkvizNNIeG0wO4OAzHEXtssoqacPUerZ3F68nC5XPx0S/Uun3l0PbufWYOUnRjJKR0pHThs5ruouAc3sIN+0Ba3EE4Y7ibItxKncqC1S0P7PsOfyT0L2xzTOBDZS1rOsMxXcOq7yPsrW1i1FveWeUFeMqsaa1xTx7cNHy+ZPlaPPhAEAQHhQFMavf0rH+1ze+Zc2n/AFu1/c9tef8AWP8Awh/5LF1uir3iNtC5rL4uccbAjxcNiQbDxtgvsVyqqjwzDzOT52kXJ3Kb3fmj6kZm1J0i4YnVhLuHOy28+7zKB0KmvO+bOtHK9jHQqOj/ABj+fM1NVtY6qCqbTVL3PaZOacHnE5jibNcHnMgkjaTkbjr1pVZxnmSJcoWFvWtncUFg8MdGjFbdHQbnKXPUQzRvimlYyRhFmvIaHNPAHaQ4eiVtcuUWmmQ5ChQqwlCcE2njpWx/nzJlqtpH5RSwynxiwB31m9F3tBVqnLOimcS9ocxXnT3P5bPkQjlL01NHUsZDLIzDDicGOLblznWvbabM9qq3M2pJJneyFaUqlGU6kU9OGlY6l4kqroaxtDG2mdeoDYw5zyCTkA9135Xzvc32KxJTzPV1nGoztndOVZepi9C+Wojb9TtJy5y1nS4CWS3+UNHmCg5iq9cvqdZZUsKeiFHR1R++L+Zxm6YrtGT4Jnuka2xcxzzI1zD+UxzswcjbZmMwos+pSlhIuu1tMoUc+lFJ9Cwwe5paC0Kaj6YlbJIWuFwwuu3O5vb7XZkOC6HSeQlLRmtHQWTQIAgCAIAgCAIAgCAIAgCAIDW0jXxwRmSZ4Yxu0nzAdZ6gtoQlOWbFYs1nNQWdLUQw6/meZsFFG3E8kCSd2Buwm+EZnIcQepXvIebhn1X2Ioq/VSeZTXa9BJKTRtQbGeqc472xMbGz2hz/APMqkpw/THi8fD5F2MZbWdZjbC3vNz5yojc8kjDtovmDnxBuD50BzdOaL+UtEUhtDcOeAbF9jcMvubcAk7Ta2S0nDPWD1Fi2uHQlnx9rZ0dPXuNh1XBC0NL442tFgC5rQABsAvssFJGEnoiivOpi3KTMVJp2nmdhhkEpG3m7vA+s5oLR3lbypTivWWHXoNI1Iy1PEV+ho5r84ZD1NlfGB2CNwHebrEKkoasOCf1MyinrILrA+p0TNG+GWSWnkJHNyuL7EWuzEcxcZgjgb339Kgqd1FxkkpLatBzbidS1kpJ4xexliaPq2zRslZm2RjXt7HAEd+a5kouLcXsOnGSkk0ZytTJTGrv9Ks/a5vfMubT/AK3a/ue2vP8ArH/hD/yWtpzTkFIzHM61zZoAu5x4NH8dgV+c4wWLPJW1pVuZ5lNY/brIj4Q5JD/6aikkFznc/wDGxwB71X8qb9mJ2PMcIf1q0Y8Pu19CH1FW+XSDZJIzE99TAXRm929KIWNwDmADsG1V85yq4tYaUdlUo0snuEJZyUZad+t9P1LF5SaDnKJz98LhIOwXa/8Ayuce5XLiOMOo81kavzV3FbJerx1fPA5PJPX3ZNAT4rhI3scMLh52g/aUdpLQ4lzlDQwqRqrasO1eH0I/Wj5bpYtGbTOG/YiHS7jzb/SUT9et2/Q6FL/iZMx25uPbLV8mi1tIV8dPGZJnBjG7SfYANpPABXpSUVizyVGjOtNQprFshs3KPicRS0sktjvuO+zGuIHbZVndY+zHE7kcguKTr1Yx/Oloh2uelJamUPmgMDhFhDTfMYnHF0mt4kbNyr15ub0rA7eSranbxcac89N9H2bLl0Z+Ji/Vs/dC6UdR4ep7b62bKyaBAEAQBAEAQBAEAQBAEAQBAYaykZKwsla17Dta4XB7isxk4vFPSYlFSWDIrWcnFC++Fskf1X3HmfdXI5QrR24lOWT6EtOGHUajdQ2NOCKuqWkC5aH7BuNm2tsW3lzemUI8DHkeGhTlxM/zHm/9xqvSd8ax5ZH4cTbySXxJcTxuoT79Kvqz2SEe8lZd6tlOPAwrN/ElxPpnJzT/ANZNUSfWkH8GrXy+eyMV2GVZQ2tvtN6j1E0fHsga4/nkv9jjb2LSV7Xl+r7G8bSjH9P3O/S0rI2hsbWsaNjWgNHmCrNuTxZYSSWCMywZKy5TK41M8FFTjHI1xLgPpkWa2+6zS4ngCF1bCHNxlWnqOVlCTqyjRhrLA0NQiCCKEG/NxtZfjZoBPec1zak8+blvZ04RzYqK2G6tDYpfV7+lY/2ub3zLm0/63a/ue2vP+sf+EP8AybXKfK41pDibNhZhHUS4kjrJ/dHBbXPt6dxFkKOFo3HW2/klgWhSTwMha6NzGwhgLSCAwNtlnssryaS0ajyc41JVGpJ52PbiVHpOsZNpTnIjiY+qgwnjYwtJF912lc9yUq2K3o9lSpTpZNzJrBqEvniy5amEPY5js2uaWkdRFj710WsUeJjJxaktaKU0JXvoKl5dcuY2aIjiQDhPe5jO4rm05c1N9p7m7oq+to5u1xfVjr+r4Ej5KdGl0ktQ7PAObaTvc6znntsG+kVNax0uTObygrqMYUI9fYtC+5m5W5XXpm/kHnHH6wwAexzvOs3behGnJ2McaktuhdmnuRJNRHQihh5vCOgOc2Xx/l4uu91NQw5tYHKyoqnlc8/fo6tmHRgQHlL0hFNU3ieHhkWBxbmMQc8kA7DtGxVLmSlLQejyDQqUqLz1hi8VjuLY0Z+Ji/Vs/dC6EdR4+p7b62bKyaBAEAQBAEAQBAEAQBAEAQBAEBraQie+N7Y34HuY4Nfa+EkEB1uo5rMWk03pMSTaaRWNDHpbRpkww8817sTnWMuI2tiu0472A2jcuvN2txhpwa7PA5MPK7fHRnI2TylVLPxlIAesvZ7C0rXzdTeqf07zbzhUWum/zsPTypSbqQetP/TTzZH3/l4jzlLZTf52HyeUCvk/E0g6rMkk91k8goR9qf0Q8urv2af1MkFXp6ZzSGCMAg2cxjGnPYQ4l9uzNayhZQWGOP5wMxneyepIsCikl5sGdrGvt0gxxe3ZuJaD3WXNlm4+rqOmscNJytJTVk/QpWiBpydPKOl/hxbb9b8PZvUsFThpnp6F933Ec8+WiOjpMmreq8FGCWXfI7x5X5vdc3Oe4Xztv33KVridXXq3GtG3hS1a3tO4oCc166sZDG6SQ4WMBc4ngP49Sw2ksWb06cqklCKxbKj1EhdPpCOS3iukmf1YmuFr/WkHmK51BOVTHrZ7HK0lRsebx15seGHcWJrPqrDW4S4uZI0Wa9vC98LgciPdc22lXatFVNZ5uxyjVtG83SnsZHKbkwZcc5OXNvezWBpOd9pJ9ygVotrOnPlFNr1IJPe3j3HTqNQIDNFJE50Qi5uzGgEEsfiuScyTvPUpPJ45ya2FOOWa3NTpzWdnY6XsxWH+iXlWDkEP01qDFUTvm517DIQS0NBFw0NvnxsFXnbKUscTtWmWqlvSVLNTw6+s7+gNEMpIWwsJIbclx2uJNy427fYpYQUI4I5t1cyuKrqy2/I+dYdBxVkfNy3Fjdrm5OabWuL9uwpUpqawZtaXdS1qZ9P/AGukhw5Lxc3qDhO20YuR2l1vYq3ki3nafKKWGimsev8APqdKu5OqZ8bGRudHhxYnABzn4gPGJ4WyAyzW8raDWC0FWjl24hUc54Sx2akuol1NFgY1u3C0C/YLKyjjSeLbMqGAgCAIAgCAIAgCAIAgCAIAgCAICL6e10gpahkDgbkt5x9jhY05gm2bjsyHHuVqlaTqwc1/sq1runSmoS2nSg1ko3+LUwn/ABGg+YlROhVWuL4EqrU5apLibf8AKEH97H6bfvWmZLcyTORqVGstGzxqmEdXONJ8wN1vG3qy1RfAjlWpx1yXE80XrLSVLiyGZrnD8nNpPW0OAxDrCzUt6tNYyiYp16dR4RkmdZQkx7ZAEAQEV111alrBEI5cAa7pNdmy2fTsNrx/HcoK1J1MMGdTJl/C0cnKGOOp7erqZ0tW9XoqOMtjuXOsXvPjOI2dgGdh1neSVvTpqCwRWvL2pdTzp9i2L83nYUhUCAIAgCAIAgCAIAgCAIAgCAIAgCAIAgCAIAgCA+JZA0EuIAAuSTYAcSSmsEfGt8cjzHRxyVThtLAGxt63SPsLdl77lZ8llFY1Go9evgQK4jJ4Q09XedOjlqSQZY4mDg2RzyP9MBQyUNjfDxJVnbTU0/qvTVgBmacYFg9pwuA4X2EZ7CCpKNxUo+yyKtb06y9dEOq+Sw3/AAVQLcHsz9Jp/gr8cqe9HgznzyTH9MjQPJdU/wB7D/m+FSedIbmR+ap+8bVPyWSfl1DAPzYy72lwWksqLZH5m0ck75fIkGjOTmjiIc/HM4G4xus2/wBVtvbdVqmUKs1gtHUXKVhRpvHWyXsYAABsAsFRLp7dAasWkGOmfCD042se4fmvLw034/g3ZdnELZxaipbGYTWOBtrUyEAQBAEAQBAEAQBAEAQBAEAQBAEAQBAEAQBAEAQBAEBHdddX5K2ERxy4C12Ig+K/LIOtnkcxt7OFm1rqjPOaxK11QdaGangQvRugNMUJPycNcHG7mtc1zT12fhN+yyv1K9pX9vFfnQc+lb3Vv7GDR2Ga2aTj/H6Oc7iWYvcA/wB6g8lt5ezU4/iLXlNePtU+DMo5RLfjKKpbl9H4g3JY8gx1TjxM+W4a4S4DwnUw8aGoHa1nxp5uqbJIx5wgtcZcAOU+kOyKc9jWfGnm2rta/Owz5wp7nwPpvKREfFpal3Yxp9zljzfJa5x4mfLV7kuB9s11qH/itHVJ+tdg85YsO0gvaqL6mVdTeqm/oZo9KaWk8Wjih65ZsXsZmtXTto65t9S7zZVK8v0Jdb7jZj0ZXSZ1NYI27208YZ3c5Jd3mAWjqUV7EMet/ZYG6hUftS4GGDS9FS/gaUGeZxuWRHnZHu2YpJCbcLuc7ILLpVanrz0Lp0cF3BVKcXmx0v8ANZJqXHhHOWxWGLDsvvAJzI61V6idGVAEAQBAEAQBAEAQBAEAQBAEAQBAEAQBAEAQBAEAQBAEAQGCqhe7xHlhHUHA9oI9xCymlrRho5zo64eLJTvHXG+M+cSOHsUmNLc+K7jX1+gwOn0kP7PSu6xUPb7DCfet82h70uC7zXGpuXHwMXyzSQ/sdP3VJ/6Szm0Pff8AHxMOVT3Vx8Dx1bpQ7KWnb21Dj7owmZb+8+HiM6ruXHwMbjpl2wUTO+Rx9y2/4q958Eaf8h+6uLPh+h9KSePXsjHCKAe9xuEVW3Wqnj1sw6dZ654dS7zwaixvzqqioqep8hDe5rdnnWfLJL2IqPUh5LF+22+3uJBo3RUFO3DBGyMb8ItfrJ2nvVadSc3jJ4liEIwWEVgbq0NggCAIAgCAIAgCAIAgCAIAgCAIAgCAIAgCAIAgCAIAgCAIAgCAIAgCAIAgCAIAgCAIAgCAIAgCAIAgCAIAgCAIAgCAIAgCAICOaw660lGS2R5dIP6uMYnDtzs3vKjlUjHQdGzyVc3SzoLBb3oXj2EXfyuxX6NM8jrkAPmwlR8/0HWXJmphpqLgz58LrPJXesHwpz/QZ9GJ/EXDxHhdZ5K71g+FOf6B6MT+IuHiZqblbgJ/CU8jRxa5r/YbIq63Gk+TVZL1Zp8V3k00Jp6nq24qeQPttGxze1pzCmjNS1HDubOtbSzascPzYzovdYE8BdbFdLFlaDleZ5K71g+FVlcY7D0/oxP4i4eI8LrPJXesHwrPP9A9GJ/EXDxHhdZ5K71g+FOf6B6MT+IuHiPC6zyV3rB8Kc/0D0Yn8RcPE7ur3KJSVThG7FDI42aH2wk8A4ZX7bLeNaMtBQvMh3NvHPXrLo2dhMFKcYIAgIFrNylxU0zoYoueLDZ7seFoO9oyNyNh2ZqCdZJ4JHfscg1Likqk5ZqerRj27CTasawRV0POxXFjhe07Wu4G27YQVJCaksUcy9sqlpV5ufY96OutymEBqaS0jFTsMkz2sYN7j7ANpPUFhySWLJaNGpWnmU1iyEV3KxTNJEUUkgG82YD2XufOAoXXWxHdpcm7iSxnJL5+BqeF1nkrvWD4Vjn+gm9GJ/EXDxHhdZ5K71g+FOf6B6MT+IuHifcPKwHua1lI9znENaBILkk2AHRTn+g1nyblCLlKqsF0eJKda9Z/kMEcskWIveGFofaxLHOPSw5+LbYpJzzVjgcmwsPLKrpxlhgsccOlL7mHUzW9ukOdwxGPm8O12K+LF1D6PtSnUz9hJlLJjss3GWOOOzDUSdSHLCAIAgOTp7WOmo23nkDSfFaM3nsaN3WclpKcY6y3a2Ne6eFKOPTsXaQ2flchB6FPI4cXOa0+YXUXP9B24cmarXrTS7G+4xeF1nkrvWD4U5/oNvRifxFw8R4XWeSu9YPhTn+gejE/iLh4nS1e5RDWTshipXXdm5xkFmtG1x6P/kkDeto1s54YFW8yJ5LSdWdRcNb3aydKY4JC+UvWp1HE2OE2mlvY/QbsL+3cO87lDWqZqwWs7eRcnK6qOdT2Y/N7u8rLVTVWfSD3YThY0/hJXXOZzsPpO37e05i9eEHLUepyhlKlYwSaxb1JbvsixqfkqogOk+Zx44mjzANU6oR3nmp8o7pvQors8TL4LaDjN6Y+FZ5iJr6Q3n7eHiPBbQcZvTHwpzER6Q3n7eHiaOkuSenLTzEsjHbsdnt77AHvusOgtjJqPKSvF/8AyxTXRofcVy5tVoyq3xyxndm1zT+8w/8AdiFX9aL6T0ydvlC33xfFP7NfmgvPQGmW1lK2ZuWJpDm/RcBZzfP7LK7GWdHE8Dd2srWu6Utj4reUDoClbNUQRvvhkkY11sjYuANlQprHBdR9Du6sqVCdSOtJst/wW0HGb0x8Kt8xE8d6Q3n7eHiPBbQcZvTHwpzER6Q3n7eHieHktoOM3pj4U5iI9Ibz9vDxK6151TNBK0BxfFICWOO3K12utlfMZ77qCcMxnpclZSV7B4rCS196LS5NNMuqqJpkN3xOMbidpsAWk9eFwz4gqxRlnR07DyeWrSNvdNR1S0r86yVqU5JF+UHWT5FTHAfw0t2xDhxk7r+chR1Z5q0azqZJsPK6+EvZWl93aU5q9q9PXOlEWZjYXuJ3nPCy/wBJxB28CqkYOWhHtb2+pWajn7Xh2b+pG5qNrEaGpBfcRP6EwtsF8nW4tJ82Ib1mnPNeJBlWxV5Q9X2lpXd29xfrHggEG4OYI2EcVePnrTWhmKtqmxRvkkNmMaXOPUBcrDaSxZvTpyqTUI628CgNYNMz6SqQbOOJ2GGIZ4QTk0D6Ryuf4AWpSk5vE+h2dpRsKHUsW9/huX3JxoTkoZhBq5XYjtZHYAdRcQb91lLGh7zODc8pJ52FCKw3vu/2dfwW0HGb0x8K35iJU9Ibz9vDxHgtoOM3pj4U5iI9Ibz9vDxN7QmoVHSzNmjDy9t8ON2IAkWuBYZ7fOsxpRTxK91li5uKbpzawe5HI5aP5nF+0D/akWtfUusucmv7mX+L+qObyI/2r/C/5FihtLPKfXT7fsWkrB5UIAgOHrjp9tDTOlIBcejG073G9u4WJPYtKk81Yl7J9m7uuqa1a31FI6PoarSVSQCXyP6T3uOTR9Inc0bAB1AKmk5SPdVq1vk+hp0RWhJbfzayyKDkopWtHPSyvdvw2Y3uFifarCoLazzNXlJcSf8A8cUlx/OBt+C2g4zemPhWeYiQ+kN5+3h4jwW0HGb0x8KcxEz6Q3n7eHidvVvVWmocfMB132xFxxGw2AZCwzJ/8BbwpqOooXuUa93hzr1bjuLcolD8qNSX6RmB2RiNjezm2u973edUqrxmz3+QaajZRa2tv54fRFt6jULYaGma0WxRNe7rc8B5Ptt3BWqawijx+U60qt3Uk97XYtB3VuUAgCAICuOWigaYIZrdNsmC/wCa5pNvO0ecqvXWhM9LyarSVaVPY1j2r/ZrcjVSTFVx7mlrx2ua4H9wJQ2knKSmlUpz34rg/EgGqX89pf18f74Vel+nsPQ5R/tan+L+hf2kNOU0Dg2eaONxFwHuw3HEX2q9KcY62fPaNpWrLGnBvqWJrfO2g8qh9YFrzsN6JfNt38KXBnh1uoPKofTCc9T95Dzbd/ClwZVnKbrTFWSRsgzjixdO1sTnWvYHOwA277lQVZqT0HrMh5OqWsJTq6HLDRuSJxySaOdFRY3C3PSF4H5tmtB78JPYQpaCwjjvOFygrxqXeEf0rDt1/cmNVUNjY57yGtY0ucTsAAuSpW8FiziwhKclGKxb0H591l0xJpCrLwCcTgyFm8C9mt7STc9ZVKUnJ4n0WxtYWNvmvZpb/NiLq1O1fbRUzYsi89KV3F5GfcNg7FapwzI4Hhso3ru67qbNS6vzSyuOVfVrmZvlMQ/BzHp22Nk237HZntDuIUFaGa8VtPTcn7/nafMTfrR1dK8Pod7kl1m5yP5JKenGLxE72b2drd3V9Vb0J/pZz+UGT+bn5RBaJa+vf2/XrOpysVJZo94H9Y9jD2Xxf/BbV/YKmQKalepvYm/t9yH8jVA19TLK7MxRgN6i8kF3bZpH2io6Cxkztcpa0o0YU1+p6ez/AH8i4laPGBAEAQFf8tH8zi/aB/tSKCvqXWeh5Nf3Mv8AF/VHN5Ef7V/hf8ixQ2lnlPrp9v2LSVg8qEAQFUctdSecpo9wa9/eSB/A+dVq70pHreTNNZtSe3QiNao64uoGPbHCx7nuBc5xINgLBuW4ZnvKjhNw1I6mUclK9mpSm0ktX3O/4W5/J4/Sct+fluOf6M0viPgh4W5/J4/ScnPy3D0ZpfEfBDwtz+Tx+k5OfluHozS+I+CJhqLrLUV4e+SFkcTeiHAklztpAvuA29o61LSm560cXKthRs2oRm3J/JeJLVKcgpPld0aY63nbdGdjSD+cwBjh5gw/aVOssJY7z3PJ2up2vN7Yv5PT3k65MdPsqKRkRI52BoYW7y0ZMeOq1gesdYU1GWMcNx5/LdlKhcOf6ZPHt2omSmOMEAQBAVJyv6fZI5lLGQeadjkI2B1rBnaAXX7R1qrWli8Eev5O2coKVeW3Quredfkj0aWUk0zhbnnHD9VgIv5y7zLegtDZT5Q11O5jTX6V834YFaapfz2l/Xx/vhVqX6ew9PlH+1qf4v6F96waBhrIjFM242tcPGafpNPH3q9OCksGfPrS7q2tTnKb8esovWnVeahkwyDEw+JIB0Xfc7iPftVOcXF4M9/YZRpXkMY6Gta3eHSa+gNCvq5OajkiY/8AJEji3FxDbNNz1LCTbwRJeXkbWGfOLa6Fjh16SwtXeSvC4PrJGvAN+bjvhP1nEA26gO9TRoe8ebvOUblFxt44dL19i8SzGMAAAAAAsAMgBwCsnmG8XiyreVzWa5+RxHZZ0xHnbH7nH7PWq1af6Uer5PZP/wDszXRH7v7LtObqBoh8MMmkeZ57mgeZjxYSbZSSA4TmBcAb+lvstaccFn4aixli6jVqxss7Nx1vX1LZr29h1fC+PJP9b/8ANb+UdBV9GH8X/wDPiael+UyKphfDLRkse2x/DC43hw/B7QbEdi1lWUlg0TW/J+pQqKpCrpX7fHaQHR9a+CRksRs9jg5p6xuPUdhHAqFYrSj0VajCtTdOa0PQXFrFO3SeiHywjpAB+HaQ5hu9nbbFbjccVZm8+nijxNnB5PyioVNWrHoepkB5NNPtpKr8KcMUzcDidjTe7XHqvcdWK+5Q0pZsus9Fluylc2+MFjKOnr3r83F7NN1dPAnqAIAgK/5aP5nF+0D/AGpFBX1LrPQ8mv7mX+L+qObyI/2r/C/5FihtLPKfXT7fsWkrB5UIAgKz5aNGlzIJ2jJhcx/VisWnsuCO8KvXWpnp+TVdKc6L26V2Ee5N6DR9S58FXHeUnFETI9uIWzYA1wFxa/E3PBR0lFvCR0stVry3Sq0JerqehPDp0rbq/wBlh+DvRnk/+rL8an5mG48358vvifKPcPB1ozyf/Vl+NOZhuHny++J8o9w8HWjPJ/8AVl+NOZhu+pnz5ffE+Ue4kOjaCOnjbFC0MYwWa0dtzmcybkm54qSKSWCObWrTrTdSo8WzZWSM4+tWgI66AxPyO1j7XLXDYbbxuI3g7tq0nBSWDLljeztKqqR7VvRR+lNEVmjZgXB0bgehKwnCfqvH7pzttCpyTg9Og93Qura/p4LBranr4ff5nWp+UzSDWgF0b+t0Yv8A5SB7Fvzs95Tnyes5PFYrqffiZfCjX/ofVn4k56p0cPE19HbTfLiu4eFGv/Q+rPxJz1To4eI9HLTfLiu40tJ8oVfM0tMgjBFjzbcJP2s3DuIWJVZNaWT0Mh2dKWdm49bx+Woy6n6jT1jg+QOjgvcvIsXjbZgO2/0tnbsSFNy6jTKOWKVrFwptOe7d19xdjKZscWCMBrWswtA2AAWAVxJJYI8K5ynPOk8W3ifnnVL+e0v6+P8AfCoUv09h9Hyj/aVP8X9D9HroHzU1dJ6OiqI3RTND2OGYPsIO4jcQsSipLBktGtOjNVKbwaKR1y1NloH42Fz4SRhkHjNN8mvtsPB2w9WxU6lNx6j3WTcq072OZPBT2rf1dxK9ROUTFhgrnAOyDJjkDwbJwP52/fxMlOtskcfKuQ8zGrbrRtju6u7gTDXHWBtFTOlyLz0Ym8XEZdw2ns61NUnmrE42TrKV3XVPZrfV+aCk9XdEyaQqwwkkvcXyv3ht7uf252HWQqkYuTwPdXtzCxts5LVoS6diP0HSUzImNjjAaxjQ1o4ACwCupJLBHzqc5Tk5yeLekidRyZ0D3OdaRuIk2a+zRc3sBbIdSi5iJ14ZevIxUcVo6DH4LqD9L6f/ANU5iJt6Q3m9cDja28m0MdM+Sk5wyR9Itc7FiaAcQAt428dlt60nRSWKLuT8vVZ11CvhmvRqwwezsI1ybazfJKjBIbQzEB19jXbGv7Nx6jfctKU819DOnlvJ/lNHPgvWj81tXd4nU165PpI3umo2F8RN3RtHSYd+Fo2s6hmOxZqUmnitRVyVluE4qlcPCS1N7evp+vWR3Q2uddSDBHLdjcgyQYgOoX6Q7AbLSNSS0JnSuck2ly8+UdL2rRj9jq+FGv8A0Pqz8S256p0cPEqejtpvlxXcPCjX/ofVn4k56p0cPEejlpvlxXcZqPlH0lK9scbYXPe4NaBGcyT9ZOdqdHDxI6uQbKlBzm5JLTrXcSLlZik/k+DnCHPbMznHNFm35uQEgbhc2CkrY5qxObyflDyyeboTi8MetfYrzVvWmoocfMYPwmHFibi2XtbMcSoYzlHUelvsm0bzN5zHRue87fhRr/0Pqz8S256p0cPEoejlpvlxXcPCjX/ofVn4k56p0cPEejlpvlxXcPCjX/ofVn4k56p0cPEejlpvlxXcTfVCoqdJU0prms5mQFjGtbhLuL73Ow5DrB4KWm5TTztRwco06NhXirZvOjpbbxw6NXErnWrU2poXlwDnwg3bK3dwx28Vw47OHVBOm469R6awyrQu45ssFLant6t66NZloOUXSETcPONkA2GRocfSFie03WVVnsZpWyDZ1Hjg11P/AH8ja8KNf+h9WfiWeeqdHDxIvR203y4ruHhRr/0Pqz8Sc9U6OHiPRy03y4ruOzqlrnpKtqWRDmg3xpHCM9Fg2nxtpyA6yFtCpUlLDRwKOUclWVpQdRuWOpLFaXw4lpK0eTPpDJ8yMDgQ4Ag7QRceZDKbTxRyn6r0JNzSwX/VM+5ac1DcuBaV/dLQqkv5M8+atB5JB6pv3LHNQ91cDPnC6+LL+THzVoPJIPVN+5Oah7q4DzhdfFl/JmWm1epIzijpoWu3ERtB7ja6yqcVqSNJ3lxNYSqSa62dNblY8IugOVDqzRMcHNpYGuaQWkRtBBBuCDbatFTgtKSLUr65knGVSTT6WdZblUIDHPA17S17Q5rhZzXC4I4EHaEax1m0ZOLUovBo5fzVoPJIPVN+5R81D3VwLXnC6+LL+TM9RoKlkaxskET2xizA5gIaMsmgjIZDZwC2cIvQ0Rwuq8G5Rm03rwb09Zk0foinguYIY4sVsWBgbe2y9h1pGEY6ka1birWw5yTeG94m6tiEIAgCA4/zVofJIPVN+5R81DcuBc84XXxZfyZ1o2BoAAsALAcANgUhUbxeLNKt0LTTG80EUh4vja4+ci61cIvWialdVqSwpza6m0a3zVoPJIPVN+5a81D3VwJfOF18WX8mPmrQeSQeqb9yc1D3VwHnC6+LL+TM1JoCkieHxU8LHi9nNjaCLixsQOBWVTinikjSpeXFSObOcmtzbN2op2SNLJGh7XCxa4AgjgQcitmk9DIIzlCSlF4NbjmfNWg8kg9U37lpzUPdXAtecLr4sv5MfNWg8kg9U37k5qHurgPOF18WX8mPmrQeSQeqb9yc1D3VwHnC6+LL+THzVoPJIPVN+5Oah7q4DzhdfFl/JnUp4GsaGMaGtaAGtAsABsAA2BbpYairKTk3KTxbPshZNTmT6uUbyXPpoHOO0mJtz2m2a0dOD1pFqN7cwWEakkutmP5q0HkkHqm/csc1D3VwNvOF18WX8mPmrQeSQeqb9yc1D3VwHnC6+LL+TNvR+iYIMXMRRxYrYsDA29r2vYZ7T51tGEY6kQ1birWw5yTeG9tm6tiE/9k="/>
+          <p:cNvSpPr>
+            <a:spLocks noChangeAspect="1" noChangeArrowheads="1"/>
+          </p:cNvSpPr>
+          <p:nvPr/>
+        </p:nvSpPr>
+        <p:spPr bwMode="auto">
+          <a:xfrm>
+            <a:off x="168275" y="-144462"/>
+            <a:ext cx="304800" cy="304801"/>
+          </a:xfrm>
+          <a:prstGeom prst="rect">
+            <a:avLst/>
+          </a:prstGeom>
+          <a:noFill/>
+          <a:extLst>
+            <a:ext uri="{909E8E84-426E-40DD-AFC4-6F175D3DCCD1}">
+              <a14:hiddenFill xmlns:a14="http://schemas.microsoft.com/office/drawing/2010/main">
+                <a:solidFill>
+                  <a:srgbClr val="FFFFFF"/>
+                </a:solidFill>
+              </a14:hiddenFill>
+            </a:ext>
+          </a:extLst>
+        </p:spPr>
+        <p:txBody>
+          <a:bodyPr vert="horz" wrap="square" lIns="91440" tIns="45720" rIns="91440" bIns="45720" numCol="1" anchor="t" anchorCtr="0" compatLnSpc="1">
+            <a:prstTxWarp prst="textNoShape">
+              <a:avLst/>
+            </a:prstTxWarp>
+          </a:bodyPr>
+          <a:lstStyle/>
+          <a:p>
+            <a:endParaRPr lang="ko-KR" altLang="en-US" b="1"/>
+          </a:p>
+        </p:txBody>
+      </p:sp>
+      <p:sp>
+        <p:nvSpPr>
+          <p:cNvPr id="7" name="AutoShape 6" descr="data:image/jpeg;base64,/9j/4AAQSkZJRgABAQAAAQABAAD/2wCEAAkGBxISEhQUERQWFRUVFRgYFhgYFx4XGhwcHRQXGBoVGhkYHCggHhorIBUWITEhJikrMi8wFx80ODcsNygtLisBCgoKDg0OGxAQGy0mICQsLCw4NC8sLCw3Ly8sLCwsNCwsLywvMiw0LCwsLCwsLC0vLCwsLCwsLCwsLCwsLCwsLP/AABEIAK8BIQMBEQACEQEDEQH/xAAcAAEAAgMBAQEAAAAAAAAAAAAABgcDBAUBAgj/xABREAABAwICBQYJBgkLAwUAAAABAAIDBBESIQUGMUFRBxMiYXGBFzJUkZKTobHSFBZScoLRIzNCYmNzdLLBFTQ1Q0RTg6Kjs8PT8PEkVcLi4//EABsBAQACAwEBAAAAAAAAAAAAAAADBAECBQYH/8QAPxEAAgECAQcHCwMEAwADAAAAAAECAwQRBRIhMUFRkQYTYXGB0eEUFRYiMlJTobHB8EJikjM0cvEkNcIjRKL/2gAMAwEAAhEDEQA/ALxQBAEAQBAEAQBAEAQBAEAQHKj0lasfTu3wtlZxtjcx47iGH7R4LTP9bNLDoPmFWW/NfBNffgdVblcIAgCAIAgCAIAgCAIAgCAIAgCAIAgCAIAgCAIAgCAIAgCAIAgCAIAgCAIDwlAQahquf03I5mbIKd0ZO64c249Jzh9gqtF51d9CO3Up81kuKlrnPHsw/OJOlZOIEAQBAEAQBAEAQBAEAQBAEAQBAEAQBAEAQBAEAQBAEAQBAEAQBAEAQBAEBENedbW0rDFEQZ3DtEYI8d3XwHfs2169ZQWC1nXyXkyVzLPn7C+fQvu9nWffJ5oF1NAXyAiWaznA7WtF8LT+dmXHrceCzb082OL1sxle9VxWzYezHQvu+7oRLFOckIAgCAIAgCAIAgCAIAgCAIAgCAIAgCAIAgCAIAgCAIAgCAIAgCAIAgPCUBANb9ewzFFSEF4ydLta3iGbnO69g69gqVrjDRA9Dk3IzqYVa+iO7a+vcvn9TDqTqc4uFVWA3vjYx2bidvOyXzvvAPac8hihQ058zfKmVY5vk9vq1Nr6Lo3vb1a5VpzWmmpejI4ukNrRMGOQk7BYbL7r2urE6sYa9ZyLXJ9e50wWEd70JdvceUElXP0pGimjOxmT5j1uceizssTntCRc5aXoMVo29L1YPPe/Uuza+vR1M7jQpCmeoAgCAIAgCAIAgCAIAgCAIAgCAIAgCAIAgCAIAgCAIAgCAIAgCA8KArTlB1tLnOpoHWa3KZ42k74weA3nectxvSuK36Ynp8j5LWCuKq6l939uJ0dRdTREG1FS28pAMbCMoxuJH957t3Fb0KGb60tf0K2VcrOs3SpP1dr97w+utmHXTW+QSfJaK5kuGve3N2I5c3H+dnm7d23IxWrvHMhrN8mZLpuHlFz7OtLo3vo3Lb9evqhqiylHOS2kqHZuecw0naGk534uOZ6hkpKNFQ0vWUsoZTncvMhogtS7+7UvmSpTnLCAIAgCAIAgCAIAgCAIAgCAIAgCAIAgCAIAgCAIAgCAIAgCAIAgCA+Jr4TbbY27dyGVrKU1IouerYWyZ2cZHg7y0F2f2rHuXMoxzqixPcZVq81ZydPbgl1PwLj0pOY4ZXt2sje4doaSPculJ4Js8VSip1Ixe1pFQahSNFfAZDckvsT9MsdYnrNz3lc63a5xYntMsQl5HJQ1LDgn/oukLpHhz1AEAQBAEBjEzb2xC/C4QzgzIhgIAgCAIAgCAIAgCAIAgCAIAgCAIAgCAIAgCAIAgCAIDwoCstYKE6Or46toPMPkJdb8kuBEjT1HEXjrBHBUqkeaqKew9PZ1lfWUrV+2lo6cNXcWR0ZGbnNc3tBBHusVc1nmdMX0oozTWjH0k7ojcFhBjdvLb3Y8Hjl3EFcqcHCWB9AtLmF1QU9+hrp2r82Fsal6f+WU+J2UrDhkA2XtcPHURn1G43Lo0amfHHaeOylZeS1s1ey9K6vAkKlOeEAQBACgKV1dYP5WYbC/yubPvlXNp/1u1/c9veN+a2v2Q/8AJdS6R4g8ugF0AugPUB5dAe3QHl0AugF0B6gCAIAgCAIAgCAIAgCAIAgCAIAgCA1q+jZNG6ORocxwsQf+8j1rDSksGb06k6c1ODwaODq5FJRv+SSkvizNNIeG0wO4OAzHEXtssoqacPUerZ3F68nC5XPx0S/Uun3l0PbufWYOUnRjJKR0pHThs5ruouAc3sIN+0Ba3EE4Y7ibItxKncqC1S0P7PsOfyT0L2xzTOBDZS1rOsMxXcOq7yPsrW1i1FveWeUFeMqsaa1xTx7cNHy+ZPlaPPhAEAQHhQFMavf0rH+1ze+Zc2n/AFu1/c9tef8AWP8Awh/5LF1uir3iNtC5rL4uccbAjxcNiQbDxtgvsVyqqjwzDzOT52kXJ3Kb3fmj6kZm1J0i4YnVhLuHOy28+7zKB0KmvO+bOtHK9jHQqOj/ABj+fM1NVtY6qCqbTVL3PaZOacHnE5jibNcHnMgkjaTkbjr1pVZxnmSJcoWFvWtncUFg8MdGjFbdHQbnKXPUQzRvimlYyRhFmvIaHNPAHaQ4eiVtcuUWmmQ5ChQqwlCcE2njpWx/nzJlqtpH5RSwynxiwB31m9F3tBVqnLOimcS9ocxXnT3P5bPkQjlL01NHUsZDLIzDDicGOLblznWvbabM9qq3M2pJJneyFaUqlGU6kU9OGlY6l4kqroaxtDG2mdeoDYw5zyCTkA9135Xzvc32KxJTzPV1nGoztndOVZepi9C+Wojb9TtJy5y1nS4CWS3+UNHmCg5iq9cvqdZZUsKeiFHR1R++L+Zxm6YrtGT4Jnuka2xcxzzI1zD+UxzswcjbZmMwos+pSlhIuu1tMoUc+lFJ9Cwwe5paC0Kaj6YlbJIWuFwwuu3O5vb7XZkOC6HSeQlLRmtHQWTQIAgCAIAgCAIAgCAIAgCAIDW0jXxwRmSZ4Yxu0nzAdZ6gtoQlOWbFYs1nNQWdLUQw6/meZsFFG3E8kCSd2Buwm+EZnIcQepXvIebhn1X2Ioq/VSeZTXa9BJKTRtQbGeqc472xMbGz2hz/APMqkpw/THi8fD5F2MZbWdZjbC3vNz5yojc8kjDtovmDnxBuD50BzdOaL+UtEUhtDcOeAbF9jcMvubcAk7Ta2S0nDPWD1Fi2uHQlnx9rZ0dPXuNh1XBC0NL442tFgC5rQABsAvssFJGEnoiivOpi3KTMVJp2nmdhhkEpG3m7vA+s5oLR3lbypTivWWHXoNI1Iy1PEV+ho5r84ZD1NlfGB2CNwHebrEKkoasOCf1MyinrILrA+p0TNG+GWSWnkJHNyuL7EWuzEcxcZgjgb339Kgqd1FxkkpLatBzbidS1kpJ4xexliaPq2zRslZm2RjXt7HAEd+a5kouLcXsOnGSkk0ZytTJTGrv9Ks/a5vfMubT/AK3a/ue2vP8ArH/hD/yWtpzTkFIzHM61zZoAu5x4NH8dgV+c4wWLPJW1pVuZ5lNY/brIj4Q5JD/6aikkFznc/wDGxwB71X8qb9mJ2PMcIf1q0Y8Pu19CH1FW+XSDZJIzE99TAXRm929KIWNwDmADsG1V85yq4tYaUdlUo0snuEJZyUZad+t9P1LF5SaDnKJz98LhIOwXa/8Ayuce5XLiOMOo81kavzV3FbJerx1fPA5PJPX3ZNAT4rhI3scMLh52g/aUdpLQ4lzlDQwqRqrasO1eH0I/Wj5bpYtGbTOG/YiHS7jzb/SUT9et2/Q6FL/iZMx25uPbLV8mi1tIV8dPGZJnBjG7SfYANpPABXpSUVizyVGjOtNQprFshs3KPicRS0sktjvuO+zGuIHbZVndY+zHE7kcguKTr1Yx/Oloh2uelJamUPmgMDhFhDTfMYnHF0mt4kbNyr15ub0rA7eSranbxcac89N9H2bLl0Z+Ji/Vs/dC6UdR4ep7b62bKyaBAEAQBAEAQBAEAQBAEAQBAYaykZKwsla17Dta4XB7isxk4vFPSYlFSWDIrWcnFC++Fskf1X3HmfdXI5QrR24lOWT6EtOGHUajdQ2NOCKuqWkC5aH7BuNm2tsW3lzemUI8DHkeGhTlxM/zHm/9xqvSd8ax5ZH4cTbySXxJcTxuoT79Kvqz2SEe8lZd6tlOPAwrN/ElxPpnJzT/ANZNUSfWkH8GrXy+eyMV2GVZQ2tvtN6j1E0fHsga4/nkv9jjb2LSV7Xl+r7G8bSjH9P3O/S0rI2hsbWsaNjWgNHmCrNuTxZYSSWCMywZKy5TK41M8FFTjHI1xLgPpkWa2+6zS4ngCF1bCHNxlWnqOVlCTqyjRhrLA0NQiCCKEG/NxtZfjZoBPec1zak8+blvZ04RzYqK2G6tDYpfV7+lY/2ub3zLm0/63a/ue2vP+sf+EP8AybXKfK41pDibNhZhHUS4kjrJ/dHBbXPt6dxFkKOFo3HW2/klgWhSTwMha6NzGwhgLSCAwNtlnssryaS0ajyc41JVGpJ52PbiVHpOsZNpTnIjiY+qgwnjYwtJF912lc9yUq2K3o9lSpTpZNzJrBqEvniy5amEPY5js2uaWkdRFj710WsUeJjJxaktaKU0JXvoKl5dcuY2aIjiQDhPe5jO4rm05c1N9p7m7oq+to5u1xfVjr+r4Ej5KdGl0ktQ7PAObaTvc6znntsG+kVNax0uTObygrqMYUI9fYtC+5m5W5XXpm/kHnHH6wwAexzvOs3behGnJ2McaktuhdmnuRJNRHQihh5vCOgOc2Xx/l4uu91NQw5tYHKyoqnlc8/fo6tmHRgQHlL0hFNU3ieHhkWBxbmMQc8kA7DtGxVLmSlLQejyDQqUqLz1hi8VjuLY0Z+Ji/Vs/dC6EdR4+p7b62bKyaBAEAQBAEAQBAEAQBAEAQBAEBraQie+N7Y34HuY4Nfa+EkEB1uo5rMWk03pMSTaaRWNDHpbRpkww8817sTnWMuI2tiu0472A2jcuvN2txhpwa7PA5MPK7fHRnI2TylVLPxlIAesvZ7C0rXzdTeqf07zbzhUWum/zsPTypSbqQetP/TTzZH3/l4jzlLZTf52HyeUCvk/E0g6rMkk91k8goR9qf0Q8urv2af1MkFXp6ZzSGCMAg2cxjGnPYQ4l9uzNayhZQWGOP5wMxneyepIsCikl5sGdrGvt0gxxe3ZuJaD3WXNlm4+rqOmscNJytJTVk/QpWiBpydPKOl/hxbb9b8PZvUsFThpnp6F933Ec8+WiOjpMmreq8FGCWXfI7x5X5vdc3Oe4Xztv33KVridXXq3GtG3hS1a3tO4oCc166sZDG6SQ4WMBc4ngP49Sw2ksWb06cqklCKxbKj1EhdPpCOS3iukmf1YmuFr/WkHmK51BOVTHrZ7HK0lRsebx15seGHcWJrPqrDW4S4uZI0Wa9vC98LgciPdc22lXatFVNZ5uxyjVtG83SnsZHKbkwZcc5OXNvezWBpOd9pJ9ygVotrOnPlFNr1IJPe3j3HTqNQIDNFJE50Qi5uzGgEEsfiuScyTvPUpPJ45ya2FOOWa3NTpzWdnY6XsxWH+iXlWDkEP01qDFUTvm517DIQS0NBFw0NvnxsFXnbKUscTtWmWqlvSVLNTw6+s7+gNEMpIWwsJIbclx2uJNy427fYpYQUI4I5t1cyuKrqy2/I+dYdBxVkfNy3Fjdrm5OabWuL9uwpUpqawZtaXdS1qZ9P/AGukhw5Lxc3qDhO20YuR2l1vYq3ki3nafKKWGimsev8APqdKu5OqZ8bGRudHhxYnABzn4gPGJ4WyAyzW8raDWC0FWjl24hUc54Sx2akuol1NFgY1u3C0C/YLKyjjSeLbMqGAgCAIAgCAIAgCAIAgCAIAgCAICL6e10gpahkDgbkt5x9jhY05gm2bjsyHHuVqlaTqwc1/sq1runSmoS2nSg1ko3+LUwn/ABGg+YlROhVWuL4EqrU5apLibf8AKEH97H6bfvWmZLcyTORqVGstGzxqmEdXONJ8wN1vG3qy1RfAjlWpx1yXE80XrLSVLiyGZrnD8nNpPW0OAxDrCzUt6tNYyiYp16dR4RkmdZQkx7ZAEAQEV111alrBEI5cAa7pNdmy2fTsNrx/HcoK1J1MMGdTJl/C0cnKGOOp7erqZ0tW9XoqOMtjuXOsXvPjOI2dgGdh1neSVvTpqCwRWvL2pdTzp9i2L83nYUhUCAIAgCAIAgCAIAgCAIAgCAIAgCAIAgCAIAgCA+JZA0EuIAAuSTYAcSSmsEfGt8cjzHRxyVThtLAGxt63SPsLdl77lZ8llFY1Go9evgQK4jJ4Q09XedOjlqSQZY4mDg2RzyP9MBQyUNjfDxJVnbTU0/qvTVgBmacYFg9pwuA4X2EZ7CCpKNxUo+yyKtb06y9dEOq+Sw3/AAVQLcHsz9Jp/gr8cqe9HgznzyTH9MjQPJdU/wB7D/m+FSedIbmR+ap+8bVPyWSfl1DAPzYy72lwWksqLZH5m0ck75fIkGjOTmjiIc/HM4G4xus2/wBVtvbdVqmUKs1gtHUXKVhRpvHWyXsYAABsAsFRLp7dAasWkGOmfCD042se4fmvLw034/g3ZdnELZxaipbGYTWOBtrUyEAQBAEAQBAEAQBAEAQBAEAQBAEAQBAEAQBAEAQBAEBHdddX5K2ERxy4C12Ig+K/LIOtnkcxt7OFm1rqjPOaxK11QdaGangQvRugNMUJPycNcHG7mtc1zT12fhN+yyv1K9pX9vFfnQc+lb3Vv7GDR2Ga2aTj/H6Oc7iWYvcA/wB6g8lt5ezU4/iLXlNePtU+DMo5RLfjKKpbl9H4g3JY8gx1TjxM+W4a4S4DwnUw8aGoHa1nxp5uqbJIx5wgtcZcAOU+kOyKc9jWfGnm2rta/Owz5wp7nwPpvKREfFpal3Yxp9zljzfJa5x4mfLV7kuB9s11qH/itHVJ+tdg85YsO0gvaqL6mVdTeqm/oZo9KaWk8Wjih65ZsXsZmtXTto65t9S7zZVK8v0Jdb7jZj0ZXSZ1NYI27208YZ3c5Jd3mAWjqUV7EMet/ZYG6hUftS4GGDS9FS/gaUGeZxuWRHnZHu2YpJCbcLuc7ILLpVanrz0Lp0cF3BVKcXmx0v8ANZJqXHhHOWxWGLDsvvAJzI61V6idGVAEAQBAEAQBAEAQBAEAQBAEAQBAEAQBAEAQBAEAQBAEAQGCqhe7xHlhHUHA9oI9xCymlrRho5zo64eLJTvHXG+M+cSOHsUmNLc+K7jX1+gwOn0kP7PSu6xUPb7DCfet82h70uC7zXGpuXHwMXyzSQ/sdP3VJ/6Szm0Pff8AHxMOVT3Vx8Dx1bpQ7KWnb21Dj7owmZb+8+HiM6ruXHwMbjpl2wUTO+Rx9y2/4q958Eaf8h+6uLPh+h9KSePXsjHCKAe9xuEVW3Wqnj1sw6dZ654dS7zwaixvzqqioqep8hDe5rdnnWfLJL2IqPUh5LF+22+3uJBo3RUFO3DBGyMb8ItfrJ2nvVadSc3jJ4liEIwWEVgbq0NggCAIAgCAIAgCAIAgCAIAgCAIAgCAIAgCAIAgCAIAgCAIAgCAIAgCAIAgCAIAgCAIAgCAIAgCAIAgCAIAgCAIAgCAIAgCAICOaw660lGS2R5dIP6uMYnDtzs3vKjlUjHQdGzyVc3SzoLBb3oXj2EXfyuxX6NM8jrkAPmwlR8/0HWXJmphpqLgz58LrPJXesHwpz/QZ9GJ/EXDxHhdZ5K71g+FOf6B6MT+IuHiZqblbgJ/CU8jRxa5r/YbIq63Gk+TVZL1Zp8V3k00Jp6nq24qeQPttGxze1pzCmjNS1HDubOtbSzascPzYzovdYE8BdbFdLFlaDleZ5K71g+FVlcY7D0/oxP4i4eI8LrPJXesHwrPP9A9GJ/EXDxHhdZ5K71g+FOf6B6MT+IuHiPC6zyV3rB8Kc/0D0Yn8RcPE7ur3KJSVThG7FDI42aH2wk8A4ZX7bLeNaMtBQvMh3NvHPXrLo2dhMFKcYIAgIFrNylxU0zoYoueLDZ7seFoO9oyNyNh2ZqCdZJ4JHfscg1Likqk5ZqerRj27CTasawRV0POxXFjhe07Wu4G27YQVJCaksUcy9sqlpV5ufY96OutymEBqaS0jFTsMkz2sYN7j7ANpPUFhySWLJaNGpWnmU1iyEV3KxTNJEUUkgG82YD2XufOAoXXWxHdpcm7iSxnJL5+BqeF1nkrvWD4Vjn+gm9GJ/EXDxHhdZ5K71g+FOf6B6MT+IuHifcPKwHua1lI9znENaBILkk2AHRTn+g1nyblCLlKqsF0eJKda9Z/kMEcskWIveGFofaxLHOPSw5+LbYpJzzVjgcmwsPLKrpxlhgsccOlL7mHUzW9ukOdwxGPm8O12K+LF1D6PtSnUz9hJlLJjss3GWOOOzDUSdSHLCAIAgOTp7WOmo23nkDSfFaM3nsaN3WclpKcY6y3a2Ne6eFKOPTsXaQ2flchB6FPI4cXOa0+YXUXP9B24cmarXrTS7G+4xeF1nkrvWD4U5/oNvRifxFw8R4XWeSu9YPhTn+gejE/iLh4nS1e5RDWTshipXXdm5xkFmtG1x6P/kkDeto1s54YFW8yJ5LSdWdRcNb3aydKY4JC+UvWp1HE2OE2mlvY/QbsL+3cO87lDWqZqwWs7eRcnK6qOdT2Y/N7u8rLVTVWfSD3YThY0/hJXXOZzsPpO37e05i9eEHLUepyhlKlYwSaxb1JbvsixqfkqogOk+Zx44mjzANU6oR3nmp8o7pvQors8TL4LaDjN6Y+FZ5iJr6Q3n7eHiPBbQcZvTHwpzER6Q3n7eHiaOkuSenLTzEsjHbsdnt77AHvusOgtjJqPKSvF/8AyxTXRofcVy5tVoyq3xyxndm1zT+8w/8AdiFX9aL6T0ydvlC33xfFP7NfmgvPQGmW1lK2ZuWJpDm/RcBZzfP7LK7GWdHE8Dd2srWu6Utj4reUDoClbNUQRvvhkkY11sjYuANlQprHBdR9Du6sqVCdSOtJst/wW0HGb0x8Kt8xE8d6Q3n7eHiPBbQcZvTHwpzER6Q3n7eHieHktoOM3pj4U5iI9Ibz9vDxK6151TNBK0BxfFICWOO3K12utlfMZ77qCcMxnpclZSV7B4rCS196LS5NNMuqqJpkN3xOMbidpsAWk9eFwz4gqxRlnR07DyeWrSNvdNR1S0r86yVqU5JF+UHWT5FTHAfw0t2xDhxk7r+chR1Z5q0azqZJsPK6+EvZWl93aU5q9q9PXOlEWZjYXuJ3nPCy/wBJxB28CqkYOWhHtb2+pWajn7Xh2b+pG5qNrEaGpBfcRP6EwtsF8nW4tJ82Ib1mnPNeJBlWxV5Q9X2lpXd29xfrHggEG4OYI2EcVePnrTWhmKtqmxRvkkNmMaXOPUBcrDaSxZvTpyqTUI628CgNYNMz6SqQbOOJ2GGIZ4QTk0D6Ryuf4AWpSk5vE+h2dpRsKHUsW9/huX3JxoTkoZhBq5XYjtZHYAdRcQb91lLGh7zODc8pJ52FCKw3vu/2dfwW0HGb0x8K35iJU9Ibz9vDxHgtoOM3pj4U5iI9Ibz9vDxN7QmoVHSzNmjDy9t8ON2IAkWuBYZ7fOsxpRTxK91li5uKbpzawe5HI5aP5nF+0D/akWtfUusucmv7mX+L+qObyI/2r/C/5FihtLPKfXT7fsWkrB5UIAgOHrjp9tDTOlIBcejG073G9u4WJPYtKk81Yl7J9m7uuqa1a31FI6PoarSVSQCXyP6T3uOTR9Inc0bAB1AKmk5SPdVq1vk+hp0RWhJbfzayyKDkopWtHPSyvdvw2Y3uFifarCoLazzNXlJcSf8A8cUlx/OBt+C2g4zemPhWeYiQ+kN5+3h4jwW0HGb0x8KcxEz6Q3n7eHidvVvVWmocfMB132xFxxGw2AZCwzJ/8BbwpqOooXuUa93hzr1bjuLcolD8qNSX6RmB2RiNjezm2u973edUqrxmz3+QaajZRa2tv54fRFt6jULYaGma0WxRNe7rc8B5Ptt3BWqawijx+U60qt3Uk97XYtB3VuUAgCAICuOWigaYIZrdNsmC/wCa5pNvO0ecqvXWhM9LyarSVaVPY1j2r/ZrcjVSTFVx7mlrx2ua4H9wJQ2knKSmlUpz34rg/EgGqX89pf18f74Vel+nsPQ5R/tan+L+hf2kNOU0Dg2eaONxFwHuw3HEX2q9KcY62fPaNpWrLGnBvqWJrfO2g8qh9YFrzsN6JfNt38KXBnh1uoPKofTCc9T95Dzbd/ClwZVnKbrTFWSRsgzjixdO1sTnWvYHOwA277lQVZqT0HrMh5OqWsJTq6HLDRuSJxySaOdFRY3C3PSF4H5tmtB78JPYQpaCwjjvOFygrxqXeEf0rDt1/cmNVUNjY57yGtY0ucTsAAuSpW8FiziwhKclGKxb0H591l0xJpCrLwCcTgyFm8C9mt7STc9ZVKUnJ4n0WxtYWNvmvZpb/NiLq1O1fbRUzYsi89KV3F5GfcNg7FapwzI4Hhso3ru67qbNS6vzSyuOVfVrmZvlMQ/BzHp22Nk237HZntDuIUFaGa8VtPTcn7/nafMTfrR1dK8Pod7kl1m5yP5JKenGLxE72b2drd3V9Vb0J/pZz+UGT+bn5RBaJa+vf2/XrOpysVJZo94H9Y9jD2Xxf/BbV/YKmQKalepvYm/t9yH8jVA19TLK7MxRgN6i8kF3bZpH2io6Cxkztcpa0o0YU1+p6ez/AH8i4laPGBAEAQFf8tH8zi/aB/tSKCvqXWeh5Nf3Mv8AF/VHN5Ef7V/hf8ixQ2lnlPrp9v2LSVg8qEAQFUctdSecpo9wa9/eSB/A+dVq70pHreTNNZtSe3QiNao64uoGPbHCx7nuBc5xINgLBuW4ZnvKjhNw1I6mUclK9mpSm0ktX3O/4W5/J4/Sct+fluOf6M0viPgh4W5/J4/ScnPy3D0ZpfEfBDwtz+Tx+k5OfluHozS+I+CJhqLrLUV4e+SFkcTeiHAklztpAvuA29o61LSm560cXKthRs2oRm3J/JeJLVKcgpPld0aY63nbdGdjSD+cwBjh5gw/aVOssJY7z3PJ2up2vN7Yv5PT3k65MdPsqKRkRI52BoYW7y0ZMeOq1gesdYU1GWMcNx5/LdlKhcOf6ZPHt2omSmOMEAQBAVJyv6fZI5lLGQeadjkI2B1rBnaAXX7R1qrWli8Eev5O2coKVeW3Quredfkj0aWUk0zhbnnHD9VgIv5y7zLegtDZT5Q11O5jTX6V834YFaapfz2l/Xx/vhVqX6ew9PlH+1qf4v6F96waBhrIjFM242tcPGafpNPH3q9OCksGfPrS7q2tTnKb8esovWnVeahkwyDEw+JIB0Xfc7iPftVOcXF4M9/YZRpXkMY6Gta3eHSa+gNCvq5OajkiY/8AJEji3FxDbNNz1LCTbwRJeXkbWGfOLa6Fjh16SwtXeSvC4PrJGvAN+bjvhP1nEA26gO9TRoe8ebvOUblFxt44dL19i8SzGMAAAAAAsAMgBwCsnmG8XiyreVzWa5+RxHZZ0xHnbH7nH7PWq1af6Uer5PZP/wDszXRH7v7LtObqBoh8MMmkeZ57mgeZjxYSbZSSA4TmBcAb+lvstaccFn4aixli6jVqxss7Nx1vX1LZr29h1fC+PJP9b/8ANb+UdBV9GH8X/wDPiael+UyKphfDLRkse2x/DC43hw/B7QbEdi1lWUlg0TW/J+pQqKpCrpX7fHaQHR9a+CRksRs9jg5p6xuPUdhHAqFYrSj0VajCtTdOa0PQXFrFO3SeiHywjpAB+HaQ5hu9nbbFbjccVZm8+nijxNnB5PyioVNWrHoepkB5NNPtpKr8KcMUzcDidjTe7XHqvcdWK+5Q0pZsus9Fluylc2+MFjKOnr3r83F7NN1dPAnqAIAgK/5aP5nF+0D/AGpFBX1LrPQ8mv7mX+L+qObyI/2r/C/5FihtLPKfXT7fsWkrB5UIAgKz5aNGlzIJ2jJhcx/VisWnsuCO8KvXWpnp+TVdKc6L26V2Ee5N6DR9S58FXHeUnFETI9uIWzYA1wFxa/E3PBR0lFvCR0stVry3Sq0JerqehPDp0rbq/wBlh+DvRnk/+rL8an5mG48358vvifKPcPB1ozyf/Vl+NOZhuHny++J8o9w8HWjPJ/8AVl+NOZhu+pnz5ffE+Ue4kOjaCOnjbFC0MYwWa0dtzmcybkm54qSKSWCObWrTrTdSo8WzZWSM4+tWgI66AxPyO1j7XLXDYbbxuI3g7tq0nBSWDLljeztKqqR7VvRR+lNEVmjZgXB0bgehKwnCfqvH7pzttCpyTg9Og93Qura/p4LBranr4ff5nWp+UzSDWgF0b+t0Yv8A5SB7Fvzs95Tnyes5PFYrqffiZfCjX/ofVn4k56p0cPE19HbTfLiu4eFGv/Q+rPxJz1To4eI9HLTfLiu40tJ8oVfM0tMgjBFjzbcJP2s3DuIWJVZNaWT0Mh2dKWdm49bx+Woy6n6jT1jg+QOjgvcvIsXjbZgO2/0tnbsSFNy6jTKOWKVrFwptOe7d19xdjKZscWCMBrWswtA2AAWAVxJJYI8K5ynPOk8W3ifnnVL+e0v6+P8AfCoUv09h9Hyj/aVP8X9D9HroHzU1dJ6OiqI3RTND2OGYPsIO4jcQsSipLBktGtOjNVKbwaKR1y1NloH42Fz4SRhkHjNN8mvtsPB2w9WxU6lNx6j3WTcq072OZPBT2rf1dxK9ROUTFhgrnAOyDJjkDwbJwP52/fxMlOtskcfKuQ8zGrbrRtju6u7gTDXHWBtFTOlyLz0Ym8XEZdw2ns61NUnmrE42TrKV3XVPZrfV+aCk9XdEyaQqwwkkvcXyv3ht7uf252HWQqkYuTwPdXtzCxts5LVoS6diP0HSUzImNjjAaxjQ1o4ACwCupJLBHzqc5Tk5yeLekidRyZ0D3OdaRuIk2a+zRc3sBbIdSi5iJ14ZevIxUcVo6DH4LqD9L6f/ANU5iJt6Q3m9cDja28m0MdM+Sk5wyR9Itc7FiaAcQAt428dlt60nRSWKLuT8vVZ11CvhmvRqwwezsI1ybazfJKjBIbQzEB19jXbGv7Nx6jfctKU819DOnlvJ/lNHPgvWj81tXd4nU165PpI3umo2F8RN3RtHSYd+Fo2s6hmOxZqUmnitRVyVluE4qlcPCS1N7evp+vWR3Q2uddSDBHLdjcgyQYgOoX6Q7AbLSNSS0JnSuck2ly8+UdL2rRj9jq+FGv8A0Pqz8S256p0cPEqejtpvlxXcPCjX/ofVn4k56p0cPEejlpvlxXcZqPlH0lK9scbYXPe4NaBGcyT9ZOdqdHDxI6uQbKlBzm5JLTrXcSLlZik/k+DnCHPbMznHNFm35uQEgbhc2CkrY5qxObyflDyyeboTi8MetfYrzVvWmoocfMYPwmHFibi2XtbMcSoYzlHUelvsm0bzN5zHRue87fhRr/0Pqz8S256p0cPEoejlpvlxXcPCjX/ofVn4k56p0cPEejlpvlxXcPCjX/ofVn4k56p0cPEejlpvlxXcTfVCoqdJU0prms5mQFjGtbhLuL73Ow5DrB4KWm5TTztRwco06NhXirZvOjpbbxw6NXErnWrU2poXlwDnwg3bK3dwx28Vw47OHVBOm469R6awyrQu45ssFLant6t66NZloOUXSETcPONkA2GRocfSFie03WVVnsZpWyDZ1Hjg11P/AH8ja8KNf+h9WfiWeeqdHDxIvR203y4ruHhRr/0Pqz8Sc9U6OHiPRy03y4ruOzqlrnpKtqWRDmg3xpHCM9Fg2nxtpyA6yFtCpUlLDRwKOUclWVpQdRuWOpLFaXw4lpK0eTPpDJ8yMDgQ4Ag7QRceZDKbTxRyn6r0JNzSwX/VM+5ac1DcuBaV/dLQqkv5M8+atB5JB6pv3LHNQ91cDPnC6+LL+THzVoPJIPVN+5Oah7q4DzhdfFl/JmWm1epIzijpoWu3ERtB7ja6yqcVqSNJ3lxNYSqSa62dNblY8IugOVDqzRMcHNpYGuaQWkRtBBBuCDbatFTgtKSLUr65knGVSTT6WdZblUIDHPA17S17Q5rhZzXC4I4EHaEax1m0ZOLUovBo5fzVoPJIPVN+5R81D3VwLXnC6+LL+TM9RoKlkaxskET2xizA5gIaMsmgjIZDZwC2cIvQ0Rwuq8G5Rm03rwb09Zk0foinguYIY4sVsWBgbe2y9h1pGEY6ka1birWw5yTeG94m6tiEIAgCA4/zVofJIPVN+5R81DcuBc84XXxZfyZ1o2BoAAsALAcANgUhUbxeLNKt0LTTG80EUh4vja4+ci61cIvWialdVqSwpza6m0a3zVoPJIPVN+5a81D3VwJfOF18WX8mPmrQeSQeqb9yc1D3VwHnC6+LL+TM1JoCkieHxU8LHi9nNjaCLixsQOBWVTinikjSpeXFSObOcmtzbN2op2SNLJGh7XCxa4AgjgQcitmk9DIIzlCSlF4NbjmfNWg8kg9U37lpzUPdXAtecLr4sv5MfNWg8kg9U37k5qHurgPOF18WX8mPmrQeSQeqb9yc1D3VwHnC6+LL+THzVoPJIPVN+5Oah7q4DzhdfFl/JnUp4GsaGMaGtaAGtAsABsAA2BbpYairKTk3KTxbPshZNTmT6uUbyXPpoHOO0mJtz2m2a0dOD1pFqN7cwWEakkutmP5q0HkkHqm/csc1D3VwNvOF18WX8mPmrQeSQeqb9yc1D3VwHnC6+LL+TNvR+iYIMXMRRxYrYsDA29r2vYZ7T51tGEY6kQ1birWw5yTeG9tm6tiE/9k="/>
+          <p:cNvSpPr>
+            <a:spLocks noChangeAspect="1" noChangeArrowheads="1"/>
+          </p:cNvSpPr>
+          <p:nvPr/>
+        </p:nvSpPr>
+        <p:spPr bwMode="auto">
+          <a:xfrm>
+            <a:off x="320675" y="7938"/>
+            <a:ext cx="304800" cy="304801"/>
+          </a:xfrm>
+          <a:prstGeom prst="rect">
+            <a:avLst/>
+          </a:prstGeom>
+          <a:noFill/>
+          <a:extLst>
+            <a:ext uri="{909E8E84-426E-40DD-AFC4-6F175D3DCCD1}">
+              <a14:hiddenFill xmlns:a14="http://schemas.microsoft.com/office/drawing/2010/main">
+                <a:solidFill>
+                  <a:srgbClr val="FFFFFF"/>
+                </a:solidFill>
+              </a14:hiddenFill>
+            </a:ext>
+          </a:extLst>
+        </p:spPr>
+        <p:txBody>
+          <a:bodyPr vert="horz" wrap="square" lIns="91440" tIns="45720" rIns="91440" bIns="45720" numCol="1" anchor="t" anchorCtr="0" compatLnSpc="1">
+            <a:prstTxWarp prst="textNoShape">
+              <a:avLst/>
+            </a:prstTxWarp>
+          </a:bodyPr>
+          <a:lstStyle/>
+          <a:p>
+            <a:endParaRPr lang="ko-KR" altLang="en-US" b="1"/>
+          </a:p>
+        </p:txBody>
+      </p:sp>
+      <p:sp>
+        <p:nvSpPr>
+          <p:cNvPr id="9" name="AutoShape 8" descr="data:image/jpeg;base64,/9j/4AAQSkZJRgABAQAAAQABAAD/2wCEAAkGBxISEhQUERQWFRUVFRgYFhgYFx4XGhwcHRQXGBoVGhkYHCggHhorIBUWITEhJikrMi8wFx80ODcsNygtLisBCgoKDg0OGxAQGy0mICQsLCw4NC8sLCw3Ly8sLCwsNCwsLywvMiw0LCwsLCwsLC0vLCwsLCwsLCwsLCwsLCwsLP/AABEIAK8BIQMBEQACEQEDEQH/xAAcAAEAAgMBAQEAAAAAAAAAAAAABgcDBAUBAgj/xABREAABAwICBQYJBgkLAwUAAAABAAIDBBESIQUGMUFRBxMiYXGBFzJUkZKTobHSFBZScoLRIzNCYmNzdLLBFTQ1Q0RTg6Kjs8PT8PEkVcLi4//EABsBAQACAwEBAAAAAAAAAAAAAAADBAECBQYH/8QAPxEAAgECAQcHCwMEAwADAAAAAAECAwQRBRIhMUFRkQYTYXGB0eEUFRYiMlJTobHB8EJikjM0cvEkNcIjRKL/2gAMAwEAAhEDEQA/ALxQBAEAQBAEAQBAEAQBAEAQHKj0lasfTu3wtlZxtjcx47iGH7R4LTP9bNLDoPmFWW/NfBNffgdVblcIAgCAIAgCAIAgCAIAgCAIAgCAIAgCAIAgCAIAgCAIAgCAIAgCAIAgCAIDwlAQahquf03I5mbIKd0ZO64c249Jzh9gqtF51d9CO3Up81kuKlrnPHsw/OJOlZOIEAQBAEAQBAEAQBAEAQBAEAQBAEAQBAEAQBAEAQBAEAQBAEAQBAEAQBAEBENedbW0rDFEQZ3DtEYI8d3XwHfs2169ZQWC1nXyXkyVzLPn7C+fQvu9nWffJ5oF1NAXyAiWaznA7WtF8LT+dmXHrceCzb082OL1sxle9VxWzYezHQvu+7oRLFOckIAgCAIAgCAIAgCAIAgCAIAgCAIAgCAIAgCAIAgCAIAgCAIAgCAIAgPCUBANb9ewzFFSEF4ydLta3iGbnO69g69gqVrjDRA9Dk3IzqYVa+iO7a+vcvn9TDqTqc4uFVWA3vjYx2bidvOyXzvvAPac8hihQ058zfKmVY5vk9vq1Nr6Lo3vb1a5VpzWmmpejI4ukNrRMGOQk7BYbL7r2urE6sYa9ZyLXJ9e50wWEd70JdvceUElXP0pGimjOxmT5j1uceizssTntCRc5aXoMVo29L1YPPe/Uuza+vR1M7jQpCmeoAgCAIAgCAIAgCAIAgCAIAgCAIAgCAIAgCAIAgCAIAgCAIAgCA8KArTlB1tLnOpoHWa3KZ42k74weA3nectxvSuK36Ynp8j5LWCuKq6l939uJ0dRdTREG1FS28pAMbCMoxuJH957t3Fb0KGb60tf0K2VcrOs3SpP1dr97w+utmHXTW+QSfJaK5kuGve3N2I5c3H+dnm7d23IxWrvHMhrN8mZLpuHlFz7OtLo3vo3Lb9evqhqiylHOS2kqHZuecw0naGk534uOZ6hkpKNFQ0vWUsoZTncvMhogtS7+7UvmSpTnLCAIAgCAIAgCAIAgCAIAgCAIAgCAIAgCAIAgCAIAgCAIAgCAIAgCA+Jr4TbbY27dyGVrKU1IouerYWyZ2cZHg7y0F2f2rHuXMoxzqixPcZVq81ZydPbgl1PwLj0pOY4ZXt2sje4doaSPculJ4Js8VSip1Ixe1pFQahSNFfAZDckvsT9MsdYnrNz3lc63a5xYntMsQl5HJQ1LDgn/oukLpHhz1AEAQBAEBjEzb2xC/C4QzgzIhgIAgCAIAgCAIAgCAIAgCAIAgCAIAgCAIAgCAIAgCAIDwoCstYKE6Or46toPMPkJdb8kuBEjT1HEXjrBHBUqkeaqKew9PZ1lfWUrV+2lo6cNXcWR0ZGbnNc3tBBHusVc1nmdMX0oozTWjH0k7ojcFhBjdvLb3Y8Hjl3EFcqcHCWB9AtLmF1QU9+hrp2r82Fsal6f+WU+J2UrDhkA2XtcPHURn1G43Lo0amfHHaeOylZeS1s1ey9K6vAkKlOeEAQBACgKV1dYP5WYbC/yubPvlXNp/1u1/c9veN+a2v2Q/8AJdS6R4g8ugF0AugPUB5dAe3QHl0AugF0B6gCAIAgCAIAgCAIAgCAIAgCAIAgCA1q+jZNG6ORocxwsQf+8j1rDSksGb06k6c1ODwaODq5FJRv+SSkvizNNIeG0wO4OAzHEXtssoqacPUerZ3F68nC5XPx0S/Uun3l0PbufWYOUnRjJKR0pHThs5ruouAc3sIN+0Ba3EE4Y7ibItxKncqC1S0P7PsOfyT0L2xzTOBDZS1rOsMxXcOq7yPsrW1i1FveWeUFeMqsaa1xTx7cNHy+ZPlaPPhAEAQHhQFMavf0rH+1ze+Zc2n/AFu1/c9tef8AWP8Awh/5LF1uir3iNtC5rL4uccbAjxcNiQbDxtgvsVyqqjwzDzOT52kXJ3Kb3fmj6kZm1J0i4YnVhLuHOy28+7zKB0KmvO+bOtHK9jHQqOj/ABj+fM1NVtY6qCqbTVL3PaZOacHnE5jibNcHnMgkjaTkbjr1pVZxnmSJcoWFvWtncUFg8MdGjFbdHQbnKXPUQzRvimlYyRhFmvIaHNPAHaQ4eiVtcuUWmmQ5ChQqwlCcE2njpWx/nzJlqtpH5RSwynxiwB31m9F3tBVqnLOimcS9ocxXnT3P5bPkQjlL01NHUsZDLIzDDicGOLblznWvbabM9qq3M2pJJneyFaUqlGU6kU9OGlY6l4kqroaxtDG2mdeoDYw5zyCTkA9135Xzvc32KxJTzPV1nGoztndOVZepi9C+Wojb9TtJy5y1nS4CWS3+UNHmCg5iq9cvqdZZUsKeiFHR1R++L+Zxm6YrtGT4Jnuka2xcxzzI1zD+UxzswcjbZmMwos+pSlhIuu1tMoUc+lFJ9Cwwe5paC0Kaj6YlbJIWuFwwuu3O5vb7XZkOC6HSeQlLRmtHQWTQIAgCAIAgCAIAgCAIAgCAIDW0jXxwRmSZ4Yxu0nzAdZ6gtoQlOWbFYs1nNQWdLUQw6/meZsFFG3E8kCSd2Buwm+EZnIcQepXvIebhn1X2Ioq/VSeZTXa9BJKTRtQbGeqc472xMbGz2hz/APMqkpw/THi8fD5F2MZbWdZjbC3vNz5yojc8kjDtovmDnxBuD50BzdOaL+UtEUhtDcOeAbF9jcMvubcAk7Ta2S0nDPWD1Fi2uHQlnx9rZ0dPXuNh1XBC0NL442tFgC5rQABsAvssFJGEnoiivOpi3KTMVJp2nmdhhkEpG3m7vA+s5oLR3lbypTivWWHXoNI1Iy1PEV+ho5r84ZD1NlfGB2CNwHebrEKkoasOCf1MyinrILrA+p0TNG+GWSWnkJHNyuL7EWuzEcxcZgjgb339Kgqd1FxkkpLatBzbidS1kpJ4xexliaPq2zRslZm2RjXt7HAEd+a5kouLcXsOnGSkk0ZytTJTGrv9Ks/a5vfMubT/AK3a/ue2vP8ArH/hD/yWtpzTkFIzHM61zZoAu5x4NH8dgV+c4wWLPJW1pVuZ5lNY/brIj4Q5JD/6aikkFznc/wDGxwB71X8qb9mJ2PMcIf1q0Y8Pu19CH1FW+XSDZJIzE99TAXRm929KIWNwDmADsG1V85yq4tYaUdlUo0snuEJZyUZad+t9P1LF5SaDnKJz98LhIOwXa/8Ayuce5XLiOMOo81kavzV3FbJerx1fPA5PJPX3ZNAT4rhI3scMLh52g/aUdpLQ4lzlDQwqRqrasO1eH0I/Wj5bpYtGbTOG/YiHS7jzb/SUT9et2/Q6FL/iZMx25uPbLV8mi1tIV8dPGZJnBjG7SfYANpPABXpSUVizyVGjOtNQprFshs3KPicRS0sktjvuO+zGuIHbZVndY+zHE7kcguKTr1Yx/Oloh2uelJamUPmgMDhFhDTfMYnHF0mt4kbNyr15ub0rA7eSranbxcac89N9H2bLl0Z+Ji/Vs/dC6UdR4ep7b62bKyaBAEAQBAEAQBAEAQBAEAQBAYaykZKwsla17Dta4XB7isxk4vFPSYlFSWDIrWcnFC++Fskf1X3HmfdXI5QrR24lOWT6EtOGHUajdQ2NOCKuqWkC5aH7BuNm2tsW3lzemUI8DHkeGhTlxM/zHm/9xqvSd8ax5ZH4cTbySXxJcTxuoT79Kvqz2SEe8lZd6tlOPAwrN/ElxPpnJzT/ANZNUSfWkH8GrXy+eyMV2GVZQ2tvtN6j1E0fHsga4/nkv9jjb2LSV7Xl+r7G8bSjH9P3O/S0rI2hsbWsaNjWgNHmCrNuTxZYSSWCMywZKy5TK41M8FFTjHI1xLgPpkWa2+6zS4ngCF1bCHNxlWnqOVlCTqyjRhrLA0NQiCCKEG/NxtZfjZoBPec1zak8+blvZ04RzYqK2G6tDYpfV7+lY/2ub3zLm0/63a/ue2vP+sf+EP8AybXKfK41pDibNhZhHUS4kjrJ/dHBbXPt6dxFkKOFo3HW2/klgWhSTwMha6NzGwhgLSCAwNtlnssryaS0ajyc41JVGpJ52PbiVHpOsZNpTnIjiY+qgwnjYwtJF912lc9yUq2K3o9lSpTpZNzJrBqEvniy5amEPY5js2uaWkdRFj710WsUeJjJxaktaKU0JXvoKl5dcuY2aIjiQDhPe5jO4rm05c1N9p7m7oq+to5u1xfVjr+r4Ej5KdGl0ktQ7PAObaTvc6znntsG+kVNax0uTObygrqMYUI9fYtC+5m5W5XXpm/kHnHH6wwAexzvOs3behGnJ2McaktuhdmnuRJNRHQihh5vCOgOc2Xx/l4uu91NQw5tYHKyoqnlc8/fo6tmHRgQHlL0hFNU3ieHhkWBxbmMQc8kA7DtGxVLmSlLQejyDQqUqLz1hi8VjuLY0Z+Ji/Vs/dC6EdR4+p7b62bKyaBAEAQBAEAQBAEAQBAEAQBAEBraQie+N7Y34HuY4Nfa+EkEB1uo5rMWk03pMSTaaRWNDHpbRpkww8817sTnWMuI2tiu0472A2jcuvN2txhpwa7PA5MPK7fHRnI2TylVLPxlIAesvZ7C0rXzdTeqf07zbzhUWum/zsPTypSbqQetP/TTzZH3/l4jzlLZTf52HyeUCvk/E0g6rMkk91k8goR9qf0Q8urv2af1MkFXp6ZzSGCMAg2cxjGnPYQ4l9uzNayhZQWGOP5wMxneyepIsCikl5sGdrGvt0gxxe3ZuJaD3WXNlm4+rqOmscNJytJTVk/QpWiBpydPKOl/hxbb9b8PZvUsFThpnp6F933Ec8+WiOjpMmreq8FGCWXfI7x5X5vdc3Oe4Xztv33KVridXXq3GtG3hS1a3tO4oCc166sZDG6SQ4WMBc4ngP49Sw2ksWb06cqklCKxbKj1EhdPpCOS3iukmf1YmuFr/WkHmK51BOVTHrZ7HK0lRsebx15seGHcWJrPqrDW4S4uZI0Wa9vC98LgciPdc22lXatFVNZ5uxyjVtG83SnsZHKbkwZcc5OXNvezWBpOd9pJ9ygVotrOnPlFNr1IJPe3j3HTqNQIDNFJE50Qi5uzGgEEsfiuScyTvPUpPJ45ya2FOOWa3NTpzWdnY6XsxWH+iXlWDkEP01qDFUTvm517DIQS0NBFw0NvnxsFXnbKUscTtWmWqlvSVLNTw6+s7+gNEMpIWwsJIbclx2uJNy427fYpYQUI4I5t1cyuKrqy2/I+dYdBxVkfNy3Fjdrm5OabWuL9uwpUpqawZtaXdS1qZ9P/AGukhw5Lxc3qDhO20YuR2l1vYq3ki3nafKKWGimsev8APqdKu5OqZ8bGRudHhxYnABzn4gPGJ4WyAyzW8raDWC0FWjl24hUc54Sx2akuol1NFgY1u3C0C/YLKyjjSeLbMqGAgCAIAgCAIAgCAIAgCAIAgCAICL6e10gpahkDgbkt5x9jhY05gm2bjsyHHuVqlaTqwc1/sq1runSmoS2nSg1ko3+LUwn/ABGg+YlROhVWuL4EqrU5apLibf8AKEH97H6bfvWmZLcyTORqVGstGzxqmEdXONJ8wN1vG3qy1RfAjlWpx1yXE80XrLSVLiyGZrnD8nNpPW0OAxDrCzUt6tNYyiYp16dR4RkmdZQkx7ZAEAQEV111alrBEI5cAa7pNdmy2fTsNrx/HcoK1J1MMGdTJl/C0cnKGOOp7erqZ0tW9XoqOMtjuXOsXvPjOI2dgGdh1neSVvTpqCwRWvL2pdTzp9i2L83nYUhUCAIAgCAIAgCAIAgCAIAgCAIAgCAIAgCAIAgCA+JZA0EuIAAuSTYAcSSmsEfGt8cjzHRxyVThtLAGxt63SPsLdl77lZ8llFY1Go9evgQK4jJ4Q09XedOjlqSQZY4mDg2RzyP9MBQyUNjfDxJVnbTU0/qvTVgBmacYFg9pwuA4X2EZ7CCpKNxUo+yyKtb06y9dEOq+Sw3/AAVQLcHsz9Jp/gr8cqe9HgznzyTH9MjQPJdU/wB7D/m+FSedIbmR+ap+8bVPyWSfl1DAPzYy72lwWksqLZH5m0ck75fIkGjOTmjiIc/HM4G4xus2/wBVtvbdVqmUKs1gtHUXKVhRpvHWyXsYAABsAsFRLp7dAasWkGOmfCD042se4fmvLw034/g3ZdnELZxaipbGYTWOBtrUyEAQBAEAQBAEAQBAEAQBAEAQBAEAQBAEAQBAEAQBAEBHdddX5K2ERxy4C12Ig+K/LIOtnkcxt7OFm1rqjPOaxK11QdaGangQvRugNMUJPycNcHG7mtc1zT12fhN+yyv1K9pX9vFfnQc+lb3Vv7GDR2Ga2aTj/H6Oc7iWYvcA/wB6g8lt5ezU4/iLXlNePtU+DMo5RLfjKKpbl9H4g3JY8gx1TjxM+W4a4S4DwnUw8aGoHa1nxp5uqbJIx5wgtcZcAOU+kOyKc9jWfGnm2rta/Owz5wp7nwPpvKREfFpal3Yxp9zljzfJa5x4mfLV7kuB9s11qH/itHVJ+tdg85YsO0gvaqL6mVdTeqm/oZo9KaWk8Wjih65ZsXsZmtXTto65t9S7zZVK8v0Jdb7jZj0ZXSZ1NYI27208YZ3c5Jd3mAWjqUV7EMet/ZYG6hUftS4GGDS9FS/gaUGeZxuWRHnZHu2YpJCbcLuc7ILLpVanrz0Lp0cF3BVKcXmx0v8ANZJqXHhHOWxWGLDsvvAJzI61V6idGVAEAQBAEAQBAEAQBAEAQBAEAQBAEAQBAEAQBAEAQBAEAQGCqhe7xHlhHUHA9oI9xCymlrRho5zo64eLJTvHXG+M+cSOHsUmNLc+K7jX1+gwOn0kP7PSu6xUPb7DCfet82h70uC7zXGpuXHwMXyzSQ/sdP3VJ/6Szm0Pff8AHxMOVT3Vx8Dx1bpQ7KWnb21Dj7owmZb+8+HiM6ruXHwMbjpl2wUTO+Rx9y2/4q958Eaf8h+6uLPh+h9KSePXsjHCKAe9xuEVW3Wqnj1sw6dZ654dS7zwaixvzqqioqep8hDe5rdnnWfLJL2IqPUh5LF+22+3uJBo3RUFO3DBGyMb8ItfrJ2nvVadSc3jJ4liEIwWEVgbq0NggCAIAgCAIAgCAIAgCAIAgCAIAgCAIAgCAIAgCAIAgCAIAgCAIAgCAIAgCAIAgCAIAgCAIAgCAIAgCAIAgCAIAgCAIAgCAICOaw660lGS2R5dIP6uMYnDtzs3vKjlUjHQdGzyVc3SzoLBb3oXj2EXfyuxX6NM8jrkAPmwlR8/0HWXJmphpqLgz58LrPJXesHwpz/QZ9GJ/EXDxHhdZ5K71g+FOf6B6MT+IuHiZqblbgJ/CU8jRxa5r/YbIq63Gk+TVZL1Zp8V3k00Jp6nq24qeQPttGxze1pzCmjNS1HDubOtbSzascPzYzovdYE8BdbFdLFlaDleZ5K71g+FVlcY7D0/oxP4i4eI8LrPJXesHwrPP9A9GJ/EXDxHhdZ5K71g+FOf6B6MT+IuHiPC6zyV3rB8Kc/0D0Yn8RcPE7ur3KJSVThG7FDI42aH2wk8A4ZX7bLeNaMtBQvMh3NvHPXrLo2dhMFKcYIAgIFrNylxU0zoYoueLDZ7seFoO9oyNyNh2ZqCdZJ4JHfscg1Likqk5ZqerRj27CTasawRV0POxXFjhe07Wu4G27YQVJCaksUcy9sqlpV5ufY96OutymEBqaS0jFTsMkz2sYN7j7ANpPUFhySWLJaNGpWnmU1iyEV3KxTNJEUUkgG82YD2XufOAoXXWxHdpcm7iSxnJL5+BqeF1nkrvWD4Vjn+gm9GJ/EXDxHhdZ5K71g+FOf6B6MT+IuHifcPKwHua1lI9znENaBILkk2AHRTn+g1nyblCLlKqsF0eJKda9Z/kMEcskWIveGFofaxLHOPSw5+LbYpJzzVjgcmwsPLKrpxlhgsccOlL7mHUzW9ukOdwxGPm8O12K+LF1D6PtSnUz9hJlLJjss3GWOOOzDUSdSHLCAIAgOTp7WOmo23nkDSfFaM3nsaN3WclpKcY6y3a2Ne6eFKOPTsXaQ2flchB6FPI4cXOa0+YXUXP9B24cmarXrTS7G+4xeF1nkrvWD4U5/oNvRifxFw8R4XWeSu9YPhTn+gejE/iLh4nS1e5RDWTshipXXdm5xkFmtG1x6P/kkDeto1s54YFW8yJ5LSdWdRcNb3aydKY4JC+UvWp1HE2OE2mlvY/QbsL+3cO87lDWqZqwWs7eRcnK6qOdT2Y/N7u8rLVTVWfSD3YThY0/hJXXOZzsPpO37e05i9eEHLUepyhlKlYwSaxb1JbvsixqfkqogOk+Zx44mjzANU6oR3nmp8o7pvQors8TL4LaDjN6Y+FZ5iJr6Q3n7eHiPBbQcZvTHwpzER6Q3n7eHiaOkuSenLTzEsjHbsdnt77AHvusOgtjJqPKSvF/8AyxTXRofcVy5tVoyq3xyxndm1zT+8w/8AdiFX9aL6T0ydvlC33xfFP7NfmgvPQGmW1lK2ZuWJpDm/RcBZzfP7LK7GWdHE8Dd2srWu6Utj4reUDoClbNUQRvvhkkY11sjYuANlQprHBdR9Du6sqVCdSOtJst/wW0HGb0x8Kt8xE8d6Q3n7eHiPBbQcZvTHwpzER6Q3n7eHieHktoOM3pj4U5iI9Ibz9vDxK6151TNBK0BxfFICWOO3K12utlfMZ77qCcMxnpclZSV7B4rCS196LS5NNMuqqJpkN3xOMbidpsAWk9eFwz4gqxRlnR07DyeWrSNvdNR1S0r86yVqU5JF+UHWT5FTHAfw0t2xDhxk7r+chR1Z5q0azqZJsPK6+EvZWl93aU5q9q9PXOlEWZjYXuJ3nPCy/wBJxB28CqkYOWhHtb2+pWajn7Xh2b+pG5qNrEaGpBfcRP6EwtsF8nW4tJ82Ib1mnPNeJBlWxV5Q9X2lpXd29xfrHggEG4OYI2EcVePnrTWhmKtqmxRvkkNmMaXOPUBcrDaSxZvTpyqTUI628CgNYNMz6SqQbOOJ2GGIZ4QTk0D6Ryuf4AWpSk5vE+h2dpRsKHUsW9/huX3JxoTkoZhBq5XYjtZHYAdRcQb91lLGh7zODc8pJ52FCKw3vu/2dfwW0HGb0x8K35iJU9Ibz9vDxHgtoOM3pj4U5iI9Ibz9vDxN7QmoVHSzNmjDy9t8ON2IAkWuBYZ7fOsxpRTxK91li5uKbpzawe5HI5aP5nF+0D/akWtfUusucmv7mX+L+qObyI/2r/C/5FihtLPKfXT7fsWkrB5UIAgOHrjp9tDTOlIBcejG073G9u4WJPYtKk81Yl7J9m7uuqa1a31FI6PoarSVSQCXyP6T3uOTR9Inc0bAB1AKmk5SPdVq1vk+hp0RWhJbfzayyKDkopWtHPSyvdvw2Y3uFifarCoLazzNXlJcSf8A8cUlx/OBt+C2g4zemPhWeYiQ+kN5+3h4jwW0HGb0x8KcxEz6Q3n7eHidvVvVWmocfMB132xFxxGw2AZCwzJ/8BbwpqOooXuUa93hzr1bjuLcolD8qNSX6RmB2RiNjezm2u973edUqrxmz3+QaajZRa2tv54fRFt6jULYaGma0WxRNe7rc8B5Ptt3BWqawijx+U60qt3Uk97XYtB3VuUAgCAICuOWigaYIZrdNsmC/wCa5pNvO0ecqvXWhM9LyarSVaVPY1j2r/ZrcjVSTFVx7mlrx2ua4H9wJQ2knKSmlUpz34rg/EgGqX89pf18f74Vel+nsPQ5R/tan+L+hf2kNOU0Dg2eaONxFwHuw3HEX2q9KcY62fPaNpWrLGnBvqWJrfO2g8qh9YFrzsN6JfNt38KXBnh1uoPKofTCc9T95Dzbd/ClwZVnKbrTFWSRsgzjixdO1sTnWvYHOwA277lQVZqT0HrMh5OqWsJTq6HLDRuSJxySaOdFRY3C3PSF4H5tmtB78JPYQpaCwjjvOFygrxqXeEf0rDt1/cmNVUNjY57yGtY0ucTsAAuSpW8FiziwhKclGKxb0H591l0xJpCrLwCcTgyFm8C9mt7STc9ZVKUnJ4n0WxtYWNvmvZpb/NiLq1O1fbRUzYsi89KV3F5GfcNg7FapwzI4Hhso3ru67qbNS6vzSyuOVfVrmZvlMQ/BzHp22Nk237HZntDuIUFaGa8VtPTcn7/nafMTfrR1dK8Pod7kl1m5yP5JKenGLxE72b2drd3V9Vb0J/pZz+UGT+bn5RBaJa+vf2/XrOpysVJZo94H9Y9jD2Xxf/BbV/YKmQKalepvYm/t9yH8jVA19TLK7MxRgN6i8kF3bZpH2io6Cxkztcpa0o0YU1+p6ez/AH8i4laPGBAEAQFf8tH8zi/aB/tSKCvqXWeh5Nf3Mv8AF/VHN5Ef7V/hf8ixQ2lnlPrp9v2LSVg8qEAQFUctdSecpo9wa9/eSB/A+dVq70pHreTNNZtSe3QiNao64uoGPbHCx7nuBc5xINgLBuW4ZnvKjhNw1I6mUclK9mpSm0ktX3O/4W5/J4/Sct+fluOf6M0viPgh4W5/J4/ScnPy3D0ZpfEfBDwtz+Tx+k5OfluHozS+I+CJhqLrLUV4e+SFkcTeiHAklztpAvuA29o61LSm560cXKthRs2oRm3J/JeJLVKcgpPld0aY63nbdGdjSD+cwBjh5gw/aVOssJY7z3PJ2up2vN7Yv5PT3k65MdPsqKRkRI52BoYW7y0ZMeOq1gesdYU1GWMcNx5/LdlKhcOf6ZPHt2omSmOMEAQBAVJyv6fZI5lLGQeadjkI2B1rBnaAXX7R1qrWli8Eev5O2coKVeW3Quredfkj0aWUk0zhbnnHD9VgIv5y7zLegtDZT5Q11O5jTX6V834YFaapfz2l/Xx/vhVqX6ew9PlH+1qf4v6F96waBhrIjFM242tcPGafpNPH3q9OCksGfPrS7q2tTnKb8esovWnVeahkwyDEw+JIB0Xfc7iPftVOcXF4M9/YZRpXkMY6Gta3eHSa+gNCvq5OajkiY/8AJEji3FxDbNNz1LCTbwRJeXkbWGfOLa6Fjh16SwtXeSvC4PrJGvAN+bjvhP1nEA26gO9TRoe8ebvOUblFxt44dL19i8SzGMAAAAAAsAMgBwCsnmG8XiyreVzWa5+RxHZZ0xHnbH7nH7PWq1af6Uer5PZP/wDszXRH7v7LtObqBoh8MMmkeZ57mgeZjxYSbZSSA4TmBcAb+lvstaccFn4aixli6jVqxss7Nx1vX1LZr29h1fC+PJP9b/8ANb+UdBV9GH8X/wDPiael+UyKphfDLRkse2x/DC43hw/B7QbEdi1lWUlg0TW/J+pQqKpCrpX7fHaQHR9a+CRksRs9jg5p6xuPUdhHAqFYrSj0VajCtTdOa0PQXFrFO3SeiHywjpAB+HaQ5hu9nbbFbjccVZm8+nijxNnB5PyioVNWrHoepkB5NNPtpKr8KcMUzcDidjTe7XHqvcdWK+5Q0pZsus9Fluylc2+MFjKOnr3r83F7NN1dPAnqAIAgK/5aP5nF+0D/AGpFBX1LrPQ8mv7mX+L+qObyI/2r/C/5FihtLPKfXT7fsWkrB5UIAgKz5aNGlzIJ2jJhcx/VisWnsuCO8KvXWpnp+TVdKc6L26V2Ee5N6DR9S58FXHeUnFETI9uIWzYA1wFxa/E3PBR0lFvCR0stVry3Sq0JerqehPDp0rbq/wBlh+DvRnk/+rL8an5mG48358vvifKPcPB1ozyf/Vl+NOZhuHny++J8o9w8HWjPJ/8AVl+NOZhu+pnz5ffE+Ue4kOjaCOnjbFC0MYwWa0dtzmcybkm54qSKSWCObWrTrTdSo8WzZWSM4+tWgI66AxPyO1j7XLXDYbbxuI3g7tq0nBSWDLljeztKqqR7VvRR+lNEVmjZgXB0bgehKwnCfqvH7pzttCpyTg9Og93Qura/p4LBranr4ff5nWp+UzSDWgF0b+t0Yv8A5SB7Fvzs95Tnyes5PFYrqffiZfCjX/ofVn4k56p0cPE19HbTfLiu4eFGv/Q+rPxJz1To4eI9HLTfLiu40tJ8oVfM0tMgjBFjzbcJP2s3DuIWJVZNaWT0Mh2dKWdm49bx+Woy6n6jT1jg+QOjgvcvIsXjbZgO2/0tnbsSFNy6jTKOWKVrFwptOe7d19xdjKZscWCMBrWswtA2AAWAVxJJYI8K5ynPOk8W3ifnnVL+e0v6+P8AfCoUv09h9Hyj/aVP8X9D9HroHzU1dJ6OiqI3RTND2OGYPsIO4jcQsSipLBktGtOjNVKbwaKR1y1NloH42Fz4SRhkHjNN8mvtsPB2w9WxU6lNx6j3WTcq072OZPBT2rf1dxK9ROUTFhgrnAOyDJjkDwbJwP52/fxMlOtskcfKuQ8zGrbrRtju6u7gTDXHWBtFTOlyLz0Ym8XEZdw2ns61NUnmrE42TrKV3XVPZrfV+aCk9XdEyaQqwwkkvcXyv3ht7uf252HWQqkYuTwPdXtzCxts5LVoS6diP0HSUzImNjjAaxjQ1o4ACwCupJLBHzqc5Tk5yeLekidRyZ0D3OdaRuIk2a+zRc3sBbIdSi5iJ14ZevIxUcVo6DH4LqD9L6f/ANU5iJt6Q3m9cDja28m0MdM+Sk5wyR9Itc7FiaAcQAt428dlt60nRSWKLuT8vVZ11CvhmvRqwwezsI1ybazfJKjBIbQzEB19jXbGv7Nx6jfctKU819DOnlvJ/lNHPgvWj81tXd4nU165PpI3umo2F8RN3RtHSYd+Fo2s6hmOxZqUmnitRVyVluE4qlcPCS1N7evp+vWR3Q2uddSDBHLdjcgyQYgOoX6Q7AbLSNSS0JnSuck2ly8+UdL2rRj9jq+FGv8A0Pqz8S256p0cPEqejtpvlxXcPCjX/ofVn4k56p0cPEejlpvlxXcZqPlH0lK9scbYXPe4NaBGcyT9ZOdqdHDxI6uQbKlBzm5JLTrXcSLlZik/k+DnCHPbMznHNFm35uQEgbhc2CkrY5qxObyflDyyeboTi8MetfYrzVvWmoocfMYPwmHFibi2XtbMcSoYzlHUelvsm0bzN5zHRue87fhRr/0Pqz8S256p0cPEoejlpvlxXcPCjX/ofVn4k56p0cPEejlpvlxXcPCjX/ofVn4k56p0cPEejlpvlxXcTfVCoqdJU0prms5mQFjGtbhLuL73Ow5DrB4KWm5TTztRwco06NhXirZvOjpbbxw6NXErnWrU2poXlwDnwg3bK3dwx28Vw47OHVBOm469R6awyrQu45ssFLant6t66NZloOUXSETcPONkA2GRocfSFie03WVVnsZpWyDZ1Hjg11P/AH8ja8KNf+h9WfiWeeqdHDxIvR203y4ruHhRr/0Pqz8Sc9U6OHiPRy03y4ruOzqlrnpKtqWRDmg3xpHCM9Fg2nxtpyA6yFtCpUlLDRwKOUclWVpQdRuWOpLFaXw4lpK0eTPpDJ8yMDgQ4Ag7QRceZDKbTxRyn6r0JNzSwX/VM+5ac1DcuBaV/dLQqkv5M8+atB5JB6pv3LHNQ91cDPnC6+LL+THzVoPJIPVN+5Oah7q4DzhdfFl/JmWm1epIzijpoWu3ERtB7ja6yqcVqSNJ3lxNYSqSa62dNblY8IugOVDqzRMcHNpYGuaQWkRtBBBuCDbatFTgtKSLUr65knGVSTT6WdZblUIDHPA17S17Q5rhZzXC4I4EHaEax1m0ZOLUovBo5fzVoPJIPVN+5R81D3VwLXnC6+LL+TM9RoKlkaxskET2xizA5gIaMsmgjIZDZwC2cIvQ0Rwuq8G5Rm03rwb09Zk0foinguYIY4sVsWBgbe2y9h1pGEY6ka1birWw5yTeG94m6tiEIAgCA4/zVofJIPVN+5R81DcuBc84XXxZfyZ1o2BoAAsALAcANgUhUbxeLNKt0LTTG80EUh4vja4+ci61cIvWialdVqSwpza6m0a3zVoPJIPVN+5a81D3VwJfOF18WX8mPmrQeSQeqb9yc1D3VwHnC6+LL+TM1JoCkieHxU8LHi9nNjaCLixsQOBWVTinikjSpeXFSObOcmtzbN2op2SNLJGh7XCxa4AgjgQcitmk9DIIzlCSlF4NbjmfNWg8kg9U37lpzUPdXAtecLr4sv5MfNWg8kg9U37k5qHurgPOF18WX8mPmrQeSQeqb9yc1D3VwHnC6+LL+THzVoPJIPVN+5Oah7q4DzhdfFl/JnUp4GsaGMaGtaAGtAsABsAA2BbpYairKTk3KTxbPshZNTmT6uUbyXPpoHOO0mJtz2m2a0dOD1pFqN7cwWEakkutmP5q0HkkHqm/csc1D3VwNvOF18WX8mPmrQeSQeqb9yc1D3VwHnC6+LL+TNvR+iYIMXMRRxYrYsDA29r2vYZ7T51tGEY6kQ1birWw5yTeG9tm6tiE/9k="/>
+          <p:cNvSpPr>
+            <a:spLocks noChangeAspect="1" noChangeArrowheads="1"/>
+          </p:cNvSpPr>
+          <p:nvPr/>
+        </p:nvSpPr>
+        <p:spPr bwMode="auto">
+          <a:xfrm>
+            <a:off x="473075" y="160338"/>
+            <a:ext cx="304800" cy="304801"/>
+          </a:xfrm>
+          <a:prstGeom prst="rect">
+            <a:avLst/>
+          </a:prstGeom>
+          <a:noFill/>
+          <a:extLst>
+            <a:ext uri="{909E8E84-426E-40DD-AFC4-6F175D3DCCD1}">
+              <a14:hiddenFill xmlns:a14="http://schemas.microsoft.com/office/drawing/2010/main">
+                <a:solidFill>
+                  <a:srgbClr val="FFFFFF"/>
+                </a:solidFill>
+              </a14:hiddenFill>
+            </a:ext>
+          </a:extLst>
+        </p:spPr>
+        <p:txBody>
+          <a:bodyPr vert="horz" wrap="square" lIns="91440" tIns="45720" rIns="91440" bIns="45720" numCol="1" anchor="t" anchorCtr="0" compatLnSpc="1">
+            <a:prstTxWarp prst="textNoShape">
+              <a:avLst/>
+            </a:prstTxWarp>
+          </a:bodyPr>
+          <a:lstStyle/>
+          <a:p>
+            <a:endParaRPr lang="ko-KR" altLang="en-US" b="1"/>
+          </a:p>
+        </p:txBody>
+      </p:sp>
+      <p:sp>
+        <p:nvSpPr>
+          <p:cNvPr id="10" name="AutoShape 10" descr="data:image/jpeg;base64,/9j/4AAQSkZJRgABAQAAAQABAAD/2wCEAAkGBxISEhQUERQWFRUVFRgYFhgYFx4XGhwcHRQXGBoVGhkYHCggHhorIBUWITEhJikrMi8wFx80ODcsNygtLisBCgoKDg0OGxAQGy0mICQsLCw4NC8sLCw3Ly8sLCwsNCwsLywvMiw0LCwsLCwsLC0vLCwsLCwsLCwsLCwsLCwsLP/AABEIAK8BIQMBEQACEQEDEQH/xAAcAAEAAgMBAQEAAAAAAAAAAAAABgcDBAUBAgj/xABREAABAwICBQYJBgkLAwUAAAABAAIDBBESIQUGMUFRBxMiYXGBFzJUkZKTobHSFBZScoLRIzNCYmNzdLLBFTQ1Q0RTg6Kjs8PT8PEkVcLi4//EABsBAQACAwEBAAAAAAAAAAAAAAADBAECBQYH/8QAPxEAAgECAQcHCwMEAwADAAAAAAECAwQRBRIhMUFRkQYTYXGB0eEUFRYiMlJTobHB8EJikjM0cvEkNcIjRKL/2gAMAwEAAhEDEQA/ALxQBAEAQBAEAQBAEAQBAEAQHKj0lasfTu3wtlZxtjcx47iGH7R4LTP9bNLDoPmFWW/NfBNffgdVblcIAgCAIAgCAIAgCAIAgCAIAgCAIAgCAIAgCAIAgCAIAgCAIAgCAIAgCAIDwlAQahquf03I5mbIKd0ZO64c249Jzh9gqtF51d9CO3Up81kuKlrnPHsw/OJOlZOIEAQBAEAQBAEAQBAEAQBAEAQBAEAQBAEAQBAEAQBAEAQBAEAQBAEAQBAEBENedbW0rDFEQZ3DtEYI8d3XwHfs2169ZQWC1nXyXkyVzLPn7C+fQvu9nWffJ5oF1NAXyAiWaznA7WtF8LT+dmXHrceCzb082OL1sxle9VxWzYezHQvu+7oRLFOckIAgCAIAgCAIAgCAIAgCAIAgCAIAgCAIAgCAIAgCAIAgCAIAgCAIAgPCUBANb9ewzFFSEF4ydLta3iGbnO69g69gqVrjDRA9Dk3IzqYVa+iO7a+vcvn9TDqTqc4uFVWA3vjYx2bidvOyXzvvAPac8hihQ058zfKmVY5vk9vq1Nr6Lo3vb1a5VpzWmmpejI4ukNrRMGOQk7BYbL7r2urE6sYa9ZyLXJ9e50wWEd70JdvceUElXP0pGimjOxmT5j1uceizssTntCRc5aXoMVo29L1YPPe/Uuza+vR1M7jQpCmeoAgCAIAgCAIAgCAIAgCAIAgCAIAgCAIAgCAIAgCAIAgCAIAgCA8KArTlB1tLnOpoHWa3KZ42k74weA3nectxvSuK36Ynp8j5LWCuKq6l939uJ0dRdTREG1FS28pAMbCMoxuJH957t3Fb0KGb60tf0K2VcrOs3SpP1dr97w+utmHXTW+QSfJaK5kuGve3N2I5c3H+dnm7d23IxWrvHMhrN8mZLpuHlFz7OtLo3vo3Lb9evqhqiylHOS2kqHZuecw0naGk534uOZ6hkpKNFQ0vWUsoZTncvMhogtS7+7UvmSpTnLCAIAgCAIAgCAIAgCAIAgCAIAgCAIAgCAIAgCAIAgCAIAgCAIAgCA+Jr4TbbY27dyGVrKU1IouerYWyZ2cZHg7y0F2f2rHuXMoxzqixPcZVq81ZydPbgl1PwLj0pOY4ZXt2sje4doaSPculJ4Js8VSip1Ixe1pFQahSNFfAZDckvsT9MsdYnrNz3lc63a5xYntMsQl5HJQ1LDgn/oukLpHhz1AEAQBAEBjEzb2xC/C4QzgzIhgIAgCAIAgCAIAgCAIAgCAIAgCAIAgCAIAgCAIAgCAIDwoCstYKE6Or46toPMPkJdb8kuBEjT1HEXjrBHBUqkeaqKew9PZ1lfWUrV+2lo6cNXcWR0ZGbnNc3tBBHusVc1nmdMX0oozTWjH0k7ojcFhBjdvLb3Y8Hjl3EFcqcHCWB9AtLmF1QU9+hrp2r82Fsal6f+WU+J2UrDhkA2XtcPHURn1G43Lo0amfHHaeOylZeS1s1ey9K6vAkKlOeEAQBACgKV1dYP5WYbC/yubPvlXNp/1u1/c9veN+a2v2Q/8AJdS6R4g8ugF0AugPUB5dAe3QHl0AugF0B6gCAIAgCAIAgCAIAgCAIAgCAIAgCA1q+jZNG6ORocxwsQf+8j1rDSksGb06k6c1ODwaODq5FJRv+SSkvizNNIeG0wO4OAzHEXtssoqacPUerZ3F68nC5XPx0S/Uun3l0PbufWYOUnRjJKR0pHThs5ruouAc3sIN+0Ba3EE4Y7ibItxKncqC1S0P7PsOfyT0L2xzTOBDZS1rOsMxXcOq7yPsrW1i1FveWeUFeMqsaa1xTx7cNHy+ZPlaPPhAEAQHhQFMavf0rH+1ze+Zc2n/AFu1/c9tef8AWP8Awh/5LF1uir3iNtC5rL4uccbAjxcNiQbDxtgvsVyqqjwzDzOT52kXJ3Kb3fmj6kZm1J0i4YnVhLuHOy28+7zKB0KmvO+bOtHK9jHQqOj/ABj+fM1NVtY6qCqbTVL3PaZOacHnE5jibNcHnMgkjaTkbjr1pVZxnmSJcoWFvWtncUFg8MdGjFbdHQbnKXPUQzRvimlYyRhFmvIaHNPAHaQ4eiVtcuUWmmQ5ChQqwlCcE2njpWx/nzJlqtpH5RSwynxiwB31m9F3tBVqnLOimcS9ocxXnT3P5bPkQjlL01NHUsZDLIzDDicGOLblznWvbabM9qq3M2pJJneyFaUqlGU6kU9OGlY6l4kqroaxtDG2mdeoDYw5zyCTkA9135Xzvc32KxJTzPV1nGoztndOVZepi9C+Wojb9TtJy5y1nS4CWS3+UNHmCg5iq9cvqdZZUsKeiFHR1R++L+Zxm6YrtGT4Jnuka2xcxzzI1zD+UxzswcjbZmMwos+pSlhIuu1tMoUc+lFJ9Cwwe5paC0Kaj6YlbJIWuFwwuu3O5vb7XZkOC6HSeQlLRmtHQWTQIAgCAIAgCAIAgCAIAgCAIDW0jXxwRmSZ4Yxu0nzAdZ6gtoQlOWbFYs1nNQWdLUQw6/meZsFFG3E8kCSd2Buwm+EZnIcQepXvIebhn1X2Ioq/VSeZTXa9BJKTRtQbGeqc472xMbGz2hz/APMqkpw/THi8fD5F2MZbWdZjbC3vNz5yojc8kjDtovmDnxBuD50BzdOaL+UtEUhtDcOeAbF9jcMvubcAk7Ta2S0nDPWD1Fi2uHQlnx9rZ0dPXuNh1XBC0NL442tFgC5rQABsAvssFJGEnoiivOpi3KTMVJp2nmdhhkEpG3m7vA+s5oLR3lbypTivWWHXoNI1Iy1PEV+ho5r84ZD1NlfGB2CNwHebrEKkoasOCf1MyinrILrA+p0TNG+GWSWnkJHNyuL7EWuzEcxcZgjgb339Kgqd1FxkkpLatBzbidS1kpJ4xexliaPq2zRslZm2RjXt7HAEd+a5kouLcXsOnGSkk0ZytTJTGrv9Ks/a5vfMubT/AK3a/ue2vP8ArH/hD/yWtpzTkFIzHM61zZoAu5x4NH8dgV+c4wWLPJW1pVuZ5lNY/brIj4Q5JD/6aikkFznc/wDGxwB71X8qb9mJ2PMcIf1q0Y8Pu19CH1FW+XSDZJIzE99TAXRm929KIWNwDmADsG1V85yq4tYaUdlUo0snuEJZyUZad+t9P1LF5SaDnKJz98LhIOwXa/8Ayuce5XLiOMOo81kavzV3FbJerx1fPA5PJPX3ZNAT4rhI3scMLh52g/aUdpLQ4lzlDQwqRqrasO1eH0I/Wj5bpYtGbTOG/YiHS7jzb/SUT9et2/Q6FL/iZMx25uPbLV8mi1tIV8dPGZJnBjG7SfYANpPABXpSUVizyVGjOtNQprFshs3KPicRS0sktjvuO+zGuIHbZVndY+zHE7kcguKTr1Yx/Oloh2uelJamUPmgMDhFhDTfMYnHF0mt4kbNyr15ub0rA7eSranbxcac89N9H2bLl0Z+Ji/Vs/dC6UdR4ep7b62bKyaBAEAQBAEAQBAEAQBAEAQBAYaykZKwsla17Dta4XB7isxk4vFPSYlFSWDIrWcnFC++Fskf1X3HmfdXI5QrR24lOWT6EtOGHUajdQ2NOCKuqWkC5aH7BuNm2tsW3lzemUI8DHkeGhTlxM/zHm/9xqvSd8ax5ZH4cTbySXxJcTxuoT79Kvqz2SEe8lZd6tlOPAwrN/ElxPpnJzT/ANZNUSfWkH8GrXy+eyMV2GVZQ2tvtN6j1E0fHsga4/nkv9jjb2LSV7Xl+r7G8bSjH9P3O/S0rI2hsbWsaNjWgNHmCrNuTxZYSSWCMywZKy5TK41M8FFTjHI1xLgPpkWa2+6zS4ngCF1bCHNxlWnqOVlCTqyjRhrLA0NQiCCKEG/NxtZfjZoBPec1zak8+blvZ04RzYqK2G6tDYpfV7+lY/2ub3zLm0/63a/ue2vP+sf+EP8AybXKfK41pDibNhZhHUS4kjrJ/dHBbXPt6dxFkKOFo3HW2/klgWhSTwMha6NzGwhgLSCAwNtlnssryaS0ajyc41JVGpJ52PbiVHpOsZNpTnIjiY+qgwnjYwtJF912lc9yUq2K3o9lSpTpZNzJrBqEvniy5amEPY5js2uaWkdRFj710WsUeJjJxaktaKU0JXvoKl5dcuY2aIjiQDhPe5jO4rm05c1N9p7m7oq+to5u1xfVjr+r4Ej5KdGl0ktQ7PAObaTvc6znntsG+kVNax0uTObygrqMYUI9fYtC+5m5W5XXpm/kHnHH6wwAexzvOs3behGnJ2McaktuhdmnuRJNRHQihh5vCOgOc2Xx/l4uu91NQw5tYHKyoqnlc8/fo6tmHRgQHlL0hFNU3ieHhkWBxbmMQc8kA7DtGxVLmSlLQejyDQqUqLz1hi8VjuLY0Z+Ji/Vs/dC6EdR4+p7b62bKyaBAEAQBAEAQBAEAQBAEAQBAEBraQie+N7Y34HuY4Nfa+EkEB1uo5rMWk03pMSTaaRWNDHpbRpkww8817sTnWMuI2tiu0472A2jcuvN2txhpwa7PA5MPK7fHRnI2TylVLPxlIAesvZ7C0rXzdTeqf07zbzhUWum/zsPTypSbqQetP/TTzZH3/l4jzlLZTf52HyeUCvk/E0g6rMkk91k8goR9qf0Q8urv2af1MkFXp6ZzSGCMAg2cxjGnPYQ4l9uzNayhZQWGOP5wMxneyepIsCikl5sGdrGvt0gxxe3ZuJaD3WXNlm4+rqOmscNJytJTVk/QpWiBpydPKOl/hxbb9b8PZvUsFThpnp6F933Ec8+WiOjpMmreq8FGCWXfI7x5X5vdc3Oe4Xztv33KVridXXq3GtG3hS1a3tO4oCc166sZDG6SQ4WMBc4ngP49Sw2ksWb06cqklCKxbKj1EhdPpCOS3iukmf1YmuFr/WkHmK51BOVTHrZ7HK0lRsebx15seGHcWJrPqrDW4S4uZI0Wa9vC98LgciPdc22lXatFVNZ5uxyjVtG83SnsZHKbkwZcc5OXNvezWBpOd9pJ9ygVotrOnPlFNr1IJPe3j3HTqNQIDNFJE50Qi5uzGgEEsfiuScyTvPUpPJ45ya2FOOWa3NTpzWdnY6XsxWH+iXlWDkEP01qDFUTvm517DIQS0NBFw0NvnxsFXnbKUscTtWmWqlvSVLNTw6+s7+gNEMpIWwsJIbclx2uJNy427fYpYQUI4I5t1cyuKrqy2/I+dYdBxVkfNy3Fjdrm5OabWuL9uwpUpqawZtaXdS1qZ9P/AGukhw5Lxc3qDhO20YuR2l1vYq3ki3nafKKWGimsev8APqdKu5OqZ8bGRudHhxYnABzn4gPGJ4WyAyzW8raDWC0FWjl24hUc54Sx2akuol1NFgY1u3C0C/YLKyjjSeLbMqGAgCAIAgCAIAgCAIAgCAIAgCAICL6e10gpahkDgbkt5x9jhY05gm2bjsyHHuVqlaTqwc1/sq1runSmoS2nSg1ko3+LUwn/ABGg+YlROhVWuL4EqrU5apLibf8AKEH97H6bfvWmZLcyTORqVGstGzxqmEdXONJ8wN1vG3qy1RfAjlWpx1yXE80XrLSVLiyGZrnD8nNpPW0OAxDrCzUt6tNYyiYp16dR4RkmdZQkx7ZAEAQEV111alrBEI5cAa7pNdmy2fTsNrx/HcoK1J1MMGdTJl/C0cnKGOOp7erqZ0tW9XoqOMtjuXOsXvPjOI2dgGdh1neSVvTpqCwRWvL2pdTzp9i2L83nYUhUCAIAgCAIAgCAIAgCAIAgCAIAgCAIAgCAIAgCA+JZA0EuIAAuSTYAcSSmsEfGt8cjzHRxyVThtLAGxt63SPsLdl77lZ8llFY1Go9evgQK4jJ4Q09XedOjlqSQZY4mDg2RzyP9MBQyUNjfDxJVnbTU0/qvTVgBmacYFg9pwuA4X2EZ7CCpKNxUo+yyKtb06y9dEOq+Sw3/AAVQLcHsz9Jp/gr8cqe9HgznzyTH9MjQPJdU/wB7D/m+FSedIbmR+ap+8bVPyWSfl1DAPzYy72lwWksqLZH5m0ck75fIkGjOTmjiIc/HM4G4xus2/wBVtvbdVqmUKs1gtHUXKVhRpvHWyXsYAABsAsFRLp7dAasWkGOmfCD042se4fmvLw034/g3ZdnELZxaipbGYTWOBtrUyEAQBAEAQBAEAQBAEAQBAEAQBAEAQBAEAQBAEAQBAEBHdddX5K2ERxy4C12Ig+K/LIOtnkcxt7OFm1rqjPOaxK11QdaGangQvRugNMUJPycNcHG7mtc1zT12fhN+yyv1K9pX9vFfnQc+lb3Vv7GDR2Ga2aTj/H6Oc7iWYvcA/wB6g8lt5ezU4/iLXlNePtU+DMo5RLfjKKpbl9H4g3JY8gx1TjxM+W4a4S4DwnUw8aGoHa1nxp5uqbJIx5wgtcZcAOU+kOyKc9jWfGnm2rta/Owz5wp7nwPpvKREfFpal3Yxp9zljzfJa5x4mfLV7kuB9s11qH/itHVJ+tdg85YsO0gvaqL6mVdTeqm/oZo9KaWk8Wjih65ZsXsZmtXTto65t9S7zZVK8v0Jdb7jZj0ZXSZ1NYI27208YZ3c5Jd3mAWjqUV7EMet/ZYG6hUftS4GGDS9FS/gaUGeZxuWRHnZHu2YpJCbcLuc7ILLpVanrz0Lp0cF3BVKcXmx0v8ANZJqXHhHOWxWGLDsvvAJzI61V6idGVAEAQBAEAQBAEAQBAEAQBAEAQBAEAQBAEAQBAEAQBAEAQGCqhe7xHlhHUHA9oI9xCymlrRho5zo64eLJTvHXG+M+cSOHsUmNLc+K7jX1+gwOn0kP7PSu6xUPb7DCfet82h70uC7zXGpuXHwMXyzSQ/sdP3VJ/6Szm0Pff8AHxMOVT3Vx8Dx1bpQ7KWnb21Dj7owmZb+8+HiM6ruXHwMbjpl2wUTO+Rx9y2/4q958Eaf8h+6uLPh+h9KSePXsjHCKAe9xuEVW3Wqnj1sw6dZ654dS7zwaixvzqqioqep8hDe5rdnnWfLJL2IqPUh5LF+22+3uJBo3RUFO3DBGyMb8ItfrJ2nvVadSc3jJ4liEIwWEVgbq0NggCAIAgCAIAgCAIAgCAIAgCAIAgCAIAgCAIAgCAIAgCAIAgCAIAgCAIAgCAIAgCAIAgCAIAgCAIAgCAIAgCAIAgCAIAgCAICOaw660lGS2R5dIP6uMYnDtzs3vKjlUjHQdGzyVc3SzoLBb3oXj2EXfyuxX6NM8jrkAPmwlR8/0HWXJmphpqLgz58LrPJXesHwpz/QZ9GJ/EXDxHhdZ5K71g+FOf6B6MT+IuHiZqblbgJ/CU8jRxa5r/YbIq63Gk+TVZL1Zp8V3k00Jp6nq24qeQPttGxze1pzCmjNS1HDubOtbSzascPzYzovdYE8BdbFdLFlaDleZ5K71g+FVlcY7D0/oxP4i4eI8LrPJXesHwrPP9A9GJ/EXDxHhdZ5K71g+FOf6B6MT+IuHiPC6zyV3rB8Kc/0D0Yn8RcPE7ur3KJSVThG7FDI42aH2wk8A4ZX7bLeNaMtBQvMh3NvHPXrLo2dhMFKcYIAgIFrNylxU0zoYoueLDZ7seFoO9oyNyNh2ZqCdZJ4JHfscg1Likqk5ZqerRj27CTasawRV0POxXFjhe07Wu4G27YQVJCaksUcy9sqlpV5ufY96OutymEBqaS0jFTsMkz2sYN7j7ANpPUFhySWLJaNGpWnmU1iyEV3KxTNJEUUkgG82YD2XufOAoXXWxHdpcm7iSxnJL5+BqeF1nkrvWD4Vjn+gm9GJ/EXDxHhdZ5K71g+FOf6B6MT+IuHifcPKwHua1lI9znENaBILkk2AHRTn+g1nyblCLlKqsF0eJKda9Z/kMEcskWIveGFofaxLHOPSw5+LbYpJzzVjgcmwsPLKrpxlhgsccOlL7mHUzW9ukOdwxGPm8O12K+LF1D6PtSnUz9hJlLJjss3GWOOOzDUSdSHLCAIAgOTp7WOmo23nkDSfFaM3nsaN3WclpKcY6y3a2Ne6eFKOPTsXaQ2flchB6FPI4cXOa0+YXUXP9B24cmarXrTS7G+4xeF1nkrvWD4U5/oNvRifxFw8R4XWeSu9YPhTn+gejE/iLh4nS1e5RDWTshipXXdm5xkFmtG1x6P/kkDeto1s54YFW8yJ5LSdWdRcNb3aydKY4JC+UvWp1HE2OE2mlvY/QbsL+3cO87lDWqZqwWs7eRcnK6qOdT2Y/N7u8rLVTVWfSD3YThY0/hJXXOZzsPpO37e05i9eEHLUepyhlKlYwSaxb1JbvsixqfkqogOk+Zx44mjzANU6oR3nmp8o7pvQors8TL4LaDjN6Y+FZ5iJr6Q3n7eHiPBbQcZvTHwpzER6Q3n7eHiaOkuSenLTzEsjHbsdnt77AHvusOgtjJqPKSvF/8AyxTXRofcVy5tVoyq3xyxndm1zT+8w/8AdiFX9aL6T0ydvlC33xfFP7NfmgvPQGmW1lK2ZuWJpDm/RcBZzfP7LK7GWdHE8Dd2srWu6Utj4reUDoClbNUQRvvhkkY11sjYuANlQprHBdR9Du6sqVCdSOtJst/wW0HGb0x8Kt8xE8d6Q3n7eHiPBbQcZvTHwpzER6Q3n7eHieHktoOM3pj4U5iI9Ibz9vDxK6151TNBK0BxfFICWOO3K12utlfMZ77qCcMxnpclZSV7B4rCS196LS5NNMuqqJpkN3xOMbidpsAWk9eFwz4gqxRlnR07DyeWrSNvdNR1S0r86yVqU5JF+UHWT5FTHAfw0t2xDhxk7r+chR1Z5q0azqZJsPK6+EvZWl93aU5q9q9PXOlEWZjYXuJ3nPCy/wBJxB28CqkYOWhHtb2+pWajn7Xh2b+pG5qNrEaGpBfcRP6EwtsF8nW4tJ82Ib1mnPNeJBlWxV5Q9X2lpXd29xfrHggEG4OYI2EcVePnrTWhmKtqmxRvkkNmMaXOPUBcrDaSxZvTpyqTUI628CgNYNMz6SqQbOOJ2GGIZ4QTk0D6Ryuf4AWpSk5vE+h2dpRsKHUsW9/huX3JxoTkoZhBq5XYjtZHYAdRcQb91lLGh7zODc8pJ52FCKw3vu/2dfwW0HGb0x8K35iJU9Ibz9vDxHgtoOM3pj4U5iI9Ibz9vDxN7QmoVHSzNmjDy9t8ON2IAkWuBYZ7fOsxpRTxK91li5uKbpzawe5HI5aP5nF+0D/akWtfUusucmv7mX+L+qObyI/2r/C/5FihtLPKfXT7fsWkrB5UIAgOHrjp9tDTOlIBcejG073G9u4WJPYtKk81Yl7J9m7uuqa1a31FI6PoarSVSQCXyP6T3uOTR9Inc0bAB1AKmk5SPdVq1vk+hp0RWhJbfzayyKDkopWtHPSyvdvw2Y3uFifarCoLazzNXlJcSf8A8cUlx/OBt+C2g4zemPhWeYiQ+kN5+3h4jwW0HGb0x8KcxEz6Q3n7eHidvVvVWmocfMB132xFxxGw2AZCwzJ/8BbwpqOooXuUa93hzr1bjuLcolD8qNSX6RmB2RiNjezm2u973edUqrxmz3+QaajZRa2tv54fRFt6jULYaGma0WxRNe7rc8B5Ptt3BWqawijx+U60qt3Uk97XYtB3VuUAgCAICuOWigaYIZrdNsmC/wCa5pNvO0ecqvXWhM9LyarSVaVPY1j2r/ZrcjVSTFVx7mlrx2ua4H9wJQ2knKSmlUpz34rg/EgGqX89pf18f74Vel+nsPQ5R/tan+L+hf2kNOU0Dg2eaONxFwHuw3HEX2q9KcY62fPaNpWrLGnBvqWJrfO2g8qh9YFrzsN6JfNt38KXBnh1uoPKofTCc9T95Dzbd/ClwZVnKbrTFWSRsgzjixdO1sTnWvYHOwA277lQVZqT0HrMh5OqWsJTq6HLDRuSJxySaOdFRY3C3PSF4H5tmtB78JPYQpaCwjjvOFygrxqXeEf0rDt1/cmNVUNjY57yGtY0ucTsAAuSpW8FiziwhKclGKxb0H591l0xJpCrLwCcTgyFm8C9mt7STc9ZVKUnJ4n0WxtYWNvmvZpb/NiLq1O1fbRUzYsi89KV3F5GfcNg7FapwzI4Hhso3ru67qbNS6vzSyuOVfVrmZvlMQ/BzHp22Nk237HZntDuIUFaGa8VtPTcn7/nafMTfrR1dK8Pod7kl1m5yP5JKenGLxE72b2drd3V9Vb0J/pZz+UGT+bn5RBaJa+vf2/XrOpysVJZo94H9Y9jD2Xxf/BbV/YKmQKalepvYm/t9yH8jVA19TLK7MxRgN6i8kF3bZpH2io6Cxkztcpa0o0YU1+p6ez/AH8i4laPGBAEAQFf8tH8zi/aB/tSKCvqXWeh5Nf3Mv8AF/VHN5Ef7V/hf8ixQ2lnlPrp9v2LSVg8qEAQFUctdSecpo9wa9/eSB/A+dVq70pHreTNNZtSe3QiNao64uoGPbHCx7nuBc5xINgLBuW4ZnvKjhNw1I6mUclK9mpSm0ktX3O/4W5/J4/Sct+fluOf6M0viPgh4W5/J4/ScnPy3D0ZpfEfBDwtz+Tx+k5OfluHozS+I+CJhqLrLUV4e+SFkcTeiHAklztpAvuA29o61LSm560cXKthRs2oRm3J/JeJLVKcgpPld0aY63nbdGdjSD+cwBjh5gw/aVOssJY7z3PJ2up2vN7Yv5PT3k65MdPsqKRkRI52BoYW7y0ZMeOq1gesdYU1GWMcNx5/LdlKhcOf6ZPHt2omSmOMEAQBAVJyv6fZI5lLGQeadjkI2B1rBnaAXX7R1qrWli8Eev5O2coKVeW3Quredfkj0aWUk0zhbnnHD9VgIv5y7zLegtDZT5Q11O5jTX6V834YFaapfz2l/Xx/vhVqX6ew9PlH+1qf4v6F96waBhrIjFM242tcPGafpNPH3q9OCksGfPrS7q2tTnKb8esovWnVeahkwyDEw+JIB0Xfc7iPftVOcXF4M9/YZRpXkMY6Gta3eHSa+gNCvq5OajkiY/8AJEji3FxDbNNz1LCTbwRJeXkbWGfOLa6Fjh16SwtXeSvC4PrJGvAN+bjvhP1nEA26gO9TRoe8ebvOUblFxt44dL19i8SzGMAAAAAAsAMgBwCsnmG8XiyreVzWa5+RxHZZ0xHnbH7nH7PWq1af6Uer5PZP/wDszXRH7v7LtObqBoh8MMmkeZ57mgeZjxYSbZSSA4TmBcAb+lvstaccFn4aixli6jVqxss7Nx1vX1LZr29h1fC+PJP9b/8ANb+UdBV9GH8X/wDPiael+UyKphfDLRkse2x/DC43hw/B7QbEdi1lWUlg0TW/J+pQqKpCrpX7fHaQHR9a+CRksRs9jg5p6xuPUdhHAqFYrSj0VajCtTdOa0PQXFrFO3SeiHywjpAB+HaQ5hu9nbbFbjccVZm8+nijxNnB5PyioVNWrHoepkB5NNPtpKr8KcMUzcDidjTe7XHqvcdWK+5Q0pZsus9Fluylc2+MFjKOnr3r83F7NN1dPAnqAIAgK/5aP5nF+0D/AGpFBX1LrPQ8mv7mX+L+qObyI/2r/C/5FihtLPKfXT7fsWkrB5UIAgKz5aNGlzIJ2jJhcx/VisWnsuCO8KvXWpnp+TVdKc6L26V2Ee5N6DR9S58FXHeUnFETI9uIWzYA1wFxa/E3PBR0lFvCR0stVry3Sq0JerqehPDp0rbq/wBlh+DvRnk/+rL8an5mG48358vvifKPcPB1ozyf/Vl+NOZhuHny++J8o9w8HWjPJ/8AVl+NOZhu+pnz5ffE+Ue4kOjaCOnjbFC0MYwWa0dtzmcybkm54qSKSWCObWrTrTdSo8WzZWSM4+tWgI66AxPyO1j7XLXDYbbxuI3g7tq0nBSWDLljeztKqqR7VvRR+lNEVmjZgXB0bgehKwnCfqvH7pzttCpyTg9Og93Qura/p4LBranr4ff5nWp+UzSDWgF0b+t0Yv8A5SB7Fvzs95Tnyes5PFYrqffiZfCjX/ofVn4k56p0cPE19HbTfLiu4eFGv/Q+rPxJz1To4eI9HLTfLiu40tJ8oVfM0tMgjBFjzbcJP2s3DuIWJVZNaWT0Mh2dKWdm49bx+Woy6n6jT1jg+QOjgvcvIsXjbZgO2/0tnbsSFNy6jTKOWKVrFwptOe7d19xdjKZscWCMBrWswtA2AAWAVxJJYI8K5ynPOk8W3ifnnVL+e0v6+P8AfCoUv09h9Hyj/aVP8X9D9HroHzU1dJ6OiqI3RTND2OGYPsIO4jcQsSipLBktGtOjNVKbwaKR1y1NloH42Fz4SRhkHjNN8mvtsPB2w9WxU6lNx6j3WTcq072OZPBT2rf1dxK9ROUTFhgrnAOyDJjkDwbJwP52/fxMlOtskcfKuQ8zGrbrRtju6u7gTDXHWBtFTOlyLz0Ym8XEZdw2ns61NUnmrE42TrKV3XVPZrfV+aCk9XdEyaQqwwkkvcXyv3ht7uf252HWQqkYuTwPdXtzCxts5LVoS6diP0HSUzImNjjAaxjQ1o4ACwCupJLBHzqc5Tk5yeLekidRyZ0D3OdaRuIk2a+zRc3sBbIdSi5iJ14ZevIxUcVo6DH4LqD9L6f/ANU5iJt6Q3m9cDja28m0MdM+Sk5wyR9Itc7FiaAcQAt428dlt60nRSWKLuT8vVZ11CvhmvRqwwezsI1ybazfJKjBIbQzEB19jXbGv7Nx6jfctKU819DOnlvJ/lNHPgvWj81tXd4nU165PpI3umo2F8RN3RtHSYd+Fo2s6hmOxZqUmnitRVyVluE4qlcPCS1N7evp+vWR3Q2uddSDBHLdjcgyQYgOoX6Q7AbLSNSS0JnSuck2ly8+UdL2rRj9jq+FGv8A0Pqz8S256p0cPEqejtpvlxXcPCjX/ofVn4k56p0cPEejlpvlxXcZqPlH0lK9scbYXPe4NaBGcyT9ZOdqdHDxI6uQbKlBzm5JLTrXcSLlZik/k+DnCHPbMznHNFm35uQEgbhc2CkrY5qxObyflDyyeboTi8MetfYrzVvWmoocfMYPwmHFibi2XtbMcSoYzlHUelvsm0bzN5zHRue87fhRr/0Pqz8S256p0cPEoejlpvlxXcPCjX/ofVn4k56p0cPEejlpvlxXcPCjX/ofVn4k56p0cPEejlpvlxXcTfVCoqdJU0prms5mQFjGtbhLuL73Ow5DrB4KWm5TTztRwco06NhXirZvOjpbbxw6NXErnWrU2poXlwDnwg3bK3dwx28Vw47OHVBOm469R6awyrQu45ssFLant6t66NZloOUXSETcPONkA2GRocfSFie03WVVnsZpWyDZ1Hjg11P/AH8ja8KNf+h9WfiWeeqdHDxIvR203y4ruHhRr/0Pqz8Sc9U6OHiPRy03y4ruOzqlrnpKtqWRDmg3xpHCM9Fg2nxtpyA6yFtCpUlLDRwKOUclWVpQdRuWOpLFaXw4lpK0eTPpDJ8yMDgQ4Ag7QRceZDKbTxRyn6r0JNzSwX/VM+5ac1DcuBaV/dLQqkv5M8+atB5JB6pv3LHNQ91cDPnC6+LL+THzVoPJIPVN+5Oah7q4DzhdfFl/JmWm1epIzijpoWu3ERtB7ja6yqcVqSNJ3lxNYSqSa62dNblY8IugOVDqzRMcHNpYGuaQWkRtBBBuCDbatFTgtKSLUr65knGVSTT6WdZblUIDHPA17S17Q5rhZzXC4I4EHaEax1m0ZOLUovBo5fzVoPJIPVN+5R81D3VwLXnC6+LL+TM9RoKlkaxskET2xizA5gIaMsmgjIZDZwC2cIvQ0Rwuq8G5Rm03rwb09Zk0foinguYIY4sVsWBgbe2y9h1pGEY6ka1birWw5yTeG94m6tiEIAgCA4/zVofJIPVN+5R81DcuBc84XXxZfyZ1o2BoAAsALAcANgUhUbxeLNKt0LTTG80EUh4vja4+ci61cIvWialdVqSwpza6m0a3zVoPJIPVN+5a81D3VwJfOF18WX8mPmrQeSQeqb9yc1D3VwHnC6+LL+TM1JoCkieHxU8LHi9nNjaCLixsQOBWVTinikjSpeXFSObOcmtzbN2op2SNLJGh7XCxa4AgjgQcitmk9DIIzlCSlF4NbjmfNWg8kg9U37lpzUPdXAtecLr4sv5MfNWg8kg9U37k5qHurgPOF18WX8mPmrQeSQeqb9yc1D3VwHnC6+LL+THzVoPJIPVN+5Oah7q4DzhdfFl/JnUp4GsaGMaGtaAGtAsABsAA2BbpYairKTk3KTxbPshZNTmT6uUbyXPpoHOO0mJtz2m2a0dOD1pFqN7cwWEakkutmP5q0HkkHqm/csc1D3VwNvOF18WX8mPmrQeSQeqb9yc1D3VwHnC6+LL+TNvR+iYIMXMRRxYrYsDA29r2vYZ7T51tGEY6kQ1birWw5yTeG9tm6tiE/9k="/>
+          <p:cNvSpPr>
+            <a:spLocks noChangeAspect="1" noChangeArrowheads="1"/>
+          </p:cNvSpPr>
+          <p:nvPr/>
+        </p:nvSpPr>
+        <p:spPr bwMode="auto">
+          <a:xfrm>
+            <a:off x="625475" y="312738"/>
+            <a:ext cx="304800" cy="304801"/>
+          </a:xfrm>
+          <a:prstGeom prst="rect">
+            <a:avLst/>
+          </a:prstGeom>
+          <a:noFill/>
+          <a:extLst>
+            <a:ext uri="{909E8E84-426E-40DD-AFC4-6F175D3DCCD1}">
+              <a14:hiddenFill xmlns:a14="http://schemas.microsoft.com/office/drawing/2010/main">
+                <a:solidFill>
+                  <a:srgbClr val="FFFFFF"/>
+                </a:solidFill>
+              </a14:hiddenFill>
+            </a:ext>
+          </a:extLst>
+        </p:spPr>
+        <p:txBody>
+          <a:bodyPr vert="horz" wrap="square" lIns="91440" tIns="45720" rIns="91440" bIns="45720" numCol="1" anchor="t" anchorCtr="0" compatLnSpc="1">
+            <a:prstTxWarp prst="textNoShape">
+              <a:avLst/>
+            </a:prstTxWarp>
+          </a:bodyPr>
+          <a:lstStyle/>
+          <a:p>
+            <a:endParaRPr lang="ko-KR" altLang="en-US" b="1"/>
+          </a:p>
+        </p:txBody>
+      </p:sp>
+      <p:sp>
+        <p:nvSpPr>
+          <p:cNvPr id="17" name="TextBox 16">
+            <a:extLst>
+              <a:ext uri="{FF2B5EF4-FFF2-40B4-BE49-F238E27FC236}">
+                <a16:creationId xmlns:a16="http://schemas.microsoft.com/office/drawing/2014/main" id="{35FE3B8E-DCF9-487F-AD3D-CEA6323B555C}"/>
+              </a:ext>
+            </a:extLst>
+          </p:cNvPr>
+          <p:cNvSpPr txBox="1"/>
+          <p:nvPr/>
+        </p:nvSpPr>
+        <p:spPr>
+          <a:xfrm>
+            <a:off x="712480" y="841278"/>
+            <a:ext cx="1082348" cy="630942"/>
+          </a:xfrm>
+          <a:prstGeom prst="rect">
+            <a:avLst/>
+          </a:prstGeom>
+          <a:noFill/>
+        </p:spPr>
+        <p:txBody>
+          <a:bodyPr wrap="none" rtlCol="0">
+            <a:spAutoFit/>
+          </a:bodyPr>
+          <a:lstStyle/>
+          <a:p>
+            <a:r>
+              <a:rPr lang="ko-KR" altLang="en-US" sz="3500" b="1" dirty="0">
+                <a:ln>
+                  <a:solidFill>
+                    <a:schemeClr val="bg1">
+                      <a:alpha val="0"/>
+                    </a:schemeClr>
+                  </a:solidFill>
+                </a:ln>
+                <a:solidFill>
+                  <a:srgbClr val="BF0302"/>
+                </a:solidFill>
+                <a:latin typeface="-윤고딕330" pitchFamily="18" charset="-127"/>
+                <a:ea typeface="-윤고딕330" pitchFamily="18" charset="-127"/>
+              </a:rPr>
+              <a:t>고찰</a:t>
+            </a:r>
+          </a:p>
+        </p:txBody>
+      </p:sp>
+      <p:pic>
+        <p:nvPicPr>
+          <p:cNvPr id="20" name="그림 19">
+            <a:extLst>
+              <a:ext uri="{FF2B5EF4-FFF2-40B4-BE49-F238E27FC236}">
+                <a16:creationId xmlns:a16="http://schemas.microsoft.com/office/drawing/2014/main" id="{37B19423-BC71-40E0-86E5-D56BE1F5AC8C}"/>
+              </a:ext>
+            </a:extLst>
+          </p:cNvPr>
+          <p:cNvPicPr>
+            <a:picLocks noChangeAspect="1"/>
+          </p:cNvPicPr>
+          <p:nvPr/>
+        </p:nvPicPr>
+        <p:blipFill>
+          <a:blip r:embed="rId2" cstate="print">
+            <a:extLst>
+              <a:ext uri="{28A0092B-C50C-407E-A947-70E740481C1C}">
+                <a14:useLocalDpi xmlns:a14="http://schemas.microsoft.com/office/drawing/2010/main" val="0"/>
+              </a:ext>
+            </a:extLst>
+          </a:blip>
+          <a:stretch>
+            <a:fillRect/>
+          </a:stretch>
+        </p:blipFill>
+        <p:spPr>
+          <a:xfrm>
+            <a:off x="480195" y="676651"/>
+            <a:ext cx="329253" cy="329253"/>
+          </a:xfrm>
+          <a:prstGeom prst="rect">
+            <a:avLst/>
+          </a:prstGeom>
+        </p:spPr>
+      </p:pic>
+      <p:sp>
+        <p:nvSpPr>
+          <p:cNvPr id="35" name="TextBox 34">
+            <a:extLst>
+              <a:ext uri="{FF2B5EF4-FFF2-40B4-BE49-F238E27FC236}">
+                <a16:creationId xmlns:a16="http://schemas.microsoft.com/office/drawing/2014/main" id="{06F2A79E-2E95-4B2C-A915-2979AF90DBC7}"/>
+              </a:ext>
+            </a:extLst>
+          </p:cNvPr>
+          <p:cNvSpPr txBox="1"/>
+          <p:nvPr/>
+        </p:nvSpPr>
+        <p:spPr>
+          <a:xfrm>
+            <a:off x="712480" y="1528266"/>
+            <a:ext cx="7939016" cy="861774"/>
+          </a:xfrm>
+          <a:prstGeom prst="rect">
+            <a:avLst/>
+          </a:prstGeom>
+          <a:noFill/>
+        </p:spPr>
+        <p:txBody>
+          <a:bodyPr wrap="square" rtlCol="0">
+            <a:spAutoFit/>
+          </a:bodyPr>
+          <a:lstStyle/>
+          <a:p>
+            <a:pPr algn="ctr"/>
+            <a:r>
+              <a:rPr lang="ko-KR" altLang="en-US" sz="2500" b="1" dirty="0">
+                <a:ln>
+                  <a:solidFill>
+                    <a:schemeClr val="bg1">
+                      <a:alpha val="0"/>
+                    </a:schemeClr>
+                  </a:solidFill>
+                </a:ln>
+                <a:latin typeface="-윤고딕330" pitchFamily="18" charset="-127"/>
+                <a:ea typeface="-윤고딕330" pitchFamily="18" charset="-127"/>
+              </a:rPr>
+              <a:t>오픈소스</a:t>
+            </a:r>
+            <a:r>
+              <a:rPr lang="en-US" altLang="ko-KR" sz="2500" b="1" dirty="0">
+                <a:ln>
+                  <a:solidFill>
+                    <a:schemeClr val="bg1">
+                      <a:alpha val="0"/>
+                    </a:schemeClr>
+                  </a:solidFill>
+                </a:ln>
+                <a:latin typeface="-윤고딕330" pitchFamily="18" charset="-127"/>
+                <a:ea typeface="-윤고딕330" pitchFamily="18" charset="-127"/>
+              </a:rPr>
+              <a:t>SW(</a:t>
+            </a:r>
+            <a:r>
+              <a:rPr lang="en-US" altLang="ko-KR" sz="2500" b="1" dirty="0" err="1">
+                <a:ln>
+                  <a:solidFill>
+                    <a:schemeClr val="bg1">
+                      <a:alpha val="0"/>
+                    </a:schemeClr>
+                  </a:solidFill>
+                </a:ln>
+                <a:latin typeface="-윤고딕330" pitchFamily="18" charset="-127"/>
+                <a:ea typeface="-윤고딕330" pitchFamily="18" charset="-127"/>
+              </a:rPr>
+              <a:t>Tensorflow</a:t>
+            </a:r>
+            <a:r>
+              <a:rPr lang="en-US" altLang="ko-KR" sz="2500" b="1" dirty="0">
+                <a:ln>
+                  <a:solidFill>
+                    <a:schemeClr val="bg1">
+                      <a:alpha val="0"/>
+                    </a:schemeClr>
+                  </a:solidFill>
+                </a:ln>
+                <a:latin typeface="-윤고딕330" pitchFamily="18" charset="-127"/>
+                <a:ea typeface="-윤고딕330" pitchFamily="18" charset="-127"/>
+              </a:rPr>
+              <a:t>, </a:t>
+            </a:r>
+            <a:r>
+              <a:rPr lang="en-US" altLang="ko-KR" sz="2500" b="1" dirty="0" err="1">
+                <a:ln>
+                  <a:solidFill>
+                    <a:schemeClr val="bg1">
+                      <a:alpha val="0"/>
+                    </a:schemeClr>
+                  </a:solidFill>
+                </a:ln>
+                <a:latin typeface="-윤고딕330" pitchFamily="18" charset="-127"/>
+                <a:ea typeface="-윤고딕330" pitchFamily="18" charset="-127"/>
+              </a:rPr>
+              <a:t>XGBoost</a:t>
+            </a:r>
+            <a:r>
+              <a:rPr lang="en-US" altLang="ko-KR" sz="2500" b="1" dirty="0">
+                <a:ln>
+                  <a:solidFill>
+                    <a:schemeClr val="bg1">
+                      <a:alpha val="0"/>
+                    </a:schemeClr>
+                  </a:solidFill>
+                </a:ln>
+                <a:latin typeface="-윤고딕330" pitchFamily="18" charset="-127"/>
+                <a:ea typeface="-윤고딕330" pitchFamily="18" charset="-127"/>
+              </a:rPr>
+              <a:t> </a:t>
+            </a:r>
+            <a:r>
+              <a:rPr lang="ko-KR" altLang="en-US" sz="2500" b="1" dirty="0">
+                <a:ln>
+                  <a:solidFill>
+                    <a:schemeClr val="bg1">
+                      <a:alpha val="0"/>
+                    </a:schemeClr>
+                  </a:solidFill>
+                </a:ln>
+                <a:latin typeface="-윤고딕330" pitchFamily="18" charset="-127"/>
+                <a:ea typeface="-윤고딕330" pitchFamily="18" charset="-127"/>
+              </a:rPr>
+              <a:t>등</a:t>
+            </a:r>
+            <a:r>
+              <a:rPr lang="en-US" altLang="ko-KR" sz="2500" b="1" dirty="0">
+                <a:ln>
+                  <a:solidFill>
+                    <a:schemeClr val="bg1">
+                      <a:alpha val="0"/>
+                    </a:schemeClr>
+                  </a:solidFill>
+                </a:ln>
+                <a:latin typeface="-윤고딕330" pitchFamily="18" charset="-127"/>
+                <a:ea typeface="-윤고딕330" pitchFamily="18" charset="-127"/>
+              </a:rPr>
+              <a:t>)</a:t>
+            </a:r>
+            <a:r>
+              <a:rPr lang="ko-KR" altLang="en-US" sz="2500" b="1" dirty="0">
+                <a:ln>
+                  <a:solidFill>
+                    <a:schemeClr val="bg1">
+                      <a:alpha val="0"/>
+                    </a:schemeClr>
+                  </a:solidFill>
+                </a:ln>
+                <a:latin typeface="-윤고딕330" pitchFamily="18" charset="-127"/>
+                <a:ea typeface="-윤고딕330" pitchFamily="18" charset="-127"/>
+              </a:rPr>
+              <a:t>의 사용에</a:t>
+            </a:r>
+            <a:endParaRPr lang="en-US" altLang="ko-KR" sz="2500" b="1" dirty="0">
+              <a:ln>
+                <a:solidFill>
+                  <a:schemeClr val="bg1">
+                    <a:alpha val="0"/>
+                  </a:schemeClr>
+                </a:solidFill>
+              </a:ln>
+              <a:latin typeface="-윤고딕330" pitchFamily="18" charset="-127"/>
+              <a:ea typeface="-윤고딕330" pitchFamily="18" charset="-127"/>
+            </a:endParaRPr>
+          </a:p>
+          <a:p>
+            <a:pPr algn="ctr"/>
+            <a:r>
+              <a:rPr lang="ko-KR" altLang="en-US" sz="2500" b="1" dirty="0">
+                <a:ln>
+                  <a:solidFill>
+                    <a:schemeClr val="bg1">
+                      <a:alpha val="0"/>
+                    </a:schemeClr>
+                  </a:solidFill>
+                </a:ln>
+                <a:latin typeface="-윤고딕330" pitchFamily="18" charset="-127"/>
+                <a:ea typeface="-윤고딕330" pitchFamily="18" charset="-127"/>
+              </a:rPr>
+              <a:t>있어서 함수 활용의 어려움</a:t>
+            </a:r>
+            <a:endParaRPr lang="en-US" altLang="ko-KR" sz="2500" b="1" dirty="0">
+              <a:ln>
+                <a:solidFill>
+                  <a:schemeClr val="bg1">
+                    <a:alpha val="0"/>
+                  </a:schemeClr>
+                </a:solidFill>
+              </a:ln>
+              <a:latin typeface="-윤고딕330" pitchFamily="18" charset="-127"/>
+              <a:ea typeface="-윤고딕330" pitchFamily="18" charset="-127"/>
+            </a:endParaRPr>
+          </a:p>
+        </p:txBody>
+      </p:sp>
+      <p:sp>
+        <p:nvSpPr>
+          <p:cNvPr id="14" name="화살표: 아래쪽 13">
+            <a:extLst>
+              <a:ext uri="{FF2B5EF4-FFF2-40B4-BE49-F238E27FC236}">
+                <a16:creationId xmlns:a16="http://schemas.microsoft.com/office/drawing/2014/main" id="{B83FDD23-A09D-44ED-8DB8-2CAC9A36A520}"/>
+              </a:ext>
+            </a:extLst>
+          </p:cNvPr>
+          <p:cNvSpPr/>
+          <p:nvPr/>
+        </p:nvSpPr>
+        <p:spPr>
+          <a:xfrm>
+            <a:off x="3941111" y="2390040"/>
+            <a:ext cx="1080120" cy="1003390"/>
+          </a:xfrm>
+          <a:prstGeom prst="downArrow">
+            <a:avLst/>
+          </a:prstGeom>
+          <a:solidFill>
+            <a:schemeClr val="tx1"/>
+          </a:solidFill>
+          <a:ln>
+            <a:solidFill>
+              <a:schemeClr val="tx1"/>
+            </a:solidFill>
+          </a:ln>
+        </p:spPr>
+        <p:style>
+          <a:lnRef idx="2">
+            <a:schemeClr val="accent1">
+              <a:shade val="50000"/>
+            </a:schemeClr>
+          </a:lnRef>
+          <a:fillRef idx="1">
+            <a:schemeClr val="accent1"/>
+          </a:fillRef>
+          <a:effectRef idx="0">
+            <a:schemeClr val="accent1"/>
+          </a:effectRef>
+          <a:fontRef idx="minor">
+            <a:schemeClr val="lt1"/>
+          </a:fontRef>
+        </p:style>
+        <p:txBody>
+          <a:bodyPr rtlCol="0" anchor="ctr"/>
+          <a:lstStyle/>
+          <a:p>
+            <a:pPr algn="ctr"/>
+            <a:endParaRPr lang="ko-KR" altLang="en-US"/>
+          </a:p>
+        </p:txBody>
+      </p:sp>
+      <p:sp>
+        <p:nvSpPr>
+          <p:cNvPr id="18" name="화살표: 아래쪽 17">
+            <a:extLst>
+              <a:ext uri="{FF2B5EF4-FFF2-40B4-BE49-F238E27FC236}">
+                <a16:creationId xmlns:a16="http://schemas.microsoft.com/office/drawing/2014/main" id="{E6541C64-E00D-4F29-83E0-4A6853991F08}"/>
+              </a:ext>
+            </a:extLst>
+          </p:cNvPr>
+          <p:cNvSpPr/>
+          <p:nvPr/>
+        </p:nvSpPr>
+        <p:spPr>
+          <a:xfrm>
+            <a:off x="3934972" y="4255204"/>
+            <a:ext cx="1080120" cy="1003390"/>
+          </a:xfrm>
+          <a:prstGeom prst="downArrow">
+            <a:avLst/>
+          </a:prstGeom>
+          <a:solidFill>
+            <a:schemeClr val="tx1"/>
+          </a:solidFill>
+          <a:ln>
+            <a:solidFill>
+              <a:schemeClr val="tx1"/>
+            </a:solidFill>
+          </a:ln>
+        </p:spPr>
+        <p:style>
+          <a:lnRef idx="2">
+            <a:schemeClr val="accent1">
+              <a:shade val="50000"/>
+            </a:schemeClr>
+          </a:lnRef>
+          <a:fillRef idx="1">
+            <a:schemeClr val="accent1"/>
+          </a:fillRef>
+          <a:effectRef idx="0">
+            <a:schemeClr val="accent1"/>
+          </a:effectRef>
+          <a:fontRef idx="minor">
+            <a:schemeClr val="lt1"/>
+          </a:fontRef>
+        </p:style>
+        <p:txBody>
+          <a:bodyPr rtlCol="0" anchor="ctr"/>
+          <a:lstStyle/>
+          <a:p>
+            <a:pPr algn="ctr"/>
+            <a:endParaRPr lang="ko-KR" altLang="en-US"/>
+          </a:p>
+        </p:txBody>
+      </p:sp>
+      <p:sp>
+        <p:nvSpPr>
+          <p:cNvPr id="19" name="TextBox 18">
+            <a:extLst>
+              <a:ext uri="{FF2B5EF4-FFF2-40B4-BE49-F238E27FC236}">
+                <a16:creationId xmlns:a16="http://schemas.microsoft.com/office/drawing/2014/main" id="{50A1E7AF-DB86-423D-A318-52832D2F5785}"/>
+              </a:ext>
+            </a:extLst>
+          </p:cNvPr>
+          <p:cNvSpPr txBox="1"/>
+          <p:nvPr/>
+        </p:nvSpPr>
+        <p:spPr>
+          <a:xfrm>
+            <a:off x="712480" y="3579380"/>
+            <a:ext cx="7939016" cy="477054"/>
+          </a:xfrm>
+          <a:prstGeom prst="rect">
+            <a:avLst/>
+          </a:prstGeom>
+          <a:noFill/>
+        </p:spPr>
+        <p:txBody>
+          <a:bodyPr wrap="square" rtlCol="0">
+            <a:spAutoFit/>
+          </a:bodyPr>
+          <a:lstStyle/>
+          <a:p>
+            <a:pPr algn="ctr"/>
+            <a:r>
+              <a:rPr lang="ko-KR" altLang="en-US" sz="2500" b="1" dirty="0">
+                <a:ln>
+                  <a:solidFill>
+                    <a:schemeClr val="bg1">
+                      <a:alpha val="0"/>
+                    </a:schemeClr>
+                  </a:solidFill>
+                </a:ln>
+                <a:latin typeface="-윤고딕330" pitchFamily="18" charset="-127"/>
+                <a:ea typeface="-윤고딕330" pitchFamily="18" charset="-127"/>
+              </a:rPr>
+              <a:t>분석 안되는 커널들이 많고</a:t>
+            </a:r>
+            <a:r>
+              <a:rPr lang="en-US" altLang="ko-KR" sz="2500" b="1" dirty="0">
+                <a:ln>
+                  <a:solidFill>
+                    <a:schemeClr val="bg1">
+                      <a:alpha val="0"/>
+                    </a:schemeClr>
+                  </a:solidFill>
+                </a:ln>
+                <a:latin typeface="-윤고딕330" pitchFamily="18" charset="-127"/>
+                <a:ea typeface="-윤고딕330" pitchFamily="18" charset="-127"/>
+              </a:rPr>
+              <a:t>, </a:t>
+            </a:r>
+            <a:r>
+              <a:rPr lang="ko-KR" altLang="en-US" sz="2500" b="1" dirty="0">
+                <a:ln>
+                  <a:solidFill>
+                    <a:schemeClr val="bg1">
+                      <a:alpha val="0"/>
+                    </a:schemeClr>
+                  </a:solidFill>
+                </a:ln>
+                <a:latin typeface="-윤고딕330" pitchFamily="18" charset="-127"/>
+                <a:ea typeface="-윤고딕330" pitchFamily="18" charset="-127"/>
+              </a:rPr>
+              <a:t>코드 이해가 어려움</a:t>
+            </a:r>
+            <a:endParaRPr lang="en-US" altLang="ko-KR" sz="2500" b="1" dirty="0">
+              <a:ln>
+                <a:solidFill>
+                  <a:schemeClr val="bg1">
+                    <a:alpha val="0"/>
+                  </a:schemeClr>
+                </a:solidFill>
+              </a:ln>
+              <a:latin typeface="-윤고딕330" pitchFamily="18" charset="-127"/>
+              <a:ea typeface="-윤고딕330" pitchFamily="18" charset="-127"/>
+            </a:endParaRPr>
+          </a:p>
+        </p:txBody>
+      </p:sp>
+      <p:sp>
+        <p:nvSpPr>
+          <p:cNvPr id="22" name="TextBox 21">
+            <a:extLst>
+              <a:ext uri="{FF2B5EF4-FFF2-40B4-BE49-F238E27FC236}">
+                <a16:creationId xmlns:a16="http://schemas.microsoft.com/office/drawing/2014/main" id="{F63779CB-09F2-4A68-BFF7-AC149040EE13}"/>
+              </a:ext>
+            </a:extLst>
+          </p:cNvPr>
+          <p:cNvSpPr txBox="1"/>
+          <p:nvPr/>
+        </p:nvSpPr>
+        <p:spPr>
+          <a:xfrm>
+            <a:off x="547853" y="5456960"/>
+            <a:ext cx="7939016" cy="477054"/>
+          </a:xfrm>
+          <a:prstGeom prst="rect">
+            <a:avLst/>
+          </a:prstGeom>
+          <a:noFill/>
+        </p:spPr>
+        <p:txBody>
+          <a:bodyPr wrap="square" rtlCol="0">
+            <a:spAutoFit/>
+          </a:bodyPr>
+          <a:lstStyle/>
+          <a:p>
+            <a:pPr algn="ctr"/>
+            <a:r>
+              <a:rPr lang="ko-KR" altLang="en-US" sz="2500" b="1" dirty="0">
+                <a:ln>
+                  <a:solidFill>
+                    <a:schemeClr val="bg1">
+                      <a:alpha val="0"/>
+                    </a:schemeClr>
+                  </a:solidFill>
+                </a:ln>
+                <a:latin typeface="-윤고딕330" pitchFamily="18" charset="-127"/>
+                <a:ea typeface="-윤고딕330" pitchFamily="18" charset="-127"/>
+              </a:rPr>
+              <a:t>개선의 어려움</a:t>
+            </a:r>
+            <a:endParaRPr lang="en-US" altLang="ko-KR" sz="2500" b="1" dirty="0">
+              <a:ln>
+                <a:solidFill>
+                  <a:schemeClr val="bg1">
+                    <a:alpha val="0"/>
+                  </a:schemeClr>
+                </a:solidFill>
+              </a:ln>
+              <a:latin typeface="-윤고딕330" pitchFamily="18" charset="-127"/>
+              <a:ea typeface="-윤고딕330" pitchFamily="18" charset="-127"/>
+            </a:endParaRPr>
+          </a:p>
+        </p:txBody>
+      </p:sp>
+    </p:spTree>
+    <p:extLst>
+      <p:ext uri="{BB962C8B-B14F-4D97-AF65-F5344CB8AC3E}">
+        <p14:creationId xmlns:p14="http://schemas.microsoft.com/office/powerpoint/2010/main" val="2266668640"/>
+      </p:ext>
+    </p:extLst>
+  </p:cSld>
+  <p:clrMapOvr>
+    <a:masterClrMapping/>
+  </p:clrMapOvr>
+  <mc:AlternateContent xmlns:mc="http://schemas.openxmlformats.org/markup-compatibility/2006" xmlns:p14="http://schemas.microsoft.com/office/powerpoint/2010/main">
+    <mc:Choice Requires="p14">
+      <p:transition spd="med" p14:dur="700">
+        <p:fade/>
+      </p:transition>
+    </mc:Choice>
+    <mc:Fallback xmlns="">
+      <p:transition spd="med">
+        <p:fade/>
+      </p:transition>
+    </mc:Fallback>
+  </mc:AlternateContent>
+</p:sld>
+</file>
+
+<file path=ppt/slides/slide14.xml><?xml version="1.0" encoding="utf-8"?>
+<p:sld xmlns:a="http://schemas.openxmlformats.org/drawingml/2006/main" xmlns:r="http://schemas.openxmlformats.org/officeDocument/2006/relationships" xmlns:p="http://schemas.openxmlformats.org/presentationml/2006/main">
+  <p:cSld>
+    <p:spTree>
+      <p:nvGrpSpPr>
+        <p:cNvPr id="1" name=""/>
+        <p:cNvGrpSpPr/>
+        <p:nvPr/>
+      </p:nvGrpSpPr>
+      <p:grpSpPr>
+        <a:xfrm>
+          <a:off x="0" y="0"/>
+          <a:ext cx="0" cy="0"/>
+          <a:chOff x="0" y="0"/>
+          <a:chExt cx="0" cy="0"/>
+        </a:xfrm>
+      </p:grpSpPr>
+      <p:sp>
+        <p:nvSpPr>
+          <p:cNvPr id="6" name="모서리가 둥근 직사각형 5"/>
+          <p:cNvSpPr/>
+          <p:nvPr/>
+        </p:nvSpPr>
+        <p:spPr>
+          <a:xfrm>
+            <a:off x="251520" y="188640"/>
+            <a:ext cx="8640960" cy="6480720"/>
+          </a:xfrm>
+          <a:prstGeom prst="roundRect">
+            <a:avLst>
+              <a:gd name="adj" fmla="val 5928"/>
+            </a:avLst>
+          </a:prstGeom>
+          <a:solidFill>
+            <a:schemeClr val="bg1"/>
+          </a:solidFill>
+          <a:ln>
+            <a:solidFill>
+              <a:schemeClr val="bg1"/>
+            </a:solidFill>
+          </a:ln>
+        </p:spPr>
+        <p:style>
+          <a:lnRef idx="2">
+            <a:schemeClr val="accent1">
+              <a:shade val="50000"/>
+            </a:schemeClr>
+          </a:lnRef>
+          <a:fillRef idx="1">
+            <a:schemeClr val="accent1"/>
+          </a:fillRef>
+          <a:effectRef idx="0">
+            <a:schemeClr val="accent1"/>
+          </a:effectRef>
+          <a:fontRef idx="minor">
+            <a:schemeClr val="lt1"/>
+          </a:fontRef>
+        </p:style>
+        <p:txBody>
+          <a:bodyPr rtlCol="0" anchor="ctr"/>
+          <a:lstStyle/>
+          <a:p>
+            <a:pPr algn="ctr"/>
+            <a:endParaRPr lang="ko-KR" altLang="en-US" b="1" dirty="0"/>
+          </a:p>
+        </p:txBody>
+      </p:sp>
+      <p:sp>
+        <p:nvSpPr>
+          <p:cNvPr id="10" name="TextBox 9"/>
+          <p:cNvSpPr txBox="1"/>
+          <p:nvPr/>
+        </p:nvSpPr>
+        <p:spPr>
+          <a:xfrm>
+            <a:off x="2483768" y="2060850"/>
+            <a:ext cx="4179349" cy="2215991"/>
+          </a:xfrm>
+          <a:prstGeom prst="rect">
+            <a:avLst/>
+          </a:prstGeom>
+          <a:noFill/>
+        </p:spPr>
+        <p:txBody>
+          <a:bodyPr wrap="none" rtlCol="0">
+            <a:spAutoFit/>
+          </a:bodyPr>
+          <a:lstStyle/>
+          <a:p>
+            <a:r>
+              <a:rPr lang="en-US" altLang="ko-KR" sz="13800" b="1" dirty="0">
+                <a:solidFill>
+                  <a:srgbClr val="BF0302"/>
+                </a:solidFill>
+                <a:latin typeface="-윤고딕330" pitchFamily="18" charset="-127"/>
+                <a:ea typeface="-윤고딕330" pitchFamily="18" charset="-127"/>
+              </a:rPr>
+              <a:t>T</a:t>
+            </a:r>
+            <a:r>
+              <a:rPr lang="en-US" altLang="ko-KR" sz="4800" b="1" dirty="0">
+                <a:latin typeface="-윤고딕330" pitchFamily="18" charset="-127"/>
+                <a:ea typeface="-윤고딕330" pitchFamily="18" charset="-127"/>
+              </a:rPr>
+              <a:t>hank you</a:t>
+            </a:r>
+            <a:endParaRPr lang="ko-KR" altLang="en-US" sz="13800" b="1" dirty="0">
+              <a:latin typeface="-윤고딕330" pitchFamily="18" charset="-127"/>
+              <a:ea typeface="-윤고딕330" pitchFamily="18" charset="-127"/>
+            </a:endParaRPr>
+          </a:p>
+        </p:txBody>
+      </p:sp>
+    </p:spTree>
+    <p:extLst>
+      <p:ext uri="{BB962C8B-B14F-4D97-AF65-F5344CB8AC3E}">
+        <p14:creationId xmlns:p14="http://schemas.microsoft.com/office/powerpoint/2010/main" val="1111324113"/>
+      </p:ext>
+    </p:extLst>
+  </p:cSld>
+  <p:clrMapOvr>
+    <a:masterClrMapping/>
+  </p:clrMapOvr>
+  <mc:AlternateContent xmlns:mc="http://schemas.openxmlformats.org/markup-compatibility/2006" xmlns:p14="http://schemas.microsoft.com/office/powerpoint/2010/main">
+    <mc:Choice Requires="p14">
+      <p:transition spd="med" p14:dur="700">
+        <p:fade/>
+      </p:transition>
+    </mc:Choice>
+    <mc:Fallback xmlns="">
+      <p:transition spd="med">
+        <p:fade/>
+      </p:transition>
+    </mc:Fallback>
+  </mc:AlternateContent>
+</p:sld>
+</file>
+
+<file path=ppt/slides/slide2.xml><?xml version="1.0" encoding="utf-8"?>
+<p:sld xmlns:a="http://schemas.openxmlformats.org/drawingml/2006/main" xmlns:r="http://schemas.openxmlformats.org/officeDocument/2006/relationships" xmlns:p="http://schemas.openxmlformats.org/presentationml/2006/main">
+  <p:cSld>
+    <p:spTree>
+      <p:nvGrpSpPr>
+        <p:cNvPr id="1" name=""/>
+        <p:cNvGrpSpPr/>
+        <p:nvPr/>
+      </p:nvGrpSpPr>
+      <p:grpSpPr>
+        <a:xfrm>
+          <a:off x="0" y="0"/>
+          <a:ext cx="0" cy="0"/>
+          <a:chOff x="0" y="0"/>
+          <a:chExt cx="0" cy="0"/>
+        </a:xfrm>
+      </p:grpSpPr>
+      <p:sp>
+        <p:nvSpPr>
+          <p:cNvPr id="6" name="모서리가 둥근 직사각형 5"/>
+          <p:cNvSpPr/>
+          <p:nvPr/>
+        </p:nvSpPr>
+        <p:spPr>
+          <a:xfrm>
+            <a:off x="251520" y="188640"/>
+            <a:ext cx="8640960" cy="6480720"/>
+          </a:xfrm>
+          <a:prstGeom prst="roundRect">
+            <a:avLst>
+              <a:gd name="adj" fmla="val 5928"/>
+            </a:avLst>
+          </a:prstGeom>
+          <a:solidFill>
+            <a:schemeClr val="bg1"/>
+          </a:solidFill>
+          <a:ln>
+            <a:solidFill>
+              <a:schemeClr val="bg1"/>
+            </a:solidFill>
+          </a:ln>
+        </p:spPr>
+        <p:style>
+          <a:lnRef idx="2">
+            <a:schemeClr val="accent1">
+              <a:shade val="50000"/>
+            </a:schemeClr>
+          </a:lnRef>
+          <a:fillRef idx="1">
+            <a:schemeClr val="accent1"/>
+          </a:fillRef>
+          <a:effectRef idx="0">
+            <a:schemeClr val="accent1"/>
+          </a:effectRef>
+          <a:fontRef idx="minor">
+            <a:schemeClr val="lt1"/>
+          </a:fontRef>
+        </p:style>
+        <p:txBody>
+          <a:bodyPr rtlCol="0" anchor="ctr"/>
+          <a:lstStyle/>
+          <a:p>
+            <a:pPr algn="ctr"/>
+            <a:endParaRPr lang="ko-KR" altLang="en-US" b="1" dirty="0"/>
+          </a:p>
+        </p:txBody>
+      </p:sp>
+      <p:sp>
+        <p:nvSpPr>
+          <p:cNvPr id="8" name="TextBox 7"/>
+          <p:cNvSpPr txBox="1"/>
+          <p:nvPr/>
+        </p:nvSpPr>
+        <p:spPr>
+          <a:xfrm>
+            <a:off x="814953" y="415781"/>
+            <a:ext cx="1774845" cy="1107996"/>
+          </a:xfrm>
+          <a:prstGeom prst="rect">
+            <a:avLst/>
+          </a:prstGeom>
+          <a:noFill/>
+        </p:spPr>
+        <p:txBody>
+          <a:bodyPr wrap="none" rtlCol="0">
+            <a:spAutoFit/>
+          </a:bodyPr>
+          <a:lstStyle/>
+          <a:p>
+            <a:r>
+              <a:rPr lang="en-US" altLang="ko-KR" sz="6600" b="1" dirty="0">
+                <a:ln>
+                  <a:solidFill>
+                    <a:schemeClr val="bg1">
+                      <a:alpha val="0"/>
+                    </a:schemeClr>
+                  </a:solidFill>
+                </a:ln>
+                <a:solidFill>
+                  <a:srgbClr val="BF0302"/>
+                </a:solidFill>
+                <a:latin typeface="-윤고딕330" pitchFamily="18" charset="-127"/>
+                <a:ea typeface="-윤고딕330" pitchFamily="18" charset="-127"/>
+              </a:rPr>
+              <a:t>I</a:t>
+            </a:r>
+            <a:r>
+              <a:rPr lang="en-US" altLang="ko-KR" sz="4400" b="1" dirty="0">
+                <a:ln>
+                  <a:solidFill>
+                    <a:schemeClr val="bg1">
+                      <a:alpha val="0"/>
+                    </a:schemeClr>
+                  </a:solidFill>
+                </a:ln>
+                <a:latin typeface="-윤고딕330" pitchFamily="18" charset="-127"/>
+                <a:ea typeface="-윤고딕330" pitchFamily="18" charset="-127"/>
+              </a:rPr>
+              <a:t>ndex</a:t>
+            </a:r>
+            <a:endParaRPr lang="ko-KR" altLang="en-US" sz="6600" b="1" dirty="0">
+              <a:ln>
+                <a:solidFill>
+                  <a:schemeClr val="bg1">
+                    <a:alpha val="0"/>
+                  </a:schemeClr>
+                </a:solidFill>
+              </a:ln>
+              <a:latin typeface="-윤고딕330" pitchFamily="18" charset="-127"/>
+              <a:ea typeface="-윤고딕330" pitchFamily="18" charset="-127"/>
+            </a:endParaRPr>
+          </a:p>
+        </p:txBody>
+      </p:sp>
+      <p:pic>
+        <p:nvPicPr>
+          <p:cNvPr id="3" name="그림 2"/>
+          <p:cNvPicPr>
+            <a:picLocks noChangeAspect="1"/>
+          </p:cNvPicPr>
+          <p:nvPr/>
+        </p:nvPicPr>
+        <p:blipFill>
+          <a:blip r:embed="rId2" cstate="print">
+            <a:extLst>
+              <a:ext uri="{28A0092B-C50C-407E-A947-70E740481C1C}">
+                <a14:useLocalDpi xmlns:a14="http://schemas.microsoft.com/office/drawing/2010/main" val="0"/>
+              </a:ext>
+            </a:extLst>
+          </a:blip>
+          <a:stretch>
+            <a:fillRect/>
+          </a:stretch>
+        </p:blipFill>
+        <p:spPr>
+          <a:xfrm>
+            <a:off x="600195" y="2544803"/>
+            <a:ext cx="2377440" cy="2368296"/>
+          </a:xfrm>
+          <a:prstGeom prst="rect">
+            <a:avLst/>
+          </a:prstGeom>
+        </p:spPr>
+      </p:pic>
+      <p:grpSp>
+        <p:nvGrpSpPr>
+          <p:cNvPr id="23" name="그룹 22"/>
+          <p:cNvGrpSpPr/>
+          <p:nvPr/>
+        </p:nvGrpSpPr>
+        <p:grpSpPr>
+          <a:xfrm>
+            <a:off x="3079354" y="2093710"/>
+            <a:ext cx="4630487" cy="649391"/>
+            <a:chOff x="4477696" y="1743998"/>
+            <a:chExt cx="4630487" cy="569066"/>
+          </a:xfrm>
+        </p:grpSpPr>
+        <p:sp>
+          <p:nvSpPr>
+            <p:cNvPr id="24" name="TextBox 23"/>
+            <p:cNvSpPr txBox="1"/>
+            <p:nvPr/>
+          </p:nvSpPr>
+          <p:spPr>
+            <a:xfrm>
+              <a:off x="4932040" y="1743998"/>
+              <a:ext cx="4176143" cy="552899"/>
+            </a:xfrm>
+            <a:prstGeom prst="rect">
+              <a:avLst/>
+            </a:prstGeom>
+            <a:noFill/>
+          </p:spPr>
+          <p:txBody>
+            <a:bodyPr wrap="none" rtlCol="0">
+              <a:spAutoFit/>
+            </a:bodyPr>
+            <a:lstStyle/>
+            <a:p>
+              <a:r>
+                <a:rPr lang="ko-KR" altLang="en-US" sz="3500" b="1" dirty="0">
+                  <a:ln>
+                    <a:solidFill>
+                      <a:schemeClr val="bg1">
+                        <a:alpha val="0"/>
+                      </a:schemeClr>
+                    </a:solidFill>
+                  </a:ln>
+                  <a:solidFill>
+                    <a:srgbClr val="BF0302"/>
+                  </a:solidFill>
+                  <a:latin typeface="-윤고딕330" pitchFamily="18" charset="-127"/>
+                  <a:ea typeface="-윤고딕330" pitchFamily="18" charset="-127"/>
+                </a:rPr>
+                <a:t>주</a:t>
+              </a:r>
+              <a:r>
+                <a:rPr lang="ko-KR" altLang="en-US" sz="2500" b="1" dirty="0">
+                  <a:ln>
+                    <a:solidFill>
+                      <a:schemeClr val="bg1">
+                        <a:alpha val="0"/>
+                      </a:schemeClr>
+                    </a:solidFill>
+                  </a:ln>
+                  <a:latin typeface="-윤고딕330" pitchFamily="18" charset="-127"/>
+                  <a:ea typeface="-윤고딕330" pitchFamily="18" charset="-127"/>
+                </a:rPr>
+                <a:t>제와 필요성</a:t>
+              </a:r>
+              <a:r>
+                <a:rPr lang="en-US" altLang="ko-KR" sz="2500" b="1" dirty="0">
+                  <a:ln>
+                    <a:solidFill>
+                      <a:schemeClr val="bg1">
+                        <a:alpha val="0"/>
+                      </a:schemeClr>
+                    </a:solidFill>
+                  </a:ln>
+                  <a:latin typeface="-윤고딕330" pitchFamily="18" charset="-127"/>
+                  <a:ea typeface="-윤고딕330" pitchFamily="18" charset="-127"/>
+                </a:rPr>
+                <a:t> </a:t>
+              </a:r>
+              <a:r>
+                <a:rPr lang="ko-KR" altLang="en-US" sz="2500" b="1" dirty="0">
+                  <a:ln>
+                    <a:solidFill>
+                      <a:schemeClr val="bg1">
+                        <a:alpha val="0"/>
+                      </a:schemeClr>
+                    </a:solidFill>
+                  </a:ln>
+                  <a:latin typeface="-윤고딕330" pitchFamily="18" charset="-127"/>
+                  <a:ea typeface="-윤고딕330" pitchFamily="18" charset="-127"/>
+                </a:rPr>
+                <a:t>및</a:t>
+              </a:r>
+              <a:r>
+                <a:rPr lang="en-US" altLang="ko-KR" sz="2500" b="1" dirty="0">
+                  <a:ln>
+                    <a:solidFill>
+                      <a:schemeClr val="bg1">
+                        <a:alpha val="0"/>
+                      </a:schemeClr>
+                    </a:solidFill>
+                  </a:ln>
+                  <a:latin typeface="-윤고딕330" pitchFamily="18" charset="-127"/>
+                  <a:ea typeface="-윤고딕330" pitchFamily="18" charset="-127"/>
+                </a:rPr>
+                <a:t> </a:t>
+              </a:r>
+              <a:r>
+                <a:rPr lang="ko-KR" altLang="en-US" sz="2500" b="1" dirty="0">
+                  <a:ln>
+                    <a:solidFill>
+                      <a:schemeClr val="bg1">
+                        <a:alpha val="0"/>
+                      </a:schemeClr>
+                    </a:solidFill>
+                  </a:ln>
+                  <a:latin typeface="-윤고딕330" pitchFamily="18" charset="-127"/>
+                  <a:ea typeface="-윤고딕330" pitchFamily="18" charset="-127"/>
+                </a:rPr>
+                <a:t>기대효과</a:t>
+              </a:r>
+            </a:p>
+          </p:txBody>
+        </p:sp>
+        <p:pic>
+          <p:nvPicPr>
+            <p:cNvPr id="25" name="그림 24"/>
+            <p:cNvPicPr>
+              <a:picLocks noChangeAspect="1"/>
+            </p:cNvPicPr>
+            <p:nvPr/>
+          </p:nvPicPr>
+          <p:blipFill>
+            <a:blip r:embed="rId3" cstate="print">
+              <a:extLst>
+                <a:ext uri="{28A0092B-C50C-407E-A947-70E740481C1C}">
+                  <a14:useLocalDpi xmlns:a14="http://schemas.microsoft.com/office/drawing/2010/main" val="0"/>
+                </a:ext>
+              </a:extLst>
+            </a:blip>
+            <a:stretch>
+              <a:fillRect/>
+            </a:stretch>
+          </p:blipFill>
+          <p:spPr>
+            <a:xfrm rot="1830531">
+              <a:off x="4477696" y="1829282"/>
+              <a:ext cx="483782" cy="483782"/>
+            </a:xfrm>
+            <a:prstGeom prst="rect">
+              <a:avLst/>
+            </a:prstGeom>
+          </p:spPr>
+        </p:pic>
+      </p:grpSp>
+      <p:grpSp>
+        <p:nvGrpSpPr>
+          <p:cNvPr id="26" name="그룹 25"/>
+          <p:cNvGrpSpPr/>
+          <p:nvPr/>
+        </p:nvGrpSpPr>
+        <p:grpSpPr>
+          <a:xfrm>
+            <a:off x="3363562" y="2724653"/>
+            <a:ext cx="3556475" cy="720000"/>
+            <a:chOff x="4477696" y="1743998"/>
+            <a:chExt cx="3556475" cy="630941"/>
+          </a:xfrm>
+        </p:grpSpPr>
+        <p:sp>
+          <p:nvSpPr>
+            <p:cNvPr id="27" name="TextBox 26"/>
+            <p:cNvSpPr txBox="1"/>
+            <p:nvPr/>
+          </p:nvSpPr>
+          <p:spPr>
+            <a:xfrm>
+              <a:off x="4932040" y="1743998"/>
+              <a:ext cx="3102131" cy="630941"/>
+            </a:xfrm>
+            <a:prstGeom prst="rect">
+              <a:avLst/>
+            </a:prstGeom>
+            <a:noFill/>
+          </p:spPr>
+          <p:txBody>
+            <a:bodyPr wrap="none" rtlCol="0">
+              <a:spAutoFit/>
+            </a:bodyPr>
+            <a:lstStyle/>
+            <a:p>
+              <a:r>
+                <a:rPr lang="ko-KR" altLang="en-US" sz="3500" b="1" dirty="0">
+                  <a:ln>
+                    <a:solidFill>
+                      <a:schemeClr val="bg1">
+                        <a:alpha val="0"/>
+                      </a:schemeClr>
+                    </a:solidFill>
+                  </a:ln>
+                  <a:solidFill>
+                    <a:srgbClr val="BF0302"/>
+                  </a:solidFill>
+                  <a:latin typeface="-윤고딕330" pitchFamily="18" charset="-127"/>
+                  <a:ea typeface="-윤고딕330" pitchFamily="18" charset="-127"/>
+                </a:rPr>
+                <a:t>환</a:t>
+              </a:r>
+              <a:r>
+                <a:rPr lang="ko-KR" altLang="en-US" sz="2500" b="1" dirty="0">
+                  <a:ln>
+                    <a:solidFill>
+                      <a:schemeClr val="bg1">
+                        <a:alpha val="0"/>
+                      </a:schemeClr>
+                    </a:solidFill>
+                  </a:ln>
+                  <a:latin typeface="-윤고딕330" pitchFamily="18" charset="-127"/>
+                  <a:ea typeface="-윤고딕330" pitchFamily="18" charset="-127"/>
+                </a:rPr>
+                <a:t>경 및 데이터필드</a:t>
+              </a:r>
+            </a:p>
+          </p:txBody>
+        </p:sp>
+        <p:pic>
+          <p:nvPicPr>
+            <p:cNvPr id="28" name="그림 27"/>
+            <p:cNvPicPr>
+              <a:picLocks noChangeAspect="1"/>
+            </p:cNvPicPr>
+            <p:nvPr/>
+          </p:nvPicPr>
+          <p:blipFill>
+            <a:blip r:embed="rId3" cstate="print">
+              <a:extLst>
+                <a:ext uri="{28A0092B-C50C-407E-A947-70E740481C1C}">
+                  <a14:useLocalDpi xmlns:a14="http://schemas.microsoft.com/office/drawing/2010/main" val="0"/>
+                </a:ext>
+              </a:extLst>
+            </a:blip>
+            <a:stretch>
+              <a:fillRect/>
+            </a:stretch>
+          </p:blipFill>
+          <p:spPr>
+            <a:xfrm rot="1830531">
+              <a:off x="4477696" y="1829282"/>
+              <a:ext cx="483782" cy="483782"/>
+            </a:xfrm>
+            <a:prstGeom prst="rect">
+              <a:avLst/>
+            </a:prstGeom>
+          </p:spPr>
+        </p:pic>
+      </p:grpSp>
+      <p:grpSp>
+        <p:nvGrpSpPr>
+          <p:cNvPr id="29" name="그룹 28"/>
+          <p:cNvGrpSpPr/>
+          <p:nvPr/>
+        </p:nvGrpSpPr>
+        <p:grpSpPr>
+          <a:xfrm>
+            <a:off x="3605453" y="3355595"/>
+            <a:ext cx="3235875" cy="720000"/>
+            <a:chOff x="4477696" y="1743998"/>
+            <a:chExt cx="3235875" cy="630941"/>
+          </a:xfrm>
+        </p:grpSpPr>
+        <p:sp>
+          <p:nvSpPr>
+            <p:cNvPr id="30" name="TextBox 29"/>
+            <p:cNvSpPr txBox="1"/>
+            <p:nvPr/>
+          </p:nvSpPr>
+          <p:spPr>
+            <a:xfrm>
+              <a:off x="4932040" y="1743998"/>
+              <a:ext cx="2781531" cy="630941"/>
+            </a:xfrm>
+            <a:prstGeom prst="rect">
+              <a:avLst/>
+            </a:prstGeom>
+            <a:noFill/>
+          </p:spPr>
+          <p:txBody>
+            <a:bodyPr wrap="none" rtlCol="0">
+              <a:spAutoFit/>
+            </a:bodyPr>
+            <a:lstStyle/>
+            <a:p>
+              <a:r>
+                <a:rPr lang="ko-KR" altLang="en-US" sz="3500" b="1" dirty="0">
+                  <a:ln>
+                    <a:solidFill>
+                      <a:schemeClr val="bg1">
+                        <a:alpha val="0"/>
+                      </a:schemeClr>
+                    </a:solidFill>
+                  </a:ln>
+                  <a:solidFill>
+                    <a:srgbClr val="BF0302"/>
+                  </a:solidFill>
+                  <a:latin typeface="-윤고딕330" pitchFamily="18" charset="-127"/>
+                  <a:ea typeface="-윤고딕330" pitchFamily="18" charset="-127"/>
+                </a:rPr>
+                <a:t>기</a:t>
+              </a:r>
+              <a:r>
+                <a:rPr lang="ko-KR" altLang="en-US" sz="2500" b="1" dirty="0">
+                  <a:ln>
+                    <a:solidFill>
+                      <a:schemeClr val="bg1">
+                        <a:alpha val="0"/>
+                      </a:schemeClr>
+                    </a:solidFill>
+                  </a:ln>
+                  <a:latin typeface="-윤고딕330" pitchFamily="18" charset="-127"/>
+                  <a:ea typeface="-윤고딕330" pitchFamily="18" charset="-127"/>
+                </a:rPr>
+                <a:t>존연구 및 목표</a:t>
+              </a:r>
+            </a:p>
+          </p:txBody>
+        </p:sp>
+        <p:pic>
+          <p:nvPicPr>
+            <p:cNvPr id="31" name="그림 30"/>
+            <p:cNvPicPr>
+              <a:picLocks noChangeAspect="1"/>
+            </p:cNvPicPr>
+            <p:nvPr/>
+          </p:nvPicPr>
+          <p:blipFill>
+            <a:blip r:embed="rId3" cstate="print">
+              <a:extLst>
+                <a:ext uri="{28A0092B-C50C-407E-A947-70E740481C1C}">
+                  <a14:useLocalDpi xmlns:a14="http://schemas.microsoft.com/office/drawing/2010/main" val="0"/>
+                </a:ext>
+              </a:extLst>
+            </a:blip>
+            <a:stretch>
+              <a:fillRect/>
+            </a:stretch>
+          </p:blipFill>
+          <p:spPr>
+            <a:xfrm rot="1830531">
+              <a:off x="4477696" y="1829282"/>
+              <a:ext cx="483782" cy="483782"/>
+            </a:xfrm>
+            <a:prstGeom prst="rect">
+              <a:avLst/>
+            </a:prstGeom>
+          </p:spPr>
+        </p:pic>
+      </p:grpSp>
+      <p:grpSp>
+        <p:nvGrpSpPr>
+          <p:cNvPr id="17" name="그룹 16"/>
+          <p:cNvGrpSpPr/>
+          <p:nvPr/>
+        </p:nvGrpSpPr>
+        <p:grpSpPr>
+          <a:xfrm>
+            <a:off x="3847344" y="3976250"/>
+            <a:ext cx="3877076" cy="720000"/>
+            <a:chOff x="4477696" y="1743998"/>
+            <a:chExt cx="3877076" cy="630941"/>
+          </a:xfrm>
+        </p:grpSpPr>
+        <p:sp>
+          <p:nvSpPr>
+            <p:cNvPr id="18" name="TextBox 17"/>
+            <p:cNvSpPr txBox="1"/>
+            <p:nvPr/>
+          </p:nvSpPr>
+          <p:spPr>
+            <a:xfrm>
+              <a:off x="4932040" y="1743998"/>
+              <a:ext cx="3422732" cy="630941"/>
+            </a:xfrm>
+            <a:prstGeom prst="rect">
+              <a:avLst/>
+            </a:prstGeom>
+            <a:noFill/>
+          </p:spPr>
+          <p:txBody>
+            <a:bodyPr wrap="none" rtlCol="0">
+              <a:spAutoFit/>
+            </a:bodyPr>
+            <a:lstStyle/>
+            <a:p>
+              <a:r>
+                <a:rPr lang="ko-KR" altLang="en-US" sz="3500" b="1" dirty="0">
+                  <a:ln>
+                    <a:solidFill>
+                      <a:schemeClr val="bg1">
+                        <a:alpha val="0"/>
+                      </a:schemeClr>
+                    </a:solidFill>
+                  </a:ln>
+                  <a:solidFill>
+                    <a:srgbClr val="BF0302"/>
+                  </a:solidFill>
+                  <a:latin typeface="-윤고딕330" pitchFamily="18" charset="-127"/>
+                  <a:ea typeface="-윤고딕330" pitchFamily="18" charset="-127"/>
+                </a:rPr>
+                <a:t>제</a:t>
+              </a:r>
+              <a:r>
+                <a:rPr lang="ko-KR" altLang="en-US" sz="2500" b="1" dirty="0">
+                  <a:ln>
+                    <a:solidFill>
+                      <a:schemeClr val="bg1">
+                        <a:alpha val="0"/>
+                      </a:schemeClr>
+                    </a:solidFill>
+                  </a:ln>
+                  <a:latin typeface="-윤고딕330" pitchFamily="18" charset="-127"/>
+                  <a:ea typeface="-윤고딕330" pitchFamily="18" charset="-127"/>
+                </a:rPr>
+                <a:t>안방법 및 개선방법</a:t>
+              </a:r>
+            </a:p>
+          </p:txBody>
+        </p:sp>
+        <p:pic>
+          <p:nvPicPr>
+            <p:cNvPr id="19" name="그림 18"/>
+            <p:cNvPicPr>
+              <a:picLocks noChangeAspect="1"/>
+            </p:cNvPicPr>
+            <p:nvPr/>
+          </p:nvPicPr>
+          <p:blipFill>
+            <a:blip r:embed="rId3" cstate="print">
+              <a:extLst>
+                <a:ext uri="{28A0092B-C50C-407E-A947-70E740481C1C}">
+                  <a14:useLocalDpi xmlns:a14="http://schemas.microsoft.com/office/drawing/2010/main" val="0"/>
+                </a:ext>
+              </a:extLst>
+            </a:blip>
+            <a:stretch>
+              <a:fillRect/>
+            </a:stretch>
+          </p:blipFill>
+          <p:spPr>
+            <a:xfrm rot="1830531">
+              <a:off x="4477696" y="1829282"/>
+              <a:ext cx="483782" cy="483782"/>
+            </a:xfrm>
+            <a:prstGeom prst="rect">
+              <a:avLst/>
+            </a:prstGeom>
+          </p:spPr>
+        </p:pic>
+      </p:grpSp>
+      <p:grpSp>
+        <p:nvGrpSpPr>
+          <p:cNvPr id="20" name="그룹 19">
+            <a:extLst>
+              <a:ext uri="{FF2B5EF4-FFF2-40B4-BE49-F238E27FC236}">
+                <a16:creationId xmlns:a16="http://schemas.microsoft.com/office/drawing/2014/main" id="{4DF3BDFF-EA33-438E-BFB5-C1F9CCF020E2}"/>
+              </a:ext>
+            </a:extLst>
+          </p:cNvPr>
+          <p:cNvGrpSpPr/>
+          <p:nvPr/>
+        </p:nvGrpSpPr>
+        <p:grpSpPr>
+          <a:xfrm>
+            <a:off x="4089235" y="4640236"/>
+            <a:ext cx="1408451" cy="649391"/>
+            <a:chOff x="4477696" y="1743998"/>
+            <a:chExt cx="1408451" cy="569066"/>
+          </a:xfrm>
+        </p:grpSpPr>
+        <p:sp>
+          <p:nvSpPr>
+            <p:cNvPr id="21" name="TextBox 20">
+              <a:extLst>
+                <a:ext uri="{FF2B5EF4-FFF2-40B4-BE49-F238E27FC236}">
+                  <a16:creationId xmlns:a16="http://schemas.microsoft.com/office/drawing/2014/main" id="{49BBA0BB-9003-4CA7-A090-E3D674075E91}"/>
+                </a:ext>
+              </a:extLst>
+            </p:cNvPr>
+            <p:cNvSpPr txBox="1"/>
+            <p:nvPr/>
+          </p:nvSpPr>
+          <p:spPr>
+            <a:xfrm>
+              <a:off x="4932040" y="1743998"/>
+              <a:ext cx="954107" cy="552899"/>
+            </a:xfrm>
+            <a:prstGeom prst="rect">
+              <a:avLst/>
+            </a:prstGeom>
+            <a:noFill/>
+          </p:spPr>
+          <p:txBody>
+            <a:bodyPr wrap="none" rtlCol="0">
+              <a:spAutoFit/>
+            </a:bodyPr>
+            <a:lstStyle/>
+            <a:p>
+              <a:r>
+                <a:rPr lang="ko-KR" altLang="en-US" sz="3500" b="1" dirty="0">
+                  <a:ln>
+                    <a:solidFill>
+                      <a:schemeClr val="bg1">
+                        <a:alpha val="0"/>
+                      </a:schemeClr>
+                    </a:solidFill>
+                  </a:ln>
+                  <a:solidFill>
+                    <a:srgbClr val="BF0302"/>
+                  </a:solidFill>
+                  <a:latin typeface="-윤고딕330" pitchFamily="18" charset="-127"/>
+                  <a:ea typeface="-윤고딕330" pitchFamily="18" charset="-127"/>
+                </a:rPr>
+                <a:t>고</a:t>
+              </a:r>
+              <a:r>
+                <a:rPr lang="ko-KR" altLang="en-US" sz="2500" b="1" dirty="0">
+                  <a:ln>
+                    <a:solidFill>
+                      <a:schemeClr val="bg1">
+                        <a:alpha val="0"/>
+                      </a:schemeClr>
+                    </a:solidFill>
+                  </a:ln>
+                  <a:latin typeface="-윤고딕330" pitchFamily="18" charset="-127"/>
+                  <a:ea typeface="-윤고딕330" pitchFamily="18" charset="-127"/>
+                </a:rPr>
+                <a:t>찰</a:t>
+              </a:r>
+            </a:p>
+          </p:txBody>
+        </p:sp>
+        <p:pic>
+          <p:nvPicPr>
+            <p:cNvPr id="22" name="그림 21">
+              <a:extLst>
+                <a:ext uri="{FF2B5EF4-FFF2-40B4-BE49-F238E27FC236}">
+                  <a16:creationId xmlns:a16="http://schemas.microsoft.com/office/drawing/2014/main" id="{E7563E2F-29FD-49B3-AAF9-8E4AD1509D80}"/>
+                </a:ext>
+              </a:extLst>
+            </p:cNvPr>
+            <p:cNvPicPr>
+              <a:picLocks noChangeAspect="1"/>
+            </p:cNvPicPr>
+            <p:nvPr/>
+          </p:nvPicPr>
+          <p:blipFill>
+            <a:blip r:embed="rId3" cstate="print">
+              <a:extLst>
+                <a:ext uri="{28A0092B-C50C-407E-A947-70E740481C1C}">
+                  <a14:useLocalDpi xmlns:a14="http://schemas.microsoft.com/office/drawing/2010/main" val="0"/>
+                </a:ext>
+              </a:extLst>
+            </a:blip>
+            <a:stretch>
+              <a:fillRect/>
+            </a:stretch>
+          </p:blipFill>
+          <p:spPr>
+            <a:xfrm rot="1830531">
+              <a:off x="4477696" y="1829282"/>
+              <a:ext cx="483782" cy="483782"/>
+            </a:xfrm>
+            <a:prstGeom prst="rect">
+              <a:avLst/>
+            </a:prstGeom>
+          </p:spPr>
+        </p:pic>
+      </p:grpSp>
+    </p:spTree>
+    <p:extLst>
+      <p:ext uri="{BB962C8B-B14F-4D97-AF65-F5344CB8AC3E}">
+        <p14:creationId xmlns:p14="http://schemas.microsoft.com/office/powerpoint/2010/main" val="3964236421"/>
       </p:ext>
     </p:extLst>
   </p:cSld>
@@ -4733,561 +7853,152 @@
           </a:p>
         </p:txBody>
       </p:sp>
-      <p:sp>
-        <p:nvSpPr>
-          <p:cNvPr id="2" name="Rectangle 2"/>
-          <p:cNvSpPr>
-            <a:spLocks noChangeArrowheads="1"/>
-          </p:cNvSpPr>
+      <p:grpSp>
+        <p:nvGrpSpPr>
+          <p:cNvPr id="4" name="그룹 3"/>
+          <p:cNvGrpSpPr/>
           <p:nvPr/>
-        </p:nvSpPr>
-        <p:spPr bwMode="auto">
-          <a:xfrm>
-            <a:off x="1" y="43933"/>
-            <a:ext cx="184731" cy="369332"/>
-          </a:xfrm>
-          <a:prstGeom prst="rect">
-            <a:avLst/>
-          </a:prstGeom>
-          <a:noFill/>
-          <a:ln>
+        </p:nvGrpSpPr>
+        <p:grpSpPr>
+          <a:xfrm>
+            <a:off x="2843808" y="2753257"/>
+            <a:ext cx="5664124" cy="1551745"/>
+            <a:chOff x="2954564" y="2406649"/>
+            <a:chExt cx="5664124" cy="1551745"/>
+          </a:xfrm>
+        </p:grpSpPr>
+        <p:sp>
+          <p:nvSpPr>
+            <p:cNvPr id="8" name="TextBox 7"/>
+            <p:cNvSpPr txBox="1"/>
+            <p:nvPr/>
+          </p:nvSpPr>
+          <p:spPr>
+            <a:xfrm>
+              <a:off x="2954564" y="2650344"/>
+              <a:ext cx="4493538" cy="1308050"/>
+            </a:xfrm>
+            <a:prstGeom prst="rect">
+              <a:avLst/>
+            </a:prstGeom>
             <a:noFill/>
-          </a:ln>
-          <a:effectLst/>
-          <a:extLst>
-            <a:ext uri="{909E8E84-426E-40DD-AFC4-6F175D3DCCD1}">
-              <a14:hiddenFill xmlns:a14="http://schemas.microsoft.com/office/drawing/2010/main">
-                <a:solidFill>
-                  <a:schemeClr val="accent1"/>
-                </a:solidFill>
-              </a14:hiddenFill>
-            </a:ext>
-            <a:ext uri="{91240B29-F687-4F45-9708-019B960494DF}">
-              <a14:hiddenLine xmlns:a14="http://schemas.microsoft.com/office/drawing/2010/main" w="9525">
-                <a:solidFill>
-                  <a:schemeClr val="tx1"/>
-                </a:solidFill>
-                <a:miter lim="800000"/>
-                <a:headEnd/>
-                <a:tailEnd/>
-              </a14:hiddenLine>
-            </a:ext>
-            <a:ext uri="{AF507438-7753-43E0-B8FC-AC1667EBCBE1}">
-              <a14:hiddenEffects xmlns:a14="http://schemas.microsoft.com/office/drawing/2010/main">
-                <a:effectLst>
-                  <a:outerShdw dist="35921" dir="2700000" algn="ctr" rotWithShape="0">
-                    <a:schemeClr val="bg2"/>
-                  </a:outerShdw>
-                </a:effectLst>
-              </a14:hiddenEffects>
-            </a:ext>
-          </a:extLst>
-        </p:spPr>
-        <p:txBody>
-          <a:bodyPr vert="horz" wrap="none" lIns="91440" tIns="45720" rIns="91440" bIns="45720" numCol="1" anchor="ctr" anchorCtr="0" compatLnSpc="1">
-            <a:prstTxWarp prst="textNoShape">
+          </p:spPr>
+          <p:txBody>
+            <a:bodyPr wrap="none" rtlCol="0">
+              <a:spAutoFit/>
+            </a:bodyPr>
+            <a:lstStyle/>
+            <a:p>
+              <a:r>
+                <a:rPr lang="en-US" altLang="ko-KR" sz="4400" b="1" dirty="0">
+                  <a:ln>
+                    <a:solidFill>
+                      <a:schemeClr val="bg1">
+                        <a:alpha val="0"/>
+                      </a:schemeClr>
+                    </a:solidFill>
+                  </a:ln>
+                  <a:solidFill>
+                    <a:srgbClr val="BF0302"/>
+                  </a:solidFill>
+                  <a:latin typeface="-윤고딕330" pitchFamily="18" charset="-127"/>
+                  <a:ea typeface="-윤고딕330" pitchFamily="18" charset="-127"/>
+                </a:rPr>
+                <a:t>01 </a:t>
+              </a:r>
+              <a:r>
+                <a:rPr lang="ko-KR" altLang="en-US" sz="3500" b="1" dirty="0">
+                  <a:ln>
+                    <a:solidFill>
+                      <a:schemeClr val="bg1">
+                        <a:alpha val="0"/>
+                      </a:schemeClr>
+                    </a:solidFill>
+                  </a:ln>
+                  <a:latin typeface="-윤고딕330" pitchFamily="18" charset="-127"/>
+                  <a:ea typeface="-윤고딕330" pitchFamily="18" charset="-127"/>
+                </a:rPr>
+                <a:t>주제와 필요성 및</a:t>
+              </a:r>
+              <a:endParaRPr lang="en-US" altLang="ko-KR" sz="3500" b="1" dirty="0">
+                <a:ln>
+                  <a:solidFill>
+                    <a:schemeClr val="bg1">
+                      <a:alpha val="0"/>
+                    </a:schemeClr>
+                  </a:solidFill>
+                </a:ln>
+                <a:latin typeface="-윤고딕330" pitchFamily="18" charset="-127"/>
+                <a:ea typeface="-윤고딕330" pitchFamily="18" charset="-127"/>
+              </a:endParaRPr>
+            </a:p>
+            <a:p>
+              <a:r>
+                <a:rPr lang="en-US" altLang="ko-KR" sz="3500" b="1" dirty="0">
+                  <a:ln>
+                    <a:solidFill>
+                      <a:schemeClr val="bg1">
+                        <a:alpha val="0"/>
+                      </a:schemeClr>
+                    </a:solidFill>
+                  </a:ln>
+                  <a:latin typeface="-윤고딕330" pitchFamily="18" charset="-127"/>
+                  <a:ea typeface="-윤고딕330" pitchFamily="18" charset="-127"/>
+                </a:rPr>
+                <a:t>             </a:t>
+              </a:r>
+              <a:r>
+                <a:rPr lang="ko-KR" altLang="en-US" sz="3500" b="1" dirty="0">
+                  <a:ln>
+                    <a:solidFill>
+                      <a:schemeClr val="bg1">
+                        <a:alpha val="0"/>
+                      </a:schemeClr>
+                    </a:solidFill>
+                  </a:ln>
+                  <a:latin typeface="-윤고딕330" pitchFamily="18" charset="-127"/>
+                  <a:ea typeface="-윤고딕330" pitchFamily="18" charset="-127"/>
+                </a:rPr>
+                <a:t>기대효과</a:t>
+              </a:r>
+            </a:p>
+          </p:txBody>
+        </p:sp>
+        <p:pic>
+          <p:nvPicPr>
+            <p:cNvPr id="2" name="그림 1"/>
+            <p:cNvPicPr>
+              <a:picLocks noChangeAspect="1"/>
+            </p:cNvPicPr>
+            <p:nvPr/>
+          </p:nvPicPr>
+          <p:blipFill>
+            <a:blip r:embed="rId2" cstate="print">
+              <a:extLst>
+                <a:ext uri="{28A0092B-C50C-407E-A947-70E740481C1C}">
+                  <a14:useLocalDpi xmlns:a14="http://schemas.microsoft.com/office/drawing/2010/main" val="0"/>
+                </a:ext>
+              </a:extLst>
+            </a:blip>
+            <a:stretch>
+              <a:fillRect/>
+            </a:stretch>
+          </p:blipFill>
+          <p:spPr>
+            <a:xfrm rot="2196822">
+              <a:off x="7246613" y="2406649"/>
+              <a:ext cx="1372075" cy="1372075"/>
+            </a:xfrm>
+            <a:prstGeom prst="rect">
               <a:avLst/>
-            </a:prstTxWarp>
-            <a:spAutoFit/>
-          </a:bodyPr>
-          <a:lstStyle/>
-          <a:p>
-            <a:endParaRPr lang="ko-KR" altLang="en-US" b="1"/>
-          </a:p>
-        </p:txBody>
-      </p:sp>
-      <p:sp>
-        <p:nvSpPr>
-          <p:cNvPr id="4" name="AutoShape 4" descr="data:image/jpeg;base64,/9j/4AAQSkZJRgABAQAAAQABAAD/2wCEAAkGBxISEhQUERQWFRUVFRgYFhgYFx4XGhwcHRQXGBoVGhkYHCggHhorIBUWITEhJikrMi8wFx80ODcsNygtLisBCgoKDg0OGxAQGy0mICQsLCw4NC8sLCw3Ly8sLCwsNCwsLywvMiw0LCwsLCwsLC0vLCwsLCwsLCwsLCwsLCwsLP/AABEIAK8BIQMBEQACEQEDEQH/xAAcAAEAAgMBAQEAAAAAAAAAAAAABgcDBAUBAgj/xABREAABAwICBQYJBgkLAwUAAAABAAIDBBESIQUGMUFRBxMiYXGBFzJUkZKTobHSFBZScoLRIzNCYmNzdLLBFTQ1Q0RTg6Kjs8PT8PEkVcLi4//EABsBAQACAwEBAAAAAAAAAAAAAAADBAECBQYH/8QAPxEAAgECAQcHCwMEAwADAAAAAAECAwQRBRIhMUFRkQYTYXGB0eEUFRYiMlJTobHB8EJikjM0cvEkNcIjRKL/2gAMAwEAAhEDEQA/ALxQBAEAQBAEAQBAEAQBAEAQHKj0lasfTu3wtlZxtjcx47iGH7R4LTP9bNLDoPmFWW/NfBNffgdVblcIAgCAIAgCAIAgCAIAgCAIAgCAIAgCAIAgCAIAgCAIAgCAIAgCAIAgCAIDwlAQahquf03I5mbIKd0ZO64c249Jzh9gqtF51d9CO3Up81kuKlrnPHsw/OJOlZOIEAQBAEAQBAEAQBAEAQBAEAQBAEAQBAEAQBAEAQBAEAQBAEAQBAEAQBAEBENedbW0rDFEQZ3DtEYI8d3XwHfs2169ZQWC1nXyXkyVzLPn7C+fQvu9nWffJ5oF1NAXyAiWaznA7WtF8LT+dmXHrceCzb082OL1sxle9VxWzYezHQvu+7oRLFOckIAgCAIAgCAIAgCAIAgCAIAgCAIAgCAIAgCAIAgCAIAgCAIAgCAIAgPCUBANb9ewzFFSEF4ydLta3iGbnO69g69gqVrjDRA9Dk3IzqYVa+iO7a+vcvn9TDqTqc4uFVWA3vjYx2bidvOyXzvvAPac8hihQ058zfKmVY5vk9vq1Nr6Lo3vb1a5VpzWmmpejI4ukNrRMGOQk7BYbL7r2urE6sYa9ZyLXJ9e50wWEd70JdvceUElXP0pGimjOxmT5j1uceizssTntCRc5aXoMVo29L1YPPe/Uuza+vR1M7jQpCmeoAgCAIAgCAIAgCAIAgCAIAgCAIAgCAIAgCAIAgCAIAgCAIAgCA8KArTlB1tLnOpoHWa3KZ42k74weA3nectxvSuK36Ynp8j5LWCuKq6l939uJ0dRdTREG1FS28pAMbCMoxuJH957t3Fb0KGb60tf0K2VcrOs3SpP1dr97w+utmHXTW+QSfJaK5kuGve3N2I5c3H+dnm7d23IxWrvHMhrN8mZLpuHlFz7OtLo3vo3Lb9evqhqiylHOS2kqHZuecw0naGk534uOZ6hkpKNFQ0vWUsoZTncvMhogtS7+7UvmSpTnLCAIAgCAIAgCAIAgCAIAgCAIAgCAIAgCAIAgCAIAgCAIAgCAIAgCA+Jr4TbbY27dyGVrKU1IouerYWyZ2cZHg7y0F2f2rHuXMoxzqixPcZVq81ZydPbgl1PwLj0pOY4ZXt2sje4doaSPculJ4Js8VSip1Ixe1pFQahSNFfAZDckvsT9MsdYnrNz3lc63a5xYntMsQl5HJQ1LDgn/oukLpHhz1AEAQBAEBjEzb2xC/C4QzgzIhgIAgCAIAgCAIAgCAIAgCAIAgCAIAgCAIAgCAIAgCAIDwoCstYKE6Or46toPMPkJdb8kuBEjT1HEXjrBHBUqkeaqKew9PZ1lfWUrV+2lo6cNXcWR0ZGbnNc3tBBHusVc1nmdMX0oozTWjH0k7ojcFhBjdvLb3Y8Hjl3EFcqcHCWB9AtLmF1QU9+hrp2r82Fsal6f+WU+J2UrDhkA2XtcPHURn1G43Lo0amfHHaeOylZeS1s1ey9K6vAkKlOeEAQBACgKV1dYP5WYbC/yubPvlXNp/1u1/c9veN+a2v2Q/8AJdS6R4g8ugF0AugPUB5dAe3QHl0AugF0B6gCAIAgCAIAgCAIAgCAIAgCAIAgCA1q+jZNG6ORocxwsQf+8j1rDSksGb06k6c1ODwaODq5FJRv+SSkvizNNIeG0wO4OAzHEXtssoqacPUerZ3F68nC5XPx0S/Uun3l0PbufWYOUnRjJKR0pHThs5ruouAc3sIN+0Ba3EE4Y7ibItxKncqC1S0P7PsOfyT0L2xzTOBDZS1rOsMxXcOq7yPsrW1i1FveWeUFeMqsaa1xTx7cNHy+ZPlaPPhAEAQHhQFMavf0rH+1ze+Zc2n/AFu1/c9tef8AWP8Awh/5LF1uir3iNtC5rL4uccbAjxcNiQbDxtgvsVyqqjwzDzOT52kXJ3Kb3fmj6kZm1J0i4YnVhLuHOy28+7zKB0KmvO+bOtHK9jHQqOj/ABj+fM1NVtY6qCqbTVL3PaZOacHnE5jibNcHnMgkjaTkbjr1pVZxnmSJcoWFvWtncUFg8MdGjFbdHQbnKXPUQzRvimlYyRhFmvIaHNPAHaQ4eiVtcuUWmmQ5ChQqwlCcE2njpWx/nzJlqtpH5RSwynxiwB31m9F3tBVqnLOimcS9ocxXnT3P5bPkQjlL01NHUsZDLIzDDicGOLblznWvbabM9qq3M2pJJneyFaUqlGU6kU9OGlY6l4kqroaxtDG2mdeoDYw5zyCTkA9135Xzvc32KxJTzPV1nGoztndOVZepi9C+Wojb9TtJy5y1nS4CWS3+UNHmCg5iq9cvqdZZUsKeiFHR1R++L+Zxm6YrtGT4Jnuka2xcxzzI1zD+UxzswcjbZmMwos+pSlhIuu1tMoUc+lFJ9Cwwe5paC0Kaj6YlbJIWuFwwuu3O5vb7XZkOC6HSeQlLRmtHQWTQIAgCAIAgCAIAgCAIAgCAIDW0jXxwRmSZ4Yxu0nzAdZ6gtoQlOWbFYs1nNQWdLUQw6/meZsFFG3E8kCSd2Buwm+EZnIcQepXvIebhn1X2Ioq/VSeZTXa9BJKTRtQbGeqc472xMbGz2hz/APMqkpw/THi8fD5F2MZbWdZjbC3vNz5yojc8kjDtovmDnxBuD50BzdOaL+UtEUhtDcOeAbF9jcMvubcAk7Ta2S0nDPWD1Fi2uHQlnx9rZ0dPXuNh1XBC0NL442tFgC5rQABsAvssFJGEnoiivOpi3KTMVJp2nmdhhkEpG3m7vA+s5oLR3lbypTivWWHXoNI1Iy1PEV+ho5r84ZD1NlfGB2CNwHebrEKkoasOCf1MyinrILrA+p0TNG+GWSWnkJHNyuL7EWuzEcxcZgjgb339Kgqd1FxkkpLatBzbidS1kpJ4xexliaPq2zRslZm2RjXt7HAEd+a5kouLcXsOnGSkk0ZytTJTGrv9Ks/a5vfMubT/AK3a/ue2vP8ArH/hD/yWtpzTkFIzHM61zZoAu5x4NH8dgV+c4wWLPJW1pVuZ5lNY/brIj4Q5JD/6aikkFznc/wDGxwB71X8qb9mJ2PMcIf1q0Y8Pu19CH1FW+XSDZJIzE99TAXRm929KIWNwDmADsG1V85yq4tYaUdlUo0snuEJZyUZad+t9P1LF5SaDnKJz98LhIOwXa/8Ayuce5XLiOMOo81kavzV3FbJerx1fPA5PJPX3ZNAT4rhI3scMLh52g/aUdpLQ4lzlDQwqRqrasO1eH0I/Wj5bpYtGbTOG/YiHS7jzb/SUT9et2/Q6FL/iZMx25uPbLV8mi1tIV8dPGZJnBjG7SfYANpPABXpSUVizyVGjOtNQprFshs3KPicRS0sktjvuO+zGuIHbZVndY+zHE7kcguKTr1Yx/Oloh2uelJamUPmgMDhFhDTfMYnHF0mt4kbNyr15ub0rA7eSranbxcac89N9H2bLl0Z+Ji/Vs/dC6UdR4ep7b62bKyaBAEAQBAEAQBAEAQBAEAQBAYaykZKwsla17Dta4XB7isxk4vFPSYlFSWDIrWcnFC++Fskf1X3HmfdXI5QrR24lOWT6EtOGHUajdQ2NOCKuqWkC5aH7BuNm2tsW3lzemUI8DHkeGhTlxM/zHm/9xqvSd8ax5ZH4cTbySXxJcTxuoT79Kvqz2SEe8lZd6tlOPAwrN/ElxPpnJzT/ANZNUSfWkH8GrXy+eyMV2GVZQ2tvtN6j1E0fHsga4/nkv9jjb2LSV7Xl+r7G8bSjH9P3O/S0rI2hsbWsaNjWgNHmCrNuTxZYSSWCMywZKy5TK41M8FFTjHI1xLgPpkWa2+6zS4ngCF1bCHNxlWnqOVlCTqyjRhrLA0NQiCCKEG/NxtZfjZoBPec1zak8+blvZ04RzYqK2G6tDYpfV7+lY/2ub3zLm0/63a/ue2vP+sf+EP8AybXKfK41pDibNhZhHUS4kjrJ/dHBbXPt6dxFkKOFo3HW2/klgWhSTwMha6NzGwhgLSCAwNtlnssryaS0ajyc41JVGpJ52PbiVHpOsZNpTnIjiY+qgwnjYwtJF912lc9yUq2K3o9lSpTpZNzJrBqEvniy5amEPY5js2uaWkdRFj710WsUeJjJxaktaKU0JXvoKl5dcuY2aIjiQDhPe5jO4rm05c1N9p7m7oq+to5u1xfVjr+r4Ej5KdGl0ktQ7PAObaTvc6znntsG+kVNax0uTObygrqMYUI9fYtC+5m5W5XXpm/kHnHH6wwAexzvOs3behGnJ2McaktuhdmnuRJNRHQihh5vCOgOc2Xx/l4uu91NQw5tYHKyoqnlc8/fo6tmHRgQHlL0hFNU3ieHhkWBxbmMQc8kA7DtGxVLmSlLQejyDQqUqLz1hi8VjuLY0Z+Ji/Vs/dC6EdR4+p7b62bKyaBAEAQBAEAQBAEAQBAEAQBAEBraQie+N7Y34HuY4Nfa+EkEB1uo5rMWk03pMSTaaRWNDHpbRpkww8817sTnWMuI2tiu0472A2jcuvN2txhpwa7PA5MPK7fHRnI2TylVLPxlIAesvZ7C0rXzdTeqf07zbzhUWum/zsPTypSbqQetP/TTzZH3/l4jzlLZTf52HyeUCvk/E0g6rMkk91k8goR9qf0Q8urv2af1MkFXp6ZzSGCMAg2cxjGnPYQ4l9uzNayhZQWGOP5wMxneyepIsCikl5sGdrGvt0gxxe3ZuJaD3WXNlm4+rqOmscNJytJTVk/QpWiBpydPKOl/hxbb9b8PZvUsFThpnp6F933Ec8+WiOjpMmreq8FGCWXfI7x5X5vdc3Oe4Xztv33KVridXXq3GtG3hS1a3tO4oCc166sZDG6SQ4WMBc4ngP49Sw2ksWb06cqklCKxbKj1EhdPpCOS3iukmf1YmuFr/WkHmK51BOVTHrZ7HK0lRsebx15seGHcWJrPqrDW4S4uZI0Wa9vC98LgciPdc22lXatFVNZ5uxyjVtG83SnsZHKbkwZcc5OXNvezWBpOd9pJ9ygVotrOnPlFNr1IJPe3j3HTqNQIDNFJE50Qi5uzGgEEsfiuScyTvPUpPJ45ya2FOOWa3NTpzWdnY6XsxWH+iXlWDkEP01qDFUTvm517DIQS0NBFw0NvnxsFXnbKUscTtWmWqlvSVLNTw6+s7+gNEMpIWwsJIbclx2uJNy427fYpYQUI4I5t1cyuKrqy2/I+dYdBxVkfNy3Fjdrm5OabWuL9uwpUpqawZtaXdS1qZ9P/AGukhw5Lxc3qDhO20YuR2l1vYq3ki3nafKKWGimsev8APqdKu5OqZ8bGRudHhxYnABzn4gPGJ4WyAyzW8raDWC0FWjl24hUc54Sx2akuol1NFgY1u3C0C/YLKyjjSeLbMqGAgCAIAgCAIAgCAIAgCAIAgCAICL6e10gpahkDgbkt5x9jhY05gm2bjsyHHuVqlaTqwc1/sq1runSmoS2nSg1ko3+LUwn/ABGg+YlROhVWuL4EqrU5apLibf8AKEH97H6bfvWmZLcyTORqVGstGzxqmEdXONJ8wN1vG3qy1RfAjlWpx1yXE80XrLSVLiyGZrnD8nNpPW0OAxDrCzUt6tNYyiYp16dR4RkmdZQkx7ZAEAQEV111alrBEI5cAa7pNdmy2fTsNrx/HcoK1J1MMGdTJl/C0cnKGOOp7erqZ0tW9XoqOMtjuXOsXvPjOI2dgGdh1neSVvTpqCwRWvL2pdTzp9i2L83nYUhUCAIAgCAIAgCAIAgCAIAgCAIAgCAIAgCAIAgCA+JZA0EuIAAuSTYAcSSmsEfGt8cjzHRxyVThtLAGxt63SPsLdl77lZ8llFY1Go9evgQK4jJ4Q09XedOjlqSQZY4mDg2RzyP9MBQyUNjfDxJVnbTU0/qvTVgBmacYFg9pwuA4X2EZ7CCpKNxUo+yyKtb06y9dEOq+Sw3/AAVQLcHsz9Jp/gr8cqe9HgznzyTH9MjQPJdU/wB7D/m+FSedIbmR+ap+8bVPyWSfl1DAPzYy72lwWksqLZH5m0ck75fIkGjOTmjiIc/HM4G4xus2/wBVtvbdVqmUKs1gtHUXKVhRpvHWyXsYAABsAsFRLp7dAasWkGOmfCD042se4fmvLw034/g3ZdnELZxaipbGYTWOBtrUyEAQBAEAQBAEAQBAEAQBAEAQBAEAQBAEAQBAEAQBAEBHdddX5K2ERxy4C12Ig+K/LIOtnkcxt7OFm1rqjPOaxK11QdaGangQvRugNMUJPycNcHG7mtc1zT12fhN+yyv1K9pX9vFfnQc+lb3Vv7GDR2Ga2aTj/H6Oc7iWYvcA/wB6g8lt5ezU4/iLXlNePtU+DMo5RLfjKKpbl9H4g3JY8gx1TjxM+W4a4S4DwnUw8aGoHa1nxp5uqbJIx5wgtcZcAOU+kOyKc9jWfGnm2rta/Owz5wp7nwPpvKREfFpal3Yxp9zljzfJa5x4mfLV7kuB9s11qH/itHVJ+tdg85YsO0gvaqL6mVdTeqm/oZo9KaWk8Wjih65ZsXsZmtXTto65t9S7zZVK8v0Jdb7jZj0ZXSZ1NYI27208YZ3c5Jd3mAWjqUV7EMet/ZYG6hUftS4GGDS9FS/gaUGeZxuWRHnZHu2YpJCbcLuc7ILLpVanrz0Lp0cF3BVKcXmx0v8ANZJqXHhHOWxWGLDsvvAJzI61V6idGVAEAQBAEAQBAEAQBAEAQBAEAQBAEAQBAEAQBAEAQBAEAQGCqhe7xHlhHUHA9oI9xCymlrRho5zo64eLJTvHXG+M+cSOHsUmNLc+K7jX1+gwOn0kP7PSu6xUPb7DCfet82h70uC7zXGpuXHwMXyzSQ/sdP3VJ/6Szm0Pff8AHxMOVT3Vx8Dx1bpQ7KWnb21Dj7owmZb+8+HiM6ruXHwMbjpl2wUTO+Rx9y2/4q958Eaf8h+6uLPh+h9KSePXsjHCKAe9xuEVW3Wqnj1sw6dZ654dS7zwaixvzqqioqep8hDe5rdnnWfLJL2IqPUh5LF+22+3uJBo3RUFO3DBGyMb8ItfrJ2nvVadSc3jJ4liEIwWEVgbq0NggCAIAgCAIAgCAIAgCAIAgCAIAgCAIAgCAIAgCAIAgCAIAgCAIAgCAIAgCAIAgCAIAgCAIAgCAIAgCAIAgCAIAgCAIAgCAICOaw660lGS2R5dIP6uMYnDtzs3vKjlUjHQdGzyVc3SzoLBb3oXj2EXfyuxX6NM8jrkAPmwlR8/0HWXJmphpqLgz58LrPJXesHwpz/QZ9GJ/EXDxHhdZ5K71g+FOf6B6MT+IuHiZqblbgJ/CU8jRxa5r/YbIq63Gk+TVZL1Zp8V3k00Jp6nq24qeQPttGxze1pzCmjNS1HDubOtbSzascPzYzovdYE8BdbFdLFlaDleZ5K71g+FVlcY7D0/oxP4i4eI8LrPJXesHwrPP9A9GJ/EXDxHhdZ5K71g+FOf6B6MT+IuHiPC6zyV3rB8Kc/0D0Yn8RcPE7ur3KJSVThG7FDI42aH2wk8A4ZX7bLeNaMtBQvMh3NvHPXrLo2dhMFKcYIAgIFrNylxU0zoYoueLDZ7seFoO9oyNyNh2ZqCdZJ4JHfscg1Likqk5ZqerRj27CTasawRV0POxXFjhe07Wu4G27YQVJCaksUcy9sqlpV5ufY96OutymEBqaS0jFTsMkz2sYN7j7ANpPUFhySWLJaNGpWnmU1iyEV3KxTNJEUUkgG82YD2XufOAoXXWxHdpcm7iSxnJL5+BqeF1nkrvWD4Vjn+gm9GJ/EXDxHhdZ5K71g+FOf6B6MT+IuHifcPKwHua1lI9znENaBILkk2AHRTn+g1nyblCLlKqsF0eJKda9Z/kMEcskWIveGFofaxLHOPSw5+LbYpJzzVjgcmwsPLKrpxlhgsccOlL7mHUzW9ukOdwxGPm8O12K+LF1D6PtSnUz9hJlLJjss3GWOOOzDUSdSHLCAIAgOTp7WOmo23nkDSfFaM3nsaN3WclpKcY6y3a2Ne6eFKOPTsXaQ2flchB6FPI4cXOa0+YXUXP9B24cmarXrTS7G+4xeF1nkrvWD4U5/oNvRifxFw8R4XWeSu9YPhTn+gejE/iLh4nS1e5RDWTshipXXdm5xkFmtG1x6P/kkDeto1s54YFW8yJ5LSdWdRcNb3aydKY4JC+UvWp1HE2OE2mlvY/QbsL+3cO87lDWqZqwWs7eRcnK6qOdT2Y/N7u8rLVTVWfSD3YThY0/hJXXOZzsPpO37e05i9eEHLUepyhlKlYwSaxb1JbvsixqfkqogOk+Zx44mjzANU6oR3nmp8o7pvQors8TL4LaDjN6Y+FZ5iJr6Q3n7eHiPBbQcZvTHwpzER6Q3n7eHiaOkuSenLTzEsjHbsdnt77AHvusOgtjJqPKSvF/8AyxTXRofcVy5tVoyq3xyxndm1zT+8w/8AdiFX9aL6T0ydvlC33xfFP7NfmgvPQGmW1lK2ZuWJpDm/RcBZzfP7LK7GWdHE8Dd2srWu6Utj4reUDoClbNUQRvvhkkY11sjYuANlQprHBdR9Du6sqVCdSOtJst/wW0HGb0x8Kt8xE8d6Q3n7eHiPBbQcZvTHwpzER6Q3n7eHieHktoOM3pj4U5iI9Ibz9vDxK6151TNBK0BxfFICWOO3K12utlfMZ77qCcMxnpclZSV7B4rCS196LS5NNMuqqJpkN3xOMbidpsAWk9eFwz4gqxRlnR07DyeWrSNvdNR1S0r86yVqU5JF+UHWT5FTHAfw0t2xDhxk7r+chR1Z5q0azqZJsPK6+EvZWl93aU5q9q9PXOlEWZjYXuJ3nPCy/wBJxB28CqkYOWhHtb2+pWajn7Xh2b+pG5qNrEaGpBfcRP6EwtsF8nW4tJ82Ib1mnPNeJBlWxV5Q9X2lpXd29xfrHggEG4OYI2EcVePnrTWhmKtqmxRvkkNmMaXOPUBcrDaSxZvTpyqTUI628CgNYNMz6SqQbOOJ2GGIZ4QTk0D6Ryuf4AWpSk5vE+h2dpRsKHUsW9/huX3JxoTkoZhBq5XYjtZHYAdRcQb91lLGh7zODc8pJ52FCKw3vu/2dfwW0HGb0x8K35iJU9Ibz9vDxHgtoOM3pj4U5iI9Ibz9vDxN7QmoVHSzNmjDy9t8ON2IAkWuBYZ7fOsxpRTxK91li5uKbpzawe5HI5aP5nF+0D/akWtfUusucmv7mX+L+qObyI/2r/C/5FihtLPKfXT7fsWkrB5UIAgOHrjp9tDTOlIBcejG073G9u4WJPYtKk81Yl7J9m7uuqa1a31FI6PoarSVSQCXyP6T3uOTR9Inc0bAB1AKmk5SPdVq1vk+hp0RWhJbfzayyKDkopWtHPSyvdvw2Y3uFifarCoLazzNXlJcSf8A8cUlx/OBt+C2g4zemPhWeYiQ+kN5+3h4jwW0HGb0x8KcxEz6Q3n7eHidvVvVWmocfMB132xFxxGw2AZCwzJ/8BbwpqOooXuUa93hzr1bjuLcolD8qNSX6RmB2RiNjezm2u973edUqrxmz3+QaajZRa2tv54fRFt6jULYaGma0WxRNe7rc8B5Ptt3BWqawijx+U60qt3Uk97XYtB3VuUAgCAICuOWigaYIZrdNsmC/wCa5pNvO0ecqvXWhM9LyarSVaVPY1j2r/ZrcjVSTFVx7mlrx2ua4H9wJQ2knKSmlUpz34rg/EgGqX89pf18f74Vel+nsPQ5R/tan+L+hf2kNOU0Dg2eaONxFwHuw3HEX2q9KcY62fPaNpWrLGnBvqWJrfO2g8qh9YFrzsN6JfNt38KXBnh1uoPKofTCc9T95Dzbd/ClwZVnKbrTFWSRsgzjixdO1sTnWvYHOwA277lQVZqT0HrMh5OqWsJTq6HLDRuSJxySaOdFRY3C3PSF4H5tmtB78JPYQpaCwjjvOFygrxqXeEf0rDt1/cmNVUNjY57yGtY0ucTsAAuSpW8FiziwhKclGKxb0H591l0xJpCrLwCcTgyFm8C9mt7STc9ZVKUnJ4n0WxtYWNvmvZpb/NiLq1O1fbRUzYsi89KV3F5GfcNg7FapwzI4Hhso3ru67qbNS6vzSyuOVfVrmZvlMQ/BzHp22Nk237HZntDuIUFaGa8VtPTcn7/nafMTfrR1dK8Pod7kl1m5yP5JKenGLxE72b2drd3V9Vb0J/pZz+UGT+bn5RBaJa+vf2/XrOpysVJZo94H9Y9jD2Xxf/BbV/YKmQKalepvYm/t9yH8jVA19TLK7MxRgN6i8kF3bZpH2io6Cxkztcpa0o0YU1+p6ez/AH8i4laPGBAEAQFf8tH8zi/aB/tSKCvqXWeh5Nf3Mv8AF/VHN5Ef7V/hf8ixQ2lnlPrp9v2LSVg8qEAQFUctdSecpo9wa9/eSB/A+dVq70pHreTNNZtSe3QiNao64uoGPbHCx7nuBc5xINgLBuW4ZnvKjhNw1I6mUclK9mpSm0ktX3O/4W5/J4/Sct+fluOf6M0viPgh4W5/J4/ScnPy3D0ZpfEfBDwtz+Tx+k5OfluHozS+I+CJhqLrLUV4e+SFkcTeiHAklztpAvuA29o61LSm560cXKthRs2oRm3J/JeJLVKcgpPld0aY63nbdGdjSD+cwBjh5gw/aVOssJY7z3PJ2up2vN7Yv5PT3k65MdPsqKRkRI52BoYW7y0ZMeOq1gesdYU1GWMcNx5/LdlKhcOf6ZPHt2omSmOMEAQBAVJyv6fZI5lLGQeadjkI2B1rBnaAXX7R1qrWli8Eev5O2coKVeW3Quredfkj0aWUk0zhbnnHD9VgIv5y7zLegtDZT5Q11O5jTX6V834YFaapfz2l/Xx/vhVqX6ew9PlH+1qf4v6F96waBhrIjFM242tcPGafpNPH3q9OCksGfPrS7q2tTnKb8esovWnVeahkwyDEw+JIB0Xfc7iPftVOcXF4M9/YZRpXkMY6Gta3eHSa+gNCvq5OajkiY/8AJEji3FxDbNNz1LCTbwRJeXkbWGfOLa6Fjh16SwtXeSvC4PrJGvAN+bjvhP1nEA26gO9TRoe8ebvOUblFxt44dL19i8SzGMAAAAAAsAMgBwCsnmG8XiyreVzWa5+RxHZZ0xHnbH7nH7PWq1af6Uer5PZP/wDszXRH7v7LtObqBoh8MMmkeZ57mgeZjxYSbZSSA4TmBcAb+lvstaccFn4aixli6jVqxss7Nx1vX1LZr29h1fC+PJP9b/8ANb+UdBV9GH8X/wDPiael+UyKphfDLRkse2x/DC43hw/B7QbEdi1lWUlg0TW/J+pQqKpCrpX7fHaQHR9a+CRksRs9jg5p6xuPUdhHAqFYrSj0VajCtTdOa0PQXFrFO3SeiHywjpAB+HaQ5hu9nbbFbjccVZm8+nijxNnB5PyioVNWrHoepkB5NNPtpKr8KcMUzcDidjTe7XHqvcdWK+5Q0pZsus9Fluylc2+MFjKOnr3r83F7NN1dPAnqAIAgK/5aP5nF+0D/AGpFBX1LrPQ8mv7mX+L+qObyI/2r/C/5FihtLPKfXT7fsWkrB5UIAgKz5aNGlzIJ2jJhcx/VisWnsuCO8KvXWpnp+TVdKc6L26V2Ee5N6DR9S58FXHeUnFETI9uIWzYA1wFxa/E3PBR0lFvCR0stVry3Sq0JerqehPDp0rbq/wBlh+DvRnk/+rL8an5mG48358vvifKPcPB1ozyf/Vl+NOZhuHny++J8o9w8HWjPJ/8AVl+NOZhu+pnz5ffE+Ue4kOjaCOnjbFC0MYwWa0dtzmcybkm54qSKSWCObWrTrTdSo8WzZWSM4+tWgI66AxPyO1j7XLXDYbbxuI3g7tq0nBSWDLljeztKqqR7VvRR+lNEVmjZgXB0bgehKwnCfqvH7pzttCpyTg9Og93Qura/p4LBranr4ff5nWp+UzSDWgF0b+t0Yv8A5SB7Fvzs95Tnyes5PFYrqffiZfCjX/ofVn4k56p0cPE19HbTfLiu4eFGv/Q+rPxJz1To4eI9HLTfLiu40tJ8oVfM0tMgjBFjzbcJP2s3DuIWJVZNaWT0Mh2dKWdm49bx+Woy6n6jT1jg+QOjgvcvIsXjbZgO2/0tnbsSFNy6jTKOWKVrFwptOe7d19xdjKZscWCMBrWswtA2AAWAVxJJYI8K5ynPOk8W3ifnnVL+e0v6+P8AfCoUv09h9Hyj/aVP8X9D9HroHzU1dJ6OiqI3RTND2OGYPsIO4jcQsSipLBktGtOjNVKbwaKR1y1NloH42Fz4SRhkHjNN8mvtsPB2w9WxU6lNx6j3WTcq072OZPBT2rf1dxK9ROUTFhgrnAOyDJjkDwbJwP52/fxMlOtskcfKuQ8zGrbrRtju6u7gTDXHWBtFTOlyLz0Ym8XEZdw2ns61NUnmrE42TrKV3XVPZrfV+aCk9XdEyaQqwwkkvcXyv3ht7uf252HWQqkYuTwPdXtzCxts5LVoS6diP0HSUzImNjjAaxjQ1o4ACwCupJLBHzqc5Tk5yeLekidRyZ0D3OdaRuIk2a+zRc3sBbIdSi5iJ14ZevIxUcVo6DH4LqD9L6f/ANU5iJt6Q3m9cDja28m0MdM+Sk5wyR9Itc7FiaAcQAt428dlt60nRSWKLuT8vVZ11CvhmvRqwwezsI1ybazfJKjBIbQzEB19jXbGv7Nx6jfctKU819DOnlvJ/lNHPgvWj81tXd4nU165PpI3umo2F8RN3RtHSYd+Fo2s6hmOxZqUmnitRVyVluE4qlcPCS1N7evp+vWR3Q2uddSDBHLdjcgyQYgOoX6Q7AbLSNSS0JnSuck2ly8+UdL2rRj9jq+FGv8A0Pqz8S256p0cPEqejtpvlxXcPCjX/ofVn4k56p0cPEejlpvlxXcZqPlH0lK9scbYXPe4NaBGcyT9ZOdqdHDxI6uQbKlBzm5JLTrXcSLlZik/k+DnCHPbMznHNFm35uQEgbhc2CkrY5qxObyflDyyeboTi8MetfYrzVvWmoocfMYPwmHFibi2XtbMcSoYzlHUelvsm0bzN5zHRue87fhRr/0Pqz8S256p0cPEoejlpvlxXcPCjX/ofVn4k56p0cPEejlpvlxXcPCjX/ofVn4k56p0cPEejlpvlxXcTfVCoqdJU0prms5mQFjGtbhLuL73Ow5DrB4KWm5TTztRwco06NhXirZvOjpbbxw6NXErnWrU2poXlwDnwg3bK3dwx28Vw47OHVBOm469R6awyrQu45ssFLant6t66NZloOUXSETcPONkA2GRocfSFie03WVVnsZpWyDZ1Hjg11P/AH8ja8KNf+h9WfiWeeqdHDxIvR203y4ruHhRr/0Pqz8Sc9U6OHiPRy03y4ruOzqlrnpKtqWRDmg3xpHCM9Fg2nxtpyA6yFtCpUlLDRwKOUclWVpQdRuWOpLFaXw4lpK0eTPpDJ8yMDgQ4Ag7QRceZDKbTxRyn6r0JNzSwX/VM+5ac1DcuBaV/dLQqkv5M8+atB5JB6pv3LHNQ91cDPnC6+LL+THzVoPJIPVN+5Oah7q4DzhdfFl/JmWm1epIzijpoWu3ERtB7ja6yqcVqSNJ3lxNYSqSa62dNblY8IugOVDqzRMcHNpYGuaQWkRtBBBuCDbatFTgtKSLUr65knGVSTT6WdZblUIDHPA17S17Q5rhZzXC4I4EHaEax1m0ZOLUovBo5fzVoPJIPVN+5R81D3VwLXnC6+LL+TM9RoKlkaxskET2xizA5gIaMsmgjIZDZwC2cIvQ0Rwuq8G5Rm03rwb09Zk0foinguYIY4sVsWBgbe2y9h1pGEY6ka1birWw5yTeG94m6tiEIAgCA4/zVofJIPVN+5R81DcuBc84XXxZfyZ1o2BoAAsALAcANgUhUbxeLNKt0LTTG80EUh4vja4+ci61cIvWialdVqSwpza6m0a3zVoPJIPVN+5a81D3VwJfOF18WX8mPmrQeSQeqb9yc1D3VwHnC6+LL+TM1JoCkieHxU8LHi9nNjaCLixsQOBWVTinikjSpeXFSObOcmtzbN2op2SNLJGh7XCxa4AgjgQcitmk9DIIzlCSlF4NbjmfNWg8kg9U37lpzUPdXAtecLr4sv5MfNWg8kg9U37k5qHurgPOF18WX8mPmrQeSQeqb9yc1D3VwHnC6+LL+THzVoPJIPVN+5Oah7q4DzhdfFl/JnUp4GsaGMaGtaAGtAsABsAA2BbpYairKTk3KTxbPshZNTmT6uUbyXPpoHOO0mJtz2m2a0dOD1pFqN7cwWEakkutmP5q0HkkHqm/csc1D3VwNvOF18WX8mPmrQeSQeqb9yc1D3VwHnC6+LL+TNvR+iYIMXMRRxYrYsDA29r2vYZ7T51tGEY6kQ1birWw5yTeG9tm6tiE/9k="/>
-          <p:cNvSpPr>
-            <a:spLocks noChangeAspect="1" noChangeArrowheads="1"/>
-          </p:cNvSpPr>
-          <p:nvPr/>
-        </p:nvSpPr>
-        <p:spPr bwMode="auto">
-          <a:xfrm>
-            <a:off x="168275" y="-144462"/>
-            <a:ext cx="304800" cy="304801"/>
-          </a:xfrm>
-          <a:prstGeom prst="rect">
-            <a:avLst/>
-          </a:prstGeom>
-          <a:noFill/>
-          <a:extLst>
-            <a:ext uri="{909E8E84-426E-40DD-AFC4-6F175D3DCCD1}">
-              <a14:hiddenFill xmlns:a14="http://schemas.microsoft.com/office/drawing/2010/main">
-                <a:solidFill>
-                  <a:srgbClr val="FFFFFF"/>
-                </a:solidFill>
-              </a14:hiddenFill>
-            </a:ext>
-          </a:extLst>
-        </p:spPr>
-        <p:txBody>
-          <a:bodyPr vert="horz" wrap="square" lIns="91440" tIns="45720" rIns="91440" bIns="45720" numCol="1" anchor="t" anchorCtr="0" compatLnSpc="1">
-            <a:prstTxWarp prst="textNoShape">
-              <a:avLst/>
-            </a:prstTxWarp>
-          </a:bodyPr>
-          <a:lstStyle/>
-          <a:p>
-            <a:endParaRPr lang="ko-KR" altLang="en-US" b="1"/>
-          </a:p>
-        </p:txBody>
-      </p:sp>
-      <p:sp>
-        <p:nvSpPr>
-          <p:cNvPr id="7" name="AutoShape 6" descr="data:image/jpeg;base64,/9j/4AAQSkZJRgABAQAAAQABAAD/2wCEAAkGBxISEhQUERQWFRUVFRgYFhgYFx4XGhwcHRQXGBoVGhkYHCggHhorIBUWITEhJikrMi8wFx80ODcsNygtLisBCgoKDg0OGxAQGy0mICQsLCw4NC8sLCw3Ly8sLCwsNCwsLywvMiw0LCwsLCwsLC0vLCwsLCwsLCwsLCwsLCwsLP/AABEIAK8BIQMBEQACEQEDEQH/xAAcAAEAAgMBAQEAAAAAAAAAAAAABgcDBAUBAgj/xABREAABAwICBQYJBgkLAwUAAAABAAIDBBESIQUGMUFRBxMiYXGBFzJUkZKTobHSFBZScoLRIzNCYmNzdLLBFTQ1Q0RTg6Kjs8PT8PEkVcLi4//EABsBAQACAwEBAAAAAAAAAAAAAAADBAECBQYH/8QAPxEAAgECAQcHCwMEAwADAAAAAAECAwQRBRIhMUFRkQYTYXGB0eEUFRYiMlJTobHB8EJikjM0cvEkNcIjRKL/2gAMAwEAAhEDEQA/ALxQBAEAQBAEAQBAEAQBAEAQHKj0lasfTu3wtlZxtjcx47iGH7R4LTP9bNLDoPmFWW/NfBNffgdVblcIAgCAIAgCAIAgCAIAgCAIAgCAIAgCAIAgCAIAgCAIAgCAIAgCAIAgCAIDwlAQahquf03I5mbIKd0ZO64c249Jzh9gqtF51d9CO3Up81kuKlrnPHsw/OJOlZOIEAQBAEAQBAEAQBAEAQBAEAQBAEAQBAEAQBAEAQBAEAQBAEAQBAEAQBAEBENedbW0rDFEQZ3DtEYI8d3XwHfs2169ZQWC1nXyXkyVzLPn7C+fQvu9nWffJ5oF1NAXyAiWaznA7WtF8LT+dmXHrceCzb082OL1sxle9VxWzYezHQvu+7oRLFOckIAgCAIAgCAIAgCAIAgCAIAgCAIAgCAIAgCAIAgCAIAgCAIAgCAIAgPCUBANb9ewzFFSEF4ydLta3iGbnO69g69gqVrjDRA9Dk3IzqYVa+iO7a+vcvn9TDqTqc4uFVWA3vjYx2bidvOyXzvvAPac8hihQ058zfKmVY5vk9vq1Nr6Lo3vb1a5VpzWmmpejI4ukNrRMGOQk7BYbL7r2urE6sYa9ZyLXJ9e50wWEd70JdvceUElXP0pGimjOxmT5j1uceizssTntCRc5aXoMVo29L1YPPe/Uuza+vR1M7jQpCmeoAgCAIAgCAIAgCAIAgCAIAgCAIAgCAIAgCAIAgCAIAgCAIAgCA8KArTlB1tLnOpoHWa3KZ42k74weA3nectxvSuK36Ynp8j5LWCuKq6l939uJ0dRdTREG1FS28pAMbCMoxuJH957t3Fb0KGb60tf0K2VcrOs3SpP1dr97w+utmHXTW+QSfJaK5kuGve3N2I5c3H+dnm7d23IxWrvHMhrN8mZLpuHlFz7OtLo3vo3Lb9evqhqiylHOS2kqHZuecw0naGk534uOZ6hkpKNFQ0vWUsoZTncvMhogtS7+7UvmSpTnLCAIAgCAIAgCAIAgCAIAgCAIAgCAIAgCAIAgCAIAgCAIAgCAIAgCA+Jr4TbbY27dyGVrKU1IouerYWyZ2cZHg7y0F2f2rHuXMoxzqixPcZVq81ZydPbgl1PwLj0pOY4ZXt2sje4doaSPculJ4Js8VSip1Ixe1pFQahSNFfAZDckvsT9MsdYnrNz3lc63a5xYntMsQl5HJQ1LDgn/oukLpHhz1AEAQBAEBjEzb2xC/C4QzgzIhgIAgCAIAgCAIAgCAIAgCAIAgCAIAgCAIAgCAIAgCAIDwoCstYKE6Or46toPMPkJdb8kuBEjT1HEXjrBHBUqkeaqKew9PZ1lfWUrV+2lo6cNXcWR0ZGbnNc3tBBHusVc1nmdMX0oozTWjH0k7ojcFhBjdvLb3Y8Hjl3EFcqcHCWB9AtLmF1QU9+hrp2r82Fsal6f+WU+J2UrDhkA2XtcPHURn1G43Lo0amfHHaeOylZeS1s1ey9K6vAkKlOeEAQBACgKV1dYP5WYbC/yubPvlXNp/1u1/c9veN+a2v2Q/8AJdS6R4g8ugF0AugPUB5dAe3QHl0AugF0B6gCAIAgCAIAgCAIAgCAIAgCAIAgCA1q+jZNG6ORocxwsQf+8j1rDSksGb06k6c1ODwaODq5FJRv+SSkvizNNIeG0wO4OAzHEXtssoqacPUerZ3F68nC5XPx0S/Uun3l0PbufWYOUnRjJKR0pHThs5ruouAc3sIN+0Ba3EE4Y7ibItxKncqC1S0P7PsOfyT0L2xzTOBDZS1rOsMxXcOq7yPsrW1i1FveWeUFeMqsaa1xTx7cNHy+ZPlaPPhAEAQHhQFMavf0rH+1ze+Zc2n/AFu1/c9tef8AWP8Awh/5LF1uir3iNtC5rL4uccbAjxcNiQbDxtgvsVyqqjwzDzOT52kXJ3Kb3fmj6kZm1J0i4YnVhLuHOy28+7zKB0KmvO+bOtHK9jHQqOj/ABj+fM1NVtY6qCqbTVL3PaZOacHnE5jibNcHnMgkjaTkbjr1pVZxnmSJcoWFvWtncUFg8MdGjFbdHQbnKXPUQzRvimlYyRhFmvIaHNPAHaQ4eiVtcuUWmmQ5ChQqwlCcE2njpWx/nzJlqtpH5RSwynxiwB31m9F3tBVqnLOimcS9ocxXnT3P5bPkQjlL01NHUsZDLIzDDicGOLblznWvbabM9qq3M2pJJneyFaUqlGU6kU9OGlY6l4kqroaxtDG2mdeoDYw5zyCTkA9135Xzvc32KxJTzPV1nGoztndOVZepi9C+Wojb9TtJy5y1nS4CWS3+UNHmCg5iq9cvqdZZUsKeiFHR1R++L+Zxm6YrtGT4Jnuka2xcxzzI1zD+UxzswcjbZmMwos+pSlhIuu1tMoUc+lFJ9Cwwe5paC0Kaj6YlbJIWuFwwuu3O5vb7XZkOC6HSeQlLRmtHQWTQIAgCAIAgCAIAgCAIAgCAIDW0jXxwRmSZ4Yxu0nzAdZ6gtoQlOWbFYs1nNQWdLUQw6/meZsFFG3E8kCSd2Buwm+EZnIcQepXvIebhn1X2Ioq/VSeZTXa9BJKTRtQbGeqc472xMbGz2hz/APMqkpw/THi8fD5F2MZbWdZjbC3vNz5yojc8kjDtovmDnxBuD50BzdOaL+UtEUhtDcOeAbF9jcMvubcAk7Ta2S0nDPWD1Fi2uHQlnx9rZ0dPXuNh1XBC0NL442tFgC5rQABsAvssFJGEnoiivOpi3KTMVJp2nmdhhkEpG3m7vA+s5oLR3lbypTivWWHXoNI1Iy1PEV+ho5r84ZD1NlfGB2CNwHebrEKkoasOCf1MyinrILrA+p0TNG+GWSWnkJHNyuL7EWuzEcxcZgjgb339Kgqd1FxkkpLatBzbidS1kpJ4xexliaPq2zRslZm2RjXt7HAEd+a5kouLcXsOnGSkk0ZytTJTGrv9Ks/a5vfMubT/AK3a/ue2vP8ArH/hD/yWtpzTkFIzHM61zZoAu5x4NH8dgV+c4wWLPJW1pVuZ5lNY/brIj4Q5JD/6aikkFznc/wDGxwB71X8qb9mJ2PMcIf1q0Y8Pu19CH1FW+XSDZJIzE99TAXRm929KIWNwDmADsG1V85yq4tYaUdlUo0snuEJZyUZad+t9P1LF5SaDnKJz98LhIOwXa/8Ayuce5XLiOMOo81kavzV3FbJerx1fPA5PJPX3ZNAT4rhI3scMLh52g/aUdpLQ4lzlDQwqRqrasO1eH0I/Wj5bpYtGbTOG/YiHS7jzb/SUT9et2/Q6FL/iZMx25uPbLV8mi1tIV8dPGZJnBjG7SfYANpPABXpSUVizyVGjOtNQprFshs3KPicRS0sktjvuO+zGuIHbZVndY+zHE7kcguKTr1Yx/Oloh2uelJamUPmgMDhFhDTfMYnHF0mt4kbNyr15ub0rA7eSranbxcac89N9H2bLl0Z+Ji/Vs/dC6UdR4ep7b62bKyaBAEAQBAEAQBAEAQBAEAQBAYaykZKwsla17Dta4XB7isxk4vFPSYlFSWDIrWcnFC++Fskf1X3HmfdXI5QrR24lOWT6EtOGHUajdQ2NOCKuqWkC5aH7BuNm2tsW3lzemUI8DHkeGhTlxM/zHm/9xqvSd8ax5ZH4cTbySXxJcTxuoT79Kvqz2SEe8lZd6tlOPAwrN/ElxPpnJzT/ANZNUSfWkH8GrXy+eyMV2GVZQ2tvtN6j1E0fHsga4/nkv9jjb2LSV7Xl+r7G8bSjH9P3O/S0rI2hsbWsaNjWgNHmCrNuTxZYSSWCMywZKy5TK41M8FFTjHI1xLgPpkWa2+6zS4ngCF1bCHNxlWnqOVlCTqyjRhrLA0NQiCCKEG/NxtZfjZoBPec1zak8+blvZ04RzYqK2G6tDYpfV7+lY/2ub3zLm0/63a/ue2vP+sf+EP8AybXKfK41pDibNhZhHUS4kjrJ/dHBbXPt6dxFkKOFo3HW2/klgWhSTwMha6NzGwhgLSCAwNtlnssryaS0ajyc41JVGpJ52PbiVHpOsZNpTnIjiY+qgwnjYwtJF912lc9yUq2K3o9lSpTpZNzJrBqEvniy5amEPY5js2uaWkdRFj710WsUeJjJxaktaKU0JXvoKl5dcuY2aIjiQDhPe5jO4rm05c1N9p7m7oq+to5u1xfVjr+r4Ej5KdGl0ktQ7PAObaTvc6znntsG+kVNax0uTObygrqMYUI9fYtC+5m5W5XXpm/kHnHH6wwAexzvOs3behGnJ2McaktuhdmnuRJNRHQihh5vCOgOc2Xx/l4uu91NQw5tYHKyoqnlc8/fo6tmHRgQHlL0hFNU3ieHhkWBxbmMQc8kA7DtGxVLmSlLQejyDQqUqLz1hi8VjuLY0Z+Ji/Vs/dC6EdR4+p7b62bKyaBAEAQBAEAQBAEAQBAEAQBAEBraQie+N7Y34HuY4Nfa+EkEB1uo5rMWk03pMSTaaRWNDHpbRpkww8817sTnWMuI2tiu0472A2jcuvN2txhpwa7PA5MPK7fHRnI2TylVLPxlIAesvZ7C0rXzdTeqf07zbzhUWum/zsPTypSbqQetP/TTzZH3/l4jzlLZTf52HyeUCvk/E0g6rMkk91k8goR9qf0Q8urv2af1MkFXp6ZzSGCMAg2cxjGnPYQ4l9uzNayhZQWGOP5wMxneyepIsCikl5sGdrGvt0gxxe3ZuJaD3WXNlm4+rqOmscNJytJTVk/QpWiBpydPKOl/hxbb9b8PZvUsFThpnp6F933Ec8+WiOjpMmreq8FGCWXfI7x5X5vdc3Oe4Xztv33KVridXXq3GtG3hS1a3tO4oCc166sZDG6SQ4WMBc4ngP49Sw2ksWb06cqklCKxbKj1EhdPpCOS3iukmf1YmuFr/WkHmK51BOVTHrZ7HK0lRsebx15seGHcWJrPqrDW4S4uZI0Wa9vC98LgciPdc22lXatFVNZ5uxyjVtG83SnsZHKbkwZcc5OXNvezWBpOd9pJ9ygVotrOnPlFNr1IJPe3j3HTqNQIDNFJE50Qi5uzGgEEsfiuScyTvPUpPJ45ya2FOOWa3NTpzWdnY6XsxWH+iXlWDkEP01qDFUTvm517DIQS0NBFw0NvnxsFXnbKUscTtWmWqlvSVLNTw6+s7+gNEMpIWwsJIbclx2uJNy427fYpYQUI4I5t1cyuKrqy2/I+dYdBxVkfNy3Fjdrm5OabWuL9uwpUpqawZtaXdS1qZ9P/AGukhw5Lxc3qDhO20YuR2l1vYq3ki3nafKKWGimsev8APqdKu5OqZ8bGRudHhxYnABzn4gPGJ4WyAyzW8raDWC0FWjl24hUc54Sx2akuol1NFgY1u3C0C/YLKyjjSeLbMqGAgCAIAgCAIAgCAIAgCAIAgCAICL6e10gpahkDgbkt5x9jhY05gm2bjsyHHuVqlaTqwc1/sq1runSmoS2nSg1ko3+LUwn/ABGg+YlROhVWuL4EqrU5apLibf8AKEH97H6bfvWmZLcyTORqVGstGzxqmEdXONJ8wN1vG3qy1RfAjlWpx1yXE80XrLSVLiyGZrnD8nNpPW0OAxDrCzUt6tNYyiYp16dR4RkmdZQkx7ZAEAQEV111alrBEI5cAa7pNdmy2fTsNrx/HcoK1J1MMGdTJl/C0cnKGOOp7erqZ0tW9XoqOMtjuXOsXvPjOI2dgGdh1neSVvTpqCwRWvL2pdTzp9i2L83nYUhUCAIAgCAIAgCAIAgCAIAgCAIAgCAIAgCAIAgCA+JZA0EuIAAuSTYAcSSmsEfGt8cjzHRxyVThtLAGxt63SPsLdl77lZ8llFY1Go9evgQK4jJ4Q09XedOjlqSQZY4mDg2RzyP9MBQyUNjfDxJVnbTU0/qvTVgBmacYFg9pwuA4X2EZ7CCpKNxUo+yyKtb06y9dEOq+Sw3/AAVQLcHsz9Jp/gr8cqe9HgznzyTH9MjQPJdU/wB7D/m+FSedIbmR+ap+8bVPyWSfl1DAPzYy72lwWksqLZH5m0ck75fIkGjOTmjiIc/HM4G4xus2/wBVtvbdVqmUKs1gtHUXKVhRpvHWyXsYAABsAsFRLp7dAasWkGOmfCD042se4fmvLw034/g3ZdnELZxaipbGYTWOBtrUyEAQBAEAQBAEAQBAEAQBAEAQBAEAQBAEAQBAEAQBAEBHdddX5K2ERxy4C12Ig+K/LIOtnkcxt7OFm1rqjPOaxK11QdaGangQvRugNMUJPycNcHG7mtc1zT12fhN+yyv1K9pX9vFfnQc+lb3Vv7GDR2Ga2aTj/H6Oc7iWYvcA/wB6g8lt5ezU4/iLXlNePtU+DMo5RLfjKKpbl9H4g3JY8gx1TjxM+W4a4S4DwnUw8aGoHa1nxp5uqbJIx5wgtcZcAOU+kOyKc9jWfGnm2rta/Owz5wp7nwPpvKREfFpal3Yxp9zljzfJa5x4mfLV7kuB9s11qH/itHVJ+tdg85YsO0gvaqL6mVdTeqm/oZo9KaWk8Wjih65ZsXsZmtXTto65t9S7zZVK8v0Jdb7jZj0ZXSZ1NYI27208YZ3c5Jd3mAWjqUV7EMet/ZYG6hUftS4GGDS9FS/gaUGeZxuWRHnZHu2YpJCbcLuc7ILLpVanrz0Lp0cF3BVKcXmx0v8ANZJqXHhHOWxWGLDsvvAJzI61V6idGVAEAQBAEAQBAEAQBAEAQBAEAQBAEAQBAEAQBAEAQBAEAQGCqhe7xHlhHUHA9oI9xCymlrRho5zo64eLJTvHXG+M+cSOHsUmNLc+K7jX1+gwOn0kP7PSu6xUPb7DCfet82h70uC7zXGpuXHwMXyzSQ/sdP3VJ/6Szm0Pff8AHxMOVT3Vx8Dx1bpQ7KWnb21Dj7owmZb+8+HiM6ruXHwMbjpl2wUTO+Rx9y2/4q958Eaf8h+6uLPh+h9KSePXsjHCKAe9xuEVW3Wqnj1sw6dZ654dS7zwaixvzqqioqep8hDe5rdnnWfLJL2IqPUh5LF+22+3uJBo3RUFO3DBGyMb8ItfrJ2nvVadSc3jJ4liEIwWEVgbq0NggCAIAgCAIAgCAIAgCAIAgCAIAgCAIAgCAIAgCAIAgCAIAgCAIAgCAIAgCAIAgCAIAgCAIAgCAIAgCAIAgCAIAgCAIAgCAICOaw660lGS2R5dIP6uMYnDtzs3vKjlUjHQdGzyVc3SzoLBb3oXj2EXfyuxX6NM8jrkAPmwlR8/0HWXJmphpqLgz58LrPJXesHwpz/QZ9GJ/EXDxHhdZ5K71g+FOf6B6MT+IuHiZqblbgJ/CU8jRxa5r/YbIq63Gk+TVZL1Zp8V3k00Jp6nq24qeQPttGxze1pzCmjNS1HDubOtbSzascPzYzovdYE8BdbFdLFlaDleZ5K71g+FVlcY7D0/oxP4i4eI8LrPJXesHwrPP9A9GJ/EXDxHhdZ5K71g+FOf6B6MT+IuHiPC6zyV3rB8Kc/0D0Yn8RcPE7ur3KJSVThG7FDI42aH2wk8A4ZX7bLeNaMtBQvMh3NvHPXrLo2dhMFKcYIAgIFrNylxU0zoYoueLDZ7seFoO9oyNyNh2ZqCdZJ4JHfscg1Likqk5ZqerRj27CTasawRV0POxXFjhe07Wu4G27YQVJCaksUcy9sqlpV5ufY96OutymEBqaS0jFTsMkz2sYN7j7ANpPUFhySWLJaNGpWnmU1iyEV3KxTNJEUUkgG82YD2XufOAoXXWxHdpcm7iSxnJL5+BqeF1nkrvWD4Vjn+gm9GJ/EXDxHhdZ5K71g+FOf6B6MT+IuHifcPKwHua1lI9znENaBILkk2AHRTn+g1nyblCLlKqsF0eJKda9Z/kMEcskWIveGFofaxLHOPSw5+LbYpJzzVjgcmwsPLKrpxlhgsccOlL7mHUzW9ukOdwxGPm8O12K+LF1D6PtSnUz9hJlLJjss3GWOOOzDUSdSHLCAIAgOTp7WOmo23nkDSfFaM3nsaN3WclpKcY6y3a2Ne6eFKOPTsXaQ2flchB6FPI4cXOa0+YXUXP9B24cmarXrTS7G+4xeF1nkrvWD4U5/oNvRifxFw8R4XWeSu9YPhTn+gejE/iLh4nS1e5RDWTshipXXdm5xkFmtG1x6P/kkDeto1s54YFW8yJ5LSdWdRcNb3aydKY4JC+UvWp1HE2OE2mlvY/QbsL+3cO87lDWqZqwWs7eRcnK6qOdT2Y/N7u8rLVTVWfSD3YThY0/hJXXOZzsPpO37e05i9eEHLUepyhlKlYwSaxb1JbvsixqfkqogOk+Zx44mjzANU6oR3nmp8o7pvQors8TL4LaDjN6Y+FZ5iJr6Q3n7eHiPBbQcZvTHwpzER6Q3n7eHiaOkuSenLTzEsjHbsdnt77AHvusOgtjJqPKSvF/8AyxTXRofcVy5tVoyq3xyxndm1zT+8w/8AdiFX9aL6T0ydvlC33xfFP7NfmgvPQGmW1lK2ZuWJpDm/RcBZzfP7LK7GWdHE8Dd2srWu6Utj4reUDoClbNUQRvvhkkY11sjYuANlQprHBdR9Du6sqVCdSOtJst/wW0HGb0x8Kt8xE8d6Q3n7eHiPBbQcZvTHwpzER6Q3n7eHieHktoOM3pj4U5iI9Ibz9vDxK6151TNBK0BxfFICWOO3K12utlfMZ77qCcMxnpclZSV7B4rCS196LS5NNMuqqJpkN3xOMbidpsAWk9eFwz4gqxRlnR07DyeWrSNvdNR1S0r86yVqU5JF+UHWT5FTHAfw0t2xDhxk7r+chR1Z5q0azqZJsPK6+EvZWl93aU5q9q9PXOlEWZjYXuJ3nPCy/wBJxB28CqkYOWhHtb2+pWajn7Xh2b+pG5qNrEaGpBfcRP6EwtsF8nW4tJ82Ib1mnPNeJBlWxV5Q9X2lpXd29xfrHggEG4OYI2EcVePnrTWhmKtqmxRvkkNmMaXOPUBcrDaSxZvTpyqTUI628CgNYNMz6SqQbOOJ2GGIZ4QTk0D6Ryuf4AWpSk5vE+h2dpRsKHUsW9/huX3JxoTkoZhBq5XYjtZHYAdRcQb91lLGh7zODc8pJ52FCKw3vu/2dfwW0HGb0x8K35iJU9Ibz9vDxHgtoOM3pj4U5iI9Ibz9vDxN7QmoVHSzNmjDy9t8ON2IAkWuBYZ7fOsxpRTxK91li5uKbpzawe5HI5aP5nF+0D/akWtfUusucmv7mX+L+qObyI/2r/C/5FihtLPKfXT7fsWkrB5UIAgOHrjp9tDTOlIBcejG073G9u4WJPYtKk81Yl7J9m7uuqa1a31FI6PoarSVSQCXyP6T3uOTR9Inc0bAB1AKmk5SPdVq1vk+hp0RWhJbfzayyKDkopWtHPSyvdvw2Y3uFifarCoLazzNXlJcSf8A8cUlx/OBt+C2g4zemPhWeYiQ+kN5+3h4jwW0HGb0x8KcxEz6Q3n7eHidvVvVWmocfMB132xFxxGw2AZCwzJ/8BbwpqOooXuUa93hzr1bjuLcolD8qNSX6RmB2RiNjezm2u973edUqrxmz3+QaajZRa2tv54fRFt6jULYaGma0WxRNe7rc8B5Ptt3BWqawijx+U60qt3Uk97XYtB3VuUAgCAICuOWigaYIZrdNsmC/wCa5pNvO0ecqvXWhM9LyarSVaVPY1j2r/ZrcjVSTFVx7mlrx2ua4H9wJQ2knKSmlUpz34rg/EgGqX89pf18f74Vel+nsPQ5R/tan+L+hf2kNOU0Dg2eaONxFwHuw3HEX2q9KcY62fPaNpWrLGnBvqWJrfO2g8qh9YFrzsN6JfNt38KXBnh1uoPKofTCc9T95Dzbd/ClwZVnKbrTFWSRsgzjixdO1sTnWvYHOwA277lQVZqT0HrMh5OqWsJTq6HLDRuSJxySaOdFRY3C3PSF4H5tmtB78JPYQpaCwjjvOFygrxqXeEf0rDt1/cmNVUNjY57yGtY0ucTsAAuSpW8FiziwhKclGKxb0H591l0xJpCrLwCcTgyFm8C9mt7STc9ZVKUnJ4n0WxtYWNvmvZpb/NiLq1O1fbRUzYsi89KV3F5GfcNg7FapwzI4Hhso3ru67qbNS6vzSyuOVfVrmZvlMQ/BzHp22Nk237HZntDuIUFaGa8VtPTcn7/nafMTfrR1dK8Pod7kl1m5yP5JKenGLxE72b2drd3V9Vb0J/pZz+UGT+bn5RBaJa+vf2/XrOpysVJZo94H9Y9jD2Xxf/BbV/YKmQKalepvYm/t9yH8jVA19TLK7MxRgN6i8kF3bZpH2io6Cxkztcpa0o0YU1+p6ez/AH8i4laPGBAEAQFf8tH8zi/aB/tSKCvqXWeh5Nf3Mv8AF/VHN5Ef7V/hf8ixQ2lnlPrp9v2LSVg8qEAQFUctdSecpo9wa9/eSB/A+dVq70pHreTNNZtSe3QiNao64uoGPbHCx7nuBc5xINgLBuW4ZnvKjhNw1I6mUclK9mpSm0ktX3O/4W5/J4/Sct+fluOf6M0viPgh4W5/J4/ScnPy3D0ZpfEfBDwtz+Tx+k5OfluHozS+I+CJhqLrLUV4e+SFkcTeiHAklztpAvuA29o61LSm560cXKthRs2oRm3J/JeJLVKcgpPld0aY63nbdGdjSD+cwBjh5gw/aVOssJY7z3PJ2up2vN7Yv5PT3k65MdPsqKRkRI52BoYW7y0ZMeOq1gesdYU1GWMcNx5/LdlKhcOf6ZPHt2omSmOMEAQBAVJyv6fZI5lLGQeadjkI2B1rBnaAXX7R1qrWli8Eev5O2coKVeW3Quredfkj0aWUk0zhbnnHD9VgIv5y7zLegtDZT5Q11O5jTX6V834YFaapfz2l/Xx/vhVqX6ew9PlH+1qf4v6F96waBhrIjFM242tcPGafpNPH3q9OCksGfPrS7q2tTnKb8esovWnVeahkwyDEw+JIB0Xfc7iPftVOcXF4M9/YZRpXkMY6Gta3eHSa+gNCvq5OajkiY/8AJEji3FxDbNNz1LCTbwRJeXkbWGfOLa6Fjh16SwtXeSvC4PrJGvAN+bjvhP1nEA26gO9TRoe8ebvOUblFxt44dL19i8SzGMAAAAAAsAMgBwCsnmG8XiyreVzWa5+RxHZZ0xHnbH7nH7PWq1af6Uer5PZP/wDszXRH7v7LtObqBoh8MMmkeZ57mgeZjxYSbZSSA4TmBcAb+lvstaccFn4aixli6jVqxss7Nx1vX1LZr29h1fC+PJP9b/8ANb+UdBV9GH8X/wDPiael+UyKphfDLRkse2x/DC43hw/B7QbEdi1lWUlg0TW/J+pQqKpCrpX7fHaQHR9a+CRksRs9jg5p6xuPUdhHAqFYrSj0VajCtTdOa0PQXFrFO3SeiHywjpAB+HaQ5hu9nbbFbjccVZm8+nijxNnB5PyioVNWrHoepkB5NNPtpKr8KcMUzcDidjTe7XHqvcdWK+5Q0pZsus9Fluylc2+MFjKOnr3r83F7NN1dPAnqAIAgK/5aP5nF+0D/AGpFBX1LrPQ8mv7mX+L+qObyI/2r/C/5FihtLPKfXT7fsWkrB5UIAgKz5aNGlzIJ2jJhcx/VisWnsuCO8KvXWpnp+TVdKc6L26V2Ee5N6DR9S58FXHeUnFETI9uIWzYA1wFxa/E3PBR0lFvCR0stVry3Sq0JerqehPDp0rbq/wBlh+DvRnk/+rL8an5mG48358vvifKPcPB1ozyf/Vl+NOZhuHny++J8o9w8HWjPJ/8AVl+NOZhu+pnz5ffE+Ue4kOjaCOnjbFC0MYwWa0dtzmcybkm54qSKSWCObWrTrTdSo8WzZWSM4+tWgI66AxPyO1j7XLXDYbbxuI3g7tq0nBSWDLljeztKqqR7VvRR+lNEVmjZgXB0bgehKwnCfqvH7pzttCpyTg9Og93Qura/p4LBranr4ff5nWp+UzSDWgF0b+t0Yv8A5SB7Fvzs95Tnyes5PFYrqffiZfCjX/ofVn4k56p0cPE19HbTfLiu4eFGv/Q+rPxJz1To4eI9HLTfLiu40tJ8oVfM0tMgjBFjzbcJP2s3DuIWJVZNaWT0Mh2dKWdm49bx+Woy6n6jT1jg+QOjgvcvIsXjbZgO2/0tnbsSFNy6jTKOWKVrFwptOe7d19xdjKZscWCMBrWswtA2AAWAVxJJYI8K5ynPOk8W3ifnnVL+e0v6+P8AfCoUv09h9Hyj/aVP8X9D9HroHzU1dJ6OiqI3RTND2OGYPsIO4jcQsSipLBktGtOjNVKbwaKR1y1NloH42Fz4SRhkHjNN8mvtsPB2w9WxU6lNx6j3WTcq072OZPBT2rf1dxK9ROUTFhgrnAOyDJjkDwbJwP52/fxMlOtskcfKuQ8zGrbrRtju6u7gTDXHWBtFTOlyLz0Ym8XEZdw2ns61NUnmrE42TrKV3XVPZrfV+aCk9XdEyaQqwwkkvcXyv3ht7uf252HWQqkYuTwPdXtzCxts5LVoS6diP0HSUzImNjjAaxjQ1o4ACwCupJLBHzqc5Tk5yeLekidRyZ0D3OdaRuIk2a+zRc3sBbIdSi5iJ14ZevIxUcVo6DH4LqD9L6f/ANU5iJt6Q3m9cDja28m0MdM+Sk5wyR9Itc7FiaAcQAt428dlt60nRSWKLuT8vVZ11CvhmvRqwwezsI1ybazfJKjBIbQzEB19jXbGv7Nx6jfctKU819DOnlvJ/lNHPgvWj81tXd4nU165PpI3umo2F8RN3RtHSYd+Fo2s6hmOxZqUmnitRVyVluE4qlcPCS1N7evp+vWR3Q2uddSDBHLdjcgyQYgOoX6Q7AbLSNSS0JnSuck2ly8+UdL2rRj9jq+FGv8A0Pqz8S256p0cPEqejtpvlxXcPCjX/ofVn4k56p0cPEejlpvlxXcZqPlH0lK9scbYXPe4NaBGcyT9ZOdqdHDxI6uQbKlBzm5JLTrXcSLlZik/k+DnCHPbMznHNFm35uQEgbhc2CkrY5qxObyflDyyeboTi8MetfYrzVvWmoocfMYPwmHFibi2XtbMcSoYzlHUelvsm0bzN5zHRue87fhRr/0Pqz8S256p0cPEoejlpvlxXcPCjX/ofVn4k56p0cPEejlpvlxXcPCjX/ofVn4k56p0cPEejlpvlxXcTfVCoqdJU0prms5mQFjGtbhLuL73Ow5DrB4KWm5TTztRwco06NhXirZvOjpbbxw6NXErnWrU2poXlwDnwg3bK3dwx28Vw47OHVBOm469R6awyrQu45ssFLant6t66NZloOUXSETcPONkA2GRocfSFie03WVVnsZpWyDZ1Hjg11P/AH8ja8KNf+h9WfiWeeqdHDxIvR203y4ruHhRr/0Pqz8Sc9U6OHiPRy03y4ruOzqlrnpKtqWRDmg3xpHCM9Fg2nxtpyA6yFtCpUlLDRwKOUclWVpQdRuWOpLFaXw4lpK0eTPpDJ8yMDgQ4Ag7QRceZDKbTxRyn6r0JNzSwX/VM+5ac1DcuBaV/dLQqkv5M8+atB5JB6pv3LHNQ91cDPnC6+LL+THzVoPJIPVN+5Oah7q4DzhdfFl/JmWm1epIzijpoWu3ERtB7ja6yqcVqSNJ3lxNYSqSa62dNblY8IugOVDqzRMcHNpYGuaQWkRtBBBuCDbatFTgtKSLUr65knGVSTT6WdZblUIDHPA17S17Q5rhZzXC4I4EHaEax1m0ZOLUovBo5fzVoPJIPVN+5R81D3VwLXnC6+LL+TM9RoKlkaxskET2xizA5gIaMsmgjIZDZwC2cIvQ0Rwuq8G5Rm03rwb09Zk0foinguYIY4sVsWBgbe2y9h1pGEY6ka1birWw5yTeG94m6tiEIAgCA4/zVofJIPVN+5R81DcuBc84XXxZfyZ1o2BoAAsALAcANgUhUbxeLNKt0LTTG80EUh4vja4+ci61cIvWialdVqSwpza6m0a3zVoPJIPVN+5a81D3VwJfOF18WX8mPmrQeSQeqb9yc1D3VwHnC6+LL+TM1JoCkieHxU8LHi9nNjaCLixsQOBWVTinikjSpeXFSObOcmtzbN2op2SNLJGh7XCxa4AgjgQcitmk9DIIzlCSlF4NbjmfNWg8kg9U37lpzUPdXAtecLr4sv5MfNWg8kg9U37k5qHurgPOF18WX8mPmrQeSQeqb9yc1D3VwHnC6+LL+THzVoPJIPVN+5Oah7q4DzhdfFl/JnUp4GsaGMaGtaAGtAsABsAA2BbpYairKTk3KTxbPshZNTmT6uUbyXPpoHOO0mJtz2m2a0dOD1pFqN7cwWEakkutmP5q0HkkHqm/csc1D3VwNvOF18WX8mPmrQeSQeqb9yc1D3VwHnC6+LL+TNvR+iYIMXMRRxYrYsDA29r2vYZ7T51tGEY6kQ1birWw5yTeG9tm6tiE/9k="/>
-          <p:cNvSpPr>
-            <a:spLocks noChangeAspect="1" noChangeArrowheads="1"/>
-          </p:cNvSpPr>
-          <p:nvPr/>
-        </p:nvSpPr>
-        <p:spPr bwMode="auto">
-          <a:xfrm>
-            <a:off x="320675" y="7938"/>
-            <a:ext cx="304800" cy="304801"/>
-          </a:xfrm>
-          <a:prstGeom prst="rect">
-            <a:avLst/>
-          </a:prstGeom>
-          <a:noFill/>
-          <a:extLst>
-            <a:ext uri="{909E8E84-426E-40DD-AFC4-6F175D3DCCD1}">
-              <a14:hiddenFill xmlns:a14="http://schemas.microsoft.com/office/drawing/2010/main">
-                <a:solidFill>
-                  <a:srgbClr val="FFFFFF"/>
-                </a:solidFill>
-              </a14:hiddenFill>
-            </a:ext>
-          </a:extLst>
-        </p:spPr>
-        <p:txBody>
-          <a:bodyPr vert="horz" wrap="square" lIns="91440" tIns="45720" rIns="91440" bIns="45720" numCol="1" anchor="t" anchorCtr="0" compatLnSpc="1">
-            <a:prstTxWarp prst="textNoShape">
-              <a:avLst/>
-            </a:prstTxWarp>
-          </a:bodyPr>
-          <a:lstStyle/>
-          <a:p>
-            <a:endParaRPr lang="ko-KR" altLang="en-US" b="1"/>
-          </a:p>
-        </p:txBody>
-      </p:sp>
-      <p:sp>
-        <p:nvSpPr>
-          <p:cNvPr id="9" name="AutoShape 8" descr="data:image/jpeg;base64,/9j/4AAQSkZJRgABAQAAAQABAAD/2wCEAAkGBxISEhQUERQWFRUVFRgYFhgYFx4XGhwcHRQXGBoVGhkYHCggHhorIBUWITEhJikrMi8wFx80ODcsNygtLisBCgoKDg0OGxAQGy0mICQsLCw4NC8sLCw3Ly8sLCwsNCwsLywvMiw0LCwsLCwsLC0vLCwsLCwsLCwsLCwsLCwsLP/AABEIAK8BIQMBEQACEQEDEQH/xAAcAAEAAgMBAQEAAAAAAAAAAAAABgcDBAUBAgj/xABREAABAwICBQYJBgkLAwUAAAABAAIDBBESIQUGMUFRBxMiYXGBFzJUkZKTobHSFBZScoLRIzNCYmNzdLLBFTQ1Q0RTg6Kjs8PT8PEkVcLi4//EABsBAQACAwEBAAAAAAAAAAAAAAADBAECBQYH/8QAPxEAAgECAQcHCwMEAwADAAAAAAECAwQRBRIhMUFRkQYTYXGB0eEUFRYiMlJTobHB8EJikjM0cvEkNcIjRKL/2gAMAwEAAhEDEQA/ALxQBAEAQBAEAQBAEAQBAEAQHKj0lasfTu3wtlZxtjcx47iGH7R4LTP9bNLDoPmFWW/NfBNffgdVblcIAgCAIAgCAIAgCAIAgCAIAgCAIAgCAIAgCAIAgCAIAgCAIAgCAIAgCAIDwlAQahquf03I5mbIKd0ZO64c249Jzh9gqtF51d9CO3Up81kuKlrnPHsw/OJOlZOIEAQBAEAQBAEAQBAEAQBAEAQBAEAQBAEAQBAEAQBAEAQBAEAQBAEAQBAEBENedbW0rDFEQZ3DtEYI8d3XwHfs2169ZQWC1nXyXkyVzLPn7C+fQvu9nWffJ5oF1NAXyAiWaznA7WtF8LT+dmXHrceCzb082OL1sxle9VxWzYezHQvu+7oRLFOckIAgCAIAgCAIAgCAIAgCAIAgCAIAgCAIAgCAIAgCAIAgCAIAgCAIAgPCUBANb9ewzFFSEF4ydLta3iGbnO69g69gqVrjDRA9Dk3IzqYVa+iO7a+vcvn9TDqTqc4uFVWA3vjYx2bidvOyXzvvAPac8hihQ058zfKmVY5vk9vq1Nr6Lo3vb1a5VpzWmmpejI4ukNrRMGOQk7BYbL7r2urE6sYa9ZyLXJ9e50wWEd70JdvceUElXP0pGimjOxmT5j1uceizssTntCRc5aXoMVo29L1YPPe/Uuza+vR1M7jQpCmeoAgCAIAgCAIAgCAIAgCAIAgCAIAgCAIAgCAIAgCAIAgCAIAgCA8KArTlB1tLnOpoHWa3KZ42k74weA3nectxvSuK36Ynp8j5LWCuKq6l939uJ0dRdTREG1FS28pAMbCMoxuJH957t3Fb0KGb60tf0K2VcrOs3SpP1dr97w+utmHXTW+QSfJaK5kuGve3N2I5c3H+dnm7d23IxWrvHMhrN8mZLpuHlFz7OtLo3vo3Lb9evqhqiylHOS2kqHZuecw0naGk534uOZ6hkpKNFQ0vWUsoZTncvMhogtS7+7UvmSpTnLCAIAgCAIAgCAIAgCAIAgCAIAgCAIAgCAIAgCAIAgCAIAgCAIAgCA+Jr4TbbY27dyGVrKU1IouerYWyZ2cZHg7y0F2f2rHuXMoxzqixPcZVq81ZydPbgl1PwLj0pOY4ZXt2sje4doaSPculJ4Js8VSip1Ixe1pFQahSNFfAZDckvsT9MsdYnrNz3lc63a5xYntMsQl5HJQ1LDgn/oukLpHhz1AEAQBAEBjEzb2xC/C4QzgzIhgIAgCAIAgCAIAgCAIAgCAIAgCAIAgCAIAgCAIAgCAIDwoCstYKE6Or46toPMPkJdb8kuBEjT1HEXjrBHBUqkeaqKew9PZ1lfWUrV+2lo6cNXcWR0ZGbnNc3tBBHusVc1nmdMX0oozTWjH0k7ojcFhBjdvLb3Y8Hjl3EFcqcHCWB9AtLmF1QU9+hrp2r82Fsal6f+WU+J2UrDhkA2XtcPHURn1G43Lo0amfHHaeOylZeS1s1ey9K6vAkKlOeEAQBACgKV1dYP5WYbC/yubPvlXNp/1u1/c9veN+a2v2Q/8AJdS6R4g8ugF0AugPUB5dAe3QHl0AugF0B6gCAIAgCAIAgCAIAgCAIAgCAIAgCA1q+jZNG6ORocxwsQf+8j1rDSksGb06k6c1ODwaODq5FJRv+SSkvizNNIeG0wO4OAzHEXtssoqacPUerZ3F68nC5XPx0S/Uun3l0PbufWYOUnRjJKR0pHThs5ruouAc3sIN+0Ba3EE4Y7ibItxKncqC1S0P7PsOfyT0L2xzTOBDZS1rOsMxXcOq7yPsrW1i1FveWeUFeMqsaa1xTx7cNHy+ZPlaPPhAEAQHhQFMavf0rH+1ze+Zc2n/AFu1/c9tef8AWP8Awh/5LF1uir3iNtC5rL4uccbAjxcNiQbDxtgvsVyqqjwzDzOT52kXJ3Kb3fmj6kZm1J0i4YnVhLuHOy28+7zKB0KmvO+bOtHK9jHQqOj/ABj+fM1NVtY6qCqbTVL3PaZOacHnE5jibNcHnMgkjaTkbjr1pVZxnmSJcoWFvWtncUFg8MdGjFbdHQbnKXPUQzRvimlYyRhFmvIaHNPAHaQ4eiVtcuUWmmQ5ChQqwlCcE2njpWx/nzJlqtpH5RSwynxiwB31m9F3tBVqnLOimcS9ocxXnT3P5bPkQjlL01NHUsZDLIzDDicGOLblznWvbabM9qq3M2pJJneyFaUqlGU6kU9OGlY6l4kqroaxtDG2mdeoDYw5zyCTkA9135Xzvc32KxJTzPV1nGoztndOVZepi9C+Wojb9TtJy5y1nS4CWS3+UNHmCg5iq9cvqdZZUsKeiFHR1R++L+Zxm6YrtGT4Jnuka2xcxzzI1zD+UxzswcjbZmMwos+pSlhIuu1tMoUc+lFJ9Cwwe5paC0Kaj6YlbJIWuFwwuu3O5vb7XZkOC6HSeQlLRmtHQWTQIAgCAIAgCAIAgCAIAgCAIDW0jXxwRmSZ4Yxu0nzAdZ6gtoQlOWbFYs1nNQWdLUQw6/meZsFFG3E8kCSd2Buwm+EZnIcQepXvIebhn1X2Ioq/VSeZTXa9BJKTRtQbGeqc472xMbGz2hz/APMqkpw/THi8fD5F2MZbWdZjbC3vNz5yojc8kjDtovmDnxBuD50BzdOaL+UtEUhtDcOeAbF9jcMvubcAk7Ta2S0nDPWD1Fi2uHQlnx9rZ0dPXuNh1XBC0NL442tFgC5rQABsAvssFJGEnoiivOpi3KTMVJp2nmdhhkEpG3m7vA+s5oLR3lbypTivWWHXoNI1Iy1PEV+ho5r84ZD1NlfGB2CNwHebrEKkoasOCf1MyinrILrA+p0TNG+GWSWnkJHNyuL7EWuzEcxcZgjgb339Kgqd1FxkkpLatBzbidS1kpJ4xexliaPq2zRslZm2RjXt7HAEd+a5kouLcXsOnGSkk0ZytTJTGrv9Ks/a5vfMubT/AK3a/ue2vP8ArH/hD/yWtpzTkFIzHM61zZoAu5x4NH8dgV+c4wWLPJW1pVuZ5lNY/brIj4Q5JD/6aikkFznc/wDGxwB71X8qb9mJ2PMcIf1q0Y8Pu19CH1FW+XSDZJIzE99TAXRm929KIWNwDmADsG1V85yq4tYaUdlUo0snuEJZyUZad+t9P1LF5SaDnKJz98LhIOwXa/8Ayuce5XLiOMOo81kavzV3FbJerx1fPA5PJPX3ZNAT4rhI3scMLh52g/aUdpLQ4lzlDQwqRqrasO1eH0I/Wj5bpYtGbTOG/YiHS7jzb/SUT9et2/Q6FL/iZMx25uPbLV8mi1tIV8dPGZJnBjG7SfYANpPABXpSUVizyVGjOtNQprFshs3KPicRS0sktjvuO+zGuIHbZVndY+zHE7kcguKTr1Yx/Oloh2uelJamUPmgMDhFhDTfMYnHF0mt4kbNyr15ub0rA7eSranbxcac89N9H2bLl0Z+Ji/Vs/dC6UdR4ep7b62bKyaBAEAQBAEAQBAEAQBAEAQBAYaykZKwsla17Dta4XB7isxk4vFPSYlFSWDIrWcnFC++Fskf1X3HmfdXI5QrR24lOWT6EtOGHUajdQ2NOCKuqWkC5aH7BuNm2tsW3lzemUI8DHkeGhTlxM/zHm/9xqvSd8ax5ZH4cTbySXxJcTxuoT79Kvqz2SEe8lZd6tlOPAwrN/ElxPpnJzT/ANZNUSfWkH8GrXy+eyMV2GVZQ2tvtN6j1E0fHsga4/nkv9jjb2LSV7Xl+r7G8bSjH9P3O/S0rI2hsbWsaNjWgNHmCrNuTxZYSSWCMywZKy5TK41M8FFTjHI1xLgPpkWa2+6zS4ngCF1bCHNxlWnqOVlCTqyjRhrLA0NQiCCKEG/NxtZfjZoBPec1zak8+blvZ04RzYqK2G6tDYpfV7+lY/2ub3zLm0/63a/ue2vP+sf+EP8AybXKfK41pDibNhZhHUS4kjrJ/dHBbXPt6dxFkKOFo3HW2/klgWhSTwMha6NzGwhgLSCAwNtlnssryaS0ajyc41JVGpJ52PbiVHpOsZNpTnIjiY+qgwnjYwtJF912lc9yUq2K3o9lSpTpZNzJrBqEvniy5amEPY5js2uaWkdRFj710WsUeJjJxaktaKU0JXvoKl5dcuY2aIjiQDhPe5jO4rm05c1N9p7m7oq+to5u1xfVjr+r4Ej5KdGl0ktQ7PAObaTvc6znntsG+kVNax0uTObygrqMYUI9fYtC+5m5W5XXpm/kHnHH6wwAexzvOs3behGnJ2McaktuhdmnuRJNRHQihh5vCOgOc2Xx/l4uu91NQw5tYHKyoqnlc8/fo6tmHRgQHlL0hFNU3ieHhkWBxbmMQc8kA7DtGxVLmSlLQejyDQqUqLz1hi8VjuLY0Z+Ji/Vs/dC6EdR4+p7b62bKyaBAEAQBAEAQBAEAQBAEAQBAEBraQie+N7Y34HuY4Nfa+EkEB1uo5rMWk03pMSTaaRWNDHpbRpkww8817sTnWMuI2tiu0472A2jcuvN2txhpwa7PA5MPK7fHRnI2TylVLPxlIAesvZ7C0rXzdTeqf07zbzhUWum/zsPTypSbqQetP/TTzZH3/l4jzlLZTf52HyeUCvk/E0g6rMkk91k8goR9qf0Q8urv2af1MkFXp6ZzSGCMAg2cxjGnPYQ4l9uzNayhZQWGOP5wMxneyepIsCikl5sGdrGvt0gxxe3ZuJaD3WXNlm4+rqOmscNJytJTVk/QpWiBpydPKOl/hxbb9b8PZvUsFThpnp6F933Ec8+WiOjpMmreq8FGCWXfI7x5X5vdc3Oe4Xztv33KVridXXq3GtG3hS1a3tO4oCc166sZDG6SQ4WMBc4ngP49Sw2ksWb06cqklCKxbKj1EhdPpCOS3iukmf1YmuFr/WkHmK51BOVTHrZ7HK0lRsebx15seGHcWJrPqrDW4S4uZI0Wa9vC98LgciPdc22lXatFVNZ5uxyjVtG83SnsZHKbkwZcc5OXNvezWBpOd9pJ9ygVotrOnPlFNr1IJPe3j3HTqNQIDNFJE50Qi5uzGgEEsfiuScyTvPUpPJ45ya2FOOWa3NTpzWdnY6XsxWH+iXlWDkEP01qDFUTvm517DIQS0NBFw0NvnxsFXnbKUscTtWmWqlvSVLNTw6+s7+gNEMpIWwsJIbclx2uJNy427fYpYQUI4I5t1cyuKrqy2/I+dYdBxVkfNy3Fjdrm5OabWuL9uwpUpqawZtaXdS1qZ9P/AGukhw5Lxc3qDhO20YuR2l1vYq3ki3nafKKWGimsev8APqdKu5OqZ8bGRudHhxYnABzn4gPGJ4WyAyzW8raDWC0FWjl24hUc54Sx2akuol1NFgY1u3C0C/YLKyjjSeLbMqGAgCAIAgCAIAgCAIAgCAIAgCAICL6e10gpahkDgbkt5x9jhY05gm2bjsyHHuVqlaTqwc1/sq1runSmoS2nSg1ko3+LUwn/ABGg+YlROhVWuL4EqrU5apLibf8AKEH97H6bfvWmZLcyTORqVGstGzxqmEdXONJ8wN1vG3qy1RfAjlWpx1yXE80XrLSVLiyGZrnD8nNpPW0OAxDrCzUt6tNYyiYp16dR4RkmdZQkx7ZAEAQEV111alrBEI5cAa7pNdmy2fTsNrx/HcoK1J1MMGdTJl/C0cnKGOOp7erqZ0tW9XoqOMtjuXOsXvPjOI2dgGdh1neSVvTpqCwRWvL2pdTzp9i2L83nYUhUCAIAgCAIAgCAIAgCAIAgCAIAgCAIAgCAIAgCA+JZA0EuIAAuSTYAcSSmsEfGt8cjzHRxyVThtLAGxt63SPsLdl77lZ8llFY1Go9evgQK4jJ4Q09XedOjlqSQZY4mDg2RzyP9MBQyUNjfDxJVnbTU0/qvTVgBmacYFg9pwuA4X2EZ7CCpKNxUo+yyKtb06y9dEOq+Sw3/AAVQLcHsz9Jp/gr8cqe9HgznzyTH9MjQPJdU/wB7D/m+FSedIbmR+ap+8bVPyWSfl1DAPzYy72lwWksqLZH5m0ck75fIkGjOTmjiIc/HM4G4xus2/wBVtvbdVqmUKs1gtHUXKVhRpvHWyXsYAABsAsFRLp7dAasWkGOmfCD042se4fmvLw034/g3ZdnELZxaipbGYTWOBtrUyEAQBAEAQBAEAQBAEAQBAEAQBAEAQBAEAQBAEAQBAEBHdddX5K2ERxy4C12Ig+K/LIOtnkcxt7OFm1rqjPOaxK11QdaGangQvRugNMUJPycNcHG7mtc1zT12fhN+yyv1K9pX9vFfnQc+lb3Vv7GDR2Ga2aTj/H6Oc7iWYvcA/wB6g8lt5ezU4/iLXlNePtU+DMo5RLfjKKpbl9H4g3JY8gx1TjxM+W4a4S4DwnUw8aGoHa1nxp5uqbJIx5wgtcZcAOU+kOyKc9jWfGnm2rta/Owz5wp7nwPpvKREfFpal3Yxp9zljzfJa5x4mfLV7kuB9s11qH/itHVJ+tdg85YsO0gvaqL6mVdTeqm/oZo9KaWk8Wjih65ZsXsZmtXTto65t9S7zZVK8v0Jdb7jZj0ZXSZ1NYI27208YZ3c5Jd3mAWjqUV7EMet/ZYG6hUftS4GGDS9FS/gaUGeZxuWRHnZHu2YpJCbcLuc7ILLpVanrz0Lp0cF3BVKcXmx0v8ANZJqXHhHOWxWGLDsvvAJzI61V6idGVAEAQBAEAQBAEAQBAEAQBAEAQBAEAQBAEAQBAEAQBAEAQGCqhe7xHlhHUHA9oI9xCymlrRho5zo64eLJTvHXG+M+cSOHsUmNLc+K7jX1+gwOn0kP7PSu6xUPb7DCfet82h70uC7zXGpuXHwMXyzSQ/sdP3VJ/6Szm0Pff8AHxMOVT3Vx8Dx1bpQ7KWnb21Dj7owmZb+8+HiM6ruXHwMbjpl2wUTO+Rx9y2/4q958Eaf8h+6uLPh+h9KSePXsjHCKAe9xuEVW3Wqnj1sw6dZ654dS7zwaixvzqqioqep8hDe5rdnnWfLJL2IqPUh5LF+22+3uJBo3RUFO3DBGyMb8ItfrJ2nvVadSc3jJ4liEIwWEVgbq0NggCAIAgCAIAgCAIAgCAIAgCAIAgCAIAgCAIAgCAIAgCAIAgCAIAgCAIAgCAIAgCAIAgCAIAgCAIAgCAIAgCAIAgCAIAgCAICOaw660lGS2R5dIP6uMYnDtzs3vKjlUjHQdGzyVc3SzoLBb3oXj2EXfyuxX6NM8jrkAPmwlR8/0HWXJmphpqLgz58LrPJXesHwpz/QZ9GJ/EXDxHhdZ5K71g+FOf6B6MT+IuHiZqblbgJ/CU8jRxa5r/YbIq63Gk+TVZL1Zp8V3k00Jp6nq24qeQPttGxze1pzCmjNS1HDubOtbSzascPzYzovdYE8BdbFdLFlaDleZ5K71g+FVlcY7D0/oxP4i4eI8LrPJXesHwrPP9A9GJ/EXDxHhdZ5K71g+FOf6B6MT+IuHiPC6zyV3rB8Kc/0D0Yn8RcPE7ur3KJSVThG7FDI42aH2wk8A4ZX7bLeNaMtBQvMh3NvHPXrLo2dhMFKcYIAgIFrNylxU0zoYoueLDZ7seFoO9oyNyNh2ZqCdZJ4JHfscg1Likqk5ZqerRj27CTasawRV0POxXFjhe07Wu4G27YQVJCaksUcy9sqlpV5ufY96OutymEBqaS0jFTsMkz2sYN7j7ANpPUFhySWLJaNGpWnmU1iyEV3KxTNJEUUkgG82YD2XufOAoXXWxHdpcm7iSxnJL5+BqeF1nkrvWD4Vjn+gm9GJ/EXDxHhdZ5K71g+FOf6B6MT+IuHifcPKwHua1lI9znENaBILkk2AHRTn+g1nyblCLlKqsF0eJKda9Z/kMEcskWIveGFofaxLHOPSw5+LbYpJzzVjgcmwsPLKrpxlhgsccOlL7mHUzW9ukOdwxGPm8O12K+LF1D6PtSnUz9hJlLJjss3GWOOOzDUSdSHLCAIAgOTp7WOmo23nkDSfFaM3nsaN3WclpKcY6y3a2Ne6eFKOPTsXaQ2flchB6FPI4cXOa0+YXUXP9B24cmarXrTS7G+4xeF1nkrvWD4U5/oNvRifxFw8R4XWeSu9YPhTn+gejE/iLh4nS1e5RDWTshipXXdm5xkFmtG1x6P/kkDeto1s54YFW8yJ5LSdWdRcNb3aydKY4JC+UvWp1HE2OE2mlvY/QbsL+3cO87lDWqZqwWs7eRcnK6qOdT2Y/N7u8rLVTVWfSD3YThY0/hJXXOZzsPpO37e05i9eEHLUepyhlKlYwSaxb1JbvsixqfkqogOk+Zx44mjzANU6oR3nmp8o7pvQors8TL4LaDjN6Y+FZ5iJr6Q3n7eHiPBbQcZvTHwpzER6Q3n7eHiaOkuSenLTzEsjHbsdnt77AHvusOgtjJqPKSvF/8AyxTXRofcVy5tVoyq3xyxndm1zT+8w/8AdiFX9aL6T0ydvlC33xfFP7NfmgvPQGmW1lK2ZuWJpDm/RcBZzfP7LK7GWdHE8Dd2srWu6Utj4reUDoClbNUQRvvhkkY11sjYuANlQprHBdR9Du6sqVCdSOtJst/wW0HGb0x8Kt8xE8d6Q3n7eHiPBbQcZvTHwpzER6Q3n7eHieHktoOM3pj4U5iI9Ibz9vDxK6151TNBK0BxfFICWOO3K12utlfMZ77qCcMxnpclZSV7B4rCS196LS5NNMuqqJpkN3xOMbidpsAWk9eFwz4gqxRlnR07DyeWrSNvdNR1S0r86yVqU5JF+UHWT5FTHAfw0t2xDhxk7r+chR1Z5q0azqZJsPK6+EvZWl93aU5q9q9PXOlEWZjYXuJ3nPCy/wBJxB28CqkYOWhHtb2+pWajn7Xh2b+pG5qNrEaGpBfcRP6EwtsF8nW4tJ82Ib1mnPNeJBlWxV5Q9X2lpXd29xfrHggEG4OYI2EcVePnrTWhmKtqmxRvkkNmMaXOPUBcrDaSxZvTpyqTUI628CgNYNMz6SqQbOOJ2GGIZ4QTk0D6Ryuf4AWpSk5vE+h2dpRsKHUsW9/huX3JxoTkoZhBq5XYjtZHYAdRcQb91lLGh7zODc8pJ52FCKw3vu/2dfwW0HGb0x8K35iJU9Ibz9vDxHgtoOM3pj4U5iI9Ibz9vDxN7QmoVHSzNmjDy9t8ON2IAkWuBYZ7fOsxpRTxK91li5uKbpzawe5HI5aP5nF+0D/akWtfUusucmv7mX+L+qObyI/2r/C/5FihtLPKfXT7fsWkrB5UIAgOHrjp9tDTOlIBcejG073G9u4WJPYtKk81Yl7J9m7uuqa1a31FI6PoarSVSQCXyP6T3uOTR9Inc0bAB1AKmk5SPdVq1vk+hp0RWhJbfzayyKDkopWtHPSyvdvw2Y3uFifarCoLazzNXlJcSf8A8cUlx/OBt+C2g4zemPhWeYiQ+kN5+3h4jwW0HGb0x8KcxEz6Q3n7eHidvVvVWmocfMB132xFxxGw2AZCwzJ/8BbwpqOooXuUa93hzr1bjuLcolD8qNSX6RmB2RiNjezm2u973edUqrxmz3+QaajZRa2tv54fRFt6jULYaGma0WxRNe7rc8B5Ptt3BWqawijx+U60qt3Uk97XYtB3VuUAgCAICuOWigaYIZrdNsmC/wCa5pNvO0ecqvXWhM9LyarSVaVPY1j2r/ZrcjVSTFVx7mlrx2ua4H9wJQ2knKSmlUpz34rg/EgGqX89pf18f74Vel+nsPQ5R/tan+L+hf2kNOU0Dg2eaONxFwHuw3HEX2q9KcY62fPaNpWrLGnBvqWJrfO2g8qh9YFrzsN6JfNt38KXBnh1uoPKofTCc9T95Dzbd/ClwZVnKbrTFWSRsgzjixdO1sTnWvYHOwA277lQVZqT0HrMh5OqWsJTq6HLDRuSJxySaOdFRY3C3PSF4H5tmtB78JPYQpaCwjjvOFygrxqXeEf0rDt1/cmNVUNjY57yGtY0ucTsAAuSpW8FiziwhKclGKxb0H591l0xJpCrLwCcTgyFm8C9mt7STc9ZVKUnJ4n0WxtYWNvmvZpb/NiLq1O1fbRUzYsi89KV3F5GfcNg7FapwzI4Hhso3ru67qbNS6vzSyuOVfVrmZvlMQ/BzHp22Nk237HZntDuIUFaGa8VtPTcn7/nafMTfrR1dK8Pod7kl1m5yP5JKenGLxE72b2drd3V9Vb0J/pZz+UGT+bn5RBaJa+vf2/XrOpysVJZo94H9Y9jD2Xxf/BbV/YKmQKalepvYm/t9yH8jVA19TLK7MxRgN6i8kF3bZpH2io6Cxkztcpa0o0YU1+p6ez/AH8i4laPGBAEAQFf8tH8zi/aB/tSKCvqXWeh5Nf3Mv8AF/VHN5Ef7V/hf8ixQ2lnlPrp9v2LSVg8qEAQFUctdSecpo9wa9/eSB/A+dVq70pHreTNNZtSe3QiNao64uoGPbHCx7nuBc5xINgLBuW4ZnvKjhNw1I6mUclK9mpSm0ktX3O/4W5/J4/Sct+fluOf6M0viPgh4W5/J4/ScnPy3D0ZpfEfBDwtz+Tx+k5OfluHozS+I+CJhqLrLUV4e+SFkcTeiHAklztpAvuA29o61LSm560cXKthRs2oRm3J/JeJLVKcgpPld0aY63nbdGdjSD+cwBjh5gw/aVOssJY7z3PJ2up2vN7Yv5PT3k65MdPsqKRkRI52BoYW7y0ZMeOq1gesdYU1GWMcNx5/LdlKhcOf6ZPHt2omSmOMEAQBAVJyv6fZI5lLGQeadjkI2B1rBnaAXX7R1qrWli8Eev5O2coKVeW3Quredfkj0aWUk0zhbnnHD9VgIv5y7zLegtDZT5Q11O5jTX6V834YFaapfz2l/Xx/vhVqX6ew9PlH+1qf4v6F96waBhrIjFM242tcPGafpNPH3q9OCksGfPrS7q2tTnKb8esovWnVeahkwyDEw+JIB0Xfc7iPftVOcXF4M9/YZRpXkMY6Gta3eHSa+gNCvq5OajkiY/8AJEji3FxDbNNz1LCTbwRJeXkbWGfOLa6Fjh16SwtXeSvC4PrJGvAN+bjvhP1nEA26gO9TRoe8ebvOUblFxt44dL19i8SzGMAAAAAAsAMgBwCsnmG8XiyreVzWa5+RxHZZ0xHnbH7nH7PWq1af6Uer5PZP/wDszXRH7v7LtObqBoh8MMmkeZ57mgeZjxYSbZSSA4TmBcAb+lvstaccFn4aixli6jVqxss7Nx1vX1LZr29h1fC+PJP9b/8ANb+UdBV9GH8X/wDPiael+UyKphfDLRkse2x/DC43hw/B7QbEdi1lWUlg0TW/J+pQqKpCrpX7fHaQHR9a+CRksRs9jg5p6xuPUdhHAqFYrSj0VajCtTdOa0PQXFrFO3SeiHywjpAB+HaQ5hu9nbbFbjccVZm8+nijxNnB5PyioVNWrHoepkB5NNPtpKr8KcMUzcDidjTe7XHqvcdWK+5Q0pZsus9Fluylc2+MFjKOnr3r83F7NN1dPAnqAIAgK/5aP5nF+0D/AGpFBX1LrPQ8mv7mX+L+qObyI/2r/C/5FihtLPKfXT7fsWkrB5UIAgKz5aNGlzIJ2jJhcx/VisWnsuCO8KvXWpnp+TVdKc6L26V2Ee5N6DR9S58FXHeUnFETI9uIWzYA1wFxa/E3PBR0lFvCR0stVry3Sq0JerqehPDp0rbq/wBlh+DvRnk/+rL8an5mG48358vvifKPcPB1ozyf/Vl+NOZhuHny++J8o9w8HWjPJ/8AVl+NOZhu+pnz5ffE+Ue4kOjaCOnjbFC0MYwWa0dtzmcybkm54qSKSWCObWrTrTdSo8WzZWSM4+tWgI66AxPyO1j7XLXDYbbxuI3g7tq0nBSWDLljeztKqqR7VvRR+lNEVmjZgXB0bgehKwnCfqvH7pzttCpyTg9Og93Qura/p4LBranr4ff5nWp+UzSDWgF0b+t0Yv8A5SB7Fvzs95Tnyes5PFYrqffiZfCjX/ofVn4k56p0cPE19HbTfLiu4eFGv/Q+rPxJz1To4eI9HLTfLiu40tJ8oVfM0tMgjBFjzbcJP2s3DuIWJVZNaWT0Mh2dKWdm49bx+Woy6n6jT1jg+QOjgvcvIsXjbZgO2/0tnbsSFNy6jTKOWKVrFwptOe7d19xdjKZscWCMBrWswtA2AAWAVxJJYI8K5ynPOk8W3ifnnVL+e0v6+P8AfCoUv09h9Hyj/aVP8X9D9HroHzU1dJ6OiqI3RTND2OGYPsIO4jcQsSipLBktGtOjNVKbwaKR1y1NloH42Fz4SRhkHjNN8mvtsPB2w9WxU6lNx6j3WTcq072OZPBT2rf1dxK9ROUTFhgrnAOyDJjkDwbJwP52/fxMlOtskcfKuQ8zGrbrRtju6u7gTDXHWBtFTOlyLz0Ym8XEZdw2ns61NUnmrE42TrKV3XVPZrfV+aCk9XdEyaQqwwkkvcXyv3ht7uf252HWQqkYuTwPdXtzCxts5LVoS6diP0HSUzImNjjAaxjQ1o4ACwCupJLBHzqc5Tk5yeLekidRyZ0D3OdaRuIk2a+zRc3sBbIdSi5iJ14ZevIxUcVo6DH4LqD9L6f/ANU5iJt6Q3m9cDja28m0MdM+Sk5wyR9Itc7FiaAcQAt428dlt60nRSWKLuT8vVZ11CvhmvRqwwezsI1ybazfJKjBIbQzEB19jXbGv7Nx6jfctKU819DOnlvJ/lNHPgvWj81tXd4nU165PpI3umo2F8RN3RtHSYd+Fo2s6hmOxZqUmnitRVyVluE4qlcPCS1N7evp+vWR3Q2uddSDBHLdjcgyQYgOoX6Q7AbLSNSS0JnSuck2ly8+UdL2rRj9jq+FGv8A0Pqz8S256p0cPEqejtpvlxXcPCjX/ofVn4k56p0cPEejlpvlxXcZqPlH0lK9scbYXPe4NaBGcyT9ZOdqdHDxI6uQbKlBzm5JLTrXcSLlZik/k+DnCHPbMznHNFm35uQEgbhc2CkrY5qxObyflDyyeboTi8MetfYrzVvWmoocfMYPwmHFibi2XtbMcSoYzlHUelvsm0bzN5zHRue87fhRr/0Pqz8S256p0cPEoejlpvlxXcPCjX/ofVn4k56p0cPEejlpvlxXcPCjX/ofVn4k56p0cPEejlpvlxXcTfVCoqdJU0prms5mQFjGtbhLuL73Ow5DrB4KWm5TTztRwco06NhXirZvOjpbbxw6NXErnWrU2poXlwDnwg3bK3dwx28Vw47OHVBOm469R6awyrQu45ssFLant6t66NZloOUXSETcPONkA2GRocfSFie03WVVnsZpWyDZ1Hjg11P/AH8ja8KNf+h9WfiWeeqdHDxIvR203y4ruHhRr/0Pqz8Sc9U6OHiPRy03y4ruOzqlrnpKtqWRDmg3xpHCM9Fg2nxtpyA6yFtCpUlLDRwKOUclWVpQdRuWOpLFaXw4lpK0eTPpDJ8yMDgQ4Ag7QRceZDKbTxRyn6r0JNzSwX/VM+5ac1DcuBaV/dLQqkv5M8+atB5JB6pv3LHNQ91cDPnC6+LL+THzVoPJIPVN+5Oah7q4DzhdfFl/JmWm1epIzijpoWu3ERtB7ja6yqcVqSNJ3lxNYSqSa62dNblY8IugOVDqzRMcHNpYGuaQWkRtBBBuCDbatFTgtKSLUr65knGVSTT6WdZblUIDHPA17S17Q5rhZzXC4I4EHaEax1m0ZOLUovBo5fzVoPJIPVN+5R81D3VwLXnC6+LL+TM9RoKlkaxskET2xizA5gIaMsmgjIZDZwC2cIvQ0Rwuq8G5Rm03rwb09Zk0foinguYIY4sVsWBgbe2y9h1pGEY6ka1birWw5yTeG94m6tiEIAgCA4/zVofJIPVN+5R81DcuBc84XXxZfyZ1o2BoAAsALAcANgUhUbxeLNKt0LTTG80EUh4vja4+ci61cIvWialdVqSwpza6m0a3zVoPJIPVN+5a81D3VwJfOF18WX8mPmrQeSQeqb9yc1D3VwHnC6+LL+TM1JoCkieHxU8LHi9nNjaCLixsQOBWVTinikjSpeXFSObOcmtzbN2op2SNLJGh7XCxa4AgjgQcitmk9DIIzlCSlF4NbjmfNWg8kg9U37lpzUPdXAtecLr4sv5MfNWg8kg9U37k5qHurgPOF18WX8mPmrQeSQeqb9yc1D3VwHnC6+LL+THzVoPJIPVN+5Oah7q4DzhdfFl/JnUp4GsaGMaGtaAGtAsABsAA2BbpYairKTk3KTxbPshZNTmT6uUbyXPpoHOO0mJtz2m2a0dOD1pFqN7cwWEakkutmP5q0HkkHqm/csc1D3VwNvOF18WX8mPmrQeSQeqb9yc1D3VwHnC6+LL+TNvR+iYIMXMRRxYrYsDA29r2vYZ7T51tGEY6kQ1birWw5yTeG9tm6tiE/9k="/>
-          <p:cNvSpPr>
-            <a:spLocks noChangeAspect="1" noChangeArrowheads="1"/>
-          </p:cNvSpPr>
-          <p:nvPr/>
-        </p:nvSpPr>
-        <p:spPr bwMode="auto">
-          <a:xfrm>
-            <a:off x="473075" y="160338"/>
-            <a:ext cx="304800" cy="304801"/>
-          </a:xfrm>
-          <a:prstGeom prst="rect">
-            <a:avLst/>
-          </a:prstGeom>
-          <a:noFill/>
-          <a:extLst>
-            <a:ext uri="{909E8E84-426E-40DD-AFC4-6F175D3DCCD1}">
-              <a14:hiddenFill xmlns:a14="http://schemas.microsoft.com/office/drawing/2010/main">
-                <a:solidFill>
-                  <a:srgbClr val="FFFFFF"/>
-                </a:solidFill>
-              </a14:hiddenFill>
-            </a:ext>
-          </a:extLst>
-        </p:spPr>
-        <p:txBody>
-          <a:bodyPr vert="horz" wrap="square" lIns="91440" tIns="45720" rIns="91440" bIns="45720" numCol="1" anchor="t" anchorCtr="0" compatLnSpc="1">
-            <a:prstTxWarp prst="textNoShape">
-              <a:avLst/>
-            </a:prstTxWarp>
-          </a:bodyPr>
-          <a:lstStyle/>
-          <a:p>
-            <a:endParaRPr lang="ko-KR" altLang="en-US" b="1"/>
-          </a:p>
-        </p:txBody>
-      </p:sp>
-      <p:sp>
-        <p:nvSpPr>
-          <p:cNvPr id="10" name="AutoShape 10" descr="data:image/jpeg;base64,/9j/4AAQSkZJRgABAQAAAQABAAD/2wCEAAkGBxISEhQUERQWFRUVFRgYFhgYFx4XGhwcHRQXGBoVGhkYHCggHhorIBUWITEhJikrMi8wFx80ODcsNygtLisBCgoKDg0OGxAQGy0mICQsLCw4NC8sLCw3Ly8sLCwsNCwsLywvMiw0LCwsLCwsLC0vLCwsLCwsLCwsLCwsLCwsLP/AABEIAK8BIQMBEQACEQEDEQH/xAAcAAEAAgMBAQEAAAAAAAAAAAAABgcDBAUBAgj/xABREAABAwICBQYJBgkLAwUAAAABAAIDBBESIQUGMUFRBxMiYXGBFzJUkZKTobHSFBZScoLRIzNCYmNzdLLBFTQ1Q0RTg6Kjs8PT8PEkVcLi4//EABsBAQACAwEBAAAAAAAAAAAAAAADBAECBQYH/8QAPxEAAgECAQcHCwMEAwADAAAAAAECAwQRBRIhMUFRkQYTYXGB0eEUFRYiMlJTobHB8EJikjM0cvEkNcIjRKL/2gAMAwEAAhEDEQA/ALxQBAEAQBAEAQBAEAQBAEAQHKj0lasfTu3wtlZxtjcx47iGH7R4LTP9bNLDoPmFWW/NfBNffgdVblcIAgCAIAgCAIAgCAIAgCAIAgCAIAgCAIAgCAIAgCAIAgCAIAgCAIAgCAIDwlAQahquf03I5mbIKd0ZO64c249Jzh9gqtF51d9CO3Up81kuKlrnPHsw/OJOlZOIEAQBAEAQBAEAQBAEAQBAEAQBAEAQBAEAQBAEAQBAEAQBAEAQBAEAQBAEBENedbW0rDFEQZ3DtEYI8d3XwHfs2169ZQWC1nXyXkyVzLPn7C+fQvu9nWffJ5oF1NAXyAiWaznA7WtF8LT+dmXHrceCzb082OL1sxle9VxWzYezHQvu+7oRLFOckIAgCAIAgCAIAgCAIAgCAIAgCAIAgCAIAgCAIAgCAIAgCAIAgCAIAgPCUBANb9ewzFFSEF4ydLta3iGbnO69g69gqVrjDRA9Dk3IzqYVa+iO7a+vcvn9TDqTqc4uFVWA3vjYx2bidvOyXzvvAPac8hihQ058zfKmVY5vk9vq1Nr6Lo3vb1a5VpzWmmpejI4ukNrRMGOQk7BYbL7r2urE6sYa9ZyLXJ9e50wWEd70JdvceUElXP0pGimjOxmT5j1uceizssTntCRc5aXoMVo29L1YPPe/Uuza+vR1M7jQpCmeoAgCAIAgCAIAgCAIAgCAIAgCAIAgCAIAgCAIAgCAIAgCAIAgCA8KArTlB1tLnOpoHWa3KZ42k74weA3nectxvSuK36Ynp8j5LWCuKq6l939uJ0dRdTREG1FS28pAMbCMoxuJH957t3Fb0KGb60tf0K2VcrOs3SpP1dr97w+utmHXTW+QSfJaK5kuGve3N2I5c3H+dnm7d23IxWrvHMhrN8mZLpuHlFz7OtLo3vo3Lb9evqhqiylHOS2kqHZuecw0naGk534uOZ6hkpKNFQ0vWUsoZTncvMhogtS7+7UvmSpTnLCAIAgCAIAgCAIAgCAIAgCAIAgCAIAgCAIAgCAIAgCAIAgCAIAgCA+Jr4TbbY27dyGVrKU1IouerYWyZ2cZHg7y0F2f2rHuXMoxzqixPcZVq81ZydPbgl1PwLj0pOY4ZXt2sje4doaSPculJ4Js8VSip1Ixe1pFQahSNFfAZDckvsT9MsdYnrNz3lc63a5xYntMsQl5HJQ1LDgn/oukLpHhz1AEAQBAEBjEzb2xC/C4QzgzIhgIAgCAIAgCAIAgCAIAgCAIAgCAIAgCAIAgCAIAgCAIDwoCstYKE6Or46toPMPkJdb8kuBEjT1HEXjrBHBUqkeaqKew9PZ1lfWUrV+2lo6cNXcWR0ZGbnNc3tBBHusVc1nmdMX0oozTWjH0k7ojcFhBjdvLb3Y8Hjl3EFcqcHCWB9AtLmF1QU9+hrp2r82Fsal6f+WU+J2UrDhkA2XtcPHURn1G43Lo0amfHHaeOylZeS1s1ey9K6vAkKlOeEAQBACgKV1dYP5WYbC/yubPvlXNp/1u1/c9veN+a2v2Q/8AJdS6R4g8ugF0AugPUB5dAe3QHl0AugF0B6gCAIAgCAIAgCAIAgCAIAgCAIAgCA1q+jZNG6ORocxwsQf+8j1rDSksGb06k6c1ODwaODq5FJRv+SSkvizNNIeG0wO4OAzHEXtssoqacPUerZ3F68nC5XPx0S/Uun3l0PbufWYOUnRjJKR0pHThs5ruouAc3sIN+0Ba3EE4Y7ibItxKncqC1S0P7PsOfyT0L2xzTOBDZS1rOsMxXcOq7yPsrW1i1FveWeUFeMqsaa1xTx7cNHy+ZPlaPPhAEAQHhQFMavf0rH+1ze+Zc2n/AFu1/c9tef8AWP8Awh/5LF1uir3iNtC5rL4uccbAjxcNiQbDxtgvsVyqqjwzDzOT52kXJ3Kb3fmj6kZm1J0i4YnVhLuHOy28+7zKB0KmvO+bOtHK9jHQqOj/ABj+fM1NVtY6qCqbTVL3PaZOacHnE5jibNcHnMgkjaTkbjr1pVZxnmSJcoWFvWtncUFg8MdGjFbdHQbnKXPUQzRvimlYyRhFmvIaHNPAHaQ4eiVtcuUWmmQ5ChQqwlCcE2njpWx/nzJlqtpH5RSwynxiwB31m9F3tBVqnLOimcS9ocxXnT3P5bPkQjlL01NHUsZDLIzDDicGOLblznWvbabM9qq3M2pJJneyFaUqlGU6kU9OGlY6l4kqroaxtDG2mdeoDYw5zyCTkA9135Xzvc32KxJTzPV1nGoztndOVZepi9C+Wojb9TtJy5y1nS4CWS3+UNHmCg5iq9cvqdZZUsKeiFHR1R++L+Zxm6YrtGT4Jnuka2xcxzzI1zD+UxzswcjbZmMwos+pSlhIuu1tMoUc+lFJ9Cwwe5paC0Kaj6YlbJIWuFwwuu3O5vb7XZkOC6HSeQlLRmtHQWTQIAgCAIAgCAIAgCAIAgCAIDW0jXxwRmSZ4Yxu0nzAdZ6gtoQlOWbFYs1nNQWdLUQw6/meZsFFG3E8kCSd2Buwm+EZnIcQepXvIebhn1X2Ioq/VSeZTXa9BJKTRtQbGeqc472xMbGz2hz/APMqkpw/THi8fD5F2MZbWdZjbC3vNz5yojc8kjDtovmDnxBuD50BzdOaL+UtEUhtDcOeAbF9jcMvubcAk7Ta2S0nDPWD1Fi2uHQlnx9rZ0dPXuNh1XBC0NL442tFgC5rQABsAvssFJGEnoiivOpi3KTMVJp2nmdhhkEpG3m7vA+s5oLR3lbypTivWWHXoNI1Iy1PEV+ho5r84ZD1NlfGB2CNwHebrEKkoasOCf1MyinrILrA+p0TNG+GWSWnkJHNyuL7EWuzEcxcZgjgb339Kgqd1FxkkpLatBzbidS1kpJ4xexliaPq2zRslZm2RjXt7HAEd+a5kouLcXsOnGSkk0ZytTJTGrv9Ks/a5vfMubT/AK3a/ue2vP8ArH/hD/yWtpzTkFIzHM61zZoAu5x4NH8dgV+c4wWLPJW1pVuZ5lNY/brIj4Q5JD/6aikkFznc/wDGxwB71X8qb9mJ2PMcIf1q0Y8Pu19CH1FW+XSDZJIzE99TAXRm929KIWNwDmADsG1V85yq4tYaUdlUo0snuEJZyUZad+t9P1LF5SaDnKJz98LhIOwXa/8Ayuce5XLiOMOo81kavzV3FbJerx1fPA5PJPX3ZNAT4rhI3scMLh52g/aUdpLQ4lzlDQwqRqrasO1eH0I/Wj5bpYtGbTOG/YiHS7jzb/SUT9et2/Q6FL/iZMx25uPbLV8mi1tIV8dPGZJnBjG7SfYANpPABXpSUVizyVGjOtNQprFshs3KPicRS0sktjvuO+zGuIHbZVndY+zHE7kcguKTr1Yx/Oloh2uelJamUPmgMDhFhDTfMYnHF0mt4kbNyr15ub0rA7eSranbxcac89N9H2bLl0Z+Ji/Vs/dC6UdR4ep7b62bKyaBAEAQBAEAQBAEAQBAEAQBAYaykZKwsla17Dta4XB7isxk4vFPSYlFSWDIrWcnFC++Fskf1X3HmfdXI5QrR24lOWT6EtOGHUajdQ2NOCKuqWkC5aH7BuNm2tsW3lzemUI8DHkeGhTlxM/zHm/9xqvSd8ax5ZH4cTbySXxJcTxuoT79Kvqz2SEe8lZd6tlOPAwrN/ElxPpnJzT/ANZNUSfWkH8GrXy+eyMV2GVZQ2tvtN6j1E0fHsga4/nkv9jjb2LSV7Xl+r7G8bSjH9P3O/S0rI2hsbWsaNjWgNHmCrNuTxZYSSWCMywZKy5TK41M8FFTjHI1xLgPpkWa2+6zS4ngCF1bCHNxlWnqOVlCTqyjRhrLA0NQiCCKEG/NxtZfjZoBPec1zak8+blvZ04RzYqK2G6tDYpfV7+lY/2ub3zLm0/63a/ue2vP+sf+EP8AybXKfK41pDibNhZhHUS4kjrJ/dHBbXPt6dxFkKOFo3HW2/klgWhSTwMha6NzGwhgLSCAwNtlnssryaS0ajyc41JVGpJ52PbiVHpOsZNpTnIjiY+qgwnjYwtJF912lc9yUq2K3o9lSpTpZNzJrBqEvniy5amEPY5js2uaWkdRFj710WsUeJjJxaktaKU0JXvoKl5dcuY2aIjiQDhPe5jO4rm05c1N9p7m7oq+to5u1xfVjr+r4Ej5KdGl0ktQ7PAObaTvc6znntsG+kVNax0uTObygrqMYUI9fYtC+5m5W5XXpm/kHnHH6wwAexzvOs3behGnJ2McaktuhdmnuRJNRHQihh5vCOgOc2Xx/l4uu91NQw5tYHKyoqnlc8/fo6tmHRgQHlL0hFNU3ieHhkWBxbmMQc8kA7DtGxVLmSlLQejyDQqUqLz1hi8VjuLY0Z+Ji/Vs/dC6EdR4+p7b62bKyaBAEAQBAEAQBAEAQBAEAQBAEBraQie+N7Y34HuY4Nfa+EkEB1uo5rMWk03pMSTaaRWNDHpbRpkww8817sTnWMuI2tiu0472A2jcuvN2txhpwa7PA5MPK7fHRnI2TylVLPxlIAesvZ7C0rXzdTeqf07zbzhUWum/zsPTypSbqQetP/TTzZH3/l4jzlLZTf52HyeUCvk/E0g6rMkk91k8goR9qf0Q8urv2af1MkFXp6ZzSGCMAg2cxjGnPYQ4l9uzNayhZQWGOP5wMxneyepIsCikl5sGdrGvt0gxxe3ZuJaD3WXNlm4+rqOmscNJytJTVk/QpWiBpydPKOl/hxbb9b8PZvUsFThpnp6F933Ec8+WiOjpMmreq8FGCWXfI7x5X5vdc3Oe4Xztv33KVridXXq3GtG3hS1a3tO4oCc166sZDG6SQ4WMBc4ngP49Sw2ksWb06cqklCKxbKj1EhdPpCOS3iukmf1YmuFr/WkHmK51BOVTHrZ7HK0lRsebx15seGHcWJrPqrDW4S4uZI0Wa9vC98LgciPdc22lXatFVNZ5uxyjVtG83SnsZHKbkwZcc5OXNvezWBpOd9pJ9ygVotrOnPlFNr1IJPe3j3HTqNQIDNFJE50Qi5uzGgEEsfiuScyTvPUpPJ45ya2FOOWa3NTpzWdnY6XsxWH+iXlWDkEP01qDFUTvm517DIQS0NBFw0NvnxsFXnbKUscTtWmWqlvSVLNTw6+s7+gNEMpIWwsJIbclx2uJNy427fYpYQUI4I5t1cyuKrqy2/I+dYdBxVkfNy3Fjdrm5OabWuL9uwpUpqawZtaXdS1qZ9P/AGukhw5Lxc3qDhO20YuR2l1vYq3ki3nafKKWGimsev8APqdKu5OqZ8bGRudHhxYnABzn4gPGJ4WyAyzW8raDWC0FWjl24hUc54Sx2akuol1NFgY1u3C0C/YLKyjjSeLbMqGAgCAIAgCAIAgCAIAgCAIAgCAICL6e10gpahkDgbkt5x9jhY05gm2bjsyHHuVqlaTqwc1/sq1runSmoS2nSg1ko3+LUwn/ABGg+YlROhVWuL4EqrU5apLibf8AKEH97H6bfvWmZLcyTORqVGstGzxqmEdXONJ8wN1vG3qy1RfAjlWpx1yXE80XrLSVLiyGZrnD8nNpPW0OAxDrCzUt6tNYyiYp16dR4RkmdZQkx7ZAEAQEV111alrBEI5cAa7pNdmy2fTsNrx/HcoK1J1MMGdTJl/C0cnKGOOp7erqZ0tW9XoqOMtjuXOsXvPjOI2dgGdh1neSVvTpqCwRWvL2pdTzp9i2L83nYUhUCAIAgCAIAgCAIAgCAIAgCAIAgCAIAgCAIAgCA+JZA0EuIAAuSTYAcSSmsEfGt8cjzHRxyVThtLAGxt63SPsLdl77lZ8llFY1Go9evgQK4jJ4Q09XedOjlqSQZY4mDg2RzyP9MBQyUNjfDxJVnbTU0/qvTVgBmacYFg9pwuA4X2EZ7CCpKNxUo+yyKtb06y9dEOq+Sw3/AAVQLcHsz9Jp/gr8cqe9HgznzyTH9MjQPJdU/wB7D/m+FSedIbmR+ap+8bVPyWSfl1DAPzYy72lwWksqLZH5m0ck75fIkGjOTmjiIc/HM4G4xus2/wBVtvbdVqmUKs1gtHUXKVhRpvHWyXsYAABsAsFRLp7dAasWkGOmfCD042se4fmvLw034/g3ZdnELZxaipbGYTWOBtrUyEAQBAEAQBAEAQBAEAQBAEAQBAEAQBAEAQBAEAQBAEBHdddX5K2ERxy4C12Ig+K/LIOtnkcxt7OFm1rqjPOaxK11QdaGangQvRugNMUJPycNcHG7mtc1zT12fhN+yyv1K9pX9vFfnQc+lb3Vv7GDR2Ga2aTj/H6Oc7iWYvcA/wB6g8lt5ezU4/iLXlNePtU+DMo5RLfjKKpbl9H4g3JY8gx1TjxM+W4a4S4DwnUw8aGoHa1nxp5uqbJIx5wgtcZcAOU+kOyKc9jWfGnm2rta/Owz5wp7nwPpvKREfFpal3Yxp9zljzfJa5x4mfLV7kuB9s11qH/itHVJ+tdg85YsO0gvaqL6mVdTeqm/oZo9KaWk8Wjih65ZsXsZmtXTto65t9S7zZVK8v0Jdb7jZj0ZXSZ1NYI27208YZ3c5Jd3mAWjqUV7EMet/ZYG6hUftS4GGDS9FS/gaUGeZxuWRHnZHu2YpJCbcLuc7ILLpVanrz0Lp0cF3BVKcXmx0v8ANZJqXHhHOWxWGLDsvvAJzI61V6idGVAEAQBAEAQBAEAQBAEAQBAEAQBAEAQBAEAQBAEAQBAEAQGCqhe7xHlhHUHA9oI9xCymlrRho5zo64eLJTvHXG+M+cSOHsUmNLc+K7jX1+gwOn0kP7PSu6xUPb7DCfet82h70uC7zXGpuXHwMXyzSQ/sdP3VJ/6Szm0Pff8AHxMOVT3Vx8Dx1bpQ7KWnb21Dj7owmZb+8+HiM6ruXHwMbjpl2wUTO+Rx9y2/4q958Eaf8h+6uLPh+h9KSePXsjHCKAe9xuEVW3Wqnj1sw6dZ654dS7zwaixvzqqioqep8hDe5rdnnWfLJL2IqPUh5LF+22+3uJBo3RUFO3DBGyMb8ItfrJ2nvVadSc3jJ4liEIwWEVgbq0NggCAIAgCAIAgCAIAgCAIAgCAIAgCAIAgCAIAgCAIAgCAIAgCAIAgCAIAgCAIAgCAIAgCAIAgCAIAgCAIAgCAIAgCAIAgCAICOaw660lGS2R5dIP6uMYnDtzs3vKjlUjHQdGzyVc3SzoLBb3oXj2EXfyuxX6NM8jrkAPmwlR8/0HWXJmphpqLgz58LrPJXesHwpz/QZ9GJ/EXDxHhdZ5K71g+FOf6B6MT+IuHiZqblbgJ/CU8jRxa5r/YbIq63Gk+TVZL1Zp8V3k00Jp6nq24qeQPttGxze1pzCmjNS1HDubOtbSzascPzYzovdYE8BdbFdLFlaDleZ5K71g+FVlcY7D0/oxP4i4eI8LrPJXesHwrPP9A9GJ/EXDxHhdZ5K71g+FOf6B6MT+IuHiPC6zyV3rB8Kc/0D0Yn8RcPE7ur3KJSVThG7FDI42aH2wk8A4ZX7bLeNaMtBQvMh3NvHPXrLo2dhMFKcYIAgIFrNylxU0zoYoueLDZ7seFoO9oyNyNh2ZqCdZJ4JHfscg1Likqk5ZqerRj27CTasawRV0POxXFjhe07Wu4G27YQVJCaksUcy9sqlpV5ufY96OutymEBqaS0jFTsMkz2sYN7j7ANpPUFhySWLJaNGpWnmU1iyEV3KxTNJEUUkgG82YD2XufOAoXXWxHdpcm7iSxnJL5+BqeF1nkrvWD4Vjn+gm9GJ/EXDxHhdZ5K71g+FOf6B6MT+IuHifcPKwHua1lI9znENaBILkk2AHRTn+g1nyblCLlKqsF0eJKda9Z/kMEcskWIveGFofaxLHOPSw5+LbYpJzzVjgcmwsPLKrpxlhgsccOlL7mHUzW9ukOdwxGPm8O12K+LF1D6PtSnUz9hJlLJjss3GWOOOzDUSdSHLCAIAgOTp7WOmo23nkDSfFaM3nsaN3WclpKcY6y3a2Ne6eFKOPTsXaQ2flchB6FPI4cXOa0+YXUXP9B24cmarXrTS7G+4xeF1nkrvWD4U5/oNvRifxFw8R4XWeSu9YPhTn+gejE/iLh4nS1e5RDWTshipXXdm5xkFmtG1x6P/kkDeto1s54YFW8yJ5LSdWdRcNb3aydKY4JC+UvWp1HE2OE2mlvY/QbsL+3cO87lDWqZqwWs7eRcnK6qOdT2Y/N7u8rLVTVWfSD3YThY0/hJXXOZzsPpO37e05i9eEHLUepyhlKlYwSaxb1JbvsixqfkqogOk+Zx44mjzANU6oR3nmp8o7pvQors8TL4LaDjN6Y+FZ5iJr6Q3n7eHiPBbQcZvTHwpzER6Q3n7eHiaOkuSenLTzEsjHbsdnt77AHvusOgtjJqPKSvF/8AyxTXRofcVy5tVoyq3xyxndm1zT+8w/8AdiFX9aL6T0ydvlC33xfFP7NfmgvPQGmW1lK2ZuWJpDm/RcBZzfP7LK7GWdHE8Dd2srWu6Utj4reUDoClbNUQRvvhkkY11sjYuANlQprHBdR9Du6sqVCdSOtJst/wW0HGb0x8Kt8xE8d6Q3n7eHiPBbQcZvTHwpzER6Q3n7eHieHktoOM3pj4U5iI9Ibz9vDxK6151TNBK0BxfFICWOO3K12utlfMZ77qCcMxnpclZSV7B4rCS196LS5NNMuqqJpkN3xOMbidpsAWk9eFwz4gqxRlnR07DyeWrSNvdNR1S0r86yVqU5JF+UHWT5FTHAfw0t2xDhxk7r+chR1Z5q0azqZJsPK6+EvZWl93aU5q9q9PXOlEWZjYXuJ3nPCy/wBJxB28CqkYOWhHtb2+pWajn7Xh2b+pG5qNrEaGpBfcRP6EwtsF8nW4tJ82Ib1mnPNeJBlWxV5Q9X2lpXd29xfrHggEG4OYI2EcVePnrTWhmKtqmxRvkkNmMaXOPUBcrDaSxZvTpyqTUI628CgNYNMz6SqQbOOJ2GGIZ4QTk0D6Ryuf4AWpSk5vE+h2dpRsKHUsW9/huX3JxoTkoZhBq5XYjtZHYAdRcQb91lLGh7zODc8pJ52FCKw3vu/2dfwW0HGb0x8K35iJU9Ibz9vDxHgtoOM3pj4U5iI9Ibz9vDxN7QmoVHSzNmjDy9t8ON2IAkWuBYZ7fOsxpRTxK91li5uKbpzawe5HI5aP5nF+0D/akWtfUusucmv7mX+L+qObyI/2r/C/5FihtLPKfXT7fsWkrB5UIAgOHrjp9tDTOlIBcejG073G9u4WJPYtKk81Yl7J9m7uuqa1a31FI6PoarSVSQCXyP6T3uOTR9Inc0bAB1AKmk5SPdVq1vk+hp0RWhJbfzayyKDkopWtHPSyvdvw2Y3uFifarCoLazzNXlJcSf8A8cUlx/OBt+C2g4zemPhWeYiQ+kN5+3h4jwW0HGb0x8KcxEz6Q3n7eHidvVvVWmocfMB132xFxxGw2AZCwzJ/8BbwpqOooXuUa93hzr1bjuLcolD8qNSX6RmB2RiNjezm2u973edUqrxmz3+QaajZRa2tv54fRFt6jULYaGma0WxRNe7rc8B5Ptt3BWqawijx+U60qt3Uk97XYtB3VuUAgCAICuOWigaYIZrdNsmC/wCa5pNvO0ecqvXWhM9LyarSVaVPY1j2r/ZrcjVSTFVx7mlrx2ua4H9wJQ2knKSmlUpz34rg/EgGqX89pf18f74Vel+nsPQ5R/tan+L+hf2kNOU0Dg2eaONxFwHuw3HEX2q9KcY62fPaNpWrLGnBvqWJrfO2g8qh9YFrzsN6JfNt38KXBnh1uoPKofTCc9T95Dzbd/ClwZVnKbrTFWSRsgzjixdO1sTnWvYHOwA277lQVZqT0HrMh5OqWsJTq6HLDRuSJxySaOdFRY3C3PSF4H5tmtB78JPYQpaCwjjvOFygrxqXeEf0rDt1/cmNVUNjY57yGtY0ucTsAAuSpW8FiziwhKclGKxb0H591l0xJpCrLwCcTgyFm8C9mt7STc9ZVKUnJ4n0WxtYWNvmvZpb/NiLq1O1fbRUzYsi89KV3F5GfcNg7FapwzI4Hhso3ru67qbNS6vzSyuOVfVrmZvlMQ/BzHp22Nk237HZntDuIUFaGa8VtPTcn7/nafMTfrR1dK8Pod7kl1m5yP5JKenGLxE72b2drd3V9Vb0J/pZz+UGT+bn5RBaJa+vf2/XrOpysVJZo94H9Y9jD2Xxf/BbV/YKmQKalepvYm/t9yH8jVA19TLK7MxRgN6i8kF3bZpH2io6Cxkztcpa0o0YU1+p6ez/AH8i4laPGBAEAQFf8tH8zi/aB/tSKCvqXWeh5Nf3Mv8AF/VHN5Ef7V/hf8ixQ2lnlPrp9v2LSVg8qEAQFUctdSecpo9wa9/eSB/A+dVq70pHreTNNZtSe3QiNao64uoGPbHCx7nuBc5xINgLBuW4ZnvKjhNw1I6mUclK9mpSm0ktX3O/4W5/J4/Sct+fluOf6M0viPgh4W5/J4/ScnPy3D0ZpfEfBDwtz+Tx+k5OfluHozS+I+CJhqLrLUV4e+SFkcTeiHAklztpAvuA29o61LSm560cXKthRs2oRm3J/JeJLVKcgpPld0aY63nbdGdjSD+cwBjh5gw/aVOssJY7z3PJ2up2vN7Yv5PT3k65MdPsqKRkRI52BoYW7y0ZMeOq1gesdYU1GWMcNx5/LdlKhcOf6ZPHt2omSmOMEAQBAVJyv6fZI5lLGQeadjkI2B1rBnaAXX7R1qrWli8Eev5O2coKVeW3Quredfkj0aWUk0zhbnnHD9VgIv5y7zLegtDZT5Q11O5jTX6V834YFaapfz2l/Xx/vhVqX6ew9PlH+1qf4v6F96waBhrIjFM242tcPGafpNPH3q9OCksGfPrS7q2tTnKb8esovWnVeahkwyDEw+JIB0Xfc7iPftVOcXF4M9/YZRpXkMY6Gta3eHSa+gNCvq5OajkiY/8AJEji3FxDbNNz1LCTbwRJeXkbWGfOLa6Fjh16SwtXeSvC4PrJGvAN+bjvhP1nEA26gO9TRoe8ebvOUblFxt44dL19i8SzGMAAAAAAsAMgBwCsnmG8XiyreVzWa5+RxHZZ0xHnbH7nH7PWq1af6Uer5PZP/wDszXRH7v7LtObqBoh8MMmkeZ57mgeZjxYSbZSSA4TmBcAb+lvstaccFn4aixli6jVqxss7Nx1vX1LZr29h1fC+PJP9b/8ANb+UdBV9GH8X/wDPiael+UyKphfDLRkse2x/DC43hw/B7QbEdi1lWUlg0TW/J+pQqKpCrpX7fHaQHR9a+CRksRs9jg5p6xuPUdhHAqFYrSj0VajCtTdOa0PQXFrFO3SeiHywjpAB+HaQ5hu9nbbFbjccVZm8+nijxNnB5PyioVNWrHoepkB5NNPtpKr8KcMUzcDidjTe7XHqvcdWK+5Q0pZsus9Fluylc2+MFjKOnr3r83F7NN1dPAnqAIAgK/5aP5nF+0D/AGpFBX1LrPQ8mv7mX+L+qObyI/2r/C/5FihtLPKfXT7fsWkrB5UIAgKz5aNGlzIJ2jJhcx/VisWnsuCO8KvXWpnp+TVdKc6L26V2Ee5N6DR9S58FXHeUnFETI9uIWzYA1wFxa/E3PBR0lFvCR0stVry3Sq0JerqehPDp0rbq/wBlh+DvRnk/+rL8an5mG48358vvifKPcPB1ozyf/Vl+NOZhuHny++J8o9w8HWjPJ/8AVl+NOZhu+pnz5ffE+Ue4kOjaCOnjbFC0MYwWa0dtzmcybkm54qSKSWCObWrTrTdSo8WzZWSM4+tWgI66AxPyO1j7XLXDYbbxuI3g7tq0nBSWDLljeztKqqR7VvRR+lNEVmjZgXB0bgehKwnCfqvH7pzttCpyTg9Og93Qura/p4LBranr4ff5nWp+UzSDWgF0b+t0Yv8A5SB7Fvzs95Tnyes5PFYrqffiZfCjX/ofVn4k56p0cPE19HbTfLiu4eFGv/Q+rPxJz1To4eI9HLTfLiu40tJ8oVfM0tMgjBFjzbcJP2s3DuIWJVZNaWT0Mh2dKWdm49bx+Woy6n6jT1jg+QOjgvcvIsXjbZgO2/0tnbsSFNy6jTKOWKVrFwptOe7d19xdjKZscWCMBrWswtA2AAWAVxJJYI8K5ynPOk8W3ifnnVL+e0v6+P8AfCoUv09h9Hyj/aVP8X9D9HroHzU1dJ6OiqI3RTND2OGYPsIO4jcQsSipLBktGtOjNVKbwaKR1y1NloH42Fz4SRhkHjNN8mvtsPB2w9WxU6lNx6j3WTcq072OZPBT2rf1dxK9ROUTFhgrnAOyDJjkDwbJwP52/fxMlOtskcfKuQ8zGrbrRtju6u7gTDXHWBtFTOlyLz0Ym8XEZdw2ns61NUnmrE42TrKV3XVPZrfV+aCk9XdEyaQqwwkkvcXyv3ht7uf252HWQqkYuTwPdXtzCxts5LVoS6diP0HSUzImNjjAaxjQ1o4ACwCupJLBHzqc5Tk5yeLekidRyZ0D3OdaRuIk2a+zRc3sBbIdSi5iJ14ZevIxUcVo6DH4LqD9L6f/ANU5iJt6Q3m9cDja28m0MdM+Sk5wyR9Itc7FiaAcQAt428dlt60nRSWKLuT8vVZ11CvhmvRqwwezsI1ybazfJKjBIbQzEB19jXbGv7Nx6jfctKU819DOnlvJ/lNHPgvWj81tXd4nU165PpI3umo2F8RN3RtHSYd+Fo2s6hmOxZqUmnitRVyVluE4qlcPCS1N7evp+vWR3Q2uddSDBHLdjcgyQYgOoX6Q7AbLSNSS0JnSuck2ly8+UdL2rRj9jq+FGv8A0Pqz8S256p0cPEqejtpvlxXcPCjX/ofVn4k56p0cPEejlpvlxXcZqPlH0lK9scbYXPe4NaBGcyT9ZOdqdHDxI6uQbKlBzm5JLTrXcSLlZik/k+DnCHPbMznHNFm35uQEgbhc2CkrY5qxObyflDyyeboTi8MetfYrzVvWmoocfMYPwmHFibi2XtbMcSoYzlHUelvsm0bzN5zHRue87fhRr/0Pqz8S256p0cPEoejlpvlxXcPCjX/ofVn4k56p0cPEejlpvlxXcPCjX/ofVn4k56p0cPEejlpvlxXcTfVCoqdJU0prms5mQFjGtbhLuL73Ow5DrB4KWm5TTztRwco06NhXirZvOjpbbxw6NXErnWrU2poXlwDnwg3bK3dwx28Vw47OHVBOm469R6awyrQu45ssFLant6t66NZloOUXSETcPONkA2GRocfSFie03WVVnsZpWyDZ1Hjg11P/AH8ja8KNf+h9WfiWeeqdHDxIvR203y4ruHhRr/0Pqz8Sc9U6OHiPRy03y4ruOzqlrnpKtqWRDmg3xpHCM9Fg2nxtpyA6yFtCpUlLDRwKOUclWVpQdRuWOpLFaXw4lpK0eTPpDJ8yMDgQ4Ag7QRceZDKbTxRyn6r0JNzSwX/VM+5ac1DcuBaV/dLQqkv5M8+atB5JB6pv3LHNQ91cDPnC6+LL+THzVoPJIPVN+5Oah7q4DzhdfFl/JmWm1epIzijpoWu3ERtB7ja6yqcVqSNJ3lxNYSqSa62dNblY8IugOVDqzRMcHNpYGuaQWkRtBBBuCDbatFTgtKSLUr65knGVSTT6WdZblUIDHPA17S17Q5rhZzXC4I4EHaEax1m0ZOLUovBo5fzVoPJIPVN+5R81D3VwLXnC6+LL+TM9RoKlkaxskET2xizA5gIaMsmgjIZDZwC2cIvQ0Rwuq8G5Rm03rwb09Zk0foinguYIY4sVsWBgbe2y9h1pGEY6ka1birWw5yTeG94m6tiEIAgCA4/zVofJIPVN+5R81DcuBc84XXxZfyZ1o2BoAAsALAcANgUhUbxeLNKt0LTTG80EUh4vja4+ci61cIvWialdVqSwpza6m0a3zVoPJIPVN+5a81D3VwJfOF18WX8mPmrQeSQeqb9yc1D3VwHnC6+LL+TM1JoCkieHxU8LHi9nNjaCLixsQOBWVTinikjSpeXFSObOcmtzbN2op2SNLJGh7XCxa4AgjgQcitmk9DIIzlCSlF4NbjmfNWg8kg9U37lpzUPdXAtecLr4sv5MfNWg8kg9U37k5qHurgPOF18WX8mPmrQeSQeqb9yc1D3VwHnC6+LL+THzVoPJIPVN+5Oah7q4DzhdfFl/JnUp4GsaGMaGtaAGtAsABsAA2BbpYairKTk3KTxbPshZNTmT6uUbyXPpoHOO0mJtz2m2a0dOD1pFqN7cwWEakkutmP5q0HkkHqm/csc1D3VwNvOF18WX8mPmrQeSQeqb9yc1D3VwHnC6+LL+TNvR+iYIMXMRRxYrYsDA29r2vYZ7T51tGEY6kQ1birWw5yTeG9tm6tiE/9k="/>
-          <p:cNvSpPr>
-            <a:spLocks noChangeAspect="1" noChangeArrowheads="1"/>
-          </p:cNvSpPr>
-          <p:nvPr/>
-        </p:nvSpPr>
-        <p:spPr bwMode="auto">
-          <a:xfrm>
-            <a:off x="625475" y="312738"/>
-            <a:ext cx="304800" cy="304801"/>
-          </a:xfrm>
-          <a:prstGeom prst="rect">
-            <a:avLst/>
-          </a:prstGeom>
-          <a:noFill/>
-          <a:extLst>
-            <a:ext uri="{909E8E84-426E-40DD-AFC4-6F175D3DCCD1}">
-              <a14:hiddenFill xmlns:a14="http://schemas.microsoft.com/office/drawing/2010/main">
-                <a:solidFill>
-                  <a:srgbClr val="FFFFFF"/>
-                </a:solidFill>
-              </a14:hiddenFill>
-            </a:ext>
-          </a:extLst>
-        </p:spPr>
-        <p:txBody>
-          <a:bodyPr vert="horz" wrap="square" lIns="91440" tIns="45720" rIns="91440" bIns="45720" numCol="1" anchor="t" anchorCtr="0" compatLnSpc="1">
-            <a:prstTxWarp prst="textNoShape">
-              <a:avLst/>
-            </a:prstTxWarp>
-          </a:bodyPr>
-          <a:lstStyle/>
-          <a:p>
-            <a:endParaRPr lang="ko-KR" altLang="en-US" b="1"/>
-          </a:p>
-        </p:txBody>
-      </p:sp>
-      <p:sp>
-        <p:nvSpPr>
-          <p:cNvPr id="24" name="TextBox 23"/>
-          <p:cNvSpPr txBox="1"/>
-          <p:nvPr/>
-        </p:nvSpPr>
-        <p:spPr>
-          <a:xfrm>
-            <a:off x="473074" y="493440"/>
-            <a:ext cx="8419405" cy="4185761"/>
-          </a:xfrm>
-          <a:prstGeom prst="rect">
-            <a:avLst/>
-          </a:prstGeom>
-          <a:noFill/>
-        </p:spPr>
-        <p:txBody>
-          <a:bodyPr wrap="square" rtlCol="0">
-            <a:spAutoFit/>
-          </a:bodyPr>
-          <a:lstStyle/>
-          <a:p>
-            <a:r>
-              <a:rPr lang="ko-KR" altLang="en-US" sz="2000" b="1" dirty="0">
-                <a:ln>
-                  <a:solidFill>
-                    <a:schemeClr val="bg1">
-                      <a:alpha val="0"/>
-                    </a:schemeClr>
-                  </a:solidFill>
-                </a:ln>
-                <a:solidFill>
-                  <a:srgbClr val="FF0000"/>
-                </a:solidFill>
-                <a:latin typeface="-윤고딕330" pitchFamily="18" charset="-127"/>
-                <a:ea typeface="-윤고딕330"/>
-              </a:rPr>
-              <a:t>데이터필드</a:t>
-            </a:r>
-            <a:endParaRPr lang="en-US" altLang="ko-KR" sz="2000" b="1" dirty="0">
-              <a:ln>
-                <a:solidFill>
-                  <a:schemeClr val="bg1">
-                    <a:alpha val="0"/>
-                  </a:schemeClr>
-                </a:solidFill>
-              </a:ln>
-              <a:solidFill>
-                <a:srgbClr val="FF0000"/>
-              </a:solidFill>
-              <a:latin typeface="-윤고딕330" pitchFamily="18" charset="-127"/>
-              <a:ea typeface="-윤고딕330"/>
-            </a:endParaRPr>
-          </a:p>
-          <a:p>
-            <a:pPr fontAlgn="base"/>
-            <a:r>
-              <a:rPr lang="en-US" altLang="ko-KR" dirty="0">
-                <a:ea typeface="-윤고딕330"/>
-              </a:rPr>
-              <a:t>key = (string)</a:t>
-            </a:r>
-            <a:r>
-              <a:rPr lang="ko-KR" altLang="en-US" dirty="0">
-                <a:ea typeface="-윤고딕330"/>
-              </a:rPr>
-              <a:t>교육 및 테스트 세트의 각 행을 식별하는 고유 </a:t>
-            </a:r>
-            <a:r>
-              <a:rPr lang="en-US" altLang="ko-KR" dirty="0">
-                <a:ea typeface="-윤고딕330"/>
-              </a:rPr>
-              <a:t>ID</a:t>
-            </a:r>
-            <a:endParaRPr lang="ko-KR" altLang="en-US" dirty="0">
-              <a:ea typeface="-윤고딕330"/>
-            </a:endParaRPr>
-          </a:p>
-          <a:p>
-            <a:pPr fontAlgn="base"/>
-            <a:r>
-              <a:rPr lang="en-US" altLang="ko-KR" dirty="0" err="1">
-                <a:ea typeface="-윤고딕330"/>
-              </a:rPr>
-              <a:t>pickup_datetime</a:t>
-            </a:r>
-            <a:r>
-              <a:rPr lang="en-US" altLang="ko-KR" dirty="0">
-                <a:ea typeface="-윤고딕330"/>
-              </a:rPr>
-              <a:t> = (timestamp)</a:t>
-            </a:r>
-            <a:r>
-              <a:rPr lang="ko-KR" altLang="en-US" dirty="0">
-                <a:ea typeface="-윤고딕330"/>
-              </a:rPr>
-              <a:t>택시가 언제 출발하였는지를 나타내는 값</a:t>
-            </a:r>
-          </a:p>
-          <a:p>
-            <a:pPr fontAlgn="base"/>
-            <a:r>
-              <a:rPr lang="en-US" altLang="ko-KR" dirty="0" err="1">
-                <a:ea typeface="-윤고딕330"/>
-              </a:rPr>
-              <a:t>pickup_longitude</a:t>
-            </a:r>
-            <a:r>
-              <a:rPr lang="en-US" altLang="ko-KR" dirty="0">
-                <a:ea typeface="-윤고딕330"/>
-              </a:rPr>
-              <a:t> = (float)</a:t>
-            </a:r>
-            <a:r>
-              <a:rPr lang="ko-KR" altLang="en-US" dirty="0">
-                <a:ea typeface="-윤고딕330"/>
-              </a:rPr>
-              <a:t>택시 타는 곳의 경도 좌표</a:t>
-            </a:r>
-          </a:p>
-          <a:p>
-            <a:pPr fontAlgn="base"/>
-            <a:r>
-              <a:rPr lang="en-US" altLang="ko-KR" dirty="0" err="1">
-                <a:ea typeface="-윤고딕330"/>
-              </a:rPr>
-              <a:t>pickup_latitude</a:t>
-            </a:r>
-            <a:r>
-              <a:rPr lang="en-US" altLang="ko-KR" dirty="0">
-                <a:ea typeface="-윤고딕330"/>
-              </a:rPr>
-              <a:t> = (float)</a:t>
-            </a:r>
-            <a:r>
-              <a:rPr lang="ko-KR" altLang="en-US" dirty="0">
-                <a:ea typeface="-윤고딕330"/>
-              </a:rPr>
-              <a:t>택시 타는 곳의 위도 좌표</a:t>
-            </a:r>
-          </a:p>
-          <a:p>
-            <a:pPr fontAlgn="base"/>
-            <a:r>
-              <a:rPr lang="en-US" altLang="ko-KR" dirty="0" err="1">
-                <a:ea typeface="-윤고딕330"/>
-              </a:rPr>
-              <a:t>dropoff_longitude</a:t>
-            </a:r>
-            <a:r>
-              <a:rPr lang="en-US" altLang="ko-KR" dirty="0">
-                <a:ea typeface="-윤고딕330"/>
-              </a:rPr>
-              <a:t> = (float)</a:t>
-            </a:r>
-            <a:r>
-              <a:rPr lang="ko-KR" altLang="en-US" dirty="0">
-                <a:ea typeface="-윤고딕330"/>
-              </a:rPr>
-              <a:t>택시 타는 곳의 경도 좌표</a:t>
-            </a:r>
-          </a:p>
-          <a:p>
-            <a:pPr fontAlgn="base"/>
-            <a:r>
-              <a:rPr lang="en-US" altLang="ko-KR" dirty="0" err="1">
-                <a:ea typeface="-윤고딕330"/>
-              </a:rPr>
-              <a:t>dropoff_latitude</a:t>
-            </a:r>
-            <a:r>
-              <a:rPr lang="en-US" altLang="ko-KR" dirty="0">
-                <a:ea typeface="-윤고딕330"/>
-              </a:rPr>
-              <a:t> = (float)</a:t>
-            </a:r>
-            <a:r>
-              <a:rPr lang="ko-KR" altLang="en-US" dirty="0">
-                <a:ea typeface="-윤고딕330"/>
-              </a:rPr>
-              <a:t>택시 타는 곳의 위도 좌표</a:t>
-            </a:r>
-          </a:p>
-          <a:p>
-            <a:pPr fontAlgn="base"/>
-            <a:r>
-              <a:rPr lang="en-US" altLang="ko-KR" dirty="0" err="1">
-                <a:ea typeface="-윤고딕330"/>
-              </a:rPr>
-              <a:t>passenger_count</a:t>
-            </a:r>
-            <a:r>
-              <a:rPr lang="en-US" altLang="ko-KR" dirty="0">
-                <a:ea typeface="-윤고딕330"/>
-              </a:rPr>
-              <a:t> = (integer)</a:t>
-            </a:r>
-            <a:r>
-              <a:rPr lang="ko-KR" altLang="en-US" dirty="0">
-                <a:ea typeface="-윤고딕330"/>
-              </a:rPr>
-              <a:t>택시를 타는 승객의 수</a:t>
-            </a:r>
-          </a:p>
-          <a:p>
-            <a:endParaRPr lang="en-US" altLang="ko-KR" sz="1000" dirty="0">
-              <a:ln>
-                <a:solidFill>
-                  <a:schemeClr val="bg1">
-                    <a:alpha val="0"/>
-                  </a:schemeClr>
-                </a:solidFill>
-              </a:ln>
-              <a:latin typeface="-윤고딕330" pitchFamily="18" charset="-127"/>
-              <a:ea typeface="-윤고딕330"/>
-            </a:endParaRPr>
-          </a:p>
-          <a:p>
-            <a:r>
-              <a:rPr lang="ko-KR" altLang="en-US" sz="2000" b="1" dirty="0">
-                <a:ln>
-                  <a:solidFill>
-                    <a:schemeClr val="bg1">
-                      <a:alpha val="0"/>
-                    </a:schemeClr>
-                  </a:solidFill>
-                </a:ln>
-                <a:solidFill>
-                  <a:srgbClr val="FF0000"/>
-                </a:solidFill>
-                <a:latin typeface="-윤고딕330" pitchFamily="18" charset="-127"/>
-                <a:ea typeface="-윤고딕330"/>
-              </a:rPr>
-              <a:t>목표</a:t>
-            </a:r>
-            <a:endParaRPr lang="en-US" altLang="ko-KR" sz="2000" b="1" dirty="0">
-              <a:ln>
-                <a:solidFill>
-                  <a:schemeClr val="bg1">
-                    <a:alpha val="0"/>
-                  </a:schemeClr>
-                </a:solidFill>
-              </a:ln>
-              <a:solidFill>
-                <a:srgbClr val="FF0000"/>
-              </a:solidFill>
-              <a:latin typeface="-윤고딕330" pitchFamily="18" charset="-127"/>
-              <a:ea typeface="-윤고딕330"/>
-            </a:endParaRPr>
-          </a:p>
-          <a:p>
-            <a:pPr fontAlgn="base"/>
-            <a:r>
-              <a:rPr lang="en-US" altLang="ko-KR" dirty="0" err="1">
-                <a:ea typeface="-윤고딕330"/>
-              </a:rPr>
-              <a:t>fare_amount</a:t>
-            </a:r>
-            <a:r>
-              <a:rPr lang="en-US" altLang="ko-KR" dirty="0">
-                <a:ea typeface="-윤고딕330"/>
-              </a:rPr>
-              <a:t> = (float)</a:t>
-            </a:r>
-            <a:r>
-              <a:rPr lang="ko-KR" altLang="en-US" dirty="0">
-                <a:ea typeface="-윤고딕330"/>
-              </a:rPr>
-              <a:t>택시 비용의 달러 금액</a:t>
-            </a:r>
-          </a:p>
-          <a:p>
-            <a:pPr fontAlgn="base"/>
-            <a:r>
-              <a:rPr lang="ko-KR" altLang="en-US" dirty="0">
-                <a:ea typeface="-윤고딕330"/>
-              </a:rPr>
-              <a:t>이것은 </a:t>
-            </a:r>
-            <a:r>
-              <a:rPr lang="en-US" altLang="ko-KR" dirty="0">
-                <a:ea typeface="-윤고딕330"/>
-              </a:rPr>
-              <a:t>train.csv</a:t>
-            </a:r>
-            <a:r>
-              <a:rPr lang="ko-KR" altLang="en-US" dirty="0">
-                <a:ea typeface="-윤고딕330"/>
-              </a:rPr>
-              <a:t>에 있고</a:t>
-            </a:r>
-            <a:r>
-              <a:rPr lang="en-US" altLang="ko-KR" dirty="0">
-                <a:ea typeface="-윤고딕330"/>
-              </a:rPr>
-              <a:t>, test.csv</a:t>
-            </a:r>
-            <a:r>
-              <a:rPr lang="ko-KR" altLang="en-US" dirty="0">
-                <a:ea typeface="-윤고딕330"/>
-              </a:rPr>
-              <a:t>에서 예측하는 것이며</a:t>
-            </a:r>
-            <a:r>
-              <a:rPr lang="en-US" altLang="ko-KR" dirty="0">
-                <a:ea typeface="-윤고딕330"/>
-              </a:rPr>
-              <a:t>, submission.CSV</a:t>
-            </a:r>
-            <a:r>
-              <a:rPr lang="ko-KR" altLang="en-US" dirty="0">
-                <a:ea typeface="-윤고딕330"/>
-              </a:rPr>
-              <a:t>에 필요합니다</a:t>
-            </a:r>
-            <a:r>
-              <a:rPr lang="en-US" altLang="ko-KR" dirty="0">
-                <a:ea typeface="-윤고딕330"/>
-              </a:rPr>
-              <a:t>.</a:t>
-            </a:r>
-          </a:p>
-          <a:p>
-            <a:pPr fontAlgn="base"/>
-            <a:endParaRPr lang="en-US" altLang="ko-KR" dirty="0"/>
-          </a:p>
-          <a:p>
-            <a:pPr fontAlgn="base"/>
-            <a:endParaRPr lang="ko-KR" altLang="en-US" dirty="0"/>
-          </a:p>
-        </p:txBody>
-      </p:sp>
+            </a:prstGeom>
+          </p:spPr>
+        </p:pic>
+      </p:grpSp>
     </p:spTree>
     <p:extLst>
       <p:ext uri="{BB962C8B-B14F-4D97-AF65-F5344CB8AC3E}">
-        <p14:creationId xmlns:p14="http://schemas.microsoft.com/office/powerpoint/2010/main" val="3374755853"/>
+        <p14:creationId xmlns:p14="http://schemas.microsoft.com/office/powerpoint/2010/main" val="2868042805"/>
       </p:ext>
     </p:extLst>
   </p:cSld>
@@ -5372,20 +8083,245 @@
           <a:lstStyle/>
           <a:p>
             <a:pPr algn="ctr"/>
-            <a:endParaRPr lang="ko-KR" altLang="en-US" b="1" dirty="0"/>
-          </a:p>
-        </p:txBody>
-      </p:sp>
-      <p:sp>
-        <p:nvSpPr>
-          <p:cNvPr id="10" name="TextBox 9"/>
+            <a:endParaRPr lang="ko-KR" altLang="en-US" sz="1400" b="1"/>
+          </a:p>
+        </p:txBody>
+      </p:sp>
+      <p:sp>
+        <p:nvSpPr>
+          <p:cNvPr id="2" name="Rectangle 2"/>
+          <p:cNvSpPr>
+            <a:spLocks noChangeArrowheads="1"/>
+          </p:cNvSpPr>
+          <p:nvPr/>
+        </p:nvSpPr>
+        <p:spPr bwMode="auto">
+          <a:xfrm>
+            <a:off x="1" y="43933"/>
+            <a:ext cx="184731" cy="369332"/>
+          </a:xfrm>
+          <a:prstGeom prst="rect">
+            <a:avLst/>
+          </a:prstGeom>
+          <a:noFill/>
+          <a:ln>
+            <a:noFill/>
+          </a:ln>
+          <a:effectLst/>
+          <a:extLst>
+            <a:ext uri="{909E8E84-426E-40DD-AFC4-6F175D3DCCD1}">
+              <a14:hiddenFill xmlns:a14="http://schemas.microsoft.com/office/drawing/2010/main">
+                <a:solidFill>
+                  <a:schemeClr val="accent1"/>
+                </a:solidFill>
+              </a14:hiddenFill>
+            </a:ext>
+            <a:ext uri="{91240B29-F687-4F45-9708-019B960494DF}">
+              <a14:hiddenLine xmlns:a14="http://schemas.microsoft.com/office/drawing/2010/main" w="9525">
+                <a:solidFill>
+                  <a:schemeClr val="tx1"/>
+                </a:solidFill>
+                <a:miter lim="800000"/>
+                <a:headEnd/>
+                <a:tailEnd/>
+              </a14:hiddenLine>
+            </a:ext>
+            <a:ext uri="{AF507438-7753-43E0-B8FC-AC1667EBCBE1}">
+              <a14:hiddenEffects xmlns:a14="http://schemas.microsoft.com/office/drawing/2010/main">
+                <a:effectLst>
+                  <a:outerShdw dist="35921" dir="2700000" algn="ctr" rotWithShape="0">
+                    <a:schemeClr val="bg2"/>
+                  </a:outerShdw>
+                </a:effectLst>
+              </a14:hiddenEffects>
+            </a:ext>
+          </a:extLst>
+        </p:spPr>
+        <p:txBody>
+          <a:bodyPr vert="horz" wrap="none" lIns="91440" tIns="45720" rIns="91440" bIns="45720" numCol="1" anchor="ctr" anchorCtr="0" compatLnSpc="1">
+            <a:prstTxWarp prst="textNoShape">
+              <a:avLst/>
+            </a:prstTxWarp>
+            <a:spAutoFit/>
+          </a:bodyPr>
+          <a:lstStyle/>
+          <a:p>
+            <a:endParaRPr lang="ko-KR" altLang="en-US" b="1"/>
+          </a:p>
+        </p:txBody>
+      </p:sp>
+      <p:sp>
+        <p:nvSpPr>
+          <p:cNvPr id="4" name="AutoShape 4" descr="data:image/jpeg;base64,/9j/4AAQSkZJRgABAQAAAQABAAD/2wCEAAkGBxISEhQUERQWFRUVFRgYFhgYFx4XGhwcHRQXGBoVGhkYHCggHhorIBUWITEhJikrMi8wFx80ODcsNygtLisBCgoKDg0OGxAQGy0mICQsLCw4NC8sLCw3Ly8sLCwsNCwsLywvMiw0LCwsLCwsLC0vLCwsLCwsLCwsLCwsLCwsLP/AABEIAK8BIQMBEQACEQEDEQH/xAAcAAEAAgMBAQEAAAAAAAAAAAAABgcDBAUBAgj/xABREAABAwICBQYJBgkLAwUAAAABAAIDBBESIQUGMUFRBxMiYXGBFzJUkZKTobHSFBZScoLRIzNCYmNzdLLBFTQ1Q0RTg6Kjs8PT8PEkVcLi4//EABsBAQACAwEBAAAAAAAAAAAAAAADBAECBQYH/8QAPxEAAgECAQcHCwMEAwADAAAAAAECAwQRBRIhMUFRkQYTYXGB0eEUFRYiMlJTobHB8EJikjM0cvEkNcIjRKL/2gAMAwEAAhEDEQA/ALxQBAEAQBAEAQBAEAQBAEAQHKj0lasfTu3wtlZxtjcx47iGH7R4LTP9bNLDoPmFWW/NfBNffgdVblcIAgCAIAgCAIAgCAIAgCAIAgCAIAgCAIAgCAIAgCAIAgCAIAgCAIAgCAIDwlAQahquf03I5mbIKd0ZO64c249Jzh9gqtF51d9CO3Up81kuKlrnPHsw/OJOlZOIEAQBAEAQBAEAQBAEAQBAEAQBAEAQBAEAQBAEAQBAEAQBAEAQBAEAQBAEBENedbW0rDFEQZ3DtEYI8d3XwHfs2169ZQWC1nXyXkyVzLPn7C+fQvu9nWffJ5oF1NAXyAiWaznA7WtF8LT+dmXHrceCzb082OL1sxle9VxWzYezHQvu+7oRLFOckIAgCAIAgCAIAgCAIAgCAIAgCAIAgCAIAgCAIAgCAIAgCAIAgCAIAgPCUBANb9ewzFFSEF4ydLta3iGbnO69g69gqVrjDRA9Dk3IzqYVa+iO7a+vcvn9TDqTqc4uFVWA3vjYx2bidvOyXzvvAPac8hihQ058zfKmVY5vk9vq1Nr6Lo3vb1a5VpzWmmpejI4ukNrRMGOQk7BYbL7r2urE6sYa9ZyLXJ9e50wWEd70JdvceUElXP0pGimjOxmT5j1uceizssTntCRc5aXoMVo29L1YPPe/Uuza+vR1M7jQpCmeoAgCAIAgCAIAgCAIAgCAIAgCAIAgCAIAgCAIAgCAIAgCAIAgCA8KArTlB1tLnOpoHWa3KZ42k74weA3nectxvSuK36Ynp8j5LWCuKq6l939uJ0dRdTREG1FS28pAMbCMoxuJH957t3Fb0KGb60tf0K2VcrOs3SpP1dr97w+utmHXTW+QSfJaK5kuGve3N2I5c3H+dnm7d23IxWrvHMhrN8mZLpuHlFz7OtLo3vo3Lb9evqhqiylHOS2kqHZuecw0naGk534uOZ6hkpKNFQ0vWUsoZTncvMhogtS7+7UvmSpTnLCAIAgCAIAgCAIAgCAIAgCAIAgCAIAgCAIAgCAIAgCAIAgCAIAgCA+Jr4TbbY27dyGVrKU1IouerYWyZ2cZHg7y0F2f2rHuXMoxzqixPcZVq81ZydPbgl1PwLj0pOY4ZXt2sje4doaSPculJ4Js8VSip1Ixe1pFQahSNFfAZDckvsT9MsdYnrNz3lc63a5xYntMsQl5HJQ1LDgn/oukLpHhz1AEAQBAEBjEzb2xC/C4QzgzIhgIAgCAIAgCAIAgCAIAgCAIAgCAIAgCAIAgCAIAgCAIDwoCstYKE6Or46toPMPkJdb8kuBEjT1HEXjrBHBUqkeaqKew9PZ1lfWUrV+2lo6cNXcWR0ZGbnNc3tBBHusVc1nmdMX0oozTWjH0k7ojcFhBjdvLb3Y8Hjl3EFcqcHCWB9AtLmF1QU9+hrp2r82Fsal6f+WU+J2UrDhkA2XtcPHURn1G43Lo0amfHHaeOylZeS1s1ey9K6vAkKlOeEAQBACgKV1dYP5WYbC/yubPvlXNp/1u1/c9veN+a2v2Q/8AJdS6R4g8ugF0AugPUB5dAe3QHl0AugF0B6gCAIAgCAIAgCAIAgCAIAgCAIAgCA1q+jZNG6ORocxwsQf+8j1rDSksGb06k6c1ODwaODq5FJRv+SSkvizNNIeG0wO4OAzHEXtssoqacPUerZ3F68nC5XPx0S/Uun3l0PbufWYOUnRjJKR0pHThs5ruouAc3sIN+0Ba3EE4Y7ibItxKncqC1S0P7PsOfyT0L2xzTOBDZS1rOsMxXcOq7yPsrW1i1FveWeUFeMqsaa1xTx7cNHy+ZPlaPPhAEAQHhQFMavf0rH+1ze+Zc2n/AFu1/c9tef8AWP8Awh/5LF1uir3iNtC5rL4uccbAjxcNiQbDxtgvsVyqqjwzDzOT52kXJ3Kb3fmj6kZm1J0i4YnVhLuHOy28+7zKB0KmvO+bOtHK9jHQqOj/ABj+fM1NVtY6qCqbTVL3PaZOacHnE5jibNcHnMgkjaTkbjr1pVZxnmSJcoWFvWtncUFg8MdGjFbdHQbnKXPUQzRvimlYyRhFmvIaHNPAHaQ4eiVtcuUWmmQ5ChQqwlCcE2njpWx/nzJlqtpH5RSwynxiwB31m9F3tBVqnLOimcS9ocxXnT3P5bPkQjlL01NHUsZDLIzDDicGOLblznWvbabM9qq3M2pJJneyFaUqlGU6kU9OGlY6l4kqroaxtDG2mdeoDYw5zyCTkA9135Xzvc32KxJTzPV1nGoztndOVZepi9C+Wojb9TtJy5y1nS4CWS3+UNHmCg5iq9cvqdZZUsKeiFHR1R++L+Zxm6YrtGT4Jnuka2xcxzzI1zD+UxzswcjbZmMwos+pSlhIuu1tMoUc+lFJ9Cwwe5paC0Kaj6YlbJIWuFwwuu3O5vb7XZkOC6HSeQlLRmtHQWTQIAgCAIAgCAIAgCAIAgCAIDW0jXxwRmSZ4Yxu0nzAdZ6gtoQlOWbFYs1nNQWdLUQw6/meZsFFG3E8kCSd2Buwm+EZnIcQepXvIebhn1X2Ioq/VSeZTXa9BJKTRtQbGeqc472xMbGz2hz/APMqkpw/THi8fD5F2MZbWdZjbC3vNz5yojc8kjDtovmDnxBuD50BzdOaL+UtEUhtDcOeAbF9jcMvubcAk7Ta2S0nDPWD1Fi2uHQlnx9rZ0dPXuNh1XBC0NL442tFgC5rQABsAvssFJGEnoiivOpi3KTMVJp2nmdhhkEpG3m7vA+s5oLR3lbypTivWWHXoNI1Iy1PEV+ho5r84ZD1NlfGB2CNwHebrEKkoasOCf1MyinrILrA+p0TNG+GWSWnkJHNyuL7EWuzEcxcZgjgb339Kgqd1FxkkpLatBzbidS1kpJ4xexliaPq2zRslZm2RjXt7HAEd+a5kouLcXsOnGSkk0ZytTJTGrv9Ks/a5vfMubT/AK3a/ue2vP8ArH/hD/yWtpzTkFIzHM61zZoAu5x4NH8dgV+c4wWLPJW1pVuZ5lNY/brIj4Q5JD/6aikkFznc/wDGxwB71X8qb9mJ2PMcIf1q0Y8Pu19CH1FW+XSDZJIzE99TAXRm929KIWNwDmADsG1V85yq4tYaUdlUo0snuEJZyUZad+t9P1LF5SaDnKJz98LhIOwXa/8Ayuce5XLiOMOo81kavzV3FbJerx1fPA5PJPX3ZNAT4rhI3scMLh52g/aUdpLQ4lzlDQwqRqrasO1eH0I/Wj5bpYtGbTOG/YiHS7jzb/SUT9et2/Q6FL/iZMx25uPbLV8mi1tIV8dPGZJnBjG7SfYANpPABXpSUVizyVGjOtNQprFshs3KPicRS0sktjvuO+zGuIHbZVndY+zHE7kcguKTr1Yx/Oloh2uelJamUPmgMDhFhDTfMYnHF0mt4kbNyr15ub0rA7eSranbxcac89N9H2bLl0Z+Ji/Vs/dC6UdR4ep7b62bKyaBAEAQBAEAQBAEAQBAEAQBAYaykZKwsla17Dta4XB7isxk4vFPSYlFSWDIrWcnFC++Fskf1X3HmfdXI5QrR24lOWT6EtOGHUajdQ2NOCKuqWkC5aH7BuNm2tsW3lzemUI8DHkeGhTlxM/zHm/9xqvSd8ax5ZH4cTbySXxJcTxuoT79Kvqz2SEe8lZd6tlOPAwrN/ElxPpnJzT/ANZNUSfWkH8GrXy+eyMV2GVZQ2tvtN6j1E0fHsga4/nkv9jjb2LSV7Xl+r7G8bSjH9P3O/S0rI2hsbWsaNjWgNHmCrNuTxZYSSWCMywZKy5TK41M8FFTjHI1xLgPpkWa2+6zS4ngCF1bCHNxlWnqOVlCTqyjRhrLA0NQiCCKEG/NxtZfjZoBPec1zak8+blvZ04RzYqK2G6tDYpfV7+lY/2ub3zLm0/63a/ue2vP+sf+EP8AybXKfK41pDibNhZhHUS4kjrJ/dHBbXPt6dxFkKOFo3HW2/klgWhSTwMha6NzGwhgLSCAwNtlnssryaS0ajyc41JVGpJ52PbiVHpOsZNpTnIjiY+qgwnjYwtJF912lc9yUq2K3o9lSpTpZNzJrBqEvniy5amEPY5js2uaWkdRFj710WsUeJjJxaktaKU0JXvoKl5dcuY2aIjiQDhPe5jO4rm05c1N9p7m7oq+to5u1xfVjr+r4Ej5KdGl0ktQ7PAObaTvc6znntsG+kVNax0uTObygrqMYUI9fYtC+5m5W5XXpm/kHnHH6wwAexzvOs3behGnJ2McaktuhdmnuRJNRHQihh5vCOgOc2Xx/l4uu91NQw5tYHKyoqnlc8/fo6tmHRgQHlL0hFNU3ieHhkWBxbmMQc8kA7DtGxVLmSlLQejyDQqUqLz1hi8VjuLY0Z+Ji/Vs/dC6EdR4+p7b62bKyaBAEAQBAEAQBAEAQBAEAQBAEBraQie+N7Y34HuY4Nfa+EkEB1uo5rMWk03pMSTaaRWNDHpbRpkww8817sTnWMuI2tiu0472A2jcuvN2txhpwa7PA5MPK7fHRnI2TylVLPxlIAesvZ7C0rXzdTeqf07zbzhUWum/zsPTypSbqQetP/TTzZH3/l4jzlLZTf52HyeUCvk/E0g6rMkk91k8goR9qf0Q8urv2af1MkFXp6ZzSGCMAg2cxjGnPYQ4l9uzNayhZQWGOP5wMxneyepIsCikl5sGdrGvt0gxxe3ZuJaD3WXNlm4+rqOmscNJytJTVk/QpWiBpydPKOl/hxbb9b8PZvUsFThpnp6F933Ec8+WiOjpMmreq8FGCWXfI7x5X5vdc3Oe4Xztv33KVridXXq3GtG3hS1a3tO4oCc166sZDG6SQ4WMBc4ngP49Sw2ksWb06cqklCKxbKj1EhdPpCOS3iukmf1YmuFr/WkHmK51BOVTHrZ7HK0lRsebx15seGHcWJrPqrDW4S4uZI0Wa9vC98LgciPdc22lXatFVNZ5uxyjVtG83SnsZHKbkwZcc5OXNvezWBpOd9pJ9ygVotrOnPlFNr1IJPe3j3HTqNQIDNFJE50Qi5uzGgEEsfiuScyTvPUpPJ45ya2FOOWa3NTpzWdnY6XsxWH+iXlWDkEP01qDFUTvm517DIQS0NBFw0NvnxsFXnbKUscTtWmWqlvSVLNTw6+s7+gNEMpIWwsJIbclx2uJNy427fYpYQUI4I5t1cyuKrqy2/I+dYdBxVkfNy3Fjdrm5OabWuL9uwpUpqawZtaXdS1qZ9P/AGukhw5Lxc3qDhO20YuR2l1vYq3ki3nafKKWGimsev8APqdKu5OqZ8bGRudHhxYnABzn4gPGJ4WyAyzW8raDWC0FWjl24hUc54Sx2akuol1NFgY1u3C0C/YLKyjjSeLbMqGAgCAIAgCAIAgCAIAgCAIAgCAICL6e10gpahkDgbkt5x9jhY05gm2bjsyHHuVqlaTqwc1/sq1runSmoS2nSg1ko3+LUwn/ABGg+YlROhVWuL4EqrU5apLibf8AKEH97H6bfvWmZLcyTORqVGstGzxqmEdXONJ8wN1vG3qy1RfAjlWpx1yXE80XrLSVLiyGZrnD8nNpPW0OAxDrCzUt6tNYyiYp16dR4RkmdZQkx7ZAEAQEV111alrBEI5cAa7pNdmy2fTsNrx/HcoK1J1MMGdTJl/C0cnKGOOp7erqZ0tW9XoqOMtjuXOsXvPjOI2dgGdh1neSVvTpqCwRWvL2pdTzp9i2L83nYUhUCAIAgCAIAgCAIAgCAIAgCAIAgCAIAgCAIAgCA+JZA0EuIAAuSTYAcSSmsEfGt8cjzHRxyVThtLAGxt63SPsLdl77lZ8llFY1Go9evgQK4jJ4Q09XedOjlqSQZY4mDg2RzyP9MBQyUNjfDxJVnbTU0/qvTVgBmacYFg9pwuA4X2EZ7CCpKNxUo+yyKtb06y9dEOq+Sw3/AAVQLcHsz9Jp/gr8cqe9HgznzyTH9MjQPJdU/wB7D/m+FSedIbmR+ap+8bVPyWSfl1DAPzYy72lwWksqLZH5m0ck75fIkGjOTmjiIc/HM4G4xus2/wBVtvbdVqmUKs1gtHUXKVhRpvHWyXsYAABsAsFRLp7dAasWkGOmfCD042se4fmvLw034/g3ZdnELZxaipbGYTWOBtrUyEAQBAEAQBAEAQBAEAQBAEAQBAEAQBAEAQBAEAQBAEBHdddX5K2ERxy4C12Ig+K/LIOtnkcxt7OFm1rqjPOaxK11QdaGangQvRugNMUJPycNcHG7mtc1zT12fhN+yyv1K9pX9vFfnQc+lb3Vv7GDR2Ga2aTj/H6Oc7iWYvcA/wB6g8lt5ezU4/iLXlNePtU+DMo5RLfjKKpbl9H4g3JY8gx1TjxM+W4a4S4DwnUw8aGoHa1nxp5uqbJIx5wgtcZcAOU+kOyKc9jWfGnm2rta/Owz5wp7nwPpvKREfFpal3Yxp9zljzfJa5x4mfLV7kuB9s11qH/itHVJ+tdg85YsO0gvaqL6mVdTeqm/oZo9KaWk8Wjih65ZsXsZmtXTto65t9S7zZVK8v0Jdb7jZj0ZXSZ1NYI27208YZ3c5Jd3mAWjqUV7EMet/ZYG6hUftS4GGDS9FS/gaUGeZxuWRHnZHu2YpJCbcLuc7ILLpVanrz0Lp0cF3BVKcXmx0v8ANZJqXHhHOWxWGLDsvvAJzI61V6idGVAEAQBAEAQBAEAQBAEAQBAEAQBAEAQBAEAQBAEAQBAEAQGCqhe7xHlhHUHA9oI9xCymlrRho5zo64eLJTvHXG+M+cSOHsUmNLc+K7jX1+gwOn0kP7PSu6xUPb7DCfet82h70uC7zXGpuXHwMXyzSQ/sdP3VJ/6Szm0Pff8AHxMOVT3Vx8Dx1bpQ7KWnb21Dj7owmZb+8+HiM6ruXHwMbjpl2wUTO+Rx9y2/4q958Eaf8h+6uLPh+h9KSePXsjHCKAe9xuEVW3Wqnj1sw6dZ654dS7zwaixvzqqioqep8hDe5rdnnWfLJL2IqPUh5LF+22+3uJBo3RUFO3DBGyMb8ItfrJ2nvVadSc3jJ4liEIwWEVgbq0NggCAIAgCAIAgCAIAgCAIAgCAIAgCAIAgCAIAgCAIAgCAIAgCAIAgCAIAgCAIAgCAIAgCAIAgCAIAgCAIAgCAIAgCAIAgCAICOaw660lGS2R5dIP6uMYnDtzs3vKjlUjHQdGzyVc3SzoLBb3oXj2EXfyuxX6NM8jrkAPmwlR8/0HWXJmphpqLgz58LrPJXesHwpz/QZ9GJ/EXDxHhdZ5K71g+FOf6B6MT+IuHiZqblbgJ/CU8jRxa5r/YbIq63Gk+TVZL1Zp8V3k00Jp6nq24qeQPttGxze1pzCmjNS1HDubOtbSzascPzYzovdYE8BdbFdLFlaDleZ5K71g+FVlcY7D0/oxP4i4eI8LrPJXesHwrPP9A9GJ/EXDxHhdZ5K71g+FOf6B6MT+IuHiPC6zyV3rB8Kc/0D0Yn8RcPE7ur3KJSVThG7FDI42aH2wk8A4ZX7bLeNaMtBQvMh3NvHPXrLo2dhMFKcYIAgIFrNylxU0zoYoueLDZ7seFoO9oyNyNh2ZqCdZJ4JHfscg1Likqk5ZqerRj27CTasawRV0POxXFjhe07Wu4G27YQVJCaksUcy9sqlpV5ufY96OutymEBqaS0jFTsMkz2sYN7j7ANpPUFhySWLJaNGpWnmU1iyEV3KxTNJEUUkgG82YD2XufOAoXXWxHdpcm7iSxnJL5+BqeF1nkrvWD4Vjn+gm9GJ/EXDxHhdZ5K71g+FOf6B6MT+IuHifcPKwHua1lI9znENaBILkk2AHRTn+g1nyblCLlKqsF0eJKda9Z/kMEcskWIveGFofaxLHOPSw5+LbYpJzzVjgcmwsPLKrpxlhgsccOlL7mHUzW9ukOdwxGPm8O12K+LF1D6PtSnUz9hJlLJjss3GWOOOzDUSdSHLCAIAgOTp7WOmo23nkDSfFaM3nsaN3WclpKcY6y3a2Ne6eFKOPTsXaQ2flchB6FPI4cXOa0+YXUXP9B24cmarXrTS7G+4xeF1nkrvWD4U5/oNvRifxFw8R4XWeSu9YPhTn+gejE/iLh4nS1e5RDWTshipXXdm5xkFmtG1x6P/kkDeto1s54YFW8yJ5LSdWdRcNb3aydKY4JC+UvWp1HE2OE2mlvY/QbsL+3cO87lDWqZqwWs7eRcnK6qOdT2Y/N7u8rLVTVWfSD3YThY0/hJXXOZzsPpO37e05i9eEHLUepyhlKlYwSaxb1JbvsixqfkqogOk+Zx44mjzANU6oR3nmp8o7pvQors8TL4LaDjN6Y+FZ5iJr6Q3n7eHiPBbQcZvTHwpzER6Q3n7eHiaOkuSenLTzEsjHbsdnt77AHvusOgtjJqPKSvF/8AyxTXRofcVy5tVoyq3xyxndm1zT+8w/8AdiFX9aL6T0ydvlC33xfFP7NfmgvPQGmW1lK2ZuWJpDm/RcBZzfP7LK7GWdHE8Dd2srWu6Utj4reUDoClbNUQRvvhkkY11sjYuANlQprHBdR9Du6sqVCdSOtJst/wW0HGb0x8Kt8xE8d6Q3n7eHiPBbQcZvTHwpzER6Q3n7eHieHktoOM3pj4U5iI9Ibz9vDxK6151TNBK0BxfFICWOO3K12utlfMZ77qCcMxnpclZSV7B4rCS196LS5NNMuqqJpkN3xOMbidpsAWk9eFwz4gqxRlnR07DyeWrSNvdNR1S0r86yVqU5JF+UHWT5FTHAfw0t2xDhxk7r+chR1Z5q0azqZJsPK6+EvZWl93aU5q9q9PXOlEWZjYXuJ3nPCy/wBJxB28CqkYOWhHtb2+pWajn7Xh2b+pG5qNrEaGpBfcRP6EwtsF8nW4tJ82Ib1mnPNeJBlWxV5Q9X2lpXd29xfrHggEG4OYI2EcVePnrTWhmKtqmxRvkkNmMaXOPUBcrDaSxZvTpyqTUI628CgNYNMz6SqQbOOJ2GGIZ4QTk0D6Ryuf4AWpSk5vE+h2dpRsKHUsW9/huX3JxoTkoZhBq5XYjtZHYAdRcQb91lLGh7zODc8pJ52FCKw3vu/2dfwW0HGb0x8K35iJU9Ibz9vDxHgtoOM3pj4U5iI9Ibz9vDxN7QmoVHSzNmjDy9t8ON2IAkWuBYZ7fOsxpRTxK91li5uKbpzawe5HI5aP5nF+0D/akWtfUusucmv7mX+L+qObyI/2r/C/5FihtLPKfXT7fsWkrB5UIAgOHrjp9tDTOlIBcejG073G9u4WJPYtKk81Yl7J9m7uuqa1a31FI6PoarSVSQCXyP6T3uOTR9Inc0bAB1AKmk5SPdVq1vk+hp0RWhJbfzayyKDkopWtHPSyvdvw2Y3uFifarCoLazzNXlJcSf8A8cUlx/OBt+C2g4zemPhWeYiQ+kN5+3h4jwW0HGb0x8KcxEz6Q3n7eHidvVvVWmocfMB132xFxxGw2AZCwzJ/8BbwpqOooXuUa93hzr1bjuLcolD8qNSX6RmB2RiNjezm2u973edUqrxmz3+QaajZRa2tv54fRFt6jULYaGma0WxRNe7rc8B5Ptt3BWqawijx+U60qt3Uk97XYtB3VuUAgCAICuOWigaYIZrdNsmC/wCa5pNvO0ecqvXWhM9LyarSVaVPY1j2r/ZrcjVSTFVx7mlrx2ua4H9wJQ2knKSmlUpz34rg/EgGqX89pf18f74Vel+nsPQ5R/tan+L+hf2kNOU0Dg2eaONxFwHuw3HEX2q9KcY62fPaNpWrLGnBvqWJrfO2g8qh9YFrzsN6JfNt38KXBnh1uoPKofTCc9T95Dzbd/ClwZVnKbrTFWSRsgzjixdO1sTnWvYHOwA277lQVZqT0HrMh5OqWsJTq6HLDRuSJxySaOdFRY3C3PSF4H5tmtB78JPYQpaCwjjvOFygrxqXeEf0rDt1/cmNVUNjY57yGtY0ucTsAAuSpW8FiziwhKclGKxb0H591l0xJpCrLwCcTgyFm8C9mt7STc9ZVKUnJ4n0WxtYWNvmvZpb/NiLq1O1fbRUzYsi89KV3F5GfcNg7FapwzI4Hhso3ru67qbNS6vzSyuOVfVrmZvlMQ/BzHp22Nk237HZntDuIUFaGa8VtPTcn7/nafMTfrR1dK8Pod7kl1m5yP5JKenGLxE72b2drd3V9Vb0J/pZz+UGT+bn5RBaJa+vf2/XrOpysVJZo94H9Y9jD2Xxf/BbV/YKmQKalepvYm/t9yH8jVA19TLK7MxRgN6i8kF3bZpH2io6Cxkztcpa0o0YU1+p6ez/AH8i4laPGBAEAQFf8tH8zi/aB/tSKCvqXWeh5Nf3Mv8AF/VHN5Ef7V/hf8ixQ2lnlPrp9v2LSVg8qEAQFUctdSecpo9wa9/eSB/A+dVq70pHreTNNZtSe3QiNao64uoGPbHCx7nuBc5xINgLBuW4ZnvKjhNw1I6mUclK9mpSm0ktX3O/4W5/J4/Sct+fluOf6M0viPgh4W5/J4/ScnPy3D0ZpfEfBDwtz+Tx+k5OfluHozS+I+CJhqLrLUV4e+SFkcTeiHAklztpAvuA29o61LSm560cXKthRs2oRm3J/JeJLVKcgpPld0aY63nbdGdjSD+cwBjh5gw/aVOssJY7z3PJ2up2vN7Yv5PT3k65MdPsqKRkRI52BoYW7y0ZMeOq1gesdYU1GWMcNx5/LdlKhcOf6ZPHt2omSmOMEAQBAVJyv6fZI5lLGQeadjkI2B1rBnaAXX7R1qrWli8Eev5O2coKVeW3Quredfkj0aWUk0zhbnnHD9VgIv5y7zLegtDZT5Q11O5jTX6V834YFaapfz2l/Xx/vhVqX6ew9PlH+1qf4v6F96waBhrIjFM242tcPGafpNPH3q9OCksGfPrS7q2tTnKb8esovWnVeahkwyDEw+JIB0Xfc7iPftVOcXF4M9/YZRpXkMY6Gta3eHSa+gNCvq5OajkiY/8AJEji3FxDbNNz1LCTbwRJeXkbWGfOLa6Fjh16SwtXeSvC4PrJGvAN+bjvhP1nEA26gO9TRoe8ebvOUblFxt44dL19i8SzGMAAAAAAsAMgBwCsnmG8XiyreVzWa5+RxHZZ0xHnbH7nH7PWq1af6Uer5PZP/wDszXRH7v7LtObqBoh8MMmkeZ57mgeZjxYSbZSSA4TmBcAb+lvstaccFn4aixli6jVqxss7Nx1vX1LZr29h1fC+PJP9b/8ANb+UdBV9GH8X/wDPiael+UyKphfDLRkse2x/DC43hw/B7QbEdi1lWUlg0TW/J+pQqKpCrpX7fHaQHR9a+CRksRs9jg5p6xuPUdhHAqFYrSj0VajCtTdOa0PQXFrFO3SeiHywjpAB+HaQ5hu9nbbFbjccVZm8+nijxNnB5PyioVNWrHoepkB5NNPtpKr8KcMUzcDidjTe7XHqvcdWK+5Q0pZsus9Fluylc2+MFjKOnr3r83F7NN1dPAnqAIAgK/5aP5nF+0D/AGpFBX1LrPQ8mv7mX+L+qObyI/2r/C/5FihtLPKfXT7fsWkrB5UIAgKz5aNGlzIJ2jJhcx/VisWnsuCO8KvXWpnp+TVdKc6L26V2Ee5N6DR9S58FXHeUnFETI9uIWzYA1wFxa/E3PBR0lFvCR0stVry3Sq0JerqehPDp0rbq/wBlh+DvRnk/+rL8an5mG48358vvifKPcPB1ozyf/Vl+NOZhuHny++J8o9w8HWjPJ/8AVl+NOZhu+pnz5ffE+Ue4kOjaCOnjbFC0MYwWa0dtzmcybkm54qSKSWCObWrTrTdSo8WzZWSM4+tWgI66AxPyO1j7XLXDYbbxuI3g7tq0nBSWDLljeztKqqR7VvRR+lNEVmjZgXB0bgehKwnCfqvH7pzttCpyTg9Og93Qura/p4LBranr4ff5nWp+UzSDWgF0b+t0Yv8A5SB7Fvzs95Tnyes5PFYrqffiZfCjX/ofVn4k56p0cPE19HbTfLiu4eFGv/Q+rPxJz1To4eI9HLTfLiu40tJ8oVfM0tMgjBFjzbcJP2s3DuIWJVZNaWT0Mh2dKWdm49bx+Woy6n6jT1jg+QOjgvcvIsXjbZgO2/0tnbsSFNy6jTKOWKVrFwptOe7d19xdjKZscWCMBrWswtA2AAWAVxJJYI8K5ynPOk8W3ifnnVL+e0v6+P8AfCoUv09h9Hyj/aVP8X9D9HroHzU1dJ6OiqI3RTND2OGYPsIO4jcQsSipLBktGtOjNVKbwaKR1y1NloH42Fz4SRhkHjNN8mvtsPB2w9WxU6lNx6j3WTcq072OZPBT2rf1dxK9ROUTFhgrnAOyDJjkDwbJwP52/fxMlOtskcfKuQ8zGrbrRtju6u7gTDXHWBtFTOlyLz0Ym8XEZdw2ns61NUnmrE42TrKV3XVPZrfV+aCk9XdEyaQqwwkkvcXyv3ht7uf252HWQqkYuTwPdXtzCxts5LVoS6diP0HSUzImNjjAaxjQ1o4ACwCupJLBHzqc5Tk5yeLekidRyZ0D3OdaRuIk2a+zRc3sBbIdSi5iJ14ZevIxUcVo6DH4LqD9L6f/ANU5iJt6Q3m9cDja28m0MdM+Sk5wyR9Itc7FiaAcQAt428dlt60nRSWKLuT8vVZ11CvhmvRqwwezsI1ybazfJKjBIbQzEB19jXbGv7Nx6jfctKU819DOnlvJ/lNHPgvWj81tXd4nU165PpI3umo2F8RN3RtHSYd+Fo2s6hmOxZqUmnitRVyVluE4qlcPCS1N7evp+vWR3Q2uddSDBHLdjcgyQYgOoX6Q7AbLSNSS0JnSuck2ly8+UdL2rRj9jq+FGv8A0Pqz8S256p0cPEqejtpvlxXcPCjX/ofVn4k56p0cPEejlpvlxXcZqPlH0lK9scbYXPe4NaBGcyT9ZOdqdHDxI6uQbKlBzm5JLTrXcSLlZik/k+DnCHPbMznHNFm35uQEgbhc2CkrY5qxObyflDyyeboTi8MetfYrzVvWmoocfMYPwmHFibi2XtbMcSoYzlHUelvsm0bzN5zHRue87fhRr/0Pqz8S256p0cPEoejlpvlxXcPCjX/ofVn4k56p0cPEejlpvlxXcPCjX/ofVn4k56p0cPEejlpvlxXcTfVCoqdJU0prms5mQFjGtbhLuL73Ow5DrB4KWm5TTztRwco06NhXirZvOjpbbxw6NXErnWrU2poXlwDnwg3bK3dwx28Vw47OHVBOm469R6awyrQu45ssFLant6t66NZloOUXSETcPONkA2GRocfSFie03WVVnsZpWyDZ1Hjg11P/AH8ja8KNf+h9WfiWeeqdHDxIvR203y4ruHhRr/0Pqz8Sc9U6OHiPRy03y4ruOzqlrnpKtqWRDmg3xpHCM9Fg2nxtpyA6yFtCpUlLDRwKOUclWVpQdRuWOpLFaXw4lpK0eTPpDJ8yMDgQ4Ag7QRceZDKbTxRyn6r0JNzSwX/VM+5ac1DcuBaV/dLQqkv5M8+atB5JB6pv3LHNQ91cDPnC6+LL+THzVoPJIPVN+5Oah7q4DzhdfFl/JmWm1epIzijpoWu3ERtB7ja6yqcVqSNJ3lxNYSqSa62dNblY8IugOVDqzRMcHNpYGuaQWkRtBBBuCDbatFTgtKSLUr65knGVSTT6WdZblUIDHPA17S17Q5rhZzXC4I4EHaEax1m0ZOLUovBo5fzVoPJIPVN+5R81D3VwLXnC6+LL+TM9RoKlkaxskET2xizA5gIaMsmgjIZDZwC2cIvQ0Rwuq8G5Rm03rwb09Zk0foinguYIY4sVsWBgbe2y9h1pGEY6ka1birWw5yTeG94m6tiEIAgCA4/zVofJIPVN+5R81DcuBc84XXxZfyZ1o2BoAAsALAcANgUhUbxeLNKt0LTTG80EUh4vja4+ci61cIvWialdVqSwpza6m0a3zVoPJIPVN+5a81D3VwJfOF18WX8mPmrQeSQeqb9yc1D3VwHnC6+LL+TM1JoCkieHxU8LHi9nNjaCLixsQOBWVTinikjSpeXFSObOcmtzbN2op2SNLJGh7XCxa4AgjgQcitmk9DIIzlCSlF4NbjmfNWg8kg9U37lpzUPdXAtecLr4sv5MfNWg8kg9U37k5qHurgPOF18WX8mPmrQeSQeqb9yc1D3VwHnC6+LL+THzVoPJIPVN+5Oah7q4DzhdfFl/JnUp4GsaGMaGtaAGtAsABsAA2BbpYairKTk3KTxbPshZNTmT6uUbyXPpoHOO0mJtz2m2a0dOD1pFqN7cwWEakkutmP5q0HkkHqm/csc1D3VwNvOF18WX8mPmrQeSQeqb9yc1D3VwHnC6+LL+TNvR+iYIMXMRRxYrYsDA29r2vYZ7T51tGEY6kQ1birWw5yTeG9tm6tiE/9k="/>
+          <p:cNvSpPr>
+            <a:spLocks noChangeAspect="1" noChangeArrowheads="1"/>
+          </p:cNvSpPr>
+          <p:nvPr/>
+        </p:nvSpPr>
+        <p:spPr bwMode="auto">
+          <a:xfrm>
+            <a:off x="168275" y="-144462"/>
+            <a:ext cx="304800" cy="304801"/>
+          </a:xfrm>
+          <a:prstGeom prst="rect">
+            <a:avLst/>
+          </a:prstGeom>
+          <a:noFill/>
+          <a:extLst>
+            <a:ext uri="{909E8E84-426E-40DD-AFC4-6F175D3DCCD1}">
+              <a14:hiddenFill xmlns:a14="http://schemas.microsoft.com/office/drawing/2010/main">
+                <a:solidFill>
+                  <a:srgbClr val="FFFFFF"/>
+                </a:solidFill>
+              </a14:hiddenFill>
+            </a:ext>
+          </a:extLst>
+        </p:spPr>
+        <p:txBody>
+          <a:bodyPr vert="horz" wrap="square" lIns="91440" tIns="45720" rIns="91440" bIns="45720" numCol="1" anchor="t" anchorCtr="0" compatLnSpc="1">
+            <a:prstTxWarp prst="textNoShape">
+              <a:avLst/>
+            </a:prstTxWarp>
+          </a:bodyPr>
+          <a:lstStyle/>
+          <a:p>
+            <a:endParaRPr lang="ko-KR" altLang="en-US" b="1"/>
+          </a:p>
+        </p:txBody>
+      </p:sp>
+      <p:sp>
+        <p:nvSpPr>
+          <p:cNvPr id="7" name="AutoShape 6" descr="data:image/jpeg;base64,/9j/4AAQSkZJRgABAQAAAQABAAD/2wCEAAkGBxISEhQUERQWFRUVFRgYFhgYFx4XGhwcHRQXGBoVGhkYHCggHhorIBUWITEhJikrMi8wFx80ODcsNygtLisBCgoKDg0OGxAQGy0mICQsLCw4NC8sLCw3Ly8sLCwsNCwsLywvMiw0LCwsLCwsLC0vLCwsLCwsLCwsLCwsLCwsLP/AABEIAK8BIQMBEQACEQEDEQH/xAAcAAEAAgMBAQEAAAAAAAAAAAAABgcDBAUBAgj/xABREAABAwICBQYJBgkLAwUAAAABAAIDBBESIQUGMUFRBxMiYXGBFzJUkZKTobHSFBZScoLRIzNCYmNzdLLBFTQ1Q0RTg6Kjs8PT8PEkVcLi4//EABsBAQACAwEBAAAAAAAAAAAAAAADBAECBQYH/8QAPxEAAgECAQcHCwMEAwADAAAAAAECAwQRBRIhMUFRkQYTYXGB0eEUFRYiMlJTobHB8EJikjM0cvEkNcIjRKL/2gAMAwEAAhEDEQA/ALxQBAEAQBAEAQBAEAQBAEAQHKj0lasfTu3wtlZxtjcx47iGH7R4LTP9bNLDoPmFWW/NfBNffgdVblcIAgCAIAgCAIAgCAIAgCAIAgCAIAgCAIAgCAIAgCAIAgCAIAgCAIAgCAIDwlAQahquf03I5mbIKd0ZO64c249Jzh9gqtF51d9CO3Up81kuKlrnPHsw/OJOlZOIEAQBAEAQBAEAQBAEAQBAEAQBAEAQBAEAQBAEAQBAEAQBAEAQBAEAQBAEBENedbW0rDFEQZ3DtEYI8d3XwHfs2169ZQWC1nXyXkyVzLPn7C+fQvu9nWffJ5oF1NAXyAiWaznA7WtF8LT+dmXHrceCzb082OL1sxle9VxWzYezHQvu+7oRLFOckIAgCAIAgCAIAgCAIAgCAIAgCAIAgCAIAgCAIAgCAIAgCAIAgCAIAgPCUBANb9ewzFFSEF4ydLta3iGbnO69g69gqVrjDRA9Dk3IzqYVa+iO7a+vcvn9TDqTqc4uFVWA3vjYx2bidvOyXzvvAPac8hihQ058zfKmVY5vk9vq1Nr6Lo3vb1a5VpzWmmpejI4ukNrRMGOQk7BYbL7r2urE6sYa9ZyLXJ9e50wWEd70JdvceUElXP0pGimjOxmT5j1uceizssTntCRc5aXoMVo29L1YPPe/Uuza+vR1M7jQpCmeoAgCAIAgCAIAgCAIAgCAIAgCAIAgCAIAgCAIAgCAIAgCAIAgCA8KArTlB1tLnOpoHWa3KZ42k74weA3nectxvSuK36Ynp8j5LWCuKq6l939uJ0dRdTREG1FS28pAMbCMoxuJH957t3Fb0KGb60tf0K2VcrOs3SpP1dr97w+utmHXTW+QSfJaK5kuGve3N2I5c3H+dnm7d23IxWrvHMhrN8mZLpuHlFz7OtLo3vo3Lb9evqhqiylHOS2kqHZuecw0naGk534uOZ6hkpKNFQ0vWUsoZTncvMhogtS7+7UvmSpTnLCAIAgCAIAgCAIAgCAIAgCAIAgCAIAgCAIAgCAIAgCAIAgCAIAgCA+Jr4TbbY27dyGVrKU1IouerYWyZ2cZHg7y0F2f2rHuXMoxzqixPcZVq81ZydPbgl1PwLj0pOY4ZXt2sje4doaSPculJ4Js8VSip1Ixe1pFQahSNFfAZDckvsT9MsdYnrNz3lc63a5xYntMsQl5HJQ1LDgn/oukLpHhz1AEAQBAEBjEzb2xC/C4QzgzIhgIAgCAIAgCAIAgCAIAgCAIAgCAIAgCAIAgCAIAgCAIDwoCstYKE6Or46toPMPkJdb8kuBEjT1HEXjrBHBUqkeaqKew9PZ1lfWUrV+2lo6cNXcWR0ZGbnNc3tBBHusVc1nmdMX0oozTWjH0k7ojcFhBjdvLb3Y8Hjl3EFcqcHCWB9AtLmF1QU9+hrp2r82Fsal6f+WU+J2UrDhkA2XtcPHURn1G43Lo0amfHHaeOylZeS1s1ey9K6vAkKlOeEAQBACgKV1dYP5WYbC/yubPvlXNp/1u1/c9veN+a2v2Q/8AJdS6R4g8ugF0AugPUB5dAe3QHl0AugF0B6gCAIAgCAIAgCAIAgCAIAgCAIAgCA1q+jZNG6ORocxwsQf+8j1rDSksGb06k6c1ODwaODq5FJRv+SSkvizNNIeG0wO4OAzHEXtssoqacPUerZ3F68nC5XPx0S/Uun3l0PbufWYOUnRjJKR0pHThs5ruouAc3sIN+0Ba3EE4Y7ibItxKncqC1S0P7PsOfyT0L2xzTOBDZS1rOsMxXcOq7yPsrW1i1FveWeUFeMqsaa1xTx7cNHy+ZPlaPPhAEAQHhQFMavf0rH+1ze+Zc2n/AFu1/c9tef8AWP8Awh/5LF1uir3iNtC5rL4uccbAjxcNiQbDxtgvsVyqqjwzDzOT52kXJ3Kb3fmj6kZm1J0i4YnVhLuHOy28+7zKB0KmvO+bOtHK9jHQqOj/ABj+fM1NVtY6qCqbTVL3PaZOacHnE5jibNcHnMgkjaTkbjr1pVZxnmSJcoWFvWtncUFg8MdGjFbdHQbnKXPUQzRvimlYyRhFmvIaHNPAHaQ4eiVtcuUWmmQ5ChQqwlCcE2njpWx/nzJlqtpH5RSwynxiwB31m9F3tBVqnLOimcS9ocxXnT3P5bPkQjlL01NHUsZDLIzDDicGOLblznWvbabM9qq3M2pJJneyFaUqlGU6kU9OGlY6l4kqroaxtDG2mdeoDYw5zyCTkA9135Xzvc32KxJTzPV1nGoztndOVZepi9C+Wojb9TtJy5y1nS4CWS3+UNHmCg5iq9cvqdZZUsKeiFHR1R++L+Zxm6YrtGT4Jnuka2xcxzzI1zD+UxzswcjbZmMwos+pSlhIuu1tMoUc+lFJ9Cwwe5paC0Kaj6YlbJIWuFwwuu3O5vb7XZkOC6HSeQlLRmtHQWTQIAgCAIAgCAIAgCAIAgCAIDW0jXxwRmSZ4Yxu0nzAdZ6gtoQlOWbFYs1nNQWdLUQw6/meZsFFG3E8kCSd2Buwm+EZnIcQepXvIebhn1X2Ioq/VSeZTXa9BJKTRtQbGeqc472xMbGz2hz/APMqkpw/THi8fD5F2MZbWdZjbC3vNz5yojc8kjDtovmDnxBuD50BzdOaL+UtEUhtDcOeAbF9jcMvubcAk7Ta2S0nDPWD1Fi2uHQlnx9rZ0dPXuNh1XBC0NL442tFgC5rQABsAvssFJGEnoiivOpi3KTMVJp2nmdhhkEpG3m7vA+s5oLR3lbypTivWWHXoNI1Iy1PEV+ho5r84ZD1NlfGB2CNwHebrEKkoasOCf1MyinrILrA+p0TNG+GWSWnkJHNyuL7EWuzEcxcZgjgb339Kgqd1FxkkpLatBzbidS1kpJ4xexliaPq2zRslZm2RjXt7HAEd+a5kouLcXsOnGSkk0ZytTJTGrv9Ks/a5vfMubT/AK3a/ue2vP8ArH/hD/yWtpzTkFIzHM61zZoAu5x4NH8dgV+c4wWLPJW1pVuZ5lNY/brIj4Q5JD/6aikkFznc/wDGxwB71X8qb9mJ2PMcIf1q0Y8Pu19CH1FW+XSDZJIzE99TAXRm929KIWNwDmADsG1V85yq4tYaUdlUo0snuEJZyUZad+t9P1LF5SaDnKJz98LhIOwXa/8Ayuce5XLiOMOo81kavzV3FbJerx1fPA5PJPX3ZNAT4rhI3scMLh52g/aUdpLQ4lzlDQwqRqrasO1eH0I/Wj5bpYtGbTOG/YiHS7jzb/SUT9et2/Q6FL/iZMx25uPbLV8mi1tIV8dPGZJnBjG7SfYANpPABXpSUVizyVGjOtNQprFshs3KPicRS0sktjvuO+zGuIHbZVndY+zHE7kcguKTr1Yx/Oloh2uelJamUPmgMDhFhDTfMYnHF0mt4kbNyr15ub0rA7eSranbxcac89N9H2bLl0Z+Ji/Vs/dC6UdR4ep7b62bKyaBAEAQBAEAQBAEAQBAEAQBAYaykZKwsla17Dta4XB7isxk4vFPSYlFSWDIrWcnFC++Fskf1X3HmfdXI5QrR24lOWT6EtOGHUajdQ2NOCKuqWkC5aH7BuNm2tsW3lzemUI8DHkeGhTlxM/zHm/9xqvSd8ax5ZH4cTbySXxJcTxuoT79Kvqz2SEe8lZd6tlOPAwrN/ElxPpnJzT/ANZNUSfWkH8GrXy+eyMV2GVZQ2tvtN6j1E0fHsga4/nkv9jjb2LSV7Xl+r7G8bSjH9P3O/S0rI2hsbWsaNjWgNHmCrNuTxZYSSWCMywZKy5TK41M8FFTjHI1xLgPpkWa2+6zS4ngCF1bCHNxlWnqOVlCTqyjRhrLA0NQiCCKEG/NxtZfjZoBPec1zak8+blvZ04RzYqK2G6tDYpfV7+lY/2ub3zLm0/63a/ue2vP+sf+EP8AybXKfK41pDibNhZhHUS4kjrJ/dHBbXPt6dxFkKOFo3HW2/klgWhSTwMha6NzGwhgLSCAwNtlnssryaS0ajyc41JVGpJ52PbiVHpOsZNpTnIjiY+qgwnjYwtJF912lc9yUq2K3o9lSpTpZNzJrBqEvniy5amEPY5js2uaWkdRFj710WsUeJjJxaktaKU0JXvoKl5dcuY2aIjiQDhPe5jO4rm05c1N9p7m7oq+to5u1xfVjr+r4Ej5KdGl0ktQ7PAObaTvc6znntsG+kVNax0uTObygrqMYUI9fYtC+5m5W5XXpm/kHnHH6wwAexzvOs3behGnJ2McaktuhdmnuRJNRHQihh5vCOgOc2Xx/l4uu91NQw5tYHKyoqnlc8/fo6tmHRgQHlL0hFNU3ieHhkWBxbmMQc8kA7DtGxVLmSlLQejyDQqUqLz1hi8VjuLY0Z+Ji/Vs/dC6EdR4+p7b62bKyaBAEAQBAEAQBAEAQBAEAQBAEBraQie+N7Y34HuY4Nfa+EkEB1uo5rMWk03pMSTaaRWNDHpbRpkww8817sTnWMuI2tiu0472A2jcuvN2txhpwa7PA5MPK7fHRnI2TylVLPxlIAesvZ7C0rXzdTeqf07zbzhUWum/zsPTypSbqQetP/TTzZH3/l4jzlLZTf52HyeUCvk/E0g6rMkk91k8goR9qf0Q8urv2af1MkFXp6ZzSGCMAg2cxjGnPYQ4l9uzNayhZQWGOP5wMxneyepIsCikl5sGdrGvt0gxxe3ZuJaD3WXNlm4+rqOmscNJytJTVk/QpWiBpydPKOl/hxbb9b8PZvUsFThpnp6F933Ec8+WiOjpMmreq8FGCWXfI7x5X5vdc3Oe4Xztv33KVridXXq3GtG3hS1a3tO4oCc166sZDG6SQ4WMBc4ngP49Sw2ksWb06cqklCKxbKj1EhdPpCOS3iukmf1YmuFr/WkHmK51BOVTHrZ7HK0lRsebx15seGHcWJrPqrDW4S4uZI0Wa9vC98LgciPdc22lXatFVNZ5uxyjVtG83SnsZHKbkwZcc5OXNvezWBpOd9pJ9ygVotrOnPlFNr1IJPe3j3HTqNQIDNFJE50Qi5uzGgEEsfiuScyTvPUpPJ45ya2FOOWa3NTpzWdnY6XsxWH+iXlWDkEP01qDFUTvm517DIQS0NBFw0NvnxsFXnbKUscTtWmWqlvSVLNTw6+s7+gNEMpIWwsJIbclx2uJNy427fYpYQUI4I5t1cyuKrqy2/I+dYdBxVkfNy3Fjdrm5OabWuL9uwpUpqawZtaXdS1qZ9P/AGukhw5Lxc3qDhO20YuR2l1vYq3ki3nafKKWGimsev8APqdKu5OqZ8bGRudHhxYnABzn4gPGJ4WyAyzW8raDWC0FWjl24hUc54Sx2akuol1NFgY1u3C0C/YLKyjjSeLbMqGAgCAIAgCAIAgCAIAgCAIAgCAICL6e10gpahkDgbkt5x9jhY05gm2bjsyHHuVqlaTqwc1/sq1runSmoS2nSg1ko3+LUwn/ABGg+YlROhVWuL4EqrU5apLibf8AKEH97H6bfvWmZLcyTORqVGstGzxqmEdXONJ8wN1vG3qy1RfAjlWpx1yXE80XrLSVLiyGZrnD8nNpPW0OAxDrCzUt6tNYyiYp16dR4RkmdZQkx7ZAEAQEV111alrBEI5cAa7pNdmy2fTsNrx/HcoK1J1MMGdTJl/C0cnKGOOp7erqZ0tW9XoqOMtjuXOsXvPjOI2dgGdh1neSVvTpqCwRWvL2pdTzp9i2L83nYUhUCAIAgCAIAgCAIAgCAIAgCAIAgCAIAgCAIAgCA+JZA0EuIAAuSTYAcSSmsEfGt8cjzHRxyVThtLAGxt63SPsLdl77lZ8llFY1Go9evgQK4jJ4Q09XedOjlqSQZY4mDg2RzyP9MBQyUNjfDxJVnbTU0/qvTVgBmacYFg9pwuA4X2EZ7CCpKNxUo+yyKtb06y9dEOq+Sw3/AAVQLcHsz9Jp/gr8cqe9HgznzyTH9MjQPJdU/wB7D/m+FSedIbmR+ap+8bVPyWSfl1DAPzYy72lwWksqLZH5m0ck75fIkGjOTmjiIc/HM4G4xus2/wBVtvbdVqmUKs1gtHUXKVhRpvHWyXsYAABsAsFRLp7dAasWkGOmfCD042se4fmvLw034/g3ZdnELZxaipbGYTWOBtrUyEAQBAEAQBAEAQBAEAQBAEAQBAEAQBAEAQBAEAQBAEBHdddX5K2ERxy4C12Ig+K/LIOtnkcxt7OFm1rqjPOaxK11QdaGangQvRugNMUJPycNcHG7mtc1zT12fhN+yyv1K9pX9vFfnQc+lb3Vv7GDR2Ga2aTj/H6Oc7iWYvcA/wB6g8lt5ezU4/iLXlNePtU+DMo5RLfjKKpbl9H4g3JY8gx1TjxM+W4a4S4DwnUw8aGoHa1nxp5uqbJIx5wgtcZcAOU+kOyKc9jWfGnm2rta/Owz5wp7nwPpvKREfFpal3Yxp9zljzfJa5x4mfLV7kuB9s11qH/itHVJ+tdg85YsO0gvaqL6mVdTeqm/oZo9KaWk8Wjih65ZsXsZmtXTto65t9S7zZVK8v0Jdb7jZj0ZXSZ1NYI27208YZ3c5Jd3mAWjqUV7EMet/ZYG6hUftS4GGDS9FS/gaUGeZxuWRHnZHu2YpJCbcLuc7ILLpVanrz0Lp0cF3BVKcXmx0v8ANZJqXHhHOWxWGLDsvvAJzI61V6idGVAEAQBAEAQBAEAQBAEAQBAEAQBAEAQBAEAQBAEAQBAEAQGCqhe7xHlhHUHA9oI9xCymlrRho5zo64eLJTvHXG+M+cSOHsUmNLc+K7jX1+gwOn0kP7PSu6xUPb7DCfet82h70uC7zXGpuXHwMXyzSQ/sdP3VJ/6Szm0Pff8AHxMOVT3Vx8Dx1bpQ7KWnb21Dj7owmZb+8+HiM6ruXHwMbjpl2wUTO+Rx9y2/4q958Eaf8h+6uLPh+h9KSePXsjHCKAe9xuEVW3Wqnj1sw6dZ654dS7zwaixvzqqioqep8hDe5rdnnWfLJL2IqPUh5LF+22+3uJBo3RUFO3DBGyMb8ItfrJ2nvVadSc3jJ4liEIwWEVgbq0NggCAIAgCAIAgCAIAgCAIAgCAIAgCAIAgCAIAgCAIAgCAIAgCAIAgCAIAgCAIAgCAIAgCAIAgCAIAgCAIAgCAIAgCAIAgCAICOaw660lGS2R5dIP6uMYnDtzs3vKjlUjHQdGzyVc3SzoLBb3oXj2EXfyuxX6NM8jrkAPmwlR8/0HWXJmphpqLgz58LrPJXesHwpz/QZ9GJ/EXDxHhdZ5K71g+FOf6B6MT+IuHiZqblbgJ/CU8jRxa5r/YbIq63Gk+TVZL1Zp8V3k00Jp6nq24qeQPttGxze1pzCmjNS1HDubOtbSzascPzYzovdYE8BdbFdLFlaDleZ5K71g+FVlcY7D0/oxP4i4eI8LrPJXesHwrPP9A9GJ/EXDxHhdZ5K71g+FOf6B6MT+IuHiPC6zyV3rB8Kc/0D0Yn8RcPE7ur3KJSVThG7FDI42aH2wk8A4ZX7bLeNaMtBQvMh3NvHPXrLo2dhMFKcYIAgIFrNylxU0zoYoueLDZ7seFoO9oyNyNh2ZqCdZJ4JHfscg1Likqk5ZqerRj27CTasawRV0POxXFjhe07Wu4G27YQVJCaksUcy9sqlpV5ufY96OutymEBqaS0jFTsMkz2sYN7j7ANpPUFhySWLJaNGpWnmU1iyEV3KxTNJEUUkgG82YD2XufOAoXXWxHdpcm7iSxnJL5+BqeF1nkrvWD4Vjn+gm9GJ/EXDxHhdZ5K71g+FOf6B6MT+IuHifcPKwHua1lI9znENaBILkk2AHRTn+g1nyblCLlKqsF0eJKda9Z/kMEcskWIveGFofaxLHOPSw5+LbYpJzzVjgcmwsPLKrpxlhgsccOlL7mHUzW9ukOdwxGPm8O12K+LF1D6PtSnUz9hJlLJjss3GWOOOzDUSdSHLCAIAgOTp7WOmo23nkDSfFaM3nsaN3WclpKcY6y3a2Ne6eFKOPTsXaQ2flchB6FPI4cXOa0+YXUXP9B24cmarXrTS7G+4xeF1nkrvWD4U5/oNvRifxFw8R4XWeSu9YPhTn+gejE/iLh4nS1e5RDWTshipXXdm5xkFmtG1x6P/kkDeto1s54YFW8yJ5LSdWdRcNb3aydKY4JC+UvWp1HE2OE2mlvY/QbsL+3cO87lDWqZqwWs7eRcnK6qOdT2Y/N7u8rLVTVWfSD3YThY0/hJXXOZzsPpO37e05i9eEHLUepyhlKlYwSaxb1JbvsixqfkqogOk+Zx44mjzANU6oR3nmp8o7pvQors8TL4LaDjN6Y+FZ5iJr6Q3n7eHiPBbQcZvTHwpzER6Q3n7eHiaOkuSenLTzEsjHbsdnt77AHvusOgtjJqPKSvF/8AyxTXRofcVy5tVoyq3xyxndm1zT+8w/8AdiFX9aL6T0ydvlC33xfFP7NfmgvPQGmW1lK2ZuWJpDm/RcBZzfP7LK7GWdHE8Dd2srWu6Utj4reUDoClbNUQRvvhkkY11sjYuANlQprHBdR9Du6sqVCdSOtJst/wW0HGb0x8Kt8xE8d6Q3n7eHiPBbQcZvTHwpzER6Q3n7eHieHktoOM3pj4U5iI9Ibz9vDxK6151TNBK0BxfFICWOO3K12utlfMZ77qCcMxnpclZSV7B4rCS196LS5NNMuqqJpkN3xOMbidpsAWk9eFwz4gqxRlnR07DyeWrSNvdNR1S0r86yVqU5JF+UHWT5FTHAfw0t2xDhxk7r+chR1Z5q0azqZJsPK6+EvZWl93aU5q9q9PXOlEWZjYXuJ3nPCy/wBJxB28CqkYOWhHtb2+pWajn7Xh2b+pG5qNrEaGpBfcRP6EwtsF8nW4tJ82Ib1mnPNeJBlWxV5Q9X2lpXd29xfrHggEG4OYI2EcVePnrTWhmKtqmxRvkkNmMaXOPUBcrDaSxZvTpyqTUI628CgNYNMz6SqQbOOJ2GGIZ4QTk0D6Ryuf4AWpSk5vE+h2dpRsKHUsW9/huX3JxoTkoZhBq5XYjtZHYAdRcQb91lLGh7zODc8pJ52FCKw3vu/2dfwW0HGb0x8K35iJU9Ibz9vDxHgtoOM3pj4U5iI9Ibz9vDxN7QmoVHSzNmjDy9t8ON2IAkWuBYZ7fOsxpRTxK91li5uKbpzawe5HI5aP5nF+0D/akWtfUusucmv7mX+L+qObyI/2r/C/5FihtLPKfXT7fsWkrB5UIAgOHrjp9tDTOlIBcejG073G9u4WJPYtKk81Yl7J9m7uuqa1a31FI6PoarSVSQCXyP6T3uOTR9Inc0bAB1AKmk5SPdVq1vk+hp0RWhJbfzayyKDkopWtHPSyvdvw2Y3uFifarCoLazzNXlJcSf8A8cUlx/OBt+C2g4zemPhWeYiQ+kN5+3h4jwW0HGb0x8KcxEz6Q3n7eHidvVvVWmocfMB132xFxxGw2AZCwzJ/8BbwpqOooXuUa93hzr1bjuLcolD8qNSX6RmB2RiNjezm2u973edUqrxmz3+QaajZRa2tv54fRFt6jULYaGma0WxRNe7rc8B5Ptt3BWqawijx+U60qt3Uk97XYtB3VuUAgCAICuOWigaYIZrdNsmC/wCa5pNvO0ecqvXWhM9LyarSVaVPY1j2r/ZrcjVSTFVx7mlrx2ua4H9wJQ2knKSmlUpz34rg/EgGqX89pf18f74Vel+nsPQ5R/tan+L+hf2kNOU0Dg2eaONxFwHuw3HEX2q9KcY62fPaNpWrLGnBvqWJrfO2g8qh9YFrzsN6JfNt38KXBnh1uoPKofTCc9T95Dzbd/ClwZVnKbrTFWSRsgzjixdO1sTnWvYHOwA277lQVZqT0HrMh5OqWsJTq6HLDRuSJxySaOdFRY3C3PSF4H5tmtB78JPYQpaCwjjvOFygrxqXeEf0rDt1/cmNVUNjY57yGtY0ucTsAAuSpW8FiziwhKclGKxb0H591l0xJpCrLwCcTgyFm8C9mt7STc9ZVKUnJ4n0WxtYWNvmvZpb/NiLq1O1fbRUzYsi89KV3F5GfcNg7FapwzI4Hhso3ru67qbNS6vzSyuOVfVrmZvlMQ/BzHp22Nk237HZntDuIUFaGa8VtPTcn7/nafMTfrR1dK8Pod7kl1m5yP5JKenGLxE72b2drd3V9Vb0J/pZz+UGT+bn5RBaJa+vf2/XrOpysVJZo94H9Y9jD2Xxf/BbV/YKmQKalepvYm/t9yH8jVA19TLK7MxRgN6i8kF3bZpH2io6Cxkztcpa0o0YU1+p6ez/AH8i4laPGBAEAQFf8tH8zi/aB/tSKCvqXWeh5Nf3Mv8AF/VHN5Ef7V/hf8ixQ2lnlPrp9v2LSVg8qEAQFUctdSecpo9wa9/eSB/A+dVq70pHreTNNZtSe3QiNao64uoGPbHCx7nuBc5xINgLBuW4ZnvKjhNw1I6mUclK9mpSm0ktX3O/4W5/J4/Sct+fluOf6M0viPgh4W5/J4/ScnPy3D0ZpfEfBDwtz+Tx+k5OfluHozS+I+CJhqLrLUV4e+SFkcTeiHAklztpAvuA29o61LSm560cXKthRs2oRm3J/JeJLVKcgpPld0aY63nbdGdjSD+cwBjh5gw/aVOssJY7z3PJ2up2vN7Yv5PT3k65MdPsqKRkRI52BoYW7y0ZMeOq1gesdYU1GWMcNx5/LdlKhcOf6ZPHt2omSmOMEAQBAVJyv6fZI5lLGQeadjkI2B1rBnaAXX7R1qrWli8Eev5O2coKVeW3Quredfkj0aWUk0zhbnnHD9VgIv5y7zLegtDZT5Q11O5jTX6V834YFaapfz2l/Xx/vhVqX6ew9PlH+1qf4v6F96waBhrIjFM242tcPGafpNPH3q9OCksGfPrS7q2tTnKb8esovWnVeahkwyDEw+JIB0Xfc7iPftVOcXF4M9/YZRpXkMY6Gta3eHSa+gNCvq5OajkiY/8AJEji3FxDbNNz1LCTbwRJeXkbWGfOLa6Fjh16SwtXeSvC4PrJGvAN+bjvhP1nEA26gO9TRoe8ebvOUblFxt44dL19i8SzGMAAAAAAsAMgBwCsnmG8XiyreVzWa5+RxHZZ0xHnbH7nH7PWq1af6Uer5PZP/wDszXRH7v7LtObqBoh8MMmkeZ57mgeZjxYSbZSSA4TmBcAb+lvstaccFn4aixli6jVqxss7Nx1vX1LZr29h1fC+PJP9b/8ANb+UdBV9GH8X/wDPiael+UyKphfDLRkse2x/DC43hw/B7QbEdi1lWUlg0TW/J+pQqKpCrpX7fHaQHR9a+CRksRs9jg5p6xuPUdhHAqFYrSj0VajCtTdOa0PQXFrFO3SeiHywjpAB+HaQ5hu9nbbFbjccVZm8+nijxNnB5PyioVNWrHoepkB5NNPtpKr8KcMUzcDidjTe7XHqvcdWK+5Q0pZsus9Fluylc2+MFjKOnr3r83F7NN1dPAnqAIAgK/5aP5nF+0D/AGpFBX1LrPQ8mv7mX+L+qObyI/2r/C/5FihtLPKfXT7fsWkrB5UIAgKz5aNGlzIJ2jJhcx/VisWnsuCO8KvXWpnp+TVdKc6L26V2Ee5N6DR9S58FXHeUnFETI9uIWzYA1wFxa/E3PBR0lFvCR0stVry3Sq0JerqehPDp0rbq/wBlh+DvRnk/+rL8an5mG48358vvifKPcPB1ozyf/Vl+NOZhuHny++J8o9w8HWjPJ/8AVl+NOZhu+pnz5ffE+Ue4kOjaCOnjbFC0MYwWa0dtzmcybkm54qSKSWCObWrTrTdSo8WzZWSM4+tWgI66AxPyO1j7XLXDYbbxuI3g7tq0nBSWDLljeztKqqR7VvRR+lNEVmjZgXB0bgehKwnCfqvH7pzttCpyTg9Og93Qura/p4LBranr4ff5nWp+UzSDWgF0b+t0Yv8A5SB7Fvzs95Tnyes5PFYrqffiZfCjX/ofVn4k56p0cPE19HbTfLiu4eFGv/Q+rPxJz1To4eI9HLTfLiu40tJ8oVfM0tMgjBFjzbcJP2s3DuIWJVZNaWT0Mh2dKWdm49bx+Woy6n6jT1jg+QOjgvcvIsXjbZgO2/0tnbsSFNy6jTKOWKVrFwptOe7d19xdjKZscWCMBrWswtA2AAWAVxJJYI8K5ynPOk8W3ifnnVL+e0v6+P8AfCoUv09h9Hyj/aVP8X9D9HroHzU1dJ6OiqI3RTND2OGYPsIO4jcQsSipLBktGtOjNVKbwaKR1y1NloH42Fz4SRhkHjNN8mvtsPB2w9WxU6lNx6j3WTcq072OZPBT2rf1dxK9ROUTFhgrnAOyDJjkDwbJwP52/fxMlOtskcfKuQ8zGrbrRtju6u7gTDXHWBtFTOlyLz0Ym8XEZdw2ns61NUnmrE42TrKV3XVPZrfV+aCk9XdEyaQqwwkkvcXyv3ht7uf252HWQqkYuTwPdXtzCxts5LVoS6diP0HSUzImNjjAaxjQ1o4ACwCupJLBHzqc5Tk5yeLekidRyZ0D3OdaRuIk2a+zRc3sBbIdSi5iJ14ZevIxUcVo6DH4LqD9L6f/ANU5iJt6Q3m9cDja28m0MdM+Sk5wyR9Itc7FiaAcQAt428dlt60nRSWKLuT8vVZ11CvhmvRqwwezsI1ybazfJKjBIbQzEB19jXbGv7Nx6jfctKU819DOnlvJ/lNHPgvWj81tXd4nU165PpI3umo2F8RN3RtHSYd+Fo2s6hmOxZqUmnitRVyVluE4qlcPCS1N7evp+vWR3Q2uddSDBHLdjcgyQYgOoX6Q7AbLSNSS0JnSuck2ly8+UdL2rRj9jq+FGv8A0Pqz8S256p0cPEqejtpvlxXcPCjX/ofVn4k56p0cPEejlpvlxXcZqPlH0lK9scbYXPe4NaBGcyT9ZOdqdHDxI6uQbKlBzm5JLTrXcSLlZik/k+DnCHPbMznHNFm35uQEgbhc2CkrY5qxObyflDyyeboTi8MetfYrzVvWmoocfMYPwmHFibi2XtbMcSoYzlHUelvsm0bzN5zHRue87fhRr/0Pqz8S256p0cPEoejlpvlxXcPCjX/ofVn4k56p0cPEejlpvlxXcPCjX/ofVn4k56p0cPEejlpvlxXcTfVCoqdJU0prms5mQFjGtbhLuL73Ow5DrB4KWm5TTztRwco06NhXirZvOjpbbxw6NXErnWrU2poXlwDnwg3bK3dwx28Vw47OHVBOm469R6awyrQu45ssFLant6t66NZloOUXSETcPONkA2GRocfSFie03WVVnsZpWyDZ1Hjg11P/AH8ja8KNf+h9WfiWeeqdHDxIvR203y4ruHhRr/0Pqz8Sc9U6OHiPRy03y4ruOzqlrnpKtqWRDmg3xpHCM9Fg2nxtpyA6yFtCpUlLDRwKOUclWVpQdRuWOpLFaXw4lpK0eTPpDJ8yMDgQ4Ag7QRceZDKbTxRyn6r0JNzSwX/VM+5ac1DcuBaV/dLQqkv5M8+atB5JB6pv3LHNQ91cDPnC6+LL+THzVoPJIPVN+5Oah7q4DzhdfFl/JmWm1epIzijpoWu3ERtB7ja6yqcVqSNJ3lxNYSqSa62dNblY8IugOVDqzRMcHNpYGuaQWkRtBBBuCDbatFTgtKSLUr65knGVSTT6WdZblUIDHPA17S17Q5rhZzXC4I4EHaEax1m0ZOLUovBo5fzVoPJIPVN+5R81D3VwLXnC6+LL+TM9RoKlkaxskET2xizA5gIaMsmgjIZDZwC2cIvQ0Rwuq8G5Rm03rwb09Zk0foinguYIY4sVsWBgbe2y9h1pGEY6ka1birWw5yTeG94m6tiEIAgCA4/zVofJIPVN+5R81DcuBc84XXxZfyZ1o2BoAAsALAcANgUhUbxeLNKt0LTTG80EUh4vja4+ci61cIvWialdVqSwpza6m0a3zVoPJIPVN+5a81D3VwJfOF18WX8mPmrQeSQeqb9yc1D3VwHnC6+LL+TM1JoCkieHxU8LHi9nNjaCLixsQOBWVTinikjSpeXFSObOcmtzbN2op2SNLJGh7XCxa4AgjgQcitmk9DIIzlCSlF4NbjmfNWg8kg9U37lpzUPdXAtecLr4sv5MfNWg8kg9U37k5qHurgPOF18WX8mPmrQeSQeqb9yc1D3VwHnC6+LL+THzVoPJIPVN+5Oah7q4DzhdfFl/JnUp4GsaGMaGtaAGtAsABsAA2BbpYairKTk3KTxbPshZNTmT6uUbyXPpoHOO0mJtz2m2a0dOD1pFqN7cwWEakkutmP5q0HkkHqm/csc1D3VwNvOF18WX8mPmrQeSQeqb9yc1D3VwHnC6+LL+TNvR+iYIMXMRRxYrYsDA29r2vYZ7T51tGEY6kQ1birWw5yTeG9tm6tiE/9k="/>
+          <p:cNvSpPr>
+            <a:spLocks noChangeAspect="1" noChangeArrowheads="1"/>
+          </p:cNvSpPr>
+          <p:nvPr/>
+        </p:nvSpPr>
+        <p:spPr bwMode="auto">
+          <a:xfrm>
+            <a:off x="320675" y="7938"/>
+            <a:ext cx="304800" cy="304801"/>
+          </a:xfrm>
+          <a:prstGeom prst="rect">
+            <a:avLst/>
+          </a:prstGeom>
+          <a:noFill/>
+          <a:extLst>
+            <a:ext uri="{909E8E84-426E-40DD-AFC4-6F175D3DCCD1}">
+              <a14:hiddenFill xmlns:a14="http://schemas.microsoft.com/office/drawing/2010/main">
+                <a:solidFill>
+                  <a:srgbClr val="FFFFFF"/>
+                </a:solidFill>
+              </a14:hiddenFill>
+            </a:ext>
+          </a:extLst>
+        </p:spPr>
+        <p:txBody>
+          <a:bodyPr vert="horz" wrap="square" lIns="91440" tIns="45720" rIns="91440" bIns="45720" numCol="1" anchor="t" anchorCtr="0" compatLnSpc="1">
+            <a:prstTxWarp prst="textNoShape">
+              <a:avLst/>
+            </a:prstTxWarp>
+          </a:bodyPr>
+          <a:lstStyle/>
+          <a:p>
+            <a:endParaRPr lang="ko-KR" altLang="en-US" b="1"/>
+          </a:p>
+        </p:txBody>
+      </p:sp>
+      <p:sp>
+        <p:nvSpPr>
+          <p:cNvPr id="9" name="AutoShape 8" descr="data:image/jpeg;base64,/9j/4AAQSkZJRgABAQAAAQABAAD/2wCEAAkGBxISEhQUERQWFRUVFRgYFhgYFx4XGhwcHRQXGBoVGhkYHCggHhorIBUWITEhJikrMi8wFx80ODcsNygtLisBCgoKDg0OGxAQGy0mICQsLCw4NC8sLCw3Ly8sLCwsNCwsLywvMiw0LCwsLCwsLC0vLCwsLCwsLCwsLCwsLCwsLP/AABEIAK8BIQMBEQACEQEDEQH/xAAcAAEAAgMBAQEAAAAAAAAAAAAABgcDBAUBAgj/xABREAABAwICBQYJBgkLAwUAAAABAAIDBBESIQUGMUFRBxMiYXGBFzJUkZKTobHSFBZScoLRIzNCYmNzdLLBFTQ1Q0RTg6Kjs8PT8PEkVcLi4//EABsBAQACAwEBAAAAAAAAAAAAAAADBAECBQYH/8QAPxEAAgECAQcHCwMEAwADAAAAAAECAwQRBRIhMUFRkQYTYXGB0eEUFRYiMlJTobHB8EJikjM0cvEkNcIjRKL/2gAMAwEAAhEDEQA/ALxQBAEAQBAEAQBAEAQBAEAQHKj0lasfTu3wtlZxtjcx47iGH7R4LTP9bNLDoPmFWW/NfBNffgdVblcIAgCAIAgCAIAgCAIAgCAIAgCAIAgCAIAgCAIAgCAIAgCAIAgCAIAgCAIDwlAQahquf03I5mbIKd0ZO64c249Jzh9gqtF51d9CO3Up81kuKlrnPHsw/OJOlZOIEAQBAEAQBAEAQBAEAQBAEAQBAEAQBAEAQBAEAQBAEAQBAEAQBAEAQBAEBENedbW0rDFEQZ3DtEYI8d3XwHfs2169ZQWC1nXyXkyVzLPn7C+fQvu9nWffJ5oF1NAXyAiWaznA7WtF8LT+dmXHrceCzb082OL1sxle9VxWzYezHQvu+7oRLFOckIAgCAIAgCAIAgCAIAgCAIAgCAIAgCAIAgCAIAgCAIAgCAIAgCAIAgPCUBANb9ewzFFSEF4ydLta3iGbnO69g69gqVrjDRA9Dk3IzqYVa+iO7a+vcvn9TDqTqc4uFVWA3vjYx2bidvOyXzvvAPac8hihQ058zfKmVY5vk9vq1Nr6Lo3vb1a5VpzWmmpejI4ukNrRMGOQk7BYbL7r2urE6sYa9ZyLXJ9e50wWEd70JdvceUElXP0pGimjOxmT5j1uceizssTntCRc5aXoMVo29L1YPPe/Uuza+vR1M7jQpCmeoAgCAIAgCAIAgCAIAgCAIAgCAIAgCAIAgCAIAgCAIAgCAIAgCA8KArTlB1tLnOpoHWa3KZ42k74weA3nectxvSuK36Ynp8j5LWCuKq6l939uJ0dRdTREG1FS28pAMbCMoxuJH957t3Fb0KGb60tf0K2VcrOs3SpP1dr97w+utmHXTW+QSfJaK5kuGve3N2I5c3H+dnm7d23IxWrvHMhrN8mZLpuHlFz7OtLo3vo3Lb9evqhqiylHOS2kqHZuecw0naGk534uOZ6hkpKNFQ0vWUsoZTncvMhogtS7+7UvmSpTnLCAIAgCAIAgCAIAgCAIAgCAIAgCAIAgCAIAgCAIAgCAIAgCAIAgCA+Jr4TbbY27dyGVrKU1IouerYWyZ2cZHg7y0F2f2rHuXMoxzqixPcZVq81ZydPbgl1PwLj0pOY4ZXt2sje4doaSPculJ4Js8VSip1Ixe1pFQahSNFfAZDckvsT9MsdYnrNz3lc63a5xYntMsQl5HJQ1LDgn/oukLpHhz1AEAQBAEBjEzb2xC/C4QzgzIhgIAgCAIAgCAIAgCAIAgCAIAgCAIAgCAIAgCAIAgCAIDwoCstYKE6Or46toPMPkJdb8kuBEjT1HEXjrBHBUqkeaqKew9PZ1lfWUrV+2lo6cNXcWR0ZGbnNc3tBBHusVc1nmdMX0oozTWjH0k7ojcFhBjdvLb3Y8Hjl3EFcqcHCWB9AtLmF1QU9+hrp2r82Fsal6f+WU+J2UrDhkA2XtcPHURn1G43Lo0amfHHaeOylZeS1s1ey9K6vAkKlOeEAQBACgKV1dYP5WYbC/yubPvlXNp/1u1/c9veN+a2v2Q/8AJdS6R4g8ugF0AugPUB5dAe3QHl0AugF0B6gCAIAgCAIAgCAIAgCAIAgCAIAgCA1q+jZNG6ORocxwsQf+8j1rDSksGb06k6c1ODwaODq5FJRv+SSkvizNNIeG0wO4OAzHEXtssoqacPUerZ3F68nC5XPx0S/Uun3l0PbufWYOUnRjJKR0pHThs5ruouAc3sIN+0Ba3EE4Y7ibItxKncqC1S0P7PsOfyT0L2xzTOBDZS1rOsMxXcOq7yPsrW1i1FveWeUFeMqsaa1xTx7cNHy+ZPlaPPhAEAQHhQFMavf0rH+1ze+Zc2n/AFu1/c9tef8AWP8Awh/5LF1uir3iNtC5rL4uccbAjxcNiQbDxtgvsVyqqjwzDzOT52kXJ3Kb3fmj6kZm1J0i4YnVhLuHOy28+7zKB0KmvO+bOtHK9jHQqOj/ABj+fM1NVtY6qCqbTVL3PaZOacHnE5jibNcHnMgkjaTkbjr1pVZxnmSJcoWFvWtncUFg8MdGjFbdHQbnKXPUQzRvimlYyRhFmvIaHNPAHaQ4eiVtcuUWmmQ5ChQqwlCcE2njpWx/nzJlqtpH5RSwynxiwB31m9F3tBVqnLOimcS9ocxXnT3P5bPkQjlL01NHUsZDLIzDDicGOLblznWvbabM9qq3M2pJJneyFaUqlGU6kU9OGlY6l4kqroaxtDG2mdeoDYw5zyCTkA9135Xzvc32KxJTzPV1nGoztndOVZepi9C+Wojb9TtJy5y1nS4CWS3+UNHmCg5iq9cvqdZZUsKeiFHR1R++L+Zxm6YrtGT4Jnuka2xcxzzI1zD+UxzswcjbZmMwos+pSlhIuu1tMoUc+lFJ9Cwwe5paC0Kaj6YlbJIWuFwwuu3O5vb7XZkOC6HSeQlLRmtHQWTQIAgCAIAgCAIAgCAIAgCAIDW0jXxwRmSZ4Yxu0nzAdZ6gtoQlOWbFYs1nNQWdLUQw6/meZsFFG3E8kCSd2Buwm+EZnIcQepXvIebhn1X2Ioq/VSeZTXa9BJKTRtQbGeqc472xMbGz2hz/APMqkpw/THi8fD5F2MZbWdZjbC3vNz5yojc8kjDtovmDnxBuD50BzdOaL+UtEUhtDcOeAbF9jcMvubcAk7Ta2S0nDPWD1Fi2uHQlnx9rZ0dPXuNh1XBC0NL442tFgC5rQABsAvssFJGEnoiivOpi3KTMVJp2nmdhhkEpG3m7vA+s5oLR3lbypTivWWHXoNI1Iy1PEV+ho5r84ZD1NlfGB2CNwHebrEKkoasOCf1MyinrILrA+p0TNG+GWSWnkJHNyuL7EWuzEcxcZgjgb339Kgqd1FxkkpLatBzbidS1kpJ4xexliaPq2zRslZm2RjXt7HAEd+a5kouLcXsOnGSkk0ZytTJTGrv9Ks/a5vfMubT/AK3a/ue2vP8ArH/hD/yWtpzTkFIzHM61zZoAu5x4NH8dgV+c4wWLPJW1pVuZ5lNY/brIj4Q5JD/6aikkFznc/wDGxwB71X8qb9mJ2PMcIf1q0Y8Pu19CH1FW+XSDZJIzE99TAXRm929KIWNwDmADsG1V85yq4tYaUdlUo0snuEJZyUZad+t9P1LF5SaDnKJz98LhIOwXa/8Ayuce5XLiOMOo81kavzV3FbJerx1fPA5PJPX3ZNAT4rhI3scMLh52g/aUdpLQ4lzlDQwqRqrasO1eH0I/Wj5bpYtGbTOG/YiHS7jzb/SUT9et2/Q6FL/iZMx25uPbLV8mi1tIV8dPGZJnBjG7SfYANpPABXpSUVizyVGjOtNQprFshs3KPicRS0sktjvuO+zGuIHbZVndY+zHE7kcguKTr1Yx/Oloh2uelJamUPmgMDhFhDTfMYnHF0mt4kbNyr15ub0rA7eSranbxcac89N9H2bLl0Z+Ji/Vs/dC6UdR4ep7b62bKyaBAEAQBAEAQBAEAQBAEAQBAYaykZKwsla17Dta4XB7isxk4vFPSYlFSWDIrWcnFC++Fskf1X3HmfdXI5QrR24lOWT6EtOGHUajdQ2NOCKuqWkC5aH7BuNm2tsW3lzemUI8DHkeGhTlxM/zHm/9xqvSd8ax5ZH4cTbySXxJcTxuoT79Kvqz2SEe8lZd6tlOPAwrN/ElxPpnJzT/ANZNUSfWkH8GrXy+eyMV2GVZQ2tvtN6j1E0fHsga4/nkv9jjb2LSV7Xl+r7G8bSjH9P3O/S0rI2hsbWsaNjWgNHmCrNuTxZYSSWCMywZKy5TK41M8FFTjHI1xLgPpkWa2+6zS4ngCF1bCHNxlWnqOVlCTqyjRhrLA0NQiCCKEG/NxtZfjZoBPec1zak8+blvZ04RzYqK2G6tDYpfV7+lY/2ub3zLm0/63a/ue2vP+sf+EP8AybXKfK41pDibNhZhHUS4kjrJ/dHBbXPt6dxFkKOFo3HW2/klgWhSTwMha6NzGwhgLSCAwNtlnssryaS0ajyc41JVGpJ52PbiVHpOsZNpTnIjiY+qgwnjYwtJF912lc9yUq2K3o9lSpTpZNzJrBqEvniy5amEPY5js2uaWkdRFj710WsUeJjJxaktaKU0JXvoKl5dcuY2aIjiQDhPe5jO4rm05c1N9p7m7oq+to5u1xfVjr+r4Ej5KdGl0ktQ7PAObaTvc6znntsG+kVNax0uTObygrqMYUI9fYtC+5m5W5XXpm/kHnHH6wwAexzvOs3behGnJ2McaktuhdmnuRJNRHQihh5vCOgOc2Xx/l4uu91NQw5tYHKyoqnlc8/fo6tmHRgQHlL0hFNU3ieHhkWBxbmMQc8kA7DtGxVLmSlLQejyDQqUqLz1hi8VjuLY0Z+Ji/Vs/dC6EdR4+p7b62bKyaBAEAQBAEAQBAEAQBAEAQBAEBraQie+N7Y34HuY4Nfa+EkEB1uo5rMWk03pMSTaaRWNDHpbRpkww8817sTnWMuI2tiu0472A2jcuvN2txhpwa7PA5MPK7fHRnI2TylVLPxlIAesvZ7C0rXzdTeqf07zbzhUWum/zsPTypSbqQetP/TTzZH3/l4jzlLZTf52HyeUCvk/E0g6rMkk91k8goR9qf0Q8urv2af1MkFXp6ZzSGCMAg2cxjGnPYQ4l9uzNayhZQWGOP5wMxneyepIsCikl5sGdrGvt0gxxe3ZuJaD3WXNlm4+rqOmscNJytJTVk/QpWiBpydPKOl/hxbb9b8PZvUsFThpnp6F933Ec8+WiOjpMmreq8FGCWXfI7x5X5vdc3Oe4Xztv33KVridXXq3GtG3hS1a3tO4oCc166sZDG6SQ4WMBc4ngP49Sw2ksWb06cqklCKxbKj1EhdPpCOS3iukmf1YmuFr/WkHmK51BOVTHrZ7HK0lRsebx15seGHcWJrPqrDW4S4uZI0Wa9vC98LgciPdc22lXatFVNZ5uxyjVtG83SnsZHKbkwZcc5OXNvezWBpOd9pJ9ygVotrOnPlFNr1IJPe3j3HTqNQIDNFJE50Qi5uzGgEEsfiuScyTvPUpPJ45ya2FOOWa3NTpzWdnY6XsxWH+iXlWDkEP01qDFUTvm517DIQS0NBFw0NvnxsFXnbKUscTtWmWqlvSVLNTw6+s7+gNEMpIWwsJIbclx2uJNy427fYpYQUI4I5t1cyuKrqy2/I+dYdBxVkfNy3Fjdrm5OabWuL9uwpUpqawZtaXdS1qZ9P/AGukhw5Lxc3qDhO20YuR2l1vYq3ki3nafKKWGimsev8APqdKu5OqZ8bGRudHhxYnABzn4gPGJ4WyAyzW8raDWC0FWjl24hUc54Sx2akuol1NFgY1u3C0C/YLKyjjSeLbMqGAgCAIAgCAIAgCAIAgCAIAgCAICL6e10gpahkDgbkt5x9jhY05gm2bjsyHHuVqlaTqwc1/sq1runSmoS2nSg1ko3+LUwn/ABGg+YlROhVWuL4EqrU5apLibf8AKEH97H6bfvWmZLcyTORqVGstGzxqmEdXONJ8wN1vG3qy1RfAjlWpx1yXE80XrLSVLiyGZrnD8nNpPW0OAxDrCzUt6tNYyiYp16dR4RkmdZQkx7ZAEAQEV111alrBEI5cAa7pNdmy2fTsNrx/HcoK1J1MMGdTJl/C0cnKGOOp7erqZ0tW9XoqOMtjuXOsXvPjOI2dgGdh1neSVvTpqCwRWvL2pdTzp9i2L83nYUhUCAIAgCAIAgCAIAgCAIAgCAIAgCAIAgCAIAgCA+JZA0EuIAAuSTYAcSSmsEfGt8cjzHRxyVThtLAGxt63SPsLdl77lZ8llFY1Go9evgQK4jJ4Q09XedOjlqSQZY4mDg2RzyP9MBQyUNjfDxJVnbTU0/qvTVgBmacYFg9pwuA4X2EZ7CCpKNxUo+yyKtb06y9dEOq+Sw3/AAVQLcHsz9Jp/gr8cqe9HgznzyTH9MjQPJdU/wB7D/m+FSedIbmR+ap+8bVPyWSfl1DAPzYy72lwWksqLZH5m0ck75fIkGjOTmjiIc/HM4G4xus2/wBVtvbdVqmUKs1gtHUXKVhRpvHWyXsYAABsAsFRLp7dAasWkGOmfCD042se4fmvLw034/g3ZdnELZxaipbGYTWOBtrUyEAQBAEAQBAEAQBAEAQBAEAQBAEAQBAEAQBAEAQBAEBHdddX5K2ERxy4C12Ig+K/LIOtnkcxt7OFm1rqjPOaxK11QdaGangQvRugNMUJPycNcHG7mtc1zT12fhN+yyv1K9pX9vFfnQc+lb3Vv7GDR2Ga2aTj/H6Oc7iWYvcA/wB6g8lt5ezU4/iLXlNePtU+DMo5RLfjKKpbl9H4g3JY8gx1TjxM+W4a4S4DwnUw8aGoHa1nxp5uqbJIx5wgtcZcAOU+kOyKc9jWfGnm2rta/Owz5wp7nwPpvKREfFpal3Yxp9zljzfJa5x4mfLV7kuB9s11qH/itHVJ+tdg85YsO0gvaqL6mVdTeqm/oZo9KaWk8Wjih65ZsXsZmtXTto65t9S7zZVK8v0Jdb7jZj0ZXSZ1NYI27208YZ3c5Jd3mAWjqUV7EMet/ZYG6hUftS4GGDS9FS/gaUGeZxuWRHnZHu2YpJCbcLuc7ILLpVanrz0Lp0cF3BVKcXmx0v8ANZJqXHhHOWxWGLDsvvAJzI61V6idGVAEAQBAEAQBAEAQBAEAQBAEAQBAEAQBAEAQBAEAQBAEAQGCqhe7xHlhHUHA9oI9xCymlrRho5zo64eLJTvHXG+M+cSOHsUmNLc+K7jX1+gwOn0kP7PSu6xUPb7DCfet82h70uC7zXGpuXHwMXyzSQ/sdP3VJ/6Szm0Pff8AHxMOVT3Vx8Dx1bpQ7KWnb21Dj7owmZb+8+HiM6ruXHwMbjpl2wUTO+Rx9y2/4q958Eaf8h+6uLPh+h9KSePXsjHCKAe9xuEVW3Wqnj1sw6dZ654dS7zwaixvzqqioqep8hDe5rdnnWfLJL2IqPUh5LF+22+3uJBo3RUFO3DBGyMb8ItfrJ2nvVadSc3jJ4liEIwWEVgbq0NggCAIAgCAIAgCAIAgCAIAgCAIAgCAIAgCAIAgCAIAgCAIAgCAIAgCAIAgCAIAgCAIAgCAIAgCAIAgCAIAgCAIAgCAIAgCAICOaw660lGS2R5dIP6uMYnDtzs3vKjlUjHQdGzyVc3SzoLBb3oXj2EXfyuxX6NM8jrkAPmwlR8/0HWXJmphpqLgz58LrPJXesHwpz/QZ9GJ/EXDxHhdZ5K71g+FOf6B6MT+IuHiZqblbgJ/CU8jRxa5r/YbIq63Gk+TVZL1Zp8V3k00Jp6nq24qeQPttGxze1pzCmjNS1HDubOtbSzascPzYzovdYE8BdbFdLFlaDleZ5K71g+FVlcY7D0/oxP4i4eI8LrPJXesHwrPP9A9GJ/EXDxHhdZ5K71g+FOf6B6MT+IuHiPC6zyV3rB8Kc/0D0Yn8RcPE7ur3KJSVThG7FDI42aH2wk8A4ZX7bLeNaMtBQvMh3NvHPXrLo2dhMFKcYIAgIFrNylxU0zoYoueLDZ7seFoO9oyNyNh2ZqCdZJ4JHfscg1Likqk5ZqerRj27CTasawRV0POxXFjhe07Wu4G27YQVJCaksUcy9sqlpV5ufY96OutymEBqaS0jFTsMkz2sYN7j7ANpPUFhySWLJaNGpWnmU1iyEV3KxTNJEUUkgG82YD2XufOAoXXWxHdpcm7iSxnJL5+BqeF1nkrvWD4Vjn+gm9GJ/EXDxHhdZ5K71g+FOf6B6MT+IuHifcPKwHua1lI9znENaBILkk2AHRTn+g1nyblCLlKqsF0eJKda9Z/kMEcskWIveGFofaxLHOPSw5+LbYpJzzVjgcmwsPLKrpxlhgsccOlL7mHUzW9ukOdwxGPm8O12K+LF1D6PtSnUz9hJlLJjss3GWOOOzDUSdSHLCAIAgOTp7WOmo23nkDSfFaM3nsaN3WclpKcY6y3a2Ne6eFKOPTsXaQ2flchB6FPI4cXOa0+YXUXP9B24cmarXrTS7G+4xeF1nkrvWD4U5/oNvRifxFw8R4XWeSu9YPhTn+gejE/iLh4nS1e5RDWTshipXXdm5xkFmtG1x6P/kkDeto1s54YFW8yJ5LSdWdRcNb3aydKY4JC+UvWp1HE2OE2mlvY/QbsL+3cO87lDWqZqwWs7eRcnK6qOdT2Y/N7u8rLVTVWfSD3YThY0/hJXXOZzsPpO37e05i9eEHLUepyhlKlYwSaxb1JbvsixqfkqogOk+Zx44mjzANU6oR3nmp8o7pvQors8TL4LaDjN6Y+FZ5iJr6Q3n7eHiPBbQcZvTHwpzER6Q3n7eHiaOkuSenLTzEsjHbsdnt77AHvusOgtjJqPKSvF/8AyxTXRofcVy5tVoyq3xyxndm1zT+8w/8AdiFX9aL6T0ydvlC33xfFP7NfmgvPQGmW1lK2ZuWJpDm/RcBZzfP7LK7GWdHE8Dd2srWu6Utj4reUDoClbNUQRvvhkkY11sjYuANlQprHBdR9Du6sqVCdSOtJst/wW0HGb0x8Kt8xE8d6Q3n7eHiPBbQcZvTHwpzER6Q3n7eHieHktoOM3pj4U5iI9Ibz9vDxK6151TNBK0BxfFICWOO3K12utlfMZ77qCcMxnpclZSV7B4rCS196LS5NNMuqqJpkN3xOMbidpsAWk9eFwz4gqxRlnR07DyeWrSNvdNR1S0r86yVqU5JF+UHWT5FTHAfw0t2xDhxk7r+chR1Z5q0azqZJsPK6+EvZWl93aU5q9q9PXOlEWZjYXuJ3nPCy/wBJxB28CqkYOWhHtb2+pWajn7Xh2b+pG5qNrEaGpBfcRP6EwtsF8nW4tJ82Ib1mnPNeJBlWxV5Q9X2lpXd29xfrHggEG4OYI2EcVePnrTWhmKtqmxRvkkNmMaXOPUBcrDaSxZvTpyqTUI628CgNYNMz6SqQbOOJ2GGIZ4QTk0D6Ryuf4AWpSk5vE+h2dpRsKHUsW9/huX3JxoTkoZhBq5XYjtZHYAdRcQb91lLGh7zODc8pJ52FCKw3vu/2dfwW0HGb0x8K35iJU9Ibz9vDxHgtoOM3pj4U5iI9Ibz9vDxN7QmoVHSzNmjDy9t8ON2IAkWuBYZ7fOsxpRTxK91li5uKbpzawe5HI5aP5nF+0D/akWtfUusucmv7mX+L+qObyI/2r/C/5FihtLPKfXT7fsWkrB5UIAgOHrjp9tDTOlIBcejG073G9u4WJPYtKk81Yl7J9m7uuqa1a31FI6PoarSVSQCXyP6T3uOTR9Inc0bAB1AKmk5SPdVq1vk+hp0RWhJbfzayyKDkopWtHPSyvdvw2Y3uFifarCoLazzNXlJcSf8A8cUlx/OBt+C2g4zemPhWeYiQ+kN5+3h4jwW0HGb0x8KcxEz6Q3n7eHidvVvVWmocfMB132xFxxGw2AZCwzJ/8BbwpqOooXuUa93hzr1bjuLcolD8qNSX6RmB2RiNjezm2u973edUqrxmz3+QaajZRa2tv54fRFt6jULYaGma0WxRNe7rc8B5Ptt3BWqawijx+U60qt3Uk97XYtB3VuUAgCAICuOWigaYIZrdNsmC/wCa5pNvO0ecqvXWhM9LyarSVaVPY1j2r/ZrcjVSTFVx7mlrx2ua4H9wJQ2knKSmlUpz34rg/EgGqX89pf18f74Vel+nsPQ5R/tan+L+hf2kNOU0Dg2eaONxFwHuw3HEX2q9KcY62fPaNpWrLGnBvqWJrfO2g8qh9YFrzsN6JfNt38KXBnh1uoPKofTCc9T95Dzbd/ClwZVnKbrTFWSRsgzjixdO1sTnWvYHOwA277lQVZqT0HrMh5OqWsJTq6HLDRuSJxySaOdFRY3C3PSF4H5tmtB78JPYQpaCwjjvOFygrxqXeEf0rDt1/cmNVUNjY57yGtY0ucTsAAuSpW8FiziwhKclGKxb0H591l0xJpCrLwCcTgyFm8C9mt7STc9ZVKUnJ4n0WxtYWNvmvZpb/NiLq1O1fbRUzYsi89KV3F5GfcNg7FapwzI4Hhso3ru67qbNS6vzSyuOVfVrmZvlMQ/BzHp22Nk237HZntDuIUFaGa8VtPTcn7/nafMTfrR1dK8Pod7kl1m5yP5JKenGLxE72b2drd3V9Vb0J/pZz+UGT+bn5RBaJa+vf2/XrOpysVJZo94H9Y9jD2Xxf/BbV/YKmQKalepvYm/t9yH8jVA19TLK7MxRgN6i8kF3bZpH2io6Cxkztcpa0o0YU1+p6ez/AH8i4laPGBAEAQFf8tH8zi/aB/tSKCvqXWeh5Nf3Mv8AF/VHN5Ef7V/hf8ixQ2lnlPrp9v2LSVg8qEAQFUctdSecpo9wa9/eSB/A+dVq70pHreTNNZtSe3QiNao64uoGPbHCx7nuBc5xINgLBuW4ZnvKjhNw1I6mUclK9mpSm0ktX3O/4W5/J4/Sct+fluOf6M0viPgh4W5/J4/ScnPy3D0ZpfEfBDwtz+Tx+k5OfluHozS+I+CJhqLrLUV4e+SFkcTeiHAklztpAvuA29o61LSm560cXKthRs2oRm3J/JeJLVKcgpPld0aY63nbdGdjSD+cwBjh5gw/aVOssJY7z3PJ2up2vN7Yv5PT3k65MdPsqKRkRI52BoYW7y0ZMeOq1gesdYU1GWMcNx5/LdlKhcOf6ZPHt2omSmOMEAQBAVJyv6fZI5lLGQeadjkI2B1rBnaAXX7R1qrWli8Eev5O2coKVeW3Quredfkj0aWUk0zhbnnHD9VgIv5y7zLegtDZT5Q11O5jTX6V834YFaapfz2l/Xx/vhVqX6ew9PlH+1qf4v6F96waBhrIjFM242tcPGafpNPH3q9OCksGfPrS7q2tTnKb8esovWnVeahkwyDEw+JIB0Xfc7iPftVOcXF4M9/YZRpXkMY6Gta3eHSa+gNCvq5OajkiY/8AJEji3FxDbNNz1LCTbwRJeXkbWGfOLa6Fjh16SwtXeSvC4PrJGvAN+bjvhP1nEA26gO9TRoe8ebvOUblFxt44dL19i8SzGMAAAAAAsAMgBwCsnmG8XiyreVzWa5+RxHZZ0xHnbH7nH7PWq1af6Uer5PZP/wDszXRH7v7LtObqBoh8MMmkeZ57mgeZjxYSbZSSA4TmBcAb+lvstaccFn4aixli6jVqxss7Nx1vX1LZr29h1fC+PJP9b/8ANb+UdBV9GH8X/wDPiael+UyKphfDLRkse2x/DC43hw/B7QbEdi1lWUlg0TW/J+pQqKpCrpX7fHaQHR9a+CRksRs9jg5p6xuPUdhHAqFYrSj0VajCtTdOa0PQXFrFO3SeiHywjpAB+HaQ5hu9nbbFbjccVZm8+nijxNnB5PyioVNWrHoepkB5NNPtpKr8KcMUzcDidjTe7XHqvcdWK+5Q0pZsus9Fluylc2+MFjKOnr3r83F7NN1dPAnqAIAgK/5aP5nF+0D/AGpFBX1LrPQ8mv7mX+L+qObyI/2r/C/5FihtLPKfXT7fsWkrB5UIAgKz5aNGlzIJ2jJhcx/VisWnsuCO8KvXWpnp+TVdKc6L26V2Ee5N6DR9S58FXHeUnFETI9uIWzYA1wFxa/E3PBR0lFvCR0stVry3Sq0JerqehPDp0rbq/wBlh+DvRnk/+rL8an5mG48358vvifKPcPB1ozyf/Vl+NOZhuHny++J8o9w8HWjPJ/8AVl+NOZhu+pnz5ffE+Ue4kOjaCOnjbFC0MYwWa0dtzmcybkm54qSKSWCObWrTrTdSo8WzZWSM4+tWgI66AxPyO1j7XLXDYbbxuI3g7tq0nBSWDLljeztKqqR7VvRR+lNEVmjZgXB0bgehKwnCfqvH7pzttCpyTg9Og93Qura/p4LBranr4ff5nWp+UzSDWgF0b+t0Yv8A5SB7Fvzs95Tnyes5PFYrqffiZfCjX/ofVn4k56p0cPE19HbTfLiu4eFGv/Q+rPxJz1To4eI9HLTfLiu40tJ8oVfM0tMgjBFjzbcJP2s3DuIWJVZNaWT0Mh2dKWdm49bx+Woy6n6jT1jg+QOjgvcvIsXjbZgO2/0tnbsSFNy6jTKOWKVrFwptOe7d19xdjKZscWCMBrWswtA2AAWAVxJJYI8K5ynPOk8W3ifnnVL+e0v6+P8AfCoUv09h9Hyj/aVP8X9D9HroHzU1dJ6OiqI3RTND2OGYPsIO4jcQsSipLBktGtOjNVKbwaKR1y1NloH42Fz4SRhkHjNN8mvtsPB2w9WxU6lNx6j3WTcq072OZPBT2rf1dxK9ROUTFhgrnAOyDJjkDwbJwP52/fxMlOtskcfKuQ8zGrbrRtju6u7gTDXHWBtFTOlyLz0Ym8XEZdw2ns61NUnmrE42TrKV3XVPZrfV+aCk9XdEyaQqwwkkvcXyv3ht7uf252HWQqkYuTwPdXtzCxts5LVoS6diP0HSUzImNjjAaxjQ1o4ACwCupJLBHzqc5Tk5yeLekidRyZ0D3OdaRuIk2a+zRc3sBbIdSi5iJ14ZevIxUcVo6DH4LqD9L6f/ANU5iJt6Q3m9cDja28m0MdM+Sk5wyR9Itc7FiaAcQAt428dlt60nRSWKLuT8vVZ11CvhmvRqwwezsI1ybazfJKjBIbQzEB19jXbGv7Nx6jfctKU819DOnlvJ/lNHPgvWj81tXd4nU165PpI3umo2F8RN3RtHSYd+Fo2s6hmOxZqUmnitRVyVluE4qlcPCS1N7evp+vWR3Q2uddSDBHLdjcgyQYgOoX6Q7AbLSNSS0JnSuck2ly8+UdL2rRj9jq+FGv8A0Pqz8S256p0cPEqejtpvlxXcPCjX/ofVn4k56p0cPEejlpvlxXcZqPlH0lK9scbYXPe4NaBGcyT9ZOdqdHDxI6uQbKlBzm5JLTrXcSLlZik/k+DnCHPbMznHNFm35uQEgbhc2CkrY5qxObyflDyyeboTi8MetfYrzVvWmoocfMYPwmHFibi2XtbMcSoYzlHUelvsm0bzN5zHRue87fhRr/0Pqz8S256p0cPEoejlpvlxXcPCjX/ofVn4k56p0cPEejlpvlxXcPCjX/ofVn4k56p0cPEejlpvlxXcTfVCoqdJU0prms5mQFjGtbhLuL73Ow5DrB4KWm5TTztRwco06NhXirZvOjpbbxw6NXErnWrU2poXlwDnwg3bK3dwx28Vw47OHVBOm469R6awyrQu45ssFLant6t66NZloOUXSETcPONkA2GRocfSFie03WVVnsZpWyDZ1Hjg11P/AH8ja8KNf+h9WfiWeeqdHDxIvR203y4ruHhRr/0Pqz8Sc9U6OHiPRy03y4ruOzqlrnpKtqWRDmg3xpHCM9Fg2nxtpyA6yFtCpUlLDRwKOUclWVpQdRuWOpLFaXw4lpK0eTPpDJ8yMDgQ4Ag7QRceZDKbTxRyn6r0JNzSwX/VM+5ac1DcuBaV/dLQqkv5M8+atB5JB6pv3LHNQ91cDPnC6+LL+THzVoPJIPVN+5Oah7q4DzhdfFl/JmWm1epIzijpoWu3ERtB7ja6yqcVqSNJ3lxNYSqSa62dNblY8IugOVDqzRMcHNpYGuaQWkRtBBBuCDbatFTgtKSLUr65knGVSTT6WdZblUIDHPA17S17Q5rhZzXC4I4EHaEax1m0ZOLUovBo5fzVoPJIPVN+5R81D3VwLXnC6+LL+TM9RoKlkaxskET2xizA5gIaMsmgjIZDZwC2cIvQ0Rwuq8G5Rm03rwb09Zk0foinguYIY4sVsWBgbe2y9h1pGEY6ka1birWw5yTeG94m6tiEIAgCA4/zVofJIPVN+5R81DcuBc84XXxZfyZ1o2BoAAsALAcANgUhUbxeLNKt0LTTG80EUh4vja4+ci61cIvWialdVqSwpza6m0a3zVoPJIPVN+5a81D3VwJfOF18WX8mPmrQeSQeqb9yc1D3VwHnC6+LL+TM1JoCkieHxU8LHi9nNjaCLixsQOBWVTinikjSpeXFSObOcmtzbN2op2SNLJGh7XCxa4AgjgQcitmk9DIIzlCSlF4NbjmfNWg8kg9U37lpzUPdXAtecLr4sv5MfNWg8kg9U37k5qHurgPOF18WX8mPmrQeSQeqb9yc1D3VwHnC6+LL+THzVoPJIPVN+5Oah7q4DzhdfFl/JnUp4GsaGMaGtaAGtAsABsAA2BbpYairKTk3KTxbPshZNTmT6uUbyXPpoHOO0mJtz2m2a0dOD1pFqN7cwWEakkutmP5q0HkkHqm/csc1D3VwNvOF18WX8mPmrQeSQeqb9yc1D3VwHnC6+LL+TNvR+iYIMXMRRxYrYsDA29r2vYZ7T51tGEY6kQ1birWw5yTeG9tm6tiE/9k="/>
+          <p:cNvSpPr>
+            <a:spLocks noChangeAspect="1" noChangeArrowheads="1"/>
+          </p:cNvSpPr>
+          <p:nvPr/>
+        </p:nvSpPr>
+        <p:spPr bwMode="auto">
+          <a:xfrm>
+            <a:off x="473075" y="160338"/>
+            <a:ext cx="304800" cy="304801"/>
+          </a:xfrm>
+          <a:prstGeom prst="rect">
+            <a:avLst/>
+          </a:prstGeom>
+          <a:noFill/>
+          <a:extLst>
+            <a:ext uri="{909E8E84-426E-40DD-AFC4-6F175D3DCCD1}">
+              <a14:hiddenFill xmlns:a14="http://schemas.microsoft.com/office/drawing/2010/main">
+                <a:solidFill>
+                  <a:srgbClr val="FFFFFF"/>
+                </a:solidFill>
+              </a14:hiddenFill>
+            </a:ext>
+          </a:extLst>
+        </p:spPr>
+        <p:txBody>
+          <a:bodyPr vert="horz" wrap="square" lIns="91440" tIns="45720" rIns="91440" bIns="45720" numCol="1" anchor="t" anchorCtr="0" compatLnSpc="1">
+            <a:prstTxWarp prst="textNoShape">
+              <a:avLst/>
+            </a:prstTxWarp>
+          </a:bodyPr>
+          <a:lstStyle/>
+          <a:p>
+            <a:endParaRPr lang="ko-KR" altLang="en-US" b="1"/>
+          </a:p>
+        </p:txBody>
+      </p:sp>
+      <p:sp>
+        <p:nvSpPr>
+          <p:cNvPr id="10" name="AutoShape 10" descr="data:image/jpeg;base64,/9j/4AAQSkZJRgABAQAAAQABAAD/2wCEAAkGBxISEhQUERQWFRUVFRgYFhgYFx4XGhwcHRQXGBoVGhkYHCggHhorIBUWITEhJikrMi8wFx80ODcsNygtLisBCgoKDg0OGxAQGy0mICQsLCw4NC8sLCw3Ly8sLCwsNCwsLywvMiw0LCwsLCwsLC0vLCwsLCwsLCwsLCwsLCwsLP/AABEIAK8BIQMBEQACEQEDEQH/xAAcAAEAAgMBAQEAAAAAAAAAAAAABgcDBAUBAgj/xABREAABAwICBQYJBgkLAwUAAAABAAIDBBESIQUGMUFRBxMiYXGBFzJUkZKTobHSFBZScoLRIzNCYmNzdLLBFTQ1Q0RTg6Kjs8PT8PEkVcLi4//EABsBAQACAwEBAAAAAAAAAAAAAAADBAECBQYH/8QAPxEAAgECAQcHCwMEAwADAAAAAAECAwQRBRIhMUFRkQYTYXGB0eEUFRYiMlJTobHB8EJikjM0cvEkNcIjRKL/2gAMAwEAAhEDEQA/ALxQBAEAQBAEAQBAEAQBAEAQHKj0lasfTu3wtlZxtjcx47iGH7R4LTP9bNLDoPmFWW/NfBNffgdVblcIAgCAIAgCAIAgCAIAgCAIAgCAIAgCAIAgCAIAgCAIAgCAIAgCAIAgCAIDwlAQahquf03I5mbIKd0ZO64c249Jzh9gqtF51d9CO3Up81kuKlrnPHsw/OJOlZOIEAQBAEAQBAEAQBAEAQBAEAQBAEAQBAEAQBAEAQBAEAQBAEAQBAEAQBAEBENedbW0rDFEQZ3DtEYI8d3XwHfs2169ZQWC1nXyXkyVzLPn7C+fQvu9nWffJ5oF1NAXyAiWaznA7WtF8LT+dmXHrceCzb082OL1sxle9VxWzYezHQvu+7oRLFOckIAgCAIAgCAIAgCAIAgCAIAgCAIAgCAIAgCAIAgCAIAgCAIAgCAIAgPCUBANb9ewzFFSEF4ydLta3iGbnO69g69gqVrjDRA9Dk3IzqYVa+iO7a+vcvn9TDqTqc4uFVWA3vjYx2bidvOyXzvvAPac8hihQ058zfKmVY5vk9vq1Nr6Lo3vb1a5VpzWmmpejI4ukNrRMGOQk7BYbL7r2urE6sYa9ZyLXJ9e50wWEd70JdvceUElXP0pGimjOxmT5j1uceizssTntCRc5aXoMVo29L1YPPe/Uuza+vR1M7jQpCmeoAgCAIAgCAIAgCAIAgCAIAgCAIAgCAIAgCAIAgCAIAgCAIAgCA8KArTlB1tLnOpoHWa3KZ42k74weA3nectxvSuK36Ynp8j5LWCuKq6l939uJ0dRdTREG1FS28pAMbCMoxuJH957t3Fb0KGb60tf0K2VcrOs3SpP1dr97w+utmHXTW+QSfJaK5kuGve3N2I5c3H+dnm7d23IxWrvHMhrN8mZLpuHlFz7OtLo3vo3Lb9evqhqiylHOS2kqHZuecw0naGk534uOZ6hkpKNFQ0vWUsoZTncvMhogtS7+7UvmSpTnLCAIAgCAIAgCAIAgCAIAgCAIAgCAIAgCAIAgCAIAgCAIAgCAIAgCA+Jr4TbbY27dyGVrKU1IouerYWyZ2cZHg7y0F2f2rHuXMoxzqixPcZVq81ZydPbgl1PwLj0pOY4ZXt2sje4doaSPculJ4Js8VSip1Ixe1pFQahSNFfAZDckvsT9MsdYnrNz3lc63a5xYntMsQl5HJQ1LDgn/oukLpHhz1AEAQBAEBjEzb2xC/C4QzgzIhgIAgCAIAgCAIAgCAIAgCAIAgCAIAgCAIAgCAIAgCAIDwoCstYKE6Or46toPMPkJdb8kuBEjT1HEXjrBHBUqkeaqKew9PZ1lfWUrV+2lo6cNXcWR0ZGbnNc3tBBHusVc1nmdMX0oozTWjH0k7ojcFhBjdvLb3Y8Hjl3EFcqcHCWB9AtLmF1QU9+hrp2r82Fsal6f+WU+J2UrDhkA2XtcPHURn1G43Lo0amfHHaeOylZeS1s1ey9K6vAkKlOeEAQBACgKV1dYP5WYbC/yubPvlXNp/1u1/c9veN+a2v2Q/8AJdS6R4g8ugF0AugPUB5dAe3QHl0AugF0B6gCAIAgCAIAgCAIAgCAIAgCAIAgCA1q+jZNG6ORocxwsQf+8j1rDSksGb06k6c1ODwaODq5FJRv+SSkvizNNIeG0wO4OAzHEXtssoqacPUerZ3F68nC5XPx0S/Uun3l0PbufWYOUnRjJKR0pHThs5ruouAc3sIN+0Ba3EE4Y7ibItxKncqC1S0P7PsOfyT0L2xzTOBDZS1rOsMxXcOq7yPsrW1i1FveWeUFeMqsaa1xTx7cNHy+ZPlaPPhAEAQHhQFMavf0rH+1ze+Zc2n/AFu1/c9tef8AWP8Awh/5LF1uir3iNtC5rL4uccbAjxcNiQbDxtgvsVyqqjwzDzOT52kXJ3Kb3fmj6kZm1J0i4YnVhLuHOy28+7zKB0KmvO+bOtHK9jHQqOj/ABj+fM1NVtY6qCqbTVL3PaZOacHnE5jibNcHnMgkjaTkbjr1pVZxnmSJcoWFvWtncUFg8MdGjFbdHQbnKXPUQzRvimlYyRhFmvIaHNPAHaQ4eiVtcuUWmmQ5ChQqwlCcE2njpWx/nzJlqtpH5RSwynxiwB31m9F3tBVqnLOimcS9ocxXnT3P5bPkQjlL01NHUsZDLIzDDicGOLblznWvbabM9qq3M2pJJneyFaUqlGU6kU9OGlY6l4kqroaxtDG2mdeoDYw5zyCTkA9135Xzvc32KxJTzPV1nGoztndOVZepi9C+Wojb9TtJy5y1nS4CWS3+UNHmCg5iq9cvqdZZUsKeiFHR1R++L+Zxm6YrtGT4Jnuka2xcxzzI1zD+UxzswcjbZmMwos+pSlhIuu1tMoUc+lFJ9Cwwe5paC0Kaj6YlbJIWuFwwuu3O5vb7XZkOC6HSeQlLRmtHQWTQIAgCAIAgCAIAgCAIAgCAIDW0jXxwRmSZ4Yxu0nzAdZ6gtoQlOWbFYs1nNQWdLUQw6/meZsFFG3E8kCSd2Buwm+EZnIcQepXvIebhn1X2Ioq/VSeZTXa9BJKTRtQbGeqc472xMbGz2hz/APMqkpw/THi8fD5F2MZbWdZjbC3vNz5yojc8kjDtovmDnxBuD50BzdOaL+UtEUhtDcOeAbF9jcMvubcAk7Ta2S0nDPWD1Fi2uHQlnx9rZ0dPXuNh1XBC0NL442tFgC5rQABsAvssFJGEnoiivOpi3KTMVJp2nmdhhkEpG3m7vA+s5oLR3lbypTivWWHXoNI1Iy1PEV+ho5r84ZD1NlfGB2CNwHebrEKkoasOCf1MyinrILrA+p0TNG+GWSWnkJHNyuL7EWuzEcxcZgjgb339Kgqd1FxkkpLatBzbidS1kpJ4xexliaPq2zRslZm2RjXt7HAEd+a5kouLcXsOnGSkk0ZytTJTGrv9Ks/a5vfMubT/AK3a/ue2vP8ArH/hD/yWtpzTkFIzHM61zZoAu5x4NH8dgV+c4wWLPJW1pVuZ5lNY/brIj4Q5JD/6aikkFznc/wDGxwB71X8qb9mJ2PMcIf1q0Y8Pu19CH1FW+XSDZJIzE99TAXRm929KIWNwDmADsG1V85yq4tYaUdlUo0snuEJZyUZad+t9P1LF5SaDnKJz98LhIOwXa/8Ayuce5XLiOMOo81kavzV3FbJerx1fPA5PJPX3ZNAT4rhI3scMLh52g/aUdpLQ4lzlDQwqRqrasO1eH0I/Wj5bpYtGbTOG/YiHS7jzb/SUT9et2/Q6FL/iZMx25uPbLV8mi1tIV8dPGZJnBjG7SfYANpPABXpSUVizyVGjOtNQprFshs3KPicRS0sktjvuO+zGuIHbZVndY+zHE7kcguKTr1Yx/Oloh2uelJamUPmgMDhFhDTfMYnHF0mt4kbNyr15ub0rA7eSranbxcac89N9H2bLl0Z+Ji/Vs/dC6UdR4ep7b62bKyaBAEAQBAEAQBAEAQBAEAQBAYaykZKwsla17Dta4XB7isxk4vFPSYlFSWDIrWcnFC++Fskf1X3HmfdXI5QrR24lOWT6EtOGHUajdQ2NOCKuqWkC5aH7BuNm2tsW3lzemUI8DHkeGhTlxM/zHm/9xqvSd8ax5ZH4cTbySXxJcTxuoT79Kvqz2SEe8lZd6tlOPAwrN/ElxPpnJzT/ANZNUSfWkH8GrXy+eyMV2GVZQ2tvtN6j1E0fHsga4/nkv9jjb2LSV7Xl+r7G8bSjH9P3O/S0rI2hsbWsaNjWgNHmCrNuTxZYSSWCMywZKy5TK41M8FFTjHI1xLgPpkWa2+6zS4ngCF1bCHNxlWnqOVlCTqyjRhrLA0NQiCCKEG/NxtZfjZoBPec1zak8+blvZ04RzYqK2G6tDYpfV7+lY/2ub3zLm0/63a/ue2vP+sf+EP8AybXKfK41pDibNhZhHUS4kjrJ/dHBbXPt6dxFkKOFo3HW2/klgWhSTwMha6NzGwhgLSCAwNtlnssryaS0ajyc41JVGpJ52PbiVHpOsZNpTnIjiY+qgwnjYwtJF912lc9yUq2K3o9lSpTpZNzJrBqEvniy5amEPY5js2uaWkdRFj710WsUeJjJxaktaKU0JXvoKl5dcuY2aIjiQDhPe5jO4rm05c1N9p7m7oq+to5u1xfVjr+r4Ej5KdGl0ktQ7PAObaTvc6znntsG+kVNax0uTObygrqMYUI9fYtC+5m5W5XXpm/kHnHH6wwAexzvOs3behGnJ2McaktuhdmnuRJNRHQihh5vCOgOc2Xx/l4uu91NQw5tYHKyoqnlc8/fo6tmHRgQHlL0hFNU3ieHhkWBxbmMQc8kA7DtGxVLmSlLQejyDQqUqLz1hi8VjuLY0Z+Ji/Vs/dC6EdR4+p7b62bKyaBAEAQBAEAQBAEAQBAEAQBAEBraQie+N7Y34HuY4Nfa+EkEB1uo5rMWk03pMSTaaRWNDHpbRpkww8817sTnWMuI2tiu0472A2jcuvN2txhpwa7PA5MPK7fHRnI2TylVLPxlIAesvZ7C0rXzdTeqf07zbzhUWum/zsPTypSbqQetP/TTzZH3/l4jzlLZTf52HyeUCvk/E0g6rMkk91k8goR9qf0Q8urv2af1MkFXp6ZzSGCMAg2cxjGnPYQ4l9uzNayhZQWGOP5wMxneyepIsCikl5sGdrGvt0gxxe3ZuJaD3WXNlm4+rqOmscNJytJTVk/QpWiBpydPKOl/hxbb9b8PZvUsFThpnp6F933Ec8+WiOjpMmreq8FGCWXfI7x5X5vdc3Oe4Xztv33KVridXXq3GtG3hS1a3tO4oCc166sZDG6SQ4WMBc4ngP49Sw2ksWb06cqklCKxbKj1EhdPpCOS3iukmf1YmuFr/WkHmK51BOVTHrZ7HK0lRsebx15seGHcWJrPqrDW4S4uZI0Wa9vC98LgciPdc22lXatFVNZ5uxyjVtG83SnsZHKbkwZcc5OXNvezWBpOd9pJ9ygVotrOnPlFNr1IJPe3j3HTqNQIDNFJE50Qi5uzGgEEsfiuScyTvPUpPJ45ya2FOOWa3NTpzWdnY6XsxWH+iXlWDkEP01qDFUTvm517DIQS0NBFw0NvnxsFXnbKUscTtWmWqlvSVLNTw6+s7+gNEMpIWwsJIbclx2uJNy427fYpYQUI4I5t1cyuKrqy2/I+dYdBxVkfNy3Fjdrm5OabWuL9uwpUpqawZtaXdS1qZ9P/AGukhw5Lxc3qDhO20YuR2l1vYq3ki3nafKKWGimsev8APqdKu5OqZ8bGRudHhxYnABzn4gPGJ4WyAyzW8raDWC0FWjl24hUc54Sx2akuol1NFgY1u3C0C/YLKyjjSeLbMqGAgCAIAgCAIAgCAIAgCAIAgCAICL6e10gpahkDgbkt5x9jhY05gm2bjsyHHuVqlaTqwc1/sq1runSmoS2nSg1ko3+LUwn/ABGg+YlROhVWuL4EqrU5apLibf8AKEH97H6bfvWmZLcyTORqVGstGzxqmEdXONJ8wN1vG3qy1RfAjlWpx1yXE80XrLSVLiyGZrnD8nNpPW0OAxDrCzUt6tNYyiYp16dR4RkmdZQkx7ZAEAQEV111alrBEI5cAa7pNdmy2fTsNrx/HcoK1J1MMGdTJl/C0cnKGOOp7erqZ0tW9XoqOMtjuXOsXvPjOI2dgGdh1neSVvTpqCwRWvL2pdTzp9i2L83nYUhUCAIAgCAIAgCAIAgCAIAgCAIAgCAIAgCAIAgCA+JZA0EuIAAuSTYAcSSmsEfGt8cjzHRxyVThtLAGxt63SPsLdl77lZ8llFY1Go9evgQK4jJ4Q09XedOjlqSQZY4mDg2RzyP9MBQyUNjfDxJVnbTU0/qvTVgBmacYFg9pwuA4X2EZ7CCpKNxUo+yyKtb06y9dEOq+Sw3/AAVQLcHsz9Jp/gr8cqe9HgznzyTH9MjQPJdU/wB7D/m+FSedIbmR+ap+8bVPyWSfl1DAPzYy72lwWksqLZH5m0ck75fIkGjOTmjiIc/HM4G4xus2/wBVtvbdVqmUKs1gtHUXKVhRpvHWyXsYAABsAsFRLp7dAasWkGOmfCD042se4fmvLw034/g3ZdnELZxaipbGYTWOBtrUyEAQBAEAQBAEAQBAEAQBAEAQBAEAQBAEAQBAEAQBAEBHdddX5K2ERxy4C12Ig+K/LIOtnkcxt7OFm1rqjPOaxK11QdaGangQvRugNMUJPycNcHG7mtc1zT12fhN+yyv1K9pX9vFfnQc+lb3Vv7GDR2Ga2aTj/H6Oc7iWYvcA/wB6g8lt5ezU4/iLXlNePtU+DMo5RLfjKKpbl9H4g3JY8gx1TjxM+W4a4S4DwnUw8aGoHa1nxp5uqbJIx5wgtcZcAOU+kOyKc9jWfGnm2rta/Owz5wp7nwPpvKREfFpal3Yxp9zljzfJa5x4mfLV7kuB9s11qH/itHVJ+tdg85YsO0gvaqL6mVdTeqm/oZo9KaWk8Wjih65ZsXsZmtXTto65t9S7zZVK8v0Jdb7jZj0ZXSZ1NYI27208YZ3c5Jd3mAWjqUV7EMet/ZYG6hUftS4GGDS9FS/gaUGeZxuWRHnZHu2YpJCbcLuc7ILLpVanrz0Lp0cF3BVKcXmx0v8ANZJqXHhHOWxWGLDsvvAJzI61V6idGVAEAQBAEAQBAEAQBAEAQBAEAQBAEAQBAEAQBAEAQBAEAQGCqhe7xHlhHUHA9oI9xCymlrRho5zo64eLJTvHXG+M+cSOHsUmNLc+K7jX1+gwOn0kP7PSu6xUPb7DCfet82h70uC7zXGpuXHwMXyzSQ/sdP3VJ/6Szm0Pff8AHxMOVT3Vx8Dx1bpQ7KWnb21Dj7owmZb+8+HiM6ruXHwMbjpl2wUTO+Rx9y2/4q958Eaf8h+6uLPh+h9KSePXsjHCKAe9xuEVW3Wqnj1sw6dZ654dS7zwaixvzqqioqep8hDe5rdnnWfLJL2IqPUh5LF+22+3uJBo3RUFO3DBGyMb8ItfrJ2nvVadSc3jJ4liEIwWEVgbq0NggCAIAgCAIAgCAIAgCAIAgCAIAgCAIAgCAIAgCAIAgCAIAgCAIAgCAIAgCAIAgCAIAgCAIAgCAIAgCAIAgCAIAgCAIAgCAICOaw660lGS2R5dIP6uMYnDtzs3vKjlUjHQdGzyVc3SzoLBb3oXj2EXfyuxX6NM8jrkAPmwlR8/0HWXJmphpqLgz58LrPJXesHwpz/QZ9GJ/EXDxHhdZ5K71g+FOf6B6MT+IuHiZqblbgJ/CU8jRxa5r/YbIq63Gk+TVZL1Zp8V3k00Jp6nq24qeQPttGxze1pzCmjNS1HDubOtbSzascPzYzovdYE8BdbFdLFlaDleZ5K71g+FVlcY7D0/oxP4i4eI8LrPJXesHwrPP9A9GJ/EXDxHhdZ5K71g+FOf6B6MT+IuHiPC6zyV3rB8Kc/0D0Yn8RcPE7ur3KJSVThG7FDI42aH2wk8A4ZX7bLeNaMtBQvMh3NvHPXrLo2dhMFKcYIAgIFrNylxU0zoYoueLDZ7seFoO9oyNyNh2ZqCdZJ4JHfscg1Likqk5ZqerRj27CTasawRV0POxXFjhe07Wu4G27YQVJCaksUcy9sqlpV5ufY96OutymEBqaS0jFTsMkz2sYN7j7ANpPUFhySWLJaNGpWnmU1iyEV3KxTNJEUUkgG82YD2XufOAoXXWxHdpcm7iSxnJL5+BqeF1nkrvWD4Vjn+gm9GJ/EXDxHhdZ5K71g+FOf6B6MT+IuHifcPKwHua1lI9znENaBILkk2AHRTn+g1nyblCLlKqsF0eJKda9Z/kMEcskWIveGFofaxLHOPSw5+LbYpJzzVjgcmwsPLKrpxlhgsccOlL7mHUzW9ukOdwxGPm8O12K+LF1D6PtSnUz9hJlLJjss3GWOOOzDUSdSHLCAIAgOTp7WOmo23nkDSfFaM3nsaN3WclpKcY6y3a2Ne6eFKOPTsXaQ2flchB6FPI4cXOa0+YXUXP9B24cmarXrTS7G+4xeF1nkrvWD4U5/oNvRifxFw8R4XWeSu9YPhTn+gejE/iLh4nS1e5RDWTshipXXdm5xkFmtG1x6P/kkDeto1s54YFW8yJ5LSdWdRcNb3aydKY4JC+UvWp1HE2OE2mlvY/QbsL+3cO87lDWqZqwWs7eRcnK6qOdT2Y/N7u8rLVTVWfSD3YThY0/hJXXOZzsPpO37e05i9eEHLUepyhlKlYwSaxb1JbvsixqfkqogOk+Zx44mjzANU6oR3nmp8o7pvQors8TL4LaDjN6Y+FZ5iJr6Q3n7eHiPBbQcZvTHwpzER6Q3n7eHiaOkuSenLTzEsjHbsdnt77AHvusOgtjJqPKSvF/8AyxTXRofcVy5tVoyq3xyxndm1zT+8w/8AdiFX9aL6T0ydvlC33xfFP7NfmgvPQGmW1lK2ZuWJpDm/RcBZzfP7LK7GWdHE8Dd2srWu6Utj4reUDoClbNUQRvvhkkY11sjYuANlQprHBdR9Du6sqVCdSOtJst/wW0HGb0x8Kt8xE8d6Q3n7eHiPBbQcZvTHwpzER6Q3n7eHieHktoOM3pj4U5iI9Ibz9vDxK6151TNBK0BxfFICWOO3K12utlfMZ77qCcMxnpclZSV7B4rCS196LS5NNMuqqJpkN3xOMbidpsAWk9eFwz4gqxRlnR07DyeWrSNvdNR1S0r86yVqU5JF+UHWT5FTHAfw0t2xDhxk7r+chR1Z5q0azqZJsPK6+EvZWl93aU5q9q9PXOlEWZjYXuJ3nPCy/wBJxB28CqkYOWhHtb2+pWajn7Xh2b+pG5qNrEaGpBfcRP6EwtsF8nW4tJ82Ib1mnPNeJBlWxV5Q9X2lpXd29xfrHggEG4OYI2EcVePnrTWhmKtqmxRvkkNmMaXOPUBcrDaSxZvTpyqTUI628CgNYNMz6SqQbOOJ2GGIZ4QTk0D6Ryuf4AWpSk5vE+h2dpRsKHUsW9/huX3JxoTkoZhBq5XYjtZHYAdRcQb91lLGh7zODc8pJ52FCKw3vu/2dfwW0HGb0x8K35iJU9Ibz9vDxHgtoOM3pj4U5iI9Ibz9vDxN7QmoVHSzNmjDy9t8ON2IAkWuBYZ7fOsxpRTxK91li5uKbpzawe5HI5aP5nF+0D/akWtfUusucmv7mX+L+qObyI/2r/C/5FihtLPKfXT7fsWkrB5UIAgOHrjp9tDTOlIBcejG073G9u4WJPYtKk81Yl7J9m7uuqa1a31FI6PoarSVSQCXyP6T3uOTR9Inc0bAB1AKmk5SPdVq1vk+hp0RWhJbfzayyKDkopWtHPSyvdvw2Y3uFifarCoLazzNXlJcSf8A8cUlx/OBt+C2g4zemPhWeYiQ+kN5+3h4jwW0HGb0x8KcxEz6Q3n7eHidvVvVWmocfMB132xFxxGw2AZCwzJ/8BbwpqOooXuUa93hzr1bjuLcolD8qNSX6RmB2RiNjezm2u973edUqrxmz3+QaajZRa2tv54fRFt6jULYaGma0WxRNe7rc8B5Ptt3BWqawijx+U60qt3Uk97XYtB3VuUAgCAICuOWigaYIZrdNsmC/wCa5pNvO0ecqvXWhM9LyarSVaVPY1j2r/ZrcjVSTFVx7mlrx2ua4H9wJQ2knKSmlUpz34rg/EgGqX89pf18f74Vel+nsPQ5R/tan+L+hf2kNOU0Dg2eaONxFwHuw3HEX2q9KcY62fPaNpWrLGnBvqWJrfO2g8qh9YFrzsN6JfNt38KXBnh1uoPKofTCc9T95Dzbd/ClwZVnKbrTFWSRsgzjixdO1sTnWvYHOwA277lQVZqT0HrMh5OqWsJTq6HLDRuSJxySaOdFRY3C3PSF4H5tmtB78JPYQpaCwjjvOFygrxqXeEf0rDt1/cmNVUNjY57yGtY0ucTsAAuSpW8FiziwhKclGKxb0H591l0xJpCrLwCcTgyFm8C9mt7STc9ZVKUnJ4n0WxtYWNvmvZpb/NiLq1O1fbRUzYsi89KV3F5GfcNg7FapwzI4Hhso3ru67qbNS6vzSyuOVfVrmZvlMQ/BzHp22Nk237HZntDuIUFaGa8VtPTcn7/nafMTfrR1dK8Pod7kl1m5yP5JKenGLxE72b2drd3V9Vb0J/pZz+UGT+bn5RBaJa+vf2/XrOpysVJZo94H9Y9jD2Xxf/BbV/YKmQKalepvYm/t9yH8jVA19TLK7MxRgN6i8kF3bZpH2io6Cxkztcpa0o0YU1+p6ez/AH8i4laPGBAEAQFf8tH8zi/aB/tSKCvqXWeh5Nf3Mv8AF/VHN5Ef7V/hf8ixQ2lnlPrp9v2LSVg8qEAQFUctdSecpo9wa9/eSB/A+dVq70pHreTNNZtSe3QiNao64uoGPbHCx7nuBc5xINgLBuW4ZnvKjhNw1I6mUclK9mpSm0ktX3O/4W5/J4/Sct+fluOf6M0viPgh4W5/J4/ScnPy3D0ZpfEfBDwtz+Tx+k5OfluHozS+I+CJhqLrLUV4e+SFkcTeiHAklztpAvuA29o61LSm560cXKthRs2oRm3J/JeJLVKcgpPld0aY63nbdGdjSD+cwBjh5gw/aVOssJY7z3PJ2up2vN7Yv5PT3k65MdPsqKRkRI52BoYW7y0ZMeOq1gesdYU1GWMcNx5/LdlKhcOf6ZPHt2omSmOMEAQBAVJyv6fZI5lLGQeadjkI2B1rBnaAXX7R1qrWli8Eev5O2coKVeW3Quredfkj0aWUk0zhbnnHD9VgIv5y7zLegtDZT5Q11O5jTX6V834YFaapfz2l/Xx/vhVqX6ew9PlH+1qf4v6F96waBhrIjFM242tcPGafpNPH3q9OCksGfPrS7q2tTnKb8esovWnVeahkwyDEw+JIB0Xfc7iPftVOcXF4M9/YZRpXkMY6Gta3eHSa+gNCvq5OajkiY/8AJEji3FxDbNNz1LCTbwRJeXkbWGfOLa6Fjh16SwtXeSvC4PrJGvAN+bjvhP1nEA26gO9TRoe8ebvOUblFxt44dL19i8SzGMAAAAAAsAMgBwCsnmG8XiyreVzWa5+RxHZZ0xHnbH7nH7PWq1af6Uer5PZP/wDszXRH7v7LtObqBoh8MMmkeZ57mgeZjxYSbZSSA4TmBcAb+lvstaccFn4aixli6jVqxss7Nx1vX1LZr29h1fC+PJP9b/8ANb+UdBV9GH8X/wDPiael+UyKphfDLRkse2x/DC43hw/B7QbEdi1lWUlg0TW/J+pQqKpCrpX7fHaQHR9a+CRksRs9jg5p6xuPUdhHAqFYrSj0VajCtTdOa0PQXFrFO3SeiHywjpAB+HaQ5hu9nbbFbjccVZm8+nijxNnB5PyioVNWrHoepkB5NNPtpKr8KcMUzcDidjTe7XHqvcdWK+5Q0pZsus9Fluylc2+MFjKOnr3r83F7NN1dPAnqAIAgK/5aP5nF+0D/AGpFBX1LrPQ8mv7mX+L+qObyI/2r/C/5FihtLPKfXT7fsWkrB5UIAgKz5aNGlzIJ2jJhcx/VisWnsuCO8KvXWpnp+TVdKc6L26V2Ee5N6DR9S58FXHeUnFETI9uIWzYA1wFxa/E3PBR0lFvCR0stVry3Sq0JerqehPDp0rbq/wBlh+DvRnk/+rL8an5mG48358vvifKPcPB1ozyf/Vl+NOZhuHny++J8o9w8HWjPJ/8AVl+NOZhu+pnz5ffE+Ue4kOjaCOnjbFC0MYwWa0dtzmcybkm54qSKSWCObWrTrTdSo8WzZWSM4+tWgI66AxPyO1j7XLXDYbbxuI3g7tq0nBSWDLljeztKqqR7VvRR+lNEVmjZgXB0bgehKwnCfqvH7pzttCpyTg9Og93Qura/p4LBranr4ff5nWp+UzSDWgF0b+t0Yv8A5SB7Fvzs95Tnyes5PFYrqffiZfCjX/ofVn4k56p0cPE19HbTfLiu4eFGv/Q+rPxJz1To4eI9HLTfLiu40tJ8oVfM0tMgjBFjzbcJP2s3DuIWJVZNaWT0Mh2dKWdm49bx+Woy6n6jT1jg+QOjgvcvIsXjbZgO2/0tnbsSFNy6jTKOWKVrFwptOe7d19xdjKZscWCMBrWswtA2AAWAVxJJYI8K5ynPOk8W3ifnnVL+e0v6+P8AfCoUv09h9Hyj/aVP8X9D9HroHzU1dJ6OiqI3RTND2OGYPsIO4jcQsSipLBktGtOjNVKbwaKR1y1NloH42Fz4SRhkHjNN8mvtsPB2w9WxU6lNx6j3WTcq072OZPBT2rf1dxK9ROUTFhgrnAOyDJjkDwbJwP52/fxMlOtskcfKuQ8zGrbrRtju6u7gTDXHWBtFTOlyLz0Ym8XEZdw2ns61NUnmrE42TrKV3XVPZrfV+aCk9XdEyaQqwwkkvcXyv3ht7uf252HWQqkYuTwPdXtzCxts5LVoS6diP0HSUzImNjjAaxjQ1o4ACwCupJLBHzqc5Tk5yeLekidRyZ0D3OdaRuIk2a+zRc3sBbIdSi5iJ14ZevIxUcVo6DH4LqD9L6f/ANU5iJt6Q3m9cDja28m0MdM+Sk5wyR9Itc7FiaAcQAt428dlt60nRSWKLuT8vVZ11CvhmvRqwwezsI1ybazfJKjBIbQzEB19jXbGv7Nx6jfctKU819DOnlvJ/lNHPgvWj81tXd4nU165PpI3umo2F8RN3RtHSYd+Fo2s6hmOxZqUmnitRVyVluE4qlcPCS1N7evp+vWR3Q2uddSDBHLdjcgyQYgOoX6Q7AbLSNSS0JnSuck2ly8+UdL2rRj9jq+FGv8A0Pqz8S256p0cPEqejtpvlxXcPCjX/ofVn4k56p0cPEejlpvlxXcZqPlH0lK9scbYXPe4NaBGcyT9ZOdqdHDxI6uQbKlBzm5JLTrXcSLlZik/k+DnCHPbMznHNFm35uQEgbhc2CkrY5qxObyflDyyeboTi8MetfYrzVvWmoocfMYPwmHFibi2XtbMcSoYzlHUelvsm0bzN5zHRue87fhRr/0Pqz8S256p0cPEoejlpvlxXcPCjX/ofVn4k56p0cPEejlpvlxXcPCjX/ofVn4k56p0cPEejlpvlxXcTfVCoqdJU0prms5mQFjGtbhLuL73Ow5DrB4KWm5TTztRwco06NhXirZvOjpbbxw6NXErnWrU2poXlwDnwg3bK3dwx28Vw47OHVBOm469R6awyrQu45ssFLant6t66NZloOUXSETcPONkA2GRocfSFie03WVVnsZpWyDZ1Hjg11P/AH8ja8KNf+h9WfiWeeqdHDxIvR203y4ruHhRr/0Pqz8Sc9U6OHiPRy03y4ruOzqlrnpKtqWRDmg3xpHCM9Fg2nxtpyA6yFtCpUlLDRwKOUclWVpQdRuWOpLFaXw4lpK0eTPpDJ8yMDgQ4Ag7QRceZDKbTxRyn6r0JNzSwX/VM+5ac1DcuBaV/dLQqkv5M8+atB5JB6pv3LHNQ91cDPnC6+LL+THzVoPJIPVN+5Oah7q4DzhdfFl/JmWm1epIzijpoWu3ERtB7ja6yqcVqSNJ3lxNYSqSa62dNblY8IugOVDqzRMcHNpYGuaQWkRtBBBuCDbatFTgtKSLUr65knGVSTT6WdZblUIDHPA17S17Q5rhZzXC4I4EHaEax1m0ZOLUovBo5fzVoPJIPVN+5R81D3VwLXnC6+LL+TM9RoKlkaxskET2xizA5gIaMsmgjIZDZwC2cIvQ0Rwuq8G5Rm03rwb09Zk0foinguYIY4sVsWBgbe2y9h1pGEY6ka1birWw5yTeG94m6tiEIAgCA4/zVofJIPVN+5R81DcuBc84XXxZfyZ1o2BoAAsALAcANgUhUbxeLNKt0LTTG80EUh4vja4+ci61cIvWialdVqSwpza6m0a3zVoPJIPVN+5a81D3VwJfOF18WX8mPmrQeSQeqb9yc1D3VwHnC6+LL+TM1JoCkieHxU8LHi9nNjaCLixsQOBWVTinikjSpeXFSObOcmtzbN2op2SNLJGh7XCxa4AgjgQcitmk9DIIzlCSlF4NbjmfNWg8kg9U37lpzUPdXAtecLr4sv5MfNWg8kg9U37k5qHurgPOF18WX8mPmrQeSQeqb9yc1D3VwHnC6+LL+THzVoPJIPVN+5Oah7q4DzhdfFl/JnUp4GsaGMaGtaAGtAsABsAA2BbpYairKTk3KTxbPshZNTmT6uUbyXPpoHOO0mJtz2m2a0dOD1pFqN7cwWEakkutmP5q0HkkHqm/csc1D3VwNvOF18WX8mPmrQeSQeqb9yc1D3VwHnC6+LL+TNvR+iYIMXMRRxYrYsDA29r2vYZ7T51tGEY6kQ1birWw5yTeG9tm6tiE/9k="/>
+          <p:cNvSpPr>
+            <a:spLocks noChangeAspect="1" noChangeArrowheads="1"/>
+          </p:cNvSpPr>
+          <p:nvPr/>
+        </p:nvSpPr>
+        <p:spPr bwMode="auto">
+          <a:xfrm>
+            <a:off x="625475" y="312738"/>
+            <a:ext cx="304800" cy="304801"/>
+          </a:xfrm>
+          <a:prstGeom prst="rect">
+            <a:avLst/>
+          </a:prstGeom>
+          <a:noFill/>
+          <a:extLst>
+            <a:ext uri="{909E8E84-426E-40DD-AFC4-6F175D3DCCD1}">
+              <a14:hiddenFill xmlns:a14="http://schemas.microsoft.com/office/drawing/2010/main">
+                <a:solidFill>
+                  <a:srgbClr val="FFFFFF"/>
+                </a:solidFill>
+              </a14:hiddenFill>
+            </a:ext>
+          </a:extLst>
+        </p:spPr>
+        <p:txBody>
+          <a:bodyPr vert="horz" wrap="square" lIns="91440" tIns="45720" rIns="91440" bIns="45720" numCol="1" anchor="t" anchorCtr="0" compatLnSpc="1">
+            <a:prstTxWarp prst="textNoShape">
+              <a:avLst/>
+            </a:prstTxWarp>
+          </a:bodyPr>
+          <a:lstStyle/>
+          <a:p>
+            <a:endParaRPr lang="ko-KR" altLang="en-US" b="1"/>
+          </a:p>
+        </p:txBody>
+      </p:sp>
+      <p:sp>
+        <p:nvSpPr>
+          <p:cNvPr id="17" name="TextBox 16">
+            <a:extLst>
+              <a:ext uri="{FF2B5EF4-FFF2-40B4-BE49-F238E27FC236}">
+                <a16:creationId xmlns:a16="http://schemas.microsoft.com/office/drawing/2014/main" id="{35FE3B8E-DCF9-487F-AD3D-CEA6323B555C}"/>
+              </a:ext>
+            </a:extLst>
+          </p:cNvPr>
           <p:cNvSpPr txBox="1"/>
           <p:nvPr/>
         </p:nvSpPr>
         <p:spPr>
           <a:xfrm>
-            <a:off x="2483768" y="2060850"/>
-            <a:ext cx="4179349" cy="2215991"/>
+            <a:off x="712480" y="841278"/>
+            <a:ext cx="1082348" cy="630942"/>
           </a:xfrm>
           <a:prstGeom prst="rect">
             <a:avLst/>
@@ -5399,33 +8335,3019 @@
           <a:lstStyle/>
           <a:p>
             <a:r>
-              <a:rPr lang="en-US" altLang="ko-KR" sz="13800" b="1" dirty="0">
+              <a:rPr lang="ko-KR" altLang="en-US" sz="3500" b="1" dirty="0">
+                <a:ln>
+                  <a:solidFill>
+                    <a:schemeClr val="bg1">
+                      <a:alpha val="0"/>
+                    </a:schemeClr>
+                  </a:solidFill>
+                </a:ln>
                 <a:solidFill>
                   <a:srgbClr val="BF0302"/>
                 </a:solidFill>
                 <a:latin typeface="-윤고딕330" pitchFamily="18" charset="-127"/>
                 <a:ea typeface="-윤고딕330" pitchFamily="18" charset="-127"/>
               </a:rPr>
-              <a:t>T</a:t>
-            </a:r>
-            <a:r>
-              <a:rPr lang="en-US" altLang="ko-KR" sz="4800" b="1" dirty="0">
-                <a:latin typeface="-윤고딕330" pitchFamily="18" charset="-127"/>
-                <a:ea typeface="-윤고딕330" pitchFamily="18" charset="-127"/>
-              </a:rPr>
-              <a:t>hank you</a:t>
-            </a:r>
-            <a:endParaRPr lang="ko-KR" altLang="en-US" sz="13800" b="1" dirty="0">
+              <a:t>주제</a:t>
+            </a:r>
+          </a:p>
+        </p:txBody>
+      </p:sp>
+      <p:pic>
+        <p:nvPicPr>
+          <p:cNvPr id="20" name="그림 19">
+            <a:extLst>
+              <a:ext uri="{FF2B5EF4-FFF2-40B4-BE49-F238E27FC236}">
+                <a16:creationId xmlns:a16="http://schemas.microsoft.com/office/drawing/2014/main" id="{37B19423-BC71-40E0-86E5-D56BE1F5AC8C}"/>
+              </a:ext>
+            </a:extLst>
+          </p:cNvPr>
+          <p:cNvPicPr>
+            <a:picLocks noChangeAspect="1"/>
+          </p:cNvPicPr>
+          <p:nvPr/>
+        </p:nvPicPr>
+        <p:blipFill>
+          <a:blip r:embed="rId2" cstate="print">
+            <a:extLst>
+              <a:ext uri="{28A0092B-C50C-407E-A947-70E740481C1C}">
+                <a14:useLocalDpi xmlns:a14="http://schemas.microsoft.com/office/drawing/2010/main" val="0"/>
+              </a:ext>
+            </a:extLst>
+          </a:blip>
+          <a:stretch>
+            <a:fillRect/>
+          </a:stretch>
+        </p:blipFill>
+        <p:spPr>
+          <a:xfrm>
+            <a:off x="480195" y="676651"/>
+            <a:ext cx="329253" cy="329253"/>
+          </a:xfrm>
+          <a:prstGeom prst="rect">
+            <a:avLst/>
+          </a:prstGeom>
+        </p:spPr>
+      </p:pic>
+      <p:sp>
+        <p:nvSpPr>
+          <p:cNvPr id="35" name="TextBox 34">
+            <a:extLst>
+              <a:ext uri="{FF2B5EF4-FFF2-40B4-BE49-F238E27FC236}">
+                <a16:creationId xmlns:a16="http://schemas.microsoft.com/office/drawing/2014/main" id="{06F2A79E-2E95-4B2C-A915-2979AF90DBC7}"/>
+              </a:ext>
+            </a:extLst>
+          </p:cNvPr>
+          <p:cNvSpPr txBox="1"/>
+          <p:nvPr/>
+        </p:nvSpPr>
+        <p:spPr>
+          <a:xfrm>
+            <a:off x="809448" y="1482244"/>
+            <a:ext cx="7939016" cy="477054"/>
+          </a:xfrm>
+          <a:prstGeom prst="rect">
+            <a:avLst/>
+          </a:prstGeom>
+          <a:noFill/>
+        </p:spPr>
+        <p:txBody>
+          <a:bodyPr wrap="square" rtlCol="0">
+            <a:spAutoFit/>
+          </a:bodyPr>
+          <a:lstStyle/>
+          <a:p>
+            <a:r>
+              <a:rPr lang="ko-KR" altLang="en-US" sz="2500" b="1" dirty="0">
+                <a:ln>
+                  <a:solidFill>
+                    <a:schemeClr val="bg1">
+                      <a:alpha val="0"/>
+                    </a:schemeClr>
+                  </a:solidFill>
+                </a:ln>
+                <a:latin typeface="-윤고딕330" pitchFamily="18" charset="-127"/>
+                <a:ea typeface="-윤고딕330" pitchFamily="18" charset="-127"/>
+              </a:rPr>
+              <a:t>뉴욕 택시 탑승 및 하차 위치를 기준으로 요금을 예측</a:t>
+            </a:r>
+          </a:p>
+        </p:txBody>
+      </p:sp>
+      <p:sp>
+        <p:nvSpPr>
+          <p:cNvPr id="15" name="TextBox 14">
+            <a:extLst>
+              <a:ext uri="{FF2B5EF4-FFF2-40B4-BE49-F238E27FC236}">
+                <a16:creationId xmlns:a16="http://schemas.microsoft.com/office/drawing/2014/main" id="{9A028402-3A80-44AA-91B8-CA67F25B9846}"/>
+              </a:ext>
+            </a:extLst>
+          </p:cNvPr>
+          <p:cNvSpPr txBox="1"/>
+          <p:nvPr/>
+        </p:nvSpPr>
+        <p:spPr>
+          <a:xfrm>
+            <a:off x="712480" y="2048763"/>
+            <a:ext cx="1531188" cy="630942"/>
+          </a:xfrm>
+          <a:prstGeom prst="rect">
+            <a:avLst/>
+          </a:prstGeom>
+          <a:noFill/>
+        </p:spPr>
+        <p:txBody>
+          <a:bodyPr wrap="none" rtlCol="0">
+            <a:spAutoFit/>
+          </a:bodyPr>
+          <a:lstStyle/>
+          <a:p>
+            <a:r>
+              <a:rPr lang="ko-KR" altLang="en-US" sz="3500" b="1" dirty="0">
+                <a:ln>
+                  <a:solidFill>
+                    <a:schemeClr val="bg1">
+                      <a:alpha val="0"/>
+                    </a:schemeClr>
+                  </a:solidFill>
+                </a:ln>
+                <a:solidFill>
+                  <a:srgbClr val="BF0302"/>
+                </a:solidFill>
+                <a:latin typeface="-윤고딕330" pitchFamily="18" charset="-127"/>
+                <a:ea typeface="-윤고딕330" pitchFamily="18" charset="-127"/>
+              </a:rPr>
+              <a:t>필요성</a:t>
+            </a:r>
+          </a:p>
+        </p:txBody>
+      </p:sp>
+      <p:pic>
+        <p:nvPicPr>
+          <p:cNvPr id="16" name="그림 15">
+            <a:extLst>
+              <a:ext uri="{FF2B5EF4-FFF2-40B4-BE49-F238E27FC236}">
+                <a16:creationId xmlns:a16="http://schemas.microsoft.com/office/drawing/2014/main" id="{CEED0C58-1091-4DF2-94C1-6E766DA8595F}"/>
+              </a:ext>
+            </a:extLst>
+          </p:cNvPr>
+          <p:cNvPicPr>
+            <a:picLocks noChangeAspect="1"/>
+          </p:cNvPicPr>
+          <p:nvPr/>
+        </p:nvPicPr>
+        <p:blipFill>
+          <a:blip r:embed="rId2" cstate="print">
+            <a:extLst>
+              <a:ext uri="{28A0092B-C50C-407E-A947-70E740481C1C}">
+                <a14:useLocalDpi xmlns:a14="http://schemas.microsoft.com/office/drawing/2010/main" val="0"/>
+              </a:ext>
+            </a:extLst>
+          </a:blip>
+          <a:stretch>
+            <a:fillRect/>
+          </a:stretch>
+        </p:blipFill>
+        <p:spPr>
+          <a:xfrm>
+            <a:off x="480195" y="1884136"/>
+            <a:ext cx="329253" cy="329253"/>
+          </a:xfrm>
+          <a:prstGeom prst="rect">
+            <a:avLst/>
+          </a:prstGeom>
+        </p:spPr>
+      </p:pic>
+      <p:sp>
+        <p:nvSpPr>
+          <p:cNvPr id="21" name="TextBox 20">
+            <a:extLst>
+              <a:ext uri="{FF2B5EF4-FFF2-40B4-BE49-F238E27FC236}">
+                <a16:creationId xmlns:a16="http://schemas.microsoft.com/office/drawing/2014/main" id="{315A32A5-EAA7-4BF2-AF41-DA51005089F0}"/>
+              </a:ext>
+            </a:extLst>
+          </p:cNvPr>
+          <p:cNvSpPr txBox="1"/>
+          <p:nvPr/>
+        </p:nvSpPr>
+        <p:spPr>
+          <a:xfrm>
+            <a:off x="809448" y="2689729"/>
+            <a:ext cx="7939016" cy="1246495"/>
+          </a:xfrm>
+          <a:prstGeom prst="rect">
+            <a:avLst/>
+          </a:prstGeom>
+          <a:noFill/>
+        </p:spPr>
+        <p:txBody>
+          <a:bodyPr wrap="square" rtlCol="0">
+            <a:spAutoFit/>
+          </a:bodyPr>
+          <a:lstStyle/>
+          <a:p>
+            <a:r>
+              <a:rPr lang="ko-KR" altLang="en-US" sz="2500" b="1" dirty="0">
+                <a:ln>
+                  <a:solidFill>
+                    <a:schemeClr val="bg1">
+                      <a:alpha val="0"/>
+                    </a:schemeClr>
+                  </a:solidFill>
+                </a:ln>
+                <a:latin typeface="-윤고딕330" pitchFamily="18" charset="-127"/>
+                <a:ea typeface="-윤고딕330" pitchFamily="18" charset="-127"/>
+              </a:rPr>
+              <a:t>택시 공개 데이터를 이용해 택시요금을 예측하여 어디로 이동할 때 미리 택시 요금을 알 수 있어서 대중교통 이용에 조금 더 편의성을 제공</a:t>
+            </a:r>
+          </a:p>
+        </p:txBody>
+      </p:sp>
+      <p:sp>
+        <p:nvSpPr>
+          <p:cNvPr id="22" name="TextBox 21">
+            <a:extLst>
+              <a:ext uri="{FF2B5EF4-FFF2-40B4-BE49-F238E27FC236}">
+                <a16:creationId xmlns:a16="http://schemas.microsoft.com/office/drawing/2014/main" id="{1B19D584-B2BD-4CAA-ABE5-3EFF90DC64CE}"/>
+              </a:ext>
+            </a:extLst>
+          </p:cNvPr>
+          <p:cNvSpPr txBox="1"/>
+          <p:nvPr/>
+        </p:nvSpPr>
+        <p:spPr>
+          <a:xfrm>
+            <a:off x="712480" y="3964525"/>
+            <a:ext cx="1980029" cy="630942"/>
+          </a:xfrm>
+          <a:prstGeom prst="rect">
+            <a:avLst/>
+          </a:prstGeom>
+          <a:noFill/>
+        </p:spPr>
+        <p:txBody>
+          <a:bodyPr wrap="none" rtlCol="0">
+            <a:spAutoFit/>
+          </a:bodyPr>
+          <a:lstStyle/>
+          <a:p>
+            <a:r>
+              <a:rPr lang="ko-KR" altLang="en-US" sz="3500" b="1" dirty="0">
+                <a:ln>
+                  <a:solidFill>
+                    <a:schemeClr val="bg1">
+                      <a:alpha val="0"/>
+                    </a:schemeClr>
+                  </a:solidFill>
+                </a:ln>
+                <a:solidFill>
+                  <a:srgbClr val="BF0302"/>
+                </a:solidFill>
+                <a:latin typeface="-윤고딕330" pitchFamily="18" charset="-127"/>
+                <a:ea typeface="-윤고딕330" pitchFamily="18" charset="-127"/>
+              </a:rPr>
+              <a:t>기대효과</a:t>
+            </a:r>
+          </a:p>
+        </p:txBody>
+      </p:sp>
+      <p:pic>
+        <p:nvPicPr>
+          <p:cNvPr id="23" name="그림 22">
+            <a:extLst>
+              <a:ext uri="{FF2B5EF4-FFF2-40B4-BE49-F238E27FC236}">
+                <a16:creationId xmlns:a16="http://schemas.microsoft.com/office/drawing/2014/main" id="{CF1318DA-1C45-4E99-A817-2F6D8096B8C4}"/>
+              </a:ext>
+            </a:extLst>
+          </p:cNvPr>
+          <p:cNvPicPr>
+            <a:picLocks noChangeAspect="1"/>
+          </p:cNvPicPr>
+          <p:nvPr/>
+        </p:nvPicPr>
+        <p:blipFill>
+          <a:blip r:embed="rId2" cstate="print">
+            <a:extLst>
+              <a:ext uri="{28A0092B-C50C-407E-A947-70E740481C1C}">
+                <a14:useLocalDpi xmlns:a14="http://schemas.microsoft.com/office/drawing/2010/main" val="0"/>
+              </a:ext>
+            </a:extLst>
+          </a:blip>
+          <a:stretch>
+            <a:fillRect/>
+          </a:stretch>
+        </p:blipFill>
+        <p:spPr>
+          <a:xfrm>
+            <a:off x="480195" y="3799898"/>
+            <a:ext cx="329253" cy="329253"/>
+          </a:xfrm>
+          <a:prstGeom prst="rect">
+            <a:avLst/>
+          </a:prstGeom>
+        </p:spPr>
+      </p:pic>
+      <p:sp>
+        <p:nvSpPr>
+          <p:cNvPr id="25" name="TextBox 24">
+            <a:extLst>
+              <a:ext uri="{FF2B5EF4-FFF2-40B4-BE49-F238E27FC236}">
+                <a16:creationId xmlns:a16="http://schemas.microsoft.com/office/drawing/2014/main" id="{BDFBD986-8E29-4F2F-B59A-C61363764F55}"/>
+              </a:ext>
+            </a:extLst>
+          </p:cNvPr>
+          <p:cNvSpPr txBox="1"/>
+          <p:nvPr/>
+        </p:nvSpPr>
+        <p:spPr>
+          <a:xfrm>
+            <a:off x="809448" y="4605491"/>
+            <a:ext cx="7939016" cy="1246495"/>
+          </a:xfrm>
+          <a:prstGeom prst="rect">
+            <a:avLst/>
+          </a:prstGeom>
+          <a:noFill/>
+        </p:spPr>
+        <p:txBody>
+          <a:bodyPr wrap="square" rtlCol="0">
+            <a:spAutoFit/>
+          </a:bodyPr>
+          <a:lstStyle/>
+          <a:p>
+            <a:r>
+              <a:rPr lang="ko-KR" altLang="en-US" sz="2500" b="1" dirty="0">
+                <a:ln>
+                  <a:solidFill>
+                    <a:schemeClr val="bg1">
+                      <a:alpha val="0"/>
+                    </a:schemeClr>
+                  </a:solidFill>
+                </a:ln>
+                <a:latin typeface="-윤고딕330" pitchFamily="18" charset="-127"/>
+                <a:ea typeface="-윤고딕330" pitchFamily="18" charset="-127"/>
+              </a:rPr>
+              <a:t>각 도시의 택시 요금과 분포도를 추가하여 심층적으로 개발하게 되면 택시 수요를 예측해서 효율적으로 택시를 지역별로 재배치 하고 수요 불일치를 해결</a:t>
+            </a:r>
+          </a:p>
+        </p:txBody>
+      </p:sp>
+    </p:spTree>
+    <p:extLst>
+      <p:ext uri="{BB962C8B-B14F-4D97-AF65-F5344CB8AC3E}">
+        <p14:creationId xmlns:p14="http://schemas.microsoft.com/office/powerpoint/2010/main" val="1380650478"/>
+      </p:ext>
+    </p:extLst>
+  </p:cSld>
+  <p:clrMapOvr>
+    <a:masterClrMapping/>
+  </p:clrMapOvr>
+  <mc:AlternateContent xmlns:mc="http://schemas.openxmlformats.org/markup-compatibility/2006" xmlns:p14="http://schemas.microsoft.com/office/powerpoint/2010/main">
+    <mc:Choice Requires="p14">
+      <p:transition spd="med" p14:dur="700">
+        <p:fade/>
+      </p:transition>
+    </mc:Choice>
+    <mc:Fallback xmlns="">
+      <p:transition spd="med">
+        <p:fade/>
+      </p:transition>
+    </mc:Fallback>
+  </mc:AlternateContent>
+</p:sld>
+</file>
+
+<file path=ppt/slides/slide5.xml><?xml version="1.0" encoding="utf-8"?>
+<p:sld xmlns:a="http://schemas.openxmlformats.org/drawingml/2006/main" xmlns:r="http://schemas.openxmlformats.org/officeDocument/2006/relationships" xmlns:p="http://schemas.openxmlformats.org/presentationml/2006/main">
+  <p:cSld>
+    <p:spTree>
+      <p:nvGrpSpPr>
+        <p:cNvPr id="1" name=""/>
+        <p:cNvGrpSpPr/>
+        <p:nvPr/>
+      </p:nvGrpSpPr>
+      <p:grpSpPr>
+        <a:xfrm>
+          <a:off x="0" y="0"/>
+          <a:ext cx="0" cy="0"/>
+          <a:chOff x="0" y="0"/>
+          <a:chExt cx="0" cy="0"/>
+        </a:xfrm>
+      </p:grpSpPr>
+      <p:sp>
+        <p:nvSpPr>
+          <p:cNvPr id="6" name="모서리가 둥근 직사각형 5"/>
+          <p:cNvSpPr/>
+          <p:nvPr/>
+        </p:nvSpPr>
+        <p:spPr>
+          <a:xfrm>
+            <a:off x="251520" y="188640"/>
+            <a:ext cx="8640960" cy="6480720"/>
+          </a:xfrm>
+          <a:prstGeom prst="roundRect">
+            <a:avLst>
+              <a:gd name="adj" fmla="val 5928"/>
+            </a:avLst>
+          </a:prstGeom>
+          <a:solidFill>
+            <a:schemeClr val="bg1"/>
+          </a:solidFill>
+          <a:ln>
+            <a:solidFill>
+              <a:schemeClr val="bg1"/>
+            </a:solidFill>
+          </a:ln>
+        </p:spPr>
+        <p:style>
+          <a:lnRef idx="2">
+            <a:schemeClr val="accent1">
+              <a:shade val="50000"/>
+            </a:schemeClr>
+          </a:lnRef>
+          <a:fillRef idx="1">
+            <a:schemeClr val="accent1"/>
+          </a:fillRef>
+          <a:effectRef idx="0">
+            <a:schemeClr val="accent1"/>
+          </a:effectRef>
+          <a:fontRef idx="minor">
+            <a:schemeClr val="lt1"/>
+          </a:fontRef>
+        </p:style>
+        <p:txBody>
+          <a:bodyPr rtlCol="0" anchor="ctr"/>
+          <a:lstStyle/>
+          <a:p>
+            <a:pPr algn="ctr"/>
+            <a:endParaRPr lang="ko-KR" altLang="en-US" sz="1400" b="1"/>
+          </a:p>
+        </p:txBody>
+      </p:sp>
+      <p:grpSp>
+        <p:nvGrpSpPr>
+          <p:cNvPr id="4" name="그룹 3"/>
+          <p:cNvGrpSpPr/>
+          <p:nvPr/>
+        </p:nvGrpSpPr>
+        <p:grpSpPr>
+          <a:xfrm>
+            <a:off x="3203848" y="2753257"/>
+            <a:ext cx="5304084" cy="1551745"/>
+            <a:chOff x="3314604" y="2406649"/>
+            <a:chExt cx="5304084" cy="1551745"/>
+          </a:xfrm>
+        </p:grpSpPr>
+        <p:sp>
+          <p:nvSpPr>
+            <p:cNvPr id="8" name="TextBox 7"/>
+            <p:cNvSpPr txBox="1"/>
+            <p:nvPr/>
+          </p:nvSpPr>
+          <p:spPr>
+            <a:xfrm>
+              <a:off x="3314604" y="2650344"/>
+              <a:ext cx="4044697" cy="1308050"/>
+            </a:xfrm>
+            <a:prstGeom prst="rect">
+              <a:avLst/>
+            </a:prstGeom>
+            <a:noFill/>
+          </p:spPr>
+          <p:txBody>
+            <a:bodyPr wrap="square" rtlCol="0">
+              <a:spAutoFit/>
+            </a:bodyPr>
+            <a:lstStyle/>
+            <a:p>
+              <a:r>
+                <a:rPr lang="en-US" altLang="ko-KR" sz="4400" b="1" dirty="0">
+                  <a:ln>
+                    <a:solidFill>
+                      <a:schemeClr val="bg1">
+                        <a:alpha val="0"/>
+                      </a:schemeClr>
+                    </a:solidFill>
+                  </a:ln>
+                  <a:solidFill>
+                    <a:srgbClr val="BF0302"/>
+                  </a:solidFill>
+                  <a:latin typeface="-윤고딕330" pitchFamily="18" charset="-127"/>
+                  <a:ea typeface="-윤고딕330" pitchFamily="18" charset="-127"/>
+                </a:rPr>
+                <a:t>02 </a:t>
+              </a:r>
+              <a:r>
+                <a:rPr lang="ko-KR" altLang="en-US" sz="3500" b="1" dirty="0">
+                  <a:ln>
+                    <a:solidFill>
+                      <a:schemeClr val="bg1">
+                        <a:alpha val="0"/>
+                      </a:schemeClr>
+                    </a:solidFill>
+                  </a:ln>
+                  <a:latin typeface="-윤고딕330" pitchFamily="18" charset="-127"/>
+                  <a:ea typeface="-윤고딕330" pitchFamily="18" charset="-127"/>
+                </a:rPr>
+                <a:t>환경 및 데이터</a:t>
+              </a:r>
+              <a:endParaRPr lang="en-US" altLang="ko-KR" sz="3500" b="1" dirty="0">
+                <a:ln>
+                  <a:solidFill>
+                    <a:schemeClr val="bg1">
+                      <a:alpha val="0"/>
+                    </a:schemeClr>
+                  </a:solidFill>
+                </a:ln>
+                <a:latin typeface="-윤고딕330" pitchFamily="18" charset="-127"/>
+                <a:ea typeface="-윤고딕330" pitchFamily="18" charset="-127"/>
+              </a:endParaRPr>
+            </a:p>
+            <a:p>
+              <a:r>
+                <a:rPr lang="en-US" altLang="ko-KR" sz="3500" b="1" dirty="0">
+                  <a:ln>
+                    <a:solidFill>
+                      <a:schemeClr val="bg1">
+                        <a:alpha val="0"/>
+                      </a:schemeClr>
+                    </a:solidFill>
+                  </a:ln>
+                  <a:latin typeface="-윤고딕330" pitchFamily="18" charset="-127"/>
+                  <a:ea typeface="-윤고딕330" pitchFamily="18" charset="-127"/>
+                </a:rPr>
+                <a:t>                   </a:t>
+              </a:r>
+              <a:r>
+                <a:rPr lang="ko-KR" altLang="en-US" sz="3500" b="1" dirty="0">
+                  <a:ln>
+                    <a:solidFill>
+                      <a:schemeClr val="bg1">
+                        <a:alpha val="0"/>
+                      </a:schemeClr>
+                    </a:solidFill>
+                  </a:ln>
+                  <a:latin typeface="-윤고딕330" pitchFamily="18" charset="-127"/>
+                  <a:ea typeface="-윤고딕330" pitchFamily="18" charset="-127"/>
+                </a:rPr>
+                <a:t>필드</a:t>
+              </a:r>
+            </a:p>
+          </p:txBody>
+        </p:sp>
+        <p:pic>
+          <p:nvPicPr>
+            <p:cNvPr id="2" name="그림 1"/>
+            <p:cNvPicPr>
+              <a:picLocks noChangeAspect="1"/>
+            </p:cNvPicPr>
+            <p:nvPr/>
+          </p:nvPicPr>
+          <p:blipFill>
+            <a:blip r:embed="rId2" cstate="print">
+              <a:extLst>
+                <a:ext uri="{28A0092B-C50C-407E-A947-70E740481C1C}">
+                  <a14:useLocalDpi xmlns:a14="http://schemas.microsoft.com/office/drawing/2010/main" val="0"/>
+                </a:ext>
+              </a:extLst>
+            </a:blip>
+            <a:stretch>
+              <a:fillRect/>
+            </a:stretch>
+          </p:blipFill>
+          <p:spPr>
+            <a:xfrm rot="2196822">
+              <a:off x="7246613" y="2406649"/>
+              <a:ext cx="1372075" cy="1372075"/>
+            </a:xfrm>
+            <a:prstGeom prst="rect">
+              <a:avLst/>
+            </a:prstGeom>
+          </p:spPr>
+        </p:pic>
+      </p:grpSp>
+    </p:spTree>
+    <p:extLst>
+      <p:ext uri="{BB962C8B-B14F-4D97-AF65-F5344CB8AC3E}">
+        <p14:creationId xmlns:p14="http://schemas.microsoft.com/office/powerpoint/2010/main" val="3673933116"/>
+      </p:ext>
+    </p:extLst>
+  </p:cSld>
+  <p:clrMapOvr>
+    <a:masterClrMapping/>
+  </p:clrMapOvr>
+  <mc:AlternateContent xmlns:mc="http://schemas.openxmlformats.org/markup-compatibility/2006" xmlns:p14="http://schemas.microsoft.com/office/powerpoint/2010/main">
+    <mc:Choice Requires="p14">
+      <p:transition spd="med" p14:dur="700">
+        <p:fade/>
+      </p:transition>
+    </mc:Choice>
+    <mc:Fallback xmlns="">
+      <p:transition spd="med">
+        <p:fade/>
+      </p:transition>
+    </mc:Fallback>
+  </mc:AlternateContent>
+</p:sld>
+</file>
+
+<file path=ppt/slides/slide6.xml><?xml version="1.0" encoding="utf-8"?>
+<p:sld xmlns:a="http://schemas.openxmlformats.org/drawingml/2006/main" xmlns:r="http://schemas.openxmlformats.org/officeDocument/2006/relationships" xmlns:p="http://schemas.openxmlformats.org/presentationml/2006/main">
+  <p:cSld>
+    <p:spTree>
+      <p:nvGrpSpPr>
+        <p:cNvPr id="1" name=""/>
+        <p:cNvGrpSpPr/>
+        <p:nvPr/>
+      </p:nvGrpSpPr>
+      <p:grpSpPr>
+        <a:xfrm>
+          <a:off x="0" y="0"/>
+          <a:ext cx="0" cy="0"/>
+          <a:chOff x="0" y="0"/>
+          <a:chExt cx="0" cy="0"/>
+        </a:xfrm>
+      </p:grpSpPr>
+      <p:sp>
+        <p:nvSpPr>
+          <p:cNvPr id="6" name="모서리가 둥근 직사각형 5"/>
+          <p:cNvSpPr/>
+          <p:nvPr/>
+        </p:nvSpPr>
+        <p:spPr>
+          <a:xfrm>
+            <a:off x="251520" y="188640"/>
+            <a:ext cx="8640960" cy="6480720"/>
+          </a:xfrm>
+          <a:prstGeom prst="roundRect">
+            <a:avLst>
+              <a:gd name="adj" fmla="val 5928"/>
+            </a:avLst>
+          </a:prstGeom>
+          <a:solidFill>
+            <a:schemeClr val="bg1"/>
+          </a:solidFill>
+          <a:ln>
+            <a:solidFill>
+              <a:schemeClr val="bg1"/>
+            </a:solidFill>
+          </a:ln>
+        </p:spPr>
+        <p:style>
+          <a:lnRef idx="2">
+            <a:schemeClr val="accent1">
+              <a:shade val="50000"/>
+            </a:schemeClr>
+          </a:lnRef>
+          <a:fillRef idx="1">
+            <a:schemeClr val="accent1"/>
+          </a:fillRef>
+          <a:effectRef idx="0">
+            <a:schemeClr val="accent1"/>
+          </a:effectRef>
+          <a:fontRef idx="minor">
+            <a:schemeClr val="lt1"/>
+          </a:fontRef>
+        </p:style>
+        <p:txBody>
+          <a:bodyPr rtlCol="0" anchor="ctr"/>
+          <a:lstStyle/>
+          <a:p>
+            <a:pPr algn="ctr"/>
+            <a:endParaRPr lang="ko-KR" altLang="en-US" sz="1400" b="1"/>
+          </a:p>
+        </p:txBody>
+      </p:sp>
+      <p:sp>
+        <p:nvSpPr>
+          <p:cNvPr id="2" name="Rectangle 2"/>
+          <p:cNvSpPr>
+            <a:spLocks noChangeArrowheads="1"/>
+          </p:cNvSpPr>
+          <p:nvPr/>
+        </p:nvSpPr>
+        <p:spPr bwMode="auto">
+          <a:xfrm>
+            <a:off x="1" y="43933"/>
+            <a:ext cx="184731" cy="369332"/>
+          </a:xfrm>
+          <a:prstGeom prst="rect">
+            <a:avLst/>
+          </a:prstGeom>
+          <a:noFill/>
+          <a:ln>
+            <a:noFill/>
+          </a:ln>
+          <a:effectLst/>
+          <a:extLst>
+            <a:ext uri="{909E8E84-426E-40DD-AFC4-6F175D3DCCD1}">
+              <a14:hiddenFill xmlns:a14="http://schemas.microsoft.com/office/drawing/2010/main">
+                <a:solidFill>
+                  <a:schemeClr val="accent1"/>
+                </a:solidFill>
+              </a14:hiddenFill>
+            </a:ext>
+            <a:ext uri="{91240B29-F687-4F45-9708-019B960494DF}">
+              <a14:hiddenLine xmlns:a14="http://schemas.microsoft.com/office/drawing/2010/main" w="9525">
+                <a:solidFill>
+                  <a:schemeClr val="tx1"/>
+                </a:solidFill>
+                <a:miter lim="800000"/>
+                <a:headEnd/>
+                <a:tailEnd/>
+              </a14:hiddenLine>
+            </a:ext>
+            <a:ext uri="{AF507438-7753-43E0-B8FC-AC1667EBCBE1}">
+              <a14:hiddenEffects xmlns:a14="http://schemas.microsoft.com/office/drawing/2010/main">
+                <a:effectLst>
+                  <a:outerShdw dist="35921" dir="2700000" algn="ctr" rotWithShape="0">
+                    <a:schemeClr val="bg2"/>
+                  </a:outerShdw>
+                </a:effectLst>
+              </a14:hiddenEffects>
+            </a:ext>
+          </a:extLst>
+        </p:spPr>
+        <p:txBody>
+          <a:bodyPr vert="horz" wrap="none" lIns="91440" tIns="45720" rIns="91440" bIns="45720" numCol="1" anchor="ctr" anchorCtr="0" compatLnSpc="1">
+            <a:prstTxWarp prst="textNoShape">
+              <a:avLst/>
+            </a:prstTxWarp>
+            <a:spAutoFit/>
+          </a:bodyPr>
+          <a:lstStyle/>
+          <a:p>
+            <a:endParaRPr lang="ko-KR" altLang="en-US" b="1"/>
+          </a:p>
+        </p:txBody>
+      </p:sp>
+      <p:sp>
+        <p:nvSpPr>
+          <p:cNvPr id="4" name="AutoShape 4" descr="data:image/jpeg;base64,/9j/4AAQSkZJRgABAQAAAQABAAD/2wCEAAkGBxISEhQUERQWFRUVFRgYFhgYFx4XGhwcHRQXGBoVGhkYHCggHhorIBUWITEhJikrMi8wFx80ODcsNygtLisBCgoKDg0OGxAQGy0mICQsLCw4NC8sLCw3Ly8sLCwsNCwsLywvMiw0LCwsLCwsLC0vLCwsLCwsLCwsLCwsLCwsLP/AABEIAK8BIQMBEQACEQEDEQH/xAAcAAEAAgMBAQEAAAAAAAAAAAAABgcDBAUBAgj/xABREAABAwICBQYJBgkLAwUAAAABAAIDBBESIQUGMUFRBxMiYXGBFzJUkZKTobHSFBZScoLRIzNCYmNzdLLBFTQ1Q0RTg6Kjs8PT8PEkVcLi4//EABsBAQACAwEBAAAAAAAAAAAAAAADBAECBQYH/8QAPxEAAgECAQcHCwMEAwADAAAAAAECAwQRBRIhMUFRkQYTYXGB0eEUFRYiMlJTobHB8EJikjM0cvEkNcIjRKL/2gAMAwEAAhEDEQA/ALxQBAEAQBAEAQBAEAQBAEAQHKj0lasfTu3wtlZxtjcx47iGH7R4LTP9bNLDoPmFWW/NfBNffgdVblcIAgCAIAgCAIAgCAIAgCAIAgCAIAgCAIAgCAIAgCAIAgCAIAgCAIAgCAIDwlAQahquf03I5mbIKd0ZO64c249Jzh9gqtF51d9CO3Up81kuKlrnPHsw/OJOlZOIEAQBAEAQBAEAQBAEAQBAEAQBAEAQBAEAQBAEAQBAEAQBAEAQBAEAQBAEBENedbW0rDFEQZ3DtEYI8d3XwHfs2169ZQWC1nXyXkyVzLPn7C+fQvu9nWffJ5oF1NAXyAiWaznA7WtF8LT+dmXHrceCzb082OL1sxle9VxWzYezHQvu+7oRLFOckIAgCAIAgCAIAgCAIAgCAIAgCAIAgCAIAgCAIAgCAIAgCAIAgCAIAgPCUBANb9ewzFFSEF4ydLta3iGbnO69g69gqVrjDRA9Dk3IzqYVa+iO7a+vcvn9TDqTqc4uFVWA3vjYx2bidvOyXzvvAPac8hihQ058zfKmVY5vk9vq1Nr6Lo3vb1a5VpzWmmpejI4ukNrRMGOQk7BYbL7r2urE6sYa9ZyLXJ9e50wWEd70JdvceUElXP0pGimjOxmT5j1uceizssTntCRc5aXoMVo29L1YPPe/Uuza+vR1M7jQpCmeoAgCAIAgCAIAgCAIAgCAIAgCAIAgCAIAgCAIAgCAIAgCAIAgCA8KArTlB1tLnOpoHWa3KZ42k74weA3nectxvSuK36Ynp8j5LWCuKq6l939uJ0dRdTREG1FS28pAMbCMoxuJH957t3Fb0KGb60tf0K2VcrOs3SpP1dr97w+utmHXTW+QSfJaK5kuGve3N2I5c3H+dnm7d23IxWrvHMhrN8mZLpuHlFz7OtLo3vo3Lb9evqhqiylHOS2kqHZuecw0naGk534uOZ6hkpKNFQ0vWUsoZTncvMhogtS7+7UvmSpTnLCAIAgCAIAgCAIAgCAIAgCAIAgCAIAgCAIAgCAIAgCAIAgCAIAgCA+Jr4TbbY27dyGVrKU1IouerYWyZ2cZHg7y0F2f2rHuXMoxzqixPcZVq81ZydPbgl1PwLj0pOY4ZXt2sje4doaSPculJ4Js8VSip1Ixe1pFQahSNFfAZDckvsT9MsdYnrNz3lc63a5xYntMsQl5HJQ1LDgn/oukLpHhz1AEAQBAEBjEzb2xC/C4QzgzIhgIAgCAIAgCAIAgCAIAgCAIAgCAIAgCAIAgCAIAgCAIDwoCstYKE6Or46toPMPkJdb8kuBEjT1HEXjrBHBUqkeaqKew9PZ1lfWUrV+2lo6cNXcWR0ZGbnNc3tBBHusVc1nmdMX0oozTWjH0k7ojcFhBjdvLb3Y8Hjl3EFcqcHCWB9AtLmF1QU9+hrp2r82Fsal6f+WU+J2UrDhkA2XtcPHURn1G43Lo0amfHHaeOylZeS1s1ey9K6vAkKlOeEAQBACgKV1dYP5WYbC/yubPvlXNp/1u1/c9veN+a2v2Q/8AJdS6R4g8ugF0AugPUB5dAe3QHl0AugF0B6gCAIAgCAIAgCAIAgCAIAgCAIAgCA1q+jZNG6ORocxwsQf+8j1rDSksGb06k6c1ODwaODq5FJRv+SSkvizNNIeG0wO4OAzHEXtssoqacPUerZ3F68nC5XPx0S/Uun3l0PbufWYOUnRjJKR0pHThs5ruouAc3sIN+0Ba3EE4Y7ibItxKncqC1S0P7PsOfyT0L2xzTOBDZS1rOsMxXcOq7yPsrW1i1FveWeUFeMqsaa1xTx7cNHy+ZPlaPPhAEAQHhQFMavf0rH+1ze+Zc2n/AFu1/c9tef8AWP8Awh/5LF1uir3iNtC5rL4uccbAjxcNiQbDxtgvsVyqqjwzDzOT52kXJ3Kb3fmj6kZm1J0i4YnVhLuHOy28+7zKB0KmvO+bOtHK9jHQqOj/ABj+fM1NVtY6qCqbTVL3PaZOacHnE5jibNcHnMgkjaTkbjr1pVZxnmSJcoWFvWtncUFg8MdGjFbdHQbnKXPUQzRvimlYyRhFmvIaHNPAHaQ4eiVtcuUWmmQ5ChQqwlCcE2njpWx/nzJlqtpH5RSwynxiwB31m9F3tBVqnLOimcS9ocxXnT3P5bPkQjlL01NHUsZDLIzDDicGOLblznWvbabM9qq3M2pJJneyFaUqlGU6kU9OGlY6l4kqroaxtDG2mdeoDYw5zyCTkA9135Xzvc32KxJTzPV1nGoztndOVZepi9C+Wojb9TtJy5y1nS4CWS3+UNHmCg5iq9cvqdZZUsKeiFHR1R++L+Zxm6YrtGT4Jnuka2xcxzzI1zD+UxzswcjbZmMwos+pSlhIuu1tMoUc+lFJ9Cwwe5paC0Kaj6YlbJIWuFwwuu3O5vb7XZkOC6HSeQlLRmtHQWTQIAgCAIAgCAIAgCAIAgCAIDW0jXxwRmSZ4Yxu0nzAdZ6gtoQlOWbFYs1nNQWdLUQw6/meZsFFG3E8kCSd2Buwm+EZnIcQepXvIebhn1X2Ioq/VSeZTXa9BJKTRtQbGeqc472xMbGz2hz/APMqkpw/THi8fD5F2MZbWdZjbC3vNz5yojc8kjDtovmDnxBuD50BzdOaL+UtEUhtDcOeAbF9jcMvubcAk7Ta2S0nDPWD1Fi2uHQlnx9rZ0dPXuNh1XBC0NL442tFgC5rQABsAvssFJGEnoiivOpi3KTMVJp2nmdhhkEpG3m7vA+s5oLR3lbypTivWWHXoNI1Iy1PEV+ho5r84ZD1NlfGB2CNwHebrEKkoasOCf1MyinrILrA+p0TNG+GWSWnkJHNyuL7EWuzEcxcZgjgb339Kgqd1FxkkpLatBzbidS1kpJ4xexliaPq2zRslZm2RjXt7HAEd+a5kouLcXsOnGSkk0ZytTJTGrv9Ks/a5vfMubT/AK3a/ue2vP8ArH/hD/yWtpzTkFIzHM61zZoAu5x4NH8dgV+c4wWLPJW1pVuZ5lNY/brIj4Q5JD/6aikkFznc/wDGxwB71X8qb9mJ2PMcIf1q0Y8Pu19CH1FW+XSDZJIzE99TAXRm929KIWNwDmADsG1V85yq4tYaUdlUo0snuEJZyUZad+t9P1LF5SaDnKJz98LhIOwXa/8Ayuce5XLiOMOo81kavzV3FbJerx1fPA5PJPX3ZNAT4rhI3scMLh52g/aUdpLQ4lzlDQwqRqrasO1eH0I/Wj5bpYtGbTOG/YiHS7jzb/SUT9et2/Q6FL/iZMx25uPbLV8mi1tIV8dPGZJnBjG7SfYANpPABXpSUVizyVGjOtNQprFshs3KPicRS0sktjvuO+zGuIHbZVndY+zHE7kcguKTr1Yx/Oloh2uelJamUPmgMDhFhDTfMYnHF0mt4kbNyr15ub0rA7eSranbxcac89N9H2bLl0Z+Ji/Vs/dC6UdR4ep7b62bKyaBAEAQBAEAQBAEAQBAEAQBAYaykZKwsla17Dta4XB7isxk4vFPSYlFSWDIrWcnFC++Fskf1X3HmfdXI5QrR24lOWT6EtOGHUajdQ2NOCKuqWkC5aH7BuNm2tsW3lzemUI8DHkeGhTlxM/zHm/9xqvSd8ax5ZH4cTbySXxJcTxuoT79Kvqz2SEe8lZd6tlOPAwrN/ElxPpnJzT/ANZNUSfWkH8GrXy+eyMV2GVZQ2tvtN6j1E0fHsga4/nkv9jjb2LSV7Xl+r7G8bSjH9P3O/S0rI2hsbWsaNjWgNHmCrNuTxZYSSWCMywZKy5TK41M8FFTjHI1xLgPpkWa2+6zS4ngCF1bCHNxlWnqOVlCTqyjRhrLA0NQiCCKEG/NxtZfjZoBPec1zak8+blvZ04RzYqK2G6tDYpfV7+lY/2ub3zLm0/63a/ue2vP+sf+EP8AybXKfK41pDibNhZhHUS4kjrJ/dHBbXPt6dxFkKOFo3HW2/klgWhSTwMha6NzGwhgLSCAwNtlnssryaS0ajyc41JVGpJ52PbiVHpOsZNpTnIjiY+qgwnjYwtJF912lc9yUq2K3o9lSpTpZNzJrBqEvniy5amEPY5js2uaWkdRFj710WsUeJjJxaktaKU0JXvoKl5dcuY2aIjiQDhPe5jO4rm05c1N9p7m7oq+to5u1xfVjr+r4Ej5KdGl0ktQ7PAObaTvc6znntsG+kVNax0uTObygrqMYUI9fYtC+5m5W5XXpm/kHnHH6wwAexzvOs3behGnJ2McaktuhdmnuRJNRHQihh5vCOgOc2Xx/l4uu91NQw5tYHKyoqnlc8/fo6tmHRgQHlL0hFNU3ieHhkWBxbmMQc8kA7DtGxVLmSlLQejyDQqUqLz1hi8VjuLY0Z+Ji/Vs/dC6EdR4+p7b62bKyaBAEAQBAEAQBAEAQBAEAQBAEBraQie+N7Y34HuY4Nfa+EkEB1uo5rMWk03pMSTaaRWNDHpbRpkww8817sTnWMuI2tiu0472A2jcuvN2txhpwa7PA5MPK7fHRnI2TylVLPxlIAesvZ7C0rXzdTeqf07zbzhUWum/zsPTypSbqQetP/TTzZH3/l4jzlLZTf52HyeUCvk/E0g6rMkk91k8goR9qf0Q8urv2af1MkFXp6ZzSGCMAg2cxjGnPYQ4l9uzNayhZQWGOP5wMxneyepIsCikl5sGdrGvt0gxxe3ZuJaD3WXNlm4+rqOmscNJytJTVk/QpWiBpydPKOl/hxbb9b8PZvUsFThpnp6F933Ec8+WiOjpMmreq8FGCWXfI7x5X5vdc3Oe4Xztv33KVridXXq3GtG3hS1a3tO4oCc166sZDG6SQ4WMBc4ngP49Sw2ksWb06cqklCKxbKj1EhdPpCOS3iukmf1YmuFr/WkHmK51BOVTHrZ7HK0lRsebx15seGHcWJrPqrDW4S4uZI0Wa9vC98LgciPdc22lXatFVNZ5uxyjVtG83SnsZHKbkwZcc5OXNvezWBpOd9pJ9ygVotrOnPlFNr1IJPe3j3HTqNQIDNFJE50Qi5uzGgEEsfiuScyTvPUpPJ45ya2FOOWa3NTpzWdnY6XsxWH+iXlWDkEP01qDFUTvm517DIQS0NBFw0NvnxsFXnbKUscTtWmWqlvSVLNTw6+s7+gNEMpIWwsJIbclx2uJNy427fYpYQUI4I5t1cyuKrqy2/I+dYdBxVkfNy3Fjdrm5OabWuL9uwpUpqawZtaXdS1qZ9P/AGukhw5Lxc3qDhO20YuR2l1vYq3ki3nafKKWGimsev8APqdKu5OqZ8bGRudHhxYnABzn4gPGJ4WyAyzW8raDWC0FWjl24hUc54Sx2akuol1NFgY1u3C0C/YLKyjjSeLbMqGAgCAIAgCAIAgCAIAgCAIAgCAICL6e10gpahkDgbkt5x9jhY05gm2bjsyHHuVqlaTqwc1/sq1runSmoS2nSg1ko3+LUwn/ABGg+YlROhVWuL4EqrU5apLibf8AKEH97H6bfvWmZLcyTORqVGstGzxqmEdXONJ8wN1vG3qy1RfAjlWpx1yXE80XrLSVLiyGZrnD8nNpPW0OAxDrCzUt6tNYyiYp16dR4RkmdZQkx7ZAEAQEV111alrBEI5cAa7pNdmy2fTsNrx/HcoK1J1MMGdTJl/C0cnKGOOp7erqZ0tW9XoqOMtjuXOsXvPjOI2dgGdh1neSVvTpqCwRWvL2pdTzp9i2L83nYUhUCAIAgCAIAgCAIAgCAIAgCAIAgCAIAgCAIAgCA+JZA0EuIAAuSTYAcSSmsEfGt8cjzHRxyVThtLAGxt63SPsLdl77lZ8llFY1Go9evgQK4jJ4Q09XedOjlqSQZY4mDg2RzyP9MBQyUNjfDxJVnbTU0/qvTVgBmacYFg9pwuA4X2EZ7CCpKNxUo+yyKtb06y9dEOq+Sw3/AAVQLcHsz9Jp/gr8cqe9HgznzyTH9MjQPJdU/wB7D/m+FSedIbmR+ap+8bVPyWSfl1DAPzYy72lwWksqLZH5m0ck75fIkGjOTmjiIc/HM4G4xus2/wBVtvbdVqmUKs1gtHUXKVhRpvHWyXsYAABsAsFRLp7dAasWkGOmfCD042se4fmvLw034/g3ZdnELZxaipbGYTWOBtrUyEAQBAEAQBAEAQBAEAQBAEAQBAEAQBAEAQBAEAQBAEBHdddX5K2ERxy4C12Ig+K/LIOtnkcxt7OFm1rqjPOaxK11QdaGangQvRugNMUJPycNcHG7mtc1zT12fhN+yyv1K9pX9vFfnQc+lb3Vv7GDR2Ga2aTj/H6Oc7iWYvcA/wB6g8lt5ezU4/iLXlNePtU+DMo5RLfjKKpbl9H4g3JY8gx1TjxM+W4a4S4DwnUw8aGoHa1nxp5uqbJIx5wgtcZcAOU+kOyKc9jWfGnm2rta/Owz5wp7nwPpvKREfFpal3Yxp9zljzfJa5x4mfLV7kuB9s11qH/itHVJ+tdg85YsO0gvaqL6mVdTeqm/oZo9KaWk8Wjih65ZsXsZmtXTto65t9S7zZVK8v0Jdb7jZj0ZXSZ1NYI27208YZ3c5Jd3mAWjqUV7EMet/ZYG6hUftS4GGDS9FS/gaUGeZxuWRHnZHu2YpJCbcLuc7ILLpVanrz0Lp0cF3BVKcXmx0v8ANZJqXHhHOWxWGLDsvvAJzI61V6idGVAEAQBAEAQBAEAQBAEAQBAEAQBAEAQBAEAQBAEAQBAEAQGCqhe7xHlhHUHA9oI9xCymlrRho5zo64eLJTvHXG+M+cSOHsUmNLc+K7jX1+gwOn0kP7PSu6xUPb7DCfet82h70uC7zXGpuXHwMXyzSQ/sdP3VJ/6Szm0Pff8AHxMOVT3Vx8Dx1bpQ7KWnb21Dj7owmZb+8+HiM6ruXHwMbjpl2wUTO+Rx9y2/4q958Eaf8h+6uLPh+h9KSePXsjHCKAe9xuEVW3Wqnj1sw6dZ654dS7zwaixvzqqioqep8hDe5rdnnWfLJL2IqPUh5LF+22+3uJBo3RUFO3DBGyMb8ItfrJ2nvVadSc3jJ4liEIwWEVgbq0NggCAIAgCAIAgCAIAgCAIAgCAIAgCAIAgCAIAgCAIAgCAIAgCAIAgCAIAgCAIAgCAIAgCAIAgCAIAgCAIAgCAIAgCAIAgCAICOaw660lGS2R5dIP6uMYnDtzs3vKjlUjHQdGzyVc3SzoLBb3oXj2EXfyuxX6NM8jrkAPmwlR8/0HWXJmphpqLgz58LrPJXesHwpz/QZ9GJ/EXDxHhdZ5K71g+FOf6B6MT+IuHiZqblbgJ/CU8jRxa5r/YbIq63Gk+TVZL1Zp8V3k00Jp6nq24qeQPttGxze1pzCmjNS1HDubOtbSzascPzYzovdYE8BdbFdLFlaDleZ5K71g+FVlcY7D0/oxP4i4eI8LrPJXesHwrPP9A9GJ/EXDxHhdZ5K71g+FOf6B6MT+IuHiPC6zyV3rB8Kc/0D0Yn8RcPE7ur3KJSVThG7FDI42aH2wk8A4ZX7bLeNaMtBQvMh3NvHPXrLo2dhMFKcYIAgIFrNylxU0zoYoueLDZ7seFoO9oyNyNh2ZqCdZJ4JHfscg1Likqk5ZqerRj27CTasawRV0POxXFjhe07Wu4G27YQVJCaksUcy9sqlpV5ufY96OutymEBqaS0jFTsMkz2sYN7j7ANpPUFhySWLJaNGpWnmU1iyEV3KxTNJEUUkgG82YD2XufOAoXXWxHdpcm7iSxnJL5+BqeF1nkrvWD4Vjn+gm9GJ/EXDxHhdZ5K71g+FOf6B6MT+IuHifcPKwHua1lI9znENaBILkk2AHRTn+g1nyblCLlKqsF0eJKda9Z/kMEcskWIveGFofaxLHOPSw5+LbYpJzzVjgcmwsPLKrpxlhgsccOlL7mHUzW9ukOdwxGPm8O12K+LF1D6PtSnUz9hJlLJjss3GWOOOzDUSdSHLCAIAgOTp7WOmo23nkDSfFaM3nsaN3WclpKcY6y3a2Ne6eFKOPTsXaQ2flchB6FPI4cXOa0+YXUXP9B24cmarXrTS7G+4xeF1nkrvWD4U5/oNvRifxFw8R4XWeSu9YPhTn+gejE/iLh4nS1e5RDWTshipXXdm5xkFmtG1x6P/kkDeto1s54YFW8yJ5LSdWdRcNb3aydKY4JC+UvWp1HE2OE2mlvY/QbsL+3cO87lDWqZqwWs7eRcnK6qOdT2Y/N7u8rLVTVWfSD3YThY0/hJXXOZzsPpO37e05i9eEHLUepyhlKlYwSaxb1JbvsixqfkqogOk+Zx44mjzANU6oR3nmp8o7pvQors8TL4LaDjN6Y+FZ5iJr6Q3n7eHiPBbQcZvTHwpzER6Q3n7eHiaOkuSenLTzEsjHbsdnt77AHvusOgtjJqPKSvF/8AyxTXRofcVy5tVoyq3xyxndm1zT+8w/8AdiFX9aL6T0ydvlC33xfFP7NfmgvPQGmW1lK2ZuWJpDm/RcBZzfP7LK7GWdHE8Dd2srWu6Utj4reUDoClbNUQRvvhkkY11sjYuANlQprHBdR9Du6sqVCdSOtJst/wW0HGb0x8Kt8xE8d6Q3n7eHiPBbQcZvTHwpzER6Q3n7eHieHktoOM3pj4U5iI9Ibz9vDxK6151TNBK0BxfFICWOO3K12utlfMZ77qCcMxnpclZSV7B4rCS196LS5NNMuqqJpkN3xOMbidpsAWk9eFwz4gqxRlnR07DyeWrSNvdNR1S0r86yVqU5JF+UHWT5FTHAfw0t2xDhxk7r+chR1Z5q0azqZJsPK6+EvZWl93aU5q9q9PXOlEWZjYXuJ3nPCy/wBJxB28CqkYOWhHtb2+pWajn7Xh2b+pG5qNrEaGpBfcRP6EwtsF8nW4tJ82Ib1mnPNeJBlWxV5Q9X2lpXd29xfrHggEG4OYI2EcVePnrTWhmKtqmxRvkkNmMaXOPUBcrDaSxZvTpyqTUI628CgNYNMz6SqQbOOJ2GGIZ4QTk0D6Ryuf4AWpSk5vE+h2dpRsKHUsW9/huX3JxoTkoZhBq5XYjtZHYAdRcQb91lLGh7zODc8pJ52FCKw3vu/2dfwW0HGb0x8K35iJU9Ibz9vDxHgtoOM3pj4U5iI9Ibz9vDxN7QmoVHSzNmjDy9t8ON2IAkWuBYZ7fOsxpRTxK91li5uKbpzawe5HI5aP5nF+0D/akWtfUusucmv7mX+L+qObyI/2r/C/5FihtLPKfXT7fsWkrB5UIAgOHrjp9tDTOlIBcejG073G9u4WJPYtKk81Yl7J9m7uuqa1a31FI6PoarSVSQCXyP6T3uOTR9Inc0bAB1AKmk5SPdVq1vk+hp0RWhJbfzayyKDkopWtHPSyvdvw2Y3uFifarCoLazzNXlJcSf8A8cUlx/OBt+C2g4zemPhWeYiQ+kN5+3h4jwW0HGb0x8KcxEz6Q3n7eHidvVvVWmocfMB132xFxxGw2AZCwzJ/8BbwpqOooXuUa93hzr1bjuLcolD8qNSX6RmB2RiNjezm2u973edUqrxmz3+QaajZRa2tv54fRFt6jULYaGma0WxRNe7rc8B5Ptt3BWqawijx+U60qt3Uk97XYtB3VuUAgCAICuOWigaYIZrdNsmC/wCa5pNvO0ecqvXWhM9LyarSVaVPY1j2r/ZrcjVSTFVx7mlrx2ua4H9wJQ2knKSmlUpz34rg/EgGqX89pf18f74Vel+nsPQ5R/tan+L+hf2kNOU0Dg2eaONxFwHuw3HEX2q9KcY62fPaNpWrLGnBvqWJrfO2g8qh9YFrzsN6JfNt38KXBnh1uoPKofTCc9T95Dzbd/ClwZVnKbrTFWSRsgzjixdO1sTnWvYHOwA277lQVZqT0HrMh5OqWsJTq6HLDRuSJxySaOdFRY3C3PSF4H5tmtB78JPYQpaCwjjvOFygrxqXeEf0rDt1/cmNVUNjY57yGtY0ucTsAAuSpW8FiziwhKclGKxb0H591l0xJpCrLwCcTgyFm8C9mt7STc9ZVKUnJ4n0WxtYWNvmvZpb/NiLq1O1fbRUzYsi89KV3F5GfcNg7FapwzI4Hhso3ru67qbNS6vzSyuOVfVrmZvlMQ/BzHp22Nk237HZntDuIUFaGa8VtPTcn7/nafMTfrR1dK8Pod7kl1m5yP5JKenGLxE72b2drd3V9Vb0J/pZz+UGT+bn5RBaJa+vf2/XrOpysVJZo94H9Y9jD2Xxf/BbV/YKmQKalepvYm/t9yH8jVA19TLK7MxRgN6i8kF3bZpH2io6Cxkztcpa0o0YU1+p6ez/AH8i4laPGBAEAQFf8tH8zi/aB/tSKCvqXWeh5Nf3Mv8AF/VHN5Ef7V/hf8ixQ2lnlPrp9v2LSVg8qEAQFUctdSecpo9wa9/eSB/A+dVq70pHreTNNZtSe3QiNao64uoGPbHCx7nuBc5xINgLBuW4ZnvKjhNw1I6mUclK9mpSm0ktX3O/4W5/J4/Sct+fluOf6M0viPgh4W5/J4/ScnPy3D0ZpfEfBDwtz+Tx+k5OfluHozS+I+CJhqLrLUV4e+SFkcTeiHAklztpAvuA29o61LSm560cXKthRs2oRm3J/JeJLVKcgpPld0aY63nbdGdjSD+cwBjh5gw/aVOssJY7z3PJ2up2vN7Yv5PT3k65MdPsqKRkRI52BoYW7y0ZMeOq1gesdYU1GWMcNx5/LdlKhcOf6ZPHt2omSmOMEAQBAVJyv6fZI5lLGQeadjkI2B1rBnaAXX7R1qrWli8Eev5O2coKVeW3Quredfkj0aWUk0zhbnnHD9VgIv5y7zLegtDZT5Q11O5jTX6V834YFaapfz2l/Xx/vhVqX6ew9PlH+1qf4v6F96waBhrIjFM242tcPGafpNPH3q9OCksGfPrS7q2tTnKb8esovWnVeahkwyDEw+JIB0Xfc7iPftVOcXF4M9/YZRpXkMY6Gta3eHSa+gNCvq5OajkiY/8AJEji3FxDbNNz1LCTbwRJeXkbWGfOLa6Fjh16SwtXeSvC4PrJGvAN+bjvhP1nEA26gO9TRoe8ebvOUblFxt44dL19i8SzGMAAAAAAsAMgBwCsnmG8XiyreVzWa5+RxHZZ0xHnbH7nH7PWq1af6Uer5PZP/wDszXRH7v7LtObqBoh8MMmkeZ57mgeZjxYSbZSSA4TmBcAb+lvstaccFn4aixli6jVqxss7Nx1vX1LZr29h1fC+PJP9b/8ANb+UdBV9GH8X/wDPiael+UyKphfDLRkse2x/DC43hw/B7QbEdi1lWUlg0TW/J+pQqKpCrpX7fHaQHR9a+CRksRs9jg5p6xuPUdhHAqFYrSj0VajCtTdOa0PQXFrFO3SeiHywjpAB+HaQ5hu9nbbFbjccVZm8+nijxNnB5PyioVNWrHoepkB5NNPtpKr8KcMUzcDidjTe7XHqvcdWK+5Q0pZsus9Fluylc2+MFjKOnr3r83F7NN1dPAnqAIAgK/5aP5nF+0D/AGpFBX1LrPQ8mv7mX+L+qObyI/2r/C/5FihtLPKfXT7fsWkrB5UIAgKz5aNGlzIJ2jJhcx/VisWnsuCO8KvXWpnp+TVdKc6L26V2Ee5N6DR9S58FXHeUnFETI9uIWzYA1wFxa/E3PBR0lFvCR0stVry3Sq0JerqehPDp0rbq/wBlh+DvRnk/+rL8an5mG48358vvifKPcPB1ozyf/Vl+NOZhuHny++J8o9w8HWjPJ/8AVl+NOZhu+pnz5ffE+Ue4kOjaCOnjbFC0MYwWa0dtzmcybkm54qSKSWCObWrTrTdSo8WzZWSM4+tWgI66AxPyO1j7XLXDYbbxuI3g7tq0nBSWDLljeztKqqR7VvRR+lNEVmjZgXB0bgehKwnCfqvH7pzttCpyTg9Og93Qura/p4LBranr4ff5nWp+UzSDWgF0b+t0Yv8A5SB7Fvzs95Tnyes5PFYrqffiZfCjX/ofVn4k56p0cPE19HbTfLiu4eFGv/Q+rPxJz1To4eI9HLTfLiu40tJ8oVfM0tMgjBFjzbcJP2s3DuIWJVZNaWT0Mh2dKWdm49bx+Woy6n6jT1jg+QOjgvcvIsXjbZgO2/0tnbsSFNy6jTKOWKVrFwptOe7d19xdjKZscWCMBrWswtA2AAWAVxJJYI8K5ynPOk8W3ifnnVL+e0v6+P8AfCoUv09h9Hyj/aVP8X9D9HroHzU1dJ6OiqI3RTND2OGYPsIO4jcQsSipLBktGtOjNVKbwaKR1y1NloH42Fz4SRhkHjNN8mvtsPB2w9WxU6lNx6j3WTcq072OZPBT2rf1dxK9ROUTFhgrnAOyDJjkDwbJwP52/fxMlOtskcfKuQ8zGrbrRtju6u7gTDXHWBtFTOlyLz0Ym8XEZdw2ns61NUnmrE42TrKV3XVPZrfV+aCk9XdEyaQqwwkkvcXyv3ht7uf252HWQqkYuTwPdXtzCxts5LVoS6diP0HSUzImNjjAaxjQ1o4ACwCupJLBHzqc5Tk5yeLekidRyZ0D3OdaRuIk2a+zRc3sBbIdSi5iJ14ZevIxUcVo6DH4LqD9L6f/ANU5iJt6Q3m9cDja28m0MdM+Sk5wyR9Itc7FiaAcQAt428dlt60nRSWKLuT8vVZ11CvhmvRqwwezsI1ybazfJKjBIbQzEB19jXbGv7Nx6jfctKU819DOnlvJ/lNHPgvWj81tXd4nU165PpI3umo2F8RN3RtHSYd+Fo2s6hmOxZqUmnitRVyVluE4qlcPCS1N7evp+vWR3Q2uddSDBHLdjcgyQYgOoX6Q7AbLSNSS0JnSuck2ly8+UdL2rRj9jq+FGv8A0Pqz8S256p0cPEqejtpvlxXcPCjX/ofVn4k56p0cPEejlpvlxXcZqPlH0lK9scbYXPe4NaBGcyT9ZOdqdHDxI6uQbKlBzm5JLTrXcSLlZik/k+DnCHPbMznHNFm35uQEgbhc2CkrY5qxObyflDyyeboTi8MetfYrzVvWmoocfMYPwmHFibi2XtbMcSoYzlHUelvsm0bzN5zHRue87fhRr/0Pqz8S256p0cPEoejlpvlxXcPCjX/ofVn4k56p0cPEejlpvlxXcPCjX/ofVn4k56p0cPEejlpvlxXcTfVCoqdJU0prms5mQFjGtbhLuL73Ow5DrB4KWm5TTztRwco06NhXirZvOjpbbxw6NXErnWrU2poXlwDnwg3bK3dwx28Vw47OHVBOm469R6awyrQu45ssFLant6t66NZloOUXSETcPONkA2GRocfSFie03WVVnsZpWyDZ1Hjg11P/AH8ja8KNf+h9WfiWeeqdHDxIvR203y4ruHhRr/0Pqz8Sc9U6OHiPRy03y4ruOzqlrnpKtqWRDmg3xpHCM9Fg2nxtpyA6yFtCpUlLDRwKOUclWVpQdRuWOpLFaXw4lpK0eTPpDJ8yMDgQ4Ag7QRceZDKbTxRyn6r0JNzSwX/VM+5ac1DcuBaV/dLQqkv5M8+atB5JB6pv3LHNQ91cDPnC6+LL+THzVoPJIPVN+5Oah7q4DzhdfFl/JmWm1epIzijpoWu3ERtB7ja6yqcVqSNJ3lxNYSqSa62dNblY8IugOVDqzRMcHNpYGuaQWkRtBBBuCDbatFTgtKSLUr65knGVSTT6WdZblUIDHPA17S17Q5rhZzXC4I4EHaEax1m0ZOLUovBo5fzVoPJIPVN+5R81D3VwLXnC6+LL+TM9RoKlkaxskET2xizA5gIaMsmgjIZDZwC2cIvQ0Rwuq8G5Rm03rwb09Zk0foinguYIY4sVsWBgbe2y9h1pGEY6ka1birWw5yTeG94m6tiEIAgCA4/zVofJIPVN+5R81DcuBc84XXxZfyZ1o2BoAAsALAcANgUhUbxeLNKt0LTTG80EUh4vja4+ci61cIvWialdVqSwpza6m0a3zVoPJIPVN+5a81D3VwJfOF18WX8mPmrQeSQeqb9yc1D3VwHnC6+LL+TM1JoCkieHxU8LHi9nNjaCLixsQOBWVTinikjSpeXFSObOcmtzbN2op2SNLJGh7XCxa4AgjgQcitmk9DIIzlCSlF4NbjmfNWg8kg9U37lpzUPdXAtecLr4sv5MfNWg8kg9U37k5qHurgPOF18WX8mPmrQeSQeqb9yc1D3VwHnC6+LL+THzVoPJIPVN+5Oah7q4DzhdfFl/JnUp4GsaGMaGtaAGtAsABsAA2BbpYairKTk3KTxbPshZNTmT6uUbyXPpoHOO0mJtz2m2a0dOD1pFqN7cwWEakkutmP5q0HkkHqm/csc1D3VwNvOF18WX8mPmrQeSQeqb9yc1D3VwHnC6+LL+TNvR+iYIMXMRRxYrYsDA29r2vYZ7T51tGEY6kQ1birWw5yTeG9tm6tiE/9k="/>
+          <p:cNvSpPr>
+            <a:spLocks noChangeAspect="1" noChangeArrowheads="1"/>
+          </p:cNvSpPr>
+          <p:nvPr/>
+        </p:nvSpPr>
+        <p:spPr bwMode="auto">
+          <a:xfrm>
+            <a:off x="168275" y="-144462"/>
+            <a:ext cx="304800" cy="304801"/>
+          </a:xfrm>
+          <a:prstGeom prst="rect">
+            <a:avLst/>
+          </a:prstGeom>
+          <a:noFill/>
+          <a:extLst>
+            <a:ext uri="{909E8E84-426E-40DD-AFC4-6F175D3DCCD1}">
+              <a14:hiddenFill xmlns:a14="http://schemas.microsoft.com/office/drawing/2010/main">
+                <a:solidFill>
+                  <a:srgbClr val="FFFFFF"/>
+                </a:solidFill>
+              </a14:hiddenFill>
+            </a:ext>
+          </a:extLst>
+        </p:spPr>
+        <p:txBody>
+          <a:bodyPr vert="horz" wrap="square" lIns="91440" tIns="45720" rIns="91440" bIns="45720" numCol="1" anchor="t" anchorCtr="0" compatLnSpc="1">
+            <a:prstTxWarp prst="textNoShape">
+              <a:avLst/>
+            </a:prstTxWarp>
+          </a:bodyPr>
+          <a:lstStyle/>
+          <a:p>
+            <a:endParaRPr lang="ko-KR" altLang="en-US" b="1"/>
+          </a:p>
+        </p:txBody>
+      </p:sp>
+      <p:sp>
+        <p:nvSpPr>
+          <p:cNvPr id="7" name="AutoShape 6" descr="data:image/jpeg;base64,/9j/4AAQSkZJRgABAQAAAQABAAD/2wCEAAkGBxISEhQUERQWFRUVFRgYFhgYFx4XGhwcHRQXGBoVGhkYHCggHhorIBUWITEhJikrMi8wFx80ODcsNygtLisBCgoKDg0OGxAQGy0mICQsLCw4NC8sLCw3Ly8sLCwsNCwsLywvMiw0LCwsLCwsLC0vLCwsLCwsLCwsLCwsLCwsLP/AABEIAK8BIQMBEQACEQEDEQH/xAAcAAEAAgMBAQEAAAAAAAAAAAAABgcDBAUBAgj/xABREAABAwICBQYJBgkLAwUAAAABAAIDBBESIQUGMUFRBxMiYXGBFzJUkZKTobHSFBZScoLRIzNCYmNzdLLBFTQ1Q0RTg6Kjs8PT8PEkVcLi4//EABsBAQACAwEBAAAAAAAAAAAAAAADBAECBQYH/8QAPxEAAgECAQcHCwMEAwADAAAAAAECAwQRBRIhMUFRkQYTYXGB0eEUFRYiMlJTobHB8EJikjM0cvEkNcIjRKL/2gAMAwEAAhEDEQA/ALxQBAEAQBAEAQBAEAQBAEAQHKj0lasfTu3wtlZxtjcx47iGH7R4LTP9bNLDoPmFWW/NfBNffgdVblcIAgCAIAgCAIAgCAIAgCAIAgCAIAgCAIAgCAIAgCAIAgCAIAgCAIAgCAIDwlAQahquf03I5mbIKd0ZO64c249Jzh9gqtF51d9CO3Up81kuKlrnPHsw/OJOlZOIEAQBAEAQBAEAQBAEAQBAEAQBAEAQBAEAQBAEAQBAEAQBAEAQBAEAQBAEBENedbW0rDFEQZ3DtEYI8d3XwHfs2169ZQWC1nXyXkyVzLPn7C+fQvu9nWffJ5oF1NAXyAiWaznA7WtF8LT+dmXHrceCzb082OL1sxle9VxWzYezHQvu+7oRLFOckIAgCAIAgCAIAgCAIAgCAIAgCAIAgCAIAgCAIAgCAIAgCAIAgCAIAgPCUBANb9ewzFFSEF4ydLta3iGbnO69g69gqVrjDRA9Dk3IzqYVa+iO7a+vcvn9TDqTqc4uFVWA3vjYx2bidvOyXzvvAPac8hihQ058zfKmVY5vk9vq1Nr6Lo3vb1a5VpzWmmpejI4ukNrRMGOQk7BYbL7r2urE6sYa9ZyLXJ9e50wWEd70JdvceUElXP0pGimjOxmT5j1uceizssTntCRc5aXoMVo29L1YPPe/Uuza+vR1M7jQpCmeoAgCAIAgCAIAgCAIAgCAIAgCAIAgCAIAgCAIAgCAIAgCAIAgCA8KArTlB1tLnOpoHWa3KZ42k74weA3nectxvSuK36Ynp8j5LWCuKq6l939uJ0dRdTREG1FS28pAMbCMoxuJH957t3Fb0KGb60tf0K2VcrOs3SpP1dr97w+utmHXTW+QSfJaK5kuGve3N2I5c3H+dnm7d23IxWrvHMhrN8mZLpuHlFz7OtLo3vo3Lb9evqhqiylHOS2kqHZuecw0naGk534uOZ6hkpKNFQ0vWUsoZTncvMhogtS7+7UvmSpTnLCAIAgCAIAgCAIAgCAIAgCAIAgCAIAgCAIAgCAIAgCAIAgCAIAgCA+Jr4TbbY27dyGVrKU1IouerYWyZ2cZHg7y0F2f2rHuXMoxzqixPcZVq81ZydPbgl1PwLj0pOY4ZXt2sje4doaSPculJ4Js8VSip1Ixe1pFQahSNFfAZDckvsT9MsdYnrNz3lc63a5xYntMsQl5HJQ1LDgn/oukLpHhz1AEAQBAEBjEzb2xC/C4QzgzIhgIAgCAIAgCAIAgCAIAgCAIAgCAIAgCAIAgCAIAgCAIDwoCstYKE6Or46toPMPkJdb8kuBEjT1HEXjrBHBUqkeaqKew9PZ1lfWUrV+2lo6cNXcWR0ZGbnNc3tBBHusVc1nmdMX0oozTWjH0k7ojcFhBjdvLb3Y8Hjl3EFcqcHCWB9AtLmF1QU9+hrp2r82Fsal6f+WU+J2UrDhkA2XtcPHURn1G43Lo0amfHHaeOylZeS1s1ey9K6vAkKlOeEAQBACgKV1dYP5WYbC/yubPvlXNp/1u1/c9veN+a2v2Q/8AJdS6R4g8ugF0AugPUB5dAe3QHl0AugF0B6gCAIAgCAIAgCAIAgCAIAgCAIAgCA1q+jZNG6ORocxwsQf+8j1rDSksGb06k6c1ODwaODq5FJRv+SSkvizNNIeG0wO4OAzHEXtssoqacPUerZ3F68nC5XPx0S/Uun3l0PbufWYOUnRjJKR0pHThs5ruouAc3sIN+0Ba3EE4Y7ibItxKncqC1S0P7PsOfyT0L2xzTOBDZS1rOsMxXcOq7yPsrW1i1FveWeUFeMqsaa1xTx7cNHy+ZPlaPPhAEAQHhQFMavf0rH+1ze+Zc2n/AFu1/c9tef8AWP8Awh/5LF1uir3iNtC5rL4uccbAjxcNiQbDxtgvsVyqqjwzDzOT52kXJ3Kb3fmj6kZm1J0i4YnVhLuHOy28+7zKB0KmvO+bOtHK9jHQqOj/ABj+fM1NVtY6qCqbTVL3PaZOacHnE5jibNcHnMgkjaTkbjr1pVZxnmSJcoWFvWtncUFg8MdGjFbdHQbnKXPUQzRvimlYyRhFmvIaHNPAHaQ4eiVtcuUWmmQ5ChQqwlCcE2njpWx/nzJlqtpH5RSwynxiwB31m9F3tBVqnLOimcS9ocxXnT3P5bPkQjlL01NHUsZDLIzDDicGOLblznWvbabM9qq3M2pJJneyFaUqlGU6kU9OGlY6l4kqroaxtDG2mdeoDYw5zyCTkA9135Xzvc32KxJTzPV1nGoztndOVZepi9C+Wojb9TtJy5y1nS4CWS3+UNHmCg5iq9cvqdZZUsKeiFHR1R++L+Zxm6YrtGT4Jnuka2xcxzzI1zD+UxzswcjbZmMwos+pSlhIuu1tMoUc+lFJ9Cwwe5paC0Kaj6YlbJIWuFwwuu3O5vb7XZkOC6HSeQlLRmtHQWTQIAgCAIAgCAIAgCAIAgCAIDW0jXxwRmSZ4Yxu0nzAdZ6gtoQlOWbFYs1nNQWdLUQw6/meZsFFG3E8kCSd2Buwm+EZnIcQepXvIebhn1X2Ioq/VSeZTXa9BJKTRtQbGeqc472xMbGz2hz/APMqkpw/THi8fD5F2MZbWdZjbC3vNz5yojc8kjDtovmDnxBuD50BzdOaL+UtEUhtDcOeAbF9jcMvubcAk7Ta2S0nDPWD1Fi2uHQlnx9rZ0dPXuNh1XBC0NL442tFgC5rQABsAvssFJGEnoiivOpi3KTMVJp2nmdhhkEpG3m7vA+s5oLR3lbypTivWWHXoNI1Iy1PEV+ho5r84ZD1NlfGB2CNwHebrEKkoasOCf1MyinrILrA+p0TNG+GWSWnkJHNyuL7EWuzEcxcZgjgb339Kgqd1FxkkpLatBzbidS1kpJ4xexliaPq2zRslZm2RjXt7HAEd+a5kouLcXsOnGSkk0ZytTJTGrv9Ks/a5vfMubT/AK3a/ue2vP8ArH/hD/yWtpzTkFIzHM61zZoAu5x4NH8dgV+c4wWLPJW1pVuZ5lNY/brIj4Q5JD/6aikkFznc/wDGxwB71X8qb9mJ2PMcIf1q0Y8Pu19CH1FW+XSDZJIzE99TAXRm929KIWNwDmADsG1V85yq4tYaUdlUo0snuEJZyUZad+t9P1LF5SaDnKJz98LhIOwXa/8Ayuce5XLiOMOo81kavzV3FbJerx1fPA5PJPX3ZNAT4rhI3scMLh52g/aUdpLQ4lzlDQwqRqrasO1eH0I/Wj5bpYtGbTOG/YiHS7jzb/SUT9et2/Q6FL/iZMx25uPbLV8mi1tIV8dPGZJnBjG7SfYANpPABXpSUVizyVGjOtNQprFshs3KPicRS0sktjvuO+zGuIHbZVndY+zHE7kcguKTr1Yx/Oloh2uelJamUPmgMDhFhDTfMYnHF0mt4kbNyr15ub0rA7eSranbxcac89N9H2bLl0Z+Ji/Vs/dC6UdR4ep7b62bKyaBAEAQBAEAQBAEAQBAEAQBAYaykZKwsla17Dta4XB7isxk4vFPSYlFSWDIrWcnFC++Fskf1X3HmfdXI5QrR24lOWT6EtOGHUajdQ2NOCKuqWkC5aH7BuNm2tsW3lzemUI8DHkeGhTlxM/zHm/9xqvSd8ax5ZH4cTbySXxJcTxuoT79Kvqz2SEe8lZd6tlOPAwrN/ElxPpnJzT/ANZNUSfWkH8GrXy+eyMV2GVZQ2tvtN6j1E0fHsga4/nkv9jjb2LSV7Xl+r7G8bSjH9P3O/S0rI2hsbWsaNjWgNHmCrNuTxZYSSWCMywZKy5TK41M8FFTjHI1xLgPpkWa2+6zS4ngCF1bCHNxlWnqOVlCTqyjRhrLA0NQiCCKEG/NxtZfjZoBPec1zak8+blvZ04RzYqK2G6tDYpfV7+lY/2ub3zLm0/63a/ue2vP+sf+EP8AybXKfK41pDibNhZhHUS4kjrJ/dHBbXPt6dxFkKOFo3HW2/klgWhSTwMha6NzGwhgLSCAwNtlnssryaS0ajyc41JVGpJ52PbiVHpOsZNpTnIjiY+qgwnjYwtJF912lc9yUq2K3o9lSpTpZNzJrBqEvniy5amEPY5js2uaWkdRFj710WsUeJjJxaktaKU0JXvoKl5dcuY2aIjiQDhPe5jO4rm05c1N9p7m7oq+to5u1xfVjr+r4Ej5KdGl0ktQ7PAObaTvc6znntsG+kVNax0uTObygrqMYUI9fYtC+5m5W5XXpm/kHnHH6wwAexzvOs3behGnJ2McaktuhdmnuRJNRHQihh5vCOgOc2Xx/l4uu91NQw5tYHKyoqnlc8/fo6tmHRgQHlL0hFNU3ieHhkWBxbmMQc8kA7DtGxVLmSlLQejyDQqUqLz1hi8VjuLY0Z+Ji/Vs/dC6EdR4+p7b62bKyaBAEAQBAEAQBAEAQBAEAQBAEBraQie+N7Y34HuY4Nfa+EkEB1uo5rMWk03pMSTaaRWNDHpbRpkww8817sTnWMuI2tiu0472A2jcuvN2txhpwa7PA5MPK7fHRnI2TylVLPxlIAesvZ7C0rXzdTeqf07zbzhUWum/zsPTypSbqQetP/TTzZH3/l4jzlLZTf52HyeUCvk/E0g6rMkk91k8goR9qf0Q8urv2af1MkFXp6ZzSGCMAg2cxjGnPYQ4l9uzNayhZQWGOP5wMxneyepIsCikl5sGdrGvt0gxxe3ZuJaD3WXNlm4+rqOmscNJytJTVk/QpWiBpydPKOl/hxbb9b8PZvUsFThpnp6F933Ec8+WiOjpMmreq8FGCWXfI7x5X5vdc3Oe4Xztv33KVridXXq3GtG3hS1a3tO4oCc166sZDG6SQ4WMBc4ngP49Sw2ksWb06cqklCKxbKj1EhdPpCOS3iukmf1YmuFr/WkHmK51BOVTHrZ7HK0lRsebx15seGHcWJrPqrDW4S4uZI0Wa9vC98LgciPdc22lXatFVNZ5uxyjVtG83SnsZHKbkwZcc5OXNvezWBpOd9pJ9ygVotrOnPlFNr1IJPe3j3HTqNQIDNFJE50Qi5uzGgEEsfiuScyTvPUpPJ45ya2FOOWa3NTpzWdnY6XsxWH+iXlWDkEP01qDFUTvm517DIQS0NBFw0NvnxsFXnbKUscTtWmWqlvSVLNTw6+s7+gNEMpIWwsJIbclx2uJNy427fYpYQUI4I5t1cyuKrqy2/I+dYdBxVkfNy3Fjdrm5OabWuL9uwpUpqawZtaXdS1qZ9P/AGukhw5Lxc3qDhO20YuR2l1vYq3ki3nafKKWGimsev8APqdKu5OqZ8bGRudHhxYnABzn4gPGJ4WyAyzW8raDWC0FWjl24hUc54Sx2akuol1NFgY1u3C0C/YLKyjjSeLbMqGAgCAIAgCAIAgCAIAgCAIAgCAICL6e10gpahkDgbkt5x9jhY05gm2bjsyHHuVqlaTqwc1/sq1runSmoS2nSg1ko3+LUwn/ABGg+YlROhVWuL4EqrU5apLibf8AKEH97H6bfvWmZLcyTORqVGstGzxqmEdXONJ8wN1vG3qy1RfAjlWpx1yXE80XrLSVLiyGZrnD8nNpPW0OAxDrCzUt6tNYyiYp16dR4RkmdZQkx7ZAEAQEV111alrBEI5cAa7pNdmy2fTsNrx/HcoK1J1MMGdTJl/C0cnKGOOp7erqZ0tW9XoqOMtjuXOsXvPjOI2dgGdh1neSVvTpqCwRWvL2pdTzp9i2L83nYUhUCAIAgCAIAgCAIAgCAIAgCAIAgCAIAgCAIAgCA+JZA0EuIAAuSTYAcSSmsEfGt8cjzHRxyVThtLAGxt63SPsLdl77lZ8llFY1Go9evgQK4jJ4Q09XedOjlqSQZY4mDg2RzyP9MBQyUNjfDxJVnbTU0/qvTVgBmacYFg9pwuA4X2EZ7CCpKNxUo+yyKtb06y9dEOq+Sw3/AAVQLcHsz9Jp/gr8cqe9HgznzyTH9MjQPJdU/wB7D/m+FSedIbmR+ap+8bVPyWSfl1DAPzYy72lwWksqLZH5m0ck75fIkGjOTmjiIc/HM4G4xus2/wBVtvbdVqmUKs1gtHUXKVhRpvHWyXsYAABsAsFRLp7dAasWkGOmfCD042se4fmvLw034/g3ZdnELZxaipbGYTWOBtrUyEAQBAEAQBAEAQBAEAQBAEAQBAEAQBAEAQBAEAQBAEBHdddX5K2ERxy4C12Ig+K/LIOtnkcxt7OFm1rqjPOaxK11QdaGangQvRugNMUJPycNcHG7mtc1zT12fhN+yyv1K9pX9vFfnQc+lb3Vv7GDR2Ga2aTj/H6Oc7iWYvcA/wB6g8lt5ezU4/iLXlNePtU+DMo5RLfjKKpbl9H4g3JY8gx1TjxM+W4a4S4DwnUw8aGoHa1nxp5uqbJIx5wgtcZcAOU+kOyKc9jWfGnm2rta/Owz5wp7nwPpvKREfFpal3Yxp9zljzfJa5x4mfLV7kuB9s11qH/itHVJ+tdg85YsO0gvaqL6mVdTeqm/oZo9KaWk8Wjih65ZsXsZmtXTto65t9S7zZVK8v0Jdb7jZj0ZXSZ1NYI27208YZ3c5Jd3mAWjqUV7EMet/ZYG6hUftS4GGDS9FS/gaUGeZxuWRHnZHu2YpJCbcLuc7ILLpVanrz0Lp0cF3BVKcXmx0v8ANZJqXHhHOWxWGLDsvvAJzI61V6idGVAEAQBAEAQBAEAQBAEAQBAEAQBAEAQBAEAQBAEAQBAEAQGCqhe7xHlhHUHA9oI9xCymlrRho5zo64eLJTvHXG+M+cSOHsUmNLc+K7jX1+gwOn0kP7PSu6xUPb7DCfet82h70uC7zXGpuXHwMXyzSQ/sdP3VJ/6Szm0Pff8AHxMOVT3Vx8Dx1bpQ7KWnb21Dj7owmZb+8+HiM6ruXHwMbjpl2wUTO+Rx9y2/4q958Eaf8h+6uLPh+h9KSePXsjHCKAe9xuEVW3Wqnj1sw6dZ654dS7zwaixvzqqioqep8hDe5rdnnWfLJL2IqPUh5LF+22+3uJBo3RUFO3DBGyMb8ItfrJ2nvVadSc3jJ4liEIwWEVgbq0NggCAIAgCAIAgCAIAgCAIAgCAIAgCAIAgCAIAgCAIAgCAIAgCAIAgCAIAgCAIAgCAIAgCAIAgCAIAgCAIAgCAIAgCAIAgCAICOaw660lGS2R5dIP6uMYnDtzs3vKjlUjHQdGzyVc3SzoLBb3oXj2EXfyuxX6NM8jrkAPmwlR8/0HWXJmphpqLgz58LrPJXesHwpz/QZ9GJ/EXDxHhdZ5K71g+FOf6B6MT+IuHiZqblbgJ/CU8jRxa5r/YbIq63Gk+TVZL1Zp8V3k00Jp6nq24qeQPttGxze1pzCmjNS1HDubOtbSzascPzYzovdYE8BdbFdLFlaDleZ5K71g+FVlcY7D0/oxP4i4eI8LrPJXesHwrPP9A9GJ/EXDxHhdZ5K71g+FOf6B6MT+IuHiPC6zyV3rB8Kc/0D0Yn8RcPE7ur3KJSVThG7FDI42aH2wk8A4ZX7bLeNaMtBQvMh3NvHPXrLo2dhMFKcYIAgIFrNylxU0zoYoueLDZ7seFoO9oyNyNh2ZqCdZJ4JHfscg1Likqk5ZqerRj27CTasawRV0POxXFjhe07Wu4G27YQVJCaksUcy9sqlpV5ufY96OutymEBqaS0jFTsMkz2sYN7j7ANpPUFhySWLJaNGpWnmU1iyEV3KxTNJEUUkgG82YD2XufOAoXXWxHdpcm7iSxnJL5+BqeF1nkrvWD4Vjn+gm9GJ/EXDxHhdZ5K71g+FOf6B6MT+IuHifcPKwHua1lI9znENaBILkk2AHRTn+g1nyblCLlKqsF0eJKda9Z/kMEcskWIveGFofaxLHOPSw5+LbYpJzzVjgcmwsPLKrpxlhgsccOlL7mHUzW9ukOdwxGPm8O12K+LF1D6PtSnUz9hJlLJjss3GWOOOzDUSdSHLCAIAgOTp7WOmo23nkDSfFaM3nsaN3WclpKcY6y3a2Ne6eFKOPTsXaQ2flchB6FPI4cXOa0+YXUXP9B24cmarXrTS7G+4xeF1nkrvWD4U5/oNvRifxFw8R4XWeSu9YPhTn+gejE/iLh4nS1e5RDWTshipXXdm5xkFmtG1x6P/kkDeto1s54YFW8yJ5LSdWdRcNb3aydKY4JC+UvWp1HE2OE2mlvY/QbsL+3cO87lDWqZqwWs7eRcnK6qOdT2Y/N7u8rLVTVWfSD3YThY0/hJXXOZzsPpO37e05i9eEHLUepyhlKlYwSaxb1JbvsixqfkqogOk+Zx44mjzANU6oR3nmp8o7pvQors8TL4LaDjN6Y+FZ5iJr6Q3n7eHiPBbQcZvTHwpzER6Q3n7eHiaOkuSenLTzEsjHbsdnt77AHvusOgtjJqPKSvF/8AyxTXRofcVy5tVoyq3xyxndm1zT+8w/8AdiFX9aL6T0ydvlC33xfFP7NfmgvPQGmW1lK2ZuWJpDm/RcBZzfP7LK7GWdHE8Dd2srWu6Utj4reUDoClbNUQRvvhkkY11sjYuANlQprHBdR9Du6sqVCdSOtJst/wW0HGb0x8Kt8xE8d6Q3n7eHiPBbQcZvTHwpzER6Q3n7eHieHktoOM3pj4U5iI9Ibz9vDxK6151TNBK0BxfFICWOO3K12utlfMZ77qCcMxnpclZSV7B4rCS196LS5NNMuqqJpkN3xOMbidpsAWk9eFwz4gqxRlnR07DyeWrSNvdNR1S0r86yVqU5JF+UHWT5FTHAfw0t2xDhxk7r+chR1Z5q0azqZJsPK6+EvZWl93aU5q9q9PXOlEWZjYXuJ3nPCy/wBJxB28CqkYOWhHtb2+pWajn7Xh2b+pG5qNrEaGpBfcRP6EwtsF8nW4tJ82Ib1mnPNeJBlWxV5Q9X2lpXd29xfrHggEG4OYI2EcVePnrTWhmKtqmxRvkkNmMaXOPUBcrDaSxZvTpyqTUI628CgNYNMz6SqQbOOJ2GGIZ4QTk0D6Ryuf4AWpSk5vE+h2dpRsKHUsW9/huX3JxoTkoZhBq5XYjtZHYAdRcQb91lLGh7zODc8pJ52FCKw3vu/2dfwW0HGb0x8K35iJU9Ibz9vDxHgtoOM3pj4U5iI9Ibz9vDxN7QmoVHSzNmjDy9t8ON2IAkWuBYZ7fOsxpRTxK91li5uKbpzawe5HI5aP5nF+0D/akWtfUusucmv7mX+L+qObyI/2r/C/5FihtLPKfXT7fsWkrB5UIAgOHrjp9tDTOlIBcejG073G9u4WJPYtKk81Yl7J9m7uuqa1a31FI6PoarSVSQCXyP6T3uOTR9Inc0bAB1AKmk5SPdVq1vk+hp0RWhJbfzayyKDkopWtHPSyvdvw2Y3uFifarCoLazzNXlJcSf8A8cUlx/OBt+C2g4zemPhWeYiQ+kN5+3h4jwW0HGb0x8KcxEz6Q3n7eHidvVvVWmocfMB132xFxxGw2AZCwzJ/8BbwpqOooXuUa93hzr1bjuLcolD8qNSX6RmB2RiNjezm2u973edUqrxmz3+QaajZRa2tv54fRFt6jULYaGma0WxRNe7rc8B5Ptt3BWqawijx+U60qt3Uk97XYtB3VuUAgCAICuOWigaYIZrdNsmC/wCa5pNvO0ecqvXWhM9LyarSVaVPY1j2r/ZrcjVSTFVx7mlrx2ua4H9wJQ2knKSmlUpz34rg/EgGqX89pf18f74Vel+nsPQ5R/tan+L+hf2kNOU0Dg2eaONxFwHuw3HEX2q9KcY62fPaNpWrLGnBvqWJrfO2g8qh9YFrzsN6JfNt38KXBnh1uoPKofTCc9T95Dzbd/ClwZVnKbrTFWSRsgzjixdO1sTnWvYHOwA277lQVZqT0HrMh5OqWsJTq6HLDRuSJxySaOdFRY3C3PSF4H5tmtB78JPYQpaCwjjvOFygrxqXeEf0rDt1/cmNVUNjY57yGtY0ucTsAAuSpW8FiziwhKclGKxb0H591l0xJpCrLwCcTgyFm8C9mt7STc9ZVKUnJ4n0WxtYWNvmvZpb/NiLq1O1fbRUzYsi89KV3F5GfcNg7FapwzI4Hhso3ru67qbNS6vzSyuOVfVrmZvlMQ/BzHp22Nk237HZntDuIUFaGa8VtPTcn7/nafMTfrR1dK8Pod7kl1m5yP5JKenGLxE72b2drd3V9Vb0J/pZz+UGT+bn5RBaJa+vf2/XrOpysVJZo94H9Y9jD2Xxf/BbV/YKmQKalepvYm/t9yH8jVA19TLK7MxRgN6i8kF3bZpH2io6Cxkztcpa0o0YU1+p6ez/AH8i4laPGBAEAQFf8tH8zi/aB/tSKCvqXWeh5Nf3Mv8AF/VHN5Ef7V/hf8ixQ2lnlPrp9v2LSVg8qEAQFUctdSecpo9wa9/eSB/A+dVq70pHreTNNZtSe3QiNao64uoGPbHCx7nuBc5xINgLBuW4ZnvKjhNw1I6mUclK9mpSm0ktX3O/4W5/J4/Sct+fluOf6M0viPgh4W5/J4/ScnPy3D0ZpfEfBDwtz+Tx+k5OfluHozS+I+CJhqLrLUV4e+SFkcTeiHAklztpAvuA29o61LSm560cXKthRs2oRm3J/JeJLVKcgpPld0aY63nbdGdjSD+cwBjh5gw/aVOssJY7z3PJ2up2vN7Yv5PT3k65MdPsqKRkRI52BoYW7y0ZMeOq1gesdYU1GWMcNx5/LdlKhcOf6ZPHt2omSmOMEAQBAVJyv6fZI5lLGQeadjkI2B1rBnaAXX7R1qrWli8Eev5O2coKVeW3Quredfkj0aWUk0zhbnnHD9VgIv5y7zLegtDZT5Q11O5jTX6V834YFaapfz2l/Xx/vhVqX6ew9PlH+1qf4v6F96waBhrIjFM242tcPGafpNPH3q9OCksGfPrS7q2tTnKb8esovWnVeahkwyDEw+JIB0Xfc7iPftVOcXF4M9/YZRpXkMY6Gta3eHSa+gNCvq5OajkiY/8AJEji3FxDbNNz1LCTbwRJeXkbWGfOLa6Fjh16SwtXeSvC4PrJGvAN+bjvhP1nEA26gO9TRoe8ebvOUblFxt44dL19i8SzGMAAAAAAsAMgBwCsnmG8XiyreVzWa5+RxHZZ0xHnbH7nH7PWq1af6Uer5PZP/wDszXRH7v7LtObqBoh8MMmkeZ57mgeZjxYSbZSSA4TmBcAb+lvstaccFn4aixli6jVqxss7Nx1vX1LZr29h1fC+PJP9b/8ANb+UdBV9GH8X/wDPiael+UyKphfDLRkse2x/DC43hw/B7QbEdi1lWUlg0TW/J+pQqKpCrpX7fHaQHR9a+CRksRs9jg5p6xuPUdhHAqFYrSj0VajCtTdOa0PQXFrFO3SeiHywjpAB+HaQ5hu9nbbFbjccVZm8+nijxNnB5PyioVNWrHoepkB5NNPtpKr8KcMUzcDidjTe7XHqvcdWK+5Q0pZsus9Fluylc2+MFjKOnr3r83F7NN1dPAnqAIAgK/5aP5nF+0D/AGpFBX1LrPQ8mv7mX+L+qObyI/2r/C/5FihtLPKfXT7fsWkrB5UIAgKz5aNGlzIJ2jJhcx/VisWnsuCO8KvXWpnp+TVdKc6L26V2Ee5N6DR9S58FXHeUnFETI9uIWzYA1wFxa/E3PBR0lFvCR0stVry3Sq0JerqehPDp0rbq/wBlh+DvRnk/+rL8an5mG48358vvifKPcPB1ozyf/Vl+NOZhuHny++J8o9w8HWjPJ/8AVl+NOZhu+pnz5ffE+Ue4kOjaCOnjbFC0MYwWa0dtzmcybkm54qSKSWCObWrTrTdSo8WzZWSM4+tWgI66AxPyO1j7XLXDYbbxuI3g7tq0nBSWDLljeztKqqR7VvRR+lNEVmjZgXB0bgehKwnCfqvH7pzttCpyTg9Og93Qura/p4LBranr4ff5nWp+UzSDWgF0b+t0Yv8A5SB7Fvzs95Tnyes5PFYrqffiZfCjX/ofVn4k56p0cPE19HbTfLiu4eFGv/Q+rPxJz1To4eI9HLTfLiu40tJ8oVfM0tMgjBFjzbcJP2s3DuIWJVZNaWT0Mh2dKWdm49bx+Woy6n6jT1jg+QOjgvcvIsXjbZgO2/0tnbsSFNy6jTKOWKVrFwptOe7d19xdjKZscWCMBrWswtA2AAWAVxJJYI8K5ynPOk8W3ifnnVL+e0v6+P8AfCoUv09h9Hyj/aVP8X9D9HroHzU1dJ6OiqI3RTND2OGYPsIO4jcQsSipLBktGtOjNVKbwaKR1y1NloH42Fz4SRhkHjNN8mvtsPB2w9WxU6lNx6j3WTcq072OZPBT2rf1dxK9ROUTFhgrnAOyDJjkDwbJwP52/fxMlOtskcfKuQ8zGrbrRtju6u7gTDXHWBtFTOlyLz0Ym8XEZdw2ns61NUnmrE42TrKV3XVPZrfV+aCk9XdEyaQqwwkkvcXyv3ht7uf252HWQqkYuTwPdXtzCxts5LVoS6diP0HSUzImNjjAaxjQ1o4ACwCupJLBHzqc5Tk5yeLekidRyZ0D3OdaRuIk2a+zRc3sBbIdSi5iJ14ZevIxUcVo6DH4LqD9L6f/ANU5iJt6Q3m9cDja28m0MdM+Sk5wyR9Itc7FiaAcQAt428dlt60nRSWKLuT8vVZ11CvhmvRqwwezsI1ybazfJKjBIbQzEB19jXbGv7Nx6jfctKU819DOnlvJ/lNHPgvWj81tXd4nU165PpI3umo2F8RN3RtHSYd+Fo2s6hmOxZqUmnitRVyVluE4qlcPCS1N7evp+vWR3Q2uddSDBHLdjcgyQYgOoX6Q7AbLSNSS0JnSuck2ly8+UdL2rRj9jq+FGv8A0Pqz8S256p0cPEqejtpvlxXcPCjX/ofVn4k56p0cPEejlpvlxXcZqPlH0lK9scbYXPe4NaBGcyT9ZOdqdHDxI6uQbKlBzm5JLTrXcSLlZik/k+DnCHPbMznHNFm35uQEgbhc2CkrY5qxObyflDyyeboTi8MetfYrzVvWmoocfMYPwmHFibi2XtbMcSoYzlHUelvsm0bzN5zHRue87fhRr/0Pqz8S256p0cPEoejlpvlxXcPCjX/ofVn4k56p0cPEejlpvlxXcPCjX/ofVn4k56p0cPEejlpvlxXcTfVCoqdJU0prms5mQFjGtbhLuL73Ow5DrB4KWm5TTztRwco06NhXirZvOjpbbxw6NXErnWrU2poXlwDnwg3bK3dwx28Vw47OHVBOm469R6awyrQu45ssFLant6t66NZloOUXSETcPONkA2GRocfSFie03WVVnsZpWyDZ1Hjg11P/AH8ja8KNf+h9WfiWeeqdHDxIvR203y4ruHhRr/0Pqz8Sc9U6OHiPRy03y4ruOzqlrnpKtqWRDmg3xpHCM9Fg2nxtpyA6yFtCpUlLDRwKOUclWVpQdRuWOpLFaXw4lpK0eTPpDJ8yMDgQ4Ag7QRceZDKbTxRyn6r0JNzSwX/VM+5ac1DcuBaV/dLQqkv5M8+atB5JB6pv3LHNQ91cDPnC6+LL+THzVoPJIPVN+5Oah7q4DzhdfFl/JmWm1epIzijpoWu3ERtB7ja6yqcVqSNJ3lxNYSqSa62dNblY8IugOVDqzRMcHNpYGuaQWkRtBBBuCDbatFTgtKSLUr65knGVSTT6WdZblUIDHPA17S17Q5rhZzXC4I4EHaEax1m0ZOLUovBo5fzVoPJIPVN+5R81D3VwLXnC6+LL+TM9RoKlkaxskET2xizA5gIaMsmgjIZDZwC2cIvQ0Rwuq8G5Rm03rwb09Zk0foinguYIY4sVsWBgbe2y9h1pGEY6ka1birWw5yTeG94m6tiEIAgCA4/zVofJIPVN+5R81DcuBc84XXxZfyZ1o2BoAAsALAcANgUhUbxeLNKt0LTTG80EUh4vja4+ci61cIvWialdVqSwpza6m0a3zVoPJIPVN+5a81D3VwJfOF18WX8mPmrQeSQeqb9yc1D3VwHnC6+LL+TM1JoCkieHxU8LHi9nNjaCLixsQOBWVTinikjSpeXFSObOcmtzbN2op2SNLJGh7XCxa4AgjgQcitmk9DIIzlCSlF4NbjmfNWg8kg9U37lpzUPdXAtecLr4sv5MfNWg8kg9U37k5qHurgPOF18WX8mPmrQeSQeqb9yc1D3VwHnC6+LL+THzVoPJIPVN+5Oah7q4DzhdfFl/JnUp4GsaGMaGtaAGtAsABsAA2BbpYairKTk3KTxbPshZNTmT6uUbyXPpoHOO0mJtz2m2a0dOD1pFqN7cwWEakkutmP5q0HkkHqm/csc1D3VwNvOF18WX8mPmrQeSQeqb9yc1D3VwHnC6+LL+TNvR+iYIMXMRRxYrYsDA29r2vYZ7T51tGEY6kQ1birWw5yTeG9tm6tiE/9k="/>
+          <p:cNvSpPr>
+            <a:spLocks noChangeAspect="1" noChangeArrowheads="1"/>
+          </p:cNvSpPr>
+          <p:nvPr/>
+        </p:nvSpPr>
+        <p:spPr bwMode="auto">
+          <a:xfrm>
+            <a:off x="320675" y="7938"/>
+            <a:ext cx="304800" cy="304801"/>
+          </a:xfrm>
+          <a:prstGeom prst="rect">
+            <a:avLst/>
+          </a:prstGeom>
+          <a:noFill/>
+          <a:extLst>
+            <a:ext uri="{909E8E84-426E-40DD-AFC4-6F175D3DCCD1}">
+              <a14:hiddenFill xmlns:a14="http://schemas.microsoft.com/office/drawing/2010/main">
+                <a:solidFill>
+                  <a:srgbClr val="FFFFFF"/>
+                </a:solidFill>
+              </a14:hiddenFill>
+            </a:ext>
+          </a:extLst>
+        </p:spPr>
+        <p:txBody>
+          <a:bodyPr vert="horz" wrap="square" lIns="91440" tIns="45720" rIns="91440" bIns="45720" numCol="1" anchor="t" anchorCtr="0" compatLnSpc="1">
+            <a:prstTxWarp prst="textNoShape">
+              <a:avLst/>
+            </a:prstTxWarp>
+          </a:bodyPr>
+          <a:lstStyle/>
+          <a:p>
+            <a:endParaRPr lang="ko-KR" altLang="en-US" b="1"/>
+          </a:p>
+        </p:txBody>
+      </p:sp>
+      <p:sp>
+        <p:nvSpPr>
+          <p:cNvPr id="9" name="AutoShape 8" descr="data:image/jpeg;base64,/9j/4AAQSkZJRgABAQAAAQABAAD/2wCEAAkGBxISEhQUERQWFRUVFRgYFhgYFx4XGhwcHRQXGBoVGhkYHCggHhorIBUWITEhJikrMi8wFx80ODcsNygtLisBCgoKDg0OGxAQGy0mICQsLCw4NC8sLCw3Ly8sLCwsNCwsLywvMiw0LCwsLCwsLC0vLCwsLCwsLCwsLCwsLCwsLP/AABEIAK8BIQMBEQACEQEDEQH/xAAcAAEAAgMBAQEAAAAAAAAAAAAABgcDBAUBAgj/xABREAABAwICBQYJBgkLAwUAAAABAAIDBBESIQUGMUFRBxMiYXGBFzJUkZKTobHSFBZScoLRIzNCYmNzdLLBFTQ1Q0RTg6Kjs8PT8PEkVcLi4//EABsBAQACAwEBAAAAAAAAAAAAAAADBAECBQYH/8QAPxEAAgECAQcHCwMEAwADAAAAAAECAwQRBRIhMUFRkQYTYXGB0eEUFRYiMlJTobHB8EJikjM0cvEkNcIjRKL/2gAMAwEAAhEDEQA/ALxQBAEAQBAEAQBAEAQBAEAQHKj0lasfTu3wtlZxtjcx47iGH7R4LTP9bNLDoPmFWW/NfBNffgdVblcIAgCAIAgCAIAgCAIAgCAIAgCAIAgCAIAgCAIAgCAIAgCAIAgCAIAgCAIDwlAQahquf03I5mbIKd0ZO64c249Jzh9gqtF51d9CO3Up81kuKlrnPHsw/OJOlZOIEAQBAEAQBAEAQBAEAQBAEAQBAEAQBAEAQBAEAQBAEAQBAEAQBAEAQBAEBENedbW0rDFEQZ3DtEYI8d3XwHfs2169ZQWC1nXyXkyVzLPn7C+fQvu9nWffJ5oF1NAXyAiWaznA7WtF8LT+dmXHrceCzb082OL1sxle9VxWzYezHQvu+7oRLFOckIAgCAIAgCAIAgCAIAgCAIAgCAIAgCAIAgCAIAgCAIAgCAIAgCAIAgPCUBANb9ewzFFSEF4ydLta3iGbnO69g69gqVrjDRA9Dk3IzqYVa+iO7a+vcvn9TDqTqc4uFVWA3vjYx2bidvOyXzvvAPac8hihQ058zfKmVY5vk9vq1Nr6Lo3vb1a5VpzWmmpejI4ukNrRMGOQk7BYbL7r2urE6sYa9ZyLXJ9e50wWEd70JdvceUElXP0pGimjOxmT5j1uceizssTntCRc5aXoMVo29L1YPPe/Uuza+vR1M7jQpCmeoAgCAIAgCAIAgCAIAgCAIAgCAIAgCAIAgCAIAgCAIAgCAIAgCA8KArTlB1tLnOpoHWa3KZ42k74weA3nectxvSuK36Ynp8j5LWCuKq6l939uJ0dRdTREG1FS28pAMbCMoxuJH957t3Fb0KGb60tf0K2VcrOs3SpP1dr97w+utmHXTW+QSfJaK5kuGve3N2I5c3H+dnm7d23IxWrvHMhrN8mZLpuHlFz7OtLo3vo3Lb9evqhqiylHOS2kqHZuecw0naGk534uOZ6hkpKNFQ0vWUsoZTncvMhogtS7+7UvmSpTnLCAIAgCAIAgCAIAgCAIAgCAIAgCAIAgCAIAgCAIAgCAIAgCAIAgCA+Jr4TbbY27dyGVrKU1IouerYWyZ2cZHg7y0F2f2rHuXMoxzqixPcZVq81ZydPbgl1PwLj0pOY4ZXt2sje4doaSPculJ4Js8VSip1Ixe1pFQahSNFfAZDckvsT9MsdYnrNz3lc63a5xYntMsQl5HJQ1LDgn/oukLpHhz1AEAQBAEBjEzb2xC/C4QzgzIhgIAgCAIAgCAIAgCAIAgCAIAgCAIAgCAIAgCAIAgCAIDwoCstYKE6Or46toPMPkJdb8kuBEjT1HEXjrBHBUqkeaqKew9PZ1lfWUrV+2lo6cNXcWR0ZGbnNc3tBBHusVc1nmdMX0oozTWjH0k7ojcFhBjdvLb3Y8Hjl3EFcqcHCWB9AtLmF1QU9+hrp2r82Fsal6f+WU+J2UrDhkA2XtcPHURn1G43Lo0amfHHaeOylZeS1s1ey9K6vAkKlOeEAQBACgKV1dYP5WYbC/yubPvlXNp/1u1/c9veN+a2v2Q/8AJdS6R4g8ugF0AugPUB5dAe3QHl0AugF0B6gCAIAgCAIAgCAIAgCAIAgCAIAgCA1q+jZNG6ORocxwsQf+8j1rDSksGb06k6c1ODwaODq5FJRv+SSkvizNNIeG0wO4OAzHEXtssoqacPUerZ3F68nC5XPx0S/Uun3l0PbufWYOUnRjJKR0pHThs5ruouAc3sIN+0Ba3EE4Y7ibItxKncqC1S0P7PsOfyT0L2xzTOBDZS1rOsMxXcOq7yPsrW1i1FveWeUFeMqsaa1xTx7cNHy+ZPlaPPhAEAQHhQFMavf0rH+1ze+Zc2n/AFu1/c9tef8AWP8Awh/5LF1uir3iNtC5rL4uccbAjxcNiQbDxtgvsVyqqjwzDzOT52kXJ3Kb3fmj6kZm1J0i4YnVhLuHOy28+7zKB0KmvO+bOtHK9jHQqOj/ABj+fM1NVtY6qCqbTVL3PaZOacHnE5jibNcHnMgkjaTkbjr1pVZxnmSJcoWFvWtncUFg8MdGjFbdHQbnKXPUQzRvimlYyRhFmvIaHNPAHaQ4eiVtcuUWmmQ5ChQqwlCcE2njpWx/nzJlqtpH5RSwynxiwB31m9F3tBVqnLOimcS9ocxXnT3P5bPkQjlL01NHUsZDLIzDDicGOLblznWvbabM9qq3M2pJJneyFaUqlGU6kU9OGlY6l4kqroaxtDG2mdeoDYw5zyCTkA9135Xzvc32KxJTzPV1nGoztndOVZepi9C+Wojb9TtJy5y1nS4CWS3+UNHmCg5iq9cvqdZZUsKeiFHR1R++L+Zxm6YrtGT4Jnuka2xcxzzI1zD+UxzswcjbZmMwos+pSlhIuu1tMoUc+lFJ9Cwwe5paC0Kaj6YlbJIWuFwwuu3O5vb7XZkOC6HSeQlLRmtHQWTQIAgCAIAgCAIAgCAIAgCAIDW0jXxwRmSZ4Yxu0nzAdZ6gtoQlOWbFYs1nNQWdLUQw6/meZsFFG3E8kCSd2Buwm+EZnIcQepXvIebhn1X2Ioq/VSeZTXa9BJKTRtQbGeqc472xMbGz2hz/APMqkpw/THi8fD5F2MZbWdZjbC3vNz5yojc8kjDtovmDnxBuD50BzdOaL+UtEUhtDcOeAbF9jcMvubcAk7Ta2S0nDPWD1Fi2uHQlnx9rZ0dPXuNh1XBC0NL442tFgC5rQABsAvssFJGEnoiivOpi3KTMVJp2nmdhhkEpG3m7vA+s5oLR3lbypTivWWHXoNI1Iy1PEV+ho5r84ZD1NlfGB2CNwHebrEKkoasOCf1MyinrILrA+p0TNG+GWSWnkJHNyuL7EWuzEcxcZgjgb339Kgqd1FxkkpLatBzbidS1kpJ4xexliaPq2zRslZm2RjXt7HAEd+a5kouLcXsOnGSkk0ZytTJTGrv9Ks/a5vfMubT/AK3a/ue2vP8ArH/hD/yWtpzTkFIzHM61zZoAu5x4NH8dgV+c4wWLPJW1pVuZ5lNY/brIj4Q5JD/6aikkFznc/wDGxwB71X8qb9mJ2PMcIf1q0Y8Pu19CH1FW+XSDZJIzE99TAXRm929KIWNwDmADsG1V85yq4tYaUdlUo0snuEJZyUZad+t9P1LF5SaDnKJz98LhIOwXa/8Ayuce5XLiOMOo81kavzV3FbJerx1fPA5PJPX3ZNAT4rhI3scMLh52g/aUdpLQ4lzlDQwqRqrasO1eH0I/Wj5bpYtGbTOG/YiHS7jzb/SUT9et2/Q6FL/iZMx25uPbLV8mi1tIV8dPGZJnBjG7SfYANpPABXpSUVizyVGjOtNQprFshs3KPicRS0sktjvuO+zGuIHbZVndY+zHE7kcguKTr1Yx/Oloh2uelJamUPmgMDhFhDTfMYnHF0mt4kbNyr15ub0rA7eSranbxcac89N9H2bLl0Z+Ji/Vs/dC6UdR4ep7b62bKyaBAEAQBAEAQBAEAQBAEAQBAYaykZKwsla17Dta4XB7isxk4vFPSYlFSWDIrWcnFC++Fskf1X3HmfdXI5QrR24lOWT6EtOGHUajdQ2NOCKuqWkC5aH7BuNm2tsW3lzemUI8DHkeGhTlxM/zHm/9xqvSd8ax5ZH4cTbySXxJcTxuoT79Kvqz2SEe8lZd6tlOPAwrN/ElxPpnJzT/ANZNUSfWkH8GrXy+eyMV2GVZQ2tvtN6j1E0fHsga4/nkv9jjb2LSV7Xl+r7G8bSjH9P3O/S0rI2hsbWsaNjWgNHmCrNuTxZYSSWCMywZKy5TK41M8FFTjHI1xLgPpkWa2+6zS4ngCF1bCHNxlWnqOVlCTqyjRhrLA0NQiCCKEG/NxtZfjZoBPec1zak8+blvZ04RzYqK2G6tDYpfV7+lY/2ub3zLm0/63a/ue2vP+sf+EP8AybXKfK41pDibNhZhHUS4kjrJ/dHBbXPt6dxFkKOFo3HW2/klgWhSTwMha6NzGwhgLSCAwNtlnssryaS0ajyc41JVGpJ52PbiVHpOsZNpTnIjiY+qgwnjYwtJF912lc9yUq2K3o9lSpTpZNzJrBqEvniy5amEPY5js2uaWkdRFj710WsUeJjJxaktaKU0JXvoKl5dcuY2aIjiQDhPe5jO4rm05c1N9p7m7oq+to5u1xfVjr+r4Ej5KdGl0ktQ7PAObaTvc6znntsG+kVNax0uTObygrqMYUI9fYtC+5m5W5XXpm/kHnHH6wwAexzvOs3behGnJ2McaktuhdmnuRJNRHQihh5vCOgOc2Xx/l4uu91NQw5tYHKyoqnlc8/fo6tmHRgQHlL0hFNU3ieHhkWBxbmMQc8kA7DtGxVLmSlLQejyDQqUqLz1hi8VjuLY0Z+Ji/Vs/dC6EdR4+p7b62bKyaBAEAQBAEAQBAEAQBAEAQBAEBraQie+N7Y34HuY4Nfa+EkEB1uo5rMWk03pMSTaaRWNDHpbRpkww8817sTnWMuI2tiu0472A2jcuvN2txhpwa7PA5MPK7fHRnI2TylVLPxlIAesvZ7C0rXzdTeqf07zbzhUWum/zsPTypSbqQetP/TTzZH3/l4jzlLZTf52HyeUCvk/E0g6rMkk91k8goR9qf0Q8urv2af1MkFXp6ZzSGCMAg2cxjGnPYQ4l9uzNayhZQWGOP5wMxneyepIsCikl5sGdrGvt0gxxe3ZuJaD3WXNlm4+rqOmscNJytJTVk/QpWiBpydPKOl/hxbb9b8PZvUsFThpnp6F933Ec8+WiOjpMmreq8FGCWXfI7x5X5vdc3Oe4Xztv33KVridXXq3GtG3hS1a3tO4oCc166sZDG6SQ4WMBc4ngP49Sw2ksWb06cqklCKxbKj1EhdPpCOS3iukmf1YmuFr/WkHmK51BOVTHrZ7HK0lRsebx15seGHcWJrPqrDW4S4uZI0Wa9vC98LgciPdc22lXatFVNZ5uxyjVtG83SnsZHKbkwZcc5OXNvezWBpOd9pJ9ygVotrOnPlFNr1IJPe3j3HTqNQIDNFJE50Qi5uzGgEEsfiuScyTvPUpPJ45ya2FOOWa3NTpzWdnY6XsxWH+iXlWDkEP01qDFUTvm517DIQS0NBFw0NvnxsFXnbKUscTtWmWqlvSVLNTw6+s7+gNEMpIWwsJIbclx2uJNy427fYpYQUI4I5t1cyuKrqy2/I+dYdBxVkfNy3Fjdrm5OabWuL9uwpUpqawZtaXdS1qZ9P/AGukhw5Lxc3qDhO20YuR2l1vYq3ki3nafKKWGimsev8APqdKu5OqZ8bGRudHhxYnABzn4gPGJ4WyAyzW8raDWC0FWjl24hUc54Sx2akuol1NFgY1u3C0C/YLKyjjSeLbMqGAgCAIAgCAIAgCAIAgCAIAgCAICL6e10gpahkDgbkt5x9jhY05gm2bjsyHHuVqlaTqwc1/sq1runSmoS2nSg1ko3+LUwn/ABGg+YlROhVWuL4EqrU5apLibf8AKEH97H6bfvWmZLcyTORqVGstGzxqmEdXONJ8wN1vG3qy1RfAjlWpx1yXE80XrLSVLiyGZrnD8nNpPW0OAxDrCzUt6tNYyiYp16dR4RkmdZQkx7ZAEAQEV111alrBEI5cAa7pNdmy2fTsNrx/HcoK1J1MMGdTJl/C0cnKGOOp7erqZ0tW9XoqOMtjuXOsXvPjOI2dgGdh1neSVvTpqCwRWvL2pdTzp9i2L83nYUhUCAIAgCAIAgCAIAgCAIAgCAIAgCAIAgCAIAgCA+JZA0EuIAAuSTYAcSSmsEfGt8cjzHRxyVThtLAGxt63SPsLdl77lZ8llFY1Go9evgQK4jJ4Q09XedOjlqSQZY4mDg2RzyP9MBQyUNjfDxJVnbTU0/qvTVgBmacYFg9pwuA4X2EZ7CCpKNxUo+yyKtb06y9dEOq+Sw3/AAVQLcHsz9Jp/gr8cqe9HgznzyTH9MjQPJdU/wB7D/m+FSedIbmR+ap+8bVPyWSfl1DAPzYy72lwWksqLZH5m0ck75fIkGjOTmjiIc/HM4G4xus2/wBVtvbdVqmUKs1gtHUXKVhRpvHWyXsYAABsAsFRLp7dAasWkGOmfCD042se4fmvLw034/g3ZdnELZxaipbGYTWOBtrUyEAQBAEAQBAEAQBAEAQBAEAQBAEAQBAEAQBAEAQBAEBHdddX5K2ERxy4C12Ig+K/LIOtnkcxt7OFm1rqjPOaxK11QdaGangQvRugNMUJPycNcHG7mtc1zT12fhN+yyv1K9pX9vFfnQc+lb3Vv7GDR2Ga2aTj/H6Oc7iWYvcA/wB6g8lt5ezU4/iLXlNePtU+DMo5RLfjKKpbl9H4g3JY8gx1TjxM+W4a4S4DwnUw8aGoHa1nxp5uqbJIx5wgtcZcAOU+kOyKc9jWfGnm2rta/Owz5wp7nwPpvKREfFpal3Yxp9zljzfJa5x4mfLV7kuB9s11qH/itHVJ+tdg85YsO0gvaqL6mVdTeqm/oZo9KaWk8Wjih65ZsXsZmtXTto65t9S7zZVK8v0Jdb7jZj0ZXSZ1NYI27208YZ3c5Jd3mAWjqUV7EMet/ZYG6hUftS4GGDS9FS/gaUGeZxuWRHnZHu2YpJCbcLuc7ILLpVanrz0Lp0cF3BVKcXmx0v8ANZJqXHhHOWxWGLDsvvAJzI61V6idGVAEAQBAEAQBAEAQBAEAQBAEAQBAEAQBAEAQBAEAQBAEAQGCqhe7xHlhHUHA9oI9xCymlrRho5zo64eLJTvHXG+M+cSOHsUmNLc+K7jX1+gwOn0kP7PSu6xUPb7DCfet82h70uC7zXGpuXHwMXyzSQ/sdP3VJ/6Szm0Pff8AHxMOVT3Vx8Dx1bpQ7KWnb21Dj7owmZb+8+HiM6ruXHwMbjpl2wUTO+Rx9y2/4q958Eaf8h+6uLPh+h9KSePXsjHCKAe9xuEVW3Wqnj1sw6dZ654dS7zwaixvzqqioqep8hDe5rdnnWfLJL2IqPUh5LF+22+3uJBo3RUFO3DBGyMb8ItfrJ2nvVadSc3jJ4liEIwWEVgbq0NggCAIAgCAIAgCAIAgCAIAgCAIAgCAIAgCAIAgCAIAgCAIAgCAIAgCAIAgCAIAgCAIAgCAIAgCAIAgCAIAgCAIAgCAIAgCAICOaw660lGS2R5dIP6uMYnDtzs3vKjlUjHQdGzyVc3SzoLBb3oXj2EXfyuxX6NM8jrkAPmwlR8/0HWXJmphpqLgz58LrPJXesHwpz/QZ9GJ/EXDxHhdZ5K71g+FOf6B6MT+IuHiZqblbgJ/CU8jRxa5r/YbIq63Gk+TVZL1Zp8V3k00Jp6nq24qeQPttGxze1pzCmjNS1HDubOtbSzascPzYzovdYE8BdbFdLFlaDleZ5K71g+FVlcY7D0/oxP4i4eI8LrPJXesHwrPP9A9GJ/EXDxHhdZ5K71g+FOf6B6MT+IuHiPC6zyV3rB8Kc/0D0Yn8RcPE7ur3KJSVThG7FDI42aH2wk8A4ZX7bLeNaMtBQvMh3NvHPXrLo2dhMFKcYIAgIFrNylxU0zoYoueLDZ7seFoO9oyNyNh2ZqCdZJ4JHfscg1Likqk5ZqerRj27CTasawRV0POxXFjhe07Wu4G27YQVJCaksUcy9sqlpV5ufY96OutymEBqaS0jFTsMkz2sYN7j7ANpPUFhySWLJaNGpWnmU1iyEV3KxTNJEUUkgG82YD2XufOAoXXWxHdpcm7iSxnJL5+BqeF1nkrvWD4Vjn+gm9GJ/EXDxHhdZ5K71g+FOf6B6MT+IuHifcPKwHua1lI9znENaBILkk2AHRTn+g1nyblCLlKqsF0eJKda9Z/kMEcskWIveGFofaxLHOPSw5+LbYpJzzVjgcmwsPLKrpxlhgsccOlL7mHUzW9ukOdwxGPm8O12K+LF1D6PtSnUz9hJlLJjss3GWOOOzDUSdSHLCAIAgOTp7WOmo23nkDSfFaM3nsaN3WclpKcY6y3a2Ne6eFKOPTsXaQ2flchB6FPI4cXOa0+YXUXP9B24cmarXrTS7G+4xeF1nkrvWD4U5/oNvRifxFw8R4XWeSu9YPhTn+gejE/iLh4nS1e5RDWTshipXXdm5xkFmtG1x6P/kkDeto1s54YFW8yJ5LSdWdRcNb3aydKY4JC+UvWp1HE2OE2mlvY/QbsL+3cO87lDWqZqwWs7eRcnK6qOdT2Y/N7u8rLVTVWfSD3YThY0/hJXXOZzsPpO37e05i9eEHLUepyhlKlYwSaxb1JbvsixqfkqogOk+Zx44mjzANU6oR3nmp8o7pvQors8TL4LaDjN6Y+FZ5iJr6Q3n7eHiPBbQcZvTHwpzER6Q3n7eHiaOkuSenLTzEsjHbsdnt77AHvusOgtjJqPKSvF/8AyxTXRofcVy5tVoyq3xyxndm1zT+8w/8AdiFX9aL6T0ydvlC33xfFP7NfmgvPQGmW1lK2ZuWJpDm/RcBZzfP7LK7GWdHE8Dd2srWu6Utj4reUDoClbNUQRvvhkkY11sjYuANlQprHBdR9Du6sqVCdSOtJst/wW0HGb0x8Kt8xE8d6Q3n7eHiPBbQcZvTHwpzER6Q3n7eHieHktoOM3pj4U5iI9Ibz9vDxK6151TNBK0BxfFICWOO3K12utlfMZ77qCcMxnpclZSV7B4rCS196LS5NNMuqqJpkN3xOMbidpsAWk9eFwz4gqxRlnR07DyeWrSNvdNR1S0r86yVqU5JF+UHWT5FTHAfw0t2xDhxk7r+chR1Z5q0azqZJsPK6+EvZWl93aU5q9q9PXOlEWZjYXuJ3nPCy/wBJxB28CqkYOWhHtb2+pWajn7Xh2b+pG5qNrEaGpBfcRP6EwtsF8nW4tJ82Ib1mnPNeJBlWxV5Q9X2lpXd29xfrHggEG4OYI2EcVePnrTWhmKtqmxRvkkNmMaXOPUBcrDaSxZvTpyqTUI628CgNYNMz6SqQbOOJ2GGIZ4QTk0D6Ryuf4AWpSk5vE+h2dpRsKHUsW9/huX3JxoTkoZhBq5XYjtZHYAdRcQb91lLGh7zODc8pJ52FCKw3vu/2dfwW0HGb0x8K35iJU9Ibz9vDxHgtoOM3pj4U5iI9Ibz9vDxN7QmoVHSzNmjDy9t8ON2IAkWuBYZ7fOsxpRTxK91li5uKbpzawe5HI5aP5nF+0D/akWtfUusucmv7mX+L+qObyI/2r/C/5FihtLPKfXT7fsWkrB5UIAgOHrjp9tDTOlIBcejG073G9u4WJPYtKk81Yl7J9m7uuqa1a31FI6PoarSVSQCXyP6T3uOTR9Inc0bAB1AKmk5SPdVq1vk+hp0RWhJbfzayyKDkopWtHPSyvdvw2Y3uFifarCoLazzNXlJcSf8A8cUlx/OBt+C2g4zemPhWeYiQ+kN5+3h4jwW0HGb0x8KcxEz6Q3n7eHidvVvVWmocfMB132xFxxGw2AZCwzJ/8BbwpqOooXuUa93hzr1bjuLcolD8qNSX6RmB2RiNjezm2u973edUqrxmz3+QaajZRa2tv54fRFt6jULYaGma0WxRNe7rc8B5Ptt3BWqawijx+U60qt3Uk97XYtB3VuUAgCAICuOWigaYIZrdNsmC/wCa5pNvO0ecqvXWhM9LyarSVaVPY1j2r/ZrcjVSTFVx7mlrx2ua4H9wJQ2knKSmlUpz34rg/EgGqX89pf18f74Vel+nsPQ5R/tan+L+hf2kNOU0Dg2eaONxFwHuw3HEX2q9KcY62fPaNpWrLGnBvqWJrfO2g8qh9YFrzsN6JfNt38KXBnh1uoPKofTCc9T95Dzbd/ClwZVnKbrTFWSRsgzjixdO1sTnWvYHOwA277lQVZqT0HrMh5OqWsJTq6HLDRuSJxySaOdFRY3C3PSF4H5tmtB78JPYQpaCwjjvOFygrxqXeEf0rDt1/cmNVUNjY57yGtY0ucTsAAuSpW8FiziwhKclGKxb0H591l0xJpCrLwCcTgyFm8C9mt7STc9ZVKUnJ4n0WxtYWNvmvZpb/NiLq1O1fbRUzYsi89KV3F5GfcNg7FapwzI4Hhso3ru67qbNS6vzSyuOVfVrmZvlMQ/BzHp22Nk237HZntDuIUFaGa8VtPTcn7/nafMTfrR1dK8Pod7kl1m5yP5JKenGLxE72b2drd3V9Vb0J/pZz+UGT+bn5RBaJa+vf2/XrOpysVJZo94H9Y9jD2Xxf/BbV/YKmQKalepvYm/t9yH8jVA19TLK7MxRgN6i8kF3bZpH2io6Cxkztcpa0o0YU1+p6ez/AH8i4laPGBAEAQFf8tH8zi/aB/tSKCvqXWeh5Nf3Mv8AF/VHN5Ef7V/hf8ixQ2lnlPrp9v2LSVg8qEAQFUctdSecpo9wa9/eSB/A+dVq70pHreTNNZtSe3QiNao64uoGPbHCx7nuBc5xINgLBuW4ZnvKjhNw1I6mUclK9mpSm0ktX3O/4W5/J4/Sct+fluOf6M0viPgh4W5/J4/ScnPy3D0ZpfEfBDwtz+Tx+k5OfluHozS+I+CJhqLrLUV4e+SFkcTeiHAklztpAvuA29o61LSm560cXKthRs2oRm3J/JeJLVKcgpPld0aY63nbdGdjSD+cwBjh5gw/aVOssJY7z3PJ2up2vN7Yv5PT3k65MdPsqKRkRI52BoYW7y0ZMeOq1gesdYU1GWMcNx5/LdlKhcOf6ZPHt2omSmOMEAQBAVJyv6fZI5lLGQeadjkI2B1rBnaAXX7R1qrWli8Eev5O2coKVeW3Quredfkj0aWUk0zhbnnHD9VgIv5y7zLegtDZT5Q11O5jTX6V834YFaapfz2l/Xx/vhVqX6ew9PlH+1qf4v6F96waBhrIjFM242tcPGafpNPH3q9OCksGfPrS7q2tTnKb8esovWnVeahkwyDEw+JIB0Xfc7iPftVOcXF4M9/YZRpXkMY6Gta3eHSa+gNCvq5OajkiY/8AJEji3FxDbNNz1LCTbwRJeXkbWGfOLa6Fjh16SwtXeSvC4PrJGvAN+bjvhP1nEA26gO9TRoe8ebvOUblFxt44dL19i8SzGMAAAAAAsAMgBwCsnmG8XiyreVzWa5+RxHZZ0xHnbH7nH7PWq1af6Uer5PZP/wDszXRH7v7LtObqBoh8MMmkeZ57mgeZjxYSbZSSA4TmBcAb+lvstaccFn4aixli6jVqxss7Nx1vX1LZr29h1fC+PJP9b/8ANb+UdBV9GH8X/wDPiael+UyKphfDLRkse2x/DC43hw/B7QbEdi1lWUlg0TW/J+pQqKpCrpX7fHaQHR9a+CRksRs9jg5p6xuPUdhHAqFYrSj0VajCtTdOa0PQXFrFO3SeiHywjpAB+HaQ5hu9nbbFbjccVZm8+nijxNnB5PyioVNWrHoepkB5NNPtpKr8KcMUzcDidjTe7XHqvcdWK+5Q0pZsus9Fluylc2+MFjKOnr3r83F7NN1dPAnqAIAgK/5aP5nF+0D/AGpFBX1LrPQ8mv7mX+L+qObyI/2r/C/5FihtLPKfXT7fsWkrB5UIAgKz5aNGlzIJ2jJhcx/VisWnsuCO8KvXWpnp+TVdKc6L26V2Ee5N6DR9S58FXHeUnFETI9uIWzYA1wFxa/E3PBR0lFvCR0stVry3Sq0JerqehPDp0rbq/wBlh+DvRnk/+rL8an5mG48358vvifKPcPB1ozyf/Vl+NOZhuHny++J8o9w8HWjPJ/8AVl+NOZhu+pnz5ffE+Ue4kOjaCOnjbFC0MYwWa0dtzmcybkm54qSKSWCObWrTrTdSo8WzZWSM4+tWgI66AxPyO1j7XLXDYbbxuI3g7tq0nBSWDLljeztKqqR7VvRR+lNEVmjZgXB0bgehKwnCfqvH7pzttCpyTg9Og93Qura/p4LBranr4ff5nWp+UzSDWgF0b+t0Yv8A5SB7Fvzs95Tnyes5PFYrqffiZfCjX/ofVn4k56p0cPE19HbTfLiu4eFGv/Q+rPxJz1To4eI9HLTfLiu40tJ8oVfM0tMgjBFjzbcJP2s3DuIWJVZNaWT0Mh2dKWdm49bx+Woy6n6jT1jg+QOjgvcvIsXjbZgO2/0tnbsSFNy6jTKOWKVrFwptOe7d19xdjKZscWCMBrWswtA2AAWAVxJJYI8K5ynPOk8W3ifnnVL+e0v6+P8AfCoUv09h9Hyj/aVP8X9D9HroHzU1dJ6OiqI3RTND2OGYPsIO4jcQsSipLBktGtOjNVKbwaKR1y1NloH42Fz4SRhkHjNN8mvtsPB2w9WxU6lNx6j3WTcq072OZPBT2rf1dxK9ROUTFhgrnAOyDJjkDwbJwP52/fxMlOtskcfKuQ8zGrbrRtju6u7gTDXHWBtFTOlyLz0Ym8XEZdw2ns61NUnmrE42TrKV3XVPZrfV+aCk9XdEyaQqwwkkvcXyv3ht7uf252HWQqkYuTwPdXtzCxts5LVoS6diP0HSUzImNjjAaxjQ1o4ACwCupJLBHzqc5Tk5yeLekidRyZ0D3OdaRuIk2a+zRc3sBbIdSi5iJ14ZevIxUcVo6DH4LqD9L6f/ANU5iJt6Q3m9cDja28m0MdM+Sk5wyR9Itc7FiaAcQAt428dlt60nRSWKLuT8vVZ11CvhmvRqwwezsI1ybazfJKjBIbQzEB19jXbGv7Nx6jfctKU819DOnlvJ/lNHPgvWj81tXd4nU165PpI3umo2F8RN3RtHSYd+Fo2s6hmOxZqUmnitRVyVluE4qlcPCS1N7evp+vWR3Q2uddSDBHLdjcgyQYgOoX6Q7AbLSNSS0JnSuck2ly8+UdL2rRj9jq+FGv8A0Pqz8S256p0cPEqejtpvlxXcPCjX/ofVn4k56p0cPEejlpvlxXcZqPlH0lK9scbYXPe4NaBGcyT9ZOdqdHDxI6uQbKlBzm5JLTrXcSLlZik/k+DnCHPbMznHNFm35uQEgbhc2CkrY5qxObyflDyyeboTi8MetfYrzVvWmoocfMYPwmHFibi2XtbMcSoYzlHUelvsm0bzN5zHRue87fhRr/0Pqz8S256p0cPEoejlpvlxXcPCjX/ofVn4k56p0cPEejlpvlxXcPCjX/ofVn4k56p0cPEejlpvlxXcTfVCoqdJU0prms5mQFjGtbhLuL73Ow5DrB4KWm5TTztRwco06NhXirZvOjpbbxw6NXErnWrU2poXlwDnwg3bK3dwx28Vw47OHVBOm469R6awyrQu45ssFLant6t66NZloOUXSETcPONkA2GRocfSFie03WVVnsZpWyDZ1Hjg11P/AH8ja8KNf+h9WfiWeeqdHDxIvR203y4ruHhRr/0Pqz8Sc9U6OHiPRy03y4ruOzqlrnpKtqWRDmg3xpHCM9Fg2nxtpyA6yFtCpUlLDRwKOUclWVpQdRuWOpLFaXw4lpK0eTPpDJ8yMDgQ4Ag7QRceZDKbTxRyn6r0JNzSwX/VM+5ac1DcuBaV/dLQqkv5M8+atB5JB6pv3LHNQ91cDPnC6+LL+THzVoPJIPVN+5Oah7q4DzhdfFl/JmWm1epIzijpoWu3ERtB7ja6yqcVqSNJ3lxNYSqSa62dNblY8IugOVDqzRMcHNpYGuaQWkRtBBBuCDbatFTgtKSLUr65knGVSTT6WdZblUIDHPA17S17Q5rhZzXC4I4EHaEax1m0ZOLUovBo5fzVoPJIPVN+5R81D3VwLXnC6+LL+TM9RoKlkaxskET2xizA5gIaMsmgjIZDZwC2cIvQ0Rwuq8G5Rm03rwb09Zk0foinguYIY4sVsWBgbe2y9h1pGEY6ka1birWw5yTeG94m6tiEIAgCA4/zVofJIPVN+5R81DcuBc84XXxZfyZ1o2BoAAsALAcANgUhUbxeLNKt0LTTG80EUh4vja4+ci61cIvWialdVqSwpza6m0a3zVoPJIPVN+5a81D3VwJfOF18WX8mPmrQeSQeqb9yc1D3VwHnC6+LL+TM1JoCkieHxU8LHi9nNjaCLixsQOBWVTinikjSpeXFSObOcmtzbN2op2SNLJGh7XCxa4AgjgQcitmk9DIIzlCSlF4NbjmfNWg8kg9U37lpzUPdXAtecLr4sv5MfNWg8kg9U37k5qHurgPOF18WX8mPmrQeSQeqb9yc1D3VwHnC6+LL+THzVoPJIPVN+5Oah7q4DzhdfFl/JnUp4GsaGMaGtaAGtAsABsAA2BbpYairKTk3KTxbPshZNTmT6uUbyXPpoHOO0mJtz2m2a0dOD1pFqN7cwWEakkutmP5q0HkkHqm/csc1D3VwNvOF18WX8mPmrQeSQeqb9yc1D3VwHnC6+LL+TNvR+iYIMXMRRxYrYsDA29r2vYZ7T51tGEY6kQ1birWw5yTeG9tm6tiE/9k="/>
+          <p:cNvSpPr>
+            <a:spLocks noChangeAspect="1" noChangeArrowheads="1"/>
+          </p:cNvSpPr>
+          <p:nvPr/>
+        </p:nvSpPr>
+        <p:spPr bwMode="auto">
+          <a:xfrm>
+            <a:off x="473075" y="160338"/>
+            <a:ext cx="304800" cy="304801"/>
+          </a:xfrm>
+          <a:prstGeom prst="rect">
+            <a:avLst/>
+          </a:prstGeom>
+          <a:noFill/>
+          <a:extLst>
+            <a:ext uri="{909E8E84-426E-40DD-AFC4-6F175D3DCCD1}">
+              <a14:hiddenFill xmlns:a14="http://schemas.microsoft.com/office/drawing/2010/main">
+                <a:solidFill>
+                  <a:srgbClr val="FFFFFF"/>
+                </a:solidFill>
+              </a14:hiddenFill>
+            </a:ext>
+          </a:extLst>
+        </p:spPr>
+        <p:txBody>
+          <a:bodyPr vert="horz" wrap="square" lIns="91440" tIns="45720" rIns="91440" bIns="45720" numCol="1" anchor="t" anchorCtr="0" compatLnSpc="1">
+            <a:prstTxWarp prst="textNoShape">
+              <a:avLst/>
+            </a:prstTxWarp>
+          </a:bodyPr>
+          <a:lstStyle/>
+          <a:p>
+            <a:endParaRPr lang="ko-KR" altLang="en-US" b="1"/>
+          </a:p>
+        </p:txBody>
+      </p:sp>
+      <p:sp>
+        <p:nvSpPr>
+          <p:cNvPr id="10" name="AutoShape 10" descr="data:image/jpeg;base64,/9j/4AAQSkZJRgABAQAAAQABAAD/2wCEAAkGBxISEhQUERQWFRUVFRgYFhgYFx4XGhwcHRQXGBoVGhkYHCggHhorIBUWITEhJikrMi8wFx80ODcsNygtLisBCgoKDg0OGxAQGy0mICQsLCw4NC8sLCw3Ly8sLCwsNCwsLywvMiw0LCwsLCwsLC0vLCwsLCwsLCwsLCwsLCwsLP/AABEIAK8BIQMBEQACEQEDEQH/xAAcAAEAAgMBAQEAAAAAAAAAAAAABgcDBAUBAgj/xABREAABAwICBQYJBgkLAwUAAAABAAIDBBESIQUGMUFRBxMiYXGBFzJUkZKTobHSFBZScoLRIzNCYmNzdLLBFTQ1Q0RTg6Kjs8PT8PEkVcLi4//EABsBAQACAwEBAAAAAAAAAAAAAAADBAECBQYH/8QAPxEAAgECAQcHCwMEAwADAAAAAAECAwQRBRIhMUFRkQYTYXGB0eEUFRYiMlJTobHB8EJikjM0cvEkNcIjRKL/2gAMAwEAAhEDEQA/ALxQBAEAQBAEAQBAEAQBAEAQHKj0lasfTu3wtlZxtjcx47iGH7R4LTP9bNLDoPmFWW/NfBNffgdVblcIAgCAIAgCAIAgCAIAgCAIAgCAIAgCAIAgCAIAgCAIAgCAIAgCAIAgCAIDwlAQahquf03I5mbIKd0ZO64c249Jzh9gqtF51d9CO3Up81kuKlrnPHsw/OJOlZOIEAQBAEAQBAEAQBAEAQBAEAQBAEAQBAEAQBAEAQBAEAQBAEAQBAEAQBAEBENedbW0rDFEQZ3DtEYI8d3XwHfs2169ZQWC1nXyXkyVzLPn7C+fQvu9nWffJ5oF1NAXyAiWaznA7WtF8LT+dmXHrceCzb082OL1sxle9VxWzYezHQvu+7oRLFOckIAgCAIAgCAIAgCAIAgCAIAgCAIAgCAIAgCAIAgCAIAgCAIAgCAIAgPCUBANb9ewzFFSEF4ydLta3iGbnO69g69gqVrjDRA9Dk3IzqYVa+iO7a+vcvn9TDqTqc4uFVWA3vjYx2bidvOyXzvvAPac8hihQ058zfKmVY5vk9vq1Nr6Lo3vb1a5VpzWmmpejI4ukNrRMGOQk7BYbL7r2urE6sYa9ZyLXJ9e50wWEd70JdvceUElXP0pGimjOxmT5j1uceizssTntCRc5aXoMVo29L1YPPe/Uuza+vR1M7jQpCmeoAgCAIAgCAIAgCAIAgCAIAgCAIAgCAIAgCAIAgCAIAgCAIAgCA8KArTlB1tLnOpoHWa3KZ42k74weA3nectxvSuK36Ynp8j5LWCuKq6l939uJ0dRdTREG1FS28pAMbCMoxuJH957t3Fb0KGb60tf0K2VcrOs3SpP1dr97w+utmHXTW+QSfJaK5kuGve3N2I5c3H+dnm7d23IxWrvHMhrN8mZLpuHlFz7OtLo3vo3Lb9evqhqiylHOS2kqHZuecw0naGk534uOZ6hkpKNFQ0vWUsoZTncvMhogtS7+7UvmSpTnLCAIAgCAIAgCAIAgCAIAgCAIAgCAIAgCAIAgCAIAgCAIAgCAIAgCA+Jr4TbbY27dyGVrKU1IouerYWyZ2cZHg7y0F2f2rHuXMoxzqixPcZVq81ZydPbgl1PwLj0pOY4ZXt2sje4doaSPculJ4Js8VSip1Ixe1pFQahSNFfAZDckvsT9MsdYnrNz3lc63a5xYntMsQl5HJQ1LDgn/oukLpHhz1AEAQBAEBjEzb2xC/C4QzgzIhgIAgCAIAgCAIAgCAIAgCAIAgCAIAgCAIAgCAIAgCAIDwoCstYKE6Or46toPMPkJdb8kuBEjT1HEXjrBHBUqkeaqKew9PZ1lfWUrV+2lo6cNXcWR0ZGbnNc3tBBHusVc1nmdMX0oozTWjH0k7ojcFhBjdvLb3Y8Hjl3EFcqcHCWB9AtLmF1QU9+hrp2r82Fsal6f+WU+J2UrDhkA2XtcPHURn1G43Lo0amfHHaeOylZeS1s1ey9K6vAkKlOeEAQBACgKV1dYP5WYbC/yubPvlXNp/1u1/c9veN+a2v2Q/8AJdS6R4g8ugF0AugPUB5dAe3QHl0AugF0B6gCAIAgCAIAgCAIAgCAIAgCAIAgCA1q+jZNG6ORocxwsQf+8j1rDSksGb06k6c1ODwaODq5FJRv+SSkvizNNIeG0wO4OAzHEXtssoqacPUerZ3F68nC5XPx0S/Uun3l0PbufWYOUnRjJKR0pHThs5ruouAc3sIN+0Ba3EE4Y7ibItxKncqC1S0P7PsOfyT0L2xzTOBDZS1rOsMxXcOq7yPsrW1i1FveWeUFeMqsaa1xTx7cNHy+ZPlaPPhAEAQHhQFMavf0rH+1ze+Zc2n/AFu1/c9tef8AWP8Awh/5LF1uir3iNtC5rL4uccbAjxcNiQbDxtgvsVyqqjwzDzOT52kXJ3Kb3fmj6kZm1J0i4YnVhLuHOy28+7zKB0KmvO+bOtHK9jHQqOj/ABj+fM1NVtY6qCqbTVL3PaZOacHnE5jibNcHnMgkjaTkbjr1pVZxnmSJcoWFvWtncUFg8MdGjFbdHQbnKXPUQzRvimlYyRhFmvIaHNPAHaQ4eiVtcuUWmmQ5ChQqwlCcE2njpWx/nzJlqtpH5RSwynxiwB31m9F3tBVqnLOimcS9ocxXnT3P5bPkQjlL01NHUsZDLIzDDicGOLblznWvbabM9qq3M2pJJneyFaUqlGU6kU9OGlY6l4kqroaxtDG2mdeoDYw5zyCTkA9135Xzvc32KxJTzPV1nGoztndOVZepi9C+Wojb9TtJy5y1nS4CWS3+UNHmCg5iq9cvqdZZUsKeiFHR1R++L+Zxm6YrtGT4Jnuka2xcxzzI1zD+UxzswcjbZmMwos+pSlhIuu1tMoUc+lFJ9Cwwe5paC0Kaj6YlbJIWuFwwuu3O5vb7XZkOC6HSeQlLRmtHQWTQIAgCAIAgCAIAgCAIAgCAIDW0jXxwRmSZ4Yxu0nzAdZ6gtoQlOWbFYs1nNQWdLUQw6/meZsFFG3E8kCSd2Buwm+EZnIcQepXvIebhn1X2Ioq/VSeZTXa9BJKTRtQbGeqc472xMbGz2hz/APMqkpw/THi8fD5F2MZbWdZjbC3vNz5yojc8kjDtovmDnxBuD50BzdOaL+UtEUhtDcOeAbF9jcMvubcAk7Ta2S0nDPWD1Fi2uHQlnx9rZ0dPXuNh1XBC0NL442tFgC5rQABsAvssFJGEnoiivOpi3KTMVJp2nmdhhkEpG3m7vA+s5oLR3lbypTivWWHXoNI1Iy1PEV+ho5r84ZD1NlfGB2CNwHebrEKkoasOCf1MyinrILrA+p0TNG+GWSWnkJHNyuL7EWuzEcxcZgjgb339Kgqd1FxkkpLatBzbidS1kpJ4xexliaPq2zRslZm2RjXt7HAEd+a5kouLcXsOnGSkk0ZytTJTGrv9Ks/a5vfMubT/AK3a/ue2vP8ArH/hD/yWtpzTkFIzHM61zZoAu5x4NH8dgV+c4wWLPJW1pVuZ5lNY/brIj4Q5JD/6aikkFznc/wDGxwB71X8qb9mJ2PMcIf1q0Y8Pu19CH1FW+XSDZJIzE99TAXRm929KIWNwDmADsG1V85yq4tYaUdlUo0snuEJZyUZad+t9P1LF5SaDnKJz98LhIOwXa/8Ayuce5XLiOMOo81kavzV3FbJerx1fPA5PJPX3ZNAT4rhI3scMLh52g/aUdpLQ4lzlDQwqRqrasO1eH0I/Wj5bpYtGbTOG/YiHS7jzb/SUT9et2/Q6FL/iZMx25uPbLV8mi1tIV8dPGZJnBjG7SfYANpPABXpSUVizyVGjOtNQprFshs3KPicRS0sktjvuO+zGuIHbZVndY+zHE7kcguKTr1Yx/Oloh2uelJamUPmgMDhFhDTfMYnHF0mt4kbNyr15ub0rA7eSranbxcac89N9H2bLl0Z+Ji/Vs/dC6UdR4ep7b62bKyaBAEAQBAEAQBAEAQBAEAQBAYaykZKwsla17Dta4XB7isxk4vFPSYlFSWDIrWcnFC++Fskf1X3HmfdXI5QrR24lOWT6EtOGHUajdQ2NOCKuqWkC5aH7BuNm2tsW3lzemUI8DHkeGhTlxM/zHm/9xqvSd8ax5ZH4cTbySXxJcTxuoT79Kvqz2SEe8lZd6tlOPAwrN/ElxPpnJzT/ANZNUSfWkH8GrXy+eyMV2GVZQ2tvtN6j1E0fHsga4/nkv9jjb2LSV7Xl+r7G8bSjH9P3O/S0rI2hsbWsaNjWgNHmCrNuTxZYSSWCMywZKy5TK41M8FFTjHI1xLgPpkWa2+6zS4ngCF1bCHNxlWnqOVlCTqyjRhrLA0NQiCCKEG/NxtZfjZoBPec1zak8+blvZ04RzYqK2G6tDYpfV7+lY/2ub3zLm0/63a/ue2vP+sf+EP8AybXKfK41pDibNhZhHUS4kjrJ/dHBbXPt6dxFkKOFo3HW2/klgWhSTwMha6NzGwhgLSCAwNtlnssryaS0ajyc41JVGpJ52PbiVHpOsZNpTnIjiY+qgwnjYwtJF912lc9yUq2K3o9lSpTpZNzJrBqEvniy5amEPY5js2uaWkdRFj710WsUeJjJxaktaKU0JXvoKl5dcuY2aIjiQDhPe5jO4rm05c1N9p7m7oq+to5u1xfVjr+r4Ej5KdGl0ktQ7PAObaTvc6znntsG+kVNax0uTObygrqMYUI9fYtC+5m5W5XXpm/kHnHH6wwAexzvOs3behGnJ2McaktuhdmnuRJNRHQihh5vCOgOc2Xx/l4uu91NQw5tYHKyoqnlc8/fo6tmHRgQHlL0hFNU3ieHhkWBxbmMQc8kA7DtGxVLmSlLQejyDQqUqLz1hi8VjuLY0Z+Ji/Vs/dC6EdR4+p7b62bKyaBAEAQBAEAQBAEAQBAEAQBAEBraQie+N7Y34HuY4Nfa+EkEB1uo5rMWk03pMSTaaRWNDHpbRpkww8817sTnWMuI2tiu0472A2jcuvN2txhpwa7PA5MPK7fHRnI2TylVLPxlIAesvZ7C0rXzdTeqf07zbzhUWum/zsPTypSbqQetP/TTzZH3/l4jzlLZTf52HyeUCvk/E0g6rMkk91k8goR9qf0Q8urv2af1MkFXp6ZzSGCMAg2cxjGnPYQ4l9uzNayhZQWGOP5wMxneyepIsCikl5sGdrGvt0gxxe3ZuJaD3WXNlm4+rqOmscNJytJTVk/QpWiBpydPKOl/hxbb9b8PZvUsFThpnp6F933Ec8+WiOjpMmreq8FGCWXfI7x5X5vdc3Oe4Xztv33KVridXXq3GtG3hS1a3tO4oCc166sZDG6SQ4WMBc4ngP49Sw2ksWb06cqklCKxbKj1EhdPpCOS3iukmf1YmuFr/WkHmK51BOVTHrZ7HK0lRsebx15seGHcWJrPqrDW4S4uZI0Wa9vC98LgciPdc22lXatFVNZ5uxyjVtG83SnsZHKbkwZcc5OXNvezWBpOd9pJ9ygVotrOnPlFNr1IJPe3j3HTqNQIDNFJE50Qi5uzGgEEsfiuScyTvPUpPJ45ya2FOOWa3NTpzWdnY6XsxWH+iXlWDkEP01qDFUTvm517DIQS0NBFw0NvnxsFXnbKUscTtWmWqlvSVLNTw6+s7+gNEMpIWwsJIbclx2uJNy427fYpYQUI4I5t1cyuKrqy2/I+dYdBxVkfNy3Fjdrm5OabWuL9uwpUpqawZtaXdS1qZ9P/AGukhw5Lxc3qDhO20YuR2l1vYq3ki3nafKKWGimsev8APqdKu5OqZ8bGRudHhxYnABzn4gPGJ4WyAyzW8raDWC0FWjl24hUc54Sx2akuol1NFgY1u3C0C/YLKyjjSeLbMqGAgCAIAgCAIAgCAIAgCAIAgCAICL6e10gpahkDgbkt5x9jhY05gm2bjsyHHuVqlaTqwc1/sq1runSmoS2nSg1ko3+LUwn/ABGg+YlROhVWuL4EqrU5apLibf8AKEH97H6bfvWmZLcyTORqVGstGzxqmEdXONJ8wN1vG3qy1RfAjlWpx1yXE80XrLSVLiyGZrnD8nNpPW0OAxDrCzUt6tNYyiYp16dR4RkmdZQkx7ZAEAQEV111alrBEI5cAa7pNdmy2fTsNrx/HcoK1J1MMGdTJl/C0cnKGOOp7erqZ0tW9XoqOMtjuXOsXvPjOI2dgGdh1neSVvTpqCwRWvL2pdTzp9i2L83nYUhUCAIAgCAIAgCAIAgCAIAgCAIAgCAIAgCAIAgCA+JZA0EuIAAuSTYAcSSmsEfGt8cjzHRxyVThtLAGxt63SPsLdl77lZ8llFY1Go9evgQK4jJ4Q09XedOjlqSQZY4mDg2RzyP9MBQyUNjfDxJVnbTU0/qvTVgBmacYFg9pwuA4X2EZ7CCpKNxUo+yyKtb06y9dEOq+Sw3/AAVQLcHsz9Jp/gr8cqe9HgznzyTH9MjQPJdU/wB7D/m+FSedIbmR+ap+8bVPyWSfl1DAPzYy72lwWksqLZH5m0ck75fIkGjOTmjiIc/HM4G4xus2/wBVtvbdVqmUKs1gtHUXKVhRpvHWyXsYAABsAsFRLp7dAasWkGOmfCD042se4fmvLw034/g3ZdnELZxaipbGYTWOBtrUyEAQBAEAQBAEAQBAEAQBAEAQBAEAQBAEAQBAEAQBAEBHdddX5K2ERxy4C12Ig+K/LIOtnkcxt7OFm1rqjPOaxK11QdaGangQvRugNMUJPycNcHG7mtc1zT12fhN+yyv1K9pX9vFfnQc+lb3Vv7GDR2Ga2aTj/H6Oc7iWYvcA/wB6g8lt5ezU4/iLXlNePtU+DMo5RLfjKKpbl9H4g3JY8gx1TjxM+W4a4S4DwnUw8aGoHa1nxp5uqbJIx5wgtcZcAOU+kOyKc9jWfGnm2rta/Owz5wp7nwPpvKREfFpal3Yxp9zljzfJa5x4mfLV7kuB9s11qH/itHVJ+tdg85YsO0gvaqL6mVdTeqm/oZo9KaWk8Wjih65ZsXsZmtXTto65t9S7zZVK8v0Jdb7jZj0ZXSZ1NYI27208YZ3c5Jd3mAWjqUV7EMet/ZYG6hUftS4GGDS9FS/gaUGeZxuWRHnZHu2YpJCbcLuc7ILLpVanrz0Lp0cF3BVKcXmx0v8ANZJqXHhHOWxWGLDsvvAJzI61V6idGVAEAQBAEAQBAEAQBAEAQBAEAQBAEAQBAEAQBAEAQBAEAQGCqhe7xHlhHUHA9oI9xCymlrRho5zo64eLJTvHXG+M+cSOHsUmNLc+K7jX1+gwOn0kP7PSu6xUPb7DCfet82h70uC7zXGpuXHwMXyzSQ/sdP3VJ/6Szm0Pff8AHxMOVT3Vx8Dx1bpQ7KWnb21Dj7owmZb+8+HiM6ruXHwMbjpl2wUTO+Rx9y2/4q958Eaf8h+6uLPh+h9KSePXsjHCKAe9xuEVW3Wqnj1sw6dZ654dS7zwaixvzqqioqep8hDe5rdnnWfLJL2IqPUh5LF+22+3uJBo3RUFO3DBGyMb8ItfrJ2nvVadSc3jJ4liEIwWEVgbq0NggCAIAgCAIAgCAIAgCAIAgCAIAgCAIAgCAIAgCAIAgCAIAgCAIAgCAIAgCAIAgCAIAgCAIAgCAIAgCAIAgCAIAgCAIAgCAICOaw660lGS2R5dIP6uMYnDtzs3vKjlUjHQdGzyVc3SzoLBb3oXj2EXfyuxX6NM8jrkAPmwlR8/0HWXJmphpqLgz58LrPJXesHwpz/QZ9GJ/EXDxHhdZ5K71g+FOf6B6MT+IuHiZqblbgJ/CU8jRxa5r/YbIq63Gk+TVZL1Zp8V3k00Jp6nq24qeQPttGxze1pzCmjNS1HDubOtbSzascPzYzovdYE8BdbFdLFlaDleZ5K71g+FVlcY7D0/oxP4i4eI8LrPJXesHwrPP9A9GJ/EXDxHhdZ5K71g+FOf6B6MT+IuHiPC6zyV3rB8Kc/0D0Yn8RcPE7ur3KJSVThG7FDI42aH2wk8A4ZX7bLeNaMtBQvMh3NvHPXrLo2dhMFKcYIAgIFrNylxU0zoYoueLDZ7seFoO9oyNyNh2ZqCdZJ4JHfscg1Likqk5ZqerRj27CTasawRV0POxXFjhe07Wu4G27YQVJCaksUcy9sqlpV5ufY96OutymEBqaS0jFTsMkz2sYN7j7ANpPUFhySWLJaNGpWnmU1iyEV3KxTNJEUUkgG82YD2XufOAoXXWxHdpcm7iSxnJL5+BqeF1nkrvWD4Vjn+gm9GJ/EXDxHhdZ5K71g+FOf6B6MT+IuHifcPKwHua1lI9znENaBILkk2AHRTn+g1nyblCLlKqsF0eJKda9Z/kMEcskWIveGFofaxLHOPSw5+LbYpJzzVjgcmwsPLKrpxlhgsccOlL7mHUzW9ukOdwxGPm8O12K+LF1D6PtSnUz9hJlLJjss3GWOOOzDUSdSHLCAIAgOTp7WOmo23nkDSfFaM3nsaN3WclpKcY6y3a2Ne6eFKOPTsXaQ2flchB6FPI4cXOa0+YXUXP9B24cmarXrTS7G+4xeF1nkrvWD4U5/oNvRifxFw8R4XWeSu9YPhTn+gejE/iLh4nS1e5RDWTshipXXdm5xkFmtG1x6P/kkDeto1s54YFW8yJ5LSdWdRcNb3aydKY4JC+UvWp1HE2OE2mlvY/QbsL+3cO87lDWqZqwWs7eRcnK6qOdT2Y/N7u8rLVTVWfSD3YThY0/hJXXOZzsPpO37e05i9eEHLUepyhlKlYwSaxb1JbvsixqfkqogOk+Zx44mjzANU6oR3nmp8o7pvQors8TL4LaDjN6Y+FZ5iJr6Q3n7eHiPBbQcZvTHwpzER6Q3n7eHiaOkuSenLTzEsjHbsdnt77AHvusOgtjJqPKSvF/8AyxTXRofcVy5tVoyq3xyxndm1zT+8w/8AdiFX9aL6T0ydvlC33xfFP7NfmgvPQGmW1lK2ZuWJpDm/RcBZzfP7LK7GWdHE8Dd2srWu6Utj4reUDoClbNUQRvvhkkY11sjYuANlQprHBdR9Du6sqVCdSOtJst/wW0HGb0x8Kt8xE8d6Q3n7eHiPBbQcZvTHwpzER6Q3n7eHieHktoOM3pj4U5iI9Ibz9vDxK6151TNBK0BxfFICWOO3K12utlfMZ77qCcMxnpclZSV7B4rCS196LS5NNMuqqJpkN3xOMbidpsAWk9eFwz4gqxRlnR07DyeWrSNvdNR1S0r86yVqU5JF+UHWT5FTHAfw0t2xDhxk7r+chR1Z5q0azqZJsPK6+EvZWl93aU5q9q9PXOlEWZjYXuJ3nPCy/wBJxB28CqkYOWhHtb2+pWajn7Xh2b+pG5qNrEaGpBfcRP6EwtsF8nW4tJ82Ib1mnPNeJBlWxV5Q9X2lpXd29xfrHggEG4OYI2EcVePnrTWhmKtqmxRvkkNmMaXOPUBcrDaSxZvTpyqTUI628CgNYNMz6SqQbOOJ2GGIZ4QTk0D6Ryuf4AWpSk5vE+h2dpRsKHUsW9/huX3JxoTkoZhBq5XYjtZHYAdRcQb91lLGh7zODc8pJ52FCKw3vu/2dfwW0HGb0x8K35iJU9Ibz9vDxHgtoOM3pj4U5iI9Ibz9vDxN7QmoVHSzNmjDy9t8ON2IAkWuBYZ7fOsxpRTxK91li5uKbpzawe5HI5aP5nF+0D/akWtfUusucmv7mX+L+qObyI/2r/C/5FihtLPKfXT7fsWkrB5UIAgOHrjp9tDTOlIBcejG073G9u4WJPYtKk81Yl7J9m7uuqa1a31FI6PoarSVSQCXyP6T3uOTR9Inc0bAB1AKmk5SPdVq1vk+hp0RWhJbfzayyKDkopWtHPSyvdvw2Y3uFifarCoLazzNXlJcSf8A8cUlx/OBt+C2g4zemPhWeYiQ+kN5+3h4jwW0HGb0x8KcxEz6Q3n7eHidvVvVWmocfMB132xFxxGw2AZCwzJ/8BbwpqOooXuUa93hzr1bjuLcolD8qNSX6RmB2RiNjezm2u973edUqrxmz3+QaajZRa2tv54fRFt6jULYaGma0WxRNe7rc8B5Ptt3BWqawijx+U60qt3Uk97XYtB3VuUAgCAICuOWigaYIZrdNsmC/wCa5pNvO0ecqvXWhM9LyarSVaVPY1j2r/ZrcjVSTFVx7mlrx2ua4H9wJQ2knKSmlUpz34rg/EgGqX89pf18f74Vel+nsPQ5R/tan+L+hf2kNOU0Dg2eaONxFwHuw3HEX2q9KcY62fPaNpWrLGnBvqWJrfO2g8qh9YFrzsN6JfNt38KXBnh1uoPKofTCc9T95Dzbd/ClwZVnKbrTFWSRsgzjixdO1sTnWvYHOwA277lQVZqT0HrMh5OqWsJTq6HLDRuSJxySaOdFRY3C3PSF4H5tmtB78JPYQpaCwjjvOFygrxqXeEf0rDt1/cmNVUNjY57yGtY0ucTsAAuSpW8FiziwhKclGKxb0H591l0xJpCrLwCcTgyFm8C9mt7STc9ZVKUnJ4n0WxtYWNvmvZpb/NiLq1O1fbRUzYsi89KV3F5GfcNg7FapwzI4Hhso3ru67qbNS6vzSyuOVfVrmZvlMQ/BzHp22Nk237HZntDuIUFaGa8VtPTcn7/nafMTfrR1dK8Pod7kl1m5yP5JKenGLxE72b2drd3V9Vb0J/pZz+UGT+bn5RBaJa+vf2/XrOpysVJZo94H9Y9jD2Xxf/BbV/YKmQKalepvYm/t9yH8jVA19TLK7MxRgN6i8kF3bZpH2io6Cxkztcpa0o0YU1+p6ez/AH8i4laPGBAEAQFf8tH8zi/aB/tSKCvqXWeh5Nf3Mv8AF/VHN5Ef7V/hf8ixQ2lnlPrp9v2LSVg8qEAQFUctdSecpo9wa9/eSB/A+dVq70pHreTNNZtSe3QiNao64uoGPbHCx7nuBc5xINgLBuW4ZnvKjhNw1I6mUclK9mpSm0ktX3O/4W5/J4/Sct+fluOf6M0viPgh4W5/J4/ScnPy3D0ZpfEfBDwtz+Tx+k5OfluHozS+I+CJhqLrLUV4e+SFkcTeiHAklztpAvuA29o61LSm560cXKthRs2oRm3J/JeJLVKcgpPld0aY63nbdGdjSD+cwBjh5gw/aVOssJY7z3PJ2up2vN7Yv5PT3k65MdPsqKRkRI52BoYW7y0ZMeOq1gesdYU1GWMcNx5/LdlKhcOf6ZPHt2omSmOMEAQBAVJyv6fZI5lLGQeadjkI2B1rBnaAXX7R1qrWli8Eev5O2coKVeW3Quredfkj0aWUk0zhbnnHD9VgIv5y7zLegtDZT5Q11O5jTX6V834YFaapfz2l/Xx/vhVqX6ew9PlH+1qf4v6F96waBhrIjFM242tcPGafpNPH3q9OCksGfPrS7q2tTnKb8esovWnVeahkwyDEw+JIB0Xfc7iPftVOcXF4M9/YZRpXkMY6Gta3eHSa+gNCvq5OajkiY/8AJEji3FxDbNNz1LCTbwRJeXkbWGfOLa6Fjh16SwtXeSvC4PrJGvAN+bjvhP1nEA26gO9TRoe8ebvOUblFxt44dL19i8SzGMAAAAAAsAMgBwCsnmG8XiyreVzWa5+RxHZZ0xHnbH7nH7PWq1af6Uer5PZP/wDszXRH7v7LtObqBoh8MMmkeZ57mgeZjxYSbZSSA4TmBcAb+lvstaccFn4aixli6jVqxss7Nx1vX1LZr29h1fC+PJP9b/8ANb+UdBV9GH8X/wDPiael+UyKphfDLRkse2x/DC43hw/B7QbEdi1lWUlg0TW/J+pQqKpCrpX7fHaQHR9a+CRksRs9jg5p6xuPUdhHAqFYrSj0VajCtTdOa0PQXFrFO3SeiHywjpAB+HaQ5hu9nbbFbjccVZm8+nijxNnB5PyioVNWrHoepkB5NNPtpKr8KcMUzcDidjTe7XHqvcdWK+5Q0pZsus9Fluylc2+MFjKOnr3r83F7NN1dPAnqAIAgK/5aP5nF+0D/AGpFBX1LrPQ8mv7mX+L+qObyI/2r/C/5FihtLPKfXT7fsWkrB5UIAgKz5aNGlzIJ2jJhcx/VisWnsuCO8KvXWpnp+TVdKc6L26V2Ee5N6DR9S58FXHeUnFETI9uIWzYA1wFxa/E3PBR0lFvCR0stVry3Sq0JerqehPDp0rbq/wBlh+DvRnk/+rL8an5mG48358vvifKPcPB1ozyf/Vl+NOZhuHny++J8o9w8HWjPJ/8AVl+NOZhu+pnz5ffE+Ue4kOjaCOnjbFC0MYwWa0dtzmcybkm54qSKSWCObWrTrTdSo8WzZWSM4+tWgI66AxPyO1j7XLXDYbbxuI3g7tq0nBSWDLljeztKqqR7VvRR+lNEVmjZgXB0bgehKwnCfqvH7pzttCpyTg9Og93Qura/p4LBranr4ff5nWp+UzSDWgF0b+t0Yv8A5SB7Fvzs95Tnyes5PFYrqffiZfCjX/ofVn4k56p0cPE19HbTfLiu4eFGv/Q+rPxJz1To4eI9HLTfLiu40tJ8oVfM0tMgjBFjzbcJP2s3DuIWJVZNaWT0Mh2dKWdm49bx+Woy6n6jT1jg+QOjgvcvIsXjbZgO2/0tnbsSFNy6jTKOWKVrFwptOe7d19xdjKZscWCMBrWswtA2AAWAVxJJYI8K5ynPOk8W3ifnnVL+e0v6+P8AfCoUv09h9Hyj/aVP8X9D9HroHzU1dJ6OiqI3RTND2OGYPsIO4jcQsSipLBktGtOjNVKbwaKR1y1NloH42Fz4SRhkHjNN8mvtsPB2w9WxU6lNx6j3WTcq072OZPBT2rf1dxK9ROUTFhgrnAOyDJjkDwbJwP52/fxMlOtskcfKuQ8zGrbrRtju6u7gTDXHWBtFTOlyLz0Ym8XEZdw2ns61NUnmrE42TrKV3XVPZrfV+aCk9XdEyaQqwwkkvcXyv3ht7uf252HWQqkYuTwPdXtzCxts5LVoS6diP0HSUzImNjjAaxjQ1o4ACwCupJLBHzqc5Tk5yeLekidRyZ0D3OdaRuIk2a+zRc3sBbIdSi5iJ14ZevIxUcVo6DH4LqD9L6f/ANU5iJt6Q3m9cDja28m0MdM+Sk5wyR9Itc7FiaAcQAt428dlt60nRSWKLuT8vVZ11CvhmvRqwwezsI1ybazfJKjBIbQzEB19jXbGv7Nx6jfctKU819DOnlvJ/lNHPgvWj81tXd4nU165PpI3umo2F8RN3RtHSYd+Fo2s6hmOxZqUmnitRVyVluE4qlcPCS1N7evp+vWR3Q2uddSDBHLdjcgyQYgOoX6Q7AbLSNSS0JnSuck2ly8+UdL2rRj9jq+FGv8A0Pqz8S256p0cPEqejtpvlxXcPCjX/ofVn4k56p0cPEejlpvlxXcZqPlH0lK9scbYXPe4NaBGcyT9ZOdqdHDxI6uQbKlBzm5JLTrXcSLlZik/k+DnCHPbMznHNFm35uQEgbhc2CkrY5qxObyflDyyeboTi8MetfYrzVvWmoocfMYPwmHFibi2XtbMcSoYzlHUelvsm0bzN5zHRue87fhRr/0Pqz8S256p0cPEoejlpvlxXcPCjX/ofVn4k56p0cPEejlpvlxXcPCjX/ofVn4k56p0cPEejlpvlxXcTfVCoqdJU0prms5mQFjGtbhLuL73Ow5DrB4KWm5TTztRwco06NhXirZvOjpbbxw6NXErnWrU2poXlwDnwg3bK3dwx28Vw47OHVBOm469R6awyrQu45ssFLant6t66NZloOUXSETcPONkA2GRocfSFie03WVVnsZpWyDZ1Hjg11P/AH8ja8KNf+h9WfiWeeqdHDxIvR203y4ruHhRr/0Pqz8Sc9U6OHiPRy03y4ruOzqlrnpKtqWRDmg3xpHCM9Fg2nxtpyA6yFtCpUlLDRwKOUclWVpQdRuWOpLFaXw4lpK0eTPpDJ8yMDgQ4Ag7QRceZDKbTxRyn6r0JNzSwX/VM+5ac1DcuBaV/dLQqkv5M8+atB5JB6pv3LHNQ91cDPnC6+LL+THzVoPJIPVN+5Oah7q4DzhdfFl/JmWm1epIzijpoWu3ERtB7ja6yqcVqSNJ3lxNYSqSa62dNblY8IugOVDqzRMcHNpYGuaQWkRtBBBuCDbatFTgtKSLUr65knGVSTT6WdZblUIDHPA17S17Q5rhZzXC4I4EHaEax1m0ZOLUovBo5fzVoPJIPVN+5R81D3VwLXnC6+LL+TM9RoKlkaxskET2xizA5gIaMsmgjIZDZwC2cIvQ0Rwuq8G5Rm03rwb09Zk0foinguYIY4sVsWBgbe2y9h1pGEY6ka1birWw5yTeG94m6tiEIAgCA4/zVofJIPVN+5R81DcuBc84XXxZfyZ1o2BoAAsALAcANgUhUbxeLNKt0LTTG80EUh4vja4+ci61cIvWialdVqSwpza6m0a3zVoPJIPVN+5a81D3VwJfOF18WX8mPmrQeSQeqb9yc1D3VwHnC6+LL+TM1JoCkieHxU8LHi9nNjaCLixsQOBWVTinikjSpeXFSObOcmtzbN2op2SNLJGh7XCxa4AgjgQcitmk9DIIzlCSlF4NbjmfNWg8kg9U37lpzUPdXAtecLr4sv5MfNWg8kg9U37k5qHurgPOF18WX8mPmrQeSQeqb9yc1D3VwHnC6+LL+THzVoPJIPVN+5Oah7q4DzhdfFl/JnUp4GsaGMaGtaAGtAsABsAA2BbpYairKTk3KTxbPshZNTmT6uUbyXPpoHOO0mJtz2m2a0dOD1pFqN7cwWEakkutmP5q0HkkHqm/csc1D3VwNvOF18WX8mPmrQeSQeqb9yc1D3VwHnC6+LL+TNvR+iYIMXMRRxYrYsDA29r2vYZ7T51tGEY6kQ1birWw5yTeG9tm6tiE/9k="/>
+          <p:cNvSpPr>
+            <a:spLocks noChangeAspect="1" noChangeArrowheads="1"/>
+          </p:cNvSpPr>
+          <p:nvPr/>
+        </p:nvSpPr>
+        <p:spPr bwMode="auto">
+          <a:xfrm>
+            <a:off x="625475" y="312738"/>
+            <a:ext cx="304800" cy="304801"/>
+          </a:xfrm>
+          <a:prstGeom prst="rect">
+            <a:avLst/>
+          </a:prstGeom>
+          <a:noFill/>
+          <a:extLst>
+            <a:ext uri="{909E8E84-426E-40DD-AFC4-6F175D3DCCD1}">
+              <a14:hiddenFill xmlns:a14="http://schemas.microsoft.com/office/drawing/2010/main">
+                <a:solidFill>
+                  <a:srgbClr val="FFFFFF"/>
+                </a:solidFill>
+              </a14:hiddenFill>
+            </a:ext>
+          </a:extLst>
+        </p:spPr>
+        <p:txBody>
+          <a:bodyPr vert="horz" wrap="square" lIns="91440" tIns="45720" rIns="91440" bIns="45720" numCol="1" anchor="t" anchorCtr="0" compatLnSpc="1">
+            <a:prstTxWarp prst="textNoShape">
+              <a:avLst/>
+            </a:prstTxWarp>
+          </a:bodyPr>
+          <a:lstStyle/>
+          <a:p>
+            <a:endParaRPr lang="ko-KR" altLang="en-US" b="1"/>
+          </a:p>
+        </p:txBody>
+      </p:sp>
+      <p:sp>
+        <p:nvSpPr>
+          <p:cNvPr id="17" name="TextBox 16">
+            <a:extLst>
+              <a:ext uri="{FF2B5EF4-FFF2-40B4-BE49-F238E27FC236}">
+                <a16:creationId xmlns:a16="http://schemas.microsoft.com/office/drawing/2014/main" id="{35FE3B8E-DCF9-487F-AD3D-CEA6323B555C}"/>
+              </a:ext>
+            </a:extLst>
+          </p:cNvPr>
+          <p:cNvSpPr txBox="1"/>
+          <p:nvPr/>
+        </p:nvSpPr>
+        <p:spPr>
+          <a:xfrm>
+            <a:off x="712480" y="841278"/>
+            <a:ext cx="1082348" cy="630942"/>
+          </a:xfrm>
+          <a:prstGeom prst="rect">
+            <a:avLst/>
+          </a:prstGeom>
+          <a:noFill/>
+        </p:spPr>
+        <p:txBody>
+          <a:bodyPr wrap="none" rtlCol="0">
+            <a:spAutoFit/>
+          </a:bodyPr>
+          <a:lstStyle/>
+          <a:p>
+            <a:r>
+              <a:rPr lang="ko-KR" altLang="en-US" sz="3500" b="1" dirty="0">
+                <a:ln>
+                  <a:solidFill>
+                    <a:schemeClr val="bg1">
+                      <a:alpha val="0"/>
+                    </a:schemeClr>
+                  </a:solidFill>
+                </a:ln>
+                <a:solidFill>
+                  <a:srgbClr val="BF0302"/>
+                </a:solidFill>
+                <a:latin typeface="-윤고딕330" pitchFamily="18" charset="-127"/>
+                <a:ea typeface="-윤고딕330" pitchFamily="18" charset="-127"/>
+              </a:rPr>
+              <a:t>환경</a:t>
+            </a:r>
+          </a:p>
+        </p:txBody>
+      </p:sp>
+      <p:pic>
+        <p:nvPicPr>
+          <p:cNvPr id="20" name="그림 19">
+            <a:extLst>
+              <a:ext uri="{FF2B5EF4-FFF2-40B4-BE49-F238E27FC236}">
+                <a16:creationId xmlns:a16="http://schemas.microsoft.com/office/drawing/2014/main" id="{37B19423-BC71-40E0-86E5-D56BE1F5AC8C}"/>
+              </a:ext>
+            </a:extLst>
+          </p:cNvPr>
+          <p:cNvPicPr>
+            <a:picLocks noChangeAspect="1"/>
+          </p:cNvPicPr>
+          <p:nvPr/>
+        </p:nvPicPr>
+        <p:blipFill>
+          <a:blip r:embed="rId2" cstate="print">
+            <a:extLst>
+              <a:ext uri="{28A0092B-C50C-407E-A947-70E740481C1C}">
+                <a14:useLocalDpi xmlns:a14="http://schemas.microsoft.com/office/drawing/2010/main" val="0"/>
+              </a:ext>
+            </a:extLst>
+          </a:blip>
+          <a:stretch>
+            <a:fillRect/>
+          </a:stretch>
+        </p:blipFill>
+        <p:spPr>
+          <a:xfrm>
+            <a:off x="480195" y="676651"/>
+            <a:ext cx="329253" cy="329253"/>
+          </a:xfrm>
+          <a:prstGeom prst="rect">
+            <a:avLst/>
+          </a:prstGeom>
+        </p:spPr>
+      </p:pic>
+      <p:sp>
+        <p:nvSpPr>
+          <p:cNvPr id="35" name="TextBox 34">
+            <a:extLst>
+              <a:ext uri="{FF2B5EF4-FFF2-40B4-BE49-F238E27FC236}">
+                <a16:creationId xmlns:a16="http://schemas.microsoft.com/office/drawing/2014/main" id="{06F2A79E-2E95-4B2C-A915-2979AF90DBC7}"/>
+              </a:ext>
+            </a:extLst>
+          </p:cNvPr>
+          <p:cNvSpPr txBox="1"/>
+          <p:nvPr/>
+        </p:nvSpPr>
+        <p:spPr>
+          <a:xfrm>
+            <a:off x="809448" y="1482244"/>
+            <a:ext cx="7939016" cy="861774"/>
+          </a:xfrm>
+          <a:prstGeom prst="rect">
+            <a:avLst/>
+          </a:prstGeom>
+          <a:noFill/>
+        </p:spPr>
+        <p:txBody>
+          <a:bodyPr wrap="square" rtlCol="0">
+            <a:spAutoFit/>
+          </a:bodyPr>
+          <a:lstStyle/>
+          <a:p>
+            <a:r>
+              <a:rPr lang="en-US" altLang="ko-KR" sz="2500" b="1" dirty="0">
+                <a:ln>
+                  <a:solidFill>
+                    <a:schemeClr val="bg1">
+                      <a:alpha val="0"/>
+                    </a:schemeClr>
+                  </a:solidFill>
+                </a:ln>
+                <a:latin typeface="-윤고딕330" pitchFamily="18" charset="-127"/>
+                <a:ea typeface="-윤고딕330" pitchFamily="18" charset="-127"/>
+              </a:rPr>
+              <a:t>Window10 – Anaconda 4.5.12(Python 3.7)</a:t>
+            </a:r>
+          </a:p>
+          <a:p>
+            <a:r>
+              <a:rPr lang="en-US" altLang="ko-KR" sz="2500" b="1" dirty="0" err="1">
+                <a:ln>
+                  <a:solidFill>
+                    <a:schemeClr val="bg1">
+                      <a:alpha val="0"/>
+                    </a:schemeClr>
+                  </a:solidFill>
+                </a:ln>
+                <a:latin typeface="-윤고딕330" pitchFamily="18" charset="-127"/>
+                <a:ea typeface="-윤고딕330" pitchFamily="18" charset="-127"/>
+              </a:rPr>
+              <a:t>Jupyter</a:t>
+            </a:r>
+            <a:r>
+              <a:rPr lang="en-US" altLang="ko-KR" sz="2500" b="1" dirty="0">
+                <a:ln>
+                  <a:solidFill>
+                    <a:schemeClr val="bg1">
+                      <a:alpha val="0"/>
+                    </a:schemeClr>
+                  </a:solidFill>
+                </a:ln>
+                <a:latin typeface="-윤고딕330" pitchFamily="18" charset="-127"/>
+                <a:ea typeface="-윤고딕330" pitchFamily="18" charset="-127"/>
+              </a:rPr>
+              <a:t> Notebook</a:t>
+            </a:r>
+            <a:endParaRPr lang="ko-KR" altLang="en-US" sz="2500" b="1" dirty="0">
+              <a:ln>
+                <a:solidFill>
+                  <a:schemeClr val="bg1">
+                    <a:alpha val="0"/>
+                  </a:schemeClr>
+                </a:solidFill>
+              </a:ln>
               <a:latin typeface="-윤고딕330" pitchFamily="18" charset="-127"/>
               <a:ea typeface="-윤고딕330" pitchFamily="18" charset="-127"/>
             </a:endParaRPr>
           </a:p>
         </p:txBody>
       </p:sp>
+      <p:sp>
+        <p:nvSpPr>
+          <p:cNvPr id="15" name="TextBox 14">
+            <a:extLst>
+              <a:ext uri="{FF2B5EF4-FFF2-40B4-BE49-F238E27FC236}">
+                <a16:creationId xmlns:a16="http://schemas.microsoft.com/office/drawing/2014/main" id="{9A028402-3A80-44AA-91B8-CA67F25B9846}"/>
+              </a:ext>
+            </a:extLst>
+          </p:cNvPr>
+          <p:cNvSpPr txBox="1"/>
+          <p:nvPr/>
+        </p:nvSpPr>
+        <p:spPr>
+          <a:xfrm>
+            <a:off x="712480" y="2514707"/>
+            <a:ext cx="2428870" cy="630942"/>
+          </a:xfrm>
+          <a:prstGeom prst="rect">
+            <a:avLst/>
+          </a:prstGeom>
+          <a:noFill/>
+        </p:spPr>
+        <p:txBody>
+          <a:bodyPr wrap="none" rtlCol="0">
+            <a:spAutoFit/>
+          </a:bodyPr>
+          <a:lstStyle/>
+          <a:p>
+            <a:r>
+              <a:rPr lang="ko-KR" altLang="en-US" sz="3500" b="1" dirty="0">
+                <a:ln>
+                  <a:solidFill>
+                    <a:schemeClr val="bg1">
+                      <a:alpha val="0"/>
+                    </a:schemeClr>
+                  </a:solidFill>
+                </a:ln>
+                <a:solidFill>
+                  <a:srgbClr val="BF0302"/>
+                </a:solidFill>
+                <a:latin typeface="-윤고딕330" pitchFamily="18" charset="-127"/>
+                <a:ea typeface="-윤고딕330" pitchFamily="18" charset="-127"/>
+              </a:rPr>
+              <a:t>데이터필드</a:t>
+            </a:r>
+          </a:p>
+        </p:txBody>
+      </p:sp>
+      <p:pic>
+        <p:nvPicPr>
+          <p:cNvPr id="16" name="그림 15">
+            <a:extLst>
+              <a:ext uri="{FF2B5EF4-FFF2-40B4-BE49-F238E27FC236}">
+                <a16:creationId xmlns:a16="http://schemas.microsoft.com/office/drawing/2014/main" id="{CEED0C58-1091-4DF2-94C1-6E766DA8595F}"/>
+              </a:ext>
+            </a:extLst>
+          </p:cNvPr>
+          <p:cNvPicPr>
+            <a:picLocks noChangeAspect="1"/>
+          </p:cNvPicPr>
+          <p:nvPr/>
+        </p:nvPicPr>
+        <p:blipFill>
+          <a:blip r:embed="rId2" cstate="print">
+            <a:extLst>
+              <a:ext uri="{28A0092B-C50C-407E-A947-70E740481C1C}">
+                <a14:useLocalDpi xmlns:a14="http://schemas.microsoft.com/office/drawing/2010/main" val="0"/>
+              </a:ext>
+            </a:extLst>
+          </a:blip>
+          <a:stretch>
+            <a:fillRect/>
+          </a:stretch>
+        </p:blipFill>
+        <p:spPr>
+          <a:xfrm>
+            <a:off x="480195" y="2350080"/>
+            <a:ext cx="329253" cy="329253"/>
+          </a:xfrm>
+          <a:prstGeom prst="rect">
+            <a:avLst/>
+          </a:prstGeom>
+        </p:spPr>
+      </p:pic>
+      <p:sp>
+        <p:nvSpPr>
+          <p:cNvPr id="21" name="TextBox 20">
+            <a:extLst>
+              <a:ext uri="{FF2B5EF4-FFF2-40B4-BE49-F238E27FC236}">
+                <a16:creationId xmlns:a16="http://schemas.microsoft.com/office/drawing/2014/main" id="{315A32A5-EAA7-4BF2-AF41-DA51005089F0}"/>
+              </a:ext>
+            </a:extLst>
+          </p:cNvPr>
+          <p:cNvSpPr txBox="1"/>
+          <p:nvPr/>
+        </p:nvSpPr>
+        <p:spPr>
+          <a:xfrm>
+            <a:off x="809448" y="3155673"/>
+            <a:ext cx="7939016" cy="3554819"/>
+          </a:xfrm>
+          <a:prstGeom prst="rect">
+            <a:avLst/>
+          </a:prstGeom>
+          <a:noFill/>
+        </p:spPr>
+        <p:txBody>
+          <a:bodyPr wrap="square" rtlCol="0">
+            <a:spAutoFit/>
+          </a:bodyPr>
+          <a:lstStyle/>
+          <a:p>
+            <a:r>
+              <a:rPr lang="en-US" altLang="ko-KR" sz="2500" b="1" dirty="0">
+                <a:ln>
+                  <a:solidFill>
+                    <a:schemeClr val="bg1">
+                      <a:alpha val="0"/>
+                    </a:schemeClr>
+                  </a:solidFill>
+                </a:ln>
+                <a:latin typeface="-윤고딕330" pitchFamily="18" charset="-127"/>
+                <a:ea typeface="-윤고딕330" pitchFamily="18" charset="-127"/>
+              </a:rPr>
+              <a:t>Key = </a:t>
+            </a:r>
+            <a:r>
+              <a:rPr lang="ko-KR" altLang="en-US" sz="2500" b="1" dirty="0">
+                <a:ln>
+                  <a:solidFill>
+                    <a:schemeClr val="bg1">
+                      <a:alpha val="0"/>
+                    </a:schemeClr>
+                  </a:solidFill>
+                </a:ln>
+                <a:latin typeface="-윤고딕330" pitchFamily="18" charset="-127"/>
+                <a:ea typeface="-윤고딕330" pitchFamily="18" charset="-127"/>
+              </a:rPr>
+              <a:t>각 행을 구별하는 날짜와 시간</a:t>
+            </a:r>
+            <a:endParaRPr lang="en-US" altLang="ko-KR" sz="2500" b="1" dirty="0">
+              <a:ln>
+                <a:solidFill>
+                  <a:schemeClr val="bg1">
+                    <a:alpha val="0"/>
+                  </a:schemeClr>
+                </a:solidFill>
+              </a:ln>
+              <a:latin typeface="-윤고딕330" pitchFamily="18" charset="-127"/>
+              <a:ea typeface="-윤고딕330" pitchFamily="18" charset="-127"/>
+            </a:endParaRPr>
+          </a:p>
+          <a:p>
+            <a:r>
+              <a:rPr lang="en-US" altLang="ko-KR" sz="2500" b="1" dirty="0" err="1">
+                <a:ln>
+                  <a:solidFill>
+                    <a:schemeClr val="bg1">
+                      <a:alpha val="0"/>
+                    </a:schemeClr>
+                  </a:solidFill>
+                </a:ln>
+                <a:latin typeface="-윤고딕330" pitchFamily="18" charset="-127"/>
+                <a:ea typeface="-윤고딕330" pitchFamily="18" charset="-127"/>
+              </a:rPr>
+              <a:t>Pickup_datetime</a:t>
+            </a:r>
+            <a:r>
+              <a:rPr lang="en-US" altLang="ko-KR" sz="2500" b="1" dirty="0">
+                <a:ln>
+                  <a:solidFill>
+                    <a:schemeClr val="bg1">
+                      <a:alpha val="0"/>
+                    </a:schemeClr>
+                  </a:solidFill>
+                </a:ln>
+                <a:latin typeface="-윤고딕330" pitchFamily="18" charset="-127"/>
+                <a:ea typeface="-윤고딕330" pitchFamily="18" charset="-127"/>
+              </a:rPr>
+              <a:t> = </a:t>
+            </a:r>
+            <a:r>
+              <a:rPr lang="ko-KR" altLang="en-US" sz="2500" b="1" dirty="0">
+                <a:ln>
+                  <a:solidFill>
+                    <a:schemeClr val="bg1">
+                      <a:alpha val="0"/>
+                    </a:schemeClr>
+                  </a:solidFill>
+                </a:ln>
+                <a:latin typeface="-윤고딕330" pitchFamily="18" charset="-127"/>
+                <a:ea typeface="-윤고딕330" pitchFamily="18" charset="-127"/>
+              </a:rPr>
+              <a:t>택시가 출발한 시간</a:t>
+            </a:r>
+            <a:endParaRPr lang="en-US" altLang="ko-KR" sz="2500" b="1" dirty="0">
+              <a:ln>
+                <a:solidFill>
+                  <a:schemeClr val="bg1">
+                    <a:alpha val="0"/>
+                  </a:schemeClr>
+                </a:solidFill>
+              </a:ln>
+              <a:latin typeface="-윤고딕330" pitchFamily="18" charset="-127"/>
+              <a:ea typeface="-윤고딕330" pitchFamily="18" charset="-127"/>
+            </a:endParaRPr>
+          </a:p>
+          <a:p>
+            <a:r>
+              <a:rPr lang="en-US" altLang="ko-KR" sz="2500" b="1" dirty="0" err="1">
+                <a:ln>
+                  <a:solidFill>
+                    <a:schemeClr val="bg1">
+                      <a:alpha val="0"/>
+                    </a:schemeClr>
+                  </a:solidFill>
+                </a:ln>
+                <a:latin typeface="-윤고딕330" pitchFamily="18" charset="-127"/>
+                <a:ea typeface="-윤고딕330" pitchFamily="18" charset="-127"/>
+              </a:rPr>
+              <a:t>Pickup_longitude</a:t>
+            </a:r>
+            <a:r>
+              <a:rPr lang="en-US" altLang="ko-KR" sz="2500" b="1" dirty="0">
+                <a:ln>
+                  <a:solidFill>
+                    <a:schemeClr val="bg1">
+                      <a:alpha val="0"/>
+                    </a:schemeClr>
+                  </a:solidFill>
+                </a:ln>
+                <a:latin typeface="-윤고딕330" pitchFamily="18" charset="-127"/>
+                <a:ea typeface="-윤고딕330" pitchFamily="18" charset="-127"/>
+              </a:rPr>
+              <a:t> = </a:t>
+            </a:r>
+            <a:r>
+              <a:rPr lang="ko-KR" altLang="en-US" sz="2500" b="1" dirty="0">
+                <a:ln>
+                  <a:solidFill>
+                    <a:schemeClr val="bg1">
+                      <a:alpha val="0"/>
+                    </a:schemeClr>
+                  </a:solidFill>
+                </a:ln>
+                <a:latin typeface="-윤고딕330" pitchFamily="18" charset="-127"/>
+                <a:ea typeface="-윤고딕330" pitchFamily="18" charset="-127"/>
+              </a:rPr>
+              <a:t>택시 타는 곳의 경도 좌표</a:t>
+            </a:r>
+            <a:endParaRPr lang="en-US" altLang="ko-KR" sz="2500" b="1" dirty="0">
+              <a:ln>
+                <a:solidFill>
+                  <a:schemeClr val="bg1">
+                    <a:alpha val="0"/>
+                  </a:schemeClr>
+                </a:solidFill>
+              </a:ln>
+              <a:latin typeface="-윤고딕330" pitchFamily="18" charset="-127"/>
+              <a:ea typeface="-윤고딕330" pitchFamily="18" charset="-127"/>
+            </a:endParaRPr>
+          </a:p>
+          <a:p>
+            <a:r>
+              <a:rPr lang="en-US" altLang="ko-KR" sz="2500" b="1" dirty="0" err="1">
+                <a:ln>
+                  <a:solidFill>
+                    <a:schemeClr val="bg1">
+                      <a:alpha val="0"/>
+                    </a:schemeClr>
+                  </a:solidFill>
+                </a:ln>
+                <a:latin typeface="-윤고딕330" pitchFamily="18" charset="-127"/>
+                <a:ea typeface="-윤고딕330" pitchFamily="18" charset="-127"/>
+              </a:rPr>
+              <a:t>Pickup_latitude</a:t>
+            </a:r>
+            <a:r>
+              <a:rPr lang="en-US" altLang="ko-KR" sz="2500" b="1" dirty="0">
+                <a:ln>
+                  <a:solidFill>
+                    <a:schemeClr val="bg1">
+                      <a:alpha val="0"/>
+                    </a:schemeClr>
+                  </a:solidFill>
+                </a:ln>
+                <a:latin typeface="-윤고딕330" pitchFamily="18" charset="-127"/>
+                <a:ea typeface="-윤고딕330" pitchFamily="18" charset="-127"/>
+              </a:rPr>
+              <a:t> = </a:t>
+            </a:r>
+            <a:r>
+              <a:rPr lang="ko-KR" altLang="en-US" sz="2500" b="1" dirty="0">
+                <a:ln>
+                  <a:solidFill>
+                    <a:schemeClr val="bg1">
+                      <a:alpha val="0"/>
+                    </a:schemeClr>
+                  </a:solidFill>
+                </a:ln>
+                <a:latin typeface="-윤고딕330" pitchFamily="18" charset="-127"/>
+                <a:ea typeface="-윤고딕330" pitchFamily="18" charset="-127"/>
+              </a:rPr>
+              <a:t>택시 타는 곳의 위도 좌표</a:t>
+            </a:r>
+            <a:endParaRPr lang="en-US" altLang="ko-KR" sz="2500" b="1" dirty="0">
+              <a:ln>
+                <a:solidFill>
+                  <a:schemeClr val="bg1">
+                    <a:alpha val="0"/>
+                  </a:schemeClr>
+                </a:solidFill>
+              </a:ln>
+              <a:latin typeface="-윤고딕330" pitchFamily="18" charset="-127"/>
+              <a:ea typeface="-윤고딕330" pitchFamily="18" charset="-127"/>
+            </a:endParaRPr>
+          </a:p>
+          <a:p>
+            <a:r>
+              <a:rPr lang="en-US" altLang="ko-KR" sz="2500" b="1" dirty="0" err="1">
+                <a:ln>
+                  <a:solidFill>
+                    <a:schemeClr val="bg1">
+                      <a:alpha val="0"/>
+                    </a:schemeClr>
+                  </a:solidFill>
+                </a:ln>
+                <a:latin typeface="-윤고딕330" pitchFamily="18" charset="-127"/>
+                <a:ea typeface="-윤고딕330" pitchFamily="18" charset="-127"/>
+              </a:rPr>
+              <a:t>Dropoff_longitude</a:t>
+            </a:r>
+            <a:r>
+              <a:rPr lang="en-US" altLang="ko-KR" sz="2500" b="1" dirty="0">
+                <a:ln>
+                  <a:solidFill>
+                    <a:schemeClr val="bg1">
+                      <a:alpha val="0"/>
+                    </a:schemeClr>
+                  </a:solidFill>
+                </a:ln>
+                <a:latin typeface="-윤고딕330" pitchFamily="18" charset="-127"/>
+                <a:ea typeface="-윤고딕330" pitchFamily="18" charset="-127"/>
+              </a:rPr>
+              <a:t> = </a:t>
+            </a:r>
+            <a:r>
+              <a:rPr lang="ko-KR" altLang="en-US" sz="2500" b="1" dirty="0">
+                <a:ln>
+                  <a:solidFill>
+                    <a:schemeClr val="bg1">
+                      <a:alpha val="0"/>
+                    </a:schemeClr>
+                  </a:solidFill>
+                </a:ln>
+                <a:latin typeface="-윤고딕330" pitchFamily="18" charset="-127"/>
+                <a:ea typeface="-윤고딕330" pitchFamily="18" charset="-127"/>
+              </a:rPr>
+              <a:t>택시 내리는 곳의 경도 좌표</a:t>
+            </a:r>
+            <a:endParaRPr lang="en-US" altLang="ko-KR" sz="2500" b="1" dirty="0">
+              <a:ln>
+                <a:solidFill>
+                  <a:schemeClr val="bg1">
+                    <a:alpha val="0"/>
+                  </a:schemeClr>
+                </a:solidFill>
+              </a:ln>
+              <a:latin typeface="-윤고딕330" pitchFamily="18" charset="-127"/>
+              <a:ea typeface="-윤고딕330" pitchFamily="18" charset="-127"/>
+            </a:endParaRPr>
+          </a:p>
+          <a:p>
+            <a:r>
+              <a:rPr lang="en-US" altLang="ko-KR" sz="2500" b="1" dirty="0" err="1">
+                <a:ln>
+                  <a:solidFill>
+                    <a:schemeClr val="bg1">
+                      <a:alpha val="0"/>
+                    </a:schemeClr>
+                  </a:solidFill>
+                </a:ln>
+                <a:latin typeface="-윤고딕330" pitchFamily="18" charset="-127"/>
+                <a:ea typeface="-윤고딕330" pitchFamily="18" charset="-127"/>
+              </a:rPr>
+              <a:t>Dropoff_latitude</a:t>
+            </a:r>
+            <a:r>
+              <a:rPr lang="en-US" altLang="ko-KR" sz="2500" b="1" dirty="0">
+                <a:ln>
+                  <a:solidFill>
+                    <a:schemeClr val="bg1">
+                      <a:alpha val="0"/>
+                    </a:schemeClr>
+                  </a:solidFill>
+                </a:ln>
+                <a:latin typeface="-윤고딕330" pitchFamily="18" charset="-127"/>
+                <a:ea typeface="-윤고딕330" pitchFamily="18" charset="-127"/>
+              </a:rPr>
+              <a:t> = </a:t>
+            </a:r>
+            <a:r>
+              <a:rPr lang="ko-KR" altLang="en-US" sz="2500" b="1" dirty="0">
+                <a:ln>
+                  <a:solidFill>
+                    <a:schemeClr val="bg1">
+                      <a:alpha val="0"/>
+                    </a:schemeClr>
+                  </a:solidFill>
+                </a:ln>
+                <a:latin typeface="-윤고딕330" pitchFamily="18" charset="-127"/>
+                <a:ea typeface="-윤고딕330" pitchFamily="18" charset="-127"/>
+              </a:rPr>
+              <a:t>택시 내리는 곳의 위도 좌표</a:t>
+            </a:r>
+            <a:endParaRPr lang="en-US" altLang="ko-KR" sz="2500" b="1" dirty="0">
+              <a:ln>
+                <a:solidFill>
+                  <a:schemeClr val="bg1">
+                    <a:alpha val="0"/>
+                  </a:schemeClr>
+                </a:solidFill>
+              </a:ln>
+              <a:latin typeface="-윤고딕330" pitchFamily="18" charset="-127"/>
+              <a:ea typeface="-윤고딕330" pitchFamily="18" charset="-127"/>
+            </a:endParaRPr>
+          </a:p>
+          <a:p>
+            <a:r>
+              <a:rPr lang="en-US" altLang="ko-KR" sz="2500" b="1" dirty="0" err="1">
+                <a:ln>
+                  <a:solidFill>
+                    <a:schemeClr val="bg1">
+                      <a:alpha val="0"/>
+                    </a:schemeClr>
+                  </a:solidFill>
+                </a:ln>
+                <a:latin typeface="-윤고딕330" pitchFamily="18" charset="-127"/>
+                <a:ea typeface="-윤고딕330" pitchFamily="18" charset="-127"/>
+              </a:rPr>
+              <a:t>Passenger_count</a:t>
+            </a:r>
+            <a:r>
+              <a:rPr lang="en-US" altLang="ko-KR" sz="2500" b="1" dirty="0">
+                <a:ln>
+                  <a:solidFill>
+                    <a:schemeClr val="bg1">
+                      <a:alpha val="0"/>
+                    </a:schemeClr>
+                  </a:solidFill>
+                </a:ln>
+                <a:latin typeface="-윤고딕330" pitchFamily="18" charset="-127"/>
+                <a:ea typeface="-윤고딕330" pitchFamily="18" charset="-127"/>
+              </a:rPr>
+              <a:t> = </a:t>
+            </a:r>
+            <a:r>
+              <a:rPr lang="ko-KR" altLang="en-US" sz="2500" b="1" dirty="0">
+                <a:ln>
+                  <a:solidFill>
+                    <a:schemeClr val="bg1">
+                      <a:alpha val="0"/>
+                    </a:schemeClr>
+                  </a:solidFill>
+                </a:ln>
+                <a:latin typeface="-윤고딕330" pitchFamily="18" charset="-127"/>
+                <a:ea typeface="-윤고딕330" pitchFamily="18" charset="-127"/>
+              </a:rPr>
+              <a:t>택시를 타는 승객의 수</a:t>
+            </a:r>
+            <a:endParaRPr lang="en-US" altLang="ko-KR" sz="2500" b="1" dirty="0">
+              <a:ln>
+                <a:solidFill>
+                  <a:schemeClr val="bg1">
+                    <a:alpha val="0"/>
+                  </a:schemeClr>
+                </a:solidFill>
+              </a:ln>
+              <a:latin typeface="-윤고딕330" pitchFamily="18" charset="-127"/>
+              <a:ea typeface="-윤고딕330" pitchFamily="18" charset="-127"/>
+            </a:endParaRPr>
+          </a:p>
+          <a:p>
+            <a:endParaRPr lang="en-US" altLang="ko-KR" sz="2500" b="1" dirty="0">
+              <a:ln>
+                <a:solidFill>
+                  <a:schemeClr val="bg1">
+                    <a:alpha val="0"/>
+                  </a:schemeClr>
+                </a:solidFill>
+              </a:ln>
+              <a:latin typeface="-윤고딕330" pitchFamily="18" charset="-127"/>
+              <a:ea typeface="-윤고딕330" pitchFamily="18" charset="-127"/>
+            </a:endParaRPr>
+          </a:p>
+          <a:p>
+            <a:endParaRPr lang="ko-KR" altLang="en-US" sz="2500" b="1" dirty="0">
+              <a:ln>
+                <a:solidFill>
+                  <a:schemeClr val="bg1">
+                    <a:alpha val="0"/>
+                  </a:schemeClr>
+                </a:solidFill>
+              </a:ln>
+              <a:latin typeface="-윤고딕330" pitchFamily="18" charset="-127"/>
+              <a:ea typeface="-윤고딕330" pitchFamily="18" charset="-127"/>
+            </a:endParaRPr>
+          </a:p>
+        </p:txBody>
+      </p:sp>
     </p:spTree>
     <p:extLst>
       <p:ext uri="{BB962C8B-B14F-4D97-AF65-F5344CB8AC3E}">
-        <p14:creationId xmlns:p14="http://schemas.microsoft.com/office/powerpoint/2010/main" val="1111324113"/>
+        <p14:creationId xmlns:p14="http://schemas.microsoft.com/office/powerpoint/2010/main" val="2432116099"/>
+      </p:ext>
+    </p:extLst>
+  </p:cSld>
+  <p:clrMapOvr>
+    <a:masterClrMapping/>
+  </p:clrMapOvr>
+  <mc:AlternateContent xmlns:mc="http://schemas.openxmlformats.org/markup-compatibility/2006" xmlns:p14="http://schemas.microsoft.com/office/powerpoint/2010/main">
+    <mc:Choice Requires="p14">
+      <p:transition spd="med" p14:dur="700">
+        <p:fade/>
+      </p:transition>
+    </mc:Choice>
+    <mc:Fallback xmlns="">
+      <p:transition spd="med">
+        <p:fade/>
+      </p:transition>
+    </mc:Fallback>
+  </mc:AlternateContent>
+</p:sld>
+</file>
+
+<file path=ppt/slides/slide7.xml><?xml version="1.0" encoding="utf-8"?>
+<p:sld xmlns:a="http://schemas.openxmlformats.org/drawingml/2006/main" xmlns:r="http://schemas.openxmlformats.org/officeDocument/2006/relationships" xmlns:p="http://schemas.openxmlformats.org/presentationml/2006/main">
+  <p:cSld>
+    <p:spTree>
+      <p:nvGrpSpPr>
+        <p:cNvPr id="1" name=""/>
+        <p:cNvGrpSpPr/>
+        <p:nvPr/>
+      </p:nvGrpSpPr>
+      <p:grpSpPr>
+        <a:xfrm>
+          <a:off x="0" y="0"/>
+          <a:ext cx="0" cy="0"/>
+          <a:chOff x="0" y="0"/>
+          <a:chExt cx="0" cy="0"/>
+        </a:xfrm>
+      </p:grpSpPr>
+      <p:sp>
+        <p:nvSpPr>
+          <p:cNvPr id="6" name="모서리가 둥근 직사각형 5"/>
+          <p:cNvSpPr/>
+          <p:nvPr/>
+        </p:nvSpPr>
+        <p:spPr>
+          <a:xfrm>
+            <a:off x="251520" y="188640"/>
+            <a:ext cx="8640960" cy="6480720"/>
+          </a:xfrm>
+          <a:prstGeom prst="roundRect">
+            <a:avLst>
+              <a:gd name="adj" fmla="val 5928"/>
+            </a:avLst>
+          </a:prstGeom>
+          <a:solidFill>
+            <a:schemeClr val="bg1"/>
+          </a:solidFill>
+          <a:ln>
+            <a:solidFill>
+              <a:schemeClr val="bg1"/>
+            </a:solidFill>
+          </a:ln>
+        </p:spPr>
+        <p:style>
+          <a:lnRef idx="2">
+            <a:schemeClr val="accent1">
+              <a:shade val="50000"/>
+            </a:schemeClr>
+          </a:lnRef>
+          <a:fillRef idx="1">
+            <a:schemeClr val="accent1"/>
+          </a:fillRef>
+          <a:effectRef idx="0">
+            <a:schemeClr val="accent1"/>
+          </a:effectRef>
+          <a:fontRef idx="minor">
+            <a:schemeClr val="lt1"/>
+          </a:fontRef>
+        </p:style>
+        <p:txBody>
+          <a:bodyPr rtlCol="0" anchor="ctr"/>
+          <a:lstStyle/>
+          <a:p>
+            <a:pPr algn="ctr"/>
+            <a:endParaRPr lang="ko-KR" altLang="en-US" sz="1400" b="1"/>
+          </a:p>
+        </p:txBody>
+      </p:sp>
+      <p:grpSp>
+        <p:nvGrpSpPr>
+          <p:cNvPr id="4" name="그룹 3"/>
+          <p:cNvGrpSpPr/>
+          <p:nvPr/>
+        </p:nvGrpSpPr>
+        <p:grpSpPr>
+          <a:xfrm>
+            <a:off x="3203848" y="2753257"/>
+            <a:ext cx="5304084" cy="1551745"/>
+            <a:chOff x="3314604" y="2406649"/>
+            <a:chExt cx="5304084" cy="1551745"/>
+          </a:xfrm>
+        </p:grpSpPr>
+        <p:sp>
+          <p:nvSpPr>
+            <p:cNvPr id="8" name="TextBox 7"/>
+            <p:cNvSpPr txBox="1"/>
+            <p:nvPr/>
+          </p:nvSpPr>
+          <p:spPr>
+            <a:xfrm>
+              <a:off x="3314604" y="2650344"/>
+              <a:ext cx="4044697" cy="1308050"/>
+            </a:xfrm>
+            <a:prstGeom prst="rect">
+              <a:avLst/>
+            </a:prstGeom>
+            <a:noFill/>
+          </p:spPr>
+          <p:txBody>
+            <a:bodyPr wrap="square" rtlCol="0">
+              <a:spAutoFit/>
+            </a:bodyPr>
+            <a:lstStyle/>
+            <a:p>
+              <a:r>
+                <a:rPr lang="en-US" altLang="ko-KR" sz="4400" b="1" dirty="0">
+                  <a:ln>
+                    <a:solidFill>
+                      <a:schemeClr val="bg1">
+                        <a:alpha val="0"/>
+                      </a:schemeClr>
+                    </a:solidFill>
+                  </a:ln>
+                  <a:solidFill>
+                    <a:srgbClr val="BF0302"/>
+                  </a:solidFill>
+                  <a:latin typeface="-윤고딕330" pitchFamily="18" charset="-127"/>
+                  <a:ea typeface="-윤고딕330" pitchFamily="18" charset="-127"/>
+                </a:rPr>
+                <a:t>03    </a:t>
+              </a:r>
+              <a:r>
+                <a:rPr lang="ko-KR" altLang="en-US" sz="3500" b="1" dirty="0">
+                  <a:ln>
+                    <a:solidFill>
+                      <a:schemeClr val="bg1">
+                        <a:alpha val="0"/>
+                      </a:schemeClr>
+                    </a:solidFill>
+                  </a:ln>
+                  <a:latin typeface="-윤고딕330" pitchFamily="18" charset="-127"/>
+                  <a:ea typeface="-윤고딕330" pitchFamily="18" charset="-127"/>
+                </a:rPr>
+                <a:t>기존연구 및</a:t>
+              </a:r>
+              <a:endParaRPr lang="en-US" altLang="ko-KR" sz="3500" b="1" dirty="0">
+                <a:ln>
+                  <a:solidFill>
+                    <a:schemeClr val="bg1">
+                      <a:alpha val="0"/>
+                    </a:schemeClr>
+                  </a:solidFill>
+                </a:ln>
+                <a:latin typeface="-윤고딕330" pitchFamily="18" charset="-127"/>
+                <a:ea typeface="-윤고딕330" pitchFamily="18" charset="-127"/>
+              </a:endParaRPr>
+            </a:p>
+            <a:p>
+              <a:r>
+                <a:rPr lang="en-US" altLang="ko-KR" sz="3500" b="1" dirty="0">
+                  <a:ln>
+                    <a:solidFill>
+                      <a:schemeClr val="bg1">
+                        <a:alpha val="0"/>
+                      </a:schemeClr>
+                    </a:solidFill>
+                  </a:ln>
+                  <a:latin typeface="-윤고딕330" pitchFamily="18" charset="-127"/>
+                  <a:ea typeface="-윤고딕330" pitchFamily="18" charset="-127"/>
+                </a:rPr>
+                <a:t>                   </a:t>
+              </a:r>
+              <a:r>
+                <a:rPr lang="ko-KR" altLang="en-US" sz="3500" b="1" dirty="0">
+                  <a:ln>
+                    <a:solidFill>
+                      <a:schemeClr val="bg1">
+                        <a:alpha val="0"/>
+                      </a:schemeClr>
+                    </a:solidFill>
+                  </a:ln>
+                  <a:latin typeface="-윤고딕330" pitchFamily="18" charset="-127"/>
+                  <a:ea typeface="-윤고딕330" pitchFamily="18" charset="-127"/>
+                </a:rPr>
+                <a:t>목표</a:t>
+              </a:r>
+            </a:p>
+          </p:txBody>
+        </p:sp>
+        <p:pic>
+          <p:nvPicPr>
+            <p:cNvPr id="2" name="그림 1"/>
+            <p:cNvPicPr>
+              <a:picLocks noChangeAspect="1"/>
+            </p:cNvPicPr>
+            <p:nvPr/>
+          </p:nvPicPr>
+          <p:blipFill>
+            <a:blip r:embed="rId2" cstate="print">
+              <a:extLst>
+                <a:ext uri="{28A0092B-C50C-407E-A947-70E740481C1C}">
+                  <a14:useLocalDpi xmlns:a14="http://schemas.microsoft.com/office/drawing/2010/main" val="0"/>
+                </a:ext>
+              </a:extLst>
+            </a:blip>
+            <a:stretch>
+              <a:fillRect/>
+            </a:stretch>
+          </p:blipFill>
+          <p:spPr>
+            <a:xfrm rot="2196822">
+              <a:off x="7246613" y="2406649"/>
+              <a:ext cx="1372075" cy="1372075"/>
+            </a:xfrm>
+            <a:prstGeom prst="rect">
+              <a:avLst/>
+            </a:prstGeom>
+          </p:spPr>
+        </p:pic>
+      </p:grpSp>
+    </p:spTree>
+    <p:extLst>
+      <p:ext uri="{BB962C8B-B14F-4D97-AF65-F5344CB8AC3E}">
+        <p14:creationId xmlns:p14="http://schemas.microsoft.com/office/powerpoint/2010/main" val="1047180936"/>
+      </p:ext>
+    </p:extLst>
+  </p:cSld>
+  <p:clrMapOvr>
+    <a:masterClrMapping/>
+  </p:clrMapOvr>
+  <mc:AlternateContent xmlns:mc="http://schemas.openxmlformats.org/markup-compatibility/2006" xmlns:p14="http://schemas.microsoft.com/office/powerpoint/2010/main">
+    <mc:Choice Requires="p14">
+      <p:transition spd="med" p14:dur="700">
+        <p:fade/>
+      </p:transition>
+    </mc:Choice>
+    <mc:Fallback xmlns="">
+      <p:transition spd="med">
+        <p:fade/>
+      </p:transition>
+    </mc:Fallback>
+  </mc:AlternateContent>
+</p:sld>
+</file>
+
+<file path=ppt/slides/slide8.xml><?xml version="1.0" encoding="utf-8"?>
+<p:sld xmlns:a="http://schemas.openxmlformats.org/drawingml/2006/main" xmlns:r="http://schemas.openxmlformats.org/officeDocument/2006/relationships" xmlns:p="http://schemas.openxmlformats.org/presentationml/2006/main">
+  <p:cSld>
+    <p:spTree>
+      <p:nvGrpSpPr>
+        <p:cNvPr id="1" name=""/>
+        <p:cNvGrpSpPr/>
+        <p:nvPr/>
+      </p:nvGrpSpPr>
+      <p:grpSpPr>
+        <a:xfrm>
+          <a:off x="0" y="0"/>
+          <a:ext cx="0" cy="0"/>
+          <a:chOff x="0" y="0"/>
+          <a:chExt cx="0" cy="0"/>
+        </a:xfrm>
+      </p:grpSpPr>
+      <p:sp>
+        <p:nvSpPr>
+          <p:cNvPr id="6" name="모서리가 둥근 직사각형 5"/>
+          <p:cNvSpPr/>
+          <p:nvPr/>
+        </p:nvSpPr>
+        <p:spPr>
+          <a:xfrm>
+            <a:off x="251520" y="188640"/>
+            <a:ext cx="8640960" cy="6480720"/>
+          </a:xfrm>
+          <a:prstGeom prst="roundRect">
+            <a:avLst>
+              <a:gd name="adj" fmla="val 5928"/>
+            </a:avLst>
+          </a:prstGeom>
+          <a:solidFill>
+            <a:schemeClr val="bg1"/>
+          </a:solidFill>
+          <a:ln>
+            <a:solidFill>
+              <a:schemeClr val="bg1"/>
+            </a:solidFill>
+          </a:ln>
+        </p:spPr>
+        <p:style>
+          <a:lnRef idx="2">
+            <a:schemeClr val="accent1">
+              <a:shade val="50000"/>
+            </a:schemeClr>
+          </a:lnRef>
+          <a:fillRef idx="1">
+            <a:schemeClr val="accent1"/>
+          </a:fillRef>
+          <a:effectRef idx="0">
+            <a:schemeClr val="accent1"/>
+          </a:effectRef>
+          <a:fontRef idx="minor">
+            <a:schemeClr val="lt1"/>
+          </a:fontRef>
+        </p:style>
+        <p:txBody>
+          <a:bodyPr rtlCol="0" anchor="ctr"/>
+          <a:lstStyle/>
+          <a:p>
+            <a:pPr algn="ctr"/>
+            <a:endParaRPr lang="ko-KR" altLang="en-US" sz="1400" b="1"/>
+          </a:p>
+        </p:txBody>
+      </p:sp>
+      <p:sp>
+        <p:nvSpPr>
+          <p:cNvPr id="2" name="Rectangle 2"/>
+          <p:cNvSpPr>
+            <a:spLocks noChangeArrowheads="1"/>
+          </p:cNvSpPr>
+          <p:nvPr/>
+        </p:nvSpPr>
+        <p:spPr bwMode="auto">
+          <a:xfrm>
+            <a:off x="1" y="43933"/>
+            <a:ext cx="184731" cy="369332"/>
+          </a:xfrm>
+          <a:prstGeom prst="rect">
+            <a:avLst/>
+          </a:prstGeom>
+          <a:noFill/>
+          <a:ln>
+            <a:noFill/>
+          </a:ln>
+          <a:effectLst/>
+          <a:extLst>
+            <a:ext uri="{909E8E84-426E-40DD-AFC4-6F175D3DCCD1}">
+              <a14:hiddenFill xmlns:a14="http://schemas.microsoft.com/office/drawing/2010/main">
+                <a:solidFill>
+                  <a:schemeClr val="accent1"/>
+                </a:solidFill>
+              </a14:hiddenFill>
+            </a:ext>
+            <a:ext uri="{91240B29-F687-4F45-9708-019B960494DF}">
+              <a14:hiddenLine xmlns:a14="http://schemas.microsoft.com/office/drawing/2010/main" w="9525">
+                <a:solidFill>
+                  <a:schemeClr val="tx1"/>
+                </a:solidFill>
+                <a:miter lim="800000"/>
+                <a:headEnd/>
+                <a:tailEnd/>
+              </a14:hiddenLine>
+            </a:ext>
+            <a:ext uri="{AF507438-7753-43E0-B8FC-AC1667EBCBE1}">
+              <a14:hiddenEffects xmlns:a14="http://schemas.microsoft.com/office/drawing/2010/main">
+                <a:effectLst>
+                  <a:outerShdw dist="35921" dir="2700000" algn="ctr" rotWithShape="0">
+                    <a:schemeClr val="bg2"/>
+                  </a:outerShdw>
+                </a:effectLst>
+              </a14:hiddenEffects>
+            </a:ext>
+          </a:extLst>
+        </p:spPr>
+        <p:txBody>
+          <a:bodyPr vert="horz" wrap="none" lIns="91440" tIns="45720" rIns="91440" bIns="45720" numCol="1" anchor="ctr" anchorCtr="0" compatLnSpc="1">
+            <a:prstTxWarp prst="textNoShape">
+              <a:avLst/>
+            </a:prstTxWarp>
+            <a:spAutoFit/>
+          </a:bodyPr>
+          <a:lstStyle/>
+          <a:p>
+            <a:endParaRPr lang="ko-KR" altLang="en-US" b="1"/>
+          </a:p>
+        </p:txBody>
+      </p:sp>
+      <p:sp>
+        <p:nvSpPr>
+          <p:cNvPr id="4" name="AutoShape 4" descr="data:image/jpeg;base64,/9j/4AAQSkZJRgABAQAAAQABAAD/2wCEAAkGBxISEhQUERQWFRUVFRgYFhgYFx4XGhwcHRQXGBoVGhkYHCggHhorIBUWITEhJikrMi8wFx80ODcsNygtLisBCgoKDg0OGxAQGy0mICQsLCw4NC8sLCw3Ly8sLCwsNCwsLywvMiw0LCwsLCwsLC0vLCwsLCwsLCwsLCwsLCwsLP/AABEIAK8BIQMBEQACEQEDEQH/xAAcAAEAAgMBAQEAAAAAAAAAAAAABgcDBAUBAgj/xABREAABAwICBQYJBgkLAwUAAAABAAIDBBESIQUGMUFRBxMiYXGBFzJUkZKTobHSFBZScoLRIzNCYmNzdLLBFTQ1Q0RTg6Kjs8PT8PEkVcLi4//EABsBAQACAwEBAAAAAAAAAAAAAAADBAECBQYH/8QAPxEAAgECAQcHCwMEAwADAAAAAAECAwQRBRIhMUFRkQYTYXGB0eEUFRYiMlJTobHB8EJikjM0cvEkNcIjRKL/2gAMAwEAAhEDEQA/ALxQBAEAQBAEAQBAEAQBAEAQHKj0lasfTu3wtlZxtjcx47iGH7R4LTP9bNLDoPmFWW/NfBNffgdVblcIAgCAIAgCAIAgCAIAgCAIAgCAIAgCAIAgCAIAgCAIAgCAIAgCAIAgCAIDwlAQahquf03I5mbIKd0ZO64c249Jzh9gqtF51d9CO3Up81kuKlrnPHsw/OJOlZOIEAQBAEAQBAEAQBAEAQBAEAQBAEAQBAEAQBAEAQBAEAQBAEAQBAEAQBAEBENedbW0rDFEQZ3DtEYI8d3XwHfs2169ZQWC1nXyXkyVzLPn7C+fQvu9nWffJ5oF1NAXyAiWaznA7WtF8LT+dmXHrceCzb082OL1sxle9VxWzYezHQvu+7oRLFOckIAgCAIAgCAIAgCAIAgCAIAgCAIAgCAIAgCAIAgCAIAgCAIAgCAIAgPCUBANb9ewzFFSEF4ydLta3iGbnO69g69gqVrjDRA9Dk3IzqYVa+iO7a+vcvn9TDqTqc4uFVWA3vjYx2bidvOyXzvvAPac8hihQ058zfKmVY5vk9vq1Nr6Lo3vb1a5VpzWmmpejI4ukNrRMGOQk7BYbL7r2urE6sYa9ZyLXJ9e50wWEd70JdvceUElXP0pGimjOxmT5j1uceizssTntCRc5aXoMVo29L1YPPe/Uuza+vR1M7jQpCmeoAgCAIAgCAIAgCAIAgCAIAgCAIAgCAIAgCAIAgCAIAgCAIAgCA8KArTlB1tLnOpoHWa3KZ42k74weA3nectxvSuK36Ynp8j5LWCuKq6l939uJ0dRdTREG1FS28pAMbCMoxuJH957t3Fb0KGb60tf0K2VcrOs3SpP1dr97w+utmHXTW+QSfJaK5kuGve3N2I5c3H+dnm7d23IxWrvHMhrN8mZLpuHlFz7OtLo3vo3Lb9evqhqiylHOS2kqHZuecw0naGk534uOZ6hkpKNFQ0vWUsoZTncvMhogtS7+7UvmSpTnLCAIAgCAIAgCAIAgCAIAgCAIAgCAIAgCAIAgCAIAgCAIAgCAIAgCA+Jr4TbbY27dyGVrKU1IouerYWyZ2cZHg7y0F2f2rHuXMoxzqixPcZVq81ZydPbgl1PwLj0pOY4ZXt2sje4doaSPculJ4Js8VSip1Ixe1pFQahSNFfAZDckvsT9MsdYnrNz3lc63a5xYntMsQl5HJQ1LDgn/oukLpHhz1AEAQBAEBjEzb2xC/C4QzgzIhgIAgCAIAgCAIAgCAIAgCAIAgCAIAgCAIAgCAIAgCAIDwoCstYKE6Or46toPMPkJdb8kuBEjT1HEXjrBHBUqkeaqKew9PZ1lfWUrV+2lo6cNXcWR0ZGbnNc3tBBHusVc1nmdMX0oozTWjH0k7ojcFhBjdvLb3Y8Hjl3EFcqcHCWB9AtLmF1QU9+hrp2r82Fsal6f+WU+J2UrDhkA2XtcPHURn1G43Lo0amfHHaeOylZeS1s1ey9K6vAkKlOeEAQBACgKV1dYP5WYbC/yubPvlXNp/1u1/c9veN+a2v2Q/8AJdS6R4g8ugF0AugPUB5dAe3QHl0AugF0B6gCAIAgCAIAgCAIAgCAIAgCAIAgCA1q+jZNG6ORocxwsQf+8j1rDSksGb06k6c1ODwaODq5FJRv+SSkvizNNIeG0wO4OAzHEXtssoqacPUerZ3F68nC5XPx0S/Uun3l0PbufWYOUnRjJKR0pHThs5ruouAc3sIN+0Ba3EE4Y7ibItxKncqC1S0P7PsOfyT0L2xzTOBDZS1rOsMxXcOq7yPsrW1i1FveWeUFeMqsaa1xTx7cNHy+ZPlaPPhAEAQHhQFMavf0rH+1ze+Zc2n/AFu1/c9tef8AWP8Awh/5LF1uir3iNtC5rL4uccbAjxcNiQbDxtgvsVyqqjwzDzOT52kXJ3Kb3fmj6kZm1J0i4YnVhLuHOy28+7zKB0KmvO+bOtHK9jHQqOj/ABj+fM1NVtY6qCqbTVL3PaZOacHnE5jibNcHnMgkjaTkbjr1pVZxnmSJcoWFvWtncUFg8MdGjFbdHQbnKXPUQzRvimlYyRhFmvIaHNPAHaQ4eiVtcuUWmmQ5ChQqwlCcE2njpWx/nzJlqtpH5RSwynxiwB31m9F3tBVqnLOimcS9ocxXnT3P5bPkQjlL01NHUsZDLIzDDicGOLblznWvbabM9qq3M2pJJneyFaUqlGU6kU9OGlY6l4kqroaxtDG2mdeoDYw5zyCTkA9135Xzvc32KxJTzPV1nGoztndOVZepi9C+Wojb9TtJy5y1nS4CWS3+UNHmCg5iq9cvqdZZUsKeiFHR1R++L+Zxm6YrtGT4Jnuka2xcxzzI1zD+UxzswcjbZmMwos+pSlhIuu1tMoUc+lFJ9Cwwe5paC0Kaj6YlbJIWuFwwuu3O5vb7XZkOC6HSeQlLRmtHQWTQIAgCAIAgCAIAgCAIAgCAIDW0jXxwRmSZ4Yxu0nzAdZ6gtoQlOWbFYs1nNQWdLUQw6/meZsFFG3E8kCSd2Buwm+EZnIcQepXvIebhn1X2Ioq/VSeZTXa9BJKTRtQbGeqc472xMbGz2hz/APMqkpw/THi8fD5F2MZbWdZjbC3vNz5yojc8kjDtovmDnxBuD50BzdOaL+UtEUhtDcOeAbF9jcMvubcAk7Ta2S0nDPWD1Fi2uHQlnx9rZ0dPXuNh1XBC0NL442tFgC5rQABsAvssFJGEnoiivOpi3KTMVJp2nmdhhkEpG3m7vA+s5oLR3lbypTivWWHXoNI1Iy1PEV+ho5r84ZD1NlfGB2CNwHebrEKkoasOCf1MyinrILrA+p0TNG+GWSWnkJHNyuL7EWuzEcxcZgjgb339Kgqd1FxkkpLatBzbidS1kpJ4xexliaPq2zRslZm2RjXt7HAEd+a5kouLcXsOnGSkk0ZytTJTGrv9Ks/a5vfMubT/AK3a/ue2vP8ArH/hD/yWtpzTkFIzHM61zZoAu5x4NH8dgV+c4wWLPJW1pVuZ5lNY/brIj4Q5JD/6aikkFznc/wDGxwB71X8qb9mJ2PMcIf1q0Y8Pu19CH1FW+XSDZJIzE99TAXRm929KIWNwDmADsG1V85yq4tYaUdlUo0snuEJZyUZad+t9P1LF5SaDnKJz98LhIOwXa/8Ayuce5XLiOMOo81kavzV3FbJerx1fPA5PJPX3ZNAT4rhI3scMLh52g/aUdpLQ4lzlDQwqRqrasO1eH0I/Wj5bpYtGbTOG/YiHS7jzb/SUT9et2/Q6FL/iZMx25uPbLV8mi1tIV8dPGZJnBjG7SfYANpPABXpSUVizyVGjOtNQprFshs3KPicRS0sktjvuO+zGuIHbZVndY+zHE7kcguKTr1Yx/Oloh2uelJamUPmgMDhFhDTfMYnHF0mt4kbNyr15ub0rA7eSranbxcac89N9H2bLl0Z+Ji/Vs/dC6UdR4ep7b62bKyaBAEAQBAEAQBAEAQBAEAQBAYaykZKwsla17Dta4XB7isxk4vFPSYlFSWDIrWcnFC++Fskf1X3HmfdXI5QrR24lOWT6EtOGHUajdQ2NOCKuqWkC5aH7BuNm2tsW3lzemUI8DHkeGhTlxM/zHm/9xqvSd8ax5ZH4cTbySXxJcTxuoT79Kvqz2SEe8lZd6tlOPAwrN/ElxPpnJzT/ANZNUSfWkH8GrXy+eyMV2GVZQ2tvtN6j1E0fHsga4/nkv9jjb2LSV7Xl+r7G8bSjH9P3O/S0rI2hsbWsaNjWgNHmCrNuTxZYSSWCMywZKy5TK41M8FFTjHI1xLgPpkWa2+6zS4ngCF1bCHNxlWnqOVlCTqyjRhrLA0NQiCCKEG/NxtZfjZoBPec1zak8+blvZ04RzYqK2G6tDYpfV7+lY/2ub3zLm0/63a/ue2vP+sf+EP8AybXKfK41pDibNhZhHUS4kjrJ/dHBbXPt6dxFkKOFo3HW2/klgWhSTwMha6NzGwhgLSCAwNtlnssryaS0ajyc41JVGpJ52PbiVHpOsZNpTnIjiY+qgwnjYwtJF912lc9yUq2K3o9lSpTpZNzJrBqEvniy5amEPY5js2uaWkdRFj710WsUeJjJxaktaKU0JXvoKl5dcuY2aIjiQDhPe5jO4rm05c1N9p7m7oq+to5u1xfVjr+r4Ej5KdGl0ktQ7PAObaTvc6znntsG+kVNax0uTObygrqMYUI9fYtC+5m5W5XXpm/kHnHH6wwAexzvOs3behGnJ2McaktuhdmnuRJNRHQihh5vCOgOc2Xx/l4uu91NQw5tYHKyoqnlc8/fo6tmHRgQHlL0hFNU3ieHhkWBxbmMQc8kA7DtGxVLmSlLQejyDQqUqLz1hi8VjuLY0Z+Ji/Vs/dC6EdR4+p7b62bKyaBAEAQBAEAQBAEAQBAEAQBAEBraQie+N7Y34HuY4Nfa+EkEB1uo5rMWk03pMSTaaRWNDHpbRpkww8817sTnWMuI2tiu0472A2jcuvN2txhpwa7PA5MPK7fHRnI2TylVLPxlIAesvZ7C0rXzdTeqf07zbzhUWum/zsPTypSbqQetP/TTzZH3/l4jzlLZTf52HyeUCvk/E0g6rMkk91k8goR9qf0Q8urv2af1MkFXp6ZzSGCMAg2cxjGnPYQ4l9uzNayhZQWGOP5wMxneyepIsCikl5sGdrGvt0gxxe3ZuJaD3WXNlm4+rqOmscNJytJTVk/QpWiBpydPKOl/hxbb9b8PZvUsFThpnp6F933Ec8+WiOjpMmreq8FGCWXfI7x5X5vdc3Oe4Xztv33KVridXXq3GtG3hS1a3tO4oCc166sZDG6SQ4WMBc4ngP49Sw2ksWb06cqklCKxbKj1EhdPpCOS3iukmf1YmuFr/WkHmK51BOVTHrZ7HK0lRsebx15seGHcWJrPqrDW4S4uZI0Wa9vC98LgciPdc22lXatFVNZ5uxyjVtG83SnsZHKbkwZcc5OXNvezWBpOd9pJ9ygVotrOnPlFNr1IJPe3j3HTqNQIDNFJE50Qi5uzGgEEsfiuScyTvPUpPJ45ya2FOOWa3NTpzWdnY6XsxWH+iXlWDkEP01qDFUTvm517DIQS0NBFw0NvnxsFXnbKUscTtWmWqlvSVLNTw6+s7+gNEMpIWwsJIbclx2uJNy427fYpYQUI4I5t1cyuKrqy2/I+dYdBxVkfNy3Fjdrm5OabWuL9uwpUpqawZtaXdS1qZ9P/AGukhw5Lxc3qDhO20YuR2l1vYq3ki3nafKKWGimsev8APqdKu5OqZ8bGRudHhxYnABzn4gPGJ4WyAyzW8raDWC0FWjl24hUc54Sx2akuol1NFgY1u3C0C/YLKyjjSeLbMqGAgCAIAgCAIAgCAIAgCAIAgCAICL6e10gpahkDgbkt5x9jhY05gm2bjsyHHuVqlaTqwc1/sq1runSmoS2nSg1ko3+LUwn/ABGg+YlROhVWuL4EqrU5apLibf8AKEH97H6bfvWmZLcyTORqVGstGzxqmEdXONJ8wN1vG3qy1RfAjlWpx1yXE80XrLSVLiyGZrnD8nNpPW0OAxDrCzUt6tNYyiYp16dR4RkmdZQkx7ZAEAQEV111alrBEI5cAa7pNdmy2fTsNrx/HcoK1J1MMGdTJl/C0cnKGOOp7erqZ0tW9XoqOMtjuXOsXvPjOI2dgGdh1neSVvTpqCwRWvL2pdTzp9i2L83nYUhUCAIAgCAIAgCAIAgCAIAgCAIAgCAIAgCAIAgCA+JZA0EuIAAuSTYAcSSmsEfGt8cjzHRxyVThtLAGxt63SPsLdl77lZ8llFY1Go9evgQK4jJ4Q09XedOjlqSQZY4mDg2RzyP9MBQyUNjfDxJVnbTU0/qvTVgBmacYFg9pwuA4X2EZ7CCpKNxUo+yyKtb06y9dEOq+Sw3/AAVQLcHsz9Jp/gr8cqe9HgznzyTH9MjQPJdU/wB7D/m+FSedIbmR+ap+8bVPyWSfl1DAPzYy72lwWksqLZH5m0ck75fIkGjOTmjiIc/HM4G4xus2/wBVtvbdVqmUKs1gtHUXKVhRpvHWyXsYAABsAsFRLp7dAasWkGOmfCD042se4fmvLw034/g3ZdnELZxaipbGYTWOBtrUyEAQBAEAQBAEAQBAEAQBAEAQBAEAQBAEAQBAEAQBAEBHdddX5K2ERxy4C12Ig+K/LIOtnkcxt7OFm1rqjPOaxK11QdaGangQvRugNMUJPycNcHG7mtc1zT12fhN+yyv1K9pX9vFfnQc+lb3Vv7GDR2Ga2aTj/H6Oc7iWYvcA/wB6g8lt5ezU4/iLXlNePtU+DMo5RLfjKKpbl9H4g3JY8gx1TjxM+W4a4S4DwnUw8aGoHa1nxp5uqbJIx5wgtcZcAOU+kOyKc9jWfGnm2rta/Owz5wp7nwPpvKREfFpal3Yxp9zljzfJa5x4mfLV7kuB9s11qH/itHVJ+tdg85YsO0gvaqL6mVdTeqm/oZo9KaWk8Wjih65ZsXsZmtXTto65t9S7zZVK8v0Jdb7jZj0ZXSZ1NYI27208YZ3c5Jd3mAWjqUV7EMet/ZYG6hUftS4GGDS9FS/gaUGeZxuWRHnZHu2YpJCbcLuc7ILLpVanrz0Lp0cF3BVKcXmx0v8ANZJqXHhHOWxWGLDsvvAJzI61V6idGVAEAQBAEAQBAEAQBAEAQBAEAQBAEAQBAEAQBAEAQBAEAQGCqhe7xHlhHUHA9oI9xCymlrRho5zo64eLJTvHXG+M+cSOHsUmNLc+K7jX1+gwOn0kP7PSu6xUPb7DCfet82h70uC7zXGpuXHwMXyzSQ/sdP3VJ/6Szm0Pff8AHxMOVT3Vx8Dx1bpQ7KWnb21Dj7owmZb+8+HiM6ruXHwMbjpl2wUTO+Rx9y2/4q958Eaf8h+6uLPh+h9KSePXsjHCKAe9xuEVW3Wqnj1sw6dZ654dS7zwaixvzqqioqep8hDe5rdnnWfLJL2IqPUh5LF+22+3uJBo3RUFO3DBGyMb8ItfrJ2nvVadSc3jJ4liEIwWEVgbq0NggCAIAgCAIAgCAIAgCAIAgCAIAgCAIAgCAIAgCAIAgCAIAgCAIAgCAIAgCAIAgCAIAgCAIAgCAIAgCAIAgCAIAgCAIAgCAICOaw660lGS2R5dIP6uMYnDtzs3vKjlUjHQdGzyVc3SzoLBb3oXj2EXfyuxX6NM8jrkAPmwlR8/0HWXJmphpqLgz58LrPJXesHwpz/QZ9GJ/EXDxHhdZ5K71g+FOf6B6MT+IuHiZqblbgJ/CU8jRxa5r/YbIq63Gk+TVZL1Zp8V3k00Jp6nq24qeQPttGxze1pzCmjNS1HDubOtbSzascPzYzovdYE8BdbFdLFlaDleZ5K71g+FVlcY7D0/oxP4i4eI8LrPJXesHwrPP9A9GJ/EXDxHhdZ5K71g+FOf6B6MT+IuHiPC6zyV3rB8Kc/0D0Yn8RcPE7ur3KJSVThG7FDI42aH2wk8A4ZX7bLeNaMtBQvMh3NvHPXrLo2dhMFKcYIAgIFrNylxU0zoYoueLDZ7seFoO9oyNyNh2ZqCdZJ4JHfscg1Likqk5ZqerRj27CTasawRV0POxXFjhe07Wu4G27YQVJCaksUcy9sqlpV5ufY96OutymEBqaS0jFTsMkz2sYN7j7ANpPUFhySWLJaNGpWnmU1iyEV3KxTNJEUUkgG82YD2XufOAoXXWxHdpcm7iSxnJL5+BqeF1nkrvWD4Vjn+gm9GJ/EXDxHhdZ5K71g+FOf6B6MT+IuHifcPKwHua1lI9znENaBILkk2AHRTn+g1nyblCLlKqsF0eJKda9Z/kMEcskWIveGFofaxLHOPSw5+LbYpJzzVjgcmwsPLKrpxlhgsccOlL7mHUzW9ukOdwxGPm8O12K+LF1D6PtSnUz9hJlLJjss3GWOOOzDUSdSHLCAIAgOTp7WOmo23nkDSfFaM3nsaN3WclpKcY6y3a2Ne6eFKOPTsXaQ2flchB6FPI4cXOa0+YXUXP9B24cmarXrTS7G+4xeF1nkrvWD4U5/oNvRifxFw8R4XWeSu9YPhTn+gejE/iLh4nS1e5RDWTshipXXdm5xkFmtG1x6P/kkDeto1s54YFW8yJ5LSdWdRcNb3aydKY4JC+UvWp1HE2OE2mlvY/QbsL+3cO87lDWqZqwWs7eRcnK6qOdT2Y/N7u8rLVTVWfSD3YThY0/hJXXOZzsPpO37e05i9eEHLUepyhlKlYwSaxb1JbvsixqfkqogOk+Zx44mjzANU6oR3nmp8o7pvQors8TL4LaDjN6Y+FZ5iJr6Q3n7eHiPBbQcZvTHwpzER6Q3n7eHiaOkuSenLTzEsjHbsdnt77AHvusOgtjJqPKSvF/8AyxTXRofcVy5tVoyq3xyxndm1zT+8w/8AdiFX9aL6T0ydvlC33xfFP7NfmgvPQGmW1lK2ZuWJpDm/RcBZzfP7LK7GWdHE8Dd2srWu6Utj4reUDoClbNUQRvvhkkY11sjYuANlQprHBdR9Du6sqVCdSOtJst/wW0HGb0x8Kt8xE8d6Q3n7eHiPBbQcZvTHwpzER6Q3n7eHieHktoOM3pj4U5iI9Ibz9vDxK6151TNBK0BxfFICWOO3K12utlfMZ77qCcMxnpclZSV7B4rCS196LS5NNMuqqJpkN3xOMbidpsAWk9eFwz4gqxRlnR07DyeWrSNvdNR1S0r86yVqU5JF+UHWT5FTHAfw0t2xDhxk7r+chR1Z5q0azqZJsPK6+EvZWl93aU5q9q9PXOlEWZjYXuJ3nPCy/wBJxB28CqkYOWhHtb2+pWajn7Xh2b+pG5qNrEaGpBfcRP6EwtsF8nW4tJ82Ib1mnPNeJBlWxV5Q9X2lpXd29xfrHggEG4OYI2EcVePnrTWhmKtqmxRvkkNmMaXOPUBcrDaSxZvTpyqTUI628CgNYNMz6SqQbOOJ2GGIZ4QTk0D6Ryuf4AWpSk5vE+h2dpRsKHUsW9/huX3JxoTkoZhBq5XYjtZHYAdRcQb91lLGh7zODc8pJ52FCKw3vu/2dfwW0HGb0x8K35iJU9Ibz9vDxHgtoOM3pj4U5iI9Ibz9vDxN7QmoVHSzNmjDy9t8ON2IAkWuBYZ7fOsxpRTxK91li5uKbpzawe5HI5aP5nF+0D/akWtfUusucmv7mX+L+qObyI/2r/C/5FihtLPKfXT7fsWkrB5UIAgOHrjp9tDTOlIBcejG073G9u4WJPYtKk81Yl7J9m7uuqa1a31FI6PoarSVSQCXyP6T3uOTR9Inc0bAB1AKmk5SPdVq1vk+hp0RWhJbfzayyKDkopWtHPSyvdvw2Y3uFifarCoLazzNXlJcSf8A8cUlx/OBt+C2g4zemPhWeYiQ+kN5+3h4jwW0HGb0x8KcxEz6Q3n7eHidvVvVWmocfMB132xFxxGw2AZCwzJ/8BbwpqOooXuUa93hzr1bjuLcolD8qNSX6RmB2RiNjezm2u973edUqrxmz3+QaajZRa2tv54fRFt6jULYaGma0WxRNe7rc8B5Ptt3BWqawijx+U60qt3Uk97XYtB3VuUAgCAICuOWigaYIZrdNsmC/wCa5pNvO0ecqvXWhM9LyarSVaVPY1j2r/ZrcjVSTFVx7mlrx2ua4H9wJQ2knKSmlUpz34rg/EgGqX89pf18f74Vel+nsPQ5R/tan+L+hf2kNOU0Dg2eaONxFwHuw3HEX2q9KcY62fPaNpWrLGnBvqWJrfO2g8qh9YFrzsN6JfNt38KXBnh1uoPKofTCc9T95Dzbd/ClwZVnKbrTFWSRsgzjixdO1sTnWvYHOwA277lQVZqT0HrMh5OqWsJTq6HLDRuSJxySaOdFRY3C3PSF4H5tmtB78JPYQpaCwjjvOFygrxqXeEf0rDt1/cmNVUNjY57yGtY0ucTsAAuSpW8FiziwhKclGKxb0H591l0xJpCrLwCcTgyFm8C9mt7STc9ZVKUnJ4n0WxtYWNvmvZpb/NiLq1O1fbRUzYsi89KV3F5GfcNg7FapwzI4Hhso3ru67qbNS6vzSyuOVfVrmZvlMQ/BzHp22Nk237HZntDuIUFaGa8VtPTcn7/nafMTfrR1dK8Pod7kl1m5yP5JKenGLxE72b2drd3V9Vb0J/pZz+UGT+bn5RBaJa+vf2/XrOpysVJZo94H9Y9jD2Xxf/BbV/YKmQKalepvYm/t9yH8jVA19TLK7MxRgN6i8kF3bZpH2io6Cxkztcpa0o0YU1+p6ez/AH8i4laPGBAEAQFf8tH8zi/aB/tSKCvqXWeh5Nf3Mv8AF/VHN5Ef7V/hf8ixQ2lnlPrp9v2LSVg8qEAQFUctdSecpo9wa9/eSB/A+dVq70pHreTNNZtSe3QiNao64uoGPbHCx7nuBc5xINgLBuW4ZnvKjhNw1I6mUclK9mpSm0ktX3O/4W5/J4/Sct+fluOf6M0viPgh4W5/J4/ScnPy3D0ZpfEfBDwtz+Tx+k5OfluHozS+I+CJhqLrLUV4e+SFkcTeiHAklztpAvuA29o61LSm560cXKthRs2oRm3J/JeJLVKcgpPld0aY63nbdGdjSD+cwBjh5gw/aVOssJY7z3PJ2up2vN7Yv5PT3k65MdPsqKRkRI52BoYW7y0ZMeOq1gesdYU1GWMcNx5/LdlKhcOf6ZPHt2omSmOMEAQBAVJyv6fZI5lLGQeadjkI2B1rBnaAXX7R1qrWli8Eev5O2coKVeW3Quredfkj0aWUk0zhbnnHD9VgIv5y7zLegtDZT5Q11O5jTX6V834YFaapfz2l/Xx/vhVqX6ew9PlH+1qf4v6F96waBhrIjFM242tcPGafpNPH3q9OCksGfPrS7q2tTnKb8esovWnVeahkwyDEw+JIB0Xfc7iPftVOcXF4M9/YZRpXkMY6Gta3eHSa+gNCvq5OajkiY/8AJEji3FxDbNNz1LCTbwRJeXkbWGfOLa6Fjh16SwtXeSvC4PrJGvAN+bjvhP1nEA26gO9TRoe8ebvOUblFxt44dL19i8SzGMAAAAAAsAMgBwCsnmG8XiyreVzWa5+RxHZZ0xHnbH7nH7PWq1af6Uer5PZP/wDszXRH7v7LtObqBoh8MMmkeZ57mgeZjxYSbZSSA4TmBcAb+lvstaccFn4aixli6jVqxss7Nx1vX1LZr29h1fC+PJP9b/8ANb+UdBV9GH8X/wDPiael+UyKphfDLRkse2x/DC43hw/B7QbEdi1lWUlg0TW/J+pQqKpCrpX7fHaQHR9a+CRksRs9jg5p6xuPUdhHAqFYrSj0VajCtTdOa0PQXFrFO3SeiHywjpAB+HaQ5hu9nbbFbjccVZm8+nijxNnB5PyioVNWrHoepkB5NNPtpKr8KcMUzcDidjTe7XHqvcdWK+5Q0pZsus9Fluylc2+MFjKOnr3r83F7NN1dPAnqAIAgK/5aP5nF+0D/AGpFBX1LrPQ8mv7mX+L+qObyI/2r/C/5FihtLPKfXT7fsWkrB5UIAgKz5aNGlzIJ2jJhcx/VisWnsuCO8KvXWpnp+TVdKc6L26V2Ee5N6DR9S58FXHeUnFETI9uIWzYA1wFxa/E3PBR0lFvCR0stVry3Sq0JerqehPDp0rbq/wBlh+DvRnk/+rL8an5mG48358vvifKPcPB1ozyf/Vl+NOZhuHny++J8o9w8HWjPJ/8AVl+NOZhu+pnz5ffE+Ue4kOjaCOnjbFC0MYwWa0dtzmcybkm54qSKSWCObWrTrTdSo8WzZWSM4+tWgI66AxPyO1j7XLXDYbbxuI3g7tq0nBSWDLljeztKqqR7VvRR+lNEVmjZgXB0bgehKwnCfqvH7pzttCpyTg9Og93Qura/p4LBranr4ff5nWp+UzSDWgF0b+t0Yv8A5SB7Fvzs95Tnyes5PFYrqffiZfCjX/ofVn4k56p0cPE19HbTfLiu4eFGv/Q+rPxJz1To4eI9HLTfLiu40tJ8oVfM0tMgjBFjzbcJP2s3DuIWJVZNaWT0Mh2dKWdm49bx+Woy6n6jT1jg+QOjgvcvIsXjbZgO2/0tnbsSFNy6jTKOWKVrFwptOe7d19xdjKZscWCMBrWswtA2AAWAVxJJYI8K5ynPOk8W3ifnnVL+e0v6+P8AfCoUv09h9Hyj/aVP8X9D9HroHzU1dJ6OiqI3RTND2OGYPsIO4jcQsSipLBktGtOjNVKbwaKR1y1NloH42Fz4SRhkHjNN8mvtsPB2w9WxU6lNx6j3WTcq072OZPBT2rf1dxK9ROUTFhgrnAOyDJjkDwbJwP52/fxMlOtskcfKuQ8zGrbrRtju6u7gTDXHWBtFTOlyLz0Ym8XEZdw2ns61NUnmrE42TrKV3XVPZrfV+aCk9XdEyaQqwwkkvcXyv3ht7uf252HWQqkYuTwPdXtzCxts5LVoS6diP0HSUzImNjjAaxjQ1o4ACwCupJLBHzqc5Tk5yeLekidRyZ0D3OdaRuIk2a+zRc3sBbIdSi5iJ14ZevIxUcVo6DH4LqD9L6f/ANU5iJt6Q3m9cDja28m0MdM+Sk5wyR9Itc7FiaAcQAt428dlt60nRSWKLuT8vVZ11CvhmvRqwwezsI1ybazfJKjBIbQzEB19jXbGv7Nx6jfctKU819DOnlvJ/lNHPgvWj81tXd4nU165PpI3umo2F8RN3RtHSYd+Fo2s6hmOxZqUmnitRVyVluE4qlcPCS1N7evp+vWR3Q2uddSDBHLdjcgyQYgOoX6Q7AbLSNSS0JnSuck2ly8+UdL2rRj9jq+FGv8A0Pqz8S256p0cPEqejtpvlxXcPCjX/ofVn4k56p0cPEejlpvlxXcZqPlH0lK9scbYXPe4NaBGcyT9ZOdqdHDxI6uQbKlBzm5JLTrXcSLlZik/k+DnCHPbMznHNFm35uQEgbhc2CkrY5qxObyflDyyeboTi8MetfYrzVvWmoocfMYPwmHFibi2XtbMcSoYzlHUelvsm0bzN5zHRue87fhRr/0Pqz8S256p0cPEoejlpvlxXcPCjX/ofVn4k56p0cPEejlpvlxXcPCjX/ofVn4k56p0cPEejlpvlxXcTfVCoqdJU0prms5mQFjGtbhLuL73Ow5DrB4KWm5TTztRwco06NhXirZvOjpbbxw6NXErnWrU2poXlwDnwg3bK3dwx28Vw47OHVBOm469R6awyrQu45ssFLant6t66NZloOUXSETcPONkA2GRocfSFie03WVVnsZpWyDZ1Hjg11P/AH8ja8KNf+h9WfiWeeqdHDxIvR203y4ruHhRr/0Pqz8Sc9U6OHiPRy03y4ruOzqlrnpKtqWRDmg3xpHCM9Fg2nxtpyA6yFtCpUlLDRwKOUclWVpQdRuWOpLFaXw4lpK0eTPpDJ8yMDgQ4Ag7QRceZDKbTxRyn6r0JNzSwX/VM+5ac1DcuBaV/dLQqkv5M8+atB5JB6pv3LHNQ91cDPnC6+LL+THzVoPJIPVN+5Oah7q4DzhdfFl/JmWm1epIzijpoWu3ERtB7ja6yqcVqSNJ3lxNYSqSa62dNblY8IugOVDqzRMcHNpYGuaQWkRtBBBuCDbatFTgtKSLUr65knGVSTT6WdZblUIDHPA17S17Q5rhZzXC4I4EHaEax1m0ZOLUovBo5fzVoPJIPVN+5R81D3VwLXnC6+LL+TM9RoKlkaxskET2xizA5gIaMsmgjIZDZwC2cIvQ0Rwuq8G5Rm03rwb09Zk0foinguYIY4sVsWBgbe2y9h1pGEY6ka1birWw5yTeG94m6tiEIAgCA4/zVofJIPVN+5R81DcuBc84XXxZfyZ1o2BoAAsALAcANgUhUbxeLNKt0LTTG80EUh4vja4+ci61cIvWialdVqSwpza6m0a3zVoPJIPVN+5a81D3VwJfOF18WX8mPmrQeSQeqb9yc1D3VwHnC6+LL+TM1JoCkieHxU8LHi9nNjaCLixsQOBWVTinikjSpeXFSObOcmtzbN2op2SNLJGh7XCxa4AgjgQcitmk9DIIzlCSlF4NbjmfNWg8kg9U37lpzUPdXAtecLr4sv5MfNWg8kg9U37k5qHurgPOF18WX8mPmrQeSQeqb9yc1D3VwHnC6+LL+THzVoPJIPVN+5Oah7q4DzhdfFl/JnUp4GsaGMaGtaAGtAsABsAA2BbpYairKTk3KTxbPshZNTmT6uUbyXPpoHOO0mJtz2m2a0dOD1pFqN7cwWEakkutmP5q0HkkHqm/csc1D3VwNvOF18WX8mPmrQeSQeqb9yc1D3VwHnC6+LL+TNvR+iYIMXMRRxYrYsDA29r2vYZ7T51tGEY6kQ1birWw5yTeG9tm6tiE/9k="/>
+          <p:cNvSpPr>
+            <a:spLocks noChangeAspect="1" noChangeArrowheads="1"/>
+          </p:cNvSpPr>
+          <p:nvPr/>
+        </p:nvSpPr>
+        <p:spPr bwMode="auto">
+          <a:xfrm>
+            <a:off x="168275" y="-144462"/>
+            <a:ext cx="304800" cy="304801"/>
+          </a:xfrm>
+          <a:prstGeom prst="rect">
+            <a:avLst/>
+          </a:prstGeom>
+          <a:noFill/>
+          <a:extLst>
+            <a:ext uri="{909E8E84-426E-40DD-AFC4-6F175D3DCCD1}">
+              <a14:hiddenFill xmlns:a14="http://schemas.microsoft.com/office/drawing/2010/main">
+                <a:solidFill>
+                  <a:srgbClr val="FFFFFF"/>
+                </a:solidFill>
+              </a14:hiddenFill>
+            </a:ext>
+          </a:extLst>
+        </p:spPr>
+        <p:txBody>
+          <a:bodyPr vert="horz" wrap="square" lIns="91440" tIns="45720" rIns="91440" bIns="45720" numCol="1" anchor="t" anchorCtr="0" compatLnSpc="1">
+            <a:prstTxWarp prst="textNoShape">
+              <a:avLst/>
+            </a:prstTxWarp>
+          </a:bodyPr>
+          <a:lstStyle/>
+          <a:p>
+            <a:endParaRPr lang="ko-KR" altLang="en-US" b="1"/>
+          </a:p>
+        </p:txBody>
+      </p:sp>
+      <p:sp>
+        <p:nvSpPr>
+          <p:cNvPr id="7" name="AutoShape 6" descr="data:image/jpeg;base64,/9j/4AAQSkZJRgABAQAAAQABAAD/2wCEAAkGBxISEhQUERQWFRUVFRgYFhgYFx4XGhwcHRQXGBoVGhkYHCggHhorIBUWITEhJikrMi8wFx80ODcsNygtLisBCgoKDg0OGxAQGy0mICQsLCw4NC8sLCw3Ly8sLCwsNCwsLywvMiw0LCwsLCwsLC0vLCwsLCwsLCwsLCwsLCwsLP/AABEIAK8BIQMBEQACEQEDEQH/xAAcAAEAAgMBAQEAAAAAAAAAAAAABgcDBAUBAgj/xABREAABAwICBQYJBgkLAwUAAAABAAIDBBESIQUGMUFRBxMiYXGBFzJUkZKTobHSFBZScoLRIzNCYmNzdLLBFTQ1Q0RTg6Kjs8PT8PEkVcLi4//EABsBAQACAwEBAAAAAAAAAAAAAAADBAECBQYH/8QAPxEAAgECAQcHCwMEAwADAAAAAAECAwQRBRIhMUFRkQYTYXGB0eEUFRYiMlJTobHB8EJikjM0cvEkNcIjRKL/2gAMAwEAAhEDEQA/ALxQBAEAQBAEAQBAEAQBAEAQHKj0lasfTu3wtlZxtjcx47iGH7R4LTP9bNLDoPmFWW/NfBNffgdVblcIAgCAIAgCAIAgCAIAgCAIAgCAIAgCAIAgCAIAgCAIAgCAIAgCAIAgCAIDwlAQahquf03I5mbIKd0ZO64c249Jzh9gqtF51d9CO3Up81kuKlrnPHsw/OJOlZOIEAQBAEAQBAEAQBAEAQBAEAQBAEAQBAEAQBAEAQBAEAQBAEAQBAEAQBAEBENedbW0rDFEQZ3DtEYI8d3XwHfs2169ZQWC1nXyXkyVzLPn7C+fQvu9nWffJ5oF1NAXyAiWaznA7WtF8LT+dmXHrceCzb082OL1sxle9VxWzYezHQvu+7oRLFOckIAgCAIAgCAIAgCAIAgCAIAgCAIAgCAIAgCAIAgCAIAgCAIAgCAIAgPCUBANb9ewzFFSEF4ydLta3iGbnO69g69gqVrjDRA9Dk3IzqYVa+iO7a+vcvn9TDqTqc4uFVWA3vjYx2bidvOyXzvvAPac8hihQ058zfKmVY5vk9vq1Nr6Lo3vb1a5VpzWmmpejI4ukNrRMGOQk7BYbL7r2urE6sYa9ZyLXJ9e50wWEd70JdvceUElXP0pGimjOxmT5j1uceizssTntCRc5aXoMVo29L1YPPe/Uuza+vR1M7jQpCmeoAgCAIAgCAIAgCAIAgCAIAgCAIAgCAIAgCAIAgCAIAgCAIAgCA8KArTlB1tLnOpoHWa3KZ42k74weA3nectxvSuK36Ynp8j5LWCuKq6l939uJ0dRdTREG1FS28pAMbCMoxuJH957t3Fb0KGb60tf0K2VcrOs3SpP1dr97w+utmHXTW+QSfJaK5kuGve3N2I5c3H+dnm7d23IxWrvHMhrN8mZLpuHlFz7OtLo3vo3Lb9evqhqiylHOS2kqHZuecw0naGk534uOZ6hkpKNFQ0vWUsoZTncvMhogtS7+7UvmSpTnLCAIAgCAIAgCAIAgCAIAgCAIAgCAIAgCAIAgCAIAgCAIAgCAIAgCA+Jr4TbbY27dyGVrKU1IouerYWyZ2cZHg7y0F2f2rHuXMoxzqixPcZVq81ZydPbgl1PwLj0pOY4ZXt2sje4doaSPculJ4Js8VSip1Ixe1pFQahSNFfAZDckvsT9MsdYnrNz3lc63a5xYntMsQl5HJQ1LDgn/oukLpHhz1AEAQBAEBjEzb2xC/C4QzgzIhgIAgCAIAgCAIAgCAIAgCAIAgCAIAgCAIAgCAIAgCAIDwoCstYKE6Or46toPMPkJdb8kuBEjT1HEXjrBHBUqkeaqKew9PZ1lfWUrV+2lo6cNXcWR0ZGbnNc3tBBHusVc1nmdMX0oozTWjH0k7ojcFhBjdvLb3Y8Hjl3EFcqcHCWB9AtLmF1QU9+hrp2r82Fsal6f+WU+J2UrDhkA2XtcPHURn1G43Lo0amfHHaeOylZeS1s1ey9K6vAkKlOeEAQBACgKV1dYP5WYbC/yubPvlXNp/1u1/c9veN+a2v2Q/8AJdS6R4g8ugF0AugPUB5dAe3QHl0AugF0B6gCAIAgCAIAgCAIAgCAIAgCAIAgCA1q+jZNG6ORocxwsQf+8j1rDSksGb06k6c1ODwaODq5FJRv+SSkvizNNIeG0wO4OAzHEXtssoqacPUerZ3F68nC5XPx0S/Uun3l0PbufWYOUnRjJKR0pHThs5ruouAc3sIN+0Ba3EE4Y7ibItxKncqC1S0P7PsOfyT0L2xzTOBDZS1rOsMxXcOq7yPsrW1i1FveWeUFeMqsaa1xTx7cNHy+ZPlaPPhAEAQHhQFMavf0rH+1ze+Zc2n/AFu1/c9tef8AWP8Awh/5LF1uir3iNtC5rL4uccbAjxcNiQbDxtgvsVyqqjwzDzOT52kXJ3Kb3fmj6kZm1J0i4YnVhLuHOy28+7zKB0KmvO+bOtHK9jHQqOj/ABj+fM1NVtY6qCqbTVL3PaZOacHnE5jibNcHnMgkjaTkbjr1pVZxnmSJcoWFvWtncUFg8MdGjFbdHQbnKXPUQzRvimlYyRhFmvIaHNPAHaQ4eiVtcuUWmmQ5ChQqwlCcE2njpWx/nzJlqtpH5RSwynxiwB31m9F3tBVqnLOimcS9ocxXnT3P5bPkQjlL01NHUsZDLIzDDicGOLblznWvbabM9qq3M2pJJneyFaUqlGU6kU9OGlY6l4kqroaxtDG2mdeoDYw5zyCTkA9135Xzvc32KxJTzPV1nGoztndOVZepi9C+Wojb9TtJy5y1nS4CWS3+UNHmCg5iq9cvqdZZUsKeiFHR1R++L+Zxm6YrtGT4Jnuka2xcxzzI1zD+UxzswcjbZmMwos+pSlhIuu1tMoUc+lFJ9Cwwe5paC0Kaj6YlbJIWuFwwuu3O5vb7XZkOC6HSeQlLRmtHQWTQIAgCAIAgCAIAgCAIAgCAIDW0jXxwRmSZ4Yxu0nzAdZ6gtoQlOWbFYs1nNQWdLUQw6/meZsFFG3E8kCSd2Buwm+EZnIcQepXvIebhn1X2Ioq/VSeZTXa9BJKTRtQbGeqc472xMbGz2hz/APMqkpw/THi8fD5F2MZbWdZjbC3vNz5yojc8kjDtovmDnxBuD50BzdOaL+UtEUhtDcOeAbF9jcMvubcAk7Ta2S0nDPWD1Fi2uHQlnx9rZ0dPXuNh1XBC0NL442tFgC5rQABsAvssFJGEnoiivOpi3KTMVJp2nmdhhkEpG3m7vA+s5oLR3lbypTivWWHXoNI1Iy1PEV+ho5r84ZD1NlfGB2CNwHebrEKkoasOCf1MyinrILrA+p0TNG+GWSWnkJHNyuL7EWuzEcxcZgjgb339Kgqd1FxkkpLatBzbidS1kpJ4xexliaPq2zRslZm2RjXt7HAEd+a5kouLcXsOnGSkk0ZytTJTGrv9Ks/a5vfMubT/AK3a/ue2vP8ArH/hD/yWtpzTkFIzHM61zZoAu5x4NH8dgV+c4wWLPJW1pVuZ5lNY/brIj4Q5JD/6aikkFznc/wDGxwB71X8qb9mJ2PMcIf1q0Y8Pu19CH1FW+XSDZJIzE99TAXRm929KIWNwDmADsG1V85yq4tYaUdlUo0snuEJZyUZad+t9P1LF5SaDnKJz98LhIOwXa/8Ayuce5XLiOMOo81kavzV3FbJerx1fPA5PJPX3ZNAT4rhI3scMLh52g/aUdpLQ4lzlDQwqRqrasO1eH0I/Wj5bpYtGbTOG/YiHS7jzb/SUT9et2/Q6FL/iZMx25uPbLV8mi1tIV8dPGZJnBjG7SfYANpPABXpSUVizyVGjOtNQprFshs3KPicRS0sktjvuO+zGuIHbZVndY+zHE7kcguKTr1Yx/Oloh2uelJamUPmgMDhFhDTfMYnHF0mt4kbNyr15ub0rA7eSranbxcac89N9H2bLl0Z+Ji/Vs/dC6UdR4ep7b62bKyaBAEAQBAEAQBAEAQBAEAQBAYaykZKwsla17Dta4XB7isxk4vFPSYlFSWDIrWcnFC++Fskf1X3HmfdXI5QrR24lOWT6EtOGHUajdQ2NOCKuqWkC5aH7BuNm2tsW3lzemUI8DHkeGhTlxM/zHm/9xqvSd8ax5ZH4cTbySXxJcTxuoT79Kvqz2SEe8lZd6tlOPAwrN/ElxPpnJzT/ANZNUSfWkH8GrXy+eyMV2GVZQ2tvtN6j1E0fHsga4/nkv9jjb2LSV7Xl+r7G8bSjH9P3O/S0rI2hsbWsaNjWgNHmCrNuTxZYSSWCMywZKy5TK41M8FFTjHI1xLgPpkWa2+6zS4ngCF1bCHNxlWnqOVlCTqyjRhrLA0NQiCCKEG/NxtZfjZoBPec1zak8+blvZ04RzYqK2G6tDYpfV7+lY/2ub3zLm0/63a/ue2vP+sf+EP8AybXKfK41pDibNhZhHUS4kjrJ/dHBbXPt6dxFkKOFo3HW2/klgWhSTwMha6NzGwhgLSCAwNtlnssryaS0ajyc41JVGpJ52PbiVHpOsZNpTnIjiY+qgwnjYwtJF912lc9yUq2K3o9lSpTpZNzJrBqEvniy5amEPY5js2uaWkdRFj710WsUeJjJxaktaKU0JXvoKl5dcuY2aIjiQDhPe5jO4rm05c1N9p7m7oq+to5u1xfVjr+r4Ej5KdGl0ktQ7PAObaTvc6znntsG+kVNax0uTObygrqMYUI9fYtC+5m5W5XXpm/kHnHH6wwAexzvOs3behGnJ2McaktuhdmnuRJNRHQihh5vCOgOc2Xx/l4uu91NQw5tYHKyoqnlc8/fo6tmHRgQHlL0hFNU3ieHhkWBxbmMQc8kA7DtGxVLmSlLQejyDQqUqLz1hi8VjuLY0Z+Ji/Vs/dC6EdR4+p7b62bKyaBAEAQBAEAQBAEAQBAEAQBAEBraQie+N7Y34HuY4Nfa+EkEB1uo5rMWk03pMSTaaRWNDHpbRpkww8817sTnWMuI2tiu0472A2jcuvN2txhpwa7PA5MPK7fHRnI2TylVLPxlIAesvZ7C0rXzdTeqf07zbzhUWum/zsPTypSbqQetP/TTzZH3/l4jzlLZTf52HyeUCvk/E0g6rMkk91k8goR9qf0Q8urv2af1MkFXp6ZzSGCMAg2cxjGnPYQ4l9uzNayhZQWGOP5wMxneyepIsCikl5sGdrGvt0gxxe3ZuJaD3WXNlm4+rqOmscNJytJTVk/QpWiBpydPKOl/hxbb9b8PZvUsFThpnp6F933Ec8+WiOjpMmreq8FGCWXfI7x5X5vdc3Oe4Xztv33KVridXXq3GtG3hS1a3tO4oCc166sZDG6SQ4WMBc4ngP49Sw2ksWb06cqklCKxbKj1EhdPpCOS3iukmf1YmuFr/WkHmK51BOVTHrZ7HK0lRsebx15seGHcWJrPqrDW4S4uZI0Wa9vC98LgciPdc22lXatFVNZ5uxyjVtG83SnsZHKbkwZcc5OXNvezWBpOd9pJ9ygVotrOnPlFNr1IJPe3j3HTqNQIDNFJE50Qi5uzGgEEsfiuScyTvPUpPJ45ya2FOOWa3NTpzWdnY6XsxWH+iXlWDkEP01qDFUTvm517DIQS0NBFw0NvnxsFXnbKUscTtWmWqlvSVLNTw6+s7+gNEMpIWwsJIbclx2uJNy427fYpYQUI4I5t1cyuKrqy2/I+dYdBxVkfNy3Fjdrm5OabWuL9uwpUpqawZtaXdS1qZ9P/AGukhw5Lxc3qDhO20YuR2l1vYq3ki3nafKKWGimsev8APqdKu5OqZ8bGRudHhxYnABzn4gPGJ4WyAyzW8raDWC0FWjl24hUc54Sx2akuol1NFgY1u3C0C/YLKyjjSeLbMqGAgCAIAgCAIAgCAIAgCAIAgCAICL6e10gpahkDgbkt5x9jhY05gm2bjsyHHuVqlaTqwc1/sq1runSmoS2nSg1ko3+LUwn/ABGg+YlROhVWuL4EqrU5apLibf8AKEH97H6bfvWmZLcyTORqVGstGzxqmEdXONJ8wN1vG3qy1RfAjlWpx1yXE80XrLSVLiyGZrnD8nNpPW0OAxDrCzUt6tNYyiYp16dR4RkmdZQkx7ZAEAQEV111alrBEI5cAa7pNdmy2fTsNrx/HcoK1J1MMGdTJl/C0cnKGOOp7erqZ0tW9XoqOMtjuXOsXvPjOI2dgGdh1neSVvTpqCwRWvL2pdTzp9i2L83nYUhUCAIAgCAIAgCAIAgCAIAgCAIAgCAIAgCAIAgCA+JZA0EuIAAuSTYAcSSmsEfGt8cjzHRxyVThtLAGxt63SPsLdl77lZ8llFY1Go9evgQK4jJ4Q09XedOjlqSQZY4mDg2RzyP9MBQyUNjfDxJVnbTU0/qvTVgBmacYFg9pwuA4X2EZ7CCpKNxUo+yyKtb06y9dEOq+Sw3/AAVQLcHsz9Jp/gr8cqe9HgznzyTH9MjQPJdU/wB7D/m+FSedIbmR+ap+8bVPyWSfl1DAPzYy72lwWksqLZH5m0ck75fIkGjOTmjiIc/HM4G4xus2/wBVtvbdVqmUKs1gtHUXKVhRpvHWyXsYAABsAsFRLp7dAasWkGOmfCD042se4fmvLw034/g3ZdnELZxaipbGYTWOBtrUyEAQBAEAQBAEAQBAEAQBAEAQBAEAQBAEAQBAEAQBAEBHdddX5K2ERxy4C12Ig+K/LIOtnkcxt7OFm1rqjPOaxK11QdaGangQvRugNMUJPycNcHG7mtc1zT12fhN+yyv1K9pX9vFfnQc+lb3Vv7GDR2Ga2aTj/H6Oc7iWYvcA/wB6g8lt5ezU4/iLXlNePtU+DMo5RLfjKKpbl9H4g3JY8gx1TjxM+W4a4S4DwnUw8aGoHa1nxp5uqbJIx5wgtcZcAOU+kOyKc9jWfGnm2rta/Owz5wp7nwPpvKREfFpal3Yxp9zljzfJa5x4mfLV7kuB9s11qH/itHVJ+tdg85YsO0gvaqL6mVdTeqm/oZo9KaWk8Wjih65ZsXsZmtXTto65t9S7zZVK8v0Jdb7jZj0ZXSZ1NYI27208YZ3c5Jd3mAWjqUV7EMet/ZYG6hUftS4GGDS9FS/gaUGeZxuWRHnZHu2YpJCbcLuc7ILLpVanrz0Lp0cF3BVKcXmx0v8ANZJqXHhHOWxWGLDsvvAJzI61V6idGVAEAQBAEAQBAEAQBAEAQBAEAQBAEAQBAEAQBAEAQBAEAQGCqhe7xHlhHUHA9oI9xCymlrRho5zo64eLJTvHXG+M+cSOHsUmNLc+K7jX1+gwOn0kP7PSu6xUPb7DCfet82h70uC7zXGpuXHwMXyzSQ/sdP3VJ/6Szm0Pff8AHxMOVT3Vx8Dx1bpQ7KWnb21Dj7owmZb+8+HiM6ruXHwMbjpl2wUTO+Rx9y2/4q958Eaf8h+6uLPh+h9KSePXsjHCKAe9xuEVW3Wqnj1sw6dZ654dS7zwaixvzqqioqep8hDe5rdnnWfLJL2IqPUh5LF+22+3uJBo3RUFO3DBGyMb8ItfrJ2nvVadSc3jJ4liEIwWEVgbq0NggCAIAgCAIAgCAIAgCAIAgCAIAgCAIAgCAIAgCAIAgCAIAgCAIAgCAIAgCAIAgCAIAgCAIAgCAIAgCAIAgCAIAgCAIAgCAICOaw660lGS2R5dIP6uMYnDtzs3vKjlUjHQdGzyVc3SzoLBb3oXj2EXfyuxX6NM8jrkAPmwlR8/0HWXJmphpqLgz58LrPJXesHwpz/QZ9GJ/EXDxHhdZ5K71g+FOf6B6MT+IuHiZqblbgJ/CU8jRxa5r/YbIq63Gk+TVZL1Zp8V3k00Jp6nq24qeQPttGxze1pzCmjNS1HDubOtbSzascPzYzovdYE8BdbFdLFlaDleZ5K71g+FVlcY7D0/oxP4i4eI8LrPJXesHwrPP9A9GJ/EXDxHhdZ5K71g+FOf6B6MT+IuHiPC6zyV3rB8Kc/0D0Yn8RcPE7ur3KJSVThG7FDI42aH2wk8A4ZX7bLeNaMtBQvMh3NvHPXrLo2dhMFKcYIAgIFrNylxU0zoYoueLDZ7seFoO9oyNyNh2ZqCdZJ4JHfscg1Likqk5ZqerRj27CTasawRV0POxXFjhe07Wu4G27YQVJCaksUcy9sqlpV5ufY96OutymEBqaS0jFTsMkz2sYN7j7ANpPUFhySWLJaNGpWnmU1iyEV3KxTNJEUUkgG82YD2XufOAoXXWxHdpcm7iSxnJL5+BqeF1nkrvWD4Vjn+gm9GJ/EXDxHhdZ5K71g+FOf6B6MT+IuHifcPKwHua1lI9znENaBILkk2AHRTn+g1nyblCLlKqsF0eJKda9Z/kMEcskWIveGFofaxLHOPSw5+LbYpJzzVjgcmwsPLKrpxlhgsccOlL7mHUzW9ukOdwxGPm8O12K+LF1D6PtSnUz9hJlLJjss3GWOOOzDUSdSHLCAIAgOTp7WOmo23nkDSfFaM3nsaN3WclpKcY6y3a2Ne6eFKOPTsXaQ2flchB6FPI4cXOa0+YXUXP9B24cmarXrTS7G+4xeF1nkrvWD4U5/oNvRifxFw8R4XWeSu9YPhTn+gejE/iLh4nS1e5RDWTshipXXdm5xkFmtG1x6P/kkDeto1s54YFW8yJ5LSdWdRcNb3aydKY4JC+UvWp1HE2OE2mlvY/QbsL+3cO87lDWqZqwWs7eRcnK6qOdT2Y/N7u8rLVTVWfSD3YThY0/hJXXOZzsPpO37e05i9eEHLUepyhlKlYwSaxb1JbvsixqfkqogOk+Zx44mjzANU6oR3nmp8o7pvQors8TL4LaDjN6Y+FZ5iJr6Q3n7eHiPBbQcZvTHwpzER6Q3n7eHiaOkuSenLTzEsjHbsdnt77AHvusOgtjJqPKSvF/8AyxTXRofcVy5tVoyq3xyxndm1zT+8w/8AdiFX9aL6T0ydvlC33xfFP7NfmgvPQGmW1lK2ZuWJpDm/RcBZzfP7LK7GWdHE8Dd2srWu6Utj4reUDoClbNUQRvvhkkY11sjYuANlQprHBdR9Du6sqVCdSOtJst/wW0HGb0x8Kt8xE8d6Q3n7eHiPBbQcZvTHwpzER6Q3n7eHieHktoOM3pj4U5iI9Ibz9vDxK6151TNBK0BxfFICWOO3K12utlfMZ77qCcMxnpclZSV7B4rCS196LS5NNMuqqJpkN3xOMbidpsAWk9eFwz4gqxRlnR07DyeWrSNvdNR1S0r86yVqU5JF+UHWT5FTHAfw0t2xDhxk7r+chR1Z5q0azqZJsPK6+EvZWl93aU5q9q9PXOlEWZjYXuJ3nPCy/wBJxB28CqkYOWhHtb2+pWajn7Xh2b+pG5qNrEaGpBfcRP6EwtsF8nW4tJ82Ib1mnPNeJBlWxV5Q9X2lpXd29xfrHggEG4OYI2EcVePnrTWhmKtqmxRvkkNmMaXOPUBcrDaSxZvTpyqTUI628CgNYNMz6SqQbOOJ2GGIZ4QTk0D6Ryuf4AWpSk5vE+h2dpRsKHUsW9/huX3JxoTkoZhBq5XYjtZHYAdRcQb91lLGh7zODc8pJ52FCKw3vu/2dfwW0HGb0x8K35iJU9Ibz9vDxHgtoOM3pj4U5iI9Ibz9vDxN7QmoVHSzNmjDy9t8ON2IAkWuBYZ7fOsxpRTxK91li5uKbpzawe5HI5aP5nF+0D/akWtfUusucmv7mX+L+qObyI/2r/C/5FihtLPKfXT7fsWkrB5UIAgOHrjp9tDTOlIBcejG073G9u4WJPYtKk81Yl7J9m7uuqa1a31FI6PoarSVSQCXyP6T3uOTR9Inc0bAB1AKmk5SPdVq1vk+hp0RWhJbfzayyKDkopWtHPSyvdvw2Y3uFifarCoLazzNXlJcSf8A8cUlx/OBt+C2g4zemPhWeYiQ+kN5+3h4jwW0HGb0x8KcxEz6Q3n7eHidvVvVWmocfMB132xFxxGw2AZCwzJ/8BbwpqOooXuUa93hzr1bjuLcolD8qNSX6RmB2RiNjezm2u973edUqrxmz3+QaajZRa2tv54fRFt6jULYaGma0WxRNe7rc8B5Ptt3BWqawijx+U60qt3Uk97XYtB3VuUAgCAICuOWigaYIZrdNsmC/wCa5pNvO0ecqvXWhM9LyarSVaVPY1j2r/ZrcjVSTFVx7mlrx2ua4H9wJQ2knKSmlUpz34rg/EgGqX89pf18f74Vel+nsPQ5R/tan+L+hf2kNOU0Dg2eaONxFwHuw3HEX2q9KcY62fPaNpWrLGnBvqWJrfO2g8qh9YFrzsN6JfNt38KXBnh1uoPKofTCc9T95Dzbd/ClwZVnKbrTFWSRsgzjixdO1sTnWvYHOwA277lQVZqT0HrMh5OqWsJTq6HLDRuSJxySaOdFRY3C3PSF4H5tmtB78JPYQpaCwjjvOFygrxqXeEf0rDt1/cmNVUNjY57yGtY0ucTsAAuSpW8FiziwhKclGKxb0H591l0xJpCrLwCcTgyFm8C9mt7STc9ZVKUnJ4n0WxtYWNvmvZpb/NiLq1O1fbRUzYsi89KV3F5GfcNg7FapwzI4Hhso3ru67qbNS6vzSyuOVfVrmZvlMQ/BzHp22Nk237HZntDuIUFaGa8VtPTcn7/nafMTfrR1dK8Pod7kl1m5yP5JKenGLxE72b2drd3V9Vb0J/pZz+UGT+bn5RBaJa+vf2/XrOpysVJZo94H9Y9jD2Xxf/BbV/YKmQKalepvYm/t9yH8jVA19TLK7MxRgN6i8kF3bZpH2io6Cxkztcpa0o0YU1+p6ez/AH8i4laPGBAEAQFf8tH8zi/aB/tSKCvqXWeh5Nf3Mv8AF/VHN5Ef7V/hf8ixQ2lnlPrp9v2LSVg8qEAQFUctdSecpo9wa9/eSB/A+dVq70pHreTNNZtSe3QiNao64uoGPbHCx7nuBc5xINgLBuW4ZnvKjhNw1I6mUclK9mpSm0ktX3O/4W5/J4/Sct+fluOf6M0viPgh4W5/J4/ScnPy3D0ZpfEfBDwtz+Tx+k5OfluHozS+I+CJhqLrLUV4e+SFkcTeiHAklztpAvuA29o61LSm560cXKthRs2oRm3J/JeJLVKcgpPld0aY63nbdGdjSD+cwBjh5gw/aVOssJY7z3PJ2up2vN7Yv5PT3k65MdPsqKRkRI52BoYW7y0ZMeOq1gesdYU1GWMcNx5/LdlKhcOf6ZPHt2omSmOMEAQBAVJyv6fZI5lLGQeadjkI2B1rBnaAXX7R1qrWli8Eev5O2coKVeW3Quredfkj0aWUk0zhbnnHD9VgIv5y7zLegtDZT5Q11O5jTX6V834YFaapfz2l/Xx/vhVqX6ew9PlH+1qf4v6F96waBhrIjFM242tcPGafpNPH3q9OCksGfPrS7q2tTnKb8esovWnVeahkwyDEw+JIB0Xfc7iPftVOcXF4M9/YZRpXkMY6Gta3eHSa+gNCvq5OajkiY/8AJEji3FxDbNNz1LCTbwRJeXkbWGfOLa6Fjh16SwtXeSvC4PrJGvAN+bjvhP1nEA26gO9TRoe8ebvOUblFxt44dL19i8SzGMAAAAAAsAMgBwCsnmG8XiyreVzWa5+RxHZZ0xHnbH7nH7PWq1af6Uer5PZP/wDszXRH7v7LtObqBoh8MMmkeZ57mgeZjxYSbZSSA4TmBcAb+lvstaccFn4aixli6jVqxss7Nx1vX1LZr29h1fC+PJP9b/8ANb+UdBV9GH8X/wDPiael+UyKphfDLRkse2x/DC43hw/B7QbEdi1lWUlg0TW/J+pQqKpCrpX7fHaQHR9a+CRksRs9jg5p6xuPUdhHAqFYrSj0VajCtTdOa0PQXFrFO3SeiHywjpAB+HaQ5hu9nbbFbjccVZm8+nijxNnB5PyioVNWrHoepkB5NNPtpKr8KcMUzcDidjTe7XHqvcdWK+5Q0pZsus9Fluylc2+MFjKOnr3r83F7NN1dPAnqAIAgK/5aP5nF+0D/AGpFBX1LrPQ8mv7mX+L+qObyI/2r/C/5FihtLPKfXT7fsWkrB5UIAgKz5aNGlzIJ2jJhcx/VisWnsuCO8KvXWpnp+TVdKc6L26V2Ee5N6DR9S58FXHeUnFETI9uIWzYA1wFxa/E3PBR0lFvCR0stVry3Sq0JerqehPDp0rbq/wBlh+DvRnk/+rL8an5mG48358vvifKPcPB1ozyf/Vl+NOZhuHny++J8o9w8HWjPJ/8AVl+NOZhu+pnz5ffE+Ue4kOjaCOnjbFC0MYwWa0dtzmcybkm54qSKSWCObWrTrTdSo8WzZWSM4+tWgI66AxPyO1j7XLXDYbbxuI3g7tq0nBSWDLljeztKqqR7VvRR+lNEVmjZgXB0bgehKwnCfqvH7pzttCpyTg9Og93Qura/p4LBranr4ff5nWp+UzSDWgF0b+t0Yv8A5SB7Fvzs95Tnyes5PFYrqffiZfCjX/ofVn4k56p0cPE19HbTfLiu4eFGv/Q+rPxJz1To4eI9HLTfLiu40tJ8oVfM0tMgjBFjzbcJP2s3DuIWJVZNaWT0Mh2dKWdm49bx+Woy6n6jT1jg+QOjgvcvIsXjbZgO2/0tnbsSFNy6jTKOWKVrFwptOe7d19xdjKZscWCMBrWswtA2AAWAVxJJYI8K5ynPOk8W3ifnnVL+e0v6+P8AfCoUv09h9Hyj/aVP8X9D9HroHzU1dJ6OiqI3RTND2OGYPsIO4jcQsSipLBktGtOjNVKbwaKR1y1NloH42Fz4SRhkHjNN8mvtsPB2w9WxU6lNx6j3WTcq072OZPBT2rf1dxK9ROUTFhgrnAOyDJjkDwbJwP52/fxMlOtskcfKuQ8zGrbrRtju6u7gTDXHWBtFTOlyLz0Ym8XEZdw2ns61NUnmrE42TrKV3XVPZrfV+aCk9XdEyaQqwwkkvcXyv3ht7uf252HWQqkYuTwPdXtzCxts5LVoS6diP0HSUzImNjjAaxjQ1o4ACwCupJLBHzqc5Tk5yeLekidRyZ0D3OdaRuIk2a+zRc3sBbIdSi5iJ14ZevIxUcVo6DH4LqD9L6f/ANU5iJt6Q3m9cDja28m0MdM+Sk5wyR9Itc7FiaAcQAt428dlt60nRSWKLuT8vVZ11CvhmvRqwwezsI1ybazfJKjBIbQzEB19jXbGv7Nx6jfctKU819DOnlvJ/lNHPgvWj81tXd4nU165PpI3umo2F8RN3RtHSYd+Fo2s6hmOxZqUmnitRVyVluE4qlcPCS1N7evp+vWR3Q2uddSDBHLdjcgyQYgOoX6Q7AbLSNSS0JnSuck2ly8+UdL2rRj9jq+FGv8A0Pqz8S256p0cPEqejtpvlxXcPCjX/ofVn4k56p0cPEejlpvlxXcZqPlH0lK9scbYXPe4NaBGcyT9ZOdqdHDxI6uQbKlBzm5JLTrXcSLlZik/k+DnCHPbMznHNFm35uQEgbhc2CkrY5qxObyflDyyeboTi8MetfYrzVvWmoocfMYPwmHFibi2XtbMcSoYzlHUelvsm0bzN5zHRue87fhRr/0Pqz8S256p0cPEoejlpvlxXcPCjX/ofVn4k56p0cPEejlpvlxXcPCjX/ofVn4k56p0cPEejlpvlxXcTfVCoqdJU0prms5mQFjGtbhLuL73Ow5DrB4KWm5TTztRwco06NhXirZvOjpbbxw6NXErnWrU2poXlwDnwg3bK3dwx28Vw47OHVBOm469R6awyrQu45ssFLant6t66NZloOUXSETcPONkA2GRocfSFie03WVVnsZpWyDZ1Hjg11P/AH8ja8KNf+h9WfiWeeqdHDxIvR203y4ruHhRr/0Pqz8Sc9U6OHiPRy03y4ruOzqlrnpKtqWRDmg3xpHCM9Fg2nxtpyA6yFtCpUlLDRwKOUclWVpQdRuWOpLFaXw4lpK0eTPpDJ8yMDgQ4Ag7QRceZDKbTxRyn6r0JNzSwX/VM+5ac1DcuBaV/dLQqkv5M8+atB5JB6pv3LHNQ91cDPnC6+LL+THzVoPJIPVN+5Oah7q4DzhdfFl/JmWm1epIzijpoWu3ERtB7ja6yqcVqSNJ3lxNYSqSa62dNblY8IugOVDqzRMcHNpYGuaQWkRtBBBuCDbatFTgtKSLUr65knGVSTT6WdZblUIDHPA17S17Q5rhZzXC4I4EHaEax1m0ZOLUovBo5fzVoPJIPVN+5R81D3VwLXnC6+LL+TM9RoKlkaxskET2xizA5gIaMsmgjIZDZwC2cIvQ0Rwuq8G5Rm03rwb09Zk0foinguYIY4sVsWBgbe2y9h1pGEY6ka1birWw5yTeG94m6tiEIAgCA4/zVofJIPVN+5R81DcuBc84XXxZfyZ1o2BoAAsALAcANgUhUbxeLNKt0LTTG80EUh4vja4+ci61cIvWialdVqSwpza6m0a3zVoPJIPVN+5a81D3VwJfOF18WX8mPmrQeSQeqb9yc1D3VwHnC6+LL+TM1JoCkieHxU8LHi9nNjaCLixsQOBWVTinikjSpeXFSObOcmtzbN2op2SNLJGh7XCxa4AgjgQcitmk9DIIzlCSlF4NbjmfNWg8kg9U37lpzUPdXAtecLr4sv5MfNWg8kg9U37k5qHurgPOF18WX8mPmrQeSQeqb9yc1D3VwHnC6+LL+THzVoPJIPVN+5Oah7q4DzhdfFl/JnUp4GsaGMaGtaAGtAsABsAA2BbpYairKTk3KTxbPshZNTmT6uUbyXPpoHOO0mJtz2m2a0dOD1pFqN7cwWEakkutmP5q0HkkHqm/csc1D3VwNvOF18WX8mPmrQeSQeqb9yc1D3VwHnC6+LL+TNvR+iYIMXMRRxYrYsDA29r2vYZ7T51tGEY6kQ1birWw5yTeG9tm6tiE/9k="/>
+          <p:cNvSpPr>
+            <a:spLocks noChangeAspect="1" noChangeArrowheads="1"/>
+          </p:cNvSpPr>
+          <p:nvPr/>
+        </p:nvSpPr>
+        <p:spPr bwMode="auto">
+          <a:xfrm>
+            <a:off x="320675" y="7938"/>
+            <a:ext cx="304800" cy="304801"/>
+          </a:xfrm>
+          <a:prstGeom prst="rect">
+            <a:avLst/>
+          </a:prstGeom>
+          <a:noFill/>
+          <a:extLst>
+            <a:ext uri="{909E8E84-426E-40DD-AFC4-6F175D3DCCD1}">
+              <a14:hiddenFill xmlns:a14="http://schemas.microsoft.com/office/drawing/2010/main">
+                <a:solidFill>
+                  <a:srgbClr val="FFFFFF"/>
+                </a:solidFill>
+              </a14:hiddenFill>
+            </a:ext>
+          </a:extLst>
+        </p:spPr>
+        <p:txBody>
+          <a:bodyPr vert="horz" wrap="square" lIns="91440" tIns="45720" rIns="91440" bIns="45720" numCol="1" anchor="t" anchorCtr="0" compatLnSpc="1">
+            <a:prstTxWarp prst="textNoShape">
+              <a:avLst/>
+            </a:prstTxWarp>
+          </a:bodyPr>
+          <a:lstStyle/>
+          <a:p>
+            <a:endParaRPr lang="ko-KR" altLang="en-US" b="1"/>
+          </a:p>
+        </p:txBody>
+      </p:sp>
+      <p:sp>
+        <p:nvSpPr>
+          <p:cNvPr id="9" name="AutoShape 8" descr="data:image/jpeg;base64,/9j/4AAQSkZJRgABAQAAAQABAAD/2wCEAAkGBxISEhQUERQWFRUVFRgYFhgYFx4XGhwcHRQXGBoVGhkYHCggHhorIBUWITEhJikrMi8wFx80ODcsNygtLisBCgoKDg0OGxAQGy0mICQsLCw4NC8sLCw3Ly8sLCwsNCwsLywvMiw0LCwsLCwsLC0vLCwsLCwsLCwsLCwsLCwsLP/AABEIAK8BIQMBEQACEQEDEQH/xAAcAAEAAgMBAQEAAAAAAAAAAAAABgcDBAUBAgj/xABREAABAwICBQYJBgkLAwUAAAABAAIDBBESIQUGMUFRBxMiYXGBFzJUkZKTobHSFBZScoLRIzNCYmNzdLLBFTQ1Q0RTg6Kjs8PT8PEkVcLi4//EABsBAQACAwEBAAAAAAAAAAAAAAADBAECBQYH/8QAPxEAAgECAQcHCwMEAwADAAAAAAECAwQRBRIhMUFRkQYTYXGB0eEUFRYiMlJTobHB8EJikjM0cvEkNcIjRKL/2gAMAwEAAhEDEQA/ALxQBAEAQBAEAQBAEAQBAEAQHKj0lasfTu3wtlZxtjcx47iGH7R4LTP9bNLDoPmFWW/NfBNffgdVblcIAgCAIAgCAIAgCAIAgCAIAgCAIAgCAIAgCAIAgCAIAgCAIAgCAIAgCAIDwlAQahquf03I5mbIKd0ZO64c249Jzh9gqtF51d9CO3Up81kuKlrnPHsw/OJOlZOIEAQBAEAQBAEAQBAEAQBAEAQBAEAQBAEAQBAEAQBAEAQBAEAQBAEAQBAEBENedbW0rDFEQZ3DtEYI8d3XwHfs2169ZQWC1nXyXkyVzLPn7C+fQvu9nWffJ5oF1NAXyAiWaznA7WtF8LT+dmXHrceCzb082OL1sxle9VxWzYezHQvu+7oRLFOckIAgCAIAgCAIAgCAIAgCAIAgCAIAgCAIAgCAIAgCAIAgCAIAgCAIAgPCUBANb9ewzFFSEF4ydLta3iGbnO69g69gqVrjDRA9Dk3IzqYVa+iO7a+vcvn9TDqTqc4uFVWA3vjYx2bidvOyXzvvAPac8hihQ058zfKmVY5vk9vq1Nr6Lo3vb1a5VpzWmmpejI4ukNrRMGOQk7BYbL7r2urE6sYa9ZyLXJ9e50wWEd70JdvceUElXP0pGimjOxmT5j1uceizssTntCRc5aXoMVo29L1YPPe/Uuza+vR1M7jQpCmeoAgCAIAgCAIAgCAIAgCAIAgCAIAgCAIAgCAIAgCAIAgCAIAgCA8KArTlB1tLnOpoHWa3KZ42k74weA3nectxvSuK36Ynp8j5LWCuKq6l939uJ0dRdTREG1FS28pAMbCMoxuJH957t3Fb0KGb60tf0K2VcrOs3SpP1dr97w+utmHXTW+QSfJaK5kuGve3N2I5c3H+dnm7d23IxWrvHMhrN8mZLpuHlFz7OtLo3vo3Lb9evqhqiylHOS2kqHZuecw0naGk534uOZ6hkpKNFQ0vWUsoZTncvMhogtS7+7UvmSpTnLCAIAgCAIAgCAIAgCAIAgCAIAgCAIAgCAIAgCAIAgCAIAgCAIAgCA+Jr4TbbY27dyGVrKU1IouerYWyZ2cZHg7y0F2f2rHuXMoxzqixPcZVq81ZydPbgl1PwLj0pOY4ZXt2sje4doaSPculJ4Js8VSip1Ixe1pFQahSNFfAZDckvsT9MsdYnrNz3lc63a5xYntMsQl5HJQ1LDgn/oukLpHhz1AEAQBAEBjEzb2xC/C4QzgzIhgIAgCAIAgCAIAgCAIAgCAIAgCAIAgCAIAgCAIAgCAIDwoCstYKE6Or46toPMPkJdb8kuBEjT1HEXjrBHBUqkeaqKew9PZ1lfWUrV+2lo6cNXcWR0ZGbnNc3tBBHusVc1nmdMX0oozTWjH0k7ojcFhBjdvLb3Y8Hjl3EFcqcHCWB9AtLmF1QU9+hrp2r82Fsal6f+WU+J2UrDhkA2XtcPHURn1G43Lo0amfHHaeOylZeS1s1ey9K6vAkKlOeEAQBACgKV1dYP5WYbC/yubPvlXNp/1u1/c9veN+a2v2Q/8AJdS6R4g8ugF0AugPUB5dAe3QHl0AugF0B6gCAIAgCAIAgCAIAgCAIAgCAIAgCA1q+jZNG6ORocxwsQf+8j1rDSksGb06k6c1ODwaODq5FJRv+SSkvizNNIeG0wO4OAzHEXtssoqacPUerZ3F68nC5XPx0S/Uun3l0PbufWYOUnRjJKR0pHThs5ruouAc3sIN+0Ba3EE4Y7ibItxKncqC1S0P7PsOfyT0L2xzTOBDZS1rOsMxXcOq7yPsrW1i1FveWeUFeMqsaa1xTx7cNHy+ZPlaPPhAEAQHhQFMavf0rH+1ze+Zc2n/AFu1/c9tef8AWP8Awh/5LF1uir3iNtC5rL4uccbAjxcNiQbDxtgvsVyqqjwzDzOT52kXJ3Kb3fmj6kZm1J0i4YnVhLuHOy28+7zKB0KmvO+bOtHK9jHQqOj/ABj+fM1NVtY6qCqbTVL3PaZOacHnE5jibNcHnMgkjaTkbjr1pVZxnmSJcoWFvWtncUFg8MdGjFbdHQbnKXPUQzRvimlYyRhFmvIaHNPAHaQ4eiVtcuUWmmQ5ChQqwlCcE2njpWx/nzJlqtpH5RSwynxiwB31m9F3tBVqnLOimcS9ocxXnT3P5bPkQjlL01NHUsZDLIzDDicGOLblznWvbabM9qq3M2pJJneyFaUqlGU6kU9OGlY6l4kqroaxtDG2mdeoDYw5zyCTkA9135Xzvc32KxJTzPV1nGoztndOVZepi9C+Wojb9TtJy5y1nS4CWS3+UNHmCg5iq9cvqdZZUsKeiFHR1R++L+Zxm6YrtGT4Jnuka2xcxzzI1zD+UxzswcjbZmMwos+pSlhIuu1tMoUc+lFJ9Cwwe5paC0Kaj6YlbJIWuFwwuu3O5vb7XZkOC6HSeQlLRmtHQWTQIAgCAIAgCAIAgCAIAgCAIDW0jXxwRmSZ4Yxu0nzAdZ6gtoQlOWbFYs1nNQWdLUQw6/meZsFFG3E8kCSd2Buwm+EZnIcQepXvIebhn1X2Ioq/VSeZTXa9BJKTRtQbGeqc472xMbGz2hz/APMqkpw/THi8fD5F2MZbWdZjbC3vNz5yojc8kjDtovmDnxBuD50BzdOaL+UtEUhtDcOeAbF9jcMvubcAk7Ta2S0nDPWD1Fi2uHQlnx9rZ0dPXuNh1XBC0NL442tFgC5rQABsAvssFJGEnoiivOpi3KTMVJp2nmdhhkEpG3m7vA+s5oLR3lbypTivWWHXoNI1Iy1PEV+ho5r84ZD1NlfGB2CNwHebrEKkoasOCf1MyinrILrA+p0TNG+GWSWnkJHNyuL7EWuzEcxcZgjgb339Kgqd1FxkkpLatBzbidS1kpJ4xexliaPq2zRslZm2RjXt7HAEd+a5kouLcXsOnGSkk0ZytTJTGrv9Ks/a5vfMubT/AK3a/ue2vP8ArH/hD/yWtpzTkFIzHM61zZoAu5x4NH8dgV+c4wWLPJW1pVuZ5lNY/brIj4Q5JD/6aikkFznc/wDGxwB71X8qb9mJ2PMcIf1q0Y8Pu19CH1FW+XSDZJIzE99TAXRm929KIWNwDmADsG1V85yq4tYaUdlUo0snuEJZyUZad+t9P1LF5SaDnKJz98LhIOwXa/8Ayuce5XLiOMOo81kavzV3FbJerx1fPA5PJPX3ZNAT4rhI3scMLh52g/aUdpLQ4lzlDQwqRqrasO1eH0I/Wj5bpYtGbTOG/YiHS7jzb/SUT9et2/Q6FL/iZMx25uPbLV8mi1tIV8dPGZJnBjG7SfYANpPABXpSUVizyVGjOtNQprFshs3KPicRS0sktjvuO+zGuIHbZVndY+zHE7kcguKTr1Yx/Oloh2uelJamUPmgMDhFhDTfMYnHF0mt4kbNyr15ub0rA7eSranbxcac89N9H2bLl0Z+Ji/Vs/dC6UdR4ep7b62bKyaBAEAQBAEAQBAEAQBAEAQBAYaykZKwsla17Dta4XB7isxk4vFPSYlFSWDIrWcnFC++Fskf1X3HmfdXI5QrR24lOWT6EtOGHUajdQ2NOCKuqWkC5aH7BuNm2tsW3lzemUI8DHkeGhTlxM/zHm/9xqvSd8ax5ZH4cTbySXxJcTxuoT79Kvqz2SEe8lZd6tlOPAwrN/ElxPpnJzT/ANZNUSfWkH8GrXy+eyMV2GVZQ2tvtN6j1E0fHsga4/nkv9jjb2LSV7Xl+r7G8bSjH9P3O/S0rI2hsbWsaNjWgNHmCrNuTxZYSSWCMywZKy5TK41M8FFTjHI1xLgPpkWa2+6zS4ngCF1bCHNxlWnqOVlCTqyjRhrLA0NQiCCKEG/NxtZfjZoBPec1zak8+blvZ04RzYqK2G6tDYpfV7+lY/2ub3zLm0/63a/ue2vP+sf+EP8AybXKfK41pDibNhZhHUS4kjrJ/dHBbXPt6dxFkKOFo3HW2/klgWhSTwMha6NzGwhgLSCAwNtlnssryaS0ajyc41JVGpJ52PbiVHpOsZNpTnIjiY+qgwnjYwtJF912lc9yUq2K3o9lSpTpZNzJrBqEvniy5amEPY5js2uaWkdRFj710WsUeJjJxaktaKU0JXvoKl5dcuY2aIjiQDhPe5jO4rm05c1N9p7m7oq+to5u1xfVjr+r4Ej5KdGl0ktQ7PAObaTvc6znntsG+kVNax0uTObygrqMYUI9fYtC+5m5W5XXpm/kHnHH6wwAexzvOs3behGnJ2McaktuhdmnuRJNRHQihh5vCOgOc2Xx/l4uu91NQw5tYHKyoqnlc8/fo6tmHRgQHlL0hFNU3ieHhkWBxbmMQc8kA7DtGxVLmSlLQejyDQqUqLz1hi8VjuLY0Z+Ji/Vs/dC6EdR4+p7b62bKyaBAEAQBAEAQBAEAQBAEAQBAEBraQie+N7Y34HuY4Nfa+EkEB1uo5rMWk03pMSTaaRWNDHpbRpkww8817sTnWMuI2tiu0472A2jcuvN2txhpwa7PA5MPK7fHRnI2TylVLPxlIAesvZ7C0rXzdTeqf07zbzhUWum/zsPTypSbqQetP/TTzZH3/l4jzlLZTf52HyeUCvk/E0g6rMkk91k8goR9qf0Q8urv2af1MkFXp6ZzSGCMAg2cxjGnPYQ4l9uzNayhZQWGOP5wMxneyepIsCikl5sGdrGvt0gxxe3ZuJaD3WXNlm4+rqOmscNJytJTVk/QpWiBpydPKOl/hxbb9b8PZvUsFThpnp6F933Ec8+WiOjpMmreq8FGCWXfI7x5X5vdc3Oe4Xztv33KVridXXq3GtG3hS1a3tO4oCc166sZDG6SQ4WMBc4ngP49Sw2ksWb06cqklCKxbKj1EhdPpCOS3iukmf1YmuFr/WkHmK51BOVTHrZ7HK0lRsebx15seGHcWJrPqrDW4S4uZI0Wa9vC98LgciPdc22lXatFVNZ5uxyjVtG83SnsZHKbkwZcc5OXNvezWBpOd9pJ9ygVotrOnPlFNr1IJPe3j3HTqNQIDNFJE50Qi5uzGgEEsfiuScyTvPUpPJ45ya2FOOWa3NTpzWdnY6XsxWH+iXlWDkEP01qDFUTvm517DIQS0NBFw0NvnxsFXnbKUscTtWmWqlvSVLNTw6+s7+gNEMpIWwsJIbclx2uJNy427fYpYQUI4I5t1cyuKrqy2/I+dYdBxVkfNy3Fjdrm5OabWuL9uwpUpqawZtaXdS1qZ9P/AGukhw5Lxc3qDhO20YuR2l1vYq3ki3nafKKWGimsev8APqdKu5OqZ8bGRudHhxYnABzn4gPGJ4WyAyzW8raDWC0FWjl24hUc54Sx2akuol1NFgY1u3C0C/YLKyjjSeLbMqGAgCAIAgCAIAgCAIAgCAIAgCAICL6e10gpahkDgbkt5x9jhY05gm2bjsyHHuVqlaTqwc1/sq1runSmoS2nSg1ko3+LUwn/ABGg+YlROhVWuL4EqrU5apLibf8AKEH97H6bfvWmZLcyTORqVGstGzxqmEdXONJ8wN1vG3qy1RfAjlWpx1yXE80XrLSVLiyGZrnD8nNpPW0OAxDrCzUt6tNYyiYp16dR4RkmdZQkx7ZAEAQEV111alrBEI5cAa7pNdmy2fTsNrx/HcoK1J1MMGdTJl/C0cnKGOOp7erqZ0tW9XoqOMtjuXOsXvPjOI2dgGdh1neSVvTpqCwRWvL2pdTzp9i2L83nYUhUCAIAgCAIAgCAIAgCAIAgCAIAgCAIAgCAIAgCA+JZA0EuIAAuSTYAcSSmsEfGt8cjzHRxyVThtLAGxt63SPsLdl77lZ8llFY1Go9evgQK4jJ4Q09XedOjlqSQZY4mDg2RzyP9MBQyUNjfDxJVnbTU0/qvTVgBmacYFg9pwuA4X2EZ7CCpKNxUo+yyKtb06y9dEOq+Sw3/AAVQLcHsz9Jp/gr8cqe9HgznzyTH9MjQPJdU/wB7D/m+FSedIbmR+ap+8bVPyWSfl1DAPzYy72lwWksqLZH5m0ck75fIkGjOTmjiIc/HM4G4xus2/wBVtvbdVqmUKs1gtHUXKVhRpvHWyXsYAABsAsFRLp7dAasWkGOmfCD042se4fmvLw034/g3ZdnELZxaipbGYTWOBtrUyEAQBAEAQBAEAQBAEAQBAEAQBAEAQBAEAQBAEAQBAEBHdddX5K2ERxy4C12Ig+K/LIOtnkcxt7OFm1rqjPOaxK11QdaGangQvRugNMUJPycNcHG7mtc1zT12fhN+yyv1K9pX9vFfnQc+lb3Vv7GDR2Ga2aTj/H6Oc7iWYvcA/wB6g8lt5ezU4/iLXlNePtU+DMo5RLfjKKpbl9H4g3JY8gx1TjxM+W4a4S4DwnUw8aGoHa1nxp5uqbJIx5wgtcZcAOU+kOyKc9jWfGnm2rta/Owz5wp7nwPpvKREfFpal3Yxp9zljzfJa5x4mfLV7kuB9s11qH/itHVJ+tdg85YsO0gvaqL6mVdTeqm/oZo9KaWk8Wjih65ZsXsZmtXTto65t9S7zZVK8v0Jdb7jZj0ZXSZ1NYI27208YZ3c5Jd3mAWjqUV7EMet/ZYG6hUftS4GGDS9FS/gaUGeZxuWRHnZHu2YpJCbcLuc7ILLpVanrz0Lp0cF3BVKcXmx0v8ANZJqXHhHOWxWGLDsvvAJzI61V6idGVAEAQBAEAQBAEAQBAEAQBAEAQBAEAQBAEAQBAEAQBAEAQGCqhe7xHlhHUHA9oI9xCymlrRho5zo64eLJTvHXG+M+cSOHsUmNLc+K7jX1+gwOn0kP7PSu6xUPb7DCfet82h70uC7zXGpuXHwMXyzSQ/sdP3VJ/6Szm0Pff8AHxMOVT3Vx8Dx1bpQ7KWnb21Dj7owmZb+8+HiM6ruXHwMbjpl2wUTO+Rx9y2/4q958Eaf8h+6uLPh+h9KSePXsjHCKAe9xuEVW3Wqnj1sw6dZ654dS7zwaixvzqqioqep8hDe5rdnnWfLJL2IqPUh5LF+22+3uJBo3RUFO3DBGyMb8ItfrJ2nvVadSc3jJ4liEIwWEVgbq0NggCAIAgCAIAgCAIAgCAIAgCAIAgCAIAgCAIAgCAIAgCAIAgCAIAgCAIAgCAIAgCAIAgCAIAgCAIAgCAIAgCAIAgCAIAgCAICOaw660lGS2R5dIP6uMYnDtzs3vKjlUjHQdGzyVc3SzoLBb3oXj2EXfyuxX6NM8jrkAPmwlR8/0HWXJmphpqLgz58LrPJXesHwpz/QZ9GJ/EXDxHhdZ5K71g+FOf6B6MT+IuHiZqblbgJ/CU8jRxa5r/YbIq63Gk+TVZL1Zp8V3k00Jp6nq24qeQPttGxze1pzCmjNS1HDubOtbSzascPzYzovdYE8BdbFdLFlaDleZ5K71g+FVlcY7D0/oxP4i4eI8LrPJXesHwrPP9A9GJ/EXDxHhdZ5K71g+FOf6B6MT+IuHiPC6zyV3rB8Kc/0D0Yn8RcPE7ur3KJSVThG7FDI42aH2wk8A4ZX7bLeNaMtBQvMh3NvHPXrLo2dhMFKcYIAgIFrNylxU0zoYoueLDZ7seFoO9oyNyNh2ZqCdZJ4JHfscg1Likqk5ZqerRj27CTasawRV0POxXFjhe07Wu4G27YQVJCaksUcy9sqlpV5ufY96OutymEBqaS0jFTsMkz2sYN7j7ANpPUFhySWLJaNGpWnmU1iyEV3KxTNJEUUkgG82YD2XufOAoXXWxHdpcm7iSxnJL5+BqeF1nkrvWD4Vjn+gm9GJ/EXDxHhdZ5K71g+FOf6B6MT+IuHifcPKwHua1lI9znENaBILkk2AHRTn+g1nyblCLlKqsF0eJKda9Z/kMEcskWIveGFofaxLHOPSw5+LbYpJzzVjgcmwsPLKrpxlhgsccOlL7mHUzW9ukOdwxGPm8O12K+LF1D6PtSnUz9hJlLJjss3GWOOOzDUSdSHLCAIAgOTp7WOmo23nkDSfFaM3nsaN3WclpKcY6y3a2Ne6eFKOPTsXaQ2flchB6FPI4cXOa0+YXUXP9B24cmarXrTS7G+4xeF1nkrvWD4U5/oNvRifxFw8R4XWeSu9YPhTn+gejE/iLh4nS1e5RDWTshipXXdm5xkFmtG1x6P/kkDeto1s54YFW8yJ5LSdWdRcNb3aydKY4JC+UvWp1HE2OE2mlvY/QbsL+3cO87lDWqZqwWs7eRcnK6qOdT2Y/N7u8rLVTVWfSD3YThY0/hJXXOZzsPpO37e05i9eEHLUepyhlKlYwSaxb1JbvsixqfkqogOk+Zx44mjzANU6oR3nmp8o7pvQors8TL4LaDjN6Y+FZ5iJr6Q3n7eHiPBbQcZvTHwpzER6Q3n7eHiaOkuSenLTzEsjHbsdnt77AHvusOgtjJqPKSvF/8AyxTXRofcVy5tVoyq3xyxndm1zT+8w/8AdiFX9aL6T0ydvlC33xfFP7NfmgvPQGmW1lK2ZuWJpDm/RcBZzfP7LK7GWdHE8Dd2srWu6Utj4reUDoClbNUQRvvhkkY11sjYuANlQprHBdR9Du6sqVCdSOtJst/wW0HGb0x8Kt8xE8d6Q3n7eHiPBbQcZvTHwpzER6Q3n7eHieHktoOM3pj4U5iI9Ibz9vDxK6151TNBK0BxfFICWOO3K12utlfMZ77qCcMxnpclZSV7B4rCS196LS5NNMuqqJpkN3xOMbidpsAWk9eFwz4gqxRlnR07DyeWrSNvdNR1S0r86yVqU5JF+UHWT5FTHAfw0t2xDhxk7r+chR1Z5q0azqZJsPK6+EvZWl93aU5q9q9PXOlEWZjYXuJ3nPCy/wBJxB28CqkYOWhHtb2+pWajn7Xh2b+pG5qNrEaGpBfcRP6EwtsF8nW4tJ82Ib1mnPNeJBlWxV5Q9X2lpXd29xfrHggEG4OYI2EcVePnrTWhmKtqmxRvkkNmMaXOPUBcrDaSxZvTpyqTUI628CgNYNMz6SqQbOOJ2GGIZ4QTk0D6Ryuf4AWpSk5vE+h2dpRsKHUsW9/huX3JxoTkoZhBq5XYjtZHYAdRcQb91lLGh7zODc8pJ52FCKw3vu/2dfwW0HGb0x8K35iJU9Ibz9vDxHgtoOM3pj4U5iI9Ibz9vDxN7QmoVHSzNmjDy9t8ON2IAkWuBYZ7fOsxpRTxK91li5uKbpzawe5HI5aP5nF+0D/akWtfUusucmv7mX+L+qObyI/2r/C/5FihtLPKfXT7fsWkrB5UIAgOHrjp9tDTOlIBcejG073G9u4WJPYtKk81Yl7J9m7uuqa1a31FI6PoarSVSQCXyP6T3uOTR9Inc0bAB1AKmk5SPdVq1vk+hp0RWhJbfzayyKDkopWtHPSyvdvw2Y3uFifarCoLazzNXlJcSf8A8cUlx/OBt+C2g4zemPhWeYiQ+kN5+3h4jwW0HGb0x8KcxEz6Q3n7eHidvVvVWmocfMB132xFxxGw2AZCwzJ/8BbwpqOooXuUa93hzr1bjuLcolD8qNSX6RmB2RiNjezm2u973edUqrxmz3+QaajZRa2tv54fRFt6jULYaGma0WxRNe7rc8B5Ptt3BWqawijx+U60qt3Uk97XYtB3VuUAgCAICuOWigaYIZrdNsmC/wCa5pNvO0ecqvXWhM9LyarSVaVPY1j2r/ZrcjVSTFVx7mlrx2ua4H9wJQ2knKSmlUpz34rg/EgGqX89pf18f74Vel+nsPQ5R/tan+L+hf2kNOU0Dg2eaONxFwHuw3HEX2q9KcY62fPaNpWrLGnBvqWJrfO2g8qh9YFrzsN6JfNt38KXBnh1uoPKofTCc9T95Dzbd/ClwZVnKbrTFWSRsgzjixdO1sTnWvYHOwA277lQVZqT0HrMh5OqWsJTq6HLDRuSJxySaOdFRY3C3PSF4H5tmtB78JPYQpaCwjjvOFygrxqXeEf0rDt1/cmNVUNjY57yGtY0ucTsAAuSpW8FiziwhKclGKxb0H591l0xJpCrLwCcTgyFm8C9mt7STc9ZVKUnJ4n0WxtYWNvmvZpb/NiLq1O1fbRUzYsi89KV3F5GfcNg7FapwzI4Hhso3ru67qbNS6vzSyuOVfVrmZvlMQ/BzHp22Nk237HZntDuIUFaGa8VtPTcn7/nafMTfrR1dK8Pod7kl1m5yP5JKenGLxE72b2drd3V9Vb0J/pZz+UGT+bn5RBaJa+vf2/XrOpysVJZo94H9Y9jD2Xxf/BbV/YKmQKalepvYm/t9yH8jVA19TLK7MxRgN6i8kF3bZpH2io6Cxkztcpa0o0YU1+p6ez/AH8i4laPGBAEAQFf8tH8zi/aB/tSKCvqXWeh5Nf3Mv8AF/VHN5Ef7V/hf8ixQ2lnlPrp9v2LSVg8qEAQFUctdSecpo9wa9/eSB/A+dVq70pHreTNNZtSe3QiNao64uoGPbHCx7nuBc5xINgLBuW4ZnvKjhNw1I6mUclK9mpSm0ktX3O/4W5/J4/Sct+fluOf6M0viPgh4W5/J4/ScnPy3D0ZpfEfBDwtz+Tx+k5OfluHozS+I+CJhqLrLUV4e+SFkcTeiHAklztpAvuA29o61LSm560cXKthRs2oRm3J/JeJLVKcgpPld0aY63nbdGdjSD+cwBjh5gw/aVOssJY7z3PJ2up2vN7Yv5PT3k65MdPsqKRkRI52BoYW7y0ZMeOq1gesdYU1GWMcNx5/LdlKhcOf6ZPHt2omSmOMEAQBAVJyv6fZI5lLGQeadjkI2B1rBnaAXX7R1qrWli8Eev5O2coKVeW3Quredfkj0aWUk0zhbnnHD9VgIv5y7zLegtDZT5Q11O5jTX6V834YFaapfz2l/Xx/vhVqX6ew9PlH+1qf4v6F96waBhrIjFM242tcPGafpNPH3q9OCksGfPrS7q2tTnKb8esovWnVeahkwyDEw+JIB0Xfc7iPftVOcXF4M9/YZRpXkMY6Gta3eHSa+gNCvq5OajkiY/8AJEji3FxDbNNz1LCTbwRJeXkbWGfOLa6Fjh16SwtXeSvC4PrJGvAN+bjvhP1nEA26gO9TRoe8ebvOUblFxt44dL19i8SzGMAAAAAAsAMgBwCsnmG8XiyreVzWa5+RxHZZ0xHnbH7nH7PWq1af6Uer5PZP/wDszXRH7v7LtObqBoh8MMmkeZ57mgeZjxYSbZSSA4TmBcAb+lvstaccFn4aixli6jVqxss7Nx1vX1LZr29h1fC+PJP9b/8ANb+UdBV9GH8X/wDPiael+UyKphfDLRkse2x/DC43hw/B7QbEdi1lWUlg0TW/J+pQqKpCrpX7fHaQHR9a+CRksRs9jg5p6xuPUdhHAqFYrSj0VajCtTdOa0PQXFrFO3SeiHywjpAB+HaQ5hu9nbbFbjccVZm8+nijxNnB5PyioVNWrHoepkB5NNPtpKr8KcMUzcDidjTe7XHqvcdWK+5Q0pZsus9Fluylc2+MFjKOnr3r83F7NN1dPAnqAIAgK/5aP5nF+0D/AGpFBX1LrPQ8mv7mX+L+qObyI/2r/C/5FihtLPKfXT7fsWkrB5UIAgKz5aNGlzIJ2jJhcx/VisWnsuCO8KvXWpnp+TVdKc6L26V2Ee5N6DR9S58FXHeUnFETI9uIWzYA1wFxa/E3PBR0lFvCR0stVry3Sq0JerqehPDp0rbq/wBlh+DvRnk/+rL8an5mG48358vvifKPcPB1ozyf/Vl+NOZhuHny++J8o9w8HWjPJ/8AVl+NOZhu+pnz5ffE+Ue4kOjaCOnjbFC0MYwWa0dtzmcybkm54qSKSWCObWrTrTdSo8WzZWSM4+tWgI66AxPyO1j7XLXDYbbxuI3g7tq0nBSWDLljeztKqqR7VvRR+lNEVmjZgXB0bgehKwnCfqvH7pzttCpyTg9Og93Qura/p4LBranr4ff5nWp+UzSDWgF0b+t0Yv8A5SB7Fvzs95Tnyes5PFYrqffiZfCjX/ofVn4k56p0cPE19HbTfLiu4eFGv/Q+rPxJz1To4eI9HLTfLiu40tJ8oVfM0tMgjBFjzbcJP2s3DuIWJVZNaWT0Mh2dKWdm49bx+Woy6n6jT1jg+QOjgvcvIsXjbZgO2/0tnbsSFNy6jTKOWKVrFwptOe7d19xdjKZscWCMBrWswtA2AAWAVxJJYI8K5ynPOk8W3ifnnVL+e0v6+P8AfCoUv09h9Hyj/aVP8X9D9HroHzU1dJ6OiqI3RTND2OGYPsIO4jcQsSipLBktGtOjNVKbwaKR1y1NloH42Fz4SRhkHjNN8mvtsPB2w9WxU6lNx6j3WTcq072OZPBT2rf1dxK9ROUTFhgrnAOyDJjkDwbJwP52/fxMlOtskcfKuQ8zGrbrRtju6u7gTDXHWBtFTOlyLz0Ym8XEZdw2ns61NUnmrE42TrKV3XVPZrfV+aCk9XdEyaQqwwkkvcXyv3ht7uf252HWQqkYuTwPdXtzCxts5LVoS6diP0HSUzImNjjAaxjQ1o4ACwCupJLBHzqc5Tk5yeLekidRyZ0D3OdaRuIk2a+zRc3sBbIdSi5iJ14ZevIxUcVo6DH4LqD9L6f/ANU5iJt6Q3m9cDja28m0MdM+Sk5wyR9Itc7FiaAcQAt428dlt60nRSWKLuT8vVZ11CvhmvRqwwezsI1ybazfJKjBIbQzEB19jXbGv7Nx6jfctKU819DOnlvJ/lNHPgvWj81tXd4nU165PpI3umo2F8RN3RtHSYd+Fo2s6hmOxZqUmnitRVyVluE4qlcPCS1N7evp+vWR3Q2uddSDBHLdjcgyQYgOoX6Q7AbLSNSS0JnSuck2ly8+UdL2rRj9jq+FGv8A0Pqz8S256p0cPEqejtpvlxXcPCjX/ofVn4k56p0cPEejlpvlxXcZqPlH0lK9scbYXPe4NaBGcyT9ZOdqdHDxI6uQbKlBzm5JLTrXcSLlZik/k+DnCHPbMznHNFm35uQEgbhc2CkrY5qxObyflDyyeboTi8MetfYrzVvWmoocfMYPwmHFibi2XtbMcSoYzlHUelvsm0bzN5zHRue87fhRr/0Pqz8S256p0cPEoejlpvlxXcPCjX/ofVn4k56p0cPEejlpvlxXcPCjX/ofVn4k56p0cPEejlpvlxXcTfVCoqdJU0prms5mQFjGtbhLuL73Ow5DrB4KWm5TTztRwco06NhXirZvOjpbbxw6NXErnWrU2poXlwDnwg3bK3dwx28Vw47OHVBOm469R6awyrQu45ssFLant6t66NZloOUXSETcPONkA2GRocfSFie03WVVnsZpWyDZ1Hjg11P/AH8ja8KNf+h9WfiWeeqdHDxIvR203y4ruHhRr/0Pqz8Sc9U6OHiPRy03y4ruOzqlrnpKtqWRDmg3xpHCM9Fg2nxtpyA6yFtCpUlLDRwKOUclWVpQdRuWOpLFaXw4lpK0eTPpDJ8yMDgQ4Ag7QRceZDKbTxRyn6r0JNzSwX/VM+5ac1DcuBaV/dLQqkv5M8+atB5JB6pv3LHNQ91cDPnC6+LL+THzVoPJIPVN+5Oah7q4DzhdfFl/JmWm1epIzijpoWu3ERtB7ja6yqcVqSNJ3lxNYSqSa62dNblY8IugOVDqzRMcHNpYGuaQWkRtBBBuCDbatFTgtKSLUr65knGVSTT6WdZblUIDHPA17S17Q5rhZzXC4I4EHaEax1m0ZOLUovBo5fzVoPJIPVN+5R81D3VwLXnC6+LL+TM9RoKlkaxskET2xizA5gIaMsmgjIZDZwC2cIvQ0Rwuq8G5Rm03rwb09Zk0foinguYIY4sVsWBgbe2y9h1pGEY6ka1birWw5yTeG94m6tiEIAgCA4/zVofJIPVN+5R81DcuBc84XXxZfyZ1o2BoAAsALAcANgUhUbxeLNKt0LTTG80EUh4vja4+ci61cIvWialdVqSwpza6m0a3zVoPJIPVN+5a81D3VwJfOF18WX8mPmrQeSQeqb9yc1D3VwHnC6+LL+TM1JoCkieHxU8LHi9nNjaCLixsQOBWVTinikjSpeXFSObOcmtzbN2op2SNLJGh7XCxa4AgjgQcitmk9DIIzlCSlF4NbjmfNWg8kg9U37lpzUPdXAtecLr4sv5MfNWg8kg9U37k5qHurgPOF18WX8mPmrQeSQeqb9yc1D3VwHnC6+LL+THzVoPJIPVN+5Oah7q4DzhdfFl/JnUp4GsaGMaGtaAGtAsABsAA2BbpYairKTk3KTxbPshZNTmT6uUbyXPpoHOO0mJtz2m2a0dOD1pFqN7cwWEakkutmP5q0HkkHqm/csc1D3VwNvOF18WX8mPmrQeSQeqb9yc1D3VwHnC6+LL+TNvR+iYIMXMRRxYrYsDA29r2vYZ7T51tGEY6kQ1birWw5yTeG9tm6tiE/9k="/>
+          <p:cNvSpPr>
+            <a:spLocks noChangeAspect="1" noChangeArrowheads="1"/>
+          </p:cNvSpPr>
+          <p:nvPr/>
+        </p:nvSpPr>
+        <p:spPr bwMode="auto">
+          <a:xfrm>
+            <a:off x="473075" y="160338"/>
+            <a:ext cx="304800" cy="304801"/>
+          </a:xfrm>
+          <a:prstGeom prst="rect">
+            <a:avLst/>
+          </a:prstGeom>
+          <a:noFill/>
+          <a:extLst>
+            <a:ext uri="{909E8E84-426E-40DD-AFC4-6F175D3DCCD1}">
+              <a14:hiddenFill xmlns:a14="http://schemas.microsoft.com/office/drawing/2010/main">
+                <a:solidFill>
+                  <a:srgbClr val="FFFFFF"/>
+                </a:solidFill>
+              </a14:hiddenFill>
+            </a:ext>
+          </a:extLst>
+        </p:spPr>
+        <p:txBody>
+          <a:bodyPr vert="horz" wrap="square" lIns="91440" tIns="45720" rIns="91440" bIns="45720" numCol="1" anchor="t" anchorCtr="0" compatLnSpc="1">
+            <a:prstTxWarp prst="textNoShape">
+              <a:avLst/>
+            </a:prstTxWarp>
+          </a:bodyPr>
+          <a:lstStyle/>
+          <a:p>
+            <a:endParaRPr lang="ko-KR" altLang="en-US" b="1"/>
+          </a:p>
+        </p:txBody>
+      </p:sp>
+      <p:sp>
+        <p:nvSpPr>
+          <p:cNvPr id="10" name="AutoShape 10" descr="data:image/jpeg;base64,/9j/4AAQSkZJRgABAQAAAQABAAD/2wCEAAkGBxISEhQUERQWFRUVFRgYFhgYFx4XGhwcHRQXGBoVGhkYHCggHhorIBUWITEhJikrMi8wFx80ODcsNygtLisBCgoKDg0OGxAQGy0mICQsLCw4NC8sLCw3Ly8sLCwsNCwsLywvMiw0LCwsLCwsLC0vLCwsLCwsLCwsLCwsLCwsLP/AABEIAK8BIQMBEQACEQEDEQH/xAAcAAEAAgMBAQEAAAAAAAAAAAAABgcDBAUBAgj/xABREAABAwICBQYJBgkLAwUAAAABAAIDBBESIQUGMUFRBxMiYXGBFzJUkZKTobHSFBZScoLRIzNCYmNzdLLBFTQ1Q0RTg6Kjs8PT8PEkVcLi4//EABsBAQACAwEBAAAAAAAAAAAAAAADBAECBQYH/8QAPxEAAgECAQcHCwMEAwADAAAAAAECAwQRBRIhMUFRkQYTYXGB0eEUFRYiMlJTobHB8EJikjM0cvEkNcIjRKL/2gAMAwEAAhEDEQA/ALxQBAEAQBAEAQBAEAQBAEAQHKj0lasfTu3wtlZxtjcx47iGH7R4LTP9bNLDoPmFWW/NfBNffgdVblcIAgCAIAgCAIAgCAIAgCAIAgCAIAgCAIAgCAIAgCAIAgCAIAgCAIAgCAIDwlAQahquf03I5mbIKd0ZO64c249Jzh9gqtF51d9CO3Up81kuKlrnPHsw/OJOlZOIEAQBAEAQBAEAQBAEAQBAEAQBAEAQBAEAQBAEAQBAEAQBAEAQBAEAQBAEBENedbW0rDFEQZ3DtEYI8d3XwHfs2169ZQWC1nXyXkyVzLPn7C+fQvu9nWffJ5oF1NAXyAiWaznA7WtF8LT+dmXHrceCzb082OL1sxle9VxWzYezHQvu+7oRLFOckIAgCAIAgCAIAgCAIAgCAIAgCAIAgCAIAgCAIAgCAIAgCAIAgCAIAgPCUBANb9ewzFFSEF4ydLta3iGbnO69g69gqVrjDRA9Dk3IzqYVa+iO7a+vcvn9TDqTqc4uFVWA3vjYx2bidvOyXzvvAPac8hihQ058zfKmVY5vk9vq1Nr6Lo3vb1a5VpzWmmpejI4ukNrRMGOQk7BYbL7r2urE6sYa9ZyLXJ9e50wWEd70JdvceUElXP0pGimjOxmT5j1uceizssTntCRc5aXoMVo29L1YPPe/Uuza+vR1M7jQpCmeoAgCAIAgCAIAgCAIAgCAIAgCAIAgCAIAgCAIAgCAIAgCAIAgCA8KArTlB1tLnOpoHWa3KZ42k74weA3nectxvSuK36Ynp8j5LWCuKq6l939uJ0dRdTREG1FS28pAMbCMoxuJH957t3Fb0KGb60tf0K2VcrOs3SpP1dr97w+utmHXTW+QSfJaK5kuGve3N2I5c3H+dnm7d23IxWrvHMhrN8mZLpuHlFz7OtLo3vo3Lb9evqhqiylHOS2kqHZuecw0naGk534uOZ6hkpKNFQ0vWUsoZTncvMhogtS7+7UvmSpTnLCAIAgCAIAgCAIAgCAIAgCAIAgCAIAgCAIAgCAIAgCAIAgCAIAgCA+Jr4TbbY27dyGVrKU1IouerYWyZ2cZHg7y0F2f2rHuXMoxzqixPcZVq81ZydPbgl1PwLj0pOY4ZXt2sje4doaSPculJ4Js8VSip1Ixe1pFQahSNFfAZDckvsT9MsdYnrNz3lc63a5xYntMsQl5HJQ1LDgn/oukLpHhz1AEAQBAEBjEzb2xC/C4QzgzIhgIAgCAIAgCAIAgCAIAgCAIAgCAIAgCAIAgCAIAgCAIDwoCstYKE6Or46toPMPkJdb8kuBEjT1HEXjrBHBUqkeaqKew9PZ1lfWUrV+2lo6cNXcWR0ZGbnNc3tBBHusVc1nmdMX0oozTWjH0k7ojcFhBjdvLb3Y8Hjl3EFcqcHCWB9AtLmF1QU9+hrp2r82Fsal6f+WU+J2UrDhkA2XtcPHURn1G43Lo0amfHHaeOylZeS1s1ey9K6vAkKlOeEAQBACgKV1dYP5WYbC/yubPvlXNp/1u1/c9veN+a2v2Q/8AJdS6R4g8ugF0AugPUB5dAe3QHl0AugF0B6gCAIAgCAIAgCAIAgCAIAgCAIAgCA1q+jZNG6ORocxwsQf+8j1rDSksGb06k6c1ODwaODq5FJRv+SSkvizNNIeG0wO4OAzHEXtssoqacPUerZ3F68nC5XPx0S/Uun3l0PbufWYOUnRjJKR0pHThs5ruouAc3sIN+0Ba3EE4Y7ibItxKncqC1S0P7PsOfyT0L2xzTOBDZS1rOsMxXcOq7yPsrW1i1FveWeUFeMqsaa1xTx7cNHy+ZPlaPPhAEAQHhQFMavf0rH+1ze+Zc2n/AFu1/c9tef8AWP8Awh/5LF1uir3iNtC5rL4uccbAjxcNiQbDxtgvsVyqqjwzDzOT52kXJ3Kb3fmj6kZm1J0i4YnVhLuHOy28+7zKB0KmvO+bOtHK9jHQqOj/ABj+fM1NVtY6qCqbTVL3PaZOacHnE5jibNcHnMgkjaTkbjr1pVZxnmSJcoWFvWtncUFg8MdGjFbdHQbnKXPUQzRvimlYyRhFmvIaHNPAHaQ4eiVtcuUWmmQ5ChQqwlCcE2njpWx/nzJlqtpH5RSwynxiwB31m9F3tBVqnLOimcS9ocxXnT3P5bPkQjlL01NHUsZDLIzDDicGOLblznWvbabM9qq3M2pJJneyFaUqlGU6kU9OGlY6l4kqroaxtDG2mdeoDYw5zyCTkA9135Xzvc32KxJTzPV1nGoztndOVZepi9C+Wojb9TtJy5y1nS4CWS3+UNHmCg5iq9cvqdZZUsKeiFHR1R++L+Zxm6YrtGT4Jnuka2xcxzzI1zD+UxzswcjbZmMwos+pSlhIuu1tMoUc+lFJ9Cwwe5paC0Kaj6YlbJIWuFwwuu3O5vb7XZkOC6HSeQlLRmtHQWTQIAgCAIAgCAIAgCAIAgCAIDW0jXxwRmSZ4Yxu0nzAdZ6gtoQlOWbFYs1nNQWdLUQw6/meZsFFG3E8kCSd2Buwm+EZnIcQepXvIebhn1X2Ioq/VSeZTXa9BJKTRtQbGeqc472xMbGz2hz/APMqkpw/THi8fD5F2MZbWdZjbC3vNz5yojc8kjDtovmDnxBuD50BzdOaL+UtEUhtDcOeAbF9jcMvubcAk7Ta2S0nDPWD1Fi2uHQlnx9rZ0dPXuNh1XBC0NL442tFgC5rQABsAvssFJGEnoiivOpi3KTMVJp2nmdhhkEpG3m7vA+s5oLR3lbypTivWWHXoNI1Iy1PEV+ho5r84ZD1NlfGB2CNwHebrEKkoasOCf1MyinrILrA+p0TNG+GWSWnkJHNyuL7EWuzEcxcZgjgb339Kgqd1FxkkpLatBzbidS1kpJ4xexliaPq2zRslZm2RjXt7HAEd+a5kouLcXsOnGSkk0ZytTJTGrv9Ks/a5vfMubT/AK3a/ue2vP8ArH/hD/yWtpzTkFIzHM61zZoAu5x4NH8dgV+c4wWLPJW1pVuZ5lNY/brIj4Q5JD/6aikkFznc/wDGxwB71X8qb9mJ2PMcIf1q0Y8Pu19CH1FW+XSDZJIzE99TAXRm929KIWNwDmADsG1V85yq4tYaUdlUo0snuEJZyUZad+t9P1LF5SaDnKJz98LhIOwXa/8Ayuce5XLiOMOo81kavzV3FbJerx1fPA5PJPX3ZNAT4rhI3scMLh52g/aUdpLQ4lzlDQwqRqrasO1eH0I/Wj5bpYtGbTOG/YiHS7jzb/SUT9et2/Q6FL/iZMx25uPbLV8mi1tIV8dPGZJnBjG7SfYANpPABXpSUVizyVGjOtNQprFshs3KPicRS0sktjvuO+zGuIHbZVndY+zHE7kcguKTr1Yx/Oloh2uelJamUPmgMDhFhDTfMYnHF0mt4kbNyr15ub0rA7eSranbxcac89N9H2bLl0Z+Ji/Vs/dC6UdR4ep7b62bKyaBAEAQBAEAQBAEAQBAEAQBAYaykZKwsla17Dta4XB7isxk4vFPSYlFSWDIrWcnFC++Fskf1X3HmfdXI5QrR24lOWT6EtOGHUajdQ2NOCKuqWkC5aH7BuNm2tsW3lzemUI8DHkeGhTlxM/zHm/9xqvSd8ax5ZH4cTbySXxJcTxuoT79Kvqz2SEe8lZd6tlOPAwrN/ElxPpnJzT/ANZNUSfWkH8GrXy+eyMV2GVZQ2tvtN6j1E0fHsga4/nkv9jjb2LSV7Xl+r7G8bSjH9P3O/S0rI2hsbWsaNjWgNHmCrNuTxZYSSWCMywZKy5TK41M8FFTjHI1xLgPpkWa2+6zS4ngCF1bCHNxlWnqOVlCTqyjRhrLA0NQiCCKEG/NxtZfjZoBPec1zak8+blvZ04RzYqK2G6tDYpfV7+lY/2ub3zLm0/63a/ue2vP+sf+EP8AybXKfK41pDibNhZhHUS4kjrJ/dHBbXPt6dxFkKOFo3HW2/klgWhSTwMha6NzGwhgLSCAwNtlnssryaS0ajyc41JVGpJ52PbiVHpOsZNpTnIjiY+qgwnjYwtJF912lc9yUq2K3o9lSpTpZNzJrBqEvniy5amEPY5js2uaWkdRFj710WsUeJjJxaktaKU0JXvoKl5dcuY2aIjiQDhPe5jO4rm05c1N9p7m7oq+to5u1xfVjr+r4Ej5KdGl0ktQ7PAObaTvc6znntsG+kVNax0uTObygrqMYUI9fYtC+5m5W5XXpm/kHnHH6wwAexzvOs3behGnJ2McaktuhdmnuRJNRHQihh5vCOgOc2Xx/l4uu91NQw5tYHKyoqnlc8/fo6tmHRgQHlL0hFNU3ieHhkWBxbmMQc8kA7DtGxVLmSlLQejyDQqUqLz1hi8VjuLY0Z+Ji/Vs/dC6EdR4+p7b62bKyaBAEAQBAEAQBAEAQBAEAQBAEBraQie+N7Y34HuY4Nfa+EkEB1uo5rMWk03pMSTaaRWNDHpbRpkww8817sTnWMuI2tiu0472A2jcuvN2txhpwa7PA5MPK7fHRnI2TylVLPxlIAesvZ7C0rXzdTeqf07zbzhUWum/zsPTypSbqQetP/TTzZH3/l4jzlLZTf52HyeUCvk/E0g6rMkk91k8goR9qf0Q8urv2af1MkFXp6ZzSGCMAg2cxjGnPYQ4l9uzNayhZQWGOP5wMxneyepIsCikl5sGdrGvt0gxxe3ZuJaD3WXNlm4+rqOmscNJytJTVk/QpWiBpydPKOl/hxbb9b8PZvUsFThpnp6F933Ec8+WiOjpMmreq8FGCWXfI7x5X5vdc3Oe4Xztv33KVridXXq3GtG3hS1a3tO4oCc166sZDG6SQ4WMBc4ngP49Sw2ksWb06cqklCKxbKj1EhdPpCOS3iukmf1YmuFr/WkHmK51BOVTHrZ7HK0lRsebx15seGHcWJrPqrDW4S4uZI0Wa9vC98LgciPdc22lXatFVNZ5uxyjVtG83SnsZHKbkwZcc5OXNvezWBpOd9pJ9ygVotrOnPlFNr1IJPe3j3HTqNQIDNFJE50Qi5uzGgEEsfiuScyTvPUpPJ45ya2FOOWa3NTpzWdnY6XsxWH+iXlWDkEP01qDFUTvm517DIQS0NBFw0NvnxsFXnbKUscTtWmWqlvSVLNTw6+s7+gNEMpIWwsJIbclx2uJNy427fYpYQUI4I5t1cyuKrqy2/I+dYdBxVkfNy3Fjdrm5OabWuL9uwpUpqawZtaXdS1qZ9P/AGukhw5Lxc3qDhO20YuR2l1vYq3ki3nafKKWGimsev8APqdKu5OqZ8bGRudHhxYnABzn4gPGJ4WyAyzW8raDWC0FWjl24hUc54Sx2akuol1NFgY1u3C0C/YLKyjjSeLbMqGAgCAIAgCAIAgCAIAgCAIAgCAICL6e10gpahkDgbkt5x9jhY05gm2bjsyHHuVqlaTqwc1/sq1runSmoS2nSg1ko3+LUwn/ABGg+YlROhVWuL4EqrU5apLibf8AKEH97H6bfvWmZLcyTORqVGstGzxqmEdXONJ8wN1vG3qy1RfAjlWpx1yXE80XrLSVLiyGZrnD8nNpPW0OAxDrCzUt6tNYyiYp16dR4RkmdZQkx7ZAEAQEV111alrBEI5cAa7pNdmy2fTsNrx/HcoK1J1MMGdTJl/C0cnKGOOp7erqZ0tW9XoqOMtjuXOsXvPjOI2dgGdh1neSVvTpqCwRWvL2pdTzp9i2L83nYUhUCAIAgCAIAgCAIAgCAIAgCAIAgCAIAgCAIAgCA+JZA0EuIAAuSTYAcSSmsEfGt8cjzHRxyVThtLAGxt63SPsLdl77lZ8llFY1Go9evgQK4jJ4Q09XedOjlqSQZY4mDg2RzyP9MBQyUNjfDxJVnbTU0/qvTVgBmacYFg9pwuA4X2EZ7CCpKNxUo+yyKtb06y9dEOq+Sw3/AAVQLcHsz9Jp/gr8cqe9HgznzyTH9MjQPJdU/wB7D/m+FSedIbmR+ap+8bVPyWSfl1DAPzYy72lwWksqLZH5m0ck75fIkGjOTmjiIc/HM4G4xus2/wBVtvbdVqmUKs1gtHUXKVhRpvHWyXsYAABsAsFRLp7dAasWkGOmfCD042se4fmvLw034/g3ZdnELZxaipbGYTWOBtrUyEAQBAEAQBAEAQBAEAQBAEAQBAEAQBAEAQBAEAQBAEBHdddX5K2ERxy4C12Ig+K/LIOtnkcxt7OFm1rqjPOaxK11QdaGangQvRugNMUJPycNcHG7mtc1zT12fhN+yyv1K9pX9vFfnQc+lb3Vv7GDR2Ga2aTj/H6Oc7iWYvcA/wB6g8lt5ezU4/iLXlNePtU+DMo5RLfjKKpbl9H4g3JY8gx1TjxM+W4a4S4DwnUw8aGoHa1nxp5uqbJIx5wgtcZcAOU+kOyKc9jWfGnm2rta/Owz5wp7nwPpvKREfFpal3Yxp9zljzfJa5x4mfLV7kuB9s11qH/itHVJ+tdg85YsO0gvaqL6mVdTeqm/oZo9KaWk8Wjih65ZsXsZmtXTto65t9S7zZVK8v0Jdb7jZj0ZXSZ1NYI27208YZ3c5Jd3mAWjqUV7EMet/ZYG6hUftS4GGDS9FS/gaUGeZxuWRHnZHu2YpJCbcLuc7ILLpVanrz0Lp0cF3BVKcXmx0v8ANZJqXHhHOWxWGLDsvvAJzI61V6idGVAEAQBAEAQBAEAQBAEAQBAEAQBAEAQBAEAQBAEAQBAEAQGCqhe7xHlhHUHA9oI9xCymlrRho5zo64eLJTvHXG+M+cSOHsUmNLc+K7jX1+gwOn0kP7PSu6xUPb7DCfet82h70uC7zXGpuXHwMXyzSQ/sdP3VJ/6Szm0Pff8AHxMOVT3Vx8Dx1bpQ7KWnb21Dj7owmZb+8+HiM6ruXHwMbjpl2wUTO+Rx9y2/4q958Eaf8h+6uLPh+h9KSePXsjHCKAe9xuEVW3Wqnj1sw6dZ654dS7zwaixvzqqioqep8hDe5rdnnWfLJL2IqPUh5LF+22+3uJBo3RUFO3DBGyMb8ItfrJ2nvVadSc3jJ4liEIwWEVgbq0NggCAIAgCAIAgCAIAgCAIAgCAIAgCAIAgCAIAgCAIAgCAIAgCAIAgCAIAgCAIAgCAIAgCAIAgCAIAgCAIAgCAIAgCAIAgCAICOaw660lGS2R5dIP6uMYnDtzs3vKjlUjHQdGzyVc3SzoLBb3oXj2EXfyuxX6NM8jrkAPmwlR8/0HWXJmphpqLgz58LrPJXesHwpz/QZ9GJ/EXDxHhdZ5K71g+FOf6B6MT+IuHiZqblbgJ/CU8jRxa5r/YbIq63Gk+TVZL1Zp8V3k00Jp6nq24qeQPttGxze1pzCmjNS1HDubOtbSzascPzYzovdYE8BdbFdLFlaDleZ5K71g+FVlcY7D0/oxP4i4eI8LrPJXesHwrPP9A9GJ/EXDxHhdZ5K71g+FOf6B6MT+IuHiPC6zyV3rB8Kc/0D0Yn8RcPE7ur3KJSVThG7FDI42aH2wk8A4ZX7bLeNaMtBQvMh3NvHPXrLo2dhMFKcYIAgIFrNylxU0zoYoueLDZ7seFoO9oyNyNh2ZqCdZJ4JHfscg1Likqk5ZqerRj27CTasawRV0POxXFjhe07Wu4G27YQVJCaksUcy9sqlpV5ufY96OutymEBqaS0jFTsMkz2sYN7j7ANpPUFhySWLJaNGpWnmU1iyEV3KxTNJEUUkgG82YD2XufOAoXXWxHdpcm7iSxnJL5+BqeF1nkrvWD4Vjn+gm9GJ/EXDxHhdZ5K71g+FOf6B6MT+IuHifcPKwHua1lI9znENaBILkk2AHRTn+g1nyblCLlKqsF0eJKda9Z/kMEcskWIveGFofaxLHOPSw5+LbYpJzzVjgcmwsPLKrpxlhgsccOlL7mHUzW9ukOdwxGPm8O12K+LF1D6PtSnUz9hJlLJjss3GWOOOzDUSdSHLCAIAgOTp7WOmo23nkDSfFaM3nsaN3WclpKcY6y3a2Ne6eFKOPTsXaQ2flchB6FPI4cXOa0+YXUXP9B24cmarXrTS7G+4xeF1nkrvWD4U5/oNvRifxFw8R4XWeSu9YPhTn+gejE/iLh4nS1e5RDWTshipXXdm5xkFmtG1x6P/kkDeto1s54YFW8yJ5LSdWdRcNb3aydKY4JC+UvWp1HE2OE2mlvY/QbsL+3cO87lDWqZqwWs7eRcnK6qOdT2Y/N7u8rLVTVWfSD3YThY0/hJXXOZzsPpO37e05i9eEHLUepyhlKlYwSaxb1JbvsixqfkqogOk+Zx44mjzANU6oR3nmp8o7pvQors8TL4LaDjN6Y+FZ5iJr6Q3n7eHiPBbQcZvTHwpzER6Q3n7eHiaOkuSenLTzEsjHbsdnt77AHvusOgtjJqPKSvF/8AyxTXRofcVy5tVoyq3xyxndm1zT+8w/8AdiFX9aL6T0ydvlC33xfFP7NfmgvPQGmW1lK2ZuWJpDm/RcBZzfP7LK7GWdHE8Dd2srWu6Utj4reUDoClbNUQRvvhkkY11sjYuANlQprHBdR9Du6sqVCdSOtJst/wW0HGb0x8Kt8xE8d6Q3n7eHiPBbQcZvTHwpzER6Q3n7eHieHktoOM3pj4U5iI9Ibz9vDxK6151TNBK0BxfFICWOO3K12utlfMZ77qCcMxnpclZSV7B4rCS196LS5NNMuqqJpkN3xOMbidpsAWk9eFwz4gqxRlnR07DyeWrSNvdNR1S0r86yVqU5JF+UHWT5FTHAfw0t2xDhxk7r+chR1Z5q0azqZJsPK6+EvZWl93aU5q9q9PXOlEWZjYXuJ3nPCy/wBJxB28CqkYOWhHtb2+pWajn7Xh2b+pG5qNrEaGpBfcRP6EwtsF8nW4tJ82Ib1mnPNeJBlWxV5Q9X2lpXd29xfrHggEG4OYI2EcVePnrTWhmKtqmxRvkkNmMaXOPUBcrDaSxZvTpyqTUI628CgNYNMz6SqQbOOJ2GGIZ4QTk0D6Ryuf4AWpSk5vE+h2dpRsKHUsW9/huX3JxoTkoZhBq5XYjtZHYAdRcQb91lLGh7zODc8pJ52FCKw3vu/2dfwW0HGb0x8K35iJU9Ibz9vDxHgtoOM3pj4U5iI9Ibz9vDxN7QmoVHSzNmjDy9t8ON2IAkWuBYZ7fOsxpRTxK91li5uKbpzawe5HI5aP5nF+0D/akWtfUusucmv7mX+L+qObyI/2r/C/5FihtLPKfXT7fsWkrB5UIAgOHrjp9tDTOlIBcejG073G9u4WJPYtKk81Yl7J9m7uuqa1a31FI6PoarSVSQCXyP6T3uOTR9Inc0bAB1AKmk5SPdVq1vk+hp0RWhJbfzayyKDkopWtHPSyvdvw2Y3uFifarCoLazzNXlJcSf8A8cUlx/OBt+C2g4zemPhWeYiQ+kN5+3h4jwW0HGb0x8KcxEz6Q3n7eHidvVvVWmocfMB132xFxxGw2AZCwzJ/8BbwpqOooXuUa93hzr1bjuLcolD8qNSX6RmB2RiNjezm2u973edUqrxmz3+QaajZRa2tv54fRFt6jULYaGma0WxRNe7rc8B5Ptt3BWqawijx+U60qt3Uk97XYtB3VuUAgCAICuOWigaYIZrdNsmC/wCa5pNvO0ecqvXWhM9LyarSVaVPY1j2r/ZrcjVSTFVx7mlrx2ua4H9wJQ2knKSmlUpz34rg/EgGqX89pf18f74Vel+nsPQ5R/tan+L+hf2kNOU0Dg2eaONxFwHuw3HEX2q9KcY62fPaNpWrLGnBvqWJrfO2g8qh9YFrzsN6JfNt38KXBnh1uoPKofTCc9T95Dzbd/ClwZVnKbrTFWSRsgzjixdO1sTnWvYHOwA277lQVZqT0HrMh5OqWsJTq6HLDRuSJxySaOdFRY3C3PSF4H5tmtB78JPYQpaCwjjvOFygrxqXeEf0rDt1/cmNVUNjY57yGtY0ucTsAAuSpW8FiziwhKclGKxb0H591l0xJpCrLwCcTgyFm8C9mt7STc9ZVKUnJ4n0WxtYWNvmvZpb/NiLq1O1fbRUzYsi89KV3F5GfcNg7FapwzI4Hhso3ru67qbNS6vzSyuOVfVrmZvlMQ/BzHp22Nk237HZntDuIUFaGa8VtPTcn7/nafMTfrR1dK8Pod7kl1m5yP5JKenGLxE72b2drd3V9Vb0J/pZz+UGT+bn5RBaJa+vf2/XrOpysVJZo94H9Y9jD2Xxf/BbV/YKmQKalepvYm/t9yH8jVA19TLK7MxRgN6i8kF3bZpH2io6Cxkztcpa0o0YU1+p6ez/AH8i4laPGBAEAQFf8tH8zi/aB/tSKCvqXWeh5Nf3Mv8AF/VHN5Ef7V/hf8ixQ2lnlPrp9v2LSVg8qEAQFUctdSecpo9wa9/eSB/A+dVq70pHreTNNZtSe3QiNao64uoGPbHCx7nuBc5xINgLBuW4ZnvKjhNw1I6mUclK9mpSm0ktX3O/4W5/J4/Sct+fluOf6M0viPgh4W5/J4/ScnPy3D0ZpfEfBDwtz+Tx+k5OfluHozS+I+CJhqLrLUV4e+SFkcTeiHAklztpAvuA29o61LSm560cXKthRs2oRm3J/JeJLVKcgpPld0aY63nbdGdjSD+cwBjh5gw/aVOssJY7z3PJ2up2vN7Yv5PT3k65MdPsqKRkRI52BoYW7y0ZMeOq1gesdYU1GWMcNx5/LdlKhcOf6ZPHt2omSmOMEAQBAVJyv6fZI5lLGQeadjkI2B1rBnaAXX7R1qrWli8Eev5O2coKVeW3Quredfkj0aWUk0zhbnnHD9VgIv5y7zLegtDZT5Q11O5jTX6V834YFaapfz2l/Xx/vhVqX6ew9PlH+1qf4v6F96waBhrIjFM242tcPGafpNPH3q9OCksGfPrS7q2tTnKb8esovWnVeahkwyDEw+JIB0Xfc7iPftVOcXF4M9/YZRpXkMY6Gta3eHSa+gNCvq5OajkiY/8AJEji3FxDbNNz1LCTbwRJeXkbWGfOLa6Fjh16SwtXeSvC4PrJGvAN+bjvhP1nEA26gO9TRoe8ebvOUblFxt44dL19i8SzGMAAAAAAsAMgBwCsnmG8XiyreVzWa5+RxHZZ0xHnbH7nH7PWq1af6Uer5PZP/wDszXRH7v7LtObqBoh8MMmkeZ57mgeZjxYSbZSSA4TmBcAb+lvstaccFn4aixli6jVqxss7Nx1vX1LZr29h1fC+PJP9b/8ANb+UdBV9GH8X/wDPiael+UyKphfDLRkse2x/DC43hw/B7QbEdi1lWUlg0TW/J+pQqKpCrpX7fHaQHR9a+CRksRs9jg5p6xuPUdhHAqFYrSj0VajCtTdOa0PQXFrFO3SeiHywjpAB+HaQ5hu9nbbFbjccVZm8+nijxNnB5PyioVNWrHoepkB5NNPtpKr8KcMUzcDidjTe7XHqvcdWK+5Q0pZsus9Fluylc2+MFjKOnr3r83F7NN1dPAnqAIAgK/5aP5nF+0D/AGpFBX1LrPQ8mv7mX+L+qObyI/2r/C/5FihtLPKfXT7fsWkrB5UIAgKz5aNGlzIJ2jJhcx/VisWnsuCO8KvXWpnp+TVdKc6L26V2Ee5N6DR9S58FXHeUnFETI9uIWzYA1wFxa/E3PBR0lFvCR0stVry3Sq0JerqehPDp0rbq/wBlh+DvRnk/+rL8an5mG48358vvifKPcPB1ozyf/Vl+NOZhuHny++J8o9w8HWjPJ/8AVl+NOZhu+pnz5ffE+Ue4kOjaCOnjbFC0MYwWa0dtzmcybkm54qSKSWCObWrTrTdSo8WzZWSM4+tWgI66AxPyO1j7XLXDYbbxuI3g7tq0nBSWDLljeztKqqR7VvRR+lNEVmjZgXB0bgehKwnCfqvH7pzttCpyTg9Og93Qura/p4LBranr4ff5nWp+UzSDWgF0b+t0Yv8A5SB7Fvzs95Tnyes5PFYrqffiZfCjX/ofVn4k56p0cPE19HbTfLiu4eFGv/Q+rPxJz1To4eI9HLTfLiu40tJ8oVfM0tMgjBFjzbcJP2s3DuIWJVZNaWT0Mh2dKWdm49bx+Woy6n6jT1jg+QOjgvcvIsXjbZgO2/0tnbsSFNy6jTKOWKVrFwptOe7d19xdjKZscWCMBrWswtA2AAWAVxJJYI8K5ynPOk8W3ifnnVL+e0v6+P8AfCoUv09h9Hyj/aVP8X9D9HroHzU1dJ6OiqI3RTND2OGYPsIO4jcQsSipLBktGtOjNVKbwaKR1y1NloH42Fz4SRhkHjNN8mvtsPB2w9WxU6lNx6j3WTcq072OZPBT2rf1dxK9ROUTFhgrnAOyDJjkDwbJwP52/fxMlOtskcfKuQ8zGrbrRtju6u7gTDXHWBtFTOlyLz0Ym8XEZdw2ns61NUnmrE42TrKV3XVPZrfV+aCk9XdEyaQqwwkkvcXyv3ht7uf252HWQqkYuTwPdXtzCxts5LVoS6diP0HSUzImNjjAaxjQ1o4ACwCupJLBHzqc5Tk5yeLekidRyZ0D3OdaRuIk2a+zRc3sBbIdSi5iJ14ZevIxUcVo6DH4LqD9L6f/ANU5iJt6Q3m9cDja28m0MdM+Sk5wyR9Itc7FiaAcQAt428dlt60nRSWKLuT8vVZ11CvhmvRqwwezsI1ybazfJKjBIbQzEB19jXbGv7Nx6jfctKU819DOnlvJ/lNHPgvWj81tXd4nU165PpI3umo2F8RN3RtHSYd+Fo2s6hmOxZqUmnitRVyVluE4qlcPCS1N7evp+vWR3Q2uddSDBHLdjcgyQYgOoX6Q7AbLSNSS0JnSuck2ly8+UdL2rRj9jq+FGv8A0Pqz8S256p0cPEqejtpvlxXcPCjX/ofVn4k56p0cPEejlpvlxXcZqPlH0lK9scbYXPe4NaBGcyT9ZOdqdHDxI6uQbKlBzm5JLTrXcSLlZik/k+DnCHPbMznHNFm35uQEgbhc2CkrY5qxObyflDyyeboTi8MetfYrzVvWmoocfMYPwmHFibi2XtbMcSoYzlHUelvsm0bzN5zHRue87fhRr/0Pqz8S256p0cPEoejlpvlxXcPCjX/ofVn4k56p0cPEejlpvlxXcPCjX/ofVn4k56p0cPEejlpvlxXcTfVCoqdJU0prms5mQFjGtbhLuL73Ow5DrB4KWm5TTztRwco06NhXirZvOjpbbxw6NXErnWrU2poXlwDnwg3bK3dwx28Vw47OHVBOm469R6awyrQu45ssFLant6t66NZloOUXSETcPONkA2GRocfSFie03WVVnsZpWyDZ1Hjg11P/AH8ja8KNf+h9WfiWeeqdHDxIvR203y4ruHhRr/0Pqz8Sc9U6OHiPRy03y4ruOzqlrnpKtqWRDmg3xpHCM9Fg2nxtpyA6yFtCpUlLDRwKOUclWVpQdRuWOpLFaXw4lpK0eTPpDJ8yMDgQ4Ag7QRceZDKbTxRyn6r0JNzSwX/VM+5ac1DcuBaV/dLQqkv5M8+atB5JB6pv3LHNQ91cDPnC6+LL+THzVoPJIPVN+5Oah7q4DzhdfFl/JmWm1epIzijpoWu3ERtB7ja6yqcVqSNJ3lxNYSqSa62dNblY8IugOVDqzRMcHNpYGuaQWkRtBBBuCDbatFTgtKSLUr65knGVSTT6WdZblUIDHPA17S17Q5rhZzXC4I4EHaEax1m0ZOLUovBo5fzVoPJIPVN+5R81D3VwLXnC6+LL+TM9RoKlkaxskET2xizA5gIaMsmgjIZDZwC2cIvQ0Rwuq8G5Rm03rwb09Zk0foinguYIY4sVsWBgbe2y9h1pGEY6ka1birWw5yTeG94m6tiEIAgCA4/zVofJIPVN+5R81DcuBc84XXxZfyZ1o2BoAAsALAcANgUhUbxeLNKt0LTTG80EUh4vja4+ci61cIvWialdVqSwpza6m0a3zVoPJIPVN+5a81D3VwJfOF18WX8mPmrQeSQeqb9yc1D3VwHnC6+LL+TM1JoCkieHxU8LHi9nNjaCLixsQOBWVTinikjSpeXFSObOcmtzbN2op2SNLJGh7XCxa4AgjgQcitmk9DIIzlCSlF4NbjmfNWg8kg9U37lpzUPdXAtecLr4sv5MfNWg8kg9U37k5qHurgPOF18WX8mPmrQeSQeqb9yc1D3VwHnC6+LL+THzVoPJIPVN+5Oah7q4DzhdfFl/JnUp4GsaGMaGtaAGtAsABsAA2BbpYairKTk3KTxbPshZNTmT6uUbyXPpoHOO0mJtz2m2a0dOD1pFqN7cwWEakkutmP5q0HkkHqm/csc1D3VwNvOF18WX8mPmrQeSQeqb9yc1D3VwHnC6+LL+TNvR+iYIMXMRRxYrYsDA29r2vYZ7T51tGEY6kQ1birWw5yTeG9tm6tiE/9k="/>
+          <p:cNvSpPr>
+            <a:spLocks noChangeAspect="1" noChangeArrowheads="1"/>
+          </p:cNvSpPr>
+          <p:nvPr/>
+        </p:nvSpPr>
+        <p:spPr bwMode="auto">
+          <a:xfrm>
+            <a:off x="625475" y="312738"/>
+            <a:ext cx="304800" cy="304801"/>
+          </a:xfrm>
+          <a:prstGeom prst="rect">
+            <a:avLst/>
+          </a:prstGeom>
+          <a:noFill/>
+          <a:extLst>
+            <a:ext uri="{909E8E84-426E-40DD-AFC4-6F175D3DCCD1}">
+              <a14:hiddenFill xmlns:a14="http://schemas.microsoft.com/office/drawing/2010/main">
+                <a:solidFill>
+                  <a:srgbClr val="FFFFFF"/>
+                </a:solidFill>
+              </a14:hiddenFill>
+            </a:ext>
+          </a:extLst>
+        </p:spPr>
+        <p:txBody>
+          <a:bodyPr vert="horz" wrap="square" lIns="91440" tIns="45720" rIns="91440" bIns="45720" numCol="1" anchor="t" anchorCtr="0" compatLnSpc="1">
+            <a:prstTxWarp prst="textNoShape">
+              <a:avLst/>
+            </a:prstTxWarp>
+          </a:bodyPr>
+          <a:lstStyle/>
+          <a:p>
+            <a:endParaRPr lang="ko-KR" altLang="en-US" b="1"/>
+          </a:p>
+        </p:txBody>
+      </p:sp>
+      <p:sp>
+        <p:nvSpPr>
+          <p:cNvPr id="17" name="TextBox 16">
+            <a:extLst>
+              <a:ext uri="{FF2B5EF4-FFF2-40B4-BE49-F238E27FC236}">
+                <a16:creationId xmlns:a16="http://schemas.microsoft.com/office/drawing/2014/main" id="{35FE3B8E-DCF9-487F-AD3D-CEA6323B555C}"/>
+              </a:ext>
+            </a:extLst>
+          </p:cNvPr>
+          <p:cNvSpPr txBox="1"/>
+          <p:nvPr/>
+        </p:nvSpPr>
+        <p:spPr>
+          <a:xfrm>
+            <a:off x="712480" y="841278"/>
+            <a:ext cx="1980029" cy="630942"/>
+          </a:xfrm>
+          <a:prstGeom prst="rect">
+            <a:avLst/>
+          </a:prstGeom>
+          <a:noFill/>
+        </p:spPr>
+        <p:txBody>
+          <a:bodyPr wrap="none" rtlCol="0">
+            <a:spAutoFit/>
+          </a:bodyPr>
+          <a:lstStyle/>
+          <a:p>
+            <a:r>
+              <a:rPr lang="ko-KR" altLang="en-US" sz="3500" b="1" dirty="0">
+                <a:ln>
+                  <a:solidFill>
+                    <a:schemeClr val="bg1">
+                      <a:alpha val="0"/>
+                    </a:schemeClr>
+                  </a:solidFill>
+                </a:ln>
+                <a:solidFill>
+                  <a:srgbClr val="BF0302"/>
+                </a:solidFill>
+                <a:latin typeface="-윤고딕330" pitchFamily="18" charset="-127"/>
+                <a:ea typeface="-윤고딕330" pitchFamily="18" charset="-127"/>
+              </a:rPr>
+              <a:t>기존연구</a:t>
+            </a:r>
+          </a:p>
+        </p:txBody>
+      </p:sp>
+      <p:pic>
+        <p:nvPicPr>
+          <p:cNvPr id="20" name="그림 19">
+            <a:extLst>
+              <a:ext uri="{FF2B5EF4-FFF2-40B4-BE49-F238E27FC236}">
+                <a16:creationId xmlns:a16="http://schemas.microsoft.com/office/drawing/2014/main" id="{37B19423-BC71-40E0-86E5-D56BE1F5AC8C}"/>
+              </a:ext>
+            </a:extLst>
+          </p:cNvPr>
+          <p:cNvPicPr>
+            <a:picLocks noChangeAspect="1"/>
+          </p:cNvPicPr>
+          <p:nvPr/>
+        </p:nvPicPr>
+        <p:blipFill>
+          <a:blip r:embed="rId2" cstate="print">
+            <a:extLst>
+              <a:ext uri="{28A0092B-C50C-407E-A947-70E740481C1C}">
+                <a14:useLocalDpi xmlns:a14="http://schemas.microsoft.com/office/drawing/2010/main" val="0"/>
+              </a:ext>
+            </a:extLst>
+          </a:blip>
+          <a:stretch>
+            <a:fillRect/>
+          </a:stretch>
+        </p:blipFill>
+        <p:spPr>
+          <a:xfrm>
+            <a:off x="480195" y="676651"/>
+            <a:ext cx="329253" cy="329253"/>
+          </a:xfrm>
+          <a:prstGeom prst="rect">
+            <a:avLst/>
+          </a:prstGeom>
+        </p:spPr>
+      </p:pic>
+      <p:sp>
+        <p:nvSpPr>
+          <p:cNvPr id="35" name="TextBox 34">
+            <a:extLst>
+              <a:ext uri="{FF2B5EF4-FFF2-40B4-BE49-F238E27FC236}">
+                <a16:creationId xmlns:a16="http://schemas.microsoft.com/office/drawing/2014/main" id="{06F2A79E-2E95-4B2C-A915-2979AF90DBC7}"/>
+              </a:ext>
+            </a:extLst>
+          </p:cNvPr>
+          <p:cNvSpPr txBox="1"/>
+          <p:nvPr/>
+        </p:nvSpPr>
+        <p:spPr>
+          <a:xfrm>
+            <a:off x="809448" y="1482244"/>
+            <a:ext cx="7939016" cy="1631216"/>
+          </a:xfrm>
+          <a:prstGeom prst="rect">
+            <a:avLst/>
+          </a:prstGeom>
+          <a:noFill/>
+        </p:spPr>
+        <p:txBody>
+          <a:bodyPr wrap="square" rtlCol="0">
+            <a:spAutoFit/>
+          </a:bodyPr>
+          <a:lstStyle/>
+          <a:p>
+            <a:r>
+              <a:rPr lang="en-US" altLang="ko-KR" sz="2500" b="1" dirty="0">
+                <a:ln>
+                  <a:solidFill>
+                    <a:schemeClr val="bg1">
+                      <a:alpha val="0"/>
+                    </a:schemeClr>
+                  </a:solidFill>
+                </a:ln>
+                <a:latin typeface="-윤고딕330" pitchFamily="18" charset="-127"/>
+                <a:ea typeface="-윤고딕330" pitchFamily="18" charset="-127"/>
+              </a:rPr>
+              <a:t>-</a:t>
+            </a:r>
+            <a:r>
+              <a:rPr lang="en-US" altLang="ko-KR" sz="2500" b="1" dirty="0" err="1">
+                <a:ln>
+                  <a:solidFill>
+                    <a:schemeClr val="bg1">
+                      <a:alpha val="0"/>
+                    </a:schemeClr>
+                  </a:solidFill>
+                </a:ln>
+                <a:latin typeface="-윤고딕330" pitchFamily="18" charset="-127"/>
+                <a:ea typeface="-윤고딕330" pitchFamily="18" charset="-127"/>
+              </a:rPr>
+              <a:t>Tensorflow</a:t>
+            </a:r>
+            <a:r>
+              <a:rPr lang="en-US" altLang="ko-KR" sz="2500" b="1" dirty="0">
+                <a:ln>
+                  <a:solidFill>
+                    <a:schemeClr val="bg1">
+                      <a:alpha val="0"/>
+                    </a:schemeClr>
+                  </a:solidFill>
+                </a:ln>
+                <a:latin typeface="-윤고딕330" pitchFamily="18" charset="-127"/>
+                <a:ea typeface="-윤고딕330" pitchFamily="18" charset="-127"/>
+              </a:rPr>
+              <a:t> </a:t>
+            </a:r>
+            <a:r>
+              <a:rPr lang="ko-KR" altLang="en-US" sz="2500" b="1" dirty="0">
+                <a:ln>
+                  <a:solidFill>
+                    <a:schemeClr val="bg1">
+                      <a:alpha val="0"/>
+                    </a:schemeClr>
+                  </a:solidFill>
+                </a:ln>
+                <a:latin typeface="-윤고딕330" pitchFamily="18" charset="-127"/>
+                <a:ea typeface="-윤고딕330" pitchFamily="18" charset="-127"/>
+              </a:rPr>
+              <a:t>사용</a:t>
+            </a:r>
+            <a:r>
+              <a:rPr lang="en-US" altLang="ko-KR" sz="2500" b="1" dirty="0">
+                <a:ln>
+                  <a:solidFill>
+                    <a:schemeClr val="bg1">
+                      <a:alpha val="0"/>
+                    </a:schemeClr>
+                  </a:solidFill>
+                </a:ln>
+                <a:latin typeface="-윤고딕330" pitchFamily="18" charset="-127"/>
+                <a:ea typeface="-윤고딕330" pitchFamily="18" charset="-127"/>
+              </a:rPr>
+              <a:t>            - </a:t>
+            </a:r>
+            <a:r>
+              <a:rPr lang="en-US" altLang="ko-KR" sz="2500" b="1" dirty="0" err="1">
+                <a:ln>
+                  <a:solidFill>
+                    <a:schemeClr val="bg1">
+                      <a:alpha val="0"/>
+                    </a:schemeClr>
+                  </a:solidFill>
+                </a:ln>
+                <a:latin typeface="-윤고딕330" pitchFamily="18" charset="-127"/>
+                <a:ea typeface="-윤고딕330" pitchFamily="18" charset="-127"/>
+              </a:rPr>
+              <a:t>XGBoost</a:t>
+            </a:r>
+            <a:r>
+              <a:rPr lang="en-US" altLang="ko-KR" sz="2500" b="1" dirty="0">
+                <a:ln>
+                  <a:solidFill>
+                    <a:schemeClr val="bg1">
+                      <a:alpha val="0"/>
+                    </a:schemeClr>
+                  </a:solidFill>
+                </a:ln>
+                <a:latin typeface="-윤고딕330" pitchFamily="18" charset="-127"/>
+                <a:ea typeface="-윤고딕330" pitchFamily="18" charset="-127"/>
+              </a:rPr>
+              <a:t> </a:t>
+            </a:r>
+            <a:r>
+              <a:rPr lang="ko-KR" altLang="en-US" sz="2500" b="1" dirty="0">
+                <a:ln>
+                  <a:solidFill>
+                    <a:schemeClr val="bg1">
+                      <a:alpha val="0"/>
+                    </a:schemeClr>
+                  </a:solidFill>
+                </a:ln>
+                <a:latin typeface="-윤고딕330" pitchFamily="18" charset="-127"/>
+                <a:ea typeface="-윤고딕330" pitchFamily="18" charset="-127"/>
+              </a:rPr>
+              <a:t>사용</a:t>
+            </a:r>
+            <a:endParaRPr lang="en-US" altLang="ko-KR" sz="2500" b="1" dirty="0">
+              <a:ln>
+                <a:solidFill>
+                  <a:schemeClr val="bg1">
+                    <a:alpha val="0"/>
+                  </a:schemeClr>
+                </a:solidFill>
+              </a:ln>
+              <a:latin typeface="-윤고딕330" pitchFamily="18" charset="-127"/>
+              <a:ea typeface="-윤고딕330" pitchFamily="18" charset="-127"/>
+            </a:endParaRPr>
+          </a:p>
+          <a:p>
+            <a:r>
+              <a:rPr lang="en-US" altLang="ko-KR" sz="2500" b="1" dirty="0">
+                <a:ln>
+                  <a:solidFill>
+                    <a:schemeClr val="bg1">
+                      <a:alpha val="0"/>
+                    </a:schemeClr>
+                  </a:solidFill>
+                </a:ln>
+                <a:latin typeface="-윤고딕330" pitchFamily="18" charset="-127"/>
+                <a:ea typeface="-윤고딕330" pitchFamily="18" charset="-127"/>
+              </a:rPr>
+              <a:t>-</a:t>
+            </a:r>
+            <a:r>
+              <a:rPr lang="en-US" altLang="ko-KR" sz="2500" b="1" dirty="0" err="1">
+                <a:ln>
+                  <a:solidFill>
+                    <a:schemeClr val="bg1">
+                      <a:alpha val="0"/>
+                    </a:schemeClr>
+                  </a:solidFill>
+                </a:ln>
+                <a:latin typeface="-윤고딕330" pitchFamily="18" charset="-127"/>
+                <a:ea typeface="-윤고딕330" pitchFamily="18" charset="-127"/>
+              </a:rPr>
+              <a:t>LightGBM</a:t>
+            </a:r>
+            <a:r>
+              <a:rPr lang="en-US" altLang="ko-KR" sz="2500" b="1" dirty="0">
+                <a:ln>
+                  <a:solidFill>
+                    <a:schemeClr val="bg1">
+                      <a:alpha val="0"/>
+                    </a:schemeClr>
+                  </a:solidFill>
+                </a:ln>
+                <a:latin typeface="-윤고딕330" pitchFamily="18" charset="-127"/>
+                <a:ea typeface="-윤고딕330" pitchFamily="18" charset="-127"/>
+              </a:rPr>
+              <a:t> </a:t>
+            </a:r>
+            <a:r>
+              <a:rPr lang="ko-KR" altLang="en-US" sz="2500" b="1" dirty="0">
+                <a:ln>
+                  <a:solidFill>
+                    <a:schemeClr val="bg1">
+                      <a:alpha val="0"/>
+                    </a:schemeClr>
+                  </a:solidFill>
+                </a:ln>
+                <a:latin typeface="-윤고딕330" pitchFamily="18" charset="-127"/>
+                <a:ea typeface="-윤고딕330" pitchFamily="18" charset="-127"/>
+              </a:rPr>
+              <a:t>사용</a:t>
+            </a:r>
+            <a:endParaRPr lang="en-US" altLang="ko-KR" sz="2500" b="1" dirty="0">
+              <a:ln>
+                <a:solidFill>
+                  <a:schemeClr val="bg1">
+                    <a:alpha val="0"/>
+                  </a:schemeClr>
+                </a:solidFill>
+              </a:ln>
+              <a:latin typeface="-윤고딕330" pitchFamily="18" charset="-127"/>
+              <a:ea typeface="-윤고딕330" pitchFamily="18" charset="-127"/>
+            </a:endParaRPr>
+          </a:p>
+          <a:p>
+            <a:r>
+              <a:rPr lang="en-US" altLang="ko-KR" sz="2500" b="1" dirty="0">
+                <a:ln>
+                  <a:solidFill>
+                    <a:schemeClr val="bg1">
+                      <a:alpha val="0"/>
+                    </a:schemeClr>
+                  </a:solidFill>
+                </a:ln>
+                <a:latin typeface="-윤고딕330" pitchFamily="18" charset="-127"/>
+                <a:ea typeface="-윤고딕330" pitchFamily="18" charset="-127"/>
+              </a:rPr>
+              <a:t>-</a:t>
+            </a:r>
+            <a:r>
+              <a:rPr lang="ko-KR" altLang="en-US" sz="2500" b="1" dirty="0">
+                <a:ln>
+                  <a:solidFill>
+                    <a:schemeClr val="bg1">
+                      <a:alpha val="0"/>
+                    </a:schemeClr>
+                  </a:solidFill>
+                </a:ln>
+                <a:latin typeface="-윤고딕330" pitchFamily="18" charset="-127"/>
+                <a:ea typeface="-윤고딕330" pitchFamily="18" charset="-127"/>
+              </a:rPr>
+              <a:t>구글 지도를 통해 두 지점 간의 가장 짧은 경로 추가</a:t>
+            </a:r>
+            <a:endParaRPr lang="en-US" altLang="ko-KR" sz="2500" b="1" dirty="0">
+              <a:ln>
+                <a:solidFill>
+                  <a:schemeClr val="bg1">
+                    <a:alpha val="0"/>
+                  </a:schemeClr>
+                </a:solidFill>
+              </a:ln>
+              <a:latin typeface="-윤고딕330" pitchFamily="18" charset="-127"/>
+              <a:ea typeface="-윤고딕330" pitchFamily="18" charset="-127"/>
+            </a:endParaRPr>
+          </a:p>
+          <a:p>
+            <a:r>
+              <a:rPr lang="en-US" altLang="ko-KR" sz="2500" b="1" dirty="0">
+                <a:ln>
+                  <a:solidFill>
+                    <a:schemeClr val="bg1">
+                      <a:alpha val="0"/>
+                    </a:schemeClr>
+                  </a:solidFill>
+                </a:ln>
+                <a:latin typeface="-윤고딕330" pitchFamily="18" charset="-127"/>
+                <a:ea typeface="-윤고딕330" pitchFamily="18" charset="-127"/>
+              </a:rPr>
+              <a:t>-</a:t>
+            </a:r>
+            <a:r>
+              <a:rPr lang="ko-KR" altLang="en-US" sz="2500" b="1" dirty="0">
+                <a:ln>
+                  <a:solidFill>
+                    <a:schemeClr val="bg1">
+                      <a:alpha val="0"/>
+                    </a:schemeClr>
+                  </a:solidFill>
+                </a:ln>
+                <a:latin typeface="-윤고딕330" pitchFamily="18" charset="-127"/>
+                <a:ea typeface="-윤고딕330" pitchFamily="18" charset="-127"/>
+              </a:rPr>
+              <a:t>구글 지도를 통해 각 도시의 택시들의 분포도를 추가</a:t>
+            </a:r>
+            <a:endParaRPr lang="en-US" altLang="ko-KR" sz="2500" b="1" dirty="0">
+              <a:ln>
+                <a:solidFill>
+                  <a:schemeClr val="bg1">
+                    <a:alpha val="0"/>
+                  </a:schemeClr>
+                </a:solidFill>
+              </a:ln>
+              <a:latin typeface="-윤고딕330" pitchFamily="18" charset="-127"/>
+              <a:ea typeface="-윤고딕330" pitchFamily="18" charset="-127"/>
+            </a:endParaRPr>
+          </a:p>
+        </p:txBody>
+      </p:sp>
+      <p:sp>
+        <p:nvSpPr>
+          <p:cNvPr id="15" name="TextBox 14">
+            <a:extLst>
+              <a:ext uri="{FF2B5EF4-FFF2-40B4-BE49-F238E27FC236}">
+                <a16:creationId xmlns:a16="http://schemas.microsoft.com/office/drawing/2014/main" id="{9A028402-3A80-44AA-91B8-CA67F25B9846}"/>
+              </a:ext>
+            </a:extLst>
+          </p:cNvPr>
+          <p:cNvSpPr txBox="1"/>
+          <p:nvPr/>
+        </p:nvSpPr>
+        <p:spPr>
+          <a:xfrm>
+            <a:off x="777875" y="3549895"/>
+            <a:ext cx="1082348" cy="630942"/>
+          </a:xfrm>
+          <a:prstGeom prst="rect">
+            <a:avLst/>
+          </a:prstGeom>
+          <a:noFill/>
+        </p:spPr>
+        <p:txBody>
+          <a:bodyPr wrap="none" rtlCol="0">
+            <a:spAutoFit/>
+          </a:bodyPr>
+          <a:lstStyle/>
+          <a:p>
+            <a:r>
+              <a:rPr lang="ko-KR" altLang="en-US" sz="3500" b="1" dirty="0">
+                <a:ln>
+                  <a:solidFill>
+                    <a:schemeClr val="bg1">
+                      <a:alpha val="0"/>
+                    </a:schemeClr>
+                  </a:solidFill>
+                </a:ln>
+                <a:solidFill>
+                  <a:srgbClr val="BF0302"/>
+                </a:solidFill>
+                <a:latin typeface="-윤고딕330" pitchFamily="18" charset="-127"/>
+                <a:ea typeface="-윤고딕330" pitchFamily="18" charset="-127"/>
+              </a:rPr>
+              <a:t>목표</a:t>
+            </a:r>
+          </a:p>
+        </p:txBody>
+      </p:sp>
+      <p:pic>
+        <p:nvPicPr>
+          <p:cNvPr id="16" name="그림 15">
+            <a:extLst>
+              <a:ext uri="{FF2B5EF4-FFF2-40B4-BE49-F238E27FC236}">
+                <a16:creationId xmlns:a16="http://schemas.microsoft.com/office/drawing/2014/main" id="{CEED0C58-1091-4DF2-94C1-6E766DA8595F}"/>
+              </a:ext>
+            </a:extLst>
+          </p:cNvPr>
+          <p:cNvPicPr>
+            <a:picLocks noChangeAspect="1"/>
+          </p:cNvPicPr>
+          <p:nvPr/>
+        </p:nvPicPr>
+        <p:blipFill>
+          <a:blip r:embed="rId2" cstate="print">
+            <a:extLst>
+              <a:ext uri="{28A0092B-C50C-407E-A947-70E740481C1C}">
+                <a14:useLocalDpi xmlns:a14="http://schemas.microsoft.com/office/drawing/2010/main" val="0"/>
+              </a:ext>
+            </a:extLst>
+          </a:blip>
+          <a:stretch>
+            <a:fillRect/>
+          </a:stretch>
+        </p:blipFill>
+        <p:spPr>
+          <a:xfrm>
+            <a:off x="545590" y="3385268"/>
+            <a:ext cx="329253" cy="329253"/>
+          </a:xfrm>
+          <a:prstGeom prst="rect">
+            <a:avLst/>
+          </a:prstGeom>
+        </p:spPr>
+      </p:pic>
+      <p:sp>
+        <p:nvSpPr>
+          <p:cNvPr id="21" name="TextBox 20">
+            <a:extLst>
+              <a:ext uri="{FF2B5EF4-FFF2-40B4-BE49-F238E27FC236}">
+                <a16:creationId xmlns:a16="http://schemas.microsoft.com/office/drawing/2014/main" id="{315A32A5-EAA7-4BF2-AF41-DA51005089F0}"/>
+              </a:ext>
+            </a:extLst>
+          </p:cNvPr>
+          <p:cNvSpPr txBox="1"/>
+          <p:nvPr/>
+        </p:nvSpPr>
+        <p:spPr>
+          <a:xfrm>
+            <a:off x="874843" y="4190861"/>
+            <a:ext cx="7939016" cy="1246495"/>
+          </a:xfrm>
+          <a:prstGeom prst="rect">
+            <a:avLst/>
+          </a:prstGeom>
+          <a:noFill/>
+        </p:spPr>
+        <p:txBody>
+          <a:bodyPr wrap="square" rtlCol="0">
+            <a:spAutoFit/>
+          </a:bodyPr>
+          <a:lstStyle/>
+          <a:p>
+            <a:pPr marL="457200" indent="-457200">
+              <a:buFont typeface="+mj-ea"/>
+              <a:buAutoNum type="circleNumDbPlain"/>
+            </a:pPr>
+            <a:r>
+              <a:rPr lang="en-US" altLang="ko-KR" sz="2500" b="1" dirty="0" err="1">
+                <a:ln>
+                  <a:solidFill>
+                    <a:schemeClr val="bg1">
+                      <a:alpha val="0"/>
+                    </a:schemeClr>
+                  </a:solidFill>
+                </a:ln>
+                <a:latin typeface="-윤고딕330" pitchFamily="18" charset="-127"/>
+                <a:ea typeface="-윤고딕330" pitchFamily="18" charset="-127"/>
+              </a:rPr>
+              <a:t>Fare_amount</a:t>
+            </a:r>
+            <a:r>
+              <a:rPr lang="en-US" altLang="ko-KR" sz="2500" b="1" dirty="0">
+                <a:ln>
+                  <a:solidFill>
+                    <a:schemeClr val="bg1">
+                      <a:alpha val="0"/>
+                    </a:schemeClr>
+                  </a:solidFill>
+                </a:ln>
+                <a:latin typeface="-윤고딕330" pitchFamily="18" charset="-127"/>
+                <a:ea typeface="-윤고딕330" pitchFamily="18" charset="-127"/>
+              </a:rPr>
+              <a:t> = </a:t>
+            </a:r>
+            <a:r>
+              <a:rPr lang="ko-KR" altLang="en-US" sz="2500" b="1" dirty="0">
+                <a:ln>
+                  <a:solidFill>
+                    <a:schemeClr val="bg1">
+                      <a:alpha val="0"/>
+                    </a:schemeClr>
+                  </a:solidFill>
+                </a:ln>
+                <a:latin typeface="-윤고딕330" pitchFamily="18" charset="-127"/>
+                <a:ea typeface="-윤고딕330" pitchFamily="18" charset="-127"/>
+              </a:rPr>
+              <a:t>택시 비용의 달러 금액</a:t>
+            </a:r>
+            <a:endParaRPr lang="en-US" altLang="ko-KR" sz="2500" b="1" dirty="0">
+              <a:ln>
+                <a:solidFill>
+                  <a:schemeClr val="bg1">
+                    <a:alpha val="0"/>
+                  </a:schemeClr>
+                </a:solidFill>
+              </a:ln>
+              <a:latin typeface="-윤고딕330" pitchFamily="18" charset="-127"/>
+              <a:ea typeface="-윤고딕330" pitchFamily="18" charset="-127"/>
+            </a:endParaRPr>
+          </a:p>
+          <a:p>
+            <a:pPr marL="457200" indent="-457200">
+              <a:buFont typeface="+mj-lt"/>
+              <a:buAutoNum type="circleNumDbPlain"/>
+            </a:pPr>
+            <a:r>
+              <a:rPr lang="en-US" altLang="ko-KR" sz="2500" b="1" dirty="0">
+                <a:ln>
+                  <a:solidFill>
+                    <a:schemeClr val="bg1">
+                      <a:alpha val="0"/>
+                    </a:schemeClr>
+                  </a:solidFill>
+                </a:ln>
+                <a:latin typeface="-윤고딕330" pitchFamily="18" charset="-127"/>
+                <a:ea typeface="-윤고딕330" pitchFamily="18" charset="-127"/>
+              </a:rPr>
+              <a:t>RMSE(</a:t>
+            </a:r>
+            <a:r>
+              <a:rPr lang="ko-KR" altLang="en-US" sz="2500" b="1" dirty="0">
+                <a:ln>
+                  <a:solidFill>
+                    <a:schemeClr val="bg1">
+                      <a:alpha val="0"/>
+                    </a:schemeClr>
+                  </a:solidFill>
+                </a:ln>
+                <a:latin typeface="-윤고딕330" pitchFamily="18" charset="-127"/>
+                <a:ea typeface="-윤고딕330" pitchFamily="18" charset="-127"/>
+              </a:rPr>
+              <a:t>평균 제곱근 오차</a:t>
+            </a:r>
+            <a:r>
+              <a:rPr lang="en-US" altLang="ko-KR" sz="2500" b="1" dirty="0">
+                <a:ln>
+                  <a:solidFill>
+                    <a:schemeClr val="bg1">
+                      <a:alpha val="0"/>
+                    </a:schemeClr>
+                  </a:solidFill>
+                </a:ln>
+                <a:latin typeface="-윤고딕330" pitchFamily="18" charset="-127"/>
+                <a:ea typeface="-윤고딕330" pitchFamily="18" charset="-127"/>
+              </a:rPr>
+              <a:t>)</a:t>
+            </a:r>
+            <a:r>
+              <a:rPr lang="ko-KR" altLang="en-US" sz="2500" b="1" dirty="0">
+                <a:ln>
+                  <a:solidFill>
+                    <a:schemeClr val="bg1">
+                      <a:alpha val="0"/>
+                    </a:schemeClr>
+                  </a:solidFill>
+                </a:ln>
+                <a:latin typeface="-윤고딕330" pitchFamily="18" charset="-127"/>
+                <a:ea typeface="-윤고딕330" pitchFamily="18" charset="-127"/>
+              </a:rPr>
+              <a:t>를 낮추는 것</a:t>
+            </a:r>
+            <a:endParaRPr lang="en-US" altLang="ko-KR" sz="2500" b="1" dirty="0">
+              <a:ln>
+                <a:solidFill>
+                  <a:schemeClr val="bg1">
+                    <a:alpha val="0"/>
+                  </a:schemeClr>
+                </a:solidFill>
+              </a:ln>
+              <a:latin typeface="-윤고딕330" pitchFamily="18" charset="-127"/>
+              <a:ea typeface="-윤고딕330" pitchFamily="18" charset="-127"/>
+            </a:endParaRPr>
+          </a:p>
+          <a:p>
+            <a:endParaRPr lang="ko-KR" altLang="en-US" sz="2500" b="1" dirty="0">
+              <a:ln>
+                <a:solidFill>
+                  <a:schemeClr val="bg1">
+                    <a:alpha val="0"/>
+                  </a:schemeClr>
+                </a:solidFill>
+              </a:ln>
+              <a:latin typeface="-윤고딕330" pitchFamily="18" charset="-127"/>
+              <a:ea typeface="-윤고딕330" pitchFamily="18" charset="-127"/>
+            </a:endParaRPr>
+          </a:p>
+        </p:txBody>
+      </p:sp>
+    </p:spTree>
+    <p:extLst>
+      <p:ext uri="{BB962C8B-B14F-4D97-AF65-F5344CB8AC3E}">
+        <p14:creationId xmlns:p14="http://schemas.microsoft.com/office/powerpoint/2010/main" val="1680745792"/>
+      </p:ext>
+    </p:extLst>
+  </p:cSld>
+  <p:clrMapOvr>
+    <a:masterClrMapping/>
+  </p:clrMapOvr>
+  <mc:AlternateContent xmlns:mc="http://schemas.openxmlformats.org/markup-compatibility/2006" xmlns:p14="http://schemas.microsoft.com/office/powerpoint/2010/main">
+    <mc:Choice Requires="p14">
+      <p:transition spd="med" p14:dur="700">
+        <p:fade/>
+      </p:transition>
+    </mc:Choice>
+    <mc:Fallback xmlns="">
+      <p:transition spd="med">
+        <p:fade/>
+      </p:transition>
+    </mc:Fallback>
+  </mc:AlternateContent>
+</p:sld>
+</file>
+
+<file path=ppt/slides/slide9.xml><?xml version="1.0" encoding="utf-8"?>
+<p:sld xmlns:a="http://schemas.openxmlformats.org/drawingml/2006/main" xmlns:r="http://schemas.openxmlformats.org/officeDocument/2006/relationships" xmlns:p="http://schemas.openxmlformats.org/presentationml/2006/main">
+  <p:cSld>
+    <p:spTree>
+      <p:nvGrpSpPr>
+        <p:cNvPr id="1" name=""/>
+        <p:cNvGrpSpPr/>
+        <p:nvPr/>
+      </p:nvGrpSpPr>
+      <p:grpSpPr>
+        <a:xfrm>
+          <a:off x="0" y="0"/>
+          <a:ext cx="0" cy="0"/>
+          <a:chOff x="0" y="0"/>
+          <a:chExt cx="0" cy="0"/>
+        </a:xfrm>
+      </p:grpSpPr>
+      <p:sp>
+        <p:nvSpPr>
+          <p:cNvPr id="6" name="모서리가 둥근 직사각형 5"/>
+          <p:cNvSpPr/>
+          <p:nvPr/>
+        </p:nvSpPr>
+        <p:spPr>
+          <a:xfrm>
+            <a:off x="251520" y="188640"/>
+            <a:ext cx="8640960" cy="6480720"/>
+          </a:xfrm>
+          <a:prstGeom prst="roundRect">
+            <a:avLst>
+              <a:gd name="adj" fmla="val 5928"/>
+            </a:avLst>
+          </a:prstGeom>
+          <a:solidFill>
+            <a:schemeClr val="bg1"/>
+          </a:solidFill>
+          <a:ln>
+            <a:solidFill>
+              <a:schemeClr val="bg1"/>
+            </a:solidFill>
+          </a:ln>
+        </p:spPr>
+        <p:style>
+          <a:lnRef idx="2">
+            <a:schemeClr val="accent1">
+              <a:shade val="50000"/>
+            </a:schemeClr>
+          </a:lnRef>
+          <a:fillRef idx="1">
+            <a:schemeClr val="accent1"/>
+          </a:fillRef>
+          <a:effectRef idx="0">
+            <a:schemeClr val="accent1"/>
+          </a:effectRef>
+          <a:fontRef idx="minor">
+            <a:schemeClr val="lt1"/>
+          </a:fontRef>
+        </p:style>
+        <p:txBody>
+          <a:bodyPr rtlCol="0" anchor="ctr"/>
+          <a:lstStyle/>
+          <a:p>
+            <a:pPr algn="ctr"/>
+            <a:endParaRPr lang="ko-KR" altLang="en-US" sz="1400" b="1"/>
+          </a:p>
+        </p:txBody>
+      </p:sp>
+      <p:grpSp>
+        <p:nvGrpSpPr>
+          <p:cNvPr id="4" name="그룹 3"/>
+          <p:cNvGrpSpPr/>
+          <p:nvPr/>
+        </p:nvGrpSpPr>
+        <p:grpSpPr>
+          <a:xfrm>
+            <a:off x="3203848" y="2753257"/>
+            <a:ext cx="5304084" cy="1551745"/>
+            <a:chOff x="3314604" y="2406649"/>
+            <a:chExt cx="5304084" cy="1551745"/>
+          </a:xfrm>
+        </p:grpSpPr>
+        <p:sp>
+          <p:nvSpPr>
+            <p:cNvPr id="8" name="TextBox 7"/>
+            <p:cNvSpPr txBox="1"/>
+            <p:nvPr/>
+          </p:nvSpPr>
+          <p:spPr>
+            <a:xfrm>
+              <a:off x="3314604" y="2650344"/>
+              <a:ext cx="4044697" cy="1308050"/>
+            </a:xfrm>
+            <a:prstGeom prst="rect">
+              <a:avLst/>
+            </a:prstGeom>
+            <a:noFill/>
+          </p:spPr>
+          <p:txBody>
+            <a:bodyPr wrap="square" rtlCol="0">
+              <a:spAutoFit/>
+            </a:bodyPr>
+            <a:lstStyle/>
+            <a:p>
+              <a:r>
+                <a:rPr lang="en-US" altLang="ko-KR" sz="4400" b="1" dirty="0">
+                  <a:ln>
+                    <a:solidFill>
+                      <a:schemeClr val="bg1">
+                        <a:alpha val="0"/>
+                      </a:schemeClr>
+                    </a:solidFill>
+                  </a:ln>
+                  <a:solidFill>
+                    <a:srgbClr val="BF0302"/>
+                  </a:solidFill>
+                  <a:latin typeface="-윤고딕330" pitchFamily="18" charset="-127"/>
+                  <a:ea typeface="-윤고딕330" pitchFamily="18" charset="-127"/>
+                </a:rPr>
+                <a:t>04    </a:t>
+              </a:r>
+              <a:r>
+                <a:rPr lang="ko-KR" altLang="en-US" sz="3500" b="1" dirty="0">
+                  <a:ln>
+                    <a:solidFill>
+                      <a:schemeClr val="bg1">
+                        <a:alpha val="0"/>
+                      </a:schemeClr>
+                    </a:solidFill>
+                  </a:ln>
+                  <a:latin typeface="-윤고딕330" pitchFamily="18" charset="-127"/>
+                  <a:ea typeface="-윤고딕330" pitchFamily="18" charset="-127"/>
+                </a:rPr>
+                <a:t>제안방법 및</a:t>
+              </a:r>
+              <a:endParaRPr lang="en-US" altLang="ko-KR" sz="3500" b="1" dirty="0">
+                <a:ln>
+                  <a:solidFill>
+                    <a:schemeClr val="bg1">
+                      <a:alpha val="0"/>
+                    </a:schemeClr>
+                  </a:solidFill>
+                </a:ln>
+                <a:latin typeface="-윤고딕330" pitchFamily="18" charset="-127"/>
+                <a:ea typeface="-윤고딕330" pitchFamily="18" charset="-127"/>
+              </a:endParaRPr>
+            </a:p>
+            <a:p>
+              <a:r>
+                <a:rPr lang="en-US" altLang="ko-KR" sz="3500" b="1" dirty="0">
+                  <a:ln>
+                    <a:solidFill>
+                      <a:schemeClr val="bg1">
+                        <a:alpha val="0"/>
+                      </a:schemeClr>
+                    </a:solidFill>
+                  </a:ln>
+                  <a:latin typeface="-윤고딕330" pitchFamily="18" charset="-127"/>
+                  <a:ea typeface="-윤고딕330" pitchFamily="18" charset="-127"/>
+                </a:rPr>
+                <a:t>             </a:t>
+              </a:r>
+              <a:r>
+                <a:rPr lang="ko-KR" altLang="en-US" sz="3500" b="1" dirty="0">
+                  <a:ln>
+                    <a:solidFill>
+                      <a:schemeClr val="bg1">
+                        <a:alpha val="0"/>
+                      </a:schemeClr>
+                    </a:solidFill>
+                  </a:ln>
+                  <a:latin typeface="-윤고딕330" pitchFamily="18" charset="-127"/>
+                  <a:ea typeface="-윤고딕330" pitchFamily="18" charset="-127"/>
+                </a:rPr>
+                <a:t>개선방법</a:t>
+              </a:r>
+            </a:p>
+          </p:txBody>
+        </p:sp>
+        <p:pic>
+          <p:nvPicPr>
+            <p:cNvPr id="2" name="그림 1"/>
+            <p:cNvPicPr>
+              <a:picLocks noChangeAspect="1"/>
+            </p:cNvPicPr>
+            <p:nvPr/>
+          </p:nvPicPr>
+          <p:blipFill>
+            <a:blip r:embed="rId2" cstate="print">
+              <a:extLst>
+                <a:ext uri="{28A0092B-C50C-407E-A947-70E740481C1C}">
+                  <a14:useLocalDpi xmlns:a14="http://schemas.microsoft.com/office/drawing/2010/main" val="0"/>
+                </a:ext>
+              </a:extLst>
+            </a:blip>
+            <a:stretch>
+              <a:fillRect/>
+            </a:stretch>
+          </p:blipFill>
+          <p:spPr>
+            <a:xfrm rot="2196822">
+              <a:off x="7246613" y="2406649"/>
+              <a:ext cx="1372075" cy="1372075"/>
+            </a:xfrm>
+            <a:prstGeom prst="rect">
+              <a:avLst/>
+            </a:prstGeom>
+          </p:spPr>
+        </p:pic>
+      </p:grpSp>
+    </p:spTree>
+    <p:extLst>
+      <p:ext uri="{BB962C8B-B14F-4D97-AF65-F5344CB8AC3E}">
+        <p14:creationId xmlns:p14="http://schemas.microsoft.com/office/powerpoint/2010/main" val="150194373"/>
       </p:ext>
     </p:extLst>
   </p:cSld>
